--- a/Dokumente/Präsentationen/2019-02-18_DA_Feldkemper_Zwischenpräsentation.pptx
+++ b/Dokumente/Präsentationen/2019-02-18_DA_Feldkemper_Zwischenpräsentation.pptx
@@ -5,10 +5,10 @@
     <p:sldMasterId id="2147483891" r:id="rId1"/>
   </p:sldMasterIdLst>
   <p:notesMasterIdLst>
-    <p:notesMasterId r:id="rId26"/>
+    <p:notesMasterId r:id="rId25"/>
   </p:notesMasterIdLst>
   <p:handoutMasterIdLst>
-    <p:handoutMasterId r:id="rId27"/>
+    <p:handoutMasterId r:id="rId26"/>
   </p:handoutMasterIdLst>
   <p:sldIdLst>
     <p:sldId id="319" r:id="rId2"/>
@@ -18,7 +18,7 @@
     <p:sldId id="341" r:id="rId6"/>
     <p:sldId id="348" r:id="rId7"/>
     <p:sldId id="350" r:id="rId8"/>
-    <p:sldId id="349" r:id="rId9"/>
+    <p:sldId id="331" r:id="rId9"/>
     <p:sldId id="339" r:id="rId10"/>
     <p:sldId id="342" r:id="rId11"/>
     <p:sldId id="343" r:id="rId12"/>
@@ -29,29 +29,28 @@
     <p:sldId id="322" r:id="rId17"/>
     <p:sldId id="325" r:id="rId18"/>
     <p:sldId id="336" r:id="rId19"/>
-    <p:sldId id="331" r:id="rId20"/>
-    <p:sldId id="332" r:id="rId21"/>
-    <p:sldId id="329" r:id="rId22"/>
-    <p:sldId id="324" r:id="rId23"/>
-    <p:sldId id="330" r:id="rId24"/>
-    <p:sldId id="326" r:id="rId25"/>
+    <p:sldId id="332" r:id="rId20"/>
+    <p:sldId id="329" r:id="rId21"/>
+    <p:sldId id="324" r:id="rId22"/>
+    <p:sldId id="330" r:id="rId23"/>
+    <p:sldId id="326" r:id="rId24"/>
   </p:sldIdLst>
   <p:sldSz cx="12192000" cy="6858000"/>
   <p:notesSz cx="6858000" cy="9144000"/>
   <p:embeddedFontLst>
     <p:embeddedFont>
       <p:font typeface="Open Sans" panose="020B0604020202020204" charset="0"/>
-      <p:regular r:id="rId28"/>
-      <p:bold r:id="rId29"/>
-      <p:italic r:id="rId30"/>
-      <p:boldItalic r:id="rId31"/>
+      <p:regular r:id="rId27"/>
+      <p:bold r:id="rId28"/>
+      <p:italic r:id="rId29"/>
+      <p:boldItalic r:id="rId30"/>
     </p:embeddedFont>
     <p:embeddedFont>
       <p:font typeface="Calibri" panose="020F0502020204030204" pitchFamily="34" charset="0"/>
-      <p:regular r:id="rId32"/>
-      <p:bold r:id="rId33"/>
-      <p:italic r:id="rId34"/>
-      <p:boldItalic r:id="rId35"/>
+      <p:regular r:id="rId31"/>
+      <p:bold r:id="rId32"/>
+      <p:italic r:id="rId33"/>
+      <p:boldItalic r:id="rId34"/>
     </p:embeddedFont>
   </p:embeddedFontLst>
   <p:defaultTextStyle>
@@ -161,22 +160,21 @@
             <p14:sldId id="341"/>
             <p14:sldId id="348"/>
             <p14:sldId id="350"/>
-            <p14:sldId id="349"/>
+            <p14:sldId id="331"/>
+          </p14:sldIdLst>
+        </p14:section>
+        <p14:section name="Backup" id="{11E1ABF5-BE9C-4ED3-BFED-F3FA90A74AB7}">
+          <p14:sldIdLst>
             <p14:sldId id="339"/>
             <p14:sldId id="342"/>
             <p14:sldId id="343"/>
             <p14:sldId id="345"/>
-          </p14:sldIdLst>
-        </p14:section>
-        <p14:section name="Backup" id="{11E1ABF5-BE9C-4ED3-BFED-F3FA90A74AB7}">
-          <p14:sldIdLst>
             <p14:sldId id="338"/>
             <p14:sldId id="327"/>
             <p14:sldId id="320"/>
             <p14:sldId id="322"/>
             <p14:sldId id="325"/>
             <p14:sldId id="336"/>
-            <p14:sldId id="331"/>
             <p14:sldId id="332"/>
             <p14:sldId id="329"/>
             <p14:sldId id="324"/>
@@ -287,7 +285,7 @@
           <a:p>
             <a:fld id="{C6AC6211-610F-44E5-BF19-D3CDF6EDD281}" type="datetimeFigureOut">
               <a:rPr lang="de-DE" smtClean="0"/>
-              <a:t>11.02.2019</a:t>
+              <a:t>12.02.2019</a:t>
             </a:fld>
             <a:endParaRPr lang="de-DE"/>
           </a:p>
@@ -453,7 +451,7 @@
           <a:p>
             <a:fld id="{347435D3-23A6-45D3-8DFA-7317DC1E7A64}" type="datetimeFigureOut">
               <a:rPr lang="de-DE" smtClean="0"/>
-              <a:t>11.02.2019</a:t>
+              <a:t>12.02.2019</a:t>
             </a:fld>
             <a:endParaRPr lang="de-DE"/>
           </a:p>
@@ -849,7 +847,7 @@
           <a:bodyPr/>
           <a:lstStyle/>
           <a:p>
-            <a:endParaRPr lang="de-DE"/>
+            <a:endParaRPr lang="de-DE" dirty="0"/>
           </a:p>
         </p:txBody>
       </p:sp>
@@ -860,7 +858,7 @@
             <a:spLocks noGrp="1"/>
           </p:cNvSpPr>
           <p:nvPr>
-            <p:ph type="sldNum" sz="quarter" idx="5"/>
+            <p:ph type="sldNum" sz="quarter" idx="10"/>
           </p:nvPr>
         </p:nvSpPr>
         <p:spPr/>
@@ -870,7 +868,7 @@
           <a:p>
             <a:fld id="{2969AC09-DF60-43F4-96BF-67D4D9A74094}" type="slidenum">
               <a:rPr lang="de-DE" smtClean="0"/>
-              <a:t>19</a:t>
+              <a:t>20</a:t>
             </a:fld>
             <a:endParaRPr lang="de-DE"/>
           </a:p>
@@ -879,7 +877,7 @@
     </p:spTree>
     <p:extLst>
       <p:ext uri="{BB962C8B-B14F-4D97-AF65-F5344CB8AC3E}">
-        <p14:creationId xmlns:p14="http://schemas.microsoft.com/office/powerpoint/2010/main" val="594324531"/>
+        <p14:creationId xmlns:p14="http://schemas.microsoft.com/office/powerpoint/2010/main" val="1125391251"/>
       </p:ext>
     </p:extLst>
   </p:cSld>
@@ -963,7 +961,7 @@
     </p:spTree>
     <p:extLst>
       <p:ext uri="{BB962C8B-B14F-4D97-AF65-F5344CB8AC3E}">
-        <p14:creationId xmlns:p14="http://schemas.microsoft.com/office/powerpoint/2010/main" val="1125391251"/>
+        <p14:creationId xmlns:p14="http://schemas.microsoft.com/office/powerpoint/2010/main" val="796060570"/>
       </p:ext>
     </p:extLst>
   </p:cSld>
@@ -974,90 +972,6 @@
 </file>
 
 <file path=ppt/notesSlides/notesSlide12.xml><?xml version="1.0" encoding="utf-8"?>
-<p:notes xmlns:a="http://schemas.openxmlformats.org/drawingml/2006/main" xmlns:r="http://schemas.openxmlformats.org/officeDocument/2006/relationships" xmlns:p="http://schemas.openxmlformats.org/presentationml/2006/main">
-  <p:cSld>
-    <p:spTree>
-      <p:nvGrpSpPr>
-        <p:cNvPr id="1" name=""/>
-        <p:cNvGrpSpPr/>
-        <p:nvPr/>
-      </p:nvGrpSpPr>
-      <p:grpSpPr>
-        <a:xfrm>
-          <a:off x="0" y="0"/>
-          <a:ext cx="0" cy="0"/>
-          <a:chOff x="0" y="0"/>
-          <a:chExt cx="0" cy="0"/>
-        </a:xfrm>
-      </p:grpSpPr>
-      <p:sp>
-        <p:nvSpPr>
-          <p:cNvPr id="2" name="Folienbildplatzhalter 1"/>
-          <p:cNvSpPr>
-            <a:spLocks noGrp="1" noRot="1" noChangeAspect="1"/>
-          </p:cNvSpPr>
-          <p:nvPr>
-            <p:ph type="sldImg"/>
-          </p:nvPr>
-        </p:nvSpPr>
-        <p:spPr/>
-      </p:sp>
-      <p:sp>
-        <p:nvSpPr>
-          <p:cNvPr id="3" name="Notizenplatzhalter 2"/>
-          <p:cNvSpPr>
-            <a:spLocks noGrp="1"/>
-          </p:cNvSpPr>
-          <p:nvPr>
-            <p:ph type="body" idx="1"/>
-          </p:nvPr>
-        </p:nvSpPr>
-        <p:spPr/>
-        <p:txBody>
-          <a:bodyPr/>
-          <a:lstStyle/>
-          <a:p>
-            <a:endParaRPr lang="de-DE" dirty="0"/>
-          </a:p>
-        </p:txBody>
-      </p:sp>
-      <p:sp>
-        <p:nvSpPr>
-          <p:cNvPr id="4" name="Foliennummernplatzhalter 3"/>
-          <p:cNvSpPr>
-            <a:spLocks noGrp="1"/>
-          </p:cNvSpPr>
-          <p:nvPr>
-            <p:ph type="sldNum" sz="quarter" idx="10"/>
-          </p:nvPr>
-        </p:nvSpPr>
-        <p:spPr/>
-        <p:txBody>
-          <a:bodyPr/>
-          <a:lstStyle/>
-          <a:p>
-            <a:fld id="{2969AC09-DF60-43F4-96BF-67D4D9A74094}" type="slidenum">
-              <a:rPr lang="de-DE" smtClean="0"/>
-              <a:t>22</a:t>
-            </a:fld>
-            <a:endParaRPr lang="de-DE"/>
-          </a:p>
-        </p:txBody>
-      </p:sp>
-    </p:spTree>
-    <p:extLst>
-      <p:ext uri="{BB962C8B-B14F-4D97-AF65-F5344CB8AC3E}">
-        <p14:creationId xmlns:p14="http://schemas.microsoft.com/office/powerpoint/2010/main" val="796060570"/>
-      </p:ext>
-    </p:extLst>
-  </p:cSld>
-  <p:clrMapOvr>
-    <a:masterClrMapping/>
-  </p:clrMapOvr>
-</p:notes>
-</file>
-
-<file path=ppt/notesSlides/notesSlide13.xml><?xml version="1.0" encoding="utf-8"?>
 <p:notes xmlns:a="http://schemas.openxmlformats.org/drawingml/2006/main" xmlns:r="http://schemas.openxmlformats.org/officeDocument/2006/relationships" xmlns:p="http://schemas.openxmlformats.org/presentationml/2006/main">
   <p:cSld>
     <p:spTree>
@@ -1146,7 +1060,7 @@
           <a:p>
             <a:fld id="{2969AC09-DF60-43F4-96BF-67D4D9A74094}" type="slidenum">
               <a:rPr lang="de-DE" smtClean="0"/>
-              <a:t>23</a:t>
+              <a:t>22</a:t>
             </a:fld>
             <a:endParaRPr lang="de-DE"/>
           </a:p>
@@ -1165,7 +1079,7 @@
 </p:notes>
 </file>
 
-<file path=ppt/notesSlides/notesSlide14.xml><?xml version="1.0" encoding="utf-8"?>
+<file path=ppt/notesSlides/notesSlide13.xml><?xml version="1.0" encoding="utf-8"?>
 <p:notes xmlns:a="http://schemas.openxmlformats.org/drawingml/2006/main" xmlns:r="http://schemas.openxmlformats.org/officeDocument/2006/relationships" xmlns:p="http://schemas.openxmlformats.org/presentationml/2006/main">
   <p:cSld>
     <p:spTree>
@@ -1230,7 +1144,7 @@
           <a:p>
             <a:fld id="{2969AC09-DF60-43F4-96BF-67D4D9A74094}" type="slidenum">
               <a:rPr lang="de-DE" smtClean="0"/>
-              <a:t>24</a:t>
+              <a:t>23</a:t>
             </a:fld>
             <a:endParaRPr lang="de-DE"/>
           </a:p>
@@ -1637,7 +1551,15 @@
           <a:bodyPr/>
           <a:lstStyle/>
           <a:p>
-            <a:endParaRPr lang="de-DE"/>
+            <a:r>
+              <a:rPr lang="de-DE" dirty="0" err="1" smtClean="0"/>
+              <a:t>Use</a:t>
+            </a:r>
+            <a:r>
+              <a:rPr lang="de-DE" baseline="0" dirty="0" smtClean="0"/>
+              <a:t> Case: Ideen?</a:t>
+            </a:r>
+            <a:endParaRPr lang="de-DE" dirty="0"/>
           </a:p>
         </p:txBody>
       </p:sp>
@@ -1648,7 +1570,7 @@
             <a:spLocks noGrp="1"/>
           </p:cNvSpPr>
           <p:nvPr>
-            <p:ph type="sldNum" sz="quarter" idx="10"/>
+            <p:ph type="sldNum" sz="quarter" idx="5"/>
           </p:nvPr>
         </p:nvSpPr>
         <p:spPr/>
@@ -1667,7 +1589,7 @@
     </p:spTree>
     <p:extLst>
       <p:ext uri="{BB962C8B-B14F-4D97-AF65-F5344CB8AC3E}">
-        <p14:creationId xmlns:p14="http://schemas.microsoft.com/office/powerpoint/2010/main" val="178774251"/>
+        <p14:creationId xmlns:p14="http://schemas.microsoft.com/office/powerpoint/2010/main" val="594324531"/>
       </p:ext>
     </p:extLst>
   </p:cSld>
@@ -1960,7 +1882,7 @@
           <p:cNvPr id="15" name="Rechteck 14">
             <a:extLst>
               <a:ext uri="{FF2B5EF4-FFF2-40B4-BE49-F238E27FC236}">
-                <a16:creationId xmlns:a16="http://schemas.microsoft.com/office/drawing/2014/main" xmlns="" id="{F770C3AA-244C-A141-BC22-D074823F4293}"/>
+                <a16:creationId xmlns="" xmlns:a16="http://schemas.microsoft.com/office/drawing/2014/main" id="{F770C3AA-244C-A141-BC22-D074823F4293}"/>
               </a:ext>
             </a:extLst>
           </p:cNvPr>
@@ -2200,7 +2122,7 @@
           <p:cNvPr id="5" name="Grafik 4">
             <a:extLst>
               <a:ext uri="{FF2B5EF4-FFF2-40B4-BE49-F238E27FC236}">
-                <a16:creationId xmlns:a16="http://schemas.microsoft.com/office/drawing/2014/main" xmlns="" id="{C0F785FA-BB6E-6347-A8C6-9846216D4CBB}"/>
+                <a16:creationId xmlns="" xmlns:a16="http://schemas.microsoft.com/office/drawing/2014/main" id="{C0F785FA-BB6E-6347-A8C6-9846216D4CBB}"/>
               </a:ext>
             </a:extLst>
           </p:cNvPr>
@@ -2389,7 +2311,7 @@
           <p:cNvPr id="12" name="Grafik 11" hidden="1">
             <a:extLst>
               <a:ext uri="{FF2B5EF4-FFF2-40B4-BE49-F238E27FC236}">
-                <a16:creationId xmlns:a16="http://schemas.microsoft.com/office/drawing/2014/main" xmlns="" id="{CFC0D4A5-64CF-6D49-98B1-9FF6119E60EC}"/>
+                <a16:creationId xmlns="" xmlns:a16="http://schemas.microsoft.com/office/drawing/2014/main" id="{CFC0D4A5-64CF-6D49-98B1-9FF6119E60EC}"/>
               </a:ext>
             </a:extLst>
           </p:cNvPr>
@@ -2419,7 +2341,7 @@
           <p:cNvPr id="17" name="Grafik 16">
             <a:extLst>
               <a:ext uri="{FF2B5EF4-FFF2-40B4-BE49-F238E27FC236}">
-                <a16:creationId xmlns:a16="http://schemas.microsoft.com/office/drawing/2014/main" xmlns="" id="{22ECE872-F4EF-2A49-BA96-6065BC99D769}"/>
+                <a16:creationId xmlns="" xmlns:a16="http://schemas.microsoft.com/office/drawing/2014/main" id="{22ECE872-F4EF-2A49-BA96-6065BC99D769}"/>
               </a:ext>
             </a:extLst>
           </p:cNvPr>
@@ -2689,7 +2611,7 @@
           <p:cNvPr id="24" name="Bildplatzhalter 23">
             <a:extLst>
               <a:ext uri="{FF2B5EF4-FFF2-40B4-BE49-F238E27FC236}">
-                <a16:creationId xmlns:a16="http://schemas.microsoft.com/office/drawing/2014/main" xmlns="" id="{24A56C48-CA8D-D349-89CC-35C3A65DC4D5}"/>
+                <a16:creationId xmlns="" xmlns:a16="http://schemas.microsoft.com/office/drawing/2014/main" id="{24A56C48-CA8D-D349-89CC-35C3A65DC4D5}"/>
               </a:ext>
             </a:extLst>
           </p:cNvPr>
@@ -3003,7 +2925,7 @@
           <p:cNvPr id="6" name="Textplatzhalter 5">
             <a:extLst>
               <a:ext uri="{FF2B5EF4-FFF2-40B4-BE49-F238E27FC236}">
-                <a16:creationId xmlns:a16="http://schemas.microsoft.com/office/drawing/2014/main" xmlns="" id="{2E77FCEF-52F5-324B-A583-005ABCE0E622}"/>
+                <a16:creationId xmlns="" xmlns:a16="http://schemas.microsoft.com/office/drawing/2014/main" id="{2E77FCEF-52F5-324B-A583-005ABCE0E622}"/>
               </a:ext>
             </a:extLst>
           </p:cNvPr>
@@ -3041,7 +2963,7 @@
           <p:cNvPr id="13" name="Grafik 12">
             <a:extLst>
               <a:ext uri="{FF2B5EF4-FFF2-40B4-BE49-F238E27FC236}">
-                <a16:creationId xmlns:a16="http://schemas.microsoft.com/office/drawing/2014/main" xmlns="" id="{F84F96E3-FAED-E24A-9E01-BBA4824F0E34}"/>
+                <a16:creationId xmlns="" xmlns:a16="http://schemas.microsoft.com/office/drawing/2014/main" id="{F84F96E3-FAED-E24A-9E01-BBA4824F0E34}"/>
               </a:ext>
             </a:extLst>
           </p:cNvPr>
@@ -3212,7 +3134,7 @@
           <p:cNvPr id="6" name="Rechteck 5">
             <a:extLst>
               <a:ext uri="{FF2B5EF4-FFF2-40B4-BE49-F238E27FC236}">
-                <a16:creationId xmlns:a16="http://schemas.microsoft.com/office/drawing/2014/main" xmlns="" id="{2447D286-D9F9-E84F-9173-2C8D2D2068E1}"/>
+                <a16:creationId xmlns="" xmlns:a16="http://schemas.microsoft.com/office/drawing/2014/main" id="{2447D286-D9F9-E84F-9173-2C8D2D2068E1}"/>
               </a:ext>
             </a:extLst>
           </p:cNvPr>
@@ -3279,7 +3201,7 @@
           <p:cNvPr id="10" name="Grafik 9">
             <a:extLst>
               <a:ext uri="{FF2B5EF4-FFF2-40B4-BE49-F238E27FC236}">
-                <a16:creationId xmlns:a16="http://schemas.microsoft.com/office/drawing/2014/main" xmlns="" id="{E4DBCC79-CA26-C240-B119-9127A62CDBA8}"/>
+                <a16:creationId xmlns="" xmlns:a16="http://schemas.microsoft.com/office/drawing/2014/main" id="{E4DBCC79-CA26-C240-B119-9127A62CDBA8}"/>
               </a:ext>
             </a:extLst>
           </p:cNvPr>
@@ -3381,7 +3303,7 @@
           <p:cNvPr id="5" name="Rechteck 4">
             <a:extLst>
               <a:ext uri="{FF2B5EF4-FFF2-40B4-BE49-F238E27FC236}">
-                <a16:creationId xmlns:a16="http://schemas.microsoft.com/office/drawing/2014/main" xmlns="" id="{FD770378-5F2D-DE46-8D66-09007E946AD3}"/>
+                <a16:creationId xmlns="" xmlns:a16="http://schemas.microsoft.com/office/drawing/2014/main" id="{FD770378-5F2D-DE46-8D66-09007E946AD3}"/>
               </a:ext>
             </a:extLst>
           </p:cNvPr>
@@ -3445,7 +3367,7 @@
           <p:cNvPr id="4" name="Grafik 3">
             <a:extLst>
               <a:ext uri="{FF2B5EF4-FFF2-40B4-BE49-F238E27FC236}">
-                <a16:creationId xmlns:a16="http://schemas.microsoft.com/office/drawing/2014/main" xmlns="" id="{4FE30B28-5777-FC40-9C3F-81738D289A6A}"/>
+                <a16:creationId xmlns="" xmlns:a16="http://schemas.microsoft.com/office/drawing/2014/main" id="{4FE30B28-5777-FC40-9C3F-81738D289A6A}"/>
               </a:ext>
             </a:extLst>
           </p:cNvPr>
@@ -4297,7 +4219,7 @@
           <a:p>
             <a:pPr algn="l"/>
             <a:r>
-              <a:rPr lang="de-DE" sz="800" baseline="0" dirty="0" err="1">
+              <a:rPr lang="de-DE" sz="800" baseline="0" dirty="0" smtClean="0">
                 <a:solidFill>
                   <a:schemeClr val="bg2"/>
                 </a:solidFill>
@@ -4305,18 +4227,7 @@
                 <a:ea typeface="Open Sans" panose="020B0606030504020204" pitchFamily="34" charset="0"/>
                 <a:cs typeface="Open Sans" panose="020B0606030504020204" pitchFamily="34" charset="0"/>
               </a:rPr>
-              <a:t>Aufgabenvorstelllung</a:t>
-            </a:r>
-            <a:r>
-              <a:rPr lang="de-DE" sz="800" baseline="0" dirty="0">
-                <a:solidFill>
-                  <a:schemeClr val="bg2"/>
-                </a:solidFill>
-                <a:latin typeface="Open Sans" panose="020B0606030504020204" pitchFamily="34" charset="0"/>
-                <a:ea typeface="Open Sans" panose="020B0606030504020204" pitchFamily="34" charset="0"/>
-                <a:cs typeface="Open Sans" panose="020B0606030504020204" pitchFamily="34" charset="0"/>
-              </a:rPr>
-              <a:t> // 07.01.2019</a:t>
+              <a:t>Zwischenpräsentation// 18.02.2019</a:t>
             </a:r>
             <a:endParaRPr lang="de-DE" sz="800" dirty="0">
               <a:solidFill>
@@ -4579,7 +4490,7 @@
           <p:cNvPr id="13" name="Grafik 12">
             <a:extLst>
               <a:ext uri="{FF2B5EF4-FFF2-40B4-BE49-F238E27FC236}">
-                <a16:creationId xmlns:a16="http://schemas.microsoft.com/office/drawing/2014/main" xmlns="" id="{2DC3CACD-C7C8-274E-BCD4-043370996A48}"/>
+                <a16:creationId xmlns="" xmlns:a16="http://schemas.microsoft.com/office/drawing/2014/main" id="{2DC3CACD-C7C8-274E-BCD4-043370996A48}"/>
               </a:ext>
             </a:extLst>
           </p:cNvPr>
@@ -5145,9 +5056,10 @@
           <a:lstStyle/>
           <a:p>
             <a:r>
-              <a:rPr lang="de-DE" dirty="0"/>
-              <a:t>Aufgabenvorstellung Diplomarbeit</a:t>
+              <a:rPr lang="de-DE" dirty="0" smtClean="0"/>
+              <a:t>Zwischenpräsentation Diplomarbeit</a:t>
             </a:r>
+            <a:endParaRPr lang="de-DE" dirty="0"/>
           </a:p>
         </p:txBody>
       </p:sp>
@@ -5234,7 +5146,7 @@
           <p:cNvPr id="4" name="Gruppieren 3">
             <a:extLst>
               <a:ext uri="{FF2B5EF4-FFF2-40B4-BE49-F238E27FC236}">
-                <a16:creationId xmlns:a16="http://schemas.microsoft.com/office/drawing/2014/main" xmlns="" id="{64401E1E-557D-5D4F-AE09-187A0802411B}"/>
+                <a16:creationId xmlns="" xmlns:a16="http://schemas.microsoft.com/office/drawing/2014/main" id="{64401E1E-557D-5D4F-AE09-187A0802411B}"/>
               </a:ext>
             </a:extLst>
           </p:cNvPr>
@@ -5254,7 +5166,7 @@
             <p:cNvPr id="5" name="Rechteck 4">
               <a:extLst>
                 <a:ext uri="{FF2B5EF4-FFF2-40B4-BE49-F238E27FC236}">
-                  <a16:creationId xmlns:a16="http://schemas.microsoft.com/office/drawing/2014/main" xmlns="" id="{35A0EAB9-4039-6448-AC03-B60DE38901D0}"/>
+                  <a16:creationId xmlns="" xmlns:a16="http://schemas.microsoft.com/office/drawing/2014/main" id="{35A0EAB9-4039-6448-AC03-B60DE38901D0}"/>
                 </a:ext>
               </a:extLst>
             </p:cNvPr>
@@ -5458,7 +5370,7 @@
             <p:cNvPr id="6" name="Rechteck 5">
               <a:extLst>
                 <a:ext uri="{FF2B5EF4-FFF2-40B4-BE49-F238E27FC236}">
-                  <a16:creationId xmlns:a16="http://schemas.microsoft.com/office/drawing/2014/main" xmlns="" id="{FCCEA108-686B-BB4F-95FB-4BCE5EB529F1}"/>
+                  <a16:creationId xmlns="" xmlns:a16="http://schemas.microsoft.com/office/drawing/2014/main" id="{FCCEA108-686B-BB4F-95FB-4BCE5EB529F1}"/>
                 </a:ext>
               </a:extLst>
             </p:cNvPr>
@@ -5517,7 +5429,7 @@
           <p:cNvPr id="7" name="Gruppieren 6">
             <a:extLst>
               <a:ext uri="{FF2B5EF4-FFF2-40B4-BE49-F238E27FC236}">
-                <a16:creationId xmlns:a16="http://schemas.microsoft.com/office/drawing/2014/main" xmlns="" id="{64401E1E-557D-5D4F-AE09-187A0802411B}"/>
+                <a16:creationId xmlns="" xmlns:a16="http://schemas.microsoft.com/office/drawing/2014/main" id="{64401E1E-557D-5D4F-AE09-187A0802411B}"/>
               </a:ext>
             </a:extLst>
           </p:cNvPr>
@@ -5537,7 +5449,7 @@
             <p:cNvPr id="8" name="Rechteck 7">
               <a:extLst>
                 <a:ext uri="{FF2B5EF4-FFF2-40B4-BE49-F238E27FC236}">
-                  <a16:creationId xmlns:a16="http://schemas.microsoft.com/office/drawing/2014/main" xmlns="" id="{35A0EAB9-4039-6448-AC03-B60DE38901D0}"/>
+                  <a16:creationId xmlns="" xmlns:a16="http://schemas.microsoft.com/office/drawing/2014/main" id="{35A0EAB9-4039-6448-AC03-B60DE38901D0}"/>
                 </a:ext>
               </a:extLst>
             </p:cNvPr>
@@ -5663,7 +5575,7 @@
             <p:cNvPr id="9" name="Rechteck 8">
               <a:extLst>
                 <a:ext uri="{FF2B5EF4-FFF2-40B4-BE49-F238E27FC236}">
-                  <a16:creationId xmlns:a16="http://schemas.microsoft.com/office/drawing/2014/main" xmlns="" id="{FCCEA108-686B-BB4F-95FB-4BCE5EB529F1}"/>
+                  <a16:creationId xmlns="" xmlns:a16="http://schemas.microsoft.com/office/drawing/2014/main" id="{FCCEA108-686B-BB4F-95FB-4BCE5EB529F1}"/>
                 </a:ext>
               </a:extLst>
             </p:cNvPr>
@@ -5722,7 +5634,7 @@
           <p:cNvPr id="10" name="Gruppieren 9">
             <a:extLst>
               <a:ext uri="{FF2B5EF4-FFF2-40B4-BE49-F238E27FC236}">
-                <a16:creationId xmlns:a16="http://schemas.microsoft.com/office/drawing/2014/main" xmlns="" id="{64401E1E-557D-5D4F-AE09-187A0802411B}"/>
+                <a16:creationId xmlns="" xmlns:a16="http://schemas.microsoft.com/office/drawing/2014/main" id="{64401E1E-557D-5D4F-AE09-187A0802411B}"/>
               </a:ext>
             </a:extLst>
           </p:cNvPr>
@@ -5742,7 +5654,7 @@
             <p:cNvPr id="11" name="Rechteck 10">
               <a:extLst>
                 <a:ext uri="{FF2B5EF4-FFF2-40B4-BE49-F238E27FC236}">
-                  <a16:creationId xmlns:a16="http://schemas.microsoft.com/office/drawing/2014/main" xmlns="" id="{35A0EAB9-4039-6448-AC03-B60DE38901D0}"/>
+                  <a16:creationId xmlns="" xmlns:a16="http://schemas.microsoft.com/office/drawing/2014/main" id="{35A0EAB9-4039-6448-AC03-B60DE38901D0}"/>
                 </a:ext>
               </a:extLst>
             </p:cNvPr>
@@ -5854,7 +5766,7 @@
             <p:cNvPr id="12" name="Rechteck 11">
               <a:extLst>
                 <a:ext uri="{FF2B5EF4-FFF2-40B4-BE49-F238E27FC236}">
-                  <a16:creationId xmlns:a16="http://schemas.microsoft.com/office/drawing/2014/main" xmlns="" id="{FCCEA108-686B-BB4F-95FB-4BCE5EB529F1}"/>
+                  <a16:creationId xmlns="" xmlns:a16="http://schemas.microsoft.com/office/drawing/2014/main" id="{FCCEA108-686B-BB4F-95FB-4BCE5EB529F1}"/>
                 </a:ext>
               </a:extLst>
             </p:cNvPr>
@@ -5965,7 +5877,7 @@
           <p:cNvPr id="4" name="Gruppieren 3">
             <a:extLst>
               <a:ext uri="{FF2B5EF4-FFF2-40B4-BE49-F238E27FC236}">
-                <a16:creationId xmlns:a16="http://schemas.microsoft.com/office/drawing/2014/main" xmlns="" id="{64401E1E-557D-5D4F-AE09-187A0802411B}"/>
+                <a16:creationId xmlns="" xmlns:a16="http://schemas.microsoft.com/office/drawing/2014/main" id="{64401E1E-557D-5D4F-AE09-187A0802411B}"/>
               </a:ext>
             </a:extLst>
           </p:cNvPr>
@@ -5985,7 +5897,7 @@
             <p:cNvPr id="5" name="Rechteck 4">
               <a:extLst>
                 <a:ext uri="{FF2B5EF4-FFF2-40B4-BE49-F238E27FC236}">
-                  <a16:creationId xmlns:a16="http://schemas.microsoft.com/office/drawing/2014/main" xmlns="" id="{35A0EAB9-4039-6448-AC03-B60DE38901D0}"/>
+                  <a16:creationId xmlns="" xmlns:a16="http://schemas.microsoft.com/office/drawing/2014/main" id="{35A0EAB9-4039-6448-AC03-B60DE38901D0}"/>
                 </a:ext>
               </a:extLst>
             </p:cNvPr>
@@ -6069,7 +5981,7 @@
             <p:cNvPr id="6" name="Rechteck 5">
               <a:extLst>
                 <a:ext uri="{FF2B5EF4-FFF2-40B4-BE49-F238E27FC236}">
-                  <a16:creationId xmlns:a16="http://schemas.microsoft.com/office/drawing/2014/main" xmlns="" id="{FCCEA108-686B-BB4F-95FB-4BCE5EB529F1}"/>
+                  <a16:creationId xmlns="" xmlns:a16="http://schemas.microsoft.com/office/drawing/2014/main" id="{FCCEA108-686B-BB4F-95FB-4BCE5EB529F1}"/>
                 </a:ext>
               </a:extLst>
             </p:cNvPr>
@@ -6128,7 +6040,7 @@
           <p:cNvPr id="7" name="Gruppieren 6">
             <a:extLst>
               <a:ext uri="{FF2B5EF4-FFF2-40B4-BE49-F238E27FC236}">
-                <a16:creationId xmlns:a16="http://schemas.microsoft.com/office/drawing/2014/main" xmlns="" id="{64401E1E-557D-5D4F-AE09-187A0802411B}"/>
+                <a16:creationId xmlns="" xmlns:a16="http://schemas.microsoft.com/office/drawing/2014/main" id="{64401E1E-557D-5D4F-AE09-187A0802411B}"/>
               </a:ext>
             </a:extLst>
           </p:cNvPr>
@@ -6148,7 +6060,7 @@
             <p:cNvPr id="8" name="Rechteck 7">
               <a:extLst>
                 <a:ext uri="{FF2B5EF4-FFF2-40B4-BE49-F238E27FC236}">
-                  <a16:creationId xmlns:a16="http://schemas.microsoft.com/office/drawing/2014/main" xmlns="" id="{35A0EAB9-4039-6448-AC03-B60DE38901D0}"/>
+                  <a16:creationId xmlns="" xmlns:a16="http://schemas.microsoft.com/office/drawing/2014/main" id="{35A0EAB9-4039-6448-AC03-B60DE38901D0}"/>
                 </a:ext>
               </a:extLst>
             </p:cNvPr>
@@ -6243,7 +6155,7 @@
             <p:cNvPr id="9" name="Rechteck 8">
               <a:extLst>
                 <a:ext uri="{FF2B5EF4-FFF2-40B4-BE49-F238E27FC236}">
-                  <a16:creationId xmlns:a16="http://schemas.microsoft.com/office/drawing/2014/main" xmlns="" id="{FCCEA108-686B-BB4F-95FB-4BCE5EB529F1}"/>
+                  <a16:creationId xmlns="" xmlns:a16="http://schemas.microsoft.com/office/drawing/2014/main" id="{FCCEA108-686B-BB4F-95FB-4BCE5EB529F1}"/>
                 </a:ext>
               </a:extLst>
             </p:cNvPr>
@@ -6302,7 +6214,7 @@
           <p:cNvPr id="10" name="Gruppieren 9">
             <a:extLst>
               <a:ext uri="{FF2B5EF4-FFF2-40B4-BE49-F238E27FC236}">
-                <a16:creationId xmlns:a16="http://schemas.microsoft.com/office/drawing/2014/main" xmlns="" id="{64401E1E-557D-5D4F-AE09-187A0802411B}"/>
+                <a16:creationId xmlns="" xmlns:a16="http://schemas.microsoft.com/office/drawing/2014/main" id="{64401E1E-557D-5D4F-AE09-187A0802411B}"/>
               </a:ext>
             </a:extLst>
           </p:cNvPr>
@@ -6322,7 +6234,7 @@
             <p:cNvPr id="11" name="Rechteck 10">
               <a:extLst>
                 <a:ext uri="{FF2B5EF4-FFF2-40B4-BE49-F238E27FC236}">
-                  <a16:creationId xmlns:a16="http://schemas.microsoft.com/office/drawing/2014/main" xmlns="" id="{35A0EAB9-4039-6448-AC03-B60DE38901D0}"/>
+                  <a16:creationId xmlns="" xmlns:a16="http://schemas.microsoft.com/office/drawing/2014/main" id="{35A0EAB9-4039-6448-AC03-B60DE38901D0}"/>
                 </a:ext>
               </a:extLst>
             </p:cNvPr>
@@ -6477,7 +6389,7 @@
             <p:cNvPr id="12" name="Rechteck 11">
               <a:extLst>
                 <a:ext uri="{FF2B5EF4-FFF2-40B4-BE49-F238E27FC236}">
-                  <a16:creationId xmlns:a16="http://schemas.microsoft.com/office/drawing/2014/main" xmlns="" id="{FCCEA108-686B-BB4F-95FB-4BCE5EB529F1}"/>
+                  <a16:creationId xmlns="" xmlns:a16="http://schemas.microsoft.com/office/drawing/2014/main" id="{FCCEA108-686B-BB4F-95FB-4BCE5EB529F1}"/>
                 </a:ext>
               </a:extLst>
             </p:cNvPr>
@@ -6588,7 +6500,7 @@
           <p:cNvPr id="4" name="Gruppieren 3">
             <a:extLst>
               <a:ext uri="{FF2B5EF4-FFF2-40B4-BE49-F238E27FC236}">
-                <a16:creationId xmlns:a16="http://schemas.microsoft.com/office/drawing/2014/main" xmlns="" id="{64401E1E-557D-5D4F-AE09-187A0802411B}"/>
+                <a16:creationId xmlns="" xmlns:a16="http://schemas.microsoft.com/office/drawing/2014/main" id="{64401E1E-557D-5D4F-AE09-187A0802411B}"/>
               </a:ext>
             </a:extLst>
           </p:cNvPr>
@@ -6608,7 +6520,7 @@
             <p:cNvPr id="5" name="Rechteck 4">
               <a:extLst>
                 <a:ext uri="{FF2B5EF4-FFF2-40B4-BE49-F238E27FC236}">
-                  <a16:creationId xmlns:a16="http://schemas.microsoft.com/office/drawing/2014/main" xmlns="" id="{35A0EAB9-4039-6448-AC03-B60DE38901D0}"/>
+                  <a16:creationId xmlns="" xmlns:a16="http://schemas.microsoft.com/office/drawing/2014/main" id="{35A0EAB9-4039-6448-AC03-B60DE38901D0}"/>
                 </a:ext>
               </a:extLst>
             </p:cNvPr>
@@ -6720,7 +6632,7 @@
             <p:cNvPr id="6" name="Rechteck 5">
               <a:extLst>
                 <a:ext uri="{FF2B5EF4-FFF2-40B4-BE49-F238E27FC236}">
-                  <a16:creationId xmlns:a16="http://schemas.microsoft.com/office/drawing/2014/main" xmlns="" id="{FCCEA108-686B-BB4F-95FB-4BCE5EB529F1}"/>
+                  <a16:creationId xmlns="" xmlns:a16="http://schemas.microsoft.com/office/drawing/2014/main" id="{FCCEA108-686B-BB4F-95FB-4BCE5EB529F1}"/>
                 </a:ext>
               </a:extLst>
             </p:cNvPr>
@@ -6779,7 +6691,7 @@
           <p:cNvPr id="7" name="Gruppieren 6">
             <a:extLst>
               <a:ext uri="{FF2B5EF4-FFF2-40B4-BE49-F238E27FC236}">
-                <a16:creationId xmlns:a16="http://schemas.microsoft.com/office/drawing/2014/main" xmlns="" id="{64401E1E-557D-5D4F-AE09-187A0802411B}"/>
+                <a16:creationId xmlns="" xmlns:a16="http://schemas.microsoft.com/office/drawing/2014/main" id="{64401E1E-557D-5D4F-AE09-187A0802411B}"/>
               </a:ext>
             </a:extLst>
           </p:cNvPr>
@@ -6799,7 +6711,7 @@
             <p:cNvPr id="8" name="Rechteck 7">
               <a:extLst>
                 <a:ext uri="{FF2B5EF4-FFF2-40B4-BE49-F238E27FC236}">
-                  <a16:creationId xmlns:a16="http://schemas.microsoft.com/office/drawing/2014/main" xmlns="" id="{35A0EAB9-4039-6448-AC03-B60DE38901D0}"/>
+                  <a16:creationId xmlns="" xmlns:a16="http://schemas.microsoft.com/office/drawing/2014/main" id="{35A0EAB9-4039-6448-AC03-B60DE38901D0}"/>
                 </a:ext>
               </a:extLst>
             </p:cNvPr>
@@ -6866,7 +6778,7 @@
             <p:cNvPr id="9" name="Rechteck 8">
               <a:extLst>
                 <a:ext uri="{FF2B5EF4-FFF2-40B4-BE49-F238E27FC236}">
-                  <a16:creationId xmlns:a16="http://schemas.microsoft.com/office/drawing/2014/main" xmlns="" id="{FCCEA108-686B-BB4F-95FB-4BCE5EB529F1}"/>
+                  <a16:creationId xmlns="" xmlns:a16="http://schemas.microsoft.com/office/drawing/2014/main" id="{FCCEA108-686B-BB4F-95FB-4BCE5EB529F1}"/>
                 </a:ext>
               </a:extLst>
             </p:cNvPr>
@@ -6925,7 +6837,7 @@
           <p:cNvPr id="10" name="Gruppieren 9">
             <a:extLst>
               <a:ext uri="{FF2B5EF4-FFF2-40B4-BE49-F238E27FC236}">
-                <a16:creationId xmlns:a16="http://schemas.microsoft.com/office/drawing/2014/main" xmlns="" id="{64401E1E-557D-5D4F-AE09-187A0802411B}"/>
+                <a16:creationId xmlns="" xmlns:a16="http://schemas.microsoft.com/office/drawing/2014/main" id="{64401E1E-557D-5D4F-AE09-187A0802411B}"/>
               </a:ext>
             </a:extLst>
           </p:cNvPr>
@@ -6945,7 +6857,7 @@
             <p:cNvPr id="11" name="Rechteck 10">
               <a:extLst>
                 <a:ext uri="{FF2B5EF4-FFF2-40B4-BE49-F238E27FC236}">
-                  <a16:creationId xmlns:a16="http://schemas.microsoft.com/office/drawing/2014/main" xmlns="" id="{35A0EAB9-4039-6448-AC03-B60DE38901D0}"/>
+                  <a16:creationId xmlns="" xmlns:a16="http://schemas.microsoft.com/office/drawing/2014/main" id="{35A0EAB9-4039-6448-AC03-B60DE38901D0}"/>
                 </a:ext>
               </a:extLst>
             </p:cNvPr>
@@ -7015,7 +6927,7 @@
             <p:cNvPr id="12" name="Rechteck 11">
               <a:extLst>
                 <a:ext uri="{FF2B5EF4-FFF2-40B4-BE49-F238E27FC236}">
-                  <a16:creationId xmlns:a16="http://schemas.microsoft.com/office/drawing/2014/main" xmlns="" id="{FCCEA108-686B-BB4F-95FB-4BCE5EB529F1}"/>
+                  <a16:creationId xmlns="" xmlns:a16="http://schemas.microsoft.com/office/drawing/2014/main" id="{FCCEA108-686B-BB4F-95FB-4BCE5EB529F1}"/>
                 </a:ext>
               </a:extLst>
             </p:cNvPr>
@@ -7148,7 +7060,7 @@
           <p:cNvPr id="9" name="Gruppieren 8">
             <a:extLst>
               <a:ext uri="{FF2B5EF4-FFF2-40B4-BE49-F238E27FC236}">
-                <a16:creationId xmlns:a16="http://schemas.microsoft.com/office/drawing/2014/main" xmlns="" id="{64401E1E-557D-5D4F-AE09-187A0802411B}"/>
+                <a16:creationId xmlns="" xmlns:a16="http://schemas.microsoft.com/office/drawing/2014/main" id="{64401E1E-557D-5D4F-AE09-187A0802411B}"/>
               </a:ext>
             </a:extLst>
           </p:cNvPr>
@@ -7168,7 +7080,7 @@
             <p:cNvPr id="10" name="Rechteck 9">
               <a:extLst>
                 <a:ext uri="{FF2B5EF4-FFF2-40B4-BE49-F238E27FC236}">
-                  <a16:creationId xmlns:a16="http://schemas.microsoft.com/office/drawing/2014/main" xmlns="" id="{35A0EAB9-4039-6448-AC03-B60DE38901D0}"/>
+                  <a16:creationId xmlns="" xmlns:a16="http://schemas.microsoft.com/office/drawing/2014/main" id="{35A0EAB9-4039-6448-AC03-B60DE38901D0}"/>
                 </a:ext>
               </a:extLst>
             </p:cNvPr>
@@ -7352,7 +7264,7 @@
             <p:cNvPr id="11" name="Rechteck 10">
               <a:extLst>
                 <a:ext uri="{FF2B5EF4-FFF2-40B4-BE49-F238E27FC236}">
-                  <a16:creationId xmlns:a16="http://schemas.microsoft.com/office/drawing/2014/main" xmlns="" id="{FCCEA108-686B-BB4F-95FB-4BCE5EB529F1}"/>
+                  <a16:creationId xmlns="" xmlns:a16="http://schemas.microsoft.com/office/drawing/2014/main" id="{FCCEA108-686B-BB4F-95FB-4BCE5EB529F1}"/>
                 </a:ext>
               </a:extLst>
             </p:cNvPr>
@@ -7411,7 +7323,7 @@
           <p:cNvPr id="12" name="Gruppieren 11">
             <a:extLst>
               <a:ext uri="{FF2B5EF4-FFF2-40B4-BE49-F238E27FC236}">
-                <a16:creationId xmlns:a16="http://schemas.microsoft.com/office/drawing/2014/main" xmlns="" id="{64401E1E-557D-5D4F-AE09-187A0802411B}"/>
+                <a16:creationId xmlns="" xmlns:a16="http://schemas.microsoft.com/office/drawing/2014/main" id="{64401E1E-557D-5D4F-AE09-187A0802411B}"/>
               </a:ext>
             </a:extLst>
           </p:cNvPr>
@@ -7431,7 +7343,7 @@
             <p:cNvPr id="13" name="Rechteck 12">
               <a:extLst>
                 <a:ext uri="{FF2B5EF4-FFF2-40B4-BE49-F238E27FC236}">
-                  <a16:creationId xmlns:a16="http://schemas.microsoft.com/office/drawing/2014/main" xmlns="" id="{35A0EAB9-4039-6448-AC03-B60DE38901D0}"/>
+                  <a16:creationId xmlns="" xmlns:a16="http://schemas.microsoft.com/office/drawing/2014/main" id="{35A0EAB9-4039-6448-AC03-B60DE38901D0}"/>
                 </a:ext>
               </a:extLst>
             </p:cNvPr>
@@ -7630,7 +7542,7 @@
             <p:cNvPr id="14" name="Rechteck 13">
               <a:extLst>
                 <a:ext uri="{FF2B5EF4-FFF2-40B4-BE49-F238E27FC236}">
-                  <a16:creationId xmlns:a16="http://schemas.microsoft.com/office/drawing/2014/main" xmlns="" id="{FCCEA108-686B-BB4F-95FB-4BCE5EB529F1}"/>
+                  <a16:creationId xmlns="" xmlns:a16="http://schemas.microsoft.com/office/drawing/2014/main" id="{FCCEA108-686B-BB4F-95FB-4BCE5EB529F1}"/>
                 </a:ext>
               </a:extLst>
             </p:cNvPr>
@@ -7750,7 +7662,7 @@
           <p:cNvPr id="7" name="Gruppieren 6">
             <a:extLst>
               <a:ext uri="{FF2B5EF4-FFF2-40B4-BE49-F238E27FC236}">
-                <a16:creationId xmlns:a16="http://schemas.microsoft.com/office/drawing/2014/main" xmlns="" id="{83607870-557A-164A-B22B-C1B49B36656C}"/>
+                <a16:creationId xmlns="" xmlns:a16="http://schemas.microsoft.com/office/drawing/2014/main" id="{83607870-557A-164A-B22B-C1B49B36656C}"/>
               </a:ext>
             </a:extLst>
           </p:cNvPr>
@@ -7770,7 +7682,7 @@
             <p:cNvPr id="8" name="Rechteck 7">
               <a:extLst>
                 <a:ext uri="{FF2B5EF4-FFF2-40B4-BE49-F238E27FC236}">
-                  <a16:creationId xmlns:a16="http://schemas.microsoft.com/office/drawing/2014/main" xmlns="" id="{F1E1E402-969D-194B-AB76-85BAC6C71034}"/>
+                  <a16:creationId xmlns="" xmlns:a16="http://schemas.microsoft.com/office/drawing/2014/main" id="{F1E1E402-969D-194B-AB76-85BAC6C71034}"/>
                 </a:ext>
               </a:extLst>
             </p:cNvPr>
@@ -7854,7 +7766,7 @@
             <p:cNvPr id="9" name="Rechteck 8">
               <a:extLst>
                 <a:ext uri="{FF2B5EF4-FFF2-40B4-BE49-F238E27FC236}">
-                  <a16:creationId xmlns:a16="http://schemas.microsoft.com/office/drawing/2014/main" xmlns="" id="{833772DE-177D-6242-B2B7-89D46A2C0D15}"/>
+                  <a16:creationId xmlns="" xmlns:a16="http://schemas.microsoft.com/office/drawing/2014/main" id="{833772DE-177D-6242-B2B7-89D46A2C0D15}"/>
                 </a:ext>
               </a:extLst>
             </p:cNvPr>
@@ -7945,7 +7857,7 @@
           <p:cNvPr id="11" name="Gruppieren 10">
             <a:extLst>
               <a:ext uri="{FF2B5EF4-FFF2-40B4-BE49-F238E27FC236}">
-                <a16:creationId xmlns:a16="http://schemas.microsoft.com/office/drawing/2014/main" xmlns="" id="{00DD676A-B61C-5D48-BC56-AC4BB52F8528}"/>
+                <a16:creationId xmlns="" xmlns:a16="http://schemas.microsoft.com/office/drawing/2014/main" id="{00DD676A-B61C-5D48-BC56-AC4BB52F8528}"/>
               </a:ext>
             </a:extLst>
           </p:cNvPr>
@@ -7965,7 +7877,7 @@
             <p:cNvPr id="12" name="Rechteck 11">
               <a:extLst>
                 <a:ext uri="{FF2B5EF4-FFF2-40B4-BE49-F238E27FC236}">
-                  <a16:creationId xmlns:a16="http://schemas.microsoft.com/office/drawing/2014/main" xmlns="" id="{201F63B0-4CCA-B640-BD88-BAB407BC2183}"/>
+                  <a16:creationId xmlns="" xmlns:a16="http://schemas.microsoft.com/office/drawing/2014/main" id="{201F63B0-4CCA-B640-BD88-BAB407BC2183}"/>
                 </a:ext>
               </a:extLst>
             </p:cNvPr>
@@ -8049,7 +7961,7 @@
             <p:cNvPr id="13" name="Rechteck 12">
               <a:extLst>
                 <a:ext uri="{FF2B5EF4-FFF2-40B4-BE49-F238E27FC236}">
-                  <a16:creationId xmlns:a16="http://schemas.microsoft.com/office/drawing/2014/main" xmlns="" id="{514C32A1-04E5-494D-AB34-069455276B16}"/>
+                  <a16:creationId xmlns="" xmlns:a16="http://schemas.microsoft.com/office/drawing/2014/main" id="{514C32A1-04E5-494D-AB34-069455276B16}"/>
                 </a:ext>
               </a:extLst>
             </p:cNvPr>
@@ -8116,7 +8028,7 @@
           <p:cNvPr id="14" name="Gruppieren 13">
             <a:extLst>
               <a:ext uri="{FF2B5EF4-FFF2-40B4-BE49-F238E27FC236}">
-                <a16:creationId xmlns:a16="http://schemas.microsoft.com/office/drawing/2014/main" xmlns="" id="{C0CAAA13-C09D-AC4E-991C-1FEB2957F9A9}"/>
+                <a16:creationId xmlns="" xmlns:a16="http://schemas.microsoft.com/office/drawing/2014/main" id="{C0CAAA13-C09D-AC4E-991C-1FEB2957F9A9}"/>
               </a:ext>
             </a:extLst>
           </p:cNvPr>
@@ -8136,7 +8048,7 @@
             <p:cNvPr id="15" name="Rechteck 14">
               <a:extLst>
                 <a:ext uri="{FF2B5EF4-FFF2-40B4-BE49-F238E27FC236}">
-                  <a16:creationId xmlns:a16="http://schemas.microsoft.com/office/drawing/2014/main" xmlns="" id="{71B66402-AE28-034E-B538-DD8098A05FCC}"/>
+                  <a16:creationId xmlns="" xmlns:a16="http://schemas.microsoft.com/office/drawing/2014/main" id="{71B66402-AE28-034E-B538-DD8098A05FCC}"/>
                 </a:ext>
               </a:extLst>
             </p:cNvPr>
@@ -8275,7 +8187,7 @@
             <p:cNvPr id="16" name="Rechteck 15">
               <a:extLst>
                 <a:ext uri="{FF2B5EF4-FFF2-40B4-BE49-F238E27FC236}">
-                  <a16:creationId xmlns:a16="http://schemas.microsoft.com/office/drawing/2014/main" xmlns="" id="{3BF267A1-CAB7-CF4A-B6F4-D9891842B9EE}"/>
+                  <a16:creationId xmlns="" xmlns:a16="http://schemas.microsoft.com/office/drawing/2014/main" id="{3BF267A1-CAB7-CF4A-B6F4-D9891842B9EE}"/>
                 </a:ext>
               </a:extLst>
             </p:cNvPr>
@@ -8334,7 +8246,7 @@
           <p:cNvPr id="20" name="Gewinkelte Verbindung 19">
             <a:extLst>
               <a:ext uri="{FF2B5EF4-FFF2-40B4-BE49-F238E27FC236}">
-                <a16:creationId xmlns:a16="http://schemas.microsoft.com/office/drawing/2014/main" xmlns="" id="{FD336F23-DB98-1342-BB4F-5D218AF61D6F}"/>
+                <a16:creationId xmlns="" xmlns:a16="http://schemas.microsoft.com/office/drawing/2014/main" id="{FD336F23-DB98-1342-BB4F-5D218AF61D6F}"/>
               </a:ext>
             </a:extLst>
           </p:cNvPr>
@@ -8385,7 +8297,7 @@
           <p:cNvPr id="22" name="Gewinkelte Verbindung 21">
             <a:extLst>
               <a:ext uri="{FF2B5EF4-FFF2-40B4-BE49-F238E27FC236}">
-                <a16:creationId xmlns:a16="http://schemas.microsoft.com/office/drawing/2014/main" xmlns="" id="{BBE684D5-0A18-BA4A-8AA1-7553DDC193B9}"/>
+                <a16:creationId xmlns="" xmlns:a16="http://schemas.microsoft.com/office/drawing/2014/main" id="{BBE684D5-0A18-BA4A-8AA1-7553DDC193B9}"/>
               </a:ext>
             </a:extLst>
           </p:cNvPr>
@@ -10889,7 +10801,7 @@
           <p:cNvPr id="8" name="Gruppieren 7">
             <a:extLst>
               <a:ext uri="{FF2B5EF4-FFF2-40B4-BE49-F238E27FC236}">
-                <a16:creationId xmlns:a16="http://schemas.microsoft.com/office/drawing/2014/main" xmlns="" id="{55DEAA25-08DE-234A-9F7E-6DA95517E4AB}"/>
+                <a16:creationId xmlns="" xmlns:a16="http://schemas.microsoft.com/office/drawing/2014/main" id="{55DEAA25-08DE-234A-9F7E-6DA95517E4AB}"/>
               </a:ext>
             </a:extLst>
           </p:cNvPr>
@@ -10909,7 +10821,7 @@
             <p:cNvPr id="9" name="Rechteck 8">
               <a:extLst>
                 <a:ext uri="{FF2B5EF4-FFF2-40B4-BE49-F238E27FC236}">
-                  <a16:creationId xmlns:a16="http://schemas.microsoft.com/office/drawing/2014/main" xmlns="" id="{CBE4218A-6735-2946-A3C0-E23809B7CEDF}"/>
+                  <a16:creationId xmlns="" xmlns:a16="http://schemas.microsoft.com/office/drawing/2014/main" id="{CBE4218A-6735-2946-A3C0-E23809B7CEDF}"/>
                 </a:ext>
               </a:extLst>
             </p:cNvPr>
@@ -11060,7 +10972,7 @@
             <p:cNvPr id="10" name="Rechteck 9">
               <a:extLst>
                 <a:ext uri="{FF2B5EF4-FFF2-40B4-BE49-F238E27FC236}">
-                  <a16:creationId xmlns:a16="http://schemas.microsoft.com/office/drawing/2014/main" xmlns="" id="{5ECE2600-E242-0A47-A437-E1A9C7F07343}"/>
+                  <a16:creationId xmlns="" xmlns:a16="http://schemas.microsoft.com/office/drawing/2014/main" id="{5ECE2600-E242-0A47-A437-E1A9C7F07343}"/>
                 </a:ext>
               </a:extLst>
             </p:cNvPr>
@@ -11127,7 +11039,7 @@
           <p:cNvPr id="11" name="Gruppieren 10">
             <a:extLst>
               <a:ext uri="{FF2B5EF4-FFF2-40B4-BE49-F238E27FC236}">
-                <a16:creationId xmlns:a16="http://schemas.microsoft.com/office/drawing/2014/main" xmlns="" id="{2A9CBD64-DABE-DB44-8CC9-7ED3D3F42599}"/>
+                <a16:creationId xmlns="" xmlns:a16="http://schemas.microsoft.com/office/drawing/2014/main" id="{2A9CBD64-DABE-DB44-8CC9-7ED3D3F42599}"/>
               </a:ext>
             </a:extLst>
           </p:cNvPr>
@@ -11147,7 +11059,7 @@
             <p:cNvPr id="12" name="Rechteck 11">
               <a:extLst>
                 <a:ext uri="{FF2B5EF4-FFF2-40B4-BE49-F238E27FC236}">
-                  <a16:creationId xmlns:a16="http://schemas.microsoft.com/office/drawing/2014/main" xmlns="" id="{880AB37D-6202-FE47-84F8-2DB9C99F0992}"/>
+                  <a16:creationId xmlns="" xmlns:a16="http://schemas.microsoft.com/office/drawing/2014/main" id="{880AB37D-6202-FE47-84F8-2DB9C99F0992}"/>
                 </a:ext>
               </a:extLst>
             </p:cNvPr>
@@ -11337,7 +11249,7 @@
             <p:cNvPr id="13" name="Rechteck 12">
               <a:extLst>
                 <a:ext uri="{FF2B5EF4-FFF2-40B4-BE49-F238E27FC236}">
-                  <a16:creationId xmlns:a16="http://schemas.microsoft.com/office/drawing/2014/main" xmlns="" id="{6E6D6DF1-8063-C749-A415-29613D3195D5}"/>
+                  <a16:creationId xmlns="" xmlns:a16="http://schemas.microsoft.com/office/drawing/2014/main" id="{6E6D6DF1-8063-C749-A415-29613D3195D5}"/>
                 </a:ext>
               </a:extLst>
             </p:cNvPr>
@@ -11434,7 +11346,7 @@
           <p:cNvPr id="2" name="Titel 1">
             <a:extLst>
               <a:ext uri="{FF2B5EF4-FFF2-40B4-BE49-F238E27FC236}">
-                <a16:creationId xmlns:a16="http://schemas.microsoft.com/office/drawing/2014/main" xmlns="" id="{0E63EF50-EEA4-0D49-A35C-C36F045D035E}"/>
+                <a16:creationId xmlns="" xmlns:a16="http://schemas.microsoft.com/office/drawing/2014/main" id="{0E63EF50-EEA4-0D49-A35C-C36F045D035E}"/>
               </a:ext>
             </a:extLst>
           </p:cNvPr>
@@ -11479,7 +11391,7 @@
           <p:cNvPr id="5" name="Gruppieren 4">
             <a:extLst>
               <a:ext uri="{FF2B5EF4-FFF2-40B4-BE49-F238E27FC236}">
-                <a16:creationId xmlns:a16="http://schemas.microsoft.com/office/drawing/2014/main" xmlns="" id="{82067C57-47CC-BC4A-911D-C058CB8E64C1}"/>
+                <a16:creationId xmlns="" xmlns:a16="http://schemas.microsoft.com/office/drawing/2014/main" id="{82067C57-47CC-BC4A-911D-C058CB8E64C1}"/>
               </a:ext>
             </a:extLst>
           </p:cNvPr>
@@ -11499,7 +11411,7 @@
             <p:cNvPr id="6" name="Rechteck 5">
               <a:extLst>
                 <a:ext uri="{FF2B5EF4-FFF2-40B4-BE49-F238E27FC236}">
-                  <a16:creationId xmlns:a16="http://schemas.microsoft.com/office/drawing/2014/main" xmlns="" id="{1F74AAB6-FEC2-E040-AE2F-389C01E41200}"/>
+                  <a16:creationId xmlns="" xmlns:a16="http://schemas.microsoft.com/office/drawing/2014/main" id="{1F74AAB6-FEC2-E040-AE2F-389C01E41200}"/>
                 </a:ext>
               </a:extLst>
             </p:cNvPr>
@@ -11627,7 +11539,7 @@
             <p:cNvPr id="7" name="Rechteck 6">
               <a:extLst>
                 <a:ext uri="{FF2B5EF4-FFF2-40B4-BE49-F238E27FC236}">
-                  <a16:creationId xmlns:a16="http://schemas.microsoft.com/office/drawing/2014/main" xmlns="" id="{D9A91609-F78E-9C45-BCA7-7DF954BC0A1A}"/>
+                  <a16:creationId xmlns="" xmlns:a16="http://schemas.microsoft.com/office/drawing/2014/main" id="{D9A91609-F78E-9C45-BCA7-7DF954BC0A1A}"/>
                 </a:ext>
               </a:extLst>
             </p:cNvPr>
@@ -11686,7 +11598,7 @@
           <p:cNvPr id="8" name="Gruppieren 7">
             <a:extLst>
               <a:ext uri="{FF2B5EF4-FFF2-40B4-BE49-F238E27FC236}">
-                <a16:creationId xmlns:a16="http://schemas.microsoft.com/office/drawing/2014/main" xmlns="" id="{64401E1E-557D-5D4F-AE09-187A0802411B}"/>
+                <a16:creationId xmlns="" xmlns:a16="http://schemas.microsoft.com/office/drawing/2014/main" id="{64401E1E-557D-5D4F-AE09-187A0802411B}"/>
               </a:ext>
             </a:extLst>
           </p:cNvPr>
@@ -11706,7 +11618,7 @@
             <p:cNvPr id="9" name="Rechteck 8">
               <a:extLst>
                 <a:ext uri="{FF2B5EF4-FFF2-40B4-BE49-F238E27FC236}">
-                  <a16:creationId xmlns:a16="http://schemas.microsoft.com/office/drawing/2014/main" xmlns="" id="{35A0EAB9-4039-6448-AC03-B60DE38901D0}"/>
+                  <a16:creationId xmlns="" xmlns:a16="http://schemas.microsoft.com/office/drawing/2014/main" id="{35A0EAB9-4039-6448-AC03-B60DE38901D0}"/>
                 </a:ext>
               </a:extLst>
             </p:cNvPr>
@@ -11790,7 +11702,7 @@
             <p:cNvPr id="10" name="Rechteck 9">
               <a:extLst>
                 <a:ext uri="{FF2B5EF4-FFF2-40B4-BE49-F238E27FC236}">
-                  <a16:creationId xmlns:a16="http://schemas.microsoft.com/office/drawing/2014/main" xmlns="" id="{FCCEA108-686B-BB4F-95FB-4BCE5EB529F1}"/>
+                  <a16:creationId xmlns="" xmlns:a16="http://schemas.microsoft.com/office/drawing/2014/main" id="{FCCEA108-686B-BB4F-95FB-4BCE5EB529F1}"/>
                 </a:ext>
               </a:extLst>
             </p:cNvPr>
@@ -11849,7 +11761,7 @@
           <p:cNvPr id="11" name="Rechteck 10">
             <a:extLst>
               <a:ext uri="{FF2B5EF4-FFF2-40B4-BE49-F238E27FC236}">
-                <a16:creationId xmlns:a16="http://schemas.microsoft.com/office/drawing/2014/main" xmlns="" id="{96BDAF81-30A4-1E4E-959F-95E9EB7F7C7A}"/>
+                <a16:creationId xmlns="" xmlns:a16="http://schemas.microsoft.com/office/drawing/2014/main" id="{96BDAF81-30A4-1E4E-959F-95E9EB7F7C7A}"/>
               </a:ext>
             </a:extLst>
           </p:cNvPr>
@@ -11916,7 +11828,7 @@
           <p:cNvPr id="12" name="Rechteck 11">
             <a:extLst>
               <a:ext uri="{FF2B5EF4-FFF2-40B4-BE49-F238E27FC236}">
-                <a16:creationId xmlns:a16="http://schemas.microsoft.com/office/drawing/2014/main" xmlns="" id="{E6C50A77-89BD-8744-8E4D-4BE35B73D833}"/>
+                <a16:creationId xmlns="" xmlns:a16="http://schemas.microsoft.com/office/drawing/2014/main" id="{E6C50A77-89BD-8744-8E4D-4BE35B73D833}"/>
               </a:ext>
             </a:extLst>
           </p:cNvPr>
@@ -11983,7 +11895,7 @@
           <p:cNvPr id="13" name="Gruppieren 12">
             <a:extLst>
               <a:ext uri="{FF2B5EF4-FFF2-40B4-BE49-F238E27FC236}">
-                <a16:creationId xmlns:a16="http://schemas.microsoft.com/office/drawing/2014/main" xmlns="" id="{5B6A8D9F-A9F8-264C-B489-24AFD5A8596D}"/>
+                <a16:creationId xmlns="" xmlns:a16="http://schemas.microsoft.com/office/drawing/2014/main" id="{5B6A8D9F-A9F8-264C-B489-24AFD5A8596D}"/>
               </a:ext>
             </a:extLst>
           </p:cNvPr>
@@ -12003,7 +11915,7 @@
             <p:cNvPr id="14" name="Rechteck 13">
               <a:extLst>
                 <a:ext uri="{FF2B5EF4-FFF2-40B4-BE49-F238E27FC236}">
-                  <a16:creationId xmlns:a16="http://schemas.microsoft.com/office/drawing/2014/main" xmlns="" id="{8766CB30-3942-9E46-8CAC-FC33876B35F3}"/>
+                  <a16:creationId xmlns="" xmlns:a16="http://schemas.microsoft.com/office/drawing/2014/main" id="{8766CB30-3942-9E46-8CAC-FC33876B35F3}"/>
                 </a:ext>
               </a:extLst>
             </p:cNvPr>
@@ -12087,7 +11999,7 @@
             <p:cNvPr id="15" name="Rechteck 14">
               <a:extLst>
                 <a:ext uri="{FF2B5EF4-FFF2-40B4-BE49-F238E27FC236}">
-                  <a16:creationId xmlns:a16="http://schemas.microsoft.com/office/drawing/2014/main" xmlns="" id="{79F41613-6C39-9547-8B51-B50E6A35E505}"/>
+                  <a16:creationId xmlns="" xmlns:a16="http://schemas.microsoft.com/office/drawing/2014/main" id="{79F41613-6C39-9547-8B51-B50E6A35E505}"/>
                 </a:ext>
               </a:extLst>
             </p:cNvPr>
@@ -12146,7 +12058,7 @@
           <p:cNvPr id="16" name="Gruppieren 15">
             <a:extLst>
               <a:ext uri="{FF2B5EF4-FFF2-40B4-BE49-F238E27FC236}">
-                <a16:creationId xmlns:a16="http://schemas.microsoft.com/office/drawing/2014/main" xmlns="" id="{3EAAE737-A1E8-BD49-A661-00C0D54A60DD}"/>
+                <a16:creationId xmlns="" xmlns:a16="http://schemas.microsoft.com/office/drawing/2014/main" id="{3EAAE737-A1E8-BD49-A661-00C0D54A60DD}"/>
               </a:ext>
             </a:extLst>
           </p:cNvPr>
@@ -12166,7 +12078,7 @@
             <p:cNvPr id="17" name="Rechteck 16">
               <a:extLst>
                 <a:ext uri="{FF2B5EF4-FFF2-40B4-BE49-F238E27FC236}">
-                  <a16:creationId xmlns:a16="http://schemas.microsoft.com/office/drawing/2014/main" xmlns="" id="{A12CF216-7A5B-B546-8D15-3FFD047539D4}"/>
+                  <a16:creationId xmlns="" xmlns:a16="http://schemas.microsoft.com/office/drawing/2014/main" id="{A12CF216-7A5B-B546-8D15-3FFD047539D4}"/>
                 </a:ext>
               </a:extLst>
             </p:cNvPr>
@@ -12264,7 +12176,7 @@
             <p:cNvPr id="18" name="Rechteck 17">
               <a:extLst>
                 <a:ext uri="{FF2B5EF4-FFF2-40B4-BE49-F238E27FC236}">
-                  <a16:creationId xmlns:a16="http://schemas.microsoft.com/office/drawing/2014/main" xmlns="" id="{91008A0C-F66B-104F-B3C9-118DB994F72D}"/>
+                  <a16:creationId xmlns="" xmlns:a16="http://schemas.microsoft.com/office/drawing/2014/main" id="{91008A0C-F66B-104F-B3C9-118DB994F72D}"/>
                 </a:ext>
               </a:extLst>
             </p:cNvPr>
@@ -12353,1408 +12265,7 @@
           <p:cNvPr id="2" name="Titel 1">
             <a:extLst>
               <a:ext uri="{FF2B5EF4-FFF2-40B4-BE49-F238E27FC236}">
-                <a16:creationId xmlns:a16="http://schemas.microsoft.com/office/drawing/2014/main" xmlns="" id="{7BA8FE41-0B04-6748-9CA8-05F0AE81883B}"/>
-              </a:ext>
-            </a:extLst>
-          </p:cNvPr>
-          <p:cNvSpPr>
-            <a:spLocks noGrp="1"/>
-          </p:cNvSpPr>
-          <p:nvPr>
-            <p:ph type="title"/>
-          </p:nvPr>
-        </p:nvSpPr>
-        <p:spPr/>
-        <p:txBody>
-          <a:bodyPr/>
-          <a:lstStyle/>
-          <a:p>
-            <a:r>
-              <a:rPr lang="de-DE" dirty="0"/>
-              <a:t>Zeitplan</a:t>
-            </a:r>
-          </a:p>
-        </p:txBody>
-      </p:sp>
-      <p:grpSp>
-        <p:nvGrpSpPr>
-          <p:cNvPr id="12" name="Gruppieren 11">
-            <a:extLst>
-              <a:ext uri="{FF2B5EF4-FFF2-40B4-BE49-F238E27FC236}">
-                <a16:creationId xmlns:a16="http://schemas.microsoft.com/office/drawing/2014/main" xmlns="" id="{995F115A-CBCD-7A4D-8C0A-281259A5A3C1}"/>
-              </a:ext>
-            </a:extLst>
-          </p:cNvPr>
-          <p:cNvGrpSpPr/>
-          <p:nvPr/>
-        </p:nvGrpSpPr>
-        <p:grpSpPr>
-          <a:xfrm>
-            <a:off x="874710" y="1197486"/>
-            <a:ext cx="4723201" cy="1735930"/>
-            <a:chOff x="874711" y="1484312"/>
-            <a:chExt cx="4723201" cy="1735930"/>
-          </a:xfrm>
-        </p:grpSpPr>
-        <p:grpSp>
-          <p:nvGrpSpPr>
-            <p:cNvPr id="4" name="Gruppieren 3">
-              <a:extLst>
-                <a:ext uri="{FF2B5EF4-FFF2-40B4-BE49-F238E27FC236}">
-                  <a16:creationId xmlns:a16="http://schemas.microsoft.com/office/drawing/2014/main" xmlns="" id="{783A73D2-C025-644E-A194-3438D291D352}"/>
-                </a:ext>
-              </a:extLst>
-            </p:cNvPr>
-            <p:cNvGrpSpPr/>
-            <p:nvPr/>
-          </p:nvGrpSpPr>
-          <p:grpSpPr>
-            <a:xfrm>
-              <a:off x="874711" y="1484313"/>
-              <a:ext cx="4723201" cy="1735929"/>
-              <a:chOff x="1780031" y="1330903"/>
-              <a:chExt cx="4723201" cy="1735929"/>
-            </a:xfrm>
-          </p:grpSpPr>
-          <p:sp>
-            <p:nvSpPr>
-              <p:cNvPr id="5" name="Rechteck 4">
-                <a:extLst>
-                  <a:ext uri="{FF2B5EF4-FFF2-40B4-BE49-F238E27FC236}">
-                    <a16:creationId xmlns:a16="http://schemas.microsoft.com/office/drawing/2014/main" xmlns="" id="{4F68B8E9-417E-0141-AE27-E298ED29929C}"/>
-                  </a:ext>
-                </a:extLst>
-              </p:cNvPr>
-              <p:cNvSpPr/>
-              <p:nvPr/>
-            </p:nvSpPr>
-            <p:spPr>
-              <a:xfrm>
-                <a:off x="1780031" y="1499917"/>
-                <a:ext cx="4723201" cy="1566915"/>
-              </a:xfrm>
-              <a:prstGeom prst="rect">
-                <a:avLst/>
-              </a:prstGeom>
-              <a:solidFill>
-                <a:schemeClr val="bg1"/>
-              </a:solidFill>
-              <a:ln>
-                <a:solidFill>
-                  <a:schemeClr val="accent6"/>
-                </a:solidFill>
-              </a:ln>
-            </p:spPr>
-            <p:style>
-              <a:lnRef idx="2">
-                <a:schemeClr val="accent1">
-                  <a:shade val="50000"/>
-                </a:schemeClr>
-              </a:lnRef>
-              <a:fillRef idx="1">
-                <a:schemeClr val="accent1"/>
-              </a:fillRef>
-              <a:effectRef idx="0">
-                <a:schemeClr val="accent1"/>
-              </a:effectRef>
-              <a:fontRef idx="minor">
-                <a:schemeClr val="lt1"/>
-              </a:fontRef>
-            </p:style>
-            <p:txBody>
-              <a:bodyPr tIns="180000" rtlCol="0" anchor="t"/>
-              <a:lstStyle/>
-              <a:p>
-                <a:pPr marL="285750" indent="-285750">
-                  <a:buFont typeface="Arial" panose="020B0604020202020204" pitchFamily="34" charset="0"/>
-                  <a:buChar char="•"/>
-                </a:pPr>
-                <a:r>
-                  <a:rPr lang="de-DE" dirty="0">
-                    <a:solidFill>
-                      <a:schemeClr val="tx1"/>
-                    </a:solidFill>
-                  </a:rPr>
-                  <a:t>Welche Informationen müssen angezeigt werden?</a:t>
-                </a:r>
-              </a:p>
-              <a:p>
-                <a:pPr marL="285750" indent="-285750">
-                  <a:buFont typeface="Arial" panose="020B0604020202020204" pitchFamily="34" charset="0"/>
-                  <a:buChar char="•"/>
-                </a:pPr>
-                <a:r>
-                  <a:rPr lang="de-DE" dirty="0">
-                    <a:solidFill>
-                      <a:schemeClr val="tx1"/>
-                    </a:solidFill>
-                  </a:rPr>
-                  <a:t>Welche Anpassungsmöglichkeiten muss es geben?</a:t>
-                </a:r>
-              </a:p>
-              <a:p>
-                <a:pPr marL="285750" indent="-285750">
-                  <a:buFont typeface="Arial" panose="020B0604020202020204" pitchFamily="34" charset="0"/>
-                  <a:buChar char="•"/>
-                </a:pPr>
-                <a:r>
-                  <a:rPr lang="de-DE" dirty="0">
-                    <a:solidFill>
-                      <a:schemeClr val="tx1"/>
-                    </a:solidFill>
-                  </a:rPr>
-                  <a:t>Wie interagieren Assistent und Mensch?</a:t>
-                </a:r>
-              </a:p>
-            </p:txBody>
-          </p:sp>
-          <p:sp>
-            <p:nvSpPr>
-              <p:cNvPr id="6" name="Rechteck 5">
-                <a:extLst>
-                  <a:ext uri="{FF2B5EF4-FFF2-40B4-BE49-F238E27FC236}">
-                    <a16:creationId xmlns:a16="http://schemas.microsoft.com/office/drawing/2014/main" xmlns="" id="{B2717A64-B61E-B44C-B23D-CB509FB519CA}"/>
-                  </a:ext>
-                </a:extLst>
-              </p:cNvPr>
-              <p:cNvSpPr/>
-              <p:nvPr/>
-            </p:nvSpPr>
-            <p:spPr>
-              <a:xfrm>
-                <a:off x="1977040" y="1330903"/>
-                <a:ext cx="1200426" cy="338027"/>
-              </a:xfrm>
-              <a:prstGeom prst="rect">
-                <a:avLst/>
-              </a:prstGeom>
-              <a:solidFill>
-                <a:schemeClr val="bg1"/>
-              </a:solidFill>
-              <a:ln>
-                <a:noFill/>
-              </a:ln>
-            </p:spPr>
-            <p:style>
-              <a:lnRef idx="2">
-                <a:schemeClr val="accent1">
-                  <a:shade val="50000"/>
-                </a:schemeClr>
-              </a:lnRef>
-              <a:fillRef idx="1">
-                <a:schemeClr val="accent1"/>
-              </a:fillRef>
-              <a:effectRef idx="0">
-                <a:schemeClr val="accent1"/>
-              </a:effectRef>
-              <a:fontRef idx="minor">
-                <a:schemeClr val="lt1"/>
-              </a:fontRef>
-            </p:style>
-            <p:txBody>
-              <a:bodyPr rtlCol="0" anchor="ctr"/>
-              <a:lstStyle/>
-              <a:p>
-                <a:r>
-                  <a:rPr lang="de-DE" sz="2000" b="1" dirty="0">
-                    <a:solidFill>
-                      <a:schemeClr val="accent6"/>
-                    </a:solidFill>
-                  </a:rPr>
-                  <a:t>Analyse</a:t>
-                </a:r>
-              </a:p>
-            </p:txBody>
-          </p:sp>
-        </p:grpSp>
-        <p:sp>
-          <p:nvSpPr>
-            <p:cNvPr id="7" name="Rechteck 6">
-              <a:extLst>
-                <a:ext uri="{FF2B5EF4-FFF2-40B4-BE49-F238E27FC236}">
-                  <a16:creationId xmlns:a16="http://schemas.microsoft.com/office/drawing/2014/main" xmlns="" id="{6F92A16E-30FA-A34D-A87A-AD884881288C}"/>
-                </a:ext>
-              </a:extLst>
-            </p:cNvPr>
-            <p:cNvSpPr/>
-            <p:nvPr/>
-          </p:nvSpPr>
-          <p:spPr>
-            <a:xfrm>
-              <a:off x="4360127" y="1484312"/>
-              <a:ext cx="1044497" cy="338027"/>
-            </a:xfrm>
-            <a:prstGeom prst="rect">
-              <a:avLst/>
-            </a:prstGeom>
-            <a:solidFill>
-              <a:schemeClr val="bg1"/>
-            </a:solidFill>
-            <a:ln>
-              <a:noFill/>
-            </a:ln>
-          </p:spPr>
-          <p:style>
-            <a:lnRef idx="2">
-              <a:schemeClr val="accent1">
-                <a:shade val="50000"/>
-              </a:schemeClr>
-            </a:lnRef>
-            <a:fillRef idx="1">
-              <a:schemeClr val="accent1"/>
-            </a:fillRef>
-            <a:effectRef idx="0">
-              <a:schemeClr val="accent1"/>
-            </a:effectRef>
-            <a:fontRef idx="minor">
-              <a:schemeClr val="lt1"/>
-            </a:fontRef>
-          </p:style>
-          <p:txBody>
-            <a:bodyPr rtlCol="0" anchor="ctr"/>
-            <a:lstStyle/>
-            <a:p>
-              <a:pPr algn="r"/>
-              <a:r>
-                <a:rPr lang="de-DE" b="1" dirty="0">
-                  <a:solidFill>
-                    <a:schemeClr val="tx1"/>
-                  </a:solidFill>
-                </a:rPr>
-                <a:t>23.01.19</a:t>
-              </a:r>
-            </a:p>
-          </p:txBody>
-        </p:sp>
-      </p:grpSp>
-      <p:grpSp>
-        <p:nvGrpSpPr>
-          <p:cNvPr id="13" name="Gruppieren 12">
-            <a:extLst>
-              <a:ext uri="{FF2B5EF4-FFF2-40B4-BE49-F238E27FC236}">
-                <a16:creationId xmlns:a16="http://schemas.microsoft.com/office/drawing/2014/main" xmlns="" id="{214C6E04-BA76-3048-B247-843530C6F237}"/>
-              </a:ext>
-            </a:extLst>
-          </p:cNvPr>
-          <p:cNvGrpSpPr/>
-          <p:nvPr/>
-        </p:nvGrpSpPr>
-        <p:grpSpPr>
-          <a:xfrm>
-            <a:off x="874710" y="3269627"/>
-            <a:ext cx="4723201" cy="2552785"/>
-            <a:chOff x="874711" y="1484312"/>
-            <a:chExt cx="4723201" cy="2552785"/>
-          </a:xfrm>
-        </p:grpSpPr>
-        <p:grpSp>
-          <p:nvGrpSpPr>
-            <p:cNvPr id="14" name="Gruppieren 13">
-              <a:extLst>
-                <a:ext uri="{FF2B5EF4-FFF2-40B4-BE49-F238E27FC236}">
-                  <a16:creationId xmlns:a16="http://schemas.microsoft.com/office/drawing/2014/main" xmlns="" id="{CF154C31-9B1A-6844-82C6-BEC64AE64B76}"/>
-                </a:ext>
-              </a:extLst>
-            </p:cNvPr>
-            <p:cNvGrpSpPr/>
-            <p:nvPr/>
-          </p:nvGrpSpPr>
-          <p:grpSpPr>
-            <a:xfrm>
-              <a:off x="874711" y="1484313"/>
-              <a:ext cx="4723201" cy="2552784"/>
-              <a:chOff x="1780031" y="1330903"/>
-              <a:chExt cx="4723201" cy="2552784"/>
-            </a:xfrm>
-          </p:grpSpPr>
-          <p:sp>
-            <p:nvSpPr>
-              <p:cNvPr id="16" name="Rechteck 15">
-                <a:extLst>
-                  <a:ext uri="{FF2B5EF4-FFF2-40B4-BE49-F238E27FC236}">
-                    <a16:creationId xmlns:a16="http://schemas.microsoft.com/office/drawing/2014/main" xmlns="" id="{5D41E86D-96E1-F64F-B645-811FEF9C3566}"/>
-                  </a:ext>
-                </a:extLst>
-              </p:cNvPr>
-              <p:cNvSpPr/>
-              <p:nvPr/>
-            </p:nvSpPr>
-            <p:spPr>
-              <a:xfrm>
-                <a:off x="1780031" y="1499917"/>
-                <a:ext cx="4723201" cy="2383770"/>
-              </a:xfrm>
-              <a:prstGeom prst="rect">
-                <a:avLst/>
-              </a:prstGeom>
-              <a:solidFill>
-                <a:schemeClr val="bg1"/>
-              </a:solidFill>
-              <a:ln>
-                <a:solidFill>
-                  <a:schemeClr val="tx1"/>
-                </a:solidFill>
-              </a:ln>
-            </p:spPr>
-            <p:style>
-              <a:lnRef idx="2">
-                <a:schemeClr val="accent1">
-                  <a:shade val="50000"/>
-                </a:schemeClr>
-              </a:lnRef>
-              <a:fillRef idx="1">
-                <a:schemeClr val="accent1"/>
-              </a:fillRef>
-              <a:effectRef idx="0">
-                <a:schemeClr val="accent1"/>
-              </a:effectRef>
-              <a:fontRef idx="minor">
-                <a:schemeClr val="lt1"/>
-              </a:fontRef>
-            </p:style>
-            <p:txBody>
-              <a:bodyPr tIns="180000" rtlCol="0" anchor="t"/>
-              <a:lstStyle/>
-              <a:p>
-                <a:pPr marL="285750" indent="-285750">
-                  <a:buFont typeface="Arial" panose="020B0604020202020204" pitchFamily="34" charset="0"/>
-                  <a:buChar char="•"/>
-                </a:pPr>
-                <a:r>
-                  <a:rPr lang="de-DE" b="1" dirty="0">
-                    <a:solidFill>
-                      <a:schemeClr val="tx1"/>
-                    </a:solidFill>
-                  </a:rPr>
-                  <a:t>Konzeptuelles Design</a:t>
-                </a:r>
-              </a:p>
-              <a:p>
-                <a:pPr marL="697230" lvl="1" indent="-285750">
-                  <a:buFont typeface="Arial" panose="020B0604020202020204" pitchFamily="34" charset="0"/>
-                  <a:buChar char="•"/>
-                </a:pPr>
-                <a:r>
-                  <a:rPr lang="de-DE" dirty="0">
-                    <a:solidFill>
-                      <a:schemeClr val="tx1"/>
-                    </a:solidFill>
-                  </a:rPr>
-                  <a:t>Welche Informationen sind miteinander verknüpft?</a:t>
-                </a:r>
-              </a:p>
-              <a:p>
-                <a:pPr marL="697230" lvl="1" indent="-285750">
-                  <a:buFont typeface="Arial" panose="020B0604020202020204" pitchFamily="34" charset="0"/>
-                  <a:buChar char="•"/>
-                </a:pPr>
-                <a:r>
-                  <a:rPr lang="de-DE" dirty="0">
-                    <a:solidFill>
-                      <a:schemeClr val="tx1"/>
-                    </a:solidFill>
-                  </a:rPr>
-                  <a:t>Welche Funktionen hängen zusammen?</a:t>
-                </a:r>
-              </a:p>
-              <a:p>
-                <a:pPr marL="285750" indent="-285750">
-                  <a:buFont typeface="Arial" panose="020B0604020202020204" pitchFamily="34" charset="0"/>
-                  <a:buChar char="•"/>
-                </a:pPr>
-                <a:endParaRPr lang="de-DE" dirty="0">
-                  <a:solidFill>
-                    <a:schemeClr val="tx1"/>
-                  </a:solidFill>
-                </a:endParaRPr>
-              </a:p>
-              <a:p>
-                <a:pPr marL="285750" indent="-285750">
-                  <a:buFont typeface="Arial" panose="020B0604020202020204" pitchFamily="34" charset="0"/>
-                  <a:buChar char="•"/>
-                </a:pPr>
-                <a:r>
-                  <a:rPr lang="de-DE" b="1" dirty="0">
-                    <a:solidFill>
-                      <a:schemeClr val="tx1"/>
-                    </a:solidFill>
-                  </a:rPr>
-                  <a:t>Physikalisches Design</a:t>
-                </a:r>
-              </a:p>
-              <a:p>
-                <a:pPr marL="697230" lvl="1" indent="-285750">
-                  <a:buFont typeface="Arial" panose="020B0604020202020204" pitchFamily="34" charset="0"/>
-                  <a:buChar char="•"/>
-                </a:pPr>
-                <a:r>
-                  <a:rPr lang="de-DE" dirty="0">
-                    <a:solidFill>
-                      <a:schemeClr val="tx1"/>
-                    </a:solidFill>
-                  </a:rPr>
-                  <a:t>Wie werden die Informationen dargestellt?</a:t>
-                </a:r>
-              </a:p>
-            </p:txBody>
-          </p:sp>
-          <p:sp>
-            <p:nvSpPr>
-              <p:cNvPr id="17" name="Rechteck 16">
-                <a:extLst>
-                  <a:ext uri="{FF2B5EF4-FFF2-40B4-BE49-F238E27FC236}">
-                    <a16:creationId xmlns:a16="http://schemas.microsoft.com/office/drawing/2014/main" xmlns="" id="{829E215D-25C5-FE42-A84B-E10BE5590901}"/>
-                  </a:ext>
-                </a:extLst>
-              </p:cNvPr>
-              <p:cNvSpPr/>
-              <p:nvPr/>
-            </p:nvSpPr>
-            <p:spPr>
-              <a:xfrm>
-                <a:off x="1977040" y="1330903"/>
-                <a:ext cx="1024709" cy="338027"/>
-              </a:xfrm>
-              <a:prstGeom prst="rect">
-                <a:avLst/>
-              </a:prstGeom>
-              <a:solidFill>
-                <a:schemeClr val="bg1"/>
-              </a:solidFill>
-              <a:ln>
-                <a:noFill/>
-              </a:ln>
-            </p:spPr>
-            <p:style>
-              <a:lnRef idx="2">
-                <a:schemeClr val="accent1">
-                  <a:shade val="50000"/>
-                </a:schemeClr>
-              </a:lnRef>
-              <a:fillRef idx="1">
-                <a:schemeClr val="accent1"/>
-              </a:fillRef>
-              <a:effectRef idx="0">
-                <a:schemeClr val="accent1"/>
-              </a:effectRef>
-              <a:fontRef idx="minor">
-                <a:schemeClr val="lt1"/>
-              </a:fontRef>
-            </p:style>
-            <p:txBody>
-              <a:bodyPr rtlCol="0" anchor="ctr"/>
-              <a:lstStyle/>
-              <a:p>
-                <a:r>
-                  <a:rPr lang="de-DE" b="1" dirty="0">
-                    <a:solidFill>
-                      <a:schemeClr val="accent4"/>
-                    </a:solidFill>
-                  </a:rPr>
-                  <a:t>Konzept</a:t>
-                </a:r>
-              </a:p>
-            </p:txBody>
-          </p:sp>
-        </p:grpSp>
-        <p:sp>
-          <p:nvSpPr>
-            <p:cNvPr id="15" name="Rechteck 14">
-              <a:extLst>
-                <a:ext uri="{FF2B5EF4-FFF2-40B4-BE49-F238E27FC236}">
-                  <a16:creationId xmlns:a16="http://schemas.microsoft.com/office/drawing/2014/main" xmlns="" id="{3D7F9058-E672-2A4D-9BB1-013BCCC5ACE0}"/>
-                </a:ext>
-              </a:extLst>
-            </p:cNvPr>
-            <p:cNvSpPr/>
-            <p:nvPr/>
-          </p:nvSpPr>
-          <p:spPr>
-            <a:xfrm>
-              <a:off x="4360127" y="1484312"/>
-              <a:ext cx="1044497" cy="338027"/>
-            </a:xfrm>
-            <a:prstGeom prst="rect">
-              <a:avLst/>
-            </a:prstGeom>
-            <a:solidFill>
-              <a:schemeClr val="bg1"/>
-            </a:solidFill>
-            <a:ln>
-              <a:noFill/>
-            </a:ln>
-          </p:spPr>
-          <p:style>
-            <a:lnRef idx="2">
-              <a:schemeClr val="accent1">
-                <a:shade val="50000"/>
-              </a:schemeClr>
-            </a:lnRef>
-            <a:fillRef idx="1">
-              <a:schemeClr val="accent1"/>
-            </a:fillRef>
-            <a:effectRef idx="0">
-              <a:schemeClr val="accent1"/>
-            </a:effectRef>
-            <a:fontRef idx="minor">
-              <a:schemeClr val="lt1"/>
-            </a:fontRef>
-          </p:style>
-          <p:txBody>
-            <a:bodyPr rtlCol="0" anchor="ctr"/>
-            <a:lstStyle/>
-            <a:p>
-              <a:pPr algn="r"/>
-              <a:r>
-                <a:rPr lang="de-DE" b="1" dirty="0">
-                  <a:solidFill>
-                    <a:schemeClr val="tx1"/>
-                  </a:solidFill>
-                </a:rPr>
-                <a:t>05.02.19</a:t>
-              </a:r>
-            </a:p>
-          </p:txBody>
-        </p:sp>
-      </p:grpSp>
-      <p:grpSp>
-        <p:nvGrpSpPr>
-          <p:cNvPr id="18" name="Gruppieren 17">
-            <a:extLst>
-              <a:ext uri="{FF2B5EF4-FFF2-40B4-BE49-F238E27FC236}">
-                <a16:creationId xmlns:a16="http://schemas.microsoft.com/office/drawing/2014/main" xmlns="" id="{76C873CF-9A61-9B4A-9A7F-7A0A6A11ECCC}"/>
-              </a:ext>
-            </a:extLst>
-          </p:cNvPr>
-          <p:cNvGrpSpPr/>
-          <p:nvPr/>
-        </p:nvGrpSpPr>
-        <p:grpSpPr>
-          <a:xfrm>
-            <a:off x="6588176" y="1211455"/>
-            <a:ext cx="4723201" cy="1459610"/>
-            <a:chOff x="874711" y="1484312"/>
-            <a:chExt cx="4723201" cy="1459610"/>
-          </a:xfrm>
-        </p:grpSpPr>
-        <p:grpSp>
-          <p:nvGrpSpPr>
-            <p:cNvPr id="19" name="Gruppieren 18">
-              <a:extLst>
-                <a:ext uri="{FF2B5EF4-FFF2-40B4-BE49-F238E27FC236}">
-                  <a16:creationId xmlns:a16="http://schemas.microsoft.com/office/drawing/2014/main" xmlns="" id="{02621200-51DD-6A4C-86C6-6B2A72D512E2}"/>
-                </a:ext>
-              </a:extLst>
-            </p:cNvPr>
-            <p:cNvGrpSpPr/>
-            <p:nvPr/>
-          </p:nvGrpSpPr>
-          <p:grpSpPr>
-            <a:xfrm>
-              <a:off x="874711" y="1484313"/>
-              <a:ext cx="4723201" cy="1459609"/>
-              <a:chOff x="1780031" y="1330903"/>
-              <a:chExt cx="4723201" cy="1459609"/>
-            </a:xfrm>
-          </p:grpSpPr>
-          <p:sp>
-            <p:nvSpPr>
-              <p:cNvPr id="21" name="Rechteck 20">
-                <a:extLst>
-                  <a:ext uri="{FF2B5EF4-FFF2-40B4-BE49-F238E27FC236}">
-                    <a16:creationId xmlns:a16="http://schemas.microsoft.com/office/drawing/2014/main" xmlns="" id="{ED0E09EA-1DC6-1249-841E-901E17F3D0B6}"/>
-                  </a:ext>
-                </a:extLst>
-              </p:cNvPr>
-              <p:cNvSpPr/>
-              <p:nvPr/>
-            </p:nvSpPr>
-            <p:spPr>
-              <a:xfrm>
-                <a:off x="1780031" y="1499917"/>
-                <a:ext cx="4723201" cy="1290595"/>
-              </a:xfrm>
-              <a:prstGeom prst="rect">
-                <a:avLst/>
-              </a:prstGeom>
-              <a:solidFill>
-                <a:schemeClr val="bg1"/>
-              </a:solidFill>
-              <a:ln>
-                <a:solidFill>
-                  <a:schemeClr val="tx1"/>
-                </a:solidFill>
-              </a:ln>
-            </p:spPr>
-            <p:style>
-              <a:lnRef idx="2">
-                <a:schemeClr val="accent1">
-                  <a:shade val="50000"/>
-                </a:schemeClr>
-              </a:lnRef>
-              <a:fillRef idx="1">
-                <a:schemeClr val="accent1"/>
-              </a:fillRef>
-              <a:effectRef idx="0">
-                <a:schemeClr val="accent1"/>
-              </a:effectRef>
-              <a:fontRef idx="minor">
-                <a:schemeClr val="lt1"/>
-              </a:fontRef>
-            </p:style>
-            <p:txBody>
-              <a:bodyPr tIns="180000" rtlCol="0" anchor="t"/>
-              <a:lstStyle/>
-              <a:p>
-                <a:pPr marL="285750" indent="-285750">
-                  <a:buFont typeface="Arial" panose="020B0604020202020204" pitchFamily="34" charset="0"/>
-                  <a:buChar char="•"/>
-                </a:pPr>
-                <a:r>
-                  <a:rPr lang="de-DE" dirty="0">
-                    <a:solidFill>
-                      <a:schemeClr val="tx1"/>
-                    </a:solidFill>
-                  </a:rPr>
-                  <a:t>Grafischer Aufbau der Interaktionsplattform</a:t>
-                </a:r>
-              </a:p>
-              <a:p>
-                <a:pPr marL="285750" indent="-285750">
-                  <a:buFont typeface="Arial" panose="020B0604020202020204" pitchFamily="34" charset="0"/>
-                  <a:buChar char="•"/>
-                </a:pPr>
-                <a:endParaRPr lang="de-DE" dirty="0">
-                  <a:solidFill>
-                    <a:schemeClr val="tx1"/>
-                  </a:solidFill>
-                </a:endParaRPr>
-              </a:p>
-              <a:p>
-                <a:pPr marL="285750" indent="-285750">
-                  <a:buFont typeface="Arial" panose="020B0604020202020204" pitchFamily="34" charset="0"/>
-                  <a:buChar char="•"/>
-                </a:pPr>
-                <a:r>
-                  <a:rPr lang="de-DE" dirty="0">
-                    <a:solidFill>
-                      <a:schemeClr val="tx1"/>
-                    </a:solidFill>
-                  </a:rPr>
-                  <a:t>Implementierung der Anpassungen</a:t>
-                </a:r>
-              </a:p>
-            </p:txBody>
-          </p:sp>
-          <p:sp>
-            <p:nvSpPr>
-              <p:cNvPr id="22" name="Rechteck 21">
-                <a:extLst>
-                  <a:ext uri="{FF2B5EF4-FFF2-40B4-BE49-F238E27FC236}">
-                    <a16:creationId xmlns:a16="http://schemas.microsoft.com/office/drawing/2014/main" xmlns="" id="{753356B5-7EB8-3F4A-96E1-8FF10B332D06}"/>
-                  </a:ext>
-                </a:extLst>
-              </p:cNvPr>
-              <p:cNvSpPr/>
-              <p:nvPr/>
-            </p:nvSpPr>
-            <p:spPr>
-              <a:xfrm>
-                <a:off x="1977040" y="1330903"/>
-                <a:ext cx="1994865" cy="338027"/>
-              </a:xfrm>
-              <a:prstGeom prst="rect">
-                <a:avLst/>
-              </a:prstGeom>
-              <a:solidFill>
-                <a:schemeClr val="bg1"/>
-              </a:solidFill>
-              <a:ln>
-                <a:noFill/>
-              </a:ln>
-            </p:spPr>
-            <p:style>
-              <a:lnRef idx="2">
-                <a:schemeClr val="accent1">
-                  <a:shade val="50000"/>
-                </a:schemeClr>
-              </a:lnRef>
-              <a:fillRef idx="1">
-                <a:schemeClr val="accent1"/>
-              </a:fillRef>
-              <a:effectRef idx="0">
-                <a:schemeClr val="accent1"/>
-              </a:effectRef>
-              <a:fontRef idx="minor">
-                <a:schemeClr val="lt1"/>
-              </a:fontRef>
-            </p:style>
-            <p:txBody>
-              <a:bodyPr rtlCol="0" anchor="ctr"/>
-              <a:lstStyle/>
-              <a:p>
-                <a:r>
-                  <a:rPr lang="de-DE" b="1" dirty="0">
-                    <a:solidFill>
-                      <a:schemeClr val="accent4"/>
-                    </a:solidFill>
-                  </a:rPr>
-                  <a:t>Implementierung</a:t>
-                </a:r>
-              </a:p>
-            </p:txBody>
-          </p:sp>
-        </p:grpSp>
-        <p:sp>
-          <p:nvSpPr>
-            <p:cNvPr id="20" name="Rechteck 19">
-              <a:extLst>
-                <a:ext uri="{FF2B5EF4-FFF2-40B4-BE49-F238E27FC236}">
-                  <a16:creationId xmlns:a16="http://schemas.microsoft.com/office/drawing/2014/main" xmlns="" id="{63DF4C62-579D-3249-9CFF-878DBD32F80A}"/>
-                </a:ext>
-              </a:extLst>
-            </p:cNvPr>
-            <p:cNvSpPr/>
-            <p:nvPr/>
-          </p:nvSpPr>
-          <p:spPr>
-            <a:xfrm>
-              <a:off x="4360127" y="1484312"/>
-              <a:ext cx="1044497" cy="338027"/>
-            </a:xfrm>
-            <a:prstGeom prst="rect">
-              <a:avLst/>
-            </a:prstGeom>
-            <a:solidFill>
-              <a:schemeClr val="bg1"/>
-            </a:solidFill>
-            <a:ln>
-              <a:noFill/>
-            </a:ln>
-          </p:spPr>
-          <p:style>
-            <a:lnRef idx="2">
-              <a:schemeClr val="accent1">
-                <a:shade val="50000"/>
-              </a:schemeClr>
-            </a:lnRef>
-            <a:fillRef idx="1">
-              <a:schemeClr val="accent1"/>
-            </a:fillRef>
-            <a:effectRef idx="0">
-              <a:schemeClr val="accent1"/>
-            </a:effectRef>
-            <a:fontRef idx="minor">
-              <a:schemeClr val="lt1"/>
-            </a:fontRef>
-          </p:style>
-          <p:txBody>
-            <a:bodyPr rtlCol="0" anchor="ctr"/>
-            <a:lstStyle/>
-            <a:p>
-              <a:pPr algn="r"/>
-              <a:r>
-                <a:rPr lang="de-DE" b="1" dirty="0">
-                  <a:solidFill>
-                    <a:schemeClr val="tx1"/>
-                  </a:solidFill>
-                </a:rPr>
-                <a:t>20.03.19</a:t>
-              </a:r>
-            </a:p>
-          </p:txBody>
-        </p:sp>
-      </p:grpSp>
-      <p:grpSp>
-        <p:nvGrpSpPr>
-          <p:cNvPr id="23" name="Gruppieren 22">
-            <a:extLst>
-              <a:ext uri="{FF2B5EF4-FFF2-40B4-BE49-F238E27FC236}">
-                <a16:creationId xmlns:a16="http://schemas.microsoft.com/office/drawing/2014/main" xmlns="" id="{8E929239-873F-A040-A4FF-CF41E574A33B}"/>
-              </a:ext>
-            </a:extLst>
-          </p:cNvPr>
-          <p:cNvGrpSpPr/>
-          <p:nvPr/>
-        </p:nvGrpSpPr>
-        <p:grpSpPr>
-          <a:xfrm>
-            <a:off x="6588175" y="2832186"/>
-            <a:ext cx="4723201" cy="1735930"/>
-            <a:chOff x="874711" y="1484312"/>
-            <a:chExt cx="4723201" cy="1735930"/>
-          </a:xfrm>
-        </p:grpSpPr>
-        <p:grpSp>
-          <p:nvGrpSpPr>
-            <p:cNvPr id="24" name="Gruppieren 23">
-              <a:extLst>
-                <a:ext uri="{FF2B5EF4-FFF2-40B4-BE49-F238E27FC236}">
-                  <a16:creationId xmlns:a16="http://schemas.microsoft.com/office/drawing/2014/main" xmlns="" id="{F47E6093-9AA6-8F4B-B80B-776943FCB73D}"/>
-                </a:ext>
-              </a:extLst>
-            </p:cNvPr>
-            <p:cNvGrpSpPr/>
-            <p:nvPr/>
-          </p:nvGrpSpPr>
-          <p:grpSpPr>
-            <a:xfrm>
-              <a:off x="874711" y="1484313"/>
-              <a:ext cx="4723201" cy="1735929"/>
-              <a:chOff x="1780031" y="1330903"/>
-              <a:chExt cx="4723201" cy="1735929"/>
-            </a:xfrm>
-          </p:grpSpPr>
-          <p:sp>
-            <p:nvSpPr>
-              <p:cNvPr id="26" name="Rechteck 25">
-                <a:extLst>
-                  <a:ext uri="{FF2B5EF4-FFF2-40B4-BE49-F238E27FC236}">
-                    <a16:creationId xmlns:a16="http://schemas.microsoft.com/office/drawing/2014/main" xmlns="" id="{4059FEBC-2EFF-ED47-98FF-010C8401FADA}"/>
-                  </a:ext>
-                </a:extLst>
-              </p:cNvPr>
-              <p:cNvSpPr/>
-              <p:nvPr/>
-            </p:nvSpPr>
-            <p:spPr>
-              <a:xfrm>
-                <a:off x="1780031" y="1499917"/>
-                <a:ext cx="4723201" cy="1566915"/>
-              </a:xfrm>
-              <a:prstGeom prst="rect">
-                <a:avLst/>
-              </a:prstGeom>
-              <a:solidFill>
-                <a:schemeClr val="bg1"/>
-              </a:solidFill>
-              <a:ln>
-                <a:solidFill>
-                  <a:schemeClr val="tx1"/>
-                </a:solidFill>
-              </a:ln>
-            </p:spPr>
-            <p:style>
-              <a:lnRef idx="2">
-                <a:schemeClr val="accent1">
-                  <a:shade val="50000"/>
-                </a:schemeClr>
-              </a:lnRef>
-              <a:fillRef idx="1">
-                <a:schemeClr val="accent1"/>
-              </a:fillRef>
-              <a:effectRef idx="0">
-                <a:schemeClr val="accent1"/>
-              </a:effectRef>
-              <a:fontRef idx="minor">
-                <a:schemeClr val="lt1"/>
-              </a:fontRef>
-            </p:style>
-            <p:txBody>
-              <a:bodyPr tIns="180000" rtlCol="0" anchor="t"/>
-              <a:lstStyle/>
-              <a:p>
-                <a:pPr marL="285750" indent="-285750">
-                  <a:buFont typeface="Arial" panose="020B0604020202020204" pitchFamily="34" charset="0"/>
-                  <a:buChar char="•"/>
-                </a:pPr>
-                <a:r>
-                  <a:rPr lang="de-DE" dirty="0">
-                    <a:solidFill>
-                      <a:schemeClr val="tx1"/>
-                    </a:solidFill>
-                  </a:rPr>
-                  <a:t>Welche Informationen können dargestellt werden?</a:t>
-                </a:r>
-              </a:p>
-              <a:p>
-                <a:pPr marL="285750" indent="-285750">
-                  <a:buFont typeface="Arial" panose="020B0604020202020204" pitchFamily="34" charset="0"/>
-                  <a:buChar char="•"/>
-                </a:pPr>
-                <a:endParaRPr lang="de-DE" dirty="0">
-                  <a:solidFill>
-                    <a:schemeClr val="tx1"/>
-                  </a:solidFill>
-                </a:endParaRPr>
-              </a:p>
-              <a:p>
-                <a:pPr marL="285750" indent="-285750">
-                  <a:buFont typeface="Arial" panose="020B0604020202020204" pitchFamily="34" charset="0"/>
-                  <a:buChar char="•"/>
-                </a:pPr>
-                <a:r>
-                  <a:rPr lang="de-DE" dirty="0">
-                    <a:solidFill>
-                      <a:schemeClr val="tx1"/>
-                    </a:solidFill>
-                  </a:rPr>
-                  <a:t>Auswertung der Anpassungsmöglichkeiten</a:t>
-                </a:r>
-              </a:p>
-            </p:txBody>
-          </p:sp>
-          <p:sp>
-            <p:nvSpPr>
-              <p:cNvPr id="27" name="Rechteck 26">
-                <a:extLst>
-                  <a:ext uri="{FF2B5EF4-FFF2-40B4-BE49-F238E27FC236}">
-                    <a16:creationId xmlns:a16="http://schemas.microsoft.com/office/drawing/2014/main" xmlns="" id="{A6C74FE9-D83D-2346-A400-58BA4229E830}"/>
-                  </a:ext>
-                </a:extLst>
-              </p:cNvPr>
-              <p:cNvSpPr/>
-              <p:nvPr/>
-            </p:nvSpPr>
-            <p:spPr>
-              <a:xfrm>
-                <a:off x="1977040" y="1330903"/>
-                <a:ext cx="1403852" cy="338027"/>
-              </a:xfrm>
-              <a:prstGeom prst="rect">
-                <a:avLst/>
-              </a:prstGeom>
-              <a:solidFill>
-                <a:schemeClr val="bg1"/>
-              </a:solidFill>
-              <a:ln>
-                <a:noFill/>
-              </a:ln>
-            </p:spPr>
-            <p:style>
-              <a:lnRef idx="2">
-                <a:schemeClr val="accent1">
-                  <a:shade val="50000"/>
-                </a:schemeClr>
-              </a:lnRef>
-              <a:fillRef idx="1">
-                <a:schemeClr val="accent1"/>
-              </a:fillRef>
-              <a:effectRef idx="0">
-                <a:schemeClr val="accent1"/>
-              </a:effectRef>
-              <a:fontRef idx="minor">
-                <a:schemeClr val="lt1"/>
-              </a:fontRef>
-            </p:style>
-            <p:txBody>
-              <a:bodyPr rtlCol="0" anchor="ctr"/>
-              <a:lstStyle/>
-              <a:p>
-                <a:r>
-                  <a:rPr lang="de-DE" b="1" dirty="0">
-                    <a:solidFill>
-                      <a:schemeClr val="accent4"/>
-                    </a:solidFill>
-                  </a:rPr>
-                  <a:t>Verifikation</a:t>
-                </a:r>
-              </a:p>
-            </p:txBody>
-          </p:sp>
-        </p:grpSp>
-        <p:sp>
-          <p:nvSpPr>
-            <p:cNvPr id="25" name="Rechteck 24">
-              <a:extLst>
-                <a:ext uri="{FF2B5EF4-FFF2-40B4-BE49-F238E27FC236}">
-                  <a16:creationId xmlns:a16="http://schemas.microsoft.com/office/drawing/2014/main" xmlns="" id="{1EDE063D-852E-324C-A77E-EFB1A1CCD783}"/>
-                </a:ext>
-              </a:extLst>
-            </p:cNvPr>
-            <p:cNvSpPr/>
-            <p:nvPr/>
-          </p:nvSpPr>
-          <p:spPr>
-            <a:xfrm>
-              <a:off x="4360127" y="1484312"/>
-              <a:ext cx="1044497" cy="338027"/>
-            </a:xfrm>
-            <a:prstGeom prst="rect">
-              <a:avLst/>
-            </a:prstGeom>
-            <a:solidFill>
-              <a:schemeClr val="bg1"/>
-            </a:solidFill>
-            <a:ln>
-              <a:noFill/>
-            </a:ln>
-          </p:spPr>
-          <p:style>
-            <a:lnRef idx="2">
-              <a:schemeClr val="accent1">
-                <a:shade val="50000"/>
-              </a:schemeClr>
-            </a:lnRef>
-            <a:fillRef idx="1">
-              <a:schemeClr val="accent1"/>
-            </a:fillRef>
-            <a:effectRef idx="0">
-              <a:schemeClr val="accent1"/>
-            </a:effectRef>
-            <a:fontRef idx="minor">
-              <a:schemeClr val="lt1"/>
-            </a:fontRef>
-          </p:style>
-          <p:txBody>
-            <a:bodyPr rtlCol="0" anchor="ctr"/>
-            <a:lstStyle/>
-            <a:p>
-              <a:pPr algn="r"/>
-              <a:r>
-                <a:rPr lang="de-DE" b="1" dirty="0">
-                  <a:solidFill>
-                    <a:schemeClr val="tx1"/>
-                  </a:solidFill>
-                </a:rPr>
-                <a:t>17.04.19</a:t>
-              </a:r>
-            </a:p>
-          </p:txBody>
-        </p:sp>
-      </p:grpSp>
-      <p:grpSp>
-        <p:nvGrpSpPr>
-          <p:cNvPr id="28" name="Gruppieren 27">
-            <a:extLst>
-              <a:ext uri="{FF2B5EF4-FFF2-40B4-BE49-F238E27FC236}">
-                <a16:creationId xmlns:a16="http://schemas.microsoft.com/office/drawing/2014/main" xmlns="" id="{076AA3C9-476D-4D45-B8BE-E0951E23CBCF}"/>
-              </a:ext>
-            </a:extLst>
-          </p:cNvPr>
-          <p:cNvGrpSpPr/>
-          <p:nvPr/>
-        </p:nvGrpSpPr>
-        <p:grpSpPr>
-          <a:xfrm>
-            <a:off x="6588174" y="4711724"/>
-            <a:ext cx="4723201" cy="1110688"/>
-            <a:chOff x="874711" y="1484312"/>
-            <a:chExt cx="4723201" cy="1110688"/>
-          </a:xfrm>
-        </p:grpSpPr>
-        <p:grpSp>
-          <p:nvGrpSpPr>
-            <p:cNvPr id="29" name="Gruppieren 28">
-              <a:extLst>
-                <a:ext uri="{FF2B5EF4-FFF2-40B4-BE49-F238E27FC236}">
-                  <a16:creationId xmlns:a16="http://schemas.microsoft.com/office/drawing/2014/main" xmlns="" id="{B404C1CC-6DF7-B648-9CCB-5E2E9AFEB672}"/>
-                </a:ext>
-              </a:extLst>
-            </p:cNvPr>
-            <p:cNvGrpSpPr/>
-            <p:nvPr/>
-          </p:nvGrpSpPr>
-          <p:grpSpPr>
-            <a:xfrm>
-              <a:off x="874711" y="1484313"/>
-              <a:ext cx="4723201" cy="1110687"/>
-              <a:chOff x="1780031" y="1330903"/>
-              <a:chExt cx="4723201" cy="1110687"/>
-            </a:xfrm>
-          </p:grpSpPr>
-          <p:sp>
-            <p:nvSpPr>
-              <p:cNvPr id="31" name="Rechteck 30">
-                <a:extLst>
-                  <a:ext uri="{FF2B5EF4-FFF2-40B4-BE49-F238E27FC236}">
-                    <a16:creationId xmlns:a16="http://schemas.microsoft.com/office/drawing/2014/main" xmlns="" id="{4BDB37D7-D054-A942-8D6D-F9B2EF0F9FF6}"/>
-                  </a:ext>
-                </a:extLst>
-              </p:cNvPr>
-              <p:cNvSpPr/>
-              <p:nvPr/>
-            </p:nvSpPr>
-            <p:spPr>
-              <a:xfrm>
-                <a:off x="1780031" y="1499918"/>
-                <a:ext cx="4723201" cy="941672"/>
-              </a:xfrm>
-              <a:prstGeom prst="rect">
-                <a:avLst/>
-              </a:prstGeom>
-              <a:solidFill>
-                <a:schemeClr val="bg1"/>
-              </a:solidFill>
-              <a:ln>
-                <a:solidFill>
-                  <a:schemeClr val="tx1"/>
-                </a:solidFill>
-              </a:ln>
-            </p:spPr>
-            <p:style>
-              <a:lnRef idx="2">
-                <a:schemeClr val="accent1">
-                  <a:shade val="50000"/>
-                </a:schemeClr>
-              </a:lnRef>
-              <a:fillRef idx="1">
-                <a:schemeClr val="accent1"/>
-              </a:fillRef>
-              <a:effectRef idx="0">
-                <a:schemeClr val="accent1"/>
-              </a:effectRef>
-              <a:fontRef idx="minor">
-                <a:schemeClr val="lt1"/>
-              </a:fontRef>
-            </p:style>
-            <p:txBody>
-              <a:bodyPr tIns="180000" rtlCol="0" anchor="t"/>
-              <a:lstStyle/>
-              <a:p>
-                <a:pPr marL="285750" indent="-285750">
-                  <a:buFont typeface="Arial" panose="020B0604020202020204" pitchFamily="34" charset="0"/>
-                  <a:buChar char="•"/>
-                </a:pPr>
-                <a:r>
-                  <a:rPr lang="de-DE" dirty="0">
-                    <a:solidFill>
-                      <a:schemeClr val="tx1"/>
-                    </a:solidFill>
-                  </a:rPr>
-                  <a:t>Korrekturlesen</a:t>
-                </a:r>
-              </a:p>
-            </p:txBody>
-          </p:sp>
-          <p:sp>
-            <p:nvSpPr>
-              <p:cNvPr id="32" name="Rechteck 31">
-                <a:extLst>
-                  <a:ext uri="{FF2B5EF4-FFF2-40B4-BE49-F238E27FC236}">
-                    <a16:creationId xmlns:a16="http://schemas.microsoft.com/office/drawing/2014/main" xmlns="" id="{3A6CCD76-DF2E-A745-8BA8-2A2DA3CA1050}"/>
-                  </a:ext>
-                </a:extLst>
-              </p:cNvPr>
-              <p:cNvSpPr/>
-              <p:nvPr/>
-            </p:nvSpPr>
-            <p:spPr>
-              <a:xfrm>
-                <a:off x="1977040" y="1330903"/>
-                <a:ext cx="957804" cy="338027"/>
-              </a:xfrm>
-              <a:prstGeom prst="rect">
-                <a:avLst/>
-              </a:prstGeom>
-              <a:solidFill>
-                <a:schemeClr val="bg1"/>
-              </a:solidFill>
-              <a:ln>
-                <a:noFill/>
-              </a:ln>
-            </p:spPr>
-            <p:style>
-              <a:lnRef idx="2">
-                <a:schemeClr val="accent1">
-                  <a:shade val="50000"/>
-                </a:schemeClr>
-              </a:lnRef>
-              <a:fillRef idx="1">
-                <a:schemeClr val="accent1"/>
-              </a:fillRef>
-              <a:effectRef idx="0">
-                <a:schemeClr val="accent1"/>
-              </a:effectRef>
-              <a:fontRef idx="minor">
-                <a:schemeClr val="lt1"/>
-              </a:fontRef>
-            </p:style>
-            <p:txBody>
-              <a:bodyPr rtlCol="0" anchor="ctr"/>
-              <a:lstStyle/>
-              <a:p>
-                <a:r>
-                  <a:rPr lang="de-DE" b="1" dirty="0">
-                    <a:solidFill>
-                      <a:schemeClr val="accent4"/>
-                    </a:solidFill>
-                  </a:rPr>
-                  <a:t>Abgabe</a:t>
-                </a:r>
-              </a:p>
-            </p:txBody>
-          </p:sp>
-        </p:grpSp>
-        <p:sp>
-          <p:nvSpPr>
-            <p:cNvPr id="30" name="Rechteck 29">
-              <a:extLst>
-                <a:ext uri="{FF2B5EF4-FFF2-40B4-BE49-F238E27FC236}">
-                  <a16:creationId xmlns:a16="http://schemas.microsoft.com/office/drawing/2014/main" xmlns="" id="{117072ED-37EF-E943-B866-F06DD4235CB3}"/>
-                </a:ext>
-              </a:extLst>
-            </p:cNvPr>
-            <p:cNvSpPr/>
-            <p:nvPr/>
-          </p:nvSpPr>
-          <p:spPr>
-            <a:xfrm>
-              <a:off x="4360127" y="1484312"/>
-              <a:ext cx="1044497" cy="338027"/>
-            </a:xfrm>
-            <a:prstGeom prst="rect">
-              <a:avLst/>
-            </a:prstGeom>
-            <a:solidFill>
-              <a:schemeClr val="bg1"/>
-            </a:solidFill>
-            <a:ln>
-              <a:noFill/>
-            </a:ln>
-          </p:spPr>
-          <p:style>
-            <a:lnRef idx="2">
-              <a:schemeClr val="accent1">
-                <a:shade val="50000"/>
-              </a:schemeClr>
-            </a:lnRef>
-            <a:fillRef idx="1">
-              <a:schemeClr val="accent1"/>
-            </a:fillRef>
-            <a:effectRef idx="0">
-              <a:schemeClr val="accent1"/>
-            </a:effectRef>
-            <a:fontRef idx="minor">
-              <a:schemeClr val="lt1"/>
-            </a:fontRef>
-          </p:style>
-          <p:txBody>
-            <a:bodyPr rtlCol="0" anchor="ctr"/>
-            <a:lstStyle/>
-            <a:p>
-              <a:pPr algn="r"/>
-              <a:r>
-                <a:rPr lang="de-DE" b="1" dirty="0">
-                  <a:solidFill>
-                    <a:schemeClr val="tx1"/>
-                  </a:solidFill>
-                </a:rPr>
-                <a:t>02.05.19</a:t>
-              </a:r>
-            </a:p>
-          </p:txBody>
-        </p:sp>
-      </p:grpSp>
-    </p:spTree>
-    <p:extLst>
-      <p:ext uri="{BB962C8B-B14F-4D97-AF65-F5344CB8AC3E}">
-        <p14:creationId xmlns:p14="http://schemas.microsoft.com/office/powerpoint/2010/main" val="2570393360"/>
-      </p:ext>
-    </p:extLst>
-  </p:cSld>
-  <p:clrMapOvr>
-    <a:masterClrMapping/>
-  </p:clrMapOvr>
-</p:sld>
-</file>
-
-<file path=ppt/slides/slide2.xml><?xml version="1.0" encoding="utf-8"?>
-<p:sld xmlns:a="http://schemas.openxmlformats.org/drawingml/2006/main" xmlns:r="http://schemas.openxmlformats.org/officeDocument/2006/relationships" xmlns:p="http://schemas.openxmlformats.org/presentationml/2006/main">
-  <p:cSld>
-    <p:spTree>
-      <p:nvGrpSpPr>
-        <p:cNvPr id="1" name=""/>
-        <p:cNvGrpSpPr/>
-        <p:nvPr/>
-      </p:nvGrpSpPr>
-      <p:grpSpPr>
-        <a:xfrm>
-          <a:off x="0" y="0"/>
-          <a:ext cx="0" cy="0"/>
-          <a:chOff x="0" y="0"/>
-          <a:chExt cx="0" cy="0"/>
-        </a:xfrm>
-      </p:grpSpPr>
-      <p:sp>
-        <p:nvSpPr>
-          <p:cNvPr id="2" name="Titel 1">
-            <a:extLst>
-              <a:ext uri="{FF2B5EF4-FFF2-40B4-BE49-F238E27FC236}">
-                <a16:creationId xmlns:a16="http://schemas.microsoft.com/office/drawing/2014/main" xmlns="" id="{4F501AA0-CA0E-4649-A4DF-1177DBB86B43}"/>
-              </a:ext>
-            </a:extLst>
-          </p:cNvPr>
-          <p:cNvSpPr>
-            <a:spLocks noGrp="1"/>
-          </p:cNvSpPr>
-          <p:nvPr>
-            <p:ph type="title"/>
-          </p:nvPr>
-        </p:nvSpPr>
-        <p:spPr/>
-        <p:txBody>
-          <a:bodyPr/>
-          <a:lstStyle/>
-          <a:p>
-            <a:r>
-              <a:rPr lang="de-DE" dirty="0"/>
-              <a:t>Motivation</a:t>
-            </a:r>
-          </a:p>
-        </p:txBody>
-      </p:sp>
-      <p:sp>
-        <p:nvSpPr>
-          <p:cNvPr id="3" name="Inhaltsplatzhalter 2">
-            <a:extLst>
-              <a:ext uri="{FF2B5EF4-FFF2-40B4-BE49-F238E27FC236}">
-                <a16:creationId xmlns:a16="http://schemas.microsoft.com/office/drawing/2014/main" xmlns="" id="{4464FDF8-1C7E-404D-B624-B587D456B8B9}"/>
-              </a:ext>
-            </a:extLst>
-          </p:cNvPr>
-          <p:cNvSpPr>
-            <a:spLocks noGrp="1"/>
-          </p:cNvSpPr>
-          <p:nvPr>
-            <p:ph sz="quarter" idx="10"/>
-          </p:nvPr>
-        </p:nvSpPr>
-        <p:spPr/>
-        <p:txBody>
-          <a:bodyPr/>
-          <a:lstStyle/>
-          <a:p>
-            <a:endParaRPr lang="de-DE" dirty="0"/>
-          </a:p>
-        </p:txBody>
-      </p:sp>
-    </p:spTree>
-    <p:extLst>
-      <p:ext uri="{BB962C8B-B14F-4D97-AF65-F5344CB8AC3E}">
-        <p14:creationId xmlns:p14="http://schemas.microsoft.com/office/powerpoint/2010/main" val="4254231413"/>
-      </p:ext>
-    </p:extLst>
-  </p:cSld>
-  <p:clrMapOvr>
-    <a:masterClrMapping/>
-  </p:clrMapOvr>
-</p:sld>
-</file>
-
-<file path=ppt/slides/slide20.xml><?xml version="1.0" encoding="utf-8"?>
-<p:sld xmlns:a="http://schemas.openxmlformats.org/drawingml/2006/main" xmlns:r="http://schemas.openxmlformats.org/officeDocument/2006/relationships" xmlns:p="http://schemas.openxmlformats.org/presentationml/2006/main">
-  <p:cSld>
-    <p:spTree>
-      <p:nvGrpSpPr>
-        <p:cNvPr id="1" name=""/>
-        <p:cNvGrpSpPr/>
-        <p:nvPr/>
-      </p:nvGrpSpPr>
-      <p:grpSpPr>
-        <a:xfrm>
-          <a:off x="0" y="0"/>
-          <a:ext cx="0" cy="0"/>
-          <a:chOff x="0" y="0"/>
-          <a:chExt cx="0" cy="0"/>
-        </a:xfrm>
-      </p:grpSpPr>
-      <p:sp>
-        <p:nvSpPr>
-          <p:cNvPr id="2" name="Titel 1">
-            <a:extLst>
-              <a:ext uri="{FF2B5EF4-FFF2-40B4-BE49-F238E27FC236}">
-                <a16:creationId xmlns:a16="http://schemas.microsoft.com/office/drawing/2014/main" xmlns="" id="{486C50CA-1F3A-EF43-9380-876C137AD8EC}"/>
+                <a16:creationId xmlns="" xmlns:a16="http://schemas.microsoft.com/office/drawing/2014/main" id="{486C50CA-1F3A-EF43-9380-876C137AD8EC}"/>
               </a:ext>
             </a:extLst>
           </p:cNvPr>
@@ -13782,7 +12293,7 @@
           <p:cNvPr id="3" name="Inhaltsplatzhalter 2">
             <a:extLst>
               <a:ext uri="{FF2B5EF4-FFF2-40B4-BE49-F238E27FC236}">
-                <a16:creationId xmlns:a16="http://schemas.microsoft.com/office/drawing/2014/main" xmlns="" id="{ABD8A889-EFEB-F24E-8415-CFB9A520769E}"/>
+                <a16:creationId xmlns="" xmlns:a16="http://schemas.microsoft.com/office/drawing/2014/main" id="{ABD8A889-EFEB-F24E-8415-CFB9A520769E}"/>
               </a:ext>
             </a:extLst>
           </p:cNvPr>
@@ -14147,7 +12658,90 @@
 </p:sld>
 </file>
 
-<file path=ppt/slides/slide21.xml><?xml version="1.0" encoding="utf-8"?>
+<file path=ppt/slides/slide2.xml><?xml version="1.0" encoding="utf-8"?>
+<p:sld xmlns:a="http://schemas.openxmlformats.org/drawingml/2006/main" xmlns:r="http://schemas.openxmlformats.org/officeDocument/2006/relationships" xmlns:p="http://schemas.openxmlformats.org/presentationml/2006/main">
+  <p:cSld>
+    <p:spTree>
+      <p:nvGrpSpPr>
+        <p:cNvPr id="1" name=""/>
+        <p:cNvGrpSpPr/>
+        <p:nvPr/>
+      </p:nvGrpSpPr>
+      <p:grpSpPr>
+        <a:xfrm>
+          <a:off x="0" y="0"/>
+          <a:ext cx="0" cy="0"/>
+          <a:chOff x="0" y="0"/>
+          <a:chExt cx="0" cy="0"/>
+        </a:xfrm>
+      </p:grpSpPr>
+      <p:sp>
+        <p:nvSpPr>
+          <p:cNvPr id="2" name="Titel 1">
+            <a:extLst>
+              <a:ext uri="{FF2B5EF4-FFF2-40B4-BE49-F238E27FC236}">
+                <a16:creationId xmlns="" xmlns:a16="http://schemas.microsoft.com/office/drawing/2014/main" id="{4F501AA0-CA0E-4649-A4DF-1177DBB86B43}"/>
+              </a:ext>
+            </a:extLst>
+          </p:cNvPr>
+          <p:cNvSpPr>
+            <a:spLocks noGrp="1"/>
+          </p:cNvSpPr>
+          <p:nvPr>
+            <p:ph type="title"/>
+          </p:nvPr>
+        </p:nvSpPr>
+        <p:spPr/>
+        <p:txBody>
+          <a:bodyPr/>
+          <a:lstStyle/>
+          <a:p>
+            <a:r>
+              <a:rPr lang="de-DE" dirty="0"/>
+              <a:t>Motivation</a:t>
+            </a:r>
+          </a:p>
+        </p:txBody>
+      </p:sp>
+      <p:sp>
+        <p:nvSpPr>
+          <p:cNvPr id="3" name="Inhaltsplatzhalter 2">
+            <a:extLst>
+              <a:ext uri="{FF2B5EF4-FFF2-40B4-BE49-F238E27FC236}">
+                <a16:creationId xmlns="" xmlns:a16="http://schemas.microsoft.com/office/drawing/2014/main" id="{4464FDF8-1C7E-404D-B624-B587D456B8B9}"/>
+              </a:ext>
+            </a:extLst>
+          </p:cNvPr>
+          <p:cNvSpPr>
+            <a:spLocks noGrp="1"/>
+          </p:cNvSpPr>
+          <p:nvPr>
+            <p:ph sz="quarter" idx="10"/>
+          </p:nvPr>
+        </p:nvSpPr>
+        <p:spPr/>
+        <p:txBody>
+          <a:bodyPr/>
+          <a:lstStyle/>
+          <a:p>
+            <a:endParaRPr lang="de-DE" dirty="0"/>
+          </a:p>
+        </p:txBody>
+      </p:sp>
+    </p:spTree>
+    <p:extLst>
+      <p:ext uri="{BB962C8B-B14F-4D97-AF65-F5344CB8AC3E}">
+        <p14:creationId xmlns:p14="http://schemas.microsoft.com/office/powerpoint/2010/main" val="4254231413"/>
+      </p:ext>
+    </p:extLst>
+  </p:cSld>
+  <p:clrMapOvr>
+    <a:masterClrMapping/>
+  </p:clrMapOvr>
+</p:sld>
+</file>
+
+<file path=ppt/slides/slide20.xml><?xml version="1.0" encoding="utf-8"?>
 <p:sld xmlns:a="http://schemas.openxmlformats.org/drawingml/2006/main" xmlns:r="http://schemas.openxmlformats.org/officeDocument/2006/relationships" xmlns:p="http://schemas.openxmlformats.org/presentationml/2006/main">
   <p:cSld>
     <p:spTree>
@@ -15209,7 +13803,7 @@
 </p:sld>
 </file>
 
-<file path=ppt/slides/slide22.xml><?xml version="1.0" encoding="utf-8"?>
+<file path=ppt/slides/slide21.xml><?xml version="1.0" encoding="utf-8"?>
 <p:sld xmlns:a="http://schemas.openxmlformats.org/drawingml/2006/main" xmlns:r="http://schemas.openxmlformats.org/officeDocument/2006/relationships" xmlns:p="http://schemas.openxmlformats.org/presentationml/2006/main">
   <p:cSld>
     <p:spTree>
@@ -16305,7 +14899,7 @@
 </p:sld>
 </file>
 
-<file path=ppt/slides/slide23.xml><?xml version="1.0" encoding="utf-8"?>
+<file path=ppt/slides/slide22.xml><?xml version="1.0" encoding="utf-8"?>
 <p:sld xmlns:a="http://schemas.openxmlformats.org/drawingml/2006/main" xmlns:r="http://schemas.openxmlformats.org/officeDocument/2006/relationships" xmlns:p="http://schemas.openxmlformats.org/presentationml/2006/main">
   <p:cSld>
     <p:spTree>
@@ -17376,7 +15970,7 @@
 </p:sld>
 </file>
 
-<file path=ppt/slides/slide24.xml><?xml version="1.0" encoding="utf-8"?>
+<file path=ppt/slides/slide23.xml><?xml version="1.0" encoding="utf-8"?>
 <p:sld xmlns:a="http://schemas.openxmlformats.org/drawingml/2006/main" xmlns:r="http://schemas.openxmlformats.org/officeDocument/2006/relationships" xmlns:p="http://schemas.openxmlformats.org/presentationml/2006/main">
   <p:cSld>
     <p:spTree>
@@ -17674,7 +16268,7 @@
           <p:cNvPr id="12" name="Gruppieren 11">
             <a:extLst>
               <a:ext uri="{FF2B5EF4-FFF2-40B4-BE49-F238E27FC236}">
-                <a16:creationId xmlns:a16="http://schemas.microsoft.com/office/drawing/2014/main" xmlns="" id="{EA0A8815-E75B-6046-B394-2A918B180A1D}"/>
+                <a16:creationId xmlns="" xmlns:a16="http://schemas.microsoft.com/office/drawing/2014/main" id="{EA0A8815-E75B-6046-B394-2A918B180A1D}"/>
               </a:ext>
             </a:extLst>
           </p:cNvPr>
@@ -17694,7 +16288,7 @@
             <p:cNvPr id="13" name="Rechteck 12">
               <a:extLst>
                 <a:ext uri="{FF2B5EF4-FFF2-40B4-BE49-F238E27FC236}">
-                  <a16:creationId xmlns:a16="http://schemas.microsoft.com/office/drawing/2014/main" xmlns="" id="{C6DACD2C-9288-2743-8000-2D2B960374D2}"/>
+                  <a16:creationId xmlns="" xmlns:a16="http://schemas.microsoft.com/office/drawing/2014/main" id="{C6DACD2C-9288-2743-8000-2D2B960374D2}"/>
                 </a:ext>
               </a:extLst>
             </p:cNvPr>
@@ -17786,7 +16380,7 @@
             <p:cNvPr id="14" name="Rechteck 13">
               <a:extLst>
                 <a:ext uri="{FF2B5EF4-FFF2-40B4-BE49-F238E27FC236}">
-                  <a16:creationId xmlns:a16="http://schemas.microsoft.com/office/drawing/2014/main" xmlns="" id="{8A961849-3F67-574C-9B6D-E3BC3038B489}"/>
+                  <a16:creationId xmlns="" xmlns:a16="http://schemas.microsoft.com/office/drawing/2014/main" id="{8A961849-3F67-574C-9B6D-E3BC3038B489}"/>
                 </a:ext>
               </a:extLst>
             </p:cNvPr>
@@ -17845,7 +16439,7 @@
           <p:cNvPr id="15" name="Gruppieren 14">
             <a:extLst>
               <a:ext uri="{FF2B5EF4-FFF2-40B4-BE49-F238E27FC236}">
-                <a16:creationId xmlns:a16="http://schemas.microsoft.com/office/drawing/2014/main" xmlns="" id="{A88F0E40-A3C2-8A49-B01C-D43BDE29765D}"/>
+                <a16:creationId xmlns="" xmlns:a16="http://schemas.microsoft.com/office/drawing/2014/main" id="{A88F0E40-A3C2-8A49-B01C-D43BDE29765D}"/>
               </a:ext>
             </a:extLst>
           </p:cNvPr>
@@ -17865,7 +16459,7 @@
             <p:cNvPr id="16" name="Rechteck 15">
               <a:extLst>
                 <a:ext uri="{FF2B5EF4-FFF2-40B4-BE49-F238E27FC236}">
-                  <a16:creationId xmlns:a16="http://schemas.microsoft.com/office/drawing/2014/main" xmlns="" id="{18E7CC15-3520-4B45-A599-D8A2FCD6071C}"/>
+                  <a16:creationId xmlns="" xmlns:a16="http://schemas.microsoft.com/office/drawing/2014/main" id="{18E7CC15-3520-4B45-A599-D8A2FCD6071C}"/>
                 </a:ext>
               </a:extLst>
             </p:cNvPr>
@@ -18060,7 +16654,7 @@
             <p:cNvPr id="17" name="Rechteck 16">
               <a:extLst>
                 <a:ext uri="{FF2B5EF4-FFF2-40B4-BE49-F238E27FC236}">
-                  <a16:creationId xmlns:a16="http://schemas.microsoft.com/office/drawing/2014/main" xmlns="" id="{9CA4E624-C249-DD44-95E5-805EF9DA78B4}"/>
+                  <a16:creationId xmlns="" xmlns:a16="http://schemas.microsoft.com/office/drawing/2014/main" id="{9CA4E624-C249-DD44-95E5-805EF9DA78B4}"/>
                 </a:ext>
               </a:extLst>
             </p:cNvPr>
@@ -18119,7 +16713,7 @@
           <p:cNvPr id="18" name="Gruppieren 17">
             <a:extLst>
               <a:ext uri="{FF2B5EF4-FFF2-40B4-BE49-F238E27FC236}">
-                <a16:creationId xmlns:a16="http://schemas.microsoft.com/office/drawing/2014/main" xmlns="" id="{14C33807-8E01-ED45-97CC-799667FE8E29}"/>
+                <a16:creationId xmlns="" xmlns:a16="http://schemas.microsoft.com/office/drawing/2014/main" id="{14C33807-8E01-ED45-97CC-799667FE8E29}"/>
               </a:ext>
             </a:extLst>
           </p:cNvPr>
@@ -18139,7 +16733,7 @@
             <p:cNvPr id="19" name="Rechteck 18">
               <a:extLst>
                 <a:ext uri="{FF2B5EF4-FFF2-40B4-BE49-F238E27FC236}">
-                  <a16:creationId xmlns:a16="http://schemas.microsoft.com/office/drawing/2014/main" xmlns="" id="{ADE0619D-3F85-424E-9F9E-D202B0D54706}"/>
+                  <a16:creationId xmlns="" xmlns:a16="http://schemas.microsoft.com/office/drawing/2014/main" id="{ADE0619D-3F85-424E-9F9E-D202B0D54706}"/>
                 </a:ext>
               </a:extLst>
             </p:cNvPr>
@@ -18332,7 +16926,7 @@
             <p:cNvPr id="20" name="Rechteck 19">
               <a:extLst>
                 <a:ext uri="{FF2B5EF4-FFF2-40B4-BE49-F238E27FC236}">
-                  <a16:creationId xmlns:a16="http://schemas.microsoft.com/office/drawing/2014/main" xmlns="" id="{C56BD12A-0269-3F42-B860-ADC924159D2D}"/>
+                  <a16:creationId xmlns="" xmlns:a16="http://schemas.microsoft.com/office/drawing/2014/main" id="{C56BD12A-0269-3F42-B860-ADC924159D2D}"/>
                 </a:ext>
               </a:extLst>
             </p:cNvPr>
@@ -19431,7 +18025,7 @@
             <p:cNvPr id="24" name="Rechteck 23">
               <a:extLst>
                 <a:ext uri="{FF2B5EF4-FFF2-40B4-BE49-F238E27FC236}">
-                  <a16:creationId xmlns:a16="http://schemas.microsoft.com/office/drawing/2014/main" xmlns="" id="{FCCEA108-686B-BB4F-95FB-4BCE5EB529F1}"/>
+                  <a16:creationId xmlns="" xmlns:a16="http://schemas.microsoft.com/office/drawing/2014/main" id="{FCCEA108-686B-BB4F-95FB-4BCE5EB529F1}"/>
                 </a:ext>
               </a:extLst>
             </p:cNvPr>
@@ -19490,7 +18084,7 @@
           <p:cNvPr id="7" name="Gruppieren 6" hidden="1">
             <a:extLst>
               <a:ext uri="{FF2B5EF4-FFF2-40B4-BE49-F238E27FC236}">
-                <a16:creationId xmlns:a16="http://schemas.microsoft.com/office/drawing/2014/main" xmlns="" id="{4524C733-E4A0-094C-8136-9DE1ABF03809}"/>
+                <a16:creationId xmlns="" xmlns:a16="http://schemas.microsoft.com/office/drawing/2014/main" id="{4524C733-E4A0-094C-8136-9DE1ABF03809}"/>
               </a:ext>
             </a:extLst>
           </p:cNvPr>
@@ -19585,7 +18179,7 @@
             <p:cNvPr id="25" name="Rechteck 24">
               <a:extLst>
                 <a:ext uri="{FF2B5EF4-FFF2-40B4-BE49-F238E27FC236}">
-                  <a16:creationId xmlns:a16="http://schemas.microsoft.com/office/drawing/2014/main" xmlns="" id="{FCCEA108-686B-BB4F-95FB-4BCE5EB529F1}"/>
+                  <a16:creationId xmlns="" xmlns:a16="http://schemas.microsoft.com/office/drawing/2014/main" id="{FCCEA108-686B-BB4F-95FB-4BCE5EB529F1}"/>
                 </a:ext>
               </a:extLst>
             </p:cNvPr>
@@ -19644,7 +18238,7 @@
           <p:cNvPr id="8" name="Gruppieren 7" hidden="1">
             <a:extLst>
               <a:ext uri="{FF2B5EF4-FFF2-40B4-BE49-F238E27FC236}">
-                <a16:creationId xmlns:a16="http://schemas.microsoft.com/office/drawing/2014/main" xmlns="" id="{6A103FCA-854C-C04E-BB87-A0BCEB37CB2A}"/>
+                <a16:creationId xmlns="" xmlns:a16="http://schemas.microsoft.com/office/drawing/2014/main" id="{6A103FCA-854C-C04E-BB87-A0BCEB37CB2A}"/>
               </a:ext>
             </a:extLst>
           </p:cNvPr>
@@ -19739,7 +18333,7 @@
             <p:cNvPr id="26" name="Rechteck 25">
               <a:extLst>
                 <a:ext uri="{FF2B5EF4-FFF2-40B4-BE49-F238E27FC236}">
-                  <a16:creationId xmlns:a16="http://schemas.microsoft.com/office/drawing/2014/main" xmlns="" id="{FCCEA108-686B-BB4F-95FB-4BCE5EB529F1}"/>
+                  <a16:creationId xmlns="" xmlns:a16="http://schemas.microsoft.com/office/drawing/2014/main" id="{FCCEA108-686B-BB4F-95FB-4BCE5EB529F1}"/>
                 </a:ext>
               </a:extLst>
             </p:cNvPr>
@@ -19840,7 +18434,11 @@
           <a:p>
             <a:r>
               <a:rPr lang="de-DE" dirty="0" smtClean="0"/>
-              <a:t>Für die Problemlösung benötigt der Nutzer eine Vielzahl an Informationen</a:t>
+              <a:t>Für die Problemlösung benötigt der Nutzer eine Vielzahl an </a:t>
+            </a:r>
+            <a:r>
+              <a:rPr lang="de-DE" dirty="0" smtClean="0"/>
+              <a:t>Informationen…</a:t>
             </a:r>
             <a:endParaRPr lang="de-DE" dirty="0"/>
           </a:p>
@@ -19851,7 +18449,7 @@
           <p:cNvPr id="4" name="Gruppieren 3">
             <a:extLst>
               <a:ext uri="{FF2B5EF4-FFF2-40B4-BE49-F238E27FC236}">
-                <a16:creationId xmlns:a16="http://schemas.microsoft.com/office/drawing/2014/main" xmlns="" id="{64401E1E-557D-5D4F-AE09-187A0802411B}"/>
+                <a16:creationId xmlns="" xmlns:a16="http://schemas.microsoft.com/office/drawing/2014/main" id="{64401E1E-557D-5D4F-AE09-187A0802411B}"/>
               </a:ext>
             </a:extLst>
           </p:cNvPr>
@@ -19871,7 +18469,7 @@
             <p:cNvPr id="5" name="Rechteck 4">
               <a:extLst>
                 <a:ext uri="{FF2B5EF4-FFF2-40B4-BE49-F238E27FC236}">
-                  <a16:creationId xmlns:a16="http://schemas.microsoft.com/office/drawing/2014/main" xmlns="" id="{35A0EAB9-4039-6448-AC03-B60DE38901D0}"/>
+                  <a16:creationId xmlns="" xmlns:a16="http://schemas.microsoft.com/office/drawing/2014/main" id="{35A0EAB9-4039-6448-AC03-B60DE38901D0}"/>
                 </a:ext>
               </a:extLst>
             </p:cNvPr>
@@ -20005,11 +18603,6 @@
                 </a:rPr>
                 <a:t>Strategie</a:t>
               </a:r>
-              <a:endParaRPr lang="de-DE" sz="1600" dirty="0" smtClean="0">
-                <a:solidFill>
-                  <a:schemeClr val="tx1"/>
-                </a:solidFill>
-              </a:endParaRPr>
             </a:p>
             <a:p>
               <a:pPr marL="697230" lvl="1" indent="-285750">
@@ -20087,7 +18680,7 @@
             <p:cNvPr id="6" name="Rechteck 5">
               <a:extLst>
                 <a:ext uri="{FF2B5EF4-FFF2-40B4-BE49-F238E27FC236}">
-                  <a16:creationId xmlns:a16="http://schemas.microsoft.com/office/drawing/2014/main" xmlns="" id="{FCCEA108-686B-BB4F-95FB-4BCE5EB529F1}"/>
+                  <a16:creationId xmlns="" xmlns:a16="http://schemas.microsoft.com/office/drawing/2014/main" id="{FCCEA108-686B-BB4F-95FB-4BCE5EB529F1}"/>
                 </a:ext>
               </a:extLst>
             </p:cNvPr>
@@ -20257,7 +18850,7 @@
           <p:cNvPr id="11" name="Gruppieren 10">
             <a:extLst>
               <a:ext uri="{FF2B5EF4-FFF2-40B4-BE49-F238E27FC236}">
-                <a16:creationId xmlns:a16="http://schemas.microsoft.com/office/drawing/2014/main" xmlns="" id="{64401E1E-557D-5D4F-AE09-187A0802411B}"/>
+                <a16:creationId xmlns="" xmlns:a16="http://schemas.microsoft.com/office/drawing/2014/main" id="{64401E1E-557D-5D4F-AE09-187A0802411B}"/>
               </a:ext>
             </a:extLst>
           </p:cNvPr>
@@ -20277,7 +18870,7 @@
             <p:cNvPr id="12" name="Rechteck 11">
               <a:extLst>
                 <a:ext uri="{FF2B5EF4-FFF2-40B4-BE49-F238E27FC236}">
-                  <a16:creationId xmlns:a16="http://schemas.microsoft.com/office/drawing/2014/main" xmlns="" id="{35A0EAB9-4039-6448-AC03-B60DE38901D0}"/>
+                  <a16:creationId xmlns="" xmlns:a16="http://schemas.microsoft.com/office/drawing/2014/main" id="{35A0EAB9-4039-6448-AC03-B60DE38901D0}"/>
                 </a:ext>
               </a:extLst>
             </p:cNvPr>
@@ -20466,7 +19059,7 @@
             <p:cNvPr id="13" name="Rechteck 12">
               <a:extLst>
                 <a:ext uri="{FF2B5EF4-FFF2-40B4-BE49-F238E27FC236}">
-                  <a16:creationId xmlns:a16="http://schemas.microsoft.com/office/drawing/2014/main" xmlns="" id="{FCCEA108-686B-BB4F-95FB-4BCE5EB529F1}"/>
+                  <a16:creationId xmlns="" xmlns:a16="http://schemas.microsoft.com/office/drawing/2014/main" id="{FCCEA108-686B-BB4F-95FB-4BCE5EB529F1}"/>
                 </a:ext>
               </a:extLst>
             </p:cNvPr>
@@ -20530,7 +19123,7 @@
           <p:cNvPr id="14" name="Gruppieren 13">
             <a:extLst>
               <a:ext uri="{FF2B5EF4-FFF2-40B4-BE49-F238E27FC236}">
-                <a16:creationId xmlns:a16="http://schemas.microsoft.com/office/drawing/2014/main" xmlns="" id="{64401E1E-557D-5D4F-AE09-187A0802411B}"/>
+                <a16:creationId xmlns="" xmlns:a16="http://schemas.microsoft.com/office/drawing/2014/main" id="{64401E1E-557D-5D4F-AE09-187A0802411B}"/>
               </a:ext>
             </a:extLst>
           </p:cNvPr>
@@ -20550,7 +19143,7 @@
             <p:cNvPr id="15" name="Rechteck 14">
               <a:extLst>
                 <a:ext uri="{FF2B5EF4-FFF2-40B4-BE49-F238E27FC236}">
-                  <a16:creationId xmlns:a16="http://schemas.microsoft.com/office/drawing/2014/main" xmlns="" id="{35A0EAB9-4039-6448-AC03-B60DE38901D0}"/>
+                  <a16:creationId xmlns="" xmlns:a16="http://schemas.microsoft.com/office/drawing/2014/main" id="{35A0EAB9-4039-6448-AC03-B60DE38901D0}"/>
                 </a:ext>
               </a:extLst>
             </p:cNvPr>
@@ -20706,7 +19299,7 @@
             <p:cNvPr id="16" name="Rechteck 15">
               <a:extLst>
                 <a:ext uri="{FF2B5EF4-FFF2-40B4-BE49-F238E27FC236}">
-                  <a16:creationId xmlns:a16="http://schemas.microsoft.com/office/drawing/2014/main" xmlns="" id="{FCCEA108-686B-BB4F-95FB-4BCE5EB529F1}"/>
+                  <a16:creationId xmlns="" xmlns:a16="http://schemas.microsoft.com/office/drawing/2014/main" id="{FCCEA108-686B-BB4F-95FB-4BCE5EB529F1}"/>
                 </a:ext>
               </a:extLst>
             </p:cNvPr>
@@ -20822,7 +19415,7 @@
           <p:cNvPr id="4" name="Gruppieren 3">
             <a:extLst>
               <a:ext uri="{FF2B5EF4-FFF2-40B4-BE49-F238E27FC236}">
-                <a16:creationId xmlns:a16="http://schemas.microsoft.com/office/drawing/2014/main" xmlns="" id="{64401E1E-557D-5D4F-AE09-187A0802411B}"/>
+                <a16:creationId xmlns="" xmlns:a16="http://schemas.microsoft.com/office/drawing/2014/main" id="{64401E1E-557D-5D4F-AE09-187A0802411B}"/>
               </a:ext>
             </a:extLst>
           </p:cNvPr>
@@ -20842,7 +19435,7 @@
             <p:cNvPr id="5" name="Rechteck 4">
               <a:extLst>
                 <a:ext uri="{FF2B5EF4-FFF2-40B4-BE49-F238E27FC236}">
-                  <a16:creationId xmlns:a16="http://schemas.microsoft.com/office/drawing/2014/main" xmlns="" id="{35A0EAB9-4039-6448-AC03-B60DE38901D0}"/>
+                  <a16:creationId xmlns="" xmlns:a16="http://schemas.microsoft.com/office/drawing/2014/main" id="{35A0EAB9-4039-6448-AC03-B60DE38901D0}"/>
                 </a:ext>
               </a:extLst>
             </p:cNvPr>
@@ -21004,7 +19597,7 @@
             <p:cNvPr id="6" name="Rechteck 5">
               <a:extLst>
                 <a:ext uri="{FF2B5EF4-FFF2-40B4-BE49-F238E27FC236}">
-                  <a16:creationId xmlns:a16="http://schemas.microsoft.com/office/drawing/2014/main" xmlns="" id="{FCCEA108-686B-BB4F-95FB-4BCE5EB529F1}"/>
+                  <a16:creationId xmlns="" xmlns:a16="http://schemas.microsoft.com/office/drawing/2014/main" id="{FCCEA108-686B-BB4F-95FB-4BCE5EB529F1}"/>
                 </a:ext>
               </a:extLst>
             </p:cNvPr>
@@ -21063,7 +19656,7 @@
           <p:cNvPr id="7" name="Gruppieren 6">
             <a:extLst>
               <a:ext uri="{FF2B5EF4-FFF2-40B4-BE49-F238E27FC236}">
-                <a16:creationId xmlns:a16="http://schemas.microsoft.com/office/drawing/2014/main" xmlns="" id="{64401E1E-557D-5D4F-AE09-187A0802411B}"/>
+                <a16:creationId xmlns="" xmlns:a16="http://schemas.microsoft.com/office/drawing/2014/main" id="{64401E1E-557D-5D4F-AE09-187A0802411B}"/>
               </a:ext>
             </a:extLst>
           </p:cNvPr>
@@ -21083,7 +19676,7 @@
             <p:cNvPr id="8" name="Rechteck 7">
               <a:extLst>
                 <a:ext uri="{FF2B5EF4-FFF2-40B4-BE49-F238E27FC236}">
-                  <a16:creationId xmlns:a16="http://schemas.microsoft.com/office/drawing/2014/main" xmlns="" id="{35A0EAB9-4039-6448-AC03-B60DE38901D0}"/>
+                  <a16:creationId xmlns="" xmlns:a16="http://schemas.microsoft.com/office/drawing/2014/main" id="{35A0EAB9-4039-6448-AC03-B60DE38901D0}"/>
                 </a:ext>
               </a:extLst>
             </p:cNvPr>
@@ -21214,7 +19807,7 @@
             <p:cNvPr id="9" name="Rechteck 8">
               <a:extLst>
                 <a:ext uri="{FF2B5EF4-FFF2-40B4-BE49-F238E27FC236}">
-                  <a16:creationId xmlns:a16="http://schemas.microsoft.com/office/drawing/2014/main" xmlns="" id="{FCCEA108-686B-BB4F-95FB-4BCE5EB529F1}"/>
+                  <a16:creationId xmlns="" xmlns:a16="http://schemas.microsoft.com/office/drawing/2014/main" id="{FCCEA108-686B-BB4F-95FB-4BCE5EB529F1}"/>
                 </a:ext>
               </a:extLst>
             </p:cNvPr>
@@ -21273,7 +19866,7 @@
           <p:cNvPr id="10" name="Rechteck 9">
             <a:extLst>
               <a:ext uri="{FF2B5EF4-FFF2-40B4-BE49-F238E27FC236}">
-                <a16:creationId xmlns:a16="http://schemas.microsoft.com/office/drawing/2014/main" xmlns="" id="{FCCEA108-686B-BB4F-95FB-4BCE5EB529F1}"/>
+                <a16:creationId xmlns="" xmlns:a16="http://schemas.microsoft.com/office/drawing/2014/main" id="{FCCEA108-686B-BB4F-95FB-4BCE5EB529F1}"/>
               </a:ext>
             </a:extLst>
           </p:cNvPr>
@@ -21369,7 +19962,7 @@
           <p:cNvPr id="13" name="Gruppieren 12">
             <a:extLst>
               <a:ext uri="{FF2B5EF4-FFF2-40B4-BE49-F238E27FC236}">
-                <a16:creationId xmlns:a16="http://schemas.microsoft.com/office/drawing/2014/main" xmlns="" id="{64401E1E-557D-5D4F-AE09-187A0802411B}"/>
+                <a16:creationId xmlns="" xmlns:a16="http://schemas.microsoft.com/office/drawing/2014/main" id="{64401E1E-557D-5D4F-AE09-187A0802411B}"/>
               </a:ext>
             </a:extLst>
           </p:cNvPr>
@@ -21389,7 +19982,7 @@
             <p:cNvPr id="14" name="Rechteck 13">
               <a:extLst>
                 <a:ext uri="{FF2B5EF4-FFF2-40B4-BE49-F238E27FC236}">
-                  <a16:creationId xmlns:a16="http://schemas.microsoft.com/office/drawing/2014/main" xmlns="" id="{35A0EAB9-4039-6448-AC03-B60DE38901D0}"/>
+                  <a16:creationId xmlns="" xmlns:a16="http://schemas.microsoft.com/office/drawing/2014/main" id="{35A0EAB9-4039-6448-AC03-B60DE38901D0}"/>
                 </a:ext>
               </a:extLst>
             </p:cNvPr>
@@ -21505,7 +20098,7 @@
             <p:cNvPr id="15" name="Rechteck 14">
               <a:extLst>
                 <a:ext uri="{FF2B5EF4-FFF2-40B4-BE49-F238E27FC236}">
-                  <a16:creationId xmlns:a16="http://schemas.microsoft.com/office/drawing/2014/main" xmlns="" id="{FCCEA108-686B-BB4F-95FB-4BCE5EB529F1}"/>
+                  <a16:creationId xmlns="" xmlns:a16="http://schemas.microsoft.com/office/drawing/2014/main" id="{FCCEA108-686B-BB4F-95FB-4BCE5EB529F1}"/>
                 </a:ext>
               </a:extLst>
             </p:cNvPr>
@@ -21564,7 +20157,7 @@
           <p:cNvPr id="16" name="Rechteck 15">
             <a:extLst>
               <a:ext uri="{FF2B5EF4-FFF2-40B4-BE49-F238E27FC236}">
-                <a16:creationId xmlns:a16="http://schemas.microsoft.com/office/drawing/2014/main" xmlns="" id="{FCCEA108-686B-BB4F-95FB-4BCE5EB529F1}"/>
+                <a16:creationId xmlns="" xmlns:a16="http://schemas.microsoft.com/office/drawing/2014/main" id="{FCCEA108-686B-BB4F-95FB-4BCE5EB529F1}"/>
               </a:ext>
             </a:extLst>
           </p:cNvPr>
@@ -21622,7 +20215,7 @@
           <p:cNvPr id="18" name="Rechteck 17">
             <a:extLst>
               <a:ext uri="{FF2B5EF4-FFF2-40B4-BE49-F238E27FC236}">
-                <a16:creationId xmlns:a16="http://schemas.microsoft.com/office/drawing/2014/main" xmlns="" id="{FCCEA108-686B-BB4F-95FB-4BCE5EB529F1}"/>
+                <a16:creationId xmlns="" xmlns:a16="http://schemas.microsoft.com/office/drawing/2014/main" id="{FCCEA108-686B-BB4F-95FB-4BCE5EB529F1}"/>
               </a:ext>
             </a:extLst>
           </p:cNvPr>
@@ -21819,7 +20412,7 @@
             <p:cNvPr id="6" name="Gruppieren 5">
               <a:extLst>
                 <a:ext uri="{FF2B5EF4-FFF2-40B4-BE49-F238E27FC236}">
-                  <a16:creationId xmlns:a16="http://schemas.microsoft.com/office/drawing/2014/main" xmlns="" id="{64401E1E-557D-5D4F-AE09-187A0802411B}"/>
+                  <a16:creationId xmlns="" xmlns:a16="http://schemas.microsoft.com/office/drawing/2014/main" id="{64401E1E-557D-5D4F-AE09-187A0802411B}"/>
                 </a:ext>
               </a:extLst>
             </p:cNvPr>
@@ -21839,7 +20432,7 @@
               <p:cNvPr id="7" name="Rechteck 6">
                 <a:extLst>
                   <a:ext uri="{FF2B5EF4-FFF2-40B4-BE49-F238E27FC236}">
-                    <a16:creationId xmlns:a16="http://schemas.microsoft.com/office/drawing/2014/main" xmlns="" id="{35A0EAB9-4039-6448-AC03-B60DE38901D0}"/>
+                    <a16:creationId xmlns="" xmlns:a16="http://schemas.microsoft.com/office/drawing/2014/main" id="{35A0EAB9-4039-6448-AC03-B60DE38901D0}"/>
                   </a:ext>
                 </a:extLst>
               </p:cNvPr>
@@ -21900,7 +20493,7 @@
               <p:cNvPr id="8" name="Rechteck 7">
                 <a:extLst>
                   <a:ext uri="{FF2B5EF4-FFF2-40B4-BE49-F238E27FC236}">
-                    <a16:creationId xmlns:a16="http://schemas.microsoft.com/office/drawing/2014/main" xmlns="" id="{FCCEA108-686B-BB4F-95FB-4BCE5EB529F1}"/>
+                    <a16:creationId xmlns="" xmlns:a16="http://schemas.microsoft.com/office/drawing/2014/main" id="{FCCEA108-686B-BB4F-95FB-4BCE5EB529F1}"/>
                   </a:ext>
                 </a:extLst>
               </p:cNvPr>
@@ -22035,7 +20628,29 @@
                       <a:schemeClr val="tx1"/>
                     </a:solidFill>
                   </a:rPr>
-                  <a:t>Aktuelle Meldungen, Warnungen, Alarme</a:t>
+                  <a:t>Aktuelle Meldungen, Warnungen, </a:t>
+                </a:r>
+                <a:r>
+                  <a:rPr lang="de-DE" dirty="0" smtClean="0">
+                    <a:solidFill>
+                      <a:schemeClr val="tx1"/>
+                    </a:solidFill>
+                  </a:rPr>
+                  <a:t>Alarme</a:t>
+                </a:r>
+              </a:p>
+              <a:p>
+                <a:pPr marL="285750" indent="-285750">
+                  <a:buFont typeface="Arial" panose="020B0604020202020204" pitchFamily="34" charset="0"/>
+                  <a:buChar char="•"/>
+                </a:pPr>
+                <a:r>
+                  <a:rPr lang="de-DE" dirty="0" smtClean="0">
+                    <a:solidFill>
+                      <a:schemeClr val="tx1"/>
+                    </a:solidFill>
+                  </a:rPr>
+                  <a:t>Zustand der Services</a:t>
                 </a:r>
                 <a:endParaRPr lang="de-DE" dirty="0">
                   <a:solidFill>
@@ -22050,7 +20665,7 @@
               <p:cNvPr id="11" name="Rechteck 10">
                 <a:extLst>
                   <a:ext uri="{FF2B5EF4-FFF2-40B4-BE49-F238E27FC236}">
-                    <a16:creationId xmlns:a16="http://schemas.microsoft.com/office/drawing/2014/main" xmlns="" id="{FCCEA108-686B-BB4F-95FB-4BCE5EB529F1}"/>
+                    <a16:creationId xmlns="" xmlns:a16="http://schemas.microsoft.com/office/drawing/2014/main" id="{FCCEA108-686B-BB4F-95FB-4BCE5EB529F1}"/>
                   </a:ext>
                 </a:extLst>
               </p:cNvPr>
@@ -22241,7 +20856,7 @@
               <p:cNvPr id="14" name="Rechteck 13">
                 <a:extLst>
                   <a:ext uri="{FF2B5EF4-FFF2-40B4-BE49-F238E27FC236}">
-                    <a16:creationId xmlns:a16="http://schemas.microsoft.com/office/drawing/2014/main" xmlns="" id="{FCCEA108-686B-BB4F-95FB-4BCE5EB529F1}"/>
+                    <a16:creationId xmlns="" xmlns:a16="http://schemas.microsoft.com/office/drawing/2014/main" id="{FCCEA108-686B-BB4F-95FB-4BCE5EB529F1}"/>
                   </a:ext>
                 </a:extLst>
               </p:cNvPr>
@@ -22483,7 +21098,10 @@
             <a:avLst/>
           </a:prstGeom>
           <a:solidFill>
-            <a:schemeClr val="accent4"/>
+            <a:schemeClr val="accent3">
+              <a:lumMod val="60000"/>
+              <a:lumOff val="40000"/>
+            </a:schemeClr>
           </a:solidFill>
         </p:spPr>
         <p:style>
@@ -22508,439 +21126,55 @@
           <a:p>
             <a:pPr algn="ctr"/>
             <a:r>
-              <a:rPr lang="de-DE" dirty="0" smtClean="0"/>
-              <a:t>Problem bearbeiten</a:t>
-            </a:r>
-            <a:endParaRPr lang="de-DE" dirty="0"/>
-          </a:p>
-        </p:txBody>
-      </p:sp>
-      <p:sp>
-        <p:nvSpPr>
-          <p:cNvPr id="20" name="Rechteck 19"/>
-          <p:cNvSpPr/>
-          <p:nvPr/>
-        </p:nvSpPr>
-        <p:spPr>
-          <a:xfrm>
-            <a:off x="874713" y="3458279"/>
-            <a:ext cx="4813795" cy="2422027"/>
-          </a:xfrm>
-          <a:prstGeom prst="rect">
-            <a:avLst/>
-          </a:prstGeom>
-          <a:solidFill>
-            <a:schemeClr val="bg1"/>
-          </a:solidFill>
-        </p:spPr>
-        <p:style>
-          <a:lnRef idx="2">
-            <a:schemeClr val="accent1">
-              <a:shade val="50000"/>
-            </a:schemeClr>
-          </a:lnRef>
-          <a:fillRef idx="1">
-            <a:schemeClr val="accent1"/>
-          </a:fillRef>
-          <a:effectRef idx="0">
-            <a:schemeClr val="accent1"/>
-          </a:effectRef>
-          <a:fontRef idx="minor">
-            <a:schemeClr val="lt1"/>
-          </a:fontRef>
-        </p:style>
-        <p:txBody>
-          <a:bodyPr rtlCol="0" anchor="ctr"/>
-          <a:lstStyle/>
-          <a:p>
-            <a:pPr algn="ctr"/>
-            <a:endParaRPr lang="de-DE"/>
-          </a:p>
-        </p:txBody>
-      </p:sp>
-      <p:sp>
-        <p:nvSpPr>
-          <p:cNvPr id="21" name="Rechteck 20"/>
-          <p:cNvSpPr/>
-          <p:nvPr/>
-        </p:nvSpPr>
-        <p:spPr>
-          <a:xfrm>
-            <a:off x="874713" y="3446400"/>
-            <a:ext cx="4813795" cy="362894"/>
-          </a:xfrm>
-          <a:prstGeom prst="rect">
-            <a:avLst/>
-          </a:prstGeom>
-          <a:solidFill>
-            <a:schemeClr val="tx1"/>
-          </a:solidFill>
-        </p:spPr>
-        <p:style>
-          <a:lnRef idx="2">
-            <a:schemeClr val="accent1">
-              <a:shade val="50000"/>
-            </a:schemeClr>
-          </a:lnRef>
-          <a:fillRef idx="1">
-            <a:schemeClr val="accent1"/>
-          </a:fillRef>
-          <a:effectRef idx="0">
-            <a:schemeClr val="accent1"/>
-          </a:effectRef>
-          <a:fontRef idx="minor">
-            <a:schemeClr val="lt1"/>
-          </a:fontRef>
-        </p:style>
-        <p:txBody>
-          <a:bodyPr rtlCol="0" anchor="ctr"/>
-          <a:lstStyle/>
-          <a:p>
-            <a:pPr algn="ctr"/>
-            <a:r>
-              <a:rPr lang="de-DE" dirty="0" smtClean="0"/>
-              <a:t>Problembeschreibung</a:t>
-            </a:r>
-            <a:endParaRPr lang="de-DE" dirty="0"/>
-          </a:p>
-        </p:txBody>
-      </p:sp>
-      <p:sp>
-        <p:nvSpPr>
-          <p:cNvPr id="22" name="Rechteck 21"/>
-          <p:cNvSpPr/>
-          <p:nvPr/>
-        </p:nvSpPr>
-        <p:spPr>
-          <a:xfrm>
-            <a:off x="874713" y="3809295"/>
-            <a:ext cx="4813795" cy="625230"/>
-          </a:xfrm>
-          <a:prstGeom prst="rect">
-            <a:avLst/>
-          </a:prstGeom>
-          <a:solidFill>
-            <a:schemeClr val="bg1"/>
-          </a:solidFill>
-        </p:spPr>
-        <p:style>
-          <a:lnRef idx="2">
-            <a:schemeClr val="accent1">
-              <a:shade val="50000"/>
-            </a:schemeClr>
-          </a:lnRef>
-          <a:fillRef idx="1">
-            <a:schemeClr val="accent1"/>
-          </a:fillRef>
-          <a:effectRef idx="0">
-            <a:schemeClr val="accent1"/>
-          </a:effectRef>
-          <a:fontRef idx="minor">
-            <a:schemeClr val="lt1"/>
-          </a:fontRef>
-        </p:style>
-        <p:txBody>
-          <a:bodyPr lIns="90000" rtlCol="0" anchor="t"/>
-          <a:lstStyle/>
-          <a:p>
-            <a:r>
               <a:rPr lang="de-DE" dirty="0" smtClean="0">
                 <a:solidFill>
-                  <a:schemeClr val="tx1"/>
+                  <a:schemeClr val="bg2">
+                    <a:lumMod val="50000"/>
+                  </a:schemeClr>
                 </a:solidFill>
               </a:rPr>
-              <a:t>Beschreibung: Wartung Modul </a:t>
-            </a:r>
-            <a:r>
-              <a:rPr lang="de-DE" dirty="0" err="1" smtClean="0">
-                <a:solidFill>
-                  <a:schemeClr val="tx1"/>
-                </a:solidFill>
-              </a:rPr>
-              <a:t>Temper</a:t>
-            </a:r>
-            <a:r>
-              <a:rPr lang="de-DE" dirty="0" smtClean="0">
-                <a:solidFill>
-                  <a:schemeClr val="tx1"/>
-                </a:solidFill>
-              </a:rPr>
-              <a:t/>
-            </a:r>
-            <a:br>
-              <a:rPr lang="de-DE" dirty="0" smtClean="0">
-                <a:solidFill>
-                  <a:schemeClr val="tx1"/>
-                </a:solidFill>
-              </a:rPr>
-            </a:br>
-            <a:r>
-              <a:rPr lang="de-DE" dirty="0" smtClean="0">
-                <a:solidFill>
-                  <a:schemeClr val="tx1"/>
-                </a:solidFill>
-              </a:rPr>
-              <a:t>Wartungsdauer: 2 Tage</a:t>
+              <a:t>Problem bearbeiten</a:t>
             </a:r>
             <a:endParaRPr lang="de-DE" dirty="0">
               <a:solidFill>
-                <a:schemeClr val="tx1"/>
+                <a:schemeClr val="bg2">
+                  <a:lumMod val="50000"/>
+                </a:schemeClr>
               </a:solidFill>
             </a:endParaRPr>
           </a:p>
         </p:txBody>
       </p:sp>
-      <p:sp>
-        <p:nvSpPr>
-          <p:cNvPr id="24" name="Rechteck 23"/>
-          <p:cNvSpPr/>
+      <p:pic>
+        <p:nvPicPr>
+          <p:cNvPr id="3" name="Grafik 2"/>
+          <p:cNvPicPr>
+            <a:picLocks noChangeAspect="1"/>
+          </p:cNvPicPr>
           <p:nvPr/>
-        </p:nvSpPr>
+        </p:nvPicPr>
+        <p:blipFill>
+          <a:blip r:embed="rId3">
+            <a:extLst>
+              <a:ext uri="{28A0092B-C50C-407E-A947-70E740481C1C}">
+                <a14:useLocalDpi xmlns:a14="http://schemas.microsoft.com/office/drawing/2010/main" val="0"/>
+              </a:ext>
+            </a:extLst>
+          </a:blip>
+          <a:stretch>
+            <a:fillRect/>
+          </a:stretch>
+        </p:blipFill>
         <p:spPr>
           <a:xfrm>
-            <a:off x="874713" y="4423167"/>
-            <a:ext cx="4813795" cy="362894"/>
+            <a:off x="874711" y="3309257"/>
+            <a:ext cx="4687257" cy="2720067"/>
           </a:xfrm>
           <a:prstGeom prst="rect">
             <a:avLst/>
           </a:prstGeom>
-          <a:solidFill>
-            <a:schemeClr val="tx1"/>
-          </a:solidFill>
         </p:spPr>
-        <p:style>
-          <a:lnRef idx="2">
-            <a:schemeClr val="accent1">
-              <a:shade val="50000"/>
-            </a:schemeClr>
-          </a:lnRef>
-          <a:fillRef idx="1">
-            <a:schemeClr val="accent1"/>
-          </a:fillRef>
-          <a:effectRef idx="0">
-            <a:schemeClr val="accent1"/>
-          </a:effectRef>
-          <a:fontRef idx="minor">
-            <a:schemeClr val="lt1"/>
-          </a:fontRef>
-        </p:style>
-        <p:txBody>
-          <a:bodyPr rtlCol="0" anchor="ctr"/>
-          <a:lstStyle/>
-          <a:p>
-            <a:r>
-              <a:rPr lang="de-DE" dirty="0" smtClean="0"/>
-              <a:t>Ziele definieren</a:t>
-            </a:r>
-            <a:endParaRPr lang="de-DE" dirty="0"/>
-          </a:p>
-        </p:txBody>
-      </p:sp>
-      <p:sp>
-        <p:nvSpPr>
-          <p:cNvPr id="27" name="Plus 26"/>
-          <p:cNvSpPr/>
-          <p:nvPr/>
-        </p:nvSpPr>
-        <p:spPr>
-          <a:xfrm>
-            <a:off x="5257212" y="4466554"/>
-            <a:ext cx="349608" cy="288000"/>
-          </a:xfrm>
-          <a:prstGeom prst="mathPlus">
-            <a:avLst>
-              <a:gd name="adj1" fmla="val 2637"/>
-            </a:avLst>
-          </a:prstGeom>
-          <a:solidFill>
-            <a:schemeClr val="bg1"/>
-          </a:solidFill>
-          <a:ln>
-            <a:solidFill>
-              <a:schemeClr val="bg1"/>
-            </a:solidFill>
-          </a:ln>
-        </p:spPr>
-        <p:style>
-          <a:lnRef idx="2">
-            <a:schemeClr val="accent1">
-              <a:shade val="50000"/>
-            </a:schemeClr>
-          </a:lnRef>
-          <a:fillRef idx="1">
-            <a:schemeClr val="accent1"/>
-          </a:fillRef>
-          <a:effectRef idx="0">
-            <a:schemeClr val="accent1"/>
-          </a:effectRef>
-          <a:fontRef idx="minor">
-            <a:schemeClr val="lt1"/>
-          </a:fontRef>
-        </p:style>
-        <p:txBody>
-          <a:bodyPr rtlCol="0" anchor="ctr"/>
-          <a:lstStyle/>
-          <a:p>
-            <a:pPr algn="ctr"/>
-            <a:endParaRPr lang="de-DE"/>
-          </a:p>
-        </p:txBody>
-      </p:sp>
-      <p:sp>
-        <p:nvSpPr>
-          <p:cNvPr id="29" name="Rechteck 28"/>
-          <p:cNvSpPr/>
-          <p:nvPr/>
-        </p:nvSpPr>
-        <p:spPr>
-          <a:xfrm>
-            <a:off x="874713" y="4786476"/>
-            <a:ext cx="4813795" cy="369614"/>
-          </a:xfrm>
-          <a:prstGeom prst="rect">
-            <a:avLst/>
-          </a:prstGeom>
-          <a:solidFill>
-            <a:schemeClr val="bg1"/>
-          </a:solidFill>
-        </p:spPr>
-        <p:style>
-          <a:lnRef idx="2">
-            <a:schemeClr val="accent1">
-              <a:shade val="50000"/>
-            </a:schemeClr>
-          </a:lnRef>
-          <a:fillRef idx="1">
-            <a:schemeClr val="accent1"/>
-          </a:fillRef>
-          <a:effectRef idx="0">
-            <a:schemeClr val="accent1"/>
-          </a:effectRef>
-          <a:fontRef idx="minor">
-            <a:schemeClr val="lt1"/>
-          </a:fontRef>
-        </p:style>
-        <p:txBody>
-          <a:bodyPr lIns="90000" rtlCol="0" anchor="t"/>
-          <a:lstStyle/>
-          <a:p>
-            <a:r>
-              <a:rPr lang="de-DE" dirty="0" smtClean="0">
-                <a:solidFill>
-                  <a:schemeClr val="tx1"/>
-                </a:solidFill>
-              </a:rPr>
-              <a:t>Zeitrahmen: Wartung in 5 Tagen</a:t>
-            </a:r>
-            <a:endParaRPr lang="de-DE" dirty="0">
-              <a:solidFill>
-                <a:schemeClr val="tx1"/>
-              </a:solidFill>
-            </a:endParaRPr>
-          </a:p>
-        </p:txBody>
-      </p:sp>
-      <p:sp>
-        <p:nvSpPr>
-          <p:cNvPr id="30" name="Rechteck 29"/>
-          <p:cNvSpPr/>
-          <p:nvPr/>
-        </p:nvSpPr>
-        <p:spPr>
-          <a:xfrm>
-            <a:off x="874713" y="5156090"/>
-            <a:ext cx="4813795" cy="369614"/>
-          </a:xfrm>
-          <a:prstGeom prst="rect">
-            <a:avLst/>
-          </a:prstGeom>
-          <a:solidFill>
-            <a:schemeClr val="bg1"/>
-          </a:solidFill>
-        </p:spPr>
-        <p:style>
-          <a:lnRef idx="2">
-            <a:schemeClr val="accent1">
-              <a:shade val="50000"/>
-            </a:schemeClr>
-          </a:lnRef>
-          <a:fillRef idx="1">
-            <a:schemeClr val="accent1"/>
-          </a:fillRef>
-          <a:effectRef idx="0">
-            <a:schemeClr val="accent1"/>
-          </a:effectRef>
-          <a:fontRef idx="minor">
-            <a:schemeClr val="lt1"/>
-          </a:fontRef>
-        </p:style>
-        <p:txBody>
-          <a:bodyPr lIns="90000" rtlCol="0" anchor="t"/>
-          <a:lstStyle/>
-          <a:p>
-            <a:r>
-              <a:rPr lang="de-DE" dirty="0" smtClean="0">
-                <a:solidFill>
-                  <a:schemeClr val="tx1"/>
-                </a:solidFill>
-              </a:rPr>
-              <a:t>Maximale Stillstandzeit: 3 Stunden </a:t>
-            </a:r>
-            <a:endParaRPr lang="de-DE" dirty="0">
-              <a:solidFill>
-                <a:schemeClr val="tx1"/>
-              </a:solidFill>
-            </a:endParaRPr>
-          </a:p>
-        </p:txBody>
-      </p:sp>
-      <p:sp>
-        <p:nvSpPr>
-          <p:cNvPr id="32" name="Rechteck 31"/>
-          <p:cNvSpPr/>
-          <p:nvPr/>
-        </p:nvSpPr>
-        <p:spPr>
-          <a:xfrm>
-            <a:off x="3369236" y="5525704"/>
-            <a:ext cx="2319322" cy="354602"/>
-          </a:xfrm>
-          <a:prstGeom prst="rect">
-            <a:avLst/>
-          </a:prstGeom>
-          <a:solidFill>
-            <a:schemeClr val="accent4"/>
-          </a:solidFill>
-        </p:spPr>
-        <p:style>
-          <a:lnRef idx="2">
-            <a:schemeClr val="accent1">
-              <a:shade val="50000"/>
-            </a:schemeClr>
-          </a:lnRef>
-          <a:fillRef idx="1">
-            <a:schemeClr val="accent1"/>
-          </a:fillRef>
-          <a:effectRef idx="0">
-            <a:schemeClr val="accent1"/>
-          </a:effectRef>
-          <a:fontRef idx="minor">
-            <a:schemeClr val="lt1"/>
-          </a:fontRef>
-        </p:style>
-        <p:txBody>
-          <a:bodyPr rtlCol="0" anchor="ctr"/>
-          <a:lstStyle/>
-          <a:p>
-            <a:pPr algn="ctr"/>
-            <a:r>
-              <a:rPr lang="de-DE" dirty="0" smtClean="0"/>
-              <a:t>Lösungen finden</a:t>
-            </a:r>
-            <a:endParaRPr lang="de-DE" dirty="0"/>
-          </a:p>
-        </p:txBody>
-      </p:sp>
+      </p:pic>
     </p:spTree>
     <p:extLst>
       <p:ext uri="{BB962C8B-B14F-4D97-AF65-F5344CB8AC3E}">
@@ -22951,6 +21185,13 @@
   <p:clrMapOvr>
     <a:masterClrMapping/>
   </p:clrMapOvr>
+  <p:timing>
+    <p:tnLst>
+      <p:par>
+        <p:cTn id="1" dur="indefinite" restart="never" nodeType="tmRoot"/>
+      </p:par>
+    </p:tnLst>
+  </p:timing>
 </p:sld>
 </file>
 
@@ -23013,7 +21254,7 @@
             <p:cNvPr id="6" name="Gruppieren 5">
               <a:extLst>
                 <a:ext uri="{FF2B5EF4-FFF2-40B4-BE49-F238E27FC236}">
-                  <a16:creationId xmlns:a16="http://schemas.microsoft.com/office/drawing/2014/main" xmlns="" id="{64401E1E-557D-5D4F-AE09-187A0802411B}"/>
+                  <a16:creationId xmlns="" xmlns:a16="http://schemas.microsoft.com/office/drawing/2014/main" id="{64401E1E-557D-5D4F-AE09-187A0802411B}"/>
                 </a:ext>
               </a:extLst>
             </p:cNvPr>
@@ -23033,7 +21274,7 @@
               <p:cNvPr id="7" name="Rechteck 6">
                 <a:extLst>
                   <a:ext uri="{FF2B5EF4-FFF2-40B4-BE49-F238E27FC236}">
-                    <a16:creationId xmlns:a16="http://schemas.microsoft.com/office/drawing/2014/main" xmlns="" id="{35A0EAB9-4039-6448-AC03-B60DE38901D0}"/>
+                    <a16:creationId xmlns="" xmlns:a16="http://schemas.microsoft.com/office/drawing/2014/main" id="{35A0EAB9-4039-6448-AC03-B60DE38901D0}"/>
                   </a:ext>
                 </a:extLst>
               </p:cNvPr>
@@ -23094,7 +21335,7 @@
               <p:cNvPr id="8" name="Rechteck 7">
                 <a:extLst>
                   <a:ext uri="{FF2B5EF4-FFF2-40B4-BE49-F238E27FC236}">
-                    <a16:creationId xmlns:a16="http://schemas.microsoft.com/office/drawing/2014/main" xmlns="" id="{FCCEA108-686B-BB4F-95FB-4BCE5EB529F1}"/>
+                    <a16:creationId xmlns="" xmlns:a16="http://schemas.microsoft.com/office/drawing/2014/main" id="{FCCEA108-686B-BB4F-95FB-4BCE5EB529F1}"/>
                   </a:ext>
                 </a:extLst>
               </p:cNvPr>
@@ -23230,7 +21471,7 @@
               <p:cNvPr id="11" name="Rechteck 10">
                 <a:extLst>
                   <a:ext uri="{FF2B5EF4-FFF2-40B4-BE49-F238E27FC236}">
-                    <a16:creationId xmlns:a16="http://schemas.microsoft.com/office/drawing/2014/main" xmlns="" id="{FCCEA108-686B-BB4F-95FB-4BCE5EB529F1}"/>
+                    <a16:creationId xmlns="" xmlns:a16="http://schemas.microsoft.com/office/drawing/2014/main" id="{FCCEA108-686B-BB4F-95FB-4BCE5EB529F1}"/>
                   </a:ext>
                 </a:extLst>
               </p:cNvPr>
@@ -23363,7 +21604,7 @@
               <p:cNvPr id="14" name="Rechteck 13">
                 <a:extLst>
                   <a:ext uri="{FF2B5EF4-FFF2-40B4-BE49-F238E27FC236}">
-                    <a16:creationId xmlns:a16="http://schemas.microsoft.com/office/drawing/2014/main" xmlns="" id="{FCCEA108-686B-BB4F-95FB-4BCE5EB529F1}"/>
+                    <a16:creationId xmlns="" xmlns:a16="http://schemas.microsoft.com/office/drawing/2014/main" id="{FCCEA108-686B-BB4F-95FB-4BCE5EB529F1}"/>
                   </a:ext>
                 </a:extLst>
               </p:cNvPr>
@@ -23433,6 +21674,13 @@
   <p:clrMapOvr>
     <a:masterClrMapping/>
   </p:clrMapOvr>
+  <p:timing>
+    <p:tnLst>
+      <p:par>
+        <p:cTn id="1" dur="indefinite" restart="never" nodeType="tmRoot"/>
+      </p:par>
+    </p:tnLst>
+  </p:timing>
 </p:sld>
 </file>
 
@@ -23455,7 +21703,13 @@
       </p:grpSpPr>
       <p:sp>
         <p:nvSpPr>
-          <p:cNvPr id="2" name="Titel 1"/>
+          <p:cNvPr id="2" name="Titel 1">
+            <a:extLst>
+              <a:ext uri="{FF2B5EF4-FFF2-40B4-BE49-F238E27FC236}">
+                <a16:creationId xmlns="" xmlns:a16="http://schemas.microsoft.com/office/drawing/2014/main" id="{7BA8FE41-0B04-6748-9CA8-05F0AE81883B}"/>
+              </a:ext>
+            </a:extLst>
+          </p:cNvPr>
           <p:cNvSpPr>
             <a:spLocks noGrp="1"/>
           </p:cNvSpPr>
@@ -23469,99 +21723,18 @@
           <a:lstStyle/>
           <a:p>
             <a:r>
-              <a:rPr lang="de-DE" dirty="0" smtClean="0"/>
-              <a:t>Ablauf des Problemlöseprozess</a:t>
+              <a:rPr lang="de-DE" dirty="0"/>
+              <a:t>Zeitplan</a:t>
             </a:r>
-            <a:endParaRPr lang="de-DE" dirty="0"/>
-          </a:p>
-        </p:txBody>
-      </p:sp>
-      <p:sp>
-        <p:nvSpPr>
-          <p:cNvPr id="4" name="Rechteck 3"/>
-          <p:cNvSpPr/>
-          <p:nvPr/>
-        </p:nvSpPr>
-        <p:spPr>
-          <a:xfrm>
-            <a:off x="874711" y="1216089"/>
-            <a:ext cx="4258121" cy="2173287"/>
-          </a:xfrm>
-          <a:prstGeom prst="rect">
-            <a:avLst/>
-          </a:prstGeom>
-        </p:spPr>
-        <p:style>
-          <a:lnRef idx="2">
-            <a:schemeClr val="accent1">
-              <a:shade val="50000"/>
-            </a:schemeClr>
-          </a:lnRef>
-          <a:fillRef idx="1">
-            <a:schemeClr val="accent1"/>
-          </a:fillRef>
-          <a:effectRef idx="0">
-            <a:schemeClr val="accent1"/>
-          </a:effectRef>
-          <a:fontRef idx="minor">
-            <a:schemeClr val="lt1"/>
-          </a:fontRef>
-        </p:style>
-        <p:txBody>
-          <a:bodyPr rtlCol="0" anchor="ctr"/>
-          <a:lstStyle/>
-          <a:p>
-            <a:pPr algn="ctr"/>
-            <a:endParaRPr lang="de-DE"/>
-          </a:p>
-        </p:txBody>
-      </p:sp>
-      <p:sp>
-        <p:nvSpPr>
-          <p:cNvPr id="5" name="Rechteck 4"/>
-          <p:cNvSpPr/>
-          <p:nvPr/>
-        </p:nvSpPr>
-        <p:spPr>
-          <a:xfrm>
-            <a:off x="874710" y="3575177"/>
-            <a:ext cx="4258121" cy="2258695"/>
-          </a:xfrm>
-          <a:prstGeom prst="rect">
-            <a:avLst/>
-          </a:prstGeom>
-        </p:spPr>
-        <p:style>
-          <a:lnRef idx="2">
-            <a:schemeClr val="accent1">
-              <a:shade val="50000"/>
-            </a:schemeClr>
-          </a:lnRef>
-          <a:fillRef idx="1">
-            <a:schemeClr val="accent1"/>
-          </a:fillRef>
-          <a:effectRef idx="0">
-            <a:schemeClr val="accent1"/>
-          </a:effectRef>
-          <a:fontRef idx="minor">
-            <a:schemeClr val="lt1"/>
-          </a:fontRef>
-        </p:style>
-        <p:txBody>
-          <a:bodyPr rtlCol="0" anchor="ctr"/>
-          <a:lstStyle/>
-          <a:p>
-            <a:pPr algn="ctr"/>
-            <a:endParaRPr lang="de-DE"/>
           </a:p>
         </p:txBody>
       </p:sp>
       <p:grpSp>
         <p:nvGrpSpPr>
-          <p:cNvPr id="6" name="Gruppieren 5">
+          <p:cNvPr id="12" name="Gruppieren 11">
             <a:extLst>
               <a:ext uri="{FF2B5EF4-FFF2-40B4-BE49-F238E27FC236}">
-                <a16:creationId xmlns:a16="http://schemas.microsoft.com/office/drawing/2014/main" xmlns="" id="{64401E1E-557D-5D4F-AE09-187A0802411B}"/>
+                <a16:creationId xmlns="" xmlns:a16="http://schemas.microsoft.com/office/drawing/2014/main" id="{995F115A-CBCD-7A4D-8C0A-281259A5A3C1}"/>
               </a:ext>
             </a:extLst>
           </p:cNvPr>
@@ -23570,18 +21743,189 @@
         </p:nvGrpSpPr>
         <p:grpSpPr>
           <a:xfrm>
-            <a:off x="6604951" y="786449"/>
-            <a:ext cx="4850447" cy="5187631"/>
-            <a:chOff x="1780030" y="1414271"/>
-            <a:chExt cx="4850447" cy="5187631"/>
+            <a:off x="874710" y="1197486"/>
+            <a:ext cx="4723201" cy="1735930"/>
+            <a:chOff x="874711" y="1484312"/>
+            <a:chExt cx="4723201" cy="1735930"/>
           </a:xfrm>
         </p:grpSpPr>
+        <p:grpSp>
+          <p:nvGrpSpPr>
+            <p:cNvPr id="4" name="Gruppieren 3">
+              <a:extLst>
+                <a:ext uri="{FF2B5EF4-FFF2-40B4-BE49-F238E27FC236}">
+                  <a16:creationId xmlns="" xmlns:a16="http://schemas.microsoft.com/office/drawing/2014/main" id="{783A73D2-C025-644E-A194-3438D291D352}"/>
+                </a:ext>
+              </a:extLst>
+            </p:cNvPr>
+            <p:cNvGrpSpPr/>
+            <p:nvPr/>
+          </p:nvGrpSpPr>
+          <p:grpSpPr>
+            <a:xfrm>
+              <a:off x="874711" y="1484313"/>
+              <a:ext cx="4723201" cy="1735929"/>
+              <a:chOff x="1780031" y="1330903"/>
+              <a:chExt cx="4723201" cy="1735929"/>
+            </a:xfrm>
+          </p:grpSpPr>
+          <p:sp>
+            <p:nvSpPr>
+              <p:cNvPr id="5" name="Rechteck 4">
+                <a:extLst>
+                  <a:ext uri="{FF2B5EF4-FFF2-40B4-BE49-F238E27FC236}">
+                    <a16:creationId xmlns="" xmlns:a16="http://schemas.microsoft.com/office/drawing/2014/main" id="{4F68B8E9-417E-0141-AE27-E298ED29929C}"/>
+                  </a:ext>
+                </a:extLst>
+              </p:cNvPr>
+              <p:cNvSpPr/>
+              <p:nvPr/>
+            </p:nvSpPr>
+            <p:spPr>
+              <a:xfrm>
+                <a:off x="1780031" y="1499917"/>
+                <a:ext cx="4723201" cy="1566915"/>
+              </a:xfrm>
+              <a:prstGeom prst="rect">
+                <a:avLst/>
+              </a:prstGeom>
+              <a:solidFill>
+                <a:schemeClr val="bg1"/>
+              </a:solidFill>
+              <a:ln>
+                <a:solidFill>
+                  <a:schemeClr val="accent4"/>
+                </a:solidFill>
+              </a:ln>
+            </p:spPr>
+            <p:style>
+              <a:lnRef idx="2">
+                <a:schemeClr val="accent1">
+                  <a:shade val="50000"/>
+                </a:schemeClr>
+              </a:lnRef>
+              <a:fillRef idx="1">
+                <a:schemeClr val="accent1"/>
+              </a:fillRef>
+              <a:effectRef idx="0">
+                <a:schemeClr val="accent1"/>
+              </a:effectRef>
+              <a:fontRef idx="minor">
+                <a:schemeClr val="lt1"/>
+              </a:fontRef>
+            </p:style>
+            <p:txBody>
+              <a:bodyPr tIns="180000" rtlCol="0" anchor="t"/>
+              <a:lstStyle/>
+              <a:p>
+                <a:pPr marL="285750" indent="-285750">
+                  <a:buFont typeface="Arial" panose="020B0604020202020204" pitchFamily="34" charset="0"/>
+                  <a:buChar char="•"/>
+                </a:pPr>
+                <a:r>
+                  <a:rPr lang="de-DE" dirty="0">
+                    <a:solidFill>
+                      <a:schemeClr val="tx1"/>
+                    </a:solidFill>
+                  </a:rPr>
+                  <a:t>Welche Informationen müssen angezeigt werden?</a:t>
+                </a:r>
+              </a:p>
+              <a:p>
+                <a:pPr marL="285750" indent="-285750">
+                  <a:buFont typeface="Arial" panose="020B0604020202020204" pitchFamily="34" charset="0"/>
+                  <a:buChar char="•"/>
+                </a:pPr>
+                <a:r>
+                  <a:rPr lang="de-DE" dirty="0">
+                    <a:solidFill>
+                      <a:schemeClr val="tx1"/>
+                    </a:solidFill>
+                  </a:rPr>
+                  <a:t>Welche Anpassungsmöglichkeiten muss es geben?</a:t>
+                </a:r>
+              </a:p>
+              <a:p>
+                <a:pPr marL="285750" indent="-285750">
+                  <a:buFont typeface="Arial" panose="020B0604020202020204" pitchFamily="34" charset="0"/>
+                  <a:buChar char="•"/>
+                </a:pPr>
+                <a:r>
+                  <a:rPr lang="de-DE" dirty="0">
+                    <a:solidFill>
+                      <a:schemeClr val="tx1"/>
+                    </a:solidFill>
+                  </a:rPr>
+                  <a:t>Wie interagieren Assistent und Mensch?</a:t>
+                </a:r>
+              </a:p>
+            </p:txBody>
+          </p:sp>
+          <p:sp>
+            <p:nvSpPr>
+              <p:cNvPr id="6" name="Rechteck 5">
+                <a:extLst>
+                  <a:ext uri="{FF2B5EF4-FFF2-40B4-BE49-F238E27FC236}">
+                    <a16:creationId xmlns="" xmlns:a16="http://schemas.microsoft.com/office/drawing/2014/main" id="{B2717A64-B61E-B44C-B23D-CB509FB519CA}"/>
+                  </a:ext>
+                </a:extLst>
+              </p:cNvPr>
+              <p:cNvSpPr/>
+              <p:nvPr/>
+            </p:nvSpPr>
+            <p:spPr>
+              <a:xfrm>
+                <a:off x="1977040" y="1330903"/>
+                <a:ext cx="1011724" cy="338027"/>
+              </a:xfrm>
+              <a:prstGeom prst="rect">
+                <a:avLst/>
+              </a:prstGeom>
+              <a:solidFill>
+                <a:schemeClr val="bg1"/>
+              </a:solidFill>
+              <a:ln>
+                <a:noFill/>
+              </a:ln>
+            </p:spPr>
+            <p:style>
+              <a:lnRef idx="2">
+                <a:schemeClr val="accent1">
+                  <a:shade val="50000"/>
+                </a:schemeClr>
+              </a:lnRef>
+              <a:fillRef idx="1">
+                <a:schemeClr val="accent1"/>
+              </a:fillRef>
+              <a:effectRef idx="0">
+                <a:schemeClr val="accent1"/>
+              </a:effectRef>
+              <a:fontRef idx="minor">
+                <a:schemeClr val="lt1"/>
+              </a:fontRef>
+            </p:style>
+            <p:txBody>
+              <a:bodyPr rtlCol="0" anchor="ctr"/>
+              <a:lstStyle/>
+              <a:p>
+                <a:r>
+                  <a:rPr lang="de-DE" sz="1600" b="1" dirty="0">
+                    <a:solidFill>
+                      <a:schemeClr val="accent4"/>
+                    </a:solidFill>
+                  </a:rPr>
+                  <a:t>Analyse</a:t>
+                </a:r>
+              </a:p>
+            </p:txBody>
+          </p:sp>
+        </p:grpSp>
         <p:sp>
           <p:nvSpPr>
             <p:cNvPr id="7" name="Rechteck 6">
               <a:extLst>
                 <a:ext uri="{FF2B5EF4-FFF2-40B4-BE49-F238E27FC236}">
-                  <a16:creationId xmlns:a16="http://schemas.microsoft.com/office/drawing/2014/main" xmlns="" id="{35A0EAB9-4039-6448-AC03-B60DE38901D0}"/>
+                  <a16:creationId xmlns="" xmlns:a16="http://schemas.microsoft.com/office/drawing/2014/main" id="{6F92A16E-30FA-A34D-A87A-AD884881288C}"/>
                 </a:ext>
               </a:extLst>
             </p:cNvPr>
@@ -23590,64 +21934,8 @@
           </p:nvSpPr>
           <p:spPr>
             <a:xfrm>
-              <a:off x="1780030" y="1583286"/>
-              <a:ext cx="4850447" cy="5018616"/>
-            </a:xfrm>
-            <a:prstGeom prst="rect">
-              <a:avLst/>
-            </a:prstGeom>
-            <a:solidFill>
-              <a:schemeClr val="bg1"/>
-            </a:solidFill>
-          </p:spPr>
-          <p:style>
-            <a:lnRef idx="2">
-              <a:schemeClr val="accent1">
-                <a:shade val="50000"/>
-              </a:schemeClr>
-            </a:lnRef>
-            <a:fillRef idx="1">
-              <a:schemeClr val="accent1"/>
-            </a:fillRef>
-            <a:effectRef idx="0">
-              <a:schemeClr val="accent1"/>
-            </a:effectRef>
-            <a:fontRef idx="minor">
-              <a:schemeClr val="lt1"/>
-            </a:fontRef>
-          </p:style>
-          <p:txBody>
-            <a:bodyPr tIns="251999" rtlCol="0" anchor="t"/>
-            <a:lstStyle/>
-            <a:p>
-              <a:pPr marL="285750" indent="-285750">
-                <a:buFont typeface="Arial" panose="020B0604020202020204" pitchFamily="34" charset="0"/>
-                <a:buChar char="•"/>
-              </a:pPr>
-              <a:endParaRPr lang="de-DE" dirty="0">
-                <a:solidFill>
-                  <a:schemeClr val="tx1"/>
-                </a:solidFill>
-              </a:endParaRPr>
-            </a:p>
-          </p:txBody>
-        </p:sp>
-        <p:sp>
-          <p:nvSpPr>
-            <p:cNvPr id="8" name="Rechteck 7">
-              <a:extLst>
-                <a:ext uri="{FF2B5EF4-FFF2-40B4-BE49-F238E27FC236}">
-                  <a16:creationId xmlns:a16="http://schemas.microsoft.com/office/drawing/2014/main" xmlns="" id="{FCCEA108-686B-BB4F-95FB-4BCE5EB529F1}"/>
-                </a:ext>
-              </a:extLst>
-            </p:cNvPr>
-            <p:cNvSpPr/>
-            <p:nvPr/>
-          </p:nvSpPr>
-          <p:spPr>
-            <a:xfrm>
-              <a:off x="1977038" y="1414271"/>
-              <a:ext cx="1827691" cy="309774"/>
+              <a:off x="4360127" y="1484312"/>
+              <a:ext cx="1044497" cy="338027"/>
             </a:xfrm>
             <a:prstGeom prst="rect">
               <a:avLst/>
@@ -23679,95 +21967,255 @@
             <a:bodyPr rtlCol="0" anchor="ctr"/>
             <a:lstStyle/>
             <a:p>
-              <a:r>
-                <a:rPr lang="de-DE" b="1" dirty="0" smtClean="0">
+              <a:pPr algn="r"/>
+              <a:r>
+                <a:rPr lang="de-DE" b="1" dirty="0">
                   <a:solidFill>
                     <a:schemeClr val="accent4"/>
                   </a:solidFill>
                 </a:rPr>
-                <a:t>Problemlösung</a:t>
-              </a:r>
-              <a:endParaRPr lang="de-DE" b="1" dirty="0">
-                <a:solidFill>
-                  <a:schemeClr val="accent4"/>
-                </a:solidFill>
-              </a:endParaRPr>
+                <a:t>23.01.19</a:t>
+              </a:r>
             </a:p>
           </p:txBody>
         </p:sp>
       </p:grpSp>
       <p:grpSp>
         <p:nvGrpSpPr>
-          <p:cNvPr id="13" name="Gruppieren 12"/>
+          <p:cNvPr id="13" name="Gruppieren 12">
+            <a:extLst>
+              <a:ext uri="{FF2B5EF4-FFF2-40B4-BE49-F238E27FC236}">
+                <a16:creationId xmlns="" xmlns:a16="http://schemas.microsoft.com/office/drawing/2014/main" id="{214C6E04-BA76-3048-B247-843530C6F237}"/>
+              </a:ext>
+            </a:extLst>
+          </p:cNvPr>
           <p:cNvGrpSpPr/>
           <p:nvPr/>
         </p:nvGrpSpPr>
         <p:grpSpPr>
           <a:xfrm>
-            <a:off x="6801959" y="1199305"/>
-            <a:ext cx="4500025" cy="2190071"/>
-            <a:chOff x="6801959" y="1061610"/>
-            <a:chExt cx="4500025" cy="2190071"/>
+            <a:off x="874710" y="3269627"/>
+            <a:ext cx="4723201" cy="2552785"/>
+            <a:chOff x="874711" y="1484312"/>
+            <a:chExt cx="4723201" cy="2552785"/>
           </a:xfrm>
         </p:grpSpPr>
+        <p:grpSp>
+          <p:nvGrpSpPr>
+            <p:cNvPr id="14" name="Gruppieren 13">
+              <a:extLst>
+                <a:ext uri="{FF2B5EF4-FFF2-40B4-BE49-F238E27FC236}">
+                  <a16:creationId xmlns="" xmlns:a16="http://schemas.microsoft.com/office/drawing/2014/main" id="{CF154C31-9B1A-6844-82C6-BEC64AE64B76}"/>
+                </a:ext>
+              </a:extLst>
+            </p:cNvPr>
+            <p:cNvGrpSpPr/>
+            <p:nvPr/>
+          </p:nvGrpSpPr>
+          <p:grpSpPr>
+            <a:xfrm>
+              <a:off x="874711" y="1484313"/>
+              <a:ext cx="4723201" cy="2552784"/>
+              <a:chOff x="1780031" y="1330903"/>
+              <a:chExt cx="4723201" cy="2552784"/>
+            </a:xfrm>
+          </p:grpSpPr>
+          <p:sp>
+            <p:nvSpPr>
+              <p:cNvPr id="16" name="Rechteck 15">
+                <a:extLst>
+                  <a:ext uri="{FF2B5EF4-FFF2-40B4-BE49-F238E27FC236}">
+                    <a16:creationId xmlns="" xmlns:a16="http://schemas.microsoft.com/office/drawing/2014/main" id="{5D41E86D-96E1-F64F-B645-811FEF9C3566}"/>
+                  </a:ext>
+                </a:extLst>
+              </p:cNvPr>
+              <p:cNvSpPr/>
+              <p:nvPr/>
+            </p:nvSpPr>
+            <p:spPr>
+              <a:xfrm>
+                <a:off x="1780031" y="1499917"/>
+                <a:ext cx="4723201" cy="2383770"/>
+              </a:xfrm>
+              <a:prstGeom prst="rect">
+                <a:avLst/>
+              </a:prstGeom>
+              <a:solidFill>
+                <a:schemeClr val="bg1"/>
+              </a:solidFill>
+              <a:ln>
+                <a:solidFill>
+                  <a:schemeClr val="accent6"/>
+                </a:solidFill>
+              </a:ln>
+            </p:spPr>
+            <p:style>
+              <a:lnRef idx="2">
+                <a:schemeClr val="accent1">
+                  <a:shade val="50000"/>
+                </a:schemeClr>
+              </a:lnRef>
+              <a:fillRef idx="1">
+                <a:schemeClr val="accent1"/>
+              </a:fillRef>
+              <a:effectRef idx="0">
+                <a:schemeClr val="accent1"/>
+              </a:effectRef>
+              <a:fontRef idx="minor">
+                <a:schemeClr val="lt1"/>
+              </a:fontRef>
+            </p:style>
+            <p:txBody>
+              <a:bodyPr tIns="180000" rtlCol="0" anchor="t"/>
+              <a:lstStyle/>
+              <a:p>
+                <a:pPr marL="285750" indent="-285750">
+                  <a:buFont typeface="Arial" panose="020B0604020202020204" pitchFamily="34" charset="0"/>
+                  <a:buChar char="•"/>
+                </a:pPr>
+                <a:r>
+                  <a:rPr lang="de-DE" b="1" dirty="0">
+                    <a:solidFill>
+                      <a:schemeClr val="tx1"/>
+                    </a:solidFill>
+                  </a:rPr>
+                  <a:t>Konzeptuelles Design</a:t>
+                </a:r>
+              </a:p>
+              <a:p>
+                <a:pPr marL="697230" lvl="1" indent="-285750">
+                  <a:buFont typeface="Arial" panose="020B0604020202020204" pitchFamily="34" charset="0"/>
+                  <a:buChar char="•"/>
+                </a:pPr>
+                <a:r>
+                  <a:rPr lang="de-DE" dirty="0">
+                    <a:solidFill>
+                      <a:schemeClr val="tx1"/>
+                    </a:solidFill>
+                  </a:rPr>
+                  <a:t>Welche Informationen sind miteinander verknüpft?</a:t>
+                </a:r>
+              </a:p>
+              <a:p>
+                <a:pPr marL="697230" lvl="1" indent="-285750">
+                  <a:buFont typeface="Arial" panose="020B0604020202020204" pitchFamily="34" charset="0"/>
+                  <a:buChar char="•"/>
+                </a:pPr>
+                <a:r>
+                  <a:rPr lang="de-DE" dirty="0">
+                    <a:solidFill>
+                      <a:schemeClr val="tx1"/>
+                    </a:solidFill>
+                  </a:rPr>
+                  <a:t>Welche Funktionen hängen zusammen?</a:t>
+                </a:r>
+              </a:p>
+              <a:p>
+                <a:pPr marL="285750" indent="-285750">
+                  <a:buFont typeface="Arial" panose="020B0604020202020204" pitchFamily="34" charset="0"/>
+                  <a:buChar char="•"/>
+                </a:pPr>
+                <a:endParaRPr lang="de-DE" dirty="0">
+                  <a:solidFill>
+                    <a:schemeClr val="tx1"/>
+                  </a:solidFill>
+                </a:endParaRPr>
+              </a:p>
+              <a:p>
+                <a:pPr marL="285750" indent="-285750">
+                  <a:buFont typeface="Arial" panose="020B0604020202020204" pitchFamily="34" charset="0"/>
+                  <a:buChar char="•"/>
+                </a:pPr>
+                <a:r>
+                  <a:rPr lang="de-DE" b="1" dirty="0">
+                    <a:solidFill>
+                      <a:schemeClr val="tx1"/>
+                    </a:solidFill>
+                  </a:rPr>
+                  <a:t>Physikalisches Design</a:t>
+                </a:r>
+              </a:p>
+              <a:p>
+                <a:pPr marL="697230" lvl="1" indent="-285750">
+                  <a:buFont typeface="Arial" panose="020B0604020202020204" pitchFamily="34" charset="0"/>
+                  <a:buChar char="•"/>
+                </a:pPr>
+                <a:r>
+                  <a:rPr lang="de-DE" dirty="0">
+                    <a:solidFill>
+                      <a:schemeClr val="tx1"/>
+                    </a:solidFill>
+                  </a:rPr>
+                  <a:t>Wie werden die Informationen dargestellt?</a:t>
+                </a:r>
+              </a:p>
+            </p:txBody>
+          </p:sp>
+          <p:sp>
+            <p:nvSpPr>
+              <p:cNvPr id="17" name="Rechteck 16">
+                <a:extLst>
+                  <a:ext uri="{FF2B5EF4-FFF2-40B4-BE49-F238E27FC236}">
+                    <a16:creationId xmlns="" xmlns:a16="http://schemas.microsoft.com/office/drawing/2014/main" id="{829E215D-25C5-FE42-A84B-E10BE5590901}"/>
+                  </a:ext>
+                </a:extLst>
+              </p:cNvPr>
+              <p:cNvSpPr/>
+              <p:nvPr/>
+            </p:nvSpPr>
+            <p:spPr>
+              <a:xfrm>
+                <a:off x="1977040" y="1330903"/>
+                <a:ext cx="1312666" cy="338027"/>
+              </a:xfrm>
+              <a:prstGeom prst="rect">
+                <a:avLst/>
+              </a:prstGeom>
+              <a:solidFill>
+                <a:schemeClr val="bg1"/>
+              </a:solidFill>
+              <a:ln>
+                <a:noFill/>
+              </a:ln>
+            </p:spPr>
+            <p:style>
+              <a:lnRef idx="2">
+                <a:schemeClr val="accent1">
+                  <a:shade val="50000"/>
+                </a:schemeClr>
+              </a:lnRef>
+              <a:fillRef idx="1">
+                <a:schemeClr val="accent1"/>
+              </a:fillRef>
+              <a:effectRef idx="0">
+                <a:schemeClr val="accent1"/>
+              </a:effectRef>
+              <a:fontRef idx="minor">
+                <a:schemeClr val="lt1"/>
+              </a:fontRef>
+            </p:style>
+            <p:txBody>
+              <a:bodyPr rtlCol="0" anchor="ctr"/>
+              <a:lstStyle/>
+              <a:p>
+                <a:r>
+                  <a:rPr lang="de-DE" sz="2000" b="1" dirty="0">
+                    <a:solidFill>
+                      <a:schemeClr val="accent6"/>
+                    </a:solidFill>
+                  </a:rPr>
+                  <a:t>Konzept</a:t>
+                </a:r>
+              </a:p>
+            </p:txBody>
+          </p:sp>
+        </p:grpSp>
         <p:sp>
           <p:nvSpPr>
-            <p:cNvPr id="9" name="Rechteck 8"/>
-            <p:cNvSpPr/>
-            <p:nvPr/>
-          </p:nvSpPr>
-          <p:spPr>
-            <a:xfrm>
-              <a:off x="6801959" y="1216089"/>
-              <a:ext cx="4500025" cy="2035592"/>
-            </a:xfrm>
-            <a:prstGeom prst="rect">
-              <a:avLst/>
-            </a:prstGeom>
-            <a:solidFill>
-              <a:schemeClr val="bg1"/>
-            </a:solidFill>
-            <a:ln>
-              <a:solidFill>
-                <a:schemeClr val="accent6"/>
-              </a:solidFill>
-            </a:ln>
-          </p:spPr>
-          <p:style>
-            <a:lnRef idx="2">
-              <a:schemeClr val="accent1">
-                <a:shade val="50000"/>
-              </a:schemeClr>
-            </a:lnRef>
-            <a:fillRef idx="1">
-              <a:schemeClr val="accent1"/>
-            </a:fillRef>
-            <a:effectRef idx="0">
-              <a:schemeClr val="accent1"/>
-            </a:effectRef>
-            <a:fontRef idx="minor">
-              <a:schemeClr val="lt1"/>
-            </a:fontRef>
-          </p:style>
-          <p:txBody>
-            <a:bodyPr rtlCol="0" anchor="ctr"/>
-            <a:lstStyle/>
-            <a:p>
-              <a:pPr algn="ctr"/>
-              <a:endParaRPr lang="de-DE" dirty="0">
-                <a:solidFill>
-                  <a:schemeClr val="tx1"/>
-                </a:solidFill>
-              </a:endParaRPr>
-            </a:p>
-          </p:txBody>
-        </p:sp>
-        <p:sp>
-          <p:nvSpPr>
-            <p:cNvPr id="11" name="Rechteck 10">
+            <p:cNvPr id="15" name="Rechteck 14">
               <a:extLst>
                 <a:ext uri="{FF2B5EF4-FFF2-40B4-BE49-F238E27FC236}">
-                  <a16:creationId xmlns:a16="http://schemas.microsoft.com/office/drawing/2014/main" xmlns="" id="{FCCEA108-686B-BB4F-95FB-4BCE5EB529F1}"/>
+                  <a16:creationId xmlns="" xmlns:a16="http://schemas.microsoft.com/office/drawing/2014/main" id="{3D7F9058-E672-2A4D-9BB1-013BCCC5ACE0}"/>
                 </a:ext>
               </a:extLst>
             </p:cNvPr>
@@ -23776,8 +22224,8 @@
           </p:nvSpPr>
           <p:spPr>
             <a:xfrm>
-              <a:off x="6954358" y="1061610"/>
-              <a:ext cx="2346805" cy="271358"/>
+              <a:off x="4360127" y="1484312"/>
+              <a:ext cx="1044497" cy="338027"/>
             </a:xfrm>
             <a:prstGeom prst="rect">
               <a:avLst/>
@@ -23809,95 +22257,231 @@
             <a:bodyPr rtlCol="0" anchor="ctr"/>
             <a:lstStyle/>
             <a:p>
-              <a:r>
-                <a:rPr lang="de-DE" dirty="0" smtClean="0">
-                  <a:solidFill>
-                    <a:schemeClr val="tx1"/>
-                  </a:solidFill>
-                </a:rPr>
-                <a:t>Lösungen vorschlagen</a:t>
-              </a:r>
-              <a:endParaRPr lang="de-DE" dirty="0">
-                <a:solidFill>
-                  <a:schemeClr val="tx1"/>
-                </a:solidFill>
-              </a:endParaRPr>
+              <a:pPr algn="r"/>
+              <a:r>
+                <a:rPr lang="de-DE" b="1" dirty="0">
+                  <a:solidFill>
+                    <a:schemeClr val="accent6"/>
+                  </a:solidFill>
+                </a:rPr>
+                <a:t>05.02.19</a:t>
+              </a:r>
             </a:p>
           </p:txBody>
         </p:sp>
       </p:grpSp>
       <p:grpSp>
         <p:nvGrpSpPr>
-          <p:cNvPr id="15" name="Gruppieren 14"/>
+          <p:cNvPr id="18" name="Gruppieren 17">
+            <a:extLst>
+              <a:ext uri="{FF2B5EF4-FFF2-40B4-BE49-F238E27FC236}">
+                <a16:creationId xmlns="" xmlns:a16="http://schemas.microsoft.com/office/drawing/2014/main" id="{76C873CF-9A61-9B4A-9A7F-7A0A6A11ECCC}"/>
+              </a:ext>
+            </a:extLst>
+          </p:cNvPr>
           <p:cNvGrpSpPr/>
           <p:nvPr/>
         </p:nvGrpSpPr>
         <p:grpSpPr>
           <a:xfrm>
-            <a:off x="6780161" y="3646938"/>
-            <a:ext cx="4500025" cy="2186934"/>
-            <a:chOff x="6780161" y="3646938"/>
-            <a:chExt cx="4500025" cy="2186934"/>
+            <a:off x="6588174" y="1211455"/>
+            <a:ext cx="4723201" cy="1459610"/>
+            <a:chOff x="874711" y="1484312"/>
+            <a:chExt cx="4723201" cy="1459610"/>
           </a:xfrm>
         </p:grpSpPr>
-        <p:sp>
-          <p:nvSpPr>
-            <p:cNvPr id="10" name="Rechteck 9"/>
-            <p:cNvSpPr/>
+        <p:grpSp>
+          <p:nvGrpSpPr>
+            <p:cNvPr id="19" name="Gruppieren 18">
+              <a:extLst>
+                <a:ext uri="{FF2B5EF4-FFF2-40B4-BE49-F238E27FC236}">
+                  <a16:creationId xmlns="" xmlns:a16="http://schemas.microsoft.com/office/drawing/2014/main" id="{02621200-51DD-6A4C-86C6-6B2A72D512E2}"/>
+                </a:ext>
+              </a:extLst>
+            </p:cNvPr>
+            <p:cNvGrpSpPr/>
             <p:nvPr/>
-          </p:nvSpPr>
-          <p:spPr>
+          </p:nvGrpSpPr>
+          <p:grpSpPr>
             <a:xfrm>
-              <a:off x="6780161" y="3799872"/>
-              <a:ext cx="4500025" cy="2034000"/>
+              <a:off x="874711" y="1484313"/>
+              <a:ext cx="4723201" cy="1459609"/>
+              <a:chOff x="1780031" y="1330903"/>
+              <a:chExt cx="4723201" cy="1459609"/>
             </a:xfrm>
-            <a:prstGeom prst="rect">
-              <a:avLst/>
-            </a:prstGeom>
-            <a:solidFill>
-              <a:schemeClr val="bg1"/>
-            </a:solidFill>
-            <a:ln>
+          </p:grpSpPr>
+          <p:sp>
+            <p:nvSpPr>
+              <p:cNvPr id="21" name="Rechteck 20">
+                <a:extLst>
+                  <a:ext uri="{FF2B5EF4-FFF2-40B4-BE49-F238E27FC236}">
+                    <a16:creationId xmlns="" xmlns:a16="http://schemas.microsoft.com/office/drawing/2014/main" id="{ED0E09EA-1DC6-1249-841E-901E17F3D0B6}"/>
+                  </a:ext>
+                </a:extLst>
+              </p:cNvPr>
+              <p:cNvSpPr/>
+              <p:nvPr/>
+            </p:nvSpPr>
+            <p:spPr>
+              <a:xfrm>
+                <a:off x="1780031" y="1499917"/>
+                <a:ext cx="4723201" cy="1290595"/>
+              </a:xfrm>
+              <a:prstGeom prst="rect">
+                <a:avLst/>
+              </a:prstGeom>
               <a:solidFill>
-                <a:schemeClr val="accent6"/>
+                <a:schemeClr val="bg1"/>
               </a:solidFill>
-            </a:ln>
-          </p:spPr>
-          <p:style>
-            <a:lnRef idx="2">
-              <a:schemeClr val="accent1">
-                <a:shade val="50000"/>
-              </a:schemeClr>
-            </a:lnRef>
-            <a:fillRef idx="1">
-              <a:schemeClr val="accent1"/>
-            </a:fillRef>
-            <a:effectRef idx="0">
-              <a:schemeClr val="accent1"/>
-            </a:effectRef>
-            <a:fontRef idx="minor">
-              <a:schemeClr val="lt1"/>
-            </a:fontRef>
-          </p:style>
-          <p:txBody>
-            <a:bodyPr rtlCol="0" anchor="ctr"/>
-            <a:lstStyle/>
-            <a:p>
-              <a:pPr algn="ctr"/>
-              <a:endParaRPr lang="de-DE" dirty="0">
+              <a:ln>
                 <a:solidFill>
                   <a:schemeClr val="tx1"/>
                 </a:solidFill>
-              </a:endParaRPr>
-            </a:p>
-          </p:txBody>
-        </p:sp>
+              </a:ln>
+            </p:spPr>
+            <p:style>
+              <a:lnRef idx="2">
+                <a:schemeClr val="accent1">
+                  <a:shade val="50000"/>
+                </a:schemeClr>
+              </a:lnRef>
+              <a:fillRef idx="1">
+                <a:schemeClr val="accent1"/>
+              </a:fillRef>
+              <a:effectRef idx="0">
+                <a:schemeClr val="accent1"/>
+              </a:effectRef>
+              <a:fontRef idx="minor">
+                <a:schemeClr val="lt1"/>
+              </a:fontRef>
+            </p:style>
+            <p:txBody>
+              <a:bodyPr tIns="180000" rtlCol="0" anchor="t"/>
+              <a:lstStyle/>
+              <a:p>
+                <a:pPr marL="285750" indent="-285750">
+                  <a:buFont typeface="Arial" panose="020B0604020202020204" pitchFamily="34" charset="0"/>
+                  <a:buChar char="•"/>
+                </a:pPr>
+                <a:r>
+                  <a:rPr lang="de-DE" dirty="0">
+                    <a:solidFill>
+                      <a:schemeClr val="tx1"/>
+                    </a:solidFill>
+                  </a:rPr>
+                  <a:t>Grafischer Aufbau </a:t>
+                </a:r>
+                <a:r>
+                  <a:rPr lang="de-DE" dirty="0" smtClean="0">
+                    <a:solidFill>
+                      <a:schemeClr val="tx1"/>
+                    </a:solidFill>
+                  </a:rPr>
+                  <a:t>des Prototypen</a:t>
+                </a:r>
+                <a:endParaRPr lang="de-DE" dirty="0">
+                  <a:solidFill>
+                    <a:schemeClr val="tx1"/>
+                  </a:solidFill>
+                </a:endParaRPr>
+              </a:p>
+              <a:p>
+                <a:pPr marL="285750" indent="-285750">
+                  <a:buFont typeface="Arial" panose="020B0604020202020204" pitchFamily="34" charset="0"/>
+                  <a:buChar char="•"/>
+                </a:pPr>
+                <a:endParaRPr lang="de-DE" dirty="0" smtClean="0">
+                  <a:solidFill>
+                    <a:schemeClr val="tx1"/>
+                  </a:solidFill>
+                </a:endParaRPr>
+              </a:p>
+              <a:p>
+                <a:pPr marL="285750" indent="-285750">
+                  <a:buFont typeface="Arial" panose="020B0604020202020204" pitchFamily="34" charset="0"/>
+                  <a:buChar char="•"/>
+                </a:pPr>
+                <a:r>
+                  <a:rPr lang="de-DE" dirty="0" smtClean="0">
+                    <a:solidFill>
+                      <a:schemeClr val="tx1"/>
+                    </a:solidFill>
+                  </a:rPr>
+                  <a:t>Funktionen implementieren</a:t>
+                </a:r>
+                <a:endParaRPr lang="de-DE" dirty="0">
+                  <a:solidFill>
+                    <a:schemeClr val="tx1"/>
+                  </a:solidFill>
+                </a:endParaRPr>
+              </a:p>
+            </p:txBody>
+          </p:sp>
+          <p:sp>
+            <p:nvSpPr>
+              <p:cNvPr id="22" name="Rechteck 21">
+                <a:extLst>
+                  <a:ext uri="{FF2B5EF4-FFF2-40B4-BE49-F238E27FC236}">
+                    <a16:creationId xmlns="" xmlns:a16="http://schemas.microsoft.com/office/drawing/2014/main" id="{753356B5-7EB8-3F4A-96E1-8FF10B332D06}"/>
+                  </a:ext>
+                </a:extLst>
+              </p:cNvPr>
+              <p:cNvSpPr/>
+              <p:nvPr/>
+            </p:nvSpPr>
+            <p:spPr>
+              <a:xfrm>
+                <a:off x="1977040" y="1330903"/>
+                <a:ext cx="1994865" cy="338027"/>
+              </a:xfrm>
+              <a:prstGeom prst="rect">
+                <a:avLst/>
+              </a:prstGeom>
+              <a:solidFill>
+                <a:schemeClr val="bg1"/>
+              </a:solidFill>
+              <a:ln>
+                <a:noFill/>
+              </a:ln>
+            </p:spPr>
+            <p:style>
+              <a:lnRef idx="2">
+                <a:schemeClr val="accent1">
+                  <a:shade val="50000"/>
+                </a:schemeClr>
+              </a:lnRef>
+              <a:fillRef idx="1">
+                <a:schemeClr val="accent1"/>
+              </a:fillRef>
+              <a:effectRef idx="0">
+                <a:schemeClr val="accent1"/>
+              </a:effectRef>
+              <a:fontRef idx="minor">
+                <a:schemeClr val="lt1"/>
+              </a:fontRef>
+            </p:style>
+            <p:txBody>
+              <a:bodyPr rtlCol="0" anchor="ctr"/>
+              <a:lstStyle/>
+              <a:p>
+                <a:r>
+                  <a:rPr lang="de-DE" b="1" dirty="0">
+                    <a:solidFill>
+                      <a:schemeClr val="accent6"/>
+                    </a:solidFill>
+                  </a:rPr>
+                  <a:t>Implementierung</a:t>
+                </a:r>
+              </a:p>
+            </p:txBody>
+          </p:sp>
+        </p:grpSp>
         <p:sp>
           <p:nvSpPr>
-            <p:cNvPr id="14" name="Rechteck 13">
+            <p:cNvPr id="20" name="Rechteck 19">
               <a:extLst>
                 <a:ext uri="{FF2B5EF4-FFF2-40B4-BE49-F238E27FC236}">
-                  <a16:creationId xmlns:a16="http://schemas.microsoft.com/office/drawing/2014/main" xmlns="" id="{FCCEA108-686B-BB4F-95FB-4BCE5EB529F1}"/>
+                  <a16:creationId xmlns="" xmlns:a16="http://schemas.microsoft.com/office/drawing/2014/main" id="{63DF4C62-579D-3249-9CFF-878DBD32F80A}"/>
                 </a:ext>
               </a:extLst>
             </p:cNvPr>
@@ -23906,8 +22490,8 @@
           </p:nvSpPr>
           <p:spPr>
             <a:xfrm>
-              <a:off x="6954357" y="3646938"/>
-              <a:ext cx="4091594" cy="338027"/>
+              <a:off x="4360127" y="1484312"/>
+              <a:ext cx="1044497" cy="338027"/>
             </a:xfrm>
             <a:prstGeom prst="rect">
               <a:avLst/>
@@ -23939,19 +22523,515 @@
             <a:bodyPr rtlCol="0" anchor="ctr"/>
             <a:lstStyle/>
             <a:p>
-              <a:r>
-                <a:rPr lang="de-DE" dirty="0" smtClean="0">
+              <a:pPr algn="r"/>
+              <a:r>
+                <a:rPr lang="de-DE" b="1" dirty="0">
                   <a:solidFill>
                     <a:schemeClr val="tx1"/>
                   </a:solidFill>
                 </a:rPr>
-                <a:t>Problembeschreibung und Zieldefinition</a:t>
-              </a:r>
-              <a:endParaRPr lang="de-DE" dirty="0">
+                <a:t>20.03.19</a:t>
+              </a:r>
+            </a:p>
+          </p:txBody>
+        </p:sp>
+      </p:grpSp>
+      <p:grpSp>
+        <p:nvGrpSpPr>
+          <p:cNvPr id="23" name="Gruppieren 22">
+            <a:extLst>
+              <a:ext uri="{FF2B5EF4-FFF2-40B4-BE49-F238E27FC236}">
+                <a16:creationId xmlns="" xmlns:a16="http://schemas.microsoft.com/office/drawing/2014/main" id="{8E929239-873F-A040-A4FF-CF41E574A33B}"/>
+              </a:ext>
+            </a:extLst>
+          </p:cNvPr>
+          <p:cNvGrpSpPr/>
+          <p:nvPr/>
+        </p:nvGrpSpPr>
+        <p:grpSpPr>
+          <a:xfrm>
+            <a:off x="6588175" y="2832186"/>
+            <a:ext cx="4723201" cy="1735930"/>
+            <a:chOff x="874711" y="1484312"/>
+            <a:chExt cx="4723201" cy="1735930"/>
+          </a:xfrm>
+        </p:grpSpPr>
+        <p:grpSp>
+          <p:nvGrpSpPr>
+            <p:cNvPr id="24" name="Gruppieren 23">
+              <a:extLst>
+                <a:ext uri="{FF2B5EF4-FFF2-40B4-BE49-F238E27FC236}">
+                  <a16:creationId xmlns="" xmlns:a16="http://schemas.microsoft.com/office/drawing/2014/main" id="{F47E6093-9AA6-8F4B-B80B-776943FCB73D}"/>
+                </a:ext>
+              </a:extLst>
+            </p:cNvPr>
+            <p:cNvGrpSpPr/>
+            <p:nvPr/>
+          </p:nvGrpSpPr>
+          <p:grpSpPr>
+            <a:xfrm>
+              <a:off x="874711" y="1484313"/>
+              <a:ext cx="4723201" cy="1735929"/>
+              <a:chOff x="1780031" y="1330903"/>
+              <a:chExt cx="4723201" cy="1735929"/>
+            </a:xfrm>
+          </p:grpSpPr>
+          <p:sp>
+            <p:nvSpPr>
+              <p:cNvPr id="26" name="Rechteck 25">
+                <a:extLst>
+                  <a:ext uri="{FF2B5EF4-FFF2-40B4-BE49-F238E27FC236}">
+                    <a16:creationId xmlns="" xmlns:a16="http://schemas.microsoft.com/office/drawing/2014/main" id="{4059FEBC-2EFF-ED47-98FF-010C8401FADA}"/>
+                  </a:ext>
+                </a:extLst>
+              </p:cNvPr>
+              <p:cNvSpPr/>
+              <p:nvPr/>
+            </p:nvSpPr>
+            <p:spPr>
+              <a:xfrm>
+                <a:off x="1780031" y="1499917"/>
+                <a:ext cx="4723201" cy="1566915"/>
+              </a:xfrm>
+              <a:prstGeom prst="rect">
+                <a:avLst/>
+              </a:prstGeom>
+              <a:solidFill>
+                <a:schemeClr val="bg1"/>
+              </a:solidFill>
+              <a:ln>
                 <a:solidFill>
                   <a:schemeClr val="tx1"/>
                 </a:solidFill>
-              </a:endParaRPr>
+              </a:ln>
+            </p:spPr>
+            <p:style>
+              <a:lnRef idx="2">
+                <a:schemeClr val="accent1">
+                  <a:shade val="50000"/>
+                </a:schemeClr>
+              </a:lnRef>
+              <a:fillRef idx="1">
+                <a:schemeClr val="accent1"/>
+              </a:fillRef>
+              <a:effectRef idx="0">
+                <a:schemeClr val="accent1"/>
+              </a:effectRef>
+              <a:fontRef idx="minor">
+                <a:schemeClr val="lt1"/>
+              </a:fontRef>
+            </p:style>
+            <p:txBody>
+              <a:bodyPr tIns="180000" rtlCol="0" anchor="t"/>
+              <a:lstStyle/>
+              <a:p>
+                <a:pPr marL="285750" indent="-285750">
+                  <a:buFont typeface="Arial" panose="020B0604020202020204" pitchFamily="34" charset="0"/>
+                  <a:buChar char="•"/>
+                </a:pPr>
+                <a:r>
+                  <a:rPr lang="de-DE" dirty="0" smtClean="0">
+                    <a:solidFill>
+                      <a:schemeClr val="tx1"/>
+                    </a:solidFill>
+                  </a:rPr>
+                  <a:t>Konzept auf einen weiteren </a:t>
+                </a:r>
+                <a:r>
+                  <a:rPr lang="de-DE" dirty="0" err="1" smtClean="0">
+                    <a:solidFill>
+                      <a:schemeClr val="tx1"/>
+                    </a:solidFill>
+                  </a:rPr>
+                  <a:t>Use</a:t>
+                </a:r>
+                <a:r>
+                  <a:rPr lang="de-DE" dirty="0" smtClean="0">
+                    <a:solidFill>
+                      <a:schemeClr val="tx1"/>
+                    </a:solidFill>
+                  </a:rPr>
+                  <a:t> Cas</a:t>
+                </a:r>
+                <a:r>
+                  <a:rPr lang="de-DE" dirty="0" smtClean="0">
+                    <a:solidFill>
+                      <a:schemeClr val="tx1"/>
+                    </a:solidFill>
+                  </a:rPr>
+                  <a:t>e anwenden</a:t>
+                </a:r>
+              </a:p>
+              <a:p>
+                <a:pPr marL="285750" indent="-285750">
+                  <a:buFont typeface="Arial" panose="020B0604020202020204" pitchFamily="34" charset="0"/>
+                  <a:buChar char="•"/>
+                </a:pPr>
+                <a:endParaRPr lang="de-DE" dirty="0">
+                  <a:solidFill>
+                    <a:schemeClr val="tx1"/>
+                  </a:solidFill>
+                </a:endParaRPr>
+              </a:p>
+              <a:p>
+                <a:pPr marL="285750" indent="-285750">
+                  <a:buFont typeface="Arial" panose="020B0604020202020204" pitchFamily="34" charset="0"/>
+                  <a:buChar char="•"/>
+                </a:pPr>
+                <a:r>
+                  <a:rPr lang="de-DE" dirty="0" smtClean="0">
+                    <a:solidFill>
+                      <a:schemeClr val="tx1"/>
+                    </a:solidFill>
+                  </a:rPr>
+                  <a:t>Experteninterviews zur Einschätzung der Bedienbarkeit</a:t>
+                </a:r>
+                <a:endParaRPr lang="de-DE" dirty="0">
+                  <a:solidFill>
+                    <a:schemeClr val="tx1"/>
+                  </a:solidFill>
+                </a:endParaRPr>
+              </a:p>
+            </p:txBody>
+          </p:sp>
+          <p:sp>
+            <p:nvSpPr>
+              <p:cNvPr id="27" name="Rechteck 26">
+                <a:extLst>
+                  <a:ext uri="{FF2B5EF4-FFF2-40B4-BE49-F238E27FC236}">
+                    <a16:creationId xmlns="" xmlns:a16="http://schemas.microsoft.com/office/drawing/2014/main" id="{A6C74FE9-D83D-2346-A400-58BA4229E830}"/>
+                  </a:ext>
+                </a:extLst>
+              </p:cNvPr>
+              <p:cNvSpPr/>
+              <p:nvPr/>
+            </p:nvSpPr>
+            <p:spPr>
+              <a:xfrm>
+                <a:off x="1977040" y="1330903"/>
+                <a:ext cx="1403852" cy="338027"/>
+              </a:xfrm>
+              <a:prstGeom prst="rect">
+                <a:avLst/>
+              </a:prstGeom>
+              <a:solidFill>
+                <a:schemeClr val="bg1"/>
+              </a:solidFill>
+              <a:ln>
+                <a:noFill/>
+              </a:ln>
+            </p:spPr>
+            <p:style>
+              <a:lnRef idx="2">
+                <a:schemeClr val="accent1">
+                  <a:shade val="50000"/>
+                </a:schemeClr>
+              </a:lnRef>
+              <a:fillRef idx="1">
+                <a:schemeClr val="accent1"/>
+              </a:fillRef>
+              <a:effectRef idx="0">
+                <a:schemeClr val="accent1"/>
+              </a:effectRef>
+              <a:fontRef idx="minor">
+                <a:schemeClr val="lt1"/>
+              </a:fontRef>
+            </p:style>
+            <p:txBody>
+              <a:bodyPr rtlCol="0" anchor="ctr"/>
+              <a:lstStyle/>
+              <a:p>
+                <a:r>
+                  <a:rPr lang="de-DE" b="1" dirty="0">
+                    <a:solidFill>
+                      <a:schemeClr val="accent4"/>
+                    </a:solidFill>
+                  </a:rPr>
+                  <a:t>Verifikation</a:t>
+                </a:r>
+              </a:p>
+            </p:txBody>
+          </p:sp>
+        </p:grpSp>
+        <p:sp>
+          <p:nvSpPr>
+            <p:cNvPr id="25" name="Rechteck 24">
+              <a:extLst>
+                <a:ext uri="{FF2B5EF4-FFF2-40B4-BE49-F238E27FC236}">
+                  <a16:creationId xmlns="" xmlns:a16="http://schemas.microsoft.com/office/drawing/2014/main" id="{1EDE063D-852E-324C-A77E-EFB1A1CCD783}"/>
+                </a:ext>
+              </a:extLst>
+            </p:cNvPr>
+            <p:cNvSpPr/>
+            <p:nvPr/>
+          </p:nvSpPr>
+          <p:spPr>
+            <a:xfrm>
+              <a:off x="4360127" y="1484312"/>
+              <a:ext cx="1044497" cy="338027"/>
+            </a:xfrm>
+            <a:prstGeom prst="rect">
+              <a:avLst/>
+            </a:prstGeom>
+            <a:solidFill>
+              <a:schemeClr val="bg1"/>
+            </a:solidFill>
+            <a:ln>
+              <a:noFill/>
+            </a:ln>
+          </p:spPr>
+          <p:style>
+            <a:lnRef idx="2">
+              <a:schemeClr val="accent1">
+                <a:shade val="50000"/>
+              </a:schemeClr>
+            </a:lnRef>
+            <a:fillRef idx="1">
+              <a:schemeClr val="accent1"/>
+            </a:fillRef>
+            <a:effectRef idx="0">
+              <a:schemeClr val="accent1"/>
+            </a:effectRef>
+            <a:fontRef idx="minor">
+              <a:schemeClr val="lt1"/>
+            </a:fontRef>
+          </p:style>
+          <p:txBody>
+            <a:bodyPr rtlCol="0" anchor="ctr"/>
+            <a:lstStyle/>
+            <a:p>
+              <a:pPr algn="r"/>
+              <a:r>
+                <a:rPr lang="de-DE" b="1" dirty="0">
+                  <a:solidFill>
+                    <a:schemeClr val="tx1"/>
+                  </a:solidFill>
+                </a:rPr>
+                <a:t>17.04.19</a:t>
+              </a:r>
+            </a:p>
+          </p:txBody>
+        </p:sp>
+      </p:grpSp>
+      <p:grpSp>
+        <p:nvGrpSpPr>
+          <p:cNvPr id="28" name="Gruppieren 27">
+            <a:extLst>
+              <a:ext uri="{FF2B5EF4-FFF2-40B4-BE49-F238E27FC236}">
+                <a16:creationId xmlns="" xmlns:a16="http://schemas.microsoft.com/office/drawing/2014/main" id="{076AA3C9-476D-4D45-B8BE-E0951E23CBCF}"/>
+              </a:ext>
+            </a:extLst>
+          </p:cNvPr>
+          <p:cNvGrpSpPr/>
+          <p:nvPr/>
+        </p:nvGrpSpPr>
+        <p:grpSpPr>
+          <a:xfrm>
+            <a:off x="6588174" y="4711724"/>
+            <a:ext cx="4723201" cy="1110688"/>
+            <a:chOff x="874711" y="1484312"/>
+            <a:chExt cx="4723201" cy="1110688"/>
+          </a:xfrm>
+        </p:grpSpPr>
+        <p:grpSp>
+          <p:nvGrpSpPr>
+            <p:cNvPr id="29" name="Gruppieren 28">
+              <a:extLst>
+                <a:ext uri="{FF2B5EF4-FFF2-40B4-BE49-F238E27FC236}">
+                  <a16:creationId xmlns="" xmlns:a16="http://schemas.microsoft.com/office/drawing/2014/main" id="{B404C1CC-6DF7-B648-9CCB-5E2E9AFEB672}"/>
+                </a:ext>
+              </a:extLst>
+            </p:cNvPr>
+            <p:cNvGrpSpPr/>
+            <p:nvPr/>
+          </p:nvGrpSpPr>
+          <p:grpSpPr>
+            <a:xfrm>
+              <a:off x="874711" y="1484313"/>
+              <a:ext cx="4723201" cy="1110687"/>
+              <a:chOff x="1780031" y="1330903"/>
+              <a:chExt cx="4723201" cy="1110687"/>
+            </a:xfrm>
+          </p:grpSpPr>
+          <p:sp>
+            <p:nvSpPr>
+              <p:cNvPr id="31" name="Rechteck 30">
+                <a:extLst>
+                  <a:ext uri="{FF2B5EF4-FFF2-40B4-BE49-F238E27FC236}">
+                    <a16:creationId xmlns="" xmlns:a16="http://schemas.microsoft.com/office/drawing/2014/main" id="{4BDB37D7-D054-A942-8D6D-F9B2EF0F9FF6}"/>
+                  </a:ext>
+                </a:extLst>
+              </p:cNvPr>
+              <p:cNvSpPr/>
+              <p:nvPr/>
+            </p:nvSpPr>
+            <p:spPr>
+              <a:xfrm>
+                <a:off x="1780031" y="1499918"/>
+                <a:ext cx="4723201" cy="941672"/>
+              </a:xfrm>
+              <a:prstGeom prst="rect">
+                <a:avLst/>
+              </a:prstGeom>
+              <a:solidFill>
+                <a:schemeClr val="bg1"/>
+              </a:solidFill>
+              <a:ln>
+                <a:solidFill>
+                  <a:schemeClr val="tx1"/>
+                </a:solidFill>
+              </a:ln>
+            </p:spPr>
+            <p:style>
+              <a:lnRef idx="2">
+                <a:schemeClr val="accent1">
+                  <a:shade val="50000"/>
+                </a:schemeClr>
+              </a:lnRef>
+              <a:fillRef idx="1">
+                <a:schemeClr val="accent1"/>
+              </a:fillRef>
+              <a:effectRef idx="0">
+                <a:schemeClr val="accent1"/>
+              </a:effectRef>
+              <a:fontRef idx="minor">
+                <a:schemeClr val="lt1"/>
+              </a:fontRef>
+            </p:style>
+            <p:txBody>
+              <a:bodyPr tIns="180000" rtlCol="0" anchor="t"/>
+              <a:lstStyle/>
+              <a:p>
+                <a:pPr marL="285750" indent="-285750">
+                  <a:buFont typeface="Arial" panose="020B0604020202020204" pitchFamily="34" charset="0"/>
+                  <a:buChar char="•"/>
+                </a:pPr>
+                <a:r>
+                  <a:rPr lang="de-DE" dirty="0">
+                    <a:solidFill>
+                      <a:schemeClr val="tx1"/>
+                    </a:solidFill>
+                  </a:rPr>
+                  <a:t>Korrekturlesen</a:t>
+                </a:r>
+              </a:p>
+            </p:txBody>
+          </p:sp>
+          <p:sp>
+            <p:nvSpPr>
+              <p:cNvPr id="32" name="Rechteck 31">
+                <a:extLst>
+                  <a:ext uri="{FF2B5EF4-FFF2-40B4-BE49-F238E27FC236}">
+                    <a16:creationId xmlns="" xmlns:a16="http://schemas.microsoft.com/office/drawing/2014/main" id="{3A6CCD76-DF2E-A745-8BA8-2A2DA3CA1050}"/>
+                  </a:ext>
+                </a:extLst>
+              </p:cNvPr>
+              <p:cNvSpPr/>
+              <p:nvPr/>
+            </p:nvSpPr>
+            <p:spPr>
+              <a:xfrm>
+                <a:off x="1977040" y="1330903"/>
+                <a:ext cx="957804" cy="338027"/>
+              </a:xfrm>
+              <a:prstGeom prst="rect">
+                <a:avLst/>
+              </a:prstGeom>
+              <a:solidFill>
+                <a:schemeClr val="bg1"/>
+              </a:solidFill>
+              <a:ln>
+                <a:noFill/>
+              </a:ln>
+            </p:spPr>
+            <p:style>
+              <a:lnRef idx="2">
+                <a:schemeClr val="accent1">
+                  <a:shade val="50000"/>
+                </a:schemeClr>
+              </a:lnRef>
+              <a:fillRef idx="1">
+                <a:schemeClr val="accent1"/>
+              </a:fillRef>
+              <a:effectRef idx="0">
+                <a:schemeClr val="accent1"/>
+              </a:effectRef>
+              <a:fontRef idx="minor">
+                <a:schemeClr val="lt1"/>
+              </a:fontRef>
+            </p:style>
+            <p:txBody>
+              <a:bodyPr rtlCol="0" anchor="ctr"/>
+              <a:lstStyle/>
+              <a:p>
+                <a:r>
+                  <a:rPr lang="de-DE" b="1" dirty="0">
+                    <a:solidFill>
+                      <a:schemeClr val="accent4"/>
+                    </a:solidFill>
+                  </a:rPr>
+                  <a:t>Abgabe</a:t>
+                </a:r>
+              </a:p>
+            </p:txBody>
+          </p:sp>
+        </p:grpSp>
+        <p:sp>
+          <p:nvSpPr>
+            <p:cNvPr id="30" name="Rechteck 29">
+              <a:extLst>
+                <a:ext uri="{FF2B5EF4-FFF2-40B4-BE49-F238E27FC236}">
+                  <a16:creationId xmlns="" xmlns:a16="http://schemas.microsoft.com/office/drawing/2014/main" id="{117072ED-37EF-E943-B866-F06DD4235CB3}"/>
+                </a:ext>
+              </a:extLst>
+            </p:cNvPr>
+            <p:cNvSpPr/>
+            <p:nvPr/>
+          </p:nvSpPr>
+          <p:spPr>
+            <a:xfrm>
+              <a:off x="4360127" y="1484312"/>
+              <a:ext cx="1044497" cy="338027"/>
+            </a:xfrm>
+            <a:prstGeom prst="rect">
+              <a:avLst/>
+            </a:prstGeom>
+            <a:solidFill>
+              <a:schemeClr val="bg1"/>
+            </a:solidFill>
+            <a:ln>
+              <a:noFill/>
+            </a:ln>
+          </p:spPr>
+          <p:style>
+            <a:lnRef idx="2">
+              <a:schemeClr val="accent1">
+                <a:shade val="50000"/>
+              </a:schemeClr>
+            </a:lnRef>
+            <a:fillRef idx="1">
+              <a:schemeClr val="accent1"/>
+            </a:fillRef>
+            <a:effectRef idx="0">
+              <a:schemeClr val="accent1"/>
+            </a:effectRef>
+            <a:fontRef idx="minor">
+              <a:schemeClr val="lt1"/>
+            </a:fontRef>
+          </p:style>
+          <p:txBody>
+            <a:bodyPr rtlCol="0" anchor="ctr"/>
+            <a:lstStyle/>
+            <a:p>
+              <a:pPr algn="r"/>
+              <a:r>
+                <a:rPr lang="de-DE" b="1" dirty="0">
+                  <a:solidFill>
+                    <a:schemeClr val="tx1"/>
+                  </a:solidFill>
+                </a:rPr>
+                <a:t>02.05.19</a:t>
+              </a:r>
             </a:p>
           </p:txBody>
         </p:sp>
@@ -23959,7 +23039,7 @@
     </p:spTree>
     <p:extLst>
       <p:ext uri="{BB962C8B-B14F-4D97-AF65-F5344CB8AC3E}">
-        <p14:creationId xmlns:p14="http://schemas.microsoft.com/office/powerpoint/2010/main" val="4023149815"/>
+        <p14:creationId xmlns:p14="http://schemas.microsoft.com/office/powerpoint/2010/main" val="2570393360"/>
       </p:ext>
     </p:extLst>
   </p:cSld>
@@ -24018,7 +23098,7 @@
           <p:cNvPr id="4" name="Gruppieren 3">
             <a:extLst>
               <a:ext uri="{FF2B5EF4-FFF2-40B4-BE49-F238E27FC236}">
-                <a16:creationId xmlns:a16="http://schemas.microsoft.com/office/drawing/2014/main" xmlns="" id="{64401E1E-557D-5D4F-AE09-187A0802411B}"/>
+                <a16:creationId xmlns="" xmlns:a16="http://schemas.microsoft.com/office/drawing/2014/main" id="{64401E1E-557D-5D4F-AE09-187A0802411B}"/>
               </a:ext>
             </a:extLst>
           </p:cNvPr>
@@ -24038,7 +23118,7 @@
             <p:cNvPr id="5" name="Rechteck 4">
               <a:extLst>
                 <a:ext uri="{FF2B5EF4-FFF2-40B4-BE49-F238E27FC236}">
-                  <a16:creationId xmlns:a16="http://schemas.microsoft.com/office/drawing/2014/main" xmlns="" id="{35A0EAB9-4039-6448-AC03-B60DE38901D0}"/>
+                  <a16:creationId xmlns="" xmlns:a16="http://schemas.microsoft.com/office/drawing/2014/main" id="{35A0EAB9-4039-6448-AC03-B60DE38901D0}"/>
                 </a:ext>
               </a:extLst>
             </p:cNvPr>
@@ -24094,7 +23174,7 @@
             <p:cNvPr id="6" name="Rechteck 5">
               <a:extLst>
                 <a:ext uri="{FF2B5EF4-FFF2-40B4-BE49-F238E27FC236}">
-                  <a16:creationId xmlns:a16="http://schemas.microsoft.com/office/drawing/2014/main" xmlns="" id="{FCCEA108-686B-BB4F-95FB-4BCE5EB529F1}"/>
+                  <a16:creationId xmlns="" xmlns:a16="http://schemas.microsoft.com/office/drawing/2014/main" id="{FCCEA108-686B-BB4F-95FB-4BCE5EB529F1}"/>
                 </a:ext>
               </a:extLst>
             </p:cNvPr>
@@ -24410,7 +23490,7 @@
             <p:cNvPr id="7" name="Gruppieren 6">
               <a:extLst>
                 <a:ext uri="{FF2B5EF4-FFF2-40B4-BE49-F238E27FC236}">
-                  <a16:creationId xmlns:a16="http://schemas.microsoft.com/office/drawing/2014/main" xmlns="" id="{64401E1E-557D-5D4F-AE09-187A0802411B}"/>
+                  <a16:creationId xmlns="" xmlns:a16="http://schemas.microsoft.com/office/drawing/2014/main" id="{64401E1E-557D-5D4F-AE09-187A0802411B}"/>
                 </a:ext>
               </a:extLst>
             </p:cNvPr>
@@ -24430,7 +23510,7 @@
               <p:cNvPr id="8" name="Rechteck 7">
                 <a:extLst>
                   <a:ext uri="{FF2B5EF4-FFF2-40B4-BE49-F238E27FC236}">
-                    <a16:creationId xmlns:a16="http://schemas.microsoft.com/office/drawing/2014/main" xmlns="" id="{35A0EAB9-4039-6448-AC03-B60DE38901D0}"/>
+                    <a16:creationId xmlns="" xmlns:a16="http://schemas.microsoft.com/office/drawing/2014/main" id="{35A0EAB9-4039-6448-AC03-B60DE38901D0}"/>
                   </a:ext>
                 </a:extLst>
               </p:cNvPr>
@@ -24486,7 +23566,7 @@
               <p:cNvPr id="9" name="Rechteck 8">
                 <a:extLst>
                   <a:ext uri="{FF2B5EF4-FFF2-40B4-BE49-F238E27FC236}">
-                    <a16:creationId xmlns:a16="http://schemas.microsoft.com/office/drawing/2014/main" xmlns="" id="{FCCEA108-686B-BB4F-95FB-4BCE5EB529F1}"/>
+                    <a16:creationId xmlns="" xmlns:a16="http://schemas.microsoft.com/office/drawing/2014/main" id="{FCCEA108-686B-BB4F-95FB-4BCE5EB529F1}"/>
                   </a:ext>
                 </a:extLst>
               </p:cNvPr>
@@ -24941,7 +24021,7 @@
           <p:cNvPr id="49" name="Gruppieren 48">
             <a:extLst>
               <a:ext uri="{FF2B5EF4-FFF2-40B4-BE49-F238E27FC236}">
-                <a16:creationId xmlns:a16="http://schemas.microsoft.com/office/drawing/2014/main" xmlns="" id="{64401E1E-557D-5D4F-AE09-187A0802411B}"/>
+                <a16:creationId xmlns="" xmlns:a16="http://schemas.microsoft.com/office/drawing/2014/main" id="{64401E1E-557D-5D4F-AE09-187A0802411B}"/>
               </a:ext>
             </a:extLst>
           </p:cNvPr>
@@ -24961,7 +24041,7 @@
             <p:cNvPr id="50" name="Rechteck 49">
               <a:extLst>
                 <a:ext uri="{FF2B5EF4-FFF2-40B4-BE49-F238E27FC236}">
-                  <a16:creationId xmlns:a16="http://schemas.microsoft.com/office/drawing/2014/main" xmlns="" id="{35A0EAB9-4039-6448-AC03-B60DE38901D0}"/>
+                  <a16:creationId xmlns="" xmlns:a16="http://schemas.microsoft.com/office/drawing/2014/main" id="{35A0EAB9-4039-6448-AC03-B60DE38901D0}"/>
                 </a:ext>
               </a:extLst>
             </p:cNvPr>
@@ -25017,7 +24097,7 @@
             <p:cNvPr id="51" name="Rechteck 50">
               <a:extLst>
                 <a:ext uri="{FF2B5EF4-FFF2-40B4-BE49-F238E27FC236}">
-                  <a16:creationId xmlns:a16="http://schemas.microsoft.com/office/drawing/2014/main" xmlns="" id="{FCCEA108-686B-BB4F-95FB-4BCE5EB529F1}"/>
+                  <a16:creationId xmlns="" xmlns:a16="http://schemas.microsoft.com/office/drawing/2014/main" id="{FCCEA108-686B-BB4F-95FB-4BCE5EB529F1}"/>
                 </a:ext>
               </a:extLst>
             </p:cNvPr>

--- a/Dokumente/Präsentationen/2019-02-18_DA_Feldkemper_Zwischenpräsentation.pptx
+++ b/Dokumente/Präsentationen/2019-02-18_DA_Feldkemper_Zwischenpräsentation.pptx
@@ -5,10 +5,10 @@
     <p:sldMasterId id="2147483891" r:id="rId1"/>
   </p:sldMasterIdLst>
   <p:notesMasterIdLst>
-    <p:notesMasterId r:id="rId25"/>
+    <p:notesMasterId r:id="rId26"/>
   </p:notesMasterIdLst>
   <p:handoutMasterIdLst>
-    <p:handoutMasterId r:id="rId26"/>
+    <p:handoutMasterId r:id="rId27"/>
   </p:handoutMasterIdLst>
   <p:sldIdLst>
     <p:sldId id="319" r:id="rId2"/>
@@ -17,40 +17,41 @@
     <p:sldId id="347" r:id="rId5"/>
     <p:sldId id="341" r:id="rId6"/>
     <p:sldId id="348" r:id="rId7"/>
-    <p:sldId id="350" r:id="rId8"/>
-    <p:sldId id="331" r:id="rId9"/>
-    <p:sldId id="339" r:id="rId10"/>
-    <p:sldId id="342" r:id="rId11"/>
-    <p:sldId id="343" r:id="rId12"/>
-    <p:sldId id="345" r:id="rId13"/>
-    <p:sldId id="338" r:id="rId14"/>
-    <p:sldId id="327" r:id="rId15"/>
-    <p:sldId id="320" r:id="rId16"/>
-    <p:sldId id="322" r:id="rId17"/>
-    <p:sldId id="325" r:id="rId18"/>
-    <p:sldId id="336" r:id="rId19"/>
-    <p:sldId id="332" r:id="rId20"/>
-    <p:sldId id="329" r:id="rId21"/>
-    <p:sldId id="324" r:id="rId22"/>
-    <p:sldId id="330" r:id="rId23"/>
-    <p:sldId id="326" r:id="rId24"/>
+    <p:sldId id="351" r:id="rId8"/>
+    <p:sldId id="350" r:id="rId9"/>
+    <p:sldId id="331" r:id="rId10"/>
+    <p:sldId id="339" r:id="rId11"/>
+    <p:sldId id="342" r:id="rId12"/>
+    <p:sldId id="343" r:id="rId13"/>
+    <p:sldId id="345" r:id="rId14"/>
+    <p:sldId id="338" r:id="rId15"/>
+    <p:sldId id="327" r:id="rId16"/>
+    <p:sldId id="320" r:id="rId17"/>
+    <p:sldId id="322" r:id="rId18"/>
+    <p:sldId id="325" r:id="rId19"/>
+    <p:sldId id="336" r:id="rId20"/>
+    <p:sldId id="332" r:id="rId21"/>
+    <p:sldId id="329" r:id="rId22"/>
+    <p:sldId id="324" r:id="rId23"/>
+    <p:sldId id="330" r:id="rId24"/>
+    <p:sldId id="326" r:id="rId25"/>
   </p:sldIdLst>
   <p:sldSz cx="12192000" cy="6858000"/>
   <p:notesSz cx="6858000" cy="9144000"/>
   <p:embeddedFontLst>
     <p:embeddedFont>
       <p:font typeface="Open Sans" panose="020B0604020202020204" charset="0"/>
-      <p:regular r:id="rId27"/>
-      <p:bold r:id="rId28"/>
-      <p:italic r:id="rId29"/>
-      <p:boldItalic r:id="rId30"/>
+      <p:regular r:id="rId28"/>
+      <p:bold r:id="rId29"/>
+      <p:italic r:id="rId30"/>
+      <p:boldItalic r:id="rId31"/>
     </p:embeddedFont>
     <p:embeddedFont>
       <p:font typeface="Calibri" panose="020F0502020204030204" pitchFamily="34" charset="0"/>
-      <p:regular r:id="rId31"/>
-      <p:bold r:id="rId32"/>
-      <p:italic r:id="rId33"/>
-      <p:boldItalic r:id="rId34"/>
+      <p:regular r:id="rId32"/>
+      <p:bold r:id="rId33"/>
+      <p:italic r:id="rId34"/>
+      <p:boldItalic r:id="rId35"/>
     </p:embeddedFont>
   </p:embeddedFontLst>
   <p:defaultTextStyle>
@@ -159,6 +160,7 @@
             <p14:sldId id="347"/>
             <p14:sldId id="341"/>
             <p14:sldId id="348"/>
+            <p14:sldId id="351"/>
             <p14:sldId id="350"/>
             <p14:sldId id="331"/>
           </p14:sldIdLst>
@@ -285,7 +287,7 @@
           <a:p>
             <a:fld id="{C6AC6211-610F-44E5-BF19-D3CDF6EDD281}" type="datetimeFigureOut">
               <a:rPr lang="de-DE" smtClean="0"/>
-              <a:t>12.02.2019</a:t>
+              <a:t>13.02.2019</a:t>
             </a:fld>
             <a:endParaRPr lang="de-DE"/>
           </a:p>
@@ -451,7 +453,7 @@
           <a:p>
             <a:fld id="{347435D3-23A6-45D3-8DFA-7317DC1E7A64}" type="datetimeFigureOut">
               <a:rPr lang="de-DE" smtClean="0"/>
-              <a:t>12.02.2019</a:t>
+              <a:t>13.02.2019</a:t>
             </a:fld>
             <a:endParaRPr lang="de-DE"/>
           </a:p>
@@ -868,7 +870,7 @@
           <a:p>
             <a:fld id="{2969AC09-DF60-43F4-96BF-67D4D9A74094}" type="slidenum">
               <a:rPr lang="de-DE" smtClean="0"/>
-              <a:t>20</a:t>
+              <a:t>21</a:t>
             </a:fld>
             <a:endParaRPr lang="de-DE"/>
           </a:p>
@@ -952,7 +954,7 @@
           <a:p>
             <a:fld id="{2969AC09-DF60-43F4-96BF-67D4D9A74094}" type="slidenum">
               <a:rPr lang="de-DE" smtClean="0"/>
-              <a:t>21</a:t>
+              <a:t>22</a:t>
             </a:fld>
             <a:endParaRPr lang="de-DE"/>
           </a:p>
@@ -1060,7 +1062,7 @@
           <a:p>
             <a:fld id="{2969AC09-DF60-43F4-96BF-67D4D9A74094}" type="slidenum">
               <a:rPr lang="de-DE" smtClean="0"/>
-              <a:t>22</a:t>
+              <a:t>23</a:t>
             </a:fld>
             <a:endParaRPr lang="de-DE"/>
           </a:p>
@@ -1144,7 +1146,7 @@
           <a:p>
             <a:fld id="{2969AC09-DF60-43F4-96BF-67D4D9A74094}" type="slidenum">
               <a:rPr lang="de-DE" smtClean="0"/>
-              <a:t>23</a:t>
+              <a:t>24</a:t>
             </a:fld>
             <a:endParaRPr lang="de-DE"/>
           </a:p>
@@ -1488,7 +1490,7 @@
           <a:p>
             <a:fld id="{2969AC09-DF60-43F4-96BF-67D4D9A74094}" type="slidenum">
               <a:rPr lang="de-DE" smtClean="0"/>
-              <a:t>7</a:t>
+              <a:t>8</a:t>
             </a:fld>
             <a:endParaRPr lang="de-DE"/>
           </a:p>
@@ -1580,7 +1582,7 @@
           <a:p>
             <a:fld id="{2969AC09-DF60-43F4-96BF-67D4D9A74094}" type="slidenum">
               <a:rPr lang="de-DE" smtClean="0"/>
-              <a:t>8</a:t>
+              <a:t>9</a:t>
             </a:fld>
             <a:endParaRPr lang="de-DE"/>
           </a:p>
@@ -1664,7 +1666,7 @@
           <a:p>
             <a:fld id="{2969AC09-DF60-43F4-96BF-67D4D9A74094}" type="slidenum">
               <a:rPr lang="de-DE" smtClean="0"/>
-              <a:t>14</a:t>
+              <a:t>15</a:t>
             </a:fld>
             <a:endParaRPr lang="de-DE"/>
           </a:p>
@@ -1757,7 +1759,7 @@
           <a:p>
             <a:fld id="{2969AC09-DF60-43F4-96BF-67D4D9A74094}" type="slidenum">
               <a:rPr lang="de-DE" smtClean="0"/>
-              <a:t>15</a:t>
+              <a:t>16</a:t>
             </a:fld>
             <a:endParaRPr lang="de-DE"/>
           </a:p>
@@ -1841,7 +1843,7 @@
           <a:p>
             <a:fld id="{2969AC09-DF60-43F4-96BF-67D4D9A74094}" type="slidenum">
               <a:rPr lang="de-DE" smtClean="0"/>
-              <a:t>16</a:t>
+              <a:t>17</a:t>
             </a:fld>
             <a:endParaRPr lang="de-DE"/>
           </a:p>
@@ -1882,7 +1884,7 @@
           <p:cNvPr id="15" name="Rechteck 14">
             <a:extLst>
               <a:ext uri="{FF2B5EF4-FFF2-40B4-BE49-F238E27FC236}">
-                <a16:creationId xmlns="" xmlns:a16="http://schemas.microsoft.com/office/drawing/2014/main" id="{F770C3AA-244C-A141-BC22-D074823F4293}"/>
+                <a16:creationId xmlns:a16="http://schemas.microsoft.com/office/drawing/2014/main" xmlns="" id="{F770C3AA-244C-A141-BC22-D074823F4293}"/>
               </a:ext>
             </a:extLst>
           </p:cNvPr>
@@ -2122,7 +2124,7 @@
           <p:cNvPr id="5" name="Grafik 4">
             <a:extLst>
               <a:ext uri="{FF2B5EF4-FFF2-40B4-BE49-F238E27FC236}">
-                <a16:creationId xmlns="" xmlns:a16="http://schemas.microsoft.com/office/drawing/2014/main" id="{C0F785FA-BB6E-6347-A8C6-9846216D4CBB}"/>
+                <a16:creationId xmlns:a16="http://schemas.microsoft.com/office/drawing/2014/main" xmlns="" id="{C0F785FA-BB6E-6347-A8C6-9846216D4CBB}"/>
               </a:ext>
             </a:extLst>
           </p:cNvPr>
@@ -2311,7 +2313,7 @@
           <p:cNvPr id="12" name="Grafik 11" hidden="1">
             <a:extLst>
               <a:ext uri="{FF2B5EF4-FFF2-40B4-BE49-F238E27FC236}">
-                <a16:creationId xmlns="" xmlns:a16="http://schemas.microsoft.com/office/drawing/2014/main" id="{CFC0D4A5-64CF-6D49-98B1-9FF6119E60EC}"/>
+                <a16:creationId xmlns:a16="http://schemas.microsoft.com/office/drawing/2014/main" xmlns="" id="{CFC0D4A5-64CF-6D49-98B1-9FF6119E60EC}"/>
               </a:ext>
             </a:extLst>
           </p:cNvPr>
@@ -2341,7 +2343,7 @@
           <p:cNvPr id="17" name="Grafik 16">
             <a:extLst>
               <a:ext uri="{FF2B5EF4-FFF2-40B4-BE49-F238E27FC236}">
-                <a16:creationId xmlns="" xmlns:a16="http://schemas.microsoft.com/office/drawing/2014/main" id="{22ECE872-F4EF-2A49-BA96-6065BC99D769}"/>
+                <a16:creationId xmlns:a16="http://schemas.microsoft.com/office/drawing/2014/main" xmlns="" id="{22ECE872-F4EF-2A49-BA96-6065BC99D769}"/>
               </a:ext>
             </a:extLst>
           </p:cNvPr>
@@ -2611,7 +2613,7 @@
           <p:cNvPr id="24" name="Bildplatzhalter 23">
             <a:extLst>
               <a:ext uri="{FF2B5EF4-FFF2-40B4-BE49-F238E27FC236}">
-                <a16:creationId xmlns="" xmlns:a16="http://schemas.microsoft.com/office/drawing/2014/main" id="{24A56C48-CA8D-D349-89CC-35C3A65DC4D5}"/>
+                <a16:creationId xmlns:a16="http://schemas.microsoft.com/office/drawing/2014/main" xmlns="" id="{24A56C48-CA8D-D349-89CC-35C3A65DC4D5}"/>
               </a:ext>
             </a:extLst>
           </p:cNvPr>
@@ -2925,7 +2927,7 @@
           <p:cNvPr id="6" name="Textplatzhalter 5">
             <a:extLst>
               <a:ext uri="{FF2B5EF4-FFF2-40B4-BE49-F238E27FC236}">
-                <a16:creationId xmlns="" xmlns:a16="http://schemas.microsoft.com/office/drawing/2014/main" id="{2E77FCEF-52F5-324B-A583-005ABCE0E622}"/>
+                <a16:creationId xmlns:a16="http://schemas.microsoft.com/office/drawing/2014/main" xmlns="" id="{2E77FCEF-52F5-324B-A583-005ABCE0E622}"/>
               </a:ext>
             </a:extLst>
           </p:cNvPr>
@@ -2963,7 +2965,7 @@
           <p:cNvPr id="13" name="Grafik 12">
             <a:extLst>
               <a:ext uri="{FF2B5EF4-FFF2-40B4-BE49-F238E27FC236}">
-                <a16:creationId xmlns="" xmlns:a16="http://schemas.microsoft.com/office/drawing/2014/main" id="{F84F96E3-FAED-E24A-9E01-BBA4824F0E34}"/>
+                <a16:creationId xmlns:a16="http://schemas.microsoft.com/office/drawing/2014/main" xmlns="" id="{F84F96E3-FAED-E24A-9E01-BBA4824F0E34}"/>
               </a:ext>
             </a:extLst>
           </p:cNvPr>
@@ -3134,7 +3136,7 @@
           <p:cNvPr id="6" name="Rechteck 5">
             <a:extLst>
               <a:ext uri="{FF2B5EF4-FFF2-40B4-BE49-F238E27FC236}">
-                <a16:creationId xmlns="" xmlns:a16="http://schemas.microsoft.com/office/drawing/2014/main" id="{2447D286-D9F9-E84F-9173-2C8D2D2068E1}"/>
+                <a16:creationId xmlns:a16="http://schemas.microsoft.com/office/drawing/2014/main" xmlns="" id="{2447D286-D9F9-E84F-9173-2C8D2D2068E1}"/>
               </a:ext>
             </a:extLst>
           </p:cNvPr>
@@ -3201,7 +3203,7 @@
           <p:cNvPr id="10" name="Grafik 9">
             <a:extLst>
               <a:ext uri="{FF2B5EF4-FFF2-40B4-BE49-F238E27FC236}">
-                <a16:creationId xmlns="" xmlns:a16="http://schemas.microsoft.com/office/drawing/2014/main" id="{E4DBCC79-CA26-C240-B119-9127A62CDBA8}"/>
+                <a16:creationId xmlns:a16="http://schemas.microsoft.com/office/drawing/2014/main" xmlns="" id="{E4DBCC79-CA26-C240-B119-9127A62CDBA8}"/>
               </a:ext>
             </a:extLst>
           </p:cNvPr>
@@ -3303,7 +3305,7 @@
           <p:cNvPr id="5" name="Rechteck 4">
             <a:extLst>
               <a:ext uri="{FF2B5EF4-FFF2-40B4-BE49-F238E27FC236}">
-                <a16:creationId xmlns="" xmlns:a16="http://schemas.microsoft.com/office/drawing/2014/main" id="{FD770378-5F2D-DE46-8D66-09007E946AD3}"/>
+                <a16:creationId xmlns:a16="http://schemas.microsoft.com/office/drawing/2014/main" xmlns="" id="{FD770378-5F2D-DE46-8D66-09007E946AD3}"/>
               </a:ext>
             </a:extLst>
           </p:cNvPr>
@@ -3367,7 +3369,7 @@
           <p:cNvPr id="4" name="Grafik 3">
             <a:extLst>
               <a:ext uri="{FF2B5EF4-FFF2-40B4-BE49-F238E27FC236}">
-                <a16:creationId xmlns="" xmlns:a16="http://schemas.microsoft.com/office/drawing/2014/main" id="{4FE30B28-5777-FC40-9C3F-81738D289A6A}"/>
+                <a16:creationId xmlns:a16="http://schemas.microsoft.com/office/drawing/2014/main" xmlns="" id="{4FE30B28-5777-FC40-9C3F-81738D289A6A}"/>
               </a:ext>
             </a:extLst>
           </p:cNvPr>
@@ -4490,7 +4492,7 @@
           <p:cNvPr id="13" name="Grafik 12">
             <a:extLst>
               <a:ext uri="{FF2B5EF4-FFF2-40B4-BE49-F238E27FC236}">
-                <a16:creationId xmlns="" xmlns:a16="http://schemas.microsoft.com/office/drawing/2014/main" id="{2DC3CACD-C7C8-274E-BCD4-043370996A48}"/>
+                <a16:creationId xmlns:a16="http://schemas.microsoft.com/office/drawing/2014/main" xmlns="" id="{2DC3CACD-C7C8-274E-BCD4-043370996A48}"/>
               </a:ext>
             </a:extLst>
           </p:cNvPr>
@@ -5129,14 +5131,19 @@
             <p:ph type="title"/>
           </p:nvPr>
         </p:nvSpPr>
-        <p:spPr/>
+        <p:spPr>
+          <a:xfrm>
+            <a:off x="967309" y="346075"/>
+            <a:ext cx="10580687" cy="684213"/>
+          </a:xfrm>
+        </p:spPr>
         <p:txBody>
           <a:bodyPr/>
           <a:lstStyle/>
           <a:p>
             <a:r>
               <a:rPr lang="de-DE" dirty="0"/>
-              <a:t>Problemidentifikation</a:t>
+              <a:t>Konzeptidee</a:t>
             </a:r>
           </a:p>
         </p:txBody>
@@ -5146,7 +5153,7 @@
           <p:cNvPr id="4" name="Gruppieren 3">
             <a:extLst>
               <a:ext uri="{FF2B5EF4-FFF2-40B4-BE49-F238E27FC236}">
-                <a16:creationId xmlns="" xmlns:a16="http://schemas.microsoft.com/office/drawing/2014/main" id="{64401E1E-557D-5D4F-AE09-187A0802411B}"/>
+                <a16:creationId xmlns:a16="http://schemas.microsoft.com/office/drawing/2014/main" xmlns="" id="{64401E1E-557D-5D4F-AE09-187A0802411B}"/>
               </a:ext>
             </a:extLst>
           </p:cNvPr>
@@ -5155,10 +5162,10 @@
         </p:nvGrpSpPr>
         <p:grpSpPr>
           <a:xfrm>
-            <a:off x="874711" y="1199304"/>
-            <a:ext cx="3204000" cy="3812073"/>
-            <a:chOff x="1780030" y="1414270"/>
-            <a:chExt cx="3204000" cy="3812073"/>
+            <a:off x="874712" y="1227061"/>
+            <a:ext cx="3558392" cy="3564857"/>
+            <a:chOff x="1780031" y="1414270"/>
+            <a:chExt cx="3558392" cy="3564857"/>
           </a:xfrm>
         </p:grpSpPr>
         <p:sp>
@@ -5166,7 +5173,7 @@
             <p:cNvPr id="5" name="Rechteck 4">
               <a:extLst>
                 <a:ext uri="{FF2B5EF4-FFF2-40B4-BE49-F238E27FC236}">
-                  <a16:creationId xmlns="" xmlns:a16="http://schemas.microsoft.com/office/drawing/2014/main" id="{35A0EAB9-4039-6448-AC03-B60DE38901D0}"/>
+                  <a16:creationId xmlns:a16="http://schemas.microsoft.com/office/drawing/2014/main" xmlns="" id="{35A0EAB9-4039-6448-AC03-B60DE38901D0}"/>
                 </a:ext>
               </a:extLst>
             </p:cNvPr>
@@ -5175,8 +5182,8 @@
           </p:nvSpPr>
           <p:spPr>
             <a:xfrm>
-              <a:off x="1780030" y="1583286"/>
-              <a:ext cx="3204000" cy="3643057"/>
+              <a:off x="1780031" y="1583286"/>
+              <a:ext cx="3558392" cy="3395841"/>
             </a:xfrm>
             <a:prstGeom prst="rect">
               <a:avLst/>
@@ -5209,154 +5216,6 @@
                 <a:buFont typeface="Arial" panose="020B0604020202020204" pitchFamily="34" charset="0"/>
                 <a:buChar char="•"/>
               </a:pPr>
-              <a:r>
-                <a:rPr lang="de-DE" dirty="0">
-                  <a:solidFill>
-                    <a:schemeClr val="tx1"/>
-                  </a:solidFill>
-                </a:rPr>
-                <a:t>Verschaltung der Module</a:t>
-              </a:r>
-            </a:p>
-            <a:p>
-              <a:pPr marL="285750" indent="-285750">
-                <a:buFont typeface="Arial" panose="020B0604020202020204" pitchFamily="34" charset="0"/>
-                <a:buChar char="•"/>
-              </a:pPr>
-              <a:r>
-                <a:rPr lang="de-DE" dirty="0">
-                  <a:solidFill>
-                    <a:schemeClr val="tx1"/>
-                  </a:solidFill>
-                </a:rPr>
-                <a:t>Aktuelles Rezept</a:t>
-              </a:r>
-            </a:p>
-            <a:p>
-              <a:pPr marL="285750" indent="-285750">
-                <a:buFont typeface="Arial" panose="020B0604020202020204" pitchFamily="34" charset="0"/>
-                <a:buChar char="•"/>
-              </a:pPr>
-              <a:r>
-                <a:rPr lang="de-DE" dirty="0">
-                  <a:solidFill>
-                    <a:schemeClr val="tx1"/>
-                  </a:solidFill>
-                </a:rPr>
-                <a:t>Zustand der Services</a:t>
-              </a:r>
-            </a:p>
-            <a:p>
-              <a:pPr marL="285750" indent="-285750">
-                <a:buFont typeface="Arial" panose="020B0604020202020204" pitchFamily="34" charset="0"/>
-                <a:buChar char="•"/>
-              </a:pPr>
-              <a:r>
-                <a:rPr lang="de-DE" dirty="0">
-                  <a:solidFill>
-                    <a:schemeClr val="tx1"/>
-                  </a:solidFill>
-                </a:rPr>
-                <a:t>Übersicht über KPIs</a:t>
-              </a:r>
-            </a:p>
-            <a:p>
-              <a:pPr marL="697230" lvl="1" indent="-285750">
-                <a:buFont typeface="Arial" panose="020B0604020202020204" pitchFamily="34" charset="0"/>
-                <a:buChar char="•"/>
-              </a:pPr>
-              <a:r>
-                <a:rPr lang="de-DE" dirty="0">
-                  <a:solidFill>
-                    <a:schemeClr val="tx1"/>
-                  </a:solidFill>
-                </a:rPr>
-                <a:t>z.B. Energieverbrauch</a:t>
-              </a:r>
-            </a:p>
-            <a:p>
-              <a:pPr marL="285750" indent="-285750">
-                <a:buFont typeface="Arial" panose="020B0604020202020204" pitchFamily="34" charset="0"/>
-                <a:buChar char="•"/>
-              </a:pPr>
-              <a:r>
-                <a:rPr lang="de-DE" dirty="0">
-                  <a:solidFill>
-                    <a:schemeClr val="tx1"/>
-                  </a:solidFill>
-                </a:rPr>
-                <a:t>Aktuelle Meldungen, Warnungen und Alarme</a:t>
-              </a:r>
-            </a:p>
-            <a:p>
-              <a:pPr marL="285750" indent="-285750">
-                <a:buFont typeface="Arial" panose="020B0604020202020204" pitchFamily="34" charset="0"/>
-                <a:buChar char="•"/>
-              </a:pPr>
-              <a:endParaRPr lang="de-DE" dirty="0">
-                <a:solidFill>
-                  <a:schemeClr val="tx1"/>
-                </a:solidFill>
-              </a:endParaRPr>
-            </a:p>
-            <a:p>
-              <a:pPr marL="285750" indent="-285750">
-                <a:buFont typeface="Arial" panose="020B0604020202020204" pitchFamily="34" charset="0"/>
-                <a:buChar char="•"/>
-              </a:pPr>
-              <a:r>
-                <a:rPr lang="de-DE" dirty="0">
-                  <a:solidFill>
-                    <a:schemeClr val="tx1"/>
-                  </a:solidFill>
-                </a:rPr>
-                <a:t>Personalauslastung</a:t>
-              </a:r>
-            </a:p>
-            <a:p>
-              <a:pPr marL="285750" indent="-285750">
-                <a:buFont typeface="Arial" panose="020B0604020202020204" pitchFamily="34" charset="0"/>
-                <a:buChar char="•"/>
-              </a:pPr>
-              <a:r>
-                <a:rPr lang="de-DE" dirty="0">
-                  <a:solidFill>
-                    <a:schemeClr val="tx1"/>
-                  </a:solidFill>
-                </a:rPr>
-                <a:t>Auslastung der Anlage</a:t>
-              </a:r>
-            </a:p>
-            <a:p>
-              <a:pPr marL="285750" indent="-285750">
-                <a:buFont typeface="Arial" panose="020B0604020202020204" pitchFamily="34" charset="0"/>
-                <a:buChar char="•"/>
-              </a:pPr>
-              <a:r>
-                <a:rPr lang="de-DE" dirty="0">
-                  <a:solidFill>
-                    <a:schemeClr val="tx1"/>
-                  </a:solidFill>
-                </a:rPr>
-                <a:t>Aktuelle Produktionskennzahlen</a:t>
-              </a:r>
-            </a:p>
-            <a:p>
-              <a:pPr marL="285750" indent="-285750">
-                <a:buFont typeface="Arial" panose="020B0604020202020204" pitchFamily="34" charset="0"/>
-                <a:buChar char="•"/>
-              </a:pPr>
-              <a:endParaRPr lang="de-DE" dirty="0">
-                <a:solidFill>
-                  <a:schemeClr val="tx1"/>
-                </a:solidFill>
-              </a:endParaRPr>
-            </a:p>
-            <a:p>
-              <a:pPr marL="285750" indent="-285750">
-                <a:buFont typeface="Arial" panose="020B0604020202020204" pitchFamily="34" charset="0"/>
-                <a:buChar char="•"/>
-              </a:pPr>
               <a:endParaRPr lang="de-DE" dirty="0">
                 <a:solidFill>
                   <a:schemeClr val="tx1"/>
@@ -5370,7 +5229,7 @@
             <p:cNvPr id="6" name="Rechteck 5">
               <a:extLst>
                 <a:ext uri="{FF2B5EF4-FFF2-40B4-BE49-F238E27FC236}">
-                  <a16:creationId xmlns="" xmlns:a16="http://schemas.microsoft.com/office/drawing/2014/main" id="{FCCEA108-686B-BB4F-95FB-4BCE5EB529F1}"/>
+                  <a16:creationId xmlns:a16="http://schemas.microsoft.com/office/drawing/2014/main" xmlns="" id="{FCCEA108-686B-BB4F-95FB-4BCE5EB529F1}"/>
                 </a:ext>
               </a:extLst>
             </p:cNvPr>
@@ -5380,7 +5239,7 @@
           <p:spPr>
             <a:xfrm>
               <a:off x="1977038" y="1414270"/>
-              <a:ext cx="1937700" cy="374853"/>
+              <a:ext cx="2493284" cy="338027"/>
             </a:xfrm>
             <a:prstGeom prst="rect">
               <a:avLst/>
@@ -5418,18 +5277,806 @@
                     <a:schemeClr val="accent4"/>
                   </a:solidFill>
                 </a:rPr>
-                <a:t>Aktueller Status</a:t>
+                <a:t>Problemidentifikation</a:t>
               </a:r>
             </a:p>
           </p:txBody>
         </p:sp>
       </p:grpSp>
+      <p:sp>
+        <p:nvSpPr>
+          <p:cNvPr id="10" name="Rechteck 9"/>
+          <p:cNvSpPr/>
+          <p:nvPr/>
+        </p:nvSpPr>
+        <p:spPr>
+          <a:xfrm>
+            <a:off x="1060025" y="3148326"/>
+            <a:ext cx="3187765" cy="567160"/>
+          </a:xfrm>
+          <a:prstGeom prst="rect">
+            <a:avLst/>
+          </a:prstGeom>
+          <a:solidFill>
+            <a:schemeClr val="bg1"/>
+          </a:solidFill>
+          <a:ln>
+            <a:solidFill>
+              <a:schemeClr val="accent6"/>
+            </a:solidFill>
+          </a:ln>
+        </p:spPr>
+        <p:style>
+          <a:lnRef idx="2">
+            <a:schemeClr val="accent1">
+              <a:shade val="50000"/>
+            </a:schemeClr>
+          </a:lnRef>
+          <a:fillRef idx="1">
+            <a:schemeClr val="accent1"/>
+          </a:fillRef>
+          <a:effectRef idx="0">
+            <a:schemeClr val="accent1"/>
+          </a:effectRef>
+          <a:fontRef idx="minor">
+            <a:schemeClr val="lt1"/>
+          </a:fontRef>
+        </p:style>
+        <p:txBody>
+          <a:bodyPr rtlCol="0" anchor="ctr"/>
+          <a:lstStyle/>
+          <a:p>
+            <a:pPr algn="ctr"/>
+            <a:r>
+              <a:rPr lang="de-DE" dirty="0">
+                <a:solidFill>
+                  <a:schemeClr val="tx1"/>
+                </a:solidFill>
+              </a:rPr>
+              <a:t>Beschreibung des Problems</a:t>
+            </a:r>
+          </a:p>
+        </p:txBody>
+      </p:sp>
+      <p:sp>
+        <p:nvSpPr>
+          <p:cNvPr id="11" name="Rechteck 10"/>
+          <p:cNvSpPr/>
+          <p:nvPr/>
+        </p:nvSpPr>
+        <p:spPr>
+          <a:xfrm>
+            <a:off x="1063285" y="4021334"/>
+            <a:ext cx="3181246" cy="567160"/>
+          </a:xfrm>
+          <a:prstGeom prst="rect">
+            <a:avLst/>
+          </a:prstGeom>
+          <a:solidFill>
+            <a:schemeClr val="bg1"/>
+          </a:solidFill>
+          <a:ln>
+            <a:solidFill>
+              <a:schemeClr val="accent6"/>
+            </a:solidFill>
+          </a:ln>
+        </p:spPr>
+        <p:style>
+          <a:lnRef idx="2">
+            <a:schemeClr val="accent1">
+              <a:shade val="50000"/>
+            </a:schemeClr>
+          </a:lnRef>
+          <a:fillRef idx="1">
+            <a:schemeClr val="accent1"/>
+          </a:fillRef>
+          <a:effectRef idx="0">
+            <a:schemeClr val="accent1"/>
+          </a:effectRef>
+          <a:fontRef idx="minor">
+            <a:schemeClr val="lt1"/>
+          </a:fontRef>
+        </p:style>
+        <p:txBody>
+          <a:bodyPr rtlCol="0" anchor="ctr"/>
+          <a:lstStyle/>
+          <a:p>
+            <a:pPr algn="ctr"/>
+            <a:r>
+              <a:rPr lang="de-DE" dirty="0">
+                <a:solidFill>
+                  <a:schemeClr val="tx1"/>
+                </a:solidFill>
+              </a:rPr>
+              <a:t>Definition des Ziels</a:t>
+            </a:r>
+          </a:p>
+        </p:txBody>
+      </p:sp>
+      <p:sp>
+        <p:nvSpPr>
+          <p:cNvPr id="12" name="Rechteck 11"/>
+          <p:cNvSpPr/>
+          <p:nvPr/>
+        </p:nvSpPr>
+        <p:spPr>
+          <a:xfrm>
+            <a:off x="1066545" y="1788314"/>
+            <a:ext cx="3181245" cy="971068"/>
+          </a:xfrm>
+          <a:prstGeom prst="rect">
+            <a:avLst/>
+          </a:prstGeom>
+          <a:solidFill>
+            <a:schemeClr val="bg1"/>
+          </a:solidFill>
+          <a:ln>
+            <a:solidFill>
+              <a:schemeClr val="accent6"/>
+            </a:solidFill>
+          </a:ln>
+        </p:spPr>
+        <p:style>
+          <a:lnRef idx="2">
+            <a:schemeClr val="accent1">
+              <a:shade val="50000"/>
+            </a:schemeClr>
+          </a:lnRef>
+          <a:fillRef idx="1">
+            <a:schemeClr val="accent1"/>
+          </a:fillRef>
+          <a:effectRef idx="0">
+            <a:schemeClr val="accent1"/>
+          </a:effectRef>
+          <a:fontRef idx="minor">
+            <a:schemeClr val="lt1"/>
+          </a:fontRef>
+        </p:style>
+        <p:txBody>
+          <a:bodyPr rtlCol="0" anchor="ctr"/>
+          <a:lstStyle/>
+          <a:p>
+            <a:pPr algn="ctr"/>
+            <a:r>
+              <a:rPr lang="de-DE" dirty="0">
+                <a:solidFill>
+                  <a:schemeClr val="tx1"/>
+                </a:solidFill>
+              </a:rPr>
+              <a:t>Informationen über den aktuellen Status</a:t>
+            </a:r>
+          </a:p>
+        </p:txBody>
+      </p:sp>
+      <p:cxnSp>
+        <p:nvCxnSpPr>
+          <p:cNvPr id="14" name="Gerade Verbindung mit Pfeil 13"/>
+          <p:cNvCxnSpPr>
+            <a:stCxn id="12" idx="2"/>
+            <a:endCxn id="10" idx="0"/>
+          </p:cNvCxnSpPr>
+          <p:nvPr/>
+        </p:nvCxnSpPr>
+        <p:spPr>
+          <a:xfrm flipH="1">
+            <a:off x="2653908" y="2759382"/>
+            <a:ext cx="3260" cy="388944"/>
+          </a:xfrm>
+          <a:prstGeom prst="straightConnector1">
+            <a:avLst/>
+          </a:prstGeom>
+          <a:ln w="12700">
+            <a:solidFill>
+              <a:schemeClr val="accent6"/>
+            </a:solidFill>
+            <a:tailEnd type="triangle"/>
+          </a:ln>
+        </p:spPr>
+        <p:style>
+          <a:lnRef idx="1">
+            <a:schemeClr val="accent1"/>
+          </a:lnRef>
+          <a:fillRef idx="0">
+            <a:schemeClr val="accent1"/>
+          </a:fillRef>
+          <a:effectRef idx="0">
+            <a:schemeClr val="accent1"/>
+          </a:effectRef>
+          <a:fontRef idx="minor">
+            <a:schemeClr val="tx1"/>
+          </a:fontRef>
+        </p:style>
+      </p:cxnSp>
+      <p:cxnSp>
+        <p:nvCxnSpPr>
+          <p:cNvPr id="16" name="Gerade Verbindung mit Pfeil 15"/>
+          <p:cNvCxnSpPr>
+            <a:stCxn id="10" idx="2"/>
+            <a:endCxn id="11" idx="0"/>
+          </p:cNvCxnSpPr>
+          <p:nvPr/>
+        </p:nvCxnSpPr>
+        <p:spPr>
+          <a:xfrm>
+            <a:off x="2653908" y="3715486"/>
+            <a:ext cx="0" cy="305848"/>
+          </a:xfrm>
+          <a:prstGeom prst="straightConnector1">
+            <a:avLst/>
+          </a:prstGeom>
+          <a:ln w="12700">
+            <a:solidFill>
+              <a:schemeClr val="accent6"/>
+            </a:solidFill>
+            <a:tailEnd type="triangle"/>
+          </a:ln>
+        </p:spPr>
+        <p:style>
+          <a:lnRef idx="1">
+            <a:schemeClr val="accent1"/>
+          </a:lnRef>
+          <a:fillRef idx="0">
+            <a:schemeClr val="accent1"/>
+          </a:fillRef>
+          <a:effectRef idx="0">
+            <a:schemeClr val="accent1"/>
+          </a:effectRef>
+          <a:fontRef idx="minor">
+            <a:schemeClr val="tx1"/>
+          </a:fontRef>
+        </p:style>
+      </p:cxnSp>
       <p:grpSp>
         <p:nvGrpSpPr>
-          <p:cNvPr id="7" name="Gruppieren 6">
+          <p:cNvPr id="21" name="Gruppieren 20"/>
+          <p:cNvGrpSpPr/>
+          <p:nvPr/>
+        </p:nvGrpSpPr>
+        <p:grpSpPr>
+          <a:xfrm>
+            <a:off x="5120624" y="1227061"/>
+            <a:ext cx="3558392" cy="3564858"/>
+            <a:chOff x="6640833" y="1199304"/>
+            <a:chExt cx="3558392" cy="3564858"/>
+          </a:xfrm>
+        </p:grpSpPr>
+        <p:grpSp>
+          <p:nvGrpSpPr>
+            <p:cNvPr id="7" name="Gruppieren 6">
+              <a:extLst>
+                <a:ext uri="{FF2B5EF4-FFF2-40B4-BE49-F238E27FC236}">
+                  <a16:creationId xmlns:a16="http://schemas.microsoft.com/office/drawing/2014/main" xmlns="" id="{64401E1E-557D-5D4F-AE09-187A0802411B}"/>
+                </a:ext>
+              </a:extLst>
+            </p:cNvPr>
+            <p:cNvGrpSpPr/>
+            <p:nvPr/>
+          </p:nvGrpSpPr>
+          <p:grpSpPr>
+            <a:xfrm>
+              <a:off x="6640833" y="1199304"/>
+              <a:ext cx="3558392" cy="3564858"/>
+              <a:chOff x="1780031" y="1414270"/>
+              <a:chExt cx="3558392" cy="3564858"/>
+            </a:xfrm>
+          </p:grpSpPr>
+          <p:sp>
+            <p:nvSpPr>
+              <p:cNvPr id="8" name="Rechteck 7">
+                <a:extLst>
+                  <a:ext uri="{FF2B5EF4-FFF2-40B4-BE49-F238E27FC236}">
+                    <a16:creationId xmlns:a16="http://schemas.microsoft.com/office/drawing/2014/main" xmlns="" id="{35A0EAB9-4039-6448-AC03-B60DE38901D0}"/>
+                  </a:ext>
+                </a:extLst>
+              </p:cNvPr>
+              <p:cNvSpPr/>
+              <p:nvPr/>
+            </p:nvSpPr>
+            <p:spPr>
+              <a:xfrm>
+                <a:off x="1780031" y="1583286"/>
+                <a:ext cx="3558392" cy="3395842"/>
+              </a:xfrm>
+              <a:prstGeom prst="rect">
+                <a:avLst/>
+              </a:prstGeom>
+              <a:solidFill>
+                <a:schemeClr val="bg1"/>
+              </a:solidFill>
+            </p:spPr>
+            <p:style>
+              <a:lnRef idx="2">
+                <a:schemeClr val="accent1">
+                  <a:shade val="50000"/>
+                </a:schemeClr>
+              </a:lnRef>
+              <a:fillRef idx="1">
+                <a:schemeClr val="accent1"/>
+              </a:fillRef>
+              <a:effectRef idx="0">
+                <a:schemeClr val="accent1"/>
+              </a:effectRef>
+              <a:fontRef idx="minor">
+                <a:schemeClr val="lt1"/>
+              </a:fontRef>
+            </p:style>
+            <p:txBody>
+              <a:bodyPr tIns="251999" rtlCol="0" anchor="t"/>
+              <a:lstStyle/>
+              <a:p>
+                <a:pPr marL="285750" indent="-285750">
+                  <a:buFont typeface="Arial" panose="020B0604020202020204" pitchFamily="34" charset="0"/>
+                  <a:buChar char="•"/>
+                </a:pPr>
+                <a:endParaRPr lang="de-DE" dirty="0">
+                  <a:solidFill>
+                    <a:schemeClr val="tx1"/>
+                  </a:solidFill>
+                </a:endParaRPr>
+              </a:p>
+            </p:txBody>
+          </p:sp>
+          <p:sp>
+            <p:nvSpPr>
+              <p:cNvPr id="9" name="Rechteck 8">
+                <a:extLst>
+                  <a:ext uri="{FF2B5EF4-FFF2-40B4-BE49-F238E27FC236}">
+                    <a16:creationId xmlns:a16="http://schemas.microsoft.com/office/drawing/2014/main" xmlns="" id="{FCCEA108-686B-BB4F-95FB-4BCE5EB529F1}"/>
+                  </a:ext>
+                </a:extLst>
+              </p:cNvPr>
+              <p:cNvSpPr/>
+              <p:nvPr/>
+            </p:nvSpPr>
+            <p:spPr>
+              <a:xfrm>
+                <a:off x="1977037" y="1414270"/>
+                <a:ext cx="1997569" cy="338027"/>
+              </a:xfrm>
+              <a:prstGeom prst="rect">
+                <a:avLst/>
+              </a:prstGeom>
+              <a:solidFill>
+                <a:schemeClr val="bg1"/>
+              </a:solidFill>
+              <a:ln>
+                <a:noFill/>
+              </a:ln>
+            </p:spPr>
+            <p:style>
+              <a:lnRef idx="2">
+                <a:schemeClr val="accent1">
+                  <a:shade val="50000"/>
+                </a:schemeClr>
+              </a:lnRef>
+              <a:fillRef idx="1">
+                <a:schemeClr val="accent1"/>
+              </a:fillRef>
+              <a:effectRef idx="0">
+                <a:schemeClr val="accent1"/>
+              </a:effectRef>
+              <a:fontRef idx="minor">
+                <a:schemeClr val="lt1"/>
+              </a:fontRef>
+            </p:style>
+            <p:txBody>
+              <a:bodyPr rtlCol="0" anchor="ctr"/>
+              <a:lstStyle/>
+              <a:p>
+                <a:r>
+                  <a:rPr lang="de-DE" b="1" dirty="0">
+                    <a:solidFill>
+                      <a:schemeClr val="accent4"/>
+                    </a:solidFill>
+                  </a:rPr>
+                  <a:t>Problemlösungen</a:t>
+                </a:r>
+              </a:p>
+            </p:txBody>
+          </p:sp>
+        </p:grpSp>
+        <p:sp>
+          <p:nvSpPr>
+            <p:cNvPr id="17" name="Rechteck 16"/>
+            <p:cNvSpPr/>
+            <p:nvPr/>
+          </p:nvSpPr>
+          <p:spPr>
+            <a:xfrm>
+              <a:off x="6837840" y="1763499"/>
+              <a:ext cx="3181245" cy="968126"/>
+            </a:xfrm>
+            <a:prstGeom prst="rect">
+              <a:avLst/>
+            </a:prstGeom>
+            <a:solidFill>
+              <a:schemeClr val="bg1"/>
+            </a:solidFill>
+            <a:ln>
+              <a:solidFill>
+                <a:schemeClr val="accent6"/>
+              </a:solidFill>
+            </a:ln>
+          </p:spPr>
+          <p:style>
+            <a:lnRef idx="2">
+              <a:schemeClr val="accent1">
+                <a:shade val="50000"/>
+              </a:schemeClr>
+            </a:lnRef>
+            <a:fillRef idx="1">
+              <a:schemeClr val="accent1"/>
+            </a:fillRef>
+            <a:effectRef idx="0">
+              <a:schemeClr val="accent1"/>
+            </a:effectRef>
+            <a:fontRef idx="minor">
+              <a:schemeClr val="lt1"/>
+            </a:fontRef>
+          </p:style>
+          <p:txBody>
+            <a:bodyPr tIns="108000" rtlCol="0" anchor="t"/>
+            <a:lstStyle/>
+            <a:p>
+              <a:pPr algn="ctr"/>
+              <a:r>
+                <a:rPr lang="de-DE" dirty="0">
+                  <a:solidFill>
+                    <a:schemeClr val="tx1"/>
+                  </a:solidFill>
+                </a:rPr>
+                <a:t>Lösungen vorschlagen</a:t>
+              </a:r>
+            </a:p>
+          </p:txBody>
+        </p:sp>
+        <p:sp>
+          <p:nvSpPr>
+            <p:cNvPr id="19" name="Rechteck 18"/>
+            <p:cNvSpPr/>
+            <p:nvPr/>
+          </p:nvSpPr>
+          <p:spPr>
+            <a:xfrm>
+              <a:off x="6837839" y="3079021"/>
+              <a:ext cx="3181245" cy="567160"/>
+            </a:xfrm>
+            <a:prstGeom prst="rect">
+              <a:avLst/>
+            </a:prstGeom>
+            <a:solidFill>
+              <a:schemeClr val="bg1"/>
+            </a:solidFill>
+            <a:ln>
+              <a:solidFill>
+                <a:schemeClr val="accent6"/>
+              </a:solidFill>
+            </a:ln>
+          </p:spPr>
+          <p:style>
+            <a:lnRef idx="2">
+              <a:schemeClr val="accent1">
+                <a:shade val="50000"/>
+              </a:schemeClr>
+            </a:lnRef>
+            <a:fillRef idx="1">
+              <a:schemeClr val="accent1"/>
+            </a:fillRef>
+            <a:effectRef idx="0">
+              <a:schemeClr val="accent1"/>
+            </a:effectRef>
+            <a:fontRef idx="minor">
+              <a:schemeClr val="lt1"/>
+            </a:fontRef>
+          </p:style>
+          <p:txBody>
+            <a:bodyPr rtlCol="0" anchor="ctr"/>
+            <a:lstStyle/>
+            <a:p>
+              <a:pPr algn="ctr"/>
+              <a:r>
+                <a:rPr lang="de-DE" dirty="0">
+                  <a:solidFill>
+                    <a:schemeClr val="tx1"/>
+                  </a:solidFill>
+                </a:rPr>
+                <a:t>Lösungen vergleichen</a:t>
+              </a:r>
+            </a:p>
+          </p:txBody>
+        </p:sp>
+        <p:sp>
+          <p:nvSpPr>
+            <p:cNvPr id="20" name="Rechteck 19"/>
+            <p:cNvSpPr/>
+            <p:nvPr/>
+          </p:nvSpPr>
+          <p:spPr>
+            <a:xfrm>
+              <a:off x="6837839" y="3993577"/>
+              <a:ext cx="3181245" cy="567160"/>
+            </a:xfrm>
+            <a:prstGeom prst="rect">
+              <a:avLst/>
+            </a:prstGeom>
+            <a:solidFill>
+              <a:schemeClr val="bg1"/>
+            </a:solidFill>
+            <a:ln>
+              <a:solidFill>
+                <a:schemeClr val="accent6"/>
+              </a:solidFill>
+            </a:ln>
+          </p:spPr>
+          <p:style>
+            <a:lnRef idx="2">
+              <a:schemeClr val="accent1">
+                <a:shade val="50000"/>
+              </a:schemeClr>
+            </a:lnRef>
+            <a:fillRef idx="1">
+              <a:schemeClr val="accent1"/>
+            </a:fillRef>
+            <a:effectRef idx="0">
+              <a:schemeClr val="accent1"/>
+            </a:effectRef>
+            <a:fontRef idx="minor">
+              <a:schemeClr val="lt1"/>
+            </a:fontRef>
+          </p:style>
+          <p:txBody>
+            <a:bodyPr rtlCol="0" anchor="ctr"/>
+            <a:lstStyle/>
+            <a:p>
+              <a:pPr algn="ctr"/>
+              <a:r>
+                <a:rPr lang="de-DE" dirty="0">
+                  <a:solidFill>
+                    <a:schemeClr val="tx1"/>
+                  </a:solidFill>
+                </a:rPr>
+                <a:t>Lösungen bewerten</a:t>
+              </a:r>
+            </a:p>
+          </p:txBody>
+        </p:sp>
+      </p:grpSp>
+      <p:cxnSp>
+        <p:nvCxnSpPr>
+          <p:cNvPr id="24" name="Gerade Verbindung mit Pfeil 23"/>
+          <p:cNvCxnSpPr>
+            <a:stCxn id="17" idx="2"/>
+            <a:endCxn id="19" idx="0"/>
+          </p:cNvCxnSpPr>
+          <p:nvPr/>
+        </p:nvCxnSpPr>
+        <p:spPr>
+          <a:xfrm flipH="1">
+            <a:off x="6908253" y="2759382"/>
+            <a:ext cx="1" cy="347396"/>
+          </a:xfrm>
+          <a:prstGeom prst="straightConnector1">
+            <a:avLst/>
+          </a:prstGeom>
+          <a:ln>
+            <a:solidFill>
+              <a:schemeClr val="accent6"/>
+            </a:solidFill>
+            <a:tailEnd type="triangle"/>
+          </a:ln>
+        </p:spPr>
+        <p:style>
+          <a:lnRef idx="1">
+            <a:schemeClr val="accent1"/>
+          </a:lnRef>
+          <a:fillRef idx="0">
+            <a:schemeClr val="accent1"/>
+          </a:fillRef>
+          <a:effectRef idx="0">
+            <a:schemeClr val="accent1"/>
+          </a:effectRef>
+          <a:fontRef idx="minor">
+            <a:schemeClr val="tx1"/>
+          </a:fontRef>
+        </p:style>
+      </p:cxnSp>
+      <p:cxnSp>
+        <p:nvCxnSpPr>
+          <p:cNvPr id="26" name="Gerade Verbindung mit Pfeil 25"/>
+          <p:cNvCxnSpPr>
+            <a:stCxn id="19" idx="2"/>
+            <a:endCxn id="20" idx="0"/>
+          </p:cNvCxnSpPr>
+          <p:nvPr/>
+        </p:nvCxnSpPr>
+        <p:spPr>
+          <a:xfrm>
+            <a:off x="6908253" y="3673938"/>
+            <a:ext cx="0" cy="347396"/>
+          </a:xfrm>
+          <a:prstGeom prst="straightConnector1">
+            <a:avLst/>
+          </a:prstGeom>
+          <a:ln>
+            <a:solidFill>
+              <a:schemeClr val="accent6"/>
+            </a:solidFill>
+            <a:tailEnd type="triangle"/>
+          </a:ln>
+        </p:spPr>
+        <p:style>
+          <a:lnRef idx="1">
+            <a:schemeClr val="accent1"/>
+          </a:lnRef>
+          <a:fillRef idx="0">
+            <a:schemeClr val="accent1"/>
+          </a:fillRef>
+          <a:effectRef idx="0">
+            <a:schemeClr val="accent1"/>
+          </a:effectRef>
+          <a:fontRef idx="minor">
+            <a:schemeClr val="tx1"/>
+          </a:fontRef>
+        </p:style>
+      </p:cxnSp>
+      <p:cxnSp>
+        <p:nvCxnSpPr>
+          <p:cNvPr id="28" name="Gewinkelte Verbindung 27"/>
+          <p:cNvCxnSpPr>
+            <a:stCxn id="11" idx="2"/>
+            <a:endCxn id="17" idx="1"/>
+          </p:cNvCxnSpPr>
+          <p:nvPr/>
+        </p:nvCxnSpPr>
+        <p:spPr>
+          <a:xfrm rot="5400000" flipH="1" flipV="1">
+            <a:off x="2829181" y="2100045"/>
+            <a:ext cx="2313175" cy="2663723"/>
+          </a:xfrm>
+          <a:prstGeom prst="bentConnector4">
+            <a:avLst>
+              <a:gd name="adj1" fmla="val -25395"/>
+              <a:gd name="adj2" fmla="val 79857"/>
+            </a:avLst>
+          </a:prstGeom>
+          <a:ln w="9525">
+            <a:solidFill>
+              <a:schemeClr val="tx2"/>
+            </a:solidFill>
+            <a:tailEnd type="triangle"/>
+          </a:ln>
+        </p:spPr>
+        <p:style>
+          <a:lnRef idx="1">
+            <a:schemeClr val="accent1"/>
+          </a:lnRef>
+          <a:fillRef idx="0">
+            <a:schemeClr val="accent1"/>
+          </a:fillRef>
+          <a:effectRef idx="0">
+            <a:schemeClr val="accent1"/>
+          </a:effectRef>
+          <a:fontRef idx="minor">
+            <a:schemeClr val="tx1"/>
+          </a:fontRef>
+        </p:style>
+      </p:cxnSp>
+      <p:sp>
+        <p:nvSpPr>
+          <p:cNvPr id="38" name="Rechteck 37"/>
+          <p:cNvSpPr/>
+          <p:nvPr/>
+        </p:nvSpPr>
+        <p:spPr>
+          <a:xfrm>
+            <a:off x="5440782" y="2333552"/>
+            <a:ext cx="1343683" cy="312959"/>
+          </a:xfrm>
+          <a:prstGeom prst="rect">
+            <a:avLst/>
+          </a:prstGeom>
+          <a:solidFill>
+            <a:schemeClr val="bg1"/>
+          </a:solidFill>
+          <a:ln>
+            <a:solidFill>
+              <a:schemeClr val="accent6"/>
+            </a:solidFill>
+          </a:ln>
+        </p:spPr>
+        <p:style>
+          <a:lnRef idx="2">
+            <a:schemeClr val="accent1">
+              <a:shade val="50000"/>
+            </a:schemeClr>
+          </a:lnRef>
+          <a:fillRef idx="1">
+            <a:schemeClr val="accent1"/>
+          </a:fillRef>
+          <a:effectRef idx="0">
+            <a:schemeClr val="accent1"/>
+          </a:effectRef>
+          <a:fontRef idx="minor">
+            <a:schemeClr val="lt1"/>
+          </a:fontRef>
+        </p:style>
+        <p:txBody>
+          <a:bodyPr rtlCol="0" anchor="ctr"/>
+          <a:lstStyle/>
+          <a:p>
+            <a:pPr algn="ctr"/>
+            <a:r>
+              <a:rPr lang="de-DE" dirty="0">
+                <a:solidFill>
+                  <a:schemeClr val="tx1"/>
+                </a:solidFill>
+              </a:rPr>
+              <a:t>System</a:t>
+            </a:r>
+          </a:p>
+        </p:txBody>
+      </p:sp>
+      <p:sp>
+        <p:nvSpPr>
+          <p:cNvPr id="39" name="Rechteck 38"/>
+          <p:cNvSpPr/>
+          <p:nvPr/>
+        </p:nvSpPr>
+        <p:spPr>
+          <a:xfrm>
+            <a:off x="7024118" y="2333552"/>
+            <a:ext cx="1343683" cy="312959"/>
+          </a:xfrm>
+          <a:prstGeom prst="rect">
+            <a:avLst/>
+          </a:prstGeom>
+          <a:solidFill>
+            <a:schemeClr val="bg1"/>
+          </a:solidFill>
+          <a:ln>
+            <a:solidFill>
+              <a:schemeClr val="accent6"/>
+            </a:solidFill>
+          </a:ln>
+        </p:spPr>
+        <p:style>
+          <a:lnRef idx="2">
+            <a:schemeClr val="accent1">
+              <a:shade val="50000"/>
+            </a:schemeClr>
+          </a:lnRef>
+          <a:fillRef idx="1">
+            <a:schemeClr val="accent1"/>
+          </a:fillRef>
+          <a:effectRef idx="0">
+            <a:schemeClr val="accent1"/>
+          </a:effectRef>
+          <a:fontRef idx="minor">
+            <a:schemeClr val="lt1"/>
+          </a:fontRef>
+        </p:style>
+        <p:txBody>
+          <a:bodyPr rtlCol="0" anchor="ctr"/>
+          <a:lstStyle/>
+          <a:p>
+            <a:pPr algn="ctr"/>
+            <a:r>
+              <a:rPr lang="de-DE" dirty="0">
+                <a:solidFill>
+                  <a:schemeClr val="tx1"/>
+                </a:solidFill>
+              </a:rPr>
+              <a:t>Nutzer</a:t>
+            </a:r>
+          </a:p>
+        </p:txBody>
+      </p:sp>
+      <p:grpSp>
+        <p:nvGrpSpPr>
+          <p:cNvPr id="49" name="Gruppieren 48">
             <a:extLst>
               <a:ext uri="{FF2B5EF4-FFF2-40B4-BE49-F238E27FC236}">
-                <a16:creationId xmlns="" xmlns:a16="http://schemas.microsoft.com/office/drawing/2014/main" id="{64401E1E-557D-5D4F-AE09-187A0802411B}"/>
+                <a16:creationId xmlns:a16="http://schemas.microsoft.com/office/drawing/2014/main" xmlns="" id="{64401E1E-557D-5D4F-AE09-187A0802411B}"/>
               </a:ext>
             </a:extLst>
           </p:cNvPr>
@@ -5438,18 +6085,18 @@
         </p:nvGrpSpPr>
         <p:grpSpPr>
           <a:xfrm>
-            <a:off x="8251399" y="1199304"/>
-            <a:ext cx="3204000" cy="3812073"/>
-            <a:chOff x="1780030" y="1414270"/>
-            <a:chExt cx="3204000" cy="3812073"/>
+            <a:off x="9366536" y="1227061"/>
+            <a:ext cx="2018369" cy="3564857"/>
+            <a:chOff x="1780031" y="1414270"/>
+            <a:chExt cx="1984637" cy="3564857"/>
           </a:xfrm>
         </p:grpSpPr>
         <p:sp>
           <p:nvSpPr>
-            <p:cNvPr id="8" name="Rechteck 7">
+            <p:cNvPr id="50" name="Rechteck 49">
               <a:extLst>
                 <a:ext uri="{FF2B5EF4-FFF2-40B4-BE49-F238E27FC236}">
-                  <a16:creationId xmlns="" xmlns:a16="http://schemas.microsoft.com/office/drawing/2014/main" id="{35A0EAB9-4039-6448-AC03-B60DE38901D0}"/>
+                  <a16:creationId xmlns:a16="http://schemas.microsoft.com/office/drawing/2014/main" xmlns="" id="{35A0EAB9-4039-6448-AC03-B60DE38901D0}"/>
                 </a:ext>
               </a:extLst>
             </p:cNvPr>
@@ -5458,8 +6105,8 @@
           </p:nvSpPr>
           <p:spPr>
             <a:xfrm>
-              <a:off x="1780030" y="1583286"/>
-              <a:ext cx="3204000" cy="3643057"/>
+              <a:off x="1780031" y="1583286"/>
+              <a:ext cx="1984637" cy="3395841"/>
             </a:xfrm>
             <a:prstGeom prst="rect">
               <a:avLst/>
@@ -5492,76 +6139,6 @@
                 <a:buFont typeface="Arial" panose="020B0604020202020204" pitchFamily="34" charset="0"/>
                 <a:buChar char="•"/>
               </a:pPr>
-              <a:r>
-                <a:rPr lang="de-DE" dirty="0">
-                  <a:solidFill>
-                    <a:schemeClr val="tx1"/>
-                  </a:solidFill>
-                </a:rPr>
-                <a:t>Zeitrahmen</a:t>
-              </a:r>
-            </a:p>
-            <a:p>
-              <a:pPr marL="285750" indent="-285750">
-                <a:buFont typeface="Arial" panose="020B0604020202020204" pitchFamily="34" charset="0"/>
-                <a:buChar char="•"/>
-              </a:pPr>
-              <a:r>
-                <a:rPr lang="de-DE" dirty="0">
-                  <a:solidFill>
-                    <a:schemeClr val="tx1"/>
-                  </a:solidFill>
-                </a:rPr>
-                <a:t>Zielgröße</a:t>
-              </a:r>
-            </a:p>
-            <a:p>
-              <a:pPr marL="697230" lvl="1" indent="-285750">
-                <a:buFont typeface="Arial" panose="020B0604020202020204" pitchFamily="34" charset="0"/>
-                <a:buChar char="•"/>
-              </a:pPr>
-              <a:r>
-                <a:rPr lang="de-DE" dirty="0">
-                  <a:solidFill>
-                    <a:schemeClr val="tx1"/>
-                  </a:solidFill>
-                </a:rPr>
-                <a:t>Kosten</a:t>
-              </a:r>
-            </a:p>
-            <a:p>
-              <a:pPr marL="697230" lvl="1" indent="-285750">
-                <a:buFont typeface="Arial" panose="020B0604020202020204" pitchFamily="34" charset="0"/>
-                <a:buChar char="•"/>
-              </a:pPr>
-              <a:r>
-                <a:rPr lang="de-DE" dirty="0">
-                  <a:solidFill>
-                    <a:schemeClr val="tx1"/>
-                  </a:solidFill>
-                </a:rPr>
-                <a:t>Energieverbrauch</a:t>
-              </a:r>
-            </a:p>
-            <a:p>
-              <a:pPr marL="697230" lvl="1" indent="-285750">
-                <a:buFont typeface="Arial" panose="020B0604020202020204" pitchFamily="34" charset="0"/>
-                <a:buChar char="•"/>
-              </a:pPr>
-              <a:r>
-                <a:rPr lang="de-DE" dirty="0">
-                  <a:solidFill>
-                    <a:schemeClr val="tx1"/>
-                  </a:solidFill>
-                </a:rPr>
-                <a:t>Rüstaufwand?</a:t>
-              </a:r>
-            </a:p>
-            <a:p>
-              <a:pPr marL="285750" indent="-285750">
-                <a:buFont typeface="Arial" panose="020B0604020202020204" pitchFamily="34" charset="0"/>
-                <a:buChar char="•"/>
-              </a:pPr>
               <a:endParaRPr lang="de-DE" dirty="0">
                 <a:solidFill>
                   <a:schemeClr val="tx1"/>
@@ -5572,10 +6149,10 @@
         </p:sp>
         <p:sp>
           <p:nvSpPr>
-            <p:cNvPr id="9" name="Rechteck 8">
+            <p:cNvPr id="51" name="Rechteck 50">
               <a:extLst>
                 <a:ext uri="{FF2B5EF4-FFF2-40B4-BE49-F238E27FC236}">
-                  <a16:creationId xmlns="" xmlns:a16="http://schemas.microsoft.com/office/drawing/2014/main" id="{FCCEA108-686B-BB4F-95FB-4BCE5EB529F1}"/>
+                  <a16:creationId xmlns:a16="http://schemas.microsoft.com/office/drawing/2014/main" xmlns="" id="{FCCEA108-686B-BB4F-95FB-4BCE5EB529F1}"/>
                 </a:ext>
               </a:extLst>
             </p:cNvPr>
@@ -5584,8 +6161,8 @@
           </p:nvSpPr>
           <p:spPr>
             <a:xfrm>
-              <a:off x="1977037" y="1414270"/>
-              <a:ext cx="2227067" cy="374853"/>
+              <a:off x="1977038" y="1414270"/>
+              <a:ext cx="1449105" cy="338027"/>
             </a:xfrm>
             <a:prstGeom prst="rect">
               <a:avLst/>
@@ -5623,207 +6200,301 @@
                     <a:schemeClr val="accent4"/>
                   </a:solidFill>
                 </a:rPr>
-                <a:t>Definition des Ziels</a:t>
+                <a:t>Entscheiden</a:t>
               </a:r>
             </a:p>
           </p:txBody>
         </p:sp>
       </p:grpSp>
-      <p:grpSp>
-        <p:nvGrpSpPr>
-          <p:cNvPr id="10" name="Gruppieren 9">
-            <a:extLst>
-              <a:ext uri="{FF2B5EF4-FFF2-40B4-BE49-F238E27FC236}">
-                <a16:creationId xmlns="" xmlns:a16="http://schemas.microsoft.com/office/drawing/2014/main" id="{64401E1E-557D-5D4F-AE09-187A0802411B}"/>
-              </a:ext>
-            </a:extLst>
-          </p:cNvPr>
-          <p:cNvGrpSpPr/>
+      <p:sp>
+        <p:nvSpPr>
+          <p:cNvPr id="58" name="Rechteck 57"/>
+          <p:cNvSpPr/>
           <p:nvPr/>
-        </p:nvGrpSpPr>
-        <p:grpSpPr>
+        </p:nvSpPr>
+        <p:spPr>
           <a:xfrm>
-            <a:off x="4563055" y="1199304"/>
-            <a:ext cx="3204000" cy="3812073"/>
-            <a:chOff x="1780030" y="1414270"/>
-            <a:chExt cx="3204000" cy="3812073"/>
+            <a:off x="9566891" y="1791256"/>
+            <a:ext cx="1614467" cy="567160"/>
           </a:xfrm>
-        </p:grpSpPr>
-        <p:sp>
-          <p:nvSpPr>
-            <p:cNvPr id="11" name="Rechteck 10">
-              <a:extLst>
-                <a:ext uri="{FF2B5EF4-FFF2-40B4-BE49-F238E27FC236}">
-                  <a16:creationId xmlns="" xmlns:a16="http://schemas.microsoft.com/office/drawing/2014/main" id="{35A0EAB9-4039-6448-AC03-B60DE38901D0}"/>
-                </a:ext>
-              </a:extLst>
-            </p:cNvPr>
-            <p:cNvSpPr/>
-            <p:nvPr/>
-          </p:nvSpPr>
-          <p:spPr>
-            <a:xfrm>
-              <a:off x="1780030" y="1583286"/>
-              <a:ext cx="3204000" cy="3643057"/>
-            </a:xfrm>
-            <a:prstGeom prst="rect">
-              <a:avLst/>
-            </a:prstGeom>
+          <a:prstGeom prst="rect">
+            <a:avLst/>
+          </a:prstGeom>
+          <a:solidFill>
+            <a:schemeClr val="bg1"/>
+          </a:solidFill>
+          <a:ln>
             <a:solidFill>
-              <a:schemeClr val="bg1"/>
+              <a:schemeClr val="accent6"/>
             </a:solidFill>
-          </p:spPr>
-          <p:style>
-            <a:lnRef idx="2">
-              <a:schemeClr val="accent1">
-                <a:shade val="50000"/>
-              </a:schemeClr>
-            </a:lnRef>
-            <a:fillRef idx="1">
-              <a:schemeClr val="accent1"/>
-            </a:fillRef>
-            <a:effectRef idx="0">
-              <a:schemeClr val="accent1"/>
-            </a:effectRef>
-            <a:fontRef idx="minor">
-              <a:schemeClr val="lt1"/>
-            </a:fontRef>
-          </p:style>
-          <p:txBody>
-            <a:bodyPr tIns="251999" rtlCol="0" anchor="t"/>
-            <a:lstStyle/>
-            <a:p>
-              <a:pPr marL="285750" indent="-285750">
-                <a:buFont typeface="Arial" panose="020B0604020202020204" pitchFamily="34" charset="0"/>
-                <a:buChar char="•"/>
-              </a:pPr>
-              <a:r>
-                <a:rPr lang="de-DE" dirty="0">
-                  <a:solidFill>
-                    <a:schemeClr val="tx1"/>
-                  </a:solidFill>
-                </a:rPr>
-                <a:t>Beschreibungstext</a:t>
-              </a:r>
-            </a:p>
-            <a:p>
-              <a:pPr marL="285750" indent="-285750">
-                <a:buFont typeface="Arial" panose="020B0604020202020204" pitchFamily="34" charset="0"/>
-                <a:buChar char="•"/>
-              </a:pPr>
-              <a:r>
-                <a:rPr lang="de-DE" dirty="0">
-                  <a:solidFill>
-                    <a:schemeClr val="tx1"/>
-                  </a:solidFill>
-                </a:rPr>
-                <a:t>Markierung des Problemumfangs</a:t>
-              </a:r>
-            </a:p>
-            <a:p>
-              <a:pPr marL="697230" lvl="1" indent="-285750">
-                <a:buFont typeface="Arial" panose="020B0604020202020204" pitchFamily="34" charset="0"/>
-                <a:buChar char="•"/>
-              </a:pPr>
-              <a:r>
-                <a:rPr lang="de-DE" dirty="0">
-                  <a:solidFill>
-                    <a:schemeClr val="tx1"/>
-                  </a:solidFill>
-                </a:rPr>
-                <a:t>Welche Bereiche sind betroffen?</a:t>
-              </a:r>
-            </a:p>
-            <a:p>
-              <a:pPr marL="697230" lvl="1" indent="-285750">
-                <a:buFont typeface="Arial" panose="020B0604020202020204" pitchFamily="34" charset="0"/>
-                <a:buChar char="•"/>
-              </a:pPr>
-              <a:r>
-                <a:rPr lang="de-DE" dirty="0">
-                  <a:solidFill>
-                    <a:schemeClr val="tx1"/>
-                  </a:solidFill>
-                </a:rPr>
-                <a:t>Rezept, Serviceabhängigkeiten, Parameter</a:t>
-              </a:r>
-            </a:p>
-            <a:p>
-              <a:pPr marL="697230" lvl="1" indent="-285750">
-                <a:buFont typeface="Arial" panose="020B0604020202020204" pitchFamily="34" charset="0"/>
-                <a:buChar char="•"/>
-              </a:pPr>
-              <a:endParaRPr lang="de-DE" dirty="0">
+          </a:ln>
+        </p:spPr>
+        <p:style>
+          <a:lnRef idx="2">
+            <a:schemeClr val="accent1">
+              <a:shade val="50000"/>
+            </a:schemeClr>
+          </a:lnRef>
+          <a:fillRef idx="1">
+            <a:schemeClr val="accent1"/>
+          </a:fillRef>
+          <a:effectRef idx="0">
+            <a:schemeClr val="accent1"/>
+          </a:effectRef>
+          <a:fontRef idx="minor">
+            <a:schemeClr val="lt1"/>
+          </a:fontRef>
+        </p:style>
+        <p:txBody>
+          <a:bodyPr rtlCol="0" anchor="ctr"/>
+          <a:lstStyle/>
+          <a:p>
+            <a:pPr algn="ctr"/>
+            <a:r>
+              <a:rPr lang="de-DE" dirty="0">
                 <a:solidFill>
                   <a:schemeClr val="tx1"/>
                 </a:solidFill>
-              </a:endParaRPr>
-            </a:p>
-          </p:txBody>
-        </p:sp>
-        <p:sp>
-          <p:nvSpPr>
-            <p:cNvPr id="12" name="Rechteck 11">
-              <a:extLst>
-                <a:ext uri="{FF2B5EF4-FFF2-40B4-BE49-F238E27FC236}">
-                  <a16:creationId xmlns="" xmlns:a16="http://schemas.microsoft.com/office/drawing/2014/main" id="{FCCEA108-686B-BB4F-95FB-4BCE5EB529F1}"/>
-                </a:ext>
-              </a:extLst>
-            </p:cNvPr>
-            <p:cNvSpPr/>
-            <p:nvPr/>
-          </p:nvSpPr>
-          <p:spPr>
-            <a:xfrm>
-              <a:off x="1977037" y="1414270"/>
-              <a:ext cx="2798206" cy="374853"/>
-            </a:xfrm>
-            <a:prstGeom prst="rect">
-              <a:avLst/>
-            </a:prstGeom>
+              </a:rPr>
+              <a:t>Kriterien festlegen</a:t>
+            </a:r>
+          </a:p>
+        </p:txBody>
+      </p:sp>
+      <p:sp>
+        <p:nvSpPr>
+          <p:cNvPr id="59" name="Rechteck 58"/>
+          <p:cNvSpPr/>
+          <p:nvPr/>
+        </p:nvSpPr>
+        <p:spPr>
+          <a:xfrm>
+            <a:off x="9566891" y="3106778"/>
+            <a:ext cx="1614467" cy="567160"/>
+          </a:xfrm>
+          <a:prstGeom prst="rect">
+            <a:avLst/>
+          </a:prstGeom>
+          <a:solidFill>
+            <a:schemeClr val="bg1"/>
+          </a:solidFill>
+          <a:ln>
             <a:solidFill>
-              <a:schemeClr val="bg1"/>
+              <a:schemeClr val="accent6"/>
             </a:solidFill>
-            <a:ln>
-              <a:noFill/>
-            </a:ln>
-          </p:spPr>
-          <p:style>
-            <a:lnRef idx="2">
-              <a:schemeClr val="accent1">
-                <a:shade val="50000"/>
-              </a:schemeClr>
-            </a:lnRef>
-            <a:fillRef idx="1">
-              <a:schemeClr val="accent1"/>
-            </a:fillRef>
-            <a:effectRef idx="0">
-              <a:schemeClr val="accent1"/>
-            </a:effectRef>
-            <a:fontRef idx="minor">
-              <a:schemeClr val="lt1"/>
-            </a:fontRef>
-          </p:style>
-          <p:txBody>
-            <a:bodyPr rtlCol="0" anchor="ctr"/>
-            <a:lstStyle/>
-            <a:p>
-              <a:r>
-                <a:rPr lang="de-DE" b="1" dirty="0">
-                  <a:solidFill>
-                    <a:schemeClr val="accent4"/>
-                  </a:solidFill>
-                </a:rPr>
-                <a:t>Das Problem beschreiben</a:t>
-              </a:r>
-            </a:p>
-          </p:txBody>
-        </p:sp>
-      </p:grpSp>
+          </a:ln>
+        </p:spPr>
+        <p:style>
+          <a:lnRef idx="2">
+            <a:schemeClr val="accent1">
+              <a:shade val="50000"/>
+            </a:schemeClr>
+          </a:lnRef>
+          <a:fillRef idx="1">
+            <a:schemeClr val="accent1"/>
+          </a:fillRef>
+          <a:effectRef idx="0">
+            <a:schemeClr val="accent1"/>
+          </a:effectRef>
+          <a:fontRef idx="minor">
+            <a:schemeClr val="lt1"/>
+          </a:fontRef>
+        </p:style>
+        <p:txBody>
+          <a:bodyPr rtlCol="0" anchor="ctr"/>
+          <a:lstStyle/>
+          <a:p>
+            <a:pPr algn="ctr"/>
+            <a:r>
+              <a:rPr lang="de-DE" dirty="0">
+                <a:solidFill>
+                  <a:schemeClr val="tx1"/>
+                </a:solidFill>
+              </a:rPr>
+              <a:t>Lösungen filtern</a:t>
+            </a:r>
+          </a:p>
+        </p:txBody>
+      </p:sp>
+      <p:sp>
+        <p:nvSpPr>
+          <p:cNvPr id="60" name="Rechteck 59"/>
+          <p:cNvSpPr/>
+          <p:nvPr/>
+        </p:nvSpPr>
+        <p:spPr>
+          <a:xfrm>
+            <a:off x="9566892" y="4024217"/>
+            <a:ext cx="1614466" cy="567160"/>
+          </a:xfrm>
+          <a:prstGeom prst="rect">
+            <a:avLst/>
+          </a:prstGeom>
+          <a:solidFill>
+            <a:schemeClr val="bg1"/>
+          </a:solidFill>
+          <a:ln>
+            <a:solidFill>
+              <a:schemeClr val="accent6"/>
+            </a:solidFill>
+          </a:ln>
+        </p:spPr>
+        <p:style>
+          <a:lnRef idx="2">
+            <a:schemeClr val="accent1">
+              <a:shade val="50000"/>
+            </a:schemeClr>
+          </a:lnRef>
+          <a:fillRef idx="1">
+            <a:schemeClr val="accent1"/>
+          </a:fillRef>
+          <a:effectRef idx="0">
+            <a:schemeClr val="accent1"/>
+          </a:effectRef>
+          <a:fontRef idx="minor">
+            <a:schemeClr val="lt1"/>
+          </a:fontRef>
+        </p:style>
+        <p:txBody>
+          <a:bodyPr rtlCol="0" anchor="ctr"/>
+          <a:lstStyle/>
+          <a:p>
+            <a:pPr algn="ctr"/>
+            <a:r>
+              <a:rPr lang="de-DE" dirty="0">
+                <a:solidFill>
+                  <a:schemeClr val="tx1"/>
+                </a:solidFill>
+              </a:rPr>
+              <a:t>Lösung auswählen</a:t>
+            </a:r>
+          </a:p>
+        </p:txBody>
+      </p:sp>
+      <p:cxnSp>
+        <p:nvCxnSpPr>
+          <p:cNvPr id="46" name="Gerade Verbindung mit Pfeil 45"/>
+          <p:cNvCxnSpPr>
+            <a:stCxn id="58" idx="2"/>
+            <a:endCxn id="59" idx="0"/>
+          </p:cNvCxnSpPr>
+          <p:nvPr/>
+        </p:nvCxnSpPr>
+        <p:spPr>
+          <a:xfrm>
+            <a:off x="10374125" y="2358416"/>
+            <a:ext cx="0" cy="748362"/>
+          </a:xfrm>
+          <a:prstGeom prst="straightConnector1">
+            <a:avLst/>
+          </a:prstGeom>
+          <a:ln>
+            <a:solidFill>
+              <a:schemeClr val="accent6"/>
+            </a:solidFill>
+            <a:tailEnd type="triangle"/>
+          </a:ln>
+        </p:spPr>
+        <p:style>
+          <a:lnRef idx="1">
+            <a:schemeClr val="accent1"/>
+          </a:lnRef>
+          <a:fillRef idx="0">
+            <a:schemeClr val="accent1"/>
+          </a:fillRef>
+          <a:effectRef idx="0">
+            <a:schemeClr val="accent1"/>
+          </a:effectRef>
+          <a:fontRef idx="minor">
+            <a:schemeClr val="tx1"/>
+          </a:fontRef>
+        </p:style>
+      </p:cxnSp>
+      <p:cxnSp>
+        <p:nvCxnSpPr>
+          <p:cNvPr id="52" name="Gerade Verbindung mit Pfeil 51"/>
+          <p:cNvCxnSpPr>
+            <a:stCxn id="59" idx="2"/>
+            <a:endCxn id="60" idx="0"/>
+          </p:cNvCxnSpPr>
+          <p:nvPr/>
+        </p:nvCxnSpPr>
+        <p:spPr>
+          <a:xfrm>
+            <a:off x="10374125" y="3673938"/>
+            <a:ext cx="0" cy="350279"/>
+          </a:xfrm>
+          <a:prstGeom prst="straightConnector1">
+            <a:avLst/>
+          </a:prstGeom>
+          <a:ln>
+            <a:solidFill>
+              <a:schemeClr val="accent6"/>
+            </a:solidFill>
+            <a:tailEnd type="triangle"/>
+          </a:ln>
+        </p:spPr>
+        <p:style>
+          <a:lnRef idx="1">
+            <a:schemeClr val="accent1"/>
+          </a:lnRef>
+          <a:fillRef idx="0">
+            <a:schemeClr val="accent1"/>
+          </a:fillRef>
+          <a:effectRef idx="0">
+            <a:schemeClr val="accent1"/>
+          </a:effectRef>
+          <a:fontRef idx="minor">
+            <a:schemeClr val="tx1"/>
+          </a:fontRef>
+        </p:style>
+      </p:cxnSp>
+      <p:cxnSp>
+        <p:nvCxnSpPr>
+          <p:cNvPr id="53" name="Gewinkelte Verbindung 52"/>
+          <p:cNvCxnSpPr>
+            <a:stCxn id="20" idx="2"/>
+            <a:endCxn id="58" idx="1"/>
+          </p:cNvCxnSpPr>
+          <p:nvPr/>
+        </p:nvCxnSpPr>
+        <p:spPr>
+          <a:xfrm rot="5400000" flipH="1" flipV="1">
+            <a:off x="6980743" y="2002346"/>
+            <a:ext cx="2513658" cy="2658638"/>
+          </a:xfrm>
+          <a:prstGeom prst="bentConnector4">
+            <a:avLst>
+              <a:gd name="adj1" fmla="val -23830"/>
+              <a:gd name="adj2" fmla="val 79914"/>
+            </a:avLst>
+          </a:prstGeom>
+          <a:ln w="9525">
+            <a:solidFill>
+              <a:schemeClr val="tx2"/>
+            </a:solidFill>
+            <a:tailEnd type="triangle"/>
+          </a:ln>
+        </p:spPr>
+        <p:style>
+          <a:lnRef idx="1">
+            <a:schemeClr val="accent1"/>
+          </a:lnRef>
+          <a:fillRef idx="0">
+            <a:schemeClr val="accent1"/>
+          </a:fillRef>
+          <a:effectRef idx="0">
+            <a:schemeClr val="accent1"/>
+          </a:effectRef>
+          <a:fontRef idx="minor">
+            <a:schemeClr val="tx1"/>
+          </a:fontRef>
+        </p:style>
+      </p:cxnSp>
     </p:spTree>
     <p:extLst>
       <p:ext uri="{BB962C8B-B14F-4D97-AF65-F5344CB8AC3E}">
-        <p14:creationId xmlns:p14="http://schemas.microsoft.com/office/powerpoint/2010/main" val="3510894736"/>
+        <p14:creationId xmlns:p14="http://schemas.microsoft.com/office/powerpoint/2010/main" val="1188044575"/>
       </p:ext>
     </p:extLst>
   </p:cSld>
@@ -5867,7 +6538,7 @@
           <a:p>
             <a:r>
               <a:rPr lang="de-DE" dirty="0"/>
-              <a:t>Problemlösung</a:t>
+              <a:t>Problemidentifikation</a:t>
             </a:r>
           </a:p>
         </p:txBody>
@@ -5877,7 +6548,7 @@
           <p:cNvPr id="4" name="Gruppieren 3">
             <a:extLst>
               <a:ext uri="{FF2B5EF4-FFF2-40B4-BE49-F238E27FC236}">
-                <a16:creationId xmlns="" xmlns:a16="http://schemas.microsoft.com/office/drawing/2014/main" id="{64401E1E-557D-5D4F-AE09-187A0802411B}"/>
+                <a16:creationId xmlns:a16="http://schemas.microsoft.com/office/drawing/2014/main" xmlns="" id="{64401E1E-557D-5D4F-AE09-187A0802411B}"/>
               </a:ext>
             </a:extLst>
           </p:cNvPr>
@@ -5897,7 +6568,7 @@
             <p:cNvPr id="5" name="Rechteck 4">
               <a:extLst>
                 <a:ext uri="{FF2B5EF4-FFF2-40B4-BE49-F238E27FC236}">
-                  <a16:creationId xmlns="" xmlns:a16="http://schemas.microsoft.com/office/drawing/2014/main" id="{35A0EAB9-4039-6448-AC03-B60DE38901D0}"/>
+                  <a16:creationId xmlns:a16="http://schemas.microsoft.com/office/drawing/2014/main" xmlns="" id="{35A0EAB9-4039-6448-AC03-B60DE38901D0}"/>
                 </a:ext>
               </a:extLst>
             </p:cNvPr>
@@ -5946,7 +6617,7 @@
                     <a:schemeClr val="tx1"/>
                   </a:solidFill>
                 </a:rPr>
-                <a:t>Was verändert sich?</a:t>
+                <a:t>Verschaltung der Module</a:t>
               </a:r>
             </a:p>
             <a:p>
@@ -5960,7 +6631,63 @@
                     <a:schemeClr val="tx1"/>
                   </a:solidFill>
                 </a:rPr>
-                <a:t>Module sind in Datenbank hinterlegt (z.B.) -&gt; DA Jan</a:t>
+                <a:t>Aktuelles Rezept</a:t>
+              </a:r>
+            </a:p>
+            <a:p>
+              <a:pPr marL="285750" indent="-285750">
+                <a:buFont typeface="Arial" panose="020B0604020202020204" pitchFamily="34" charset="0"/>
+                <a:buChar char="•"/>
+              </a:pPr>
+              <a:r>
+                <a:rPr lang="de-DE" dirty="0">
+                  <a:solidFill>
+                    <a:schemeClr val="tx1"/>
+                  </a:solidFill>
+                </a:rPr>
+                <a:t>Zustand der Services</a:t>
+              </a:r>
+            </a:p>
+            <a:p>
+              <a:pPr marL="285750" indent="-285750">
+                <a:buFont typeface="Arial" panose="020B0604020202020204" pitchFamily="34" charset="0"/>
+                <a:buChar char="•"/>
+              </a:pPr>
+              <a:r>
+                <a:rPr lang="de-DE" dirty="0">
+                  <a:solidFill>
+                    <a:schemeClr val="tx1"/>
+                  </a:solidFill>
+                </a:rPr>
+                <a:t>Übersicht über KPIs</a:t>
+              </a:r>
+            </a:p>
+            <a:p>
+              <a:pPr marL="697230" lvl="1" indent="-285750">
+                <a:buFont typeface="Arial" panose="020B0604020202020204" pitchFamily="34" charset="0"/>
+                <a:buChar char="•"/>
+              </a:pPr>
+              <a:r>
+                <a:rPr lang="de-DE" dirty="0">
+                  <a:solidFill>
+                    <a:schemeClr val="tx1"/>
+                  </a:solidFill>
+                </a:rPr>
+                <a:t>z.B. Energieverbrauch</a:t>
+              </a:r>
+            </a:p>
+            <a:p>
+              <a:pPr marL="285750" indent="-285750">
+                <a:buFont typeface="Arial" panose="020B0604020202020204" pitchFamily="34" charset="0"/>
+                <a:buChar char="•"/>
+              </a:pPr>
+              <a:r>
+                <a:rPr lang="de-DE" dirty="0">
+                  <a:solidFill>
+                    <a:schemeClr val="tx1"/>
+                  </a:solidFill>
+                </a:rPr>
+                <a:t>Aktuelle Meldungen, Warnungen und Alarme</a:t>
               </a:r>
             </a:p>
             <a:p>
@@ -5974,6 +6701,70 @@
                 </a:solidFill>
               </a:endParaRPr>
             </a:p>
+            <a:p>
+              <a:pPr marL="285750" indent="-285750">
+                <a:buFont typeface="Arial" panose="020B0604020202020204" pitchFamily="34" charset="0"/>
+                <a:buChar char="•"/>
+              </a:pPr>
+              <a:r>
+                <a:rPr lang="de-DE" dirty="0">
+                  <a:solidFill>
+                    <a:schemeClr val="tx1"/>
+                  </a:solidFill>
+                </a:rPr>
+                <a:t>Personalauslastung</a:t>
+              </a:r>
+            </a:p>
+            <a:p>
+              <a:pPr marL="285750" indent="-285750">
+                <a:buFont typeface="Arial" panose="020B0604020202020204" pitchFamily="34" charset="0"/>
+                <a:buChar char="•"/>
+              </a:pPr>
+              <a:r>
+                <a:rPr lang="de-DE" dirty="0">
+                  <a:solidFill>
+                    <a:schemeClr val="tx1"/>
+                  </a:solidFill>
+                </a:rPr>
+                <a:t>Auslastung der Anlage</a:t>
+              </a:r>
+            </a:p>
+            <a:p>
+              <a:pPr marL="285750" indent="-285750">
+                <a:buFont typeface="Arial" panose="020B0604020202020204" pitchFamily="34" charset="0"/>
+                <a:buChar char="•"/>
+              </a:pPr>
+              <a:r>
+                <a:rPr lang="de-DE" dirty="0">
+                  <a:solidFill>
+                    <a:schemeClr val="tx1"/>
+                  </a:solidFill>
+                </a:rPr>
+                <a:t>Aktuelle Produktionskennzahlen</a:t>
+              </a:r>
+            </a:p>
+            <a:p>
+              <a:pPr marL="285750" indent="-285750">
+                <a:buFont typeface="Arial" panose="020B0604020202020204" pitchFamily="34" charset="0"/>
+                <a:buChar char="•"/>
+              </a:pPr>
+              <a:endParaRPr lang="de-DE" dirty="0">
+                <a:solidFill>
+                  <a:schemeClr val="tx1"/>
+                </a:solidFill>
+              </a:endParaRPr>
+            </a:p>
+            <a:p>
+              <a:pPr marL="285750" indent="-285750">
+                <a:buFont typeface="Arial" panose="020B0604020202020204" pitchFamily="34" charset="0"/>
+                <a:buChar char="•"/>
+              </a:pPr>
+              <a:endParaRPr lang="de-DE" dirty="0">
+                <a:solidFill>
+                  <a:schemeClr val="tx1"/>
+                </a:solidFill>
+              </a:endParaRPr>
+            </a:p>
           </p:txBody>
         </p:sp>
         <p:sp>
@@ -5981,7 +6772,7 @@
             <p:cNvPr id="6" name="Rechteck 5">
               <a:extLst>
                 <a:ext uri="{FF2B5EF4-FFF2-40B4-BE49-F238E27FC236}">
-                  <a16:creationId xmlns="" xmlns:a16="http://schemas.microsoft.com/office/drawing/2014/main" id="{FCCEA108-686B-BB4F-95FB-4BCE5EB529F1}"/>
+                  <a16:creationId xmlns:a16="http://schemas.microsoft.com/office/drawing/2014/main" xmlns="" id="{FCCEA108-686B-BB4F-95FB-4BCE5EB529F1}"/>
                 </a:ext>
               </a:extLst>
             </p:cNvPr>
@@ -5991,7 +6782,7 @@
           <p:spPr>
             <a:xfrm>
               <a:off x="1977038" y="1414270"/>
-              <a:ext cx="2504858" cy="374853"/>
+              <a:ext cx="1937700" cy="374853"/>
             </a:xfrm>
             <a:prstGeom prst="rect">
               <a:avLst/>
@@ -6029,7 +6820,7 @@
                     <a:schemeClr val="accent4"/>
                   </a:solidFill>
                 </a:rPr>
-                <a:t>Lösungen vorschlagen</a:t>
+                <a:t>Aktueller Status</a:t>
               </a:r>
             </a:p>
           </p:txBody>
@@ -6040,7 +6831,7 @@
           <p:cNvPr id="7" name="Gruppieren 6">
             <a:extLst>
               <a:ext uri="{FF2B5EF4-FFF2-40B4-BE49-F238E27FC236}">
-                <a16:creationId xmlns="" xmlns:a16="http://schemas.microsoft.com/office/drawing/2014/main" id="{64401E1E-557D-5D4F-AE09-187A0802411B}"/>
+                <a16:creationId xmlns:a16="http://schemas.microsoft.com/office/drawing/2014/main" xmlns="" id="{64401E1E-557D-5D4F-AE09-187A0802411B}"/>
               </a:ext>
             </a:extLst>
           </p:cNvPr>
@@ -6060,7 +6851,7 @@
             <p:cNvPr id="8" name="Rechteck 7">
               <a:extLst>
                 <a:ext uri="{FF2B5EF4-FFF2-40B4-BE49-F238E27FC236}">
-                  <a16:creationId xmlns="" xmlns:a16="http://schemas.microsoft.com/office/drawing/2014/main" id="{35A0EAB9-4039-6448-AC03-B60DE38901D0}"/>
+                  <a16:creationId xmlns:a16="http://schemas.microsoft.com/office/drawing/2014/main" xmlns="" id="{35A0EAB9-4039-6448-AC03-B60DE38901D0}"/>
                 </a:ext>
               </a:extLst>
             </p:cNvPr>
@@ -6109,7 +6900,7 @@
                     <a:schemeClr val="tx1"/>
                   </a:solidFill>
                 </a:rPr>
-                <a:t>Kosten</a:t>
+                <a:t>Zeitrahmen</a:t>
               </a:r>
             </a:p>
             <a:p>
@@ -6123,7 +6914,49 @@
                     <a:schemeClr val="tx1"/>
                   </a:solidFill>
                 </a:rPr>
-                <a:t>Rüstaufwand: Wie viel muss im Rezept geändert werden?</a:t>
+                <a:t>Zielgröße</a:t>
+              </a:r>
+            </a:p>
+            <a:p>
+              <a:pPr marL="697230" lvl="1" indent="-285750">
+                <a:buFont typeface="Arial" panose="020B0604020202020204" pitchFamily="34" charset="0"/>
+                <a:buChar char="•"/>
+              </a:pPr>
+              <a:r>
+                <a:rPr lang="de-DE" dirty="0">
+                  <a:solidFill>
+                    <a:schemeClr val="tx1"/>
+                  </a:solidFill>
+                </a:rPr>
+                <a:t>Kosten</a:t>
+              </a:r>
+            </a:p>
+            <a:p>
+              <a:pPr marL="697230" lvl="1" indent="-285750">
+                <a:buFont typeface="Arial" panose="020B0604020202020204" pitchFamily="34" charset="0"/>
+                <a:buChar char="•"/>
+              </a:pPr>
+              <a:r>
+                <a:rPr lang="de-DE" dirty="0">
+                  <a:solidFill>
+                    <a:schemeClr val="tx1"/>
+                  </a:solidFill>
+                </a:rPr>
+                <a:t>Energieverbrauch</a:t>
+              </a:r>
+            </a:p>
+            <a:p>
+              <a:pPr marL="697230" lvl="1" indent="-285750">
+                <a:buFont typeface="Arial" panose="020B0604020202020204" pitchFamily="34" charset="0"/>
+                <a:buChar char="•"/>
+              </a:pPr>
+              <a:r>
+                <a:rPr lang="de-DE" dirty="0">
+                  <a:solidFill>
+                    <a:schemeClr val="tx1"/>
+                  </a:solidFill>
+                </a:rPr>
+                <a:t>Rüstaufwand?</a:t>
               </a:r>
             </a:p>
             <a:p>
@@ -6137,17 +6970,6 @@
                 </a:solidFill>
               </a:endParaRPr>
             </a:p>
-            <a:p>
-              <a:pPr marL="285750" indent="-285750">
-                <a:buFont typeface="Arial" panose="020B0604020202020204" pitchFamily="34" charset="0"/>
-                <a:buChar char="•"/>
-              </a:pPr>
-              <a:endParaRPr lang="de-DE" dirty="0">
-                <a:solidFill>
-                  <a:schemeClr val="tx1"/>
-                </a:solidFill>
-              </a:endParaRPr>
-            </a:p>
           </p:txBody>
         </p:sp>
         <p:sp>
@@ -6155,7 +6977,7 @@
             <p:cNvPr id="9" name="Rechteck 8">
               <a:extLst>
                 <a:ext uri="{FF2B5EF4-FFF2-40B4-BE49-F238E27FC236}">
-                  <a16:creationId xmlns="" xmlns:a16="http://schemas.microsoft.com/office/drawing/2014/main" id="{FCCEA108-686B-BB4F-95FB-4BCE5EB529F1}"/>
+                  <a16:creationId xmlns:a16="http://schemas.microsoft.com/office/drawing/2014/main" xmlns="" id="{FCCEA108-686B-BB4F-95FB-4BCE5EB529F1}"/>
                 </a:ext>
               </a:extLst>
             </p:cNvPr>
@@ -6203,7 +7025,7 @@
                     <a:schemeClr val="accent4"/>
                   </a:solidFill>
                 </a:rPr>
-                <a:t>Lösungen bewerten</a:t>
+                <a:t>Definition des Ziels</a:t>
               </a:r>
             </a:p>
           </p:txBody>
@@ -6214,7 +7036,7 @@
           <p:cNvPr id="10" name="Gruppieren 9">
             <a:extLst>
               <a:ext uri="{FF2B5EF4-FFF2-40B4-BE49-F238E27FC236}">
-                <a16:creationId xmlns="" xmlns:a16="http://schemas.microsoft.com/office/drawing/2014/main" id="{64401E1E-557D-5D4F-AE09-187A0802411B}"/>
+                <a16:creationId xmlns:a16="http://schemas.microsoft.com/office/drawing/2014/main" xmlns="" id="{64401E1E-557D-5D4F-AE09-187A0802411B}"/>
               </a:ext>
             </a:extLst>
           </p:cNvPr>
@@ -6234,7 +7056,7 @@
             <p:cNvPr id="11" name="Rechteck 10">
               <a:extLst>
                 <a:ext uri="{FF2B5EF4-FFF2-40B4-BE49-F238E27FC236}">
-                  <a16:creationId xmlns="" xmlns:a16="http://schemas.microsoft.com/office/drawing/2014/main" id="{35A0EAB9-4039-6448-AC03-B60DE38901D0}"/>
+                  <a16:creationId xmlns:a16="http://schemas.microsoft.com/office/drawing/2014/main" xmlns="" id="{35A0EAB9-4039-6448-AC03-B60DE38901D0}"/>
                 </a:ext>
               </a:extLst>
             </p:cNvPr>
@@ -6283,7 +7105,21 @@
                     <a:schemeClr val="tx1"/>
                   </a:solidFill>
                 </a:rPr>
-                <a:t>Unterschiede darstellen</a:t>
+                <a:t>Beschreibungstext</a:t>
+              </a:r>
+            </a:p>
+            <a:p>
+              <a:pPr marL="285750" indent="-285750">
+                <a:buFont typeface="Arial" panose="020B0604020202020204" pitchFamily="34" charset="0"/>
+                <a:buChar char="•"/>
+              </a:pPr>
+              <a:r>
+                <a:rPr lang="de-DE" dirty="0">
+                  <a:solidFill>
+                    <a:schemeClr val="tx1"/>
+                  </a:solidFill>
+                </a:rPr>
+                <a:t>Markierung des Problemumfangs</a:t>
               </a:r>
             </a:p>
             <a:p>
@@ -6297,7 +7133,7 @@
                     <a:schemeClr val="tx1"/>
                   </a:solidFill>
                 </a:rPr>
-                <a:t>Menge an Anpassungen im Rezept</a:t>
+                <a:t>Welche Bereiche sind betroffen?</a:t>
               </a:r>
             </a:p>
             <a:p>
@@ -6306,66 +7142,16 @@
                 <a:buChar char="•"/>
               </a:pPr>
               <a:r>
-                <a:rPr lang="de-DE" dirty="0" err="1">
+                <a:rPr lang="de-DE" dirty="0">
                   <a:solidFill>
                     <a:schemeClr val="tx1"/>
                   </a:solidFill>
                 </a:rPr>
-                <a:t>Abmaße</a:t>
-              </a:r>
-              <a:r>
-                <a:rPr lang="de-DE" dirty="0">
-                  <a:solidFill>
-                    <a:schemeClr val="tx1"/>
-                  </a:solidFill>
-                </a:rPr>
-                <a:t> der Module</a:t>
+                <a:t>Rezept, Serviceabhängigkeiten, Parameter</a:t>
               </a:r>
             </a:p>
             <a:p>
               <a:pPr marL="697230" lvl="1" indent="-285750">
-                <a:buFont typeface="Arial" panose="020B0604020202020204" pitchFamily="34" charset="0"/>
-                <a:buChar char="•"/>
-              </a:pPr>
-              <a:r>
-                <a:rPr lang="de-DE" dirty="0">
-                  <a:solidFill>
-                    <a:schemeClr val="tx1"/>
-                  </a:solidFill>
-                </a:rPr>
-                <a:t>Kennzahlen</a:t>
-              </a:r>
-            </a:p>
-            <a:p>
-              <a:pPr marL="1108710" lvl="2" indent="-285750">
-                <a:buFont typeface="Arial" panose="020B0604020202020204" pitchFamily="34" charset="0"/>
-                <a:buChar char="•"/>
-              </a:pPr>
-              <a:r>
-                <a:rPr lang="de-DE" dirty="0">
-                  <a:solidFill>
-                    <a:schemeClr val="tx1"/>
-                  </a:solidFill>
-                </a:rPr>
-                <a:t>Energieverbrauch</a:t>
-              </a:r>
-            </a:p>
-            <a:p>
-              <a:pPr marL="1108710" lvl="2" indent="-285750">
-                <a:buFont typeface="Arial" panose="020B0604020202020204" pitchFamily="34" charset="0"/>
-                <a:buChar char="•"/>
-              </a:pPr>
-              <a:r>
-                <a:rPr lang="de-DE" dirty="0">
-                  <a:solidFill>
-                    <a:schemeClr val="tx1"/>
-                  </a:solidFill>
-                </a:rPr>
-                <a:t>Kosten</a:t>
-              </a:r>
-            </a:p>
-            <a:p>
-              <a:pPr marL="285750" indent="-285750">
                 <a:buFont typeface="Arial" panose="020B0604020202020204" pitchFamily="34" charset="0"/>
                 <a:buChar char="•"/>
               </a:pPr>
@@ -6375,13 +7161,6 @@
                 </a:solidFill>
               </a:endParaRPr>
             </a:p>
-            <a:p>
-              <a:endParaRPr lang="de-DE" dirty="0">
-                <a:solidFill>
-                  <a:schemeClr val="tx1"/>
-                </a:solidFill>
-              </a:endParaRPr>
-            </a:p>
           </p:txBody>
         </p:sp>
         <p:sp>
@@ -6389,7 +7168,7 @@
             <p:cNvPr id="12" name="Rechteck 11">
               <a:extLst>
                 <a:ext uri="{FF2B5EF4-FFF2-40B4-BE49-F238E27FC236}">
-                  <a16:creationId xmlns="" xmlns:a16="http://schemas.microsoft.com/office/drawing/2014/main" id="{FCCEA108-686B-BB4F-95FB-4BCE5EB529F1}"/>
+                  <a16:creationId xmlns:a16="http://schemas.microsoft.com/office/drawing/2014/main" xmlns="" id="{FCCEA108-686B-BB4F-95FB-4BCE5EB529F1}"/>
                 </a:ext>
               </a:extLst>
             </p:cNvPr>
@@ -6399,7 +7178,7 @@
           <p:spPr>
             <a:xfrm>
               <a:off x="1977037" y="1414270"/>
-              <a:ext cx="2450966" cy="374853"/>
+              <a:ext cx="2798206" cy="374853"/>
             </a:xfrm>
             <a:prstGeom prst="rect">
               <a:avLst/>
@@ -6437,7 +7216,7 @@
                     <a:schemeClr val="accent4"/>
                   </a:solidFill>
                 </a:rPr>
-                <a:t>Lösungen vergleichen</a:t>
+                <a:t>Das Problem beschreiben</a:t>
               </a:r>
             </a:p>
           </p:txBody>
@@ -6446,7 +7225,7 @@
     </p:spTree>
     <p:extLst>
       <p:ext uri="{BB962C8B-B14F-4D97-AF65-F5344CB8AC3E}">
-        <p14:creationId xmlns:p14="http://schemas.microsoft.com/office/powerpoint/2010/main" val="3165348393"/>
+        <p14:creationId xmlns:p14="http://schemas.microsoft.com/office/powerpoint/2010/main" val="3510894736"/>
       </p:ext>
     </p:extLst>
   </p:cSld>
@@ -6490,7 +7269,7 @@
           <a:p>
             <a:r>
               <a:rPr lang="de-DE" dirty="0"/>
-              <a:t>Entscheiden</a:t>
+              <a:t>Problemlösung</a:t>
             </a:r>
           </a:p>
         </p:txBody>
@@ -6500,7 +7279,7 @@
           <p:cNvPr id="4" name="Gruppieren 3">
             <a:extLst>
               <a:ext uri="{FF2B5EF4-FFF2-40B4-BE49-F238E27FC236}">
-                <a16:creationId xmlns="" xmlns:a16="http://schemas.microsoft.com/office/drawing/2014/main" id="{64401E1E-557D-5D4F-AE09-187A0802411B}"/>
+                <a16:creationId xmlns:a16="http://schemas.microsoft.com/office/drawing/2014/main" xmlns="" id="{64401E1E-557D-5D4F-AE09-187A0802411B}"/>
               </a:ext>
             </a:extLst>
           </p:cNvPr>
@@ -6520,7 +7299,7 @@
             <p:cNvPr id="5" name="Rechteck 4">
               <a:extLst>
                 <a:ext uri="{FF2B5EF4-FFF2-40B4-BE49-F238E27FC236}">
-                  <a16:creationId xmlns="" xmlns:a16="http://schemas.microsoft.com/office/drawing/2014/main" id="{35A0EAB9-4039-6448-AC03-B60DE38901D0}"/>
+                  <a16:creationId xmlns:a16="http://schemas.microsoft.com/office/drawing/2014/main" xmlns="" id="{35A0EAB9-4039-6448-AC03-B60DE38901D0}"/>
                 </a:ext>
               </a:extLst>
             </p:cNvPr>
@@ -6569,7 +7348,7 @@
                     <a:schemeClr val="tx1"/>
                   </a:solidFill>
                 </a:rPr>
-                <a:t>Kosten</a:t>
+                <a:t>Was verändert sich?</a:t>
               </a:r>
             </a:p>
             <a:p>
@@ -6583,35 +7362,7 @@
                     <a:schemeClr val="tx1"/>
                   </a:solidFill>
                 </a:rPr>
-                <a:t>Zeitaufwand der Problemlösung</a:t>
-              </a:r>
-            </a:p>
-            <a:p>
-              <a:pPr marL="285750" indent="-285750">
-                <a:buFont typeface="Arial" panose="020B0604020202020204" pitchFamily="34" charset="0"/>
-                <a:buChar char="•"/>
-              </a:pPr>
-              <a:r>
-                <a:rPr lang="de-DE" dirty="0">
-                  <a:solidFill>
-                    <a:schemeClr val="tx1"/>
-                  </a:solidFill>
-                </a:rPr>
-                <a:t>Energieverbrauch des Moduls</a:t>
-              </a:r>
-            </a:p>
-            <a:p>
-              <a:pPr marL="285750" indent="-285750">
-                <a:buFont typeface="Arial" panose="020B0604020202020204" pitchFamily="34" charset="0"/>
-                <a:buChar char="•"/>
-              </a:pPr>
-              <a:r>
-                <a:rPr lang="de-DE" dirty="0">
-                  <a:solidFill>
-                    <a:schemeClr val="tx1"/>
-                  </a:solidFill>
-                </a:rPr>
-                <a:t> </a:t>
+                <a:t>Module sind in Datenbank hinterlegt (z.B.) -&gt; DA Jan</a:t>
               </a:r>
             </a:p>
             <a:p>
@@ -6632,7 +7383,658 @@
             <p:cNvPr id="6" name="Rechteck 5">
               <a:extLst>
                 <a:ext uri="{FF2B5EF4-FFF2-40B4-BE49-F238E27FC236}">
-                  <a16:creationId xmlns="" xmlns:a16="http://schemas.microsoft.com/office/drawing/2014/main" id="{FCCEA108-686B-BB4F-95FB-4BCE5EB529F1}"/>
+                  <a16:creationId xmlns:a16="http://schemas.microsoft.com/office/drawing/2014/main" xmlns="" id="{FCCEA108-686B-BB4F-95FB-4BCE5EB529F1}"/>
+                </a:ext>
+              </a:extLst>
+            </p:cNvPr>
+            <p:cNvSpPr/>
+            <p:nvPr/>
+          </p:nvSpPr>
+          <p:spPr>
+            <a:xfrm>
+              <a:off x="1977038" y="1414270"/>
+              <a:ext cx="2504858" cy="374853"/>
+            </a:xfrm>
+            <a:prstGeom prst="rect">
+              <a:avLst/>
+            </a:prstGeom>
+            <a:solidFill>
+              <a:schemeClr val="bg1"/>
+            </a:solidFill>
+            <a:ln>
+              <a:noFill/>
+            </a:ln>
+          </p:spPr>
+          <p:style>
+            <a:lnRef idx="2">
+              <a:schemeClr val="accent1">
+                <a:shade val="50000"/>
+              </a:schemeClr>
+            </a:lnRef>
+            <a:fillRef idx="1">
+              <a:schemeClr val="accent1"/>
+            </a:fillRef>
+            <a:effectRef idx="0">
+              <a:schemeClr val="accent1"/>
+            </a:effectRef>
+            <a:fontRef idx="minor">
+              <a:schemeClr val="lt1"/>
+            </a:fontRef>
+          </p:style>
+          <p:txBody>
+            <a:bodyPr rtlCol="0" anchor="ctr"/>
+            <a:lstStyle/>
+            <a:p>
+              <a:r>
+                <a:rPr lang="de-DE" b="1" dirty="0">
+                  <a:solidFill>
+                    <a:schemeClr val="accent4"/>
+                  </a:solidFill>
+                </a:rPr>
+                <a:t>Lösungen vorschlagen</a:t>
+              </a:r>
+            </a:p>
+          </p:txBody>
+        </p:sp>
+      </p:grpSp>
+      <p:grpSp>
+        <p:nvGrpSpPr>
+          <p:cNvPr id="7" name="Gruppieren 6">
+            <a:extLst>
+              <a:ext uri="{FF2B5EF4-FFF2-40B4-BE49-F238E27FC236}">
+                <a16:creationId xmlns:a16="http://schemas.microsoft.com/office/drawing/2014/main" xmlns="" id="{64401E1E-557D-5D4F-AE09-187A0802411B}"/>
+              </a:ext>
+            </a:extLst>
+          </p:cNvPr>
+          <p:cNvGrpSpPr/>
+          <p:nvPr/>
+        </p:nvGrpSpPr>
+        <p:grpSpPr>
+          <a:xfrm>
+            <a:off x="8251399" y="1199304"/>
+            <a:ext cx="3204000" cy="3812073"/>
+            <a:chOff x="1780030" y="1414270"/>
+            <a:chExt cx="3204000" cy="3812073"/>
+          </a:xfrm>
+        </p:grpSpPr>
+        <p:sp>
+          <p:nvSpPr>
+            <p:cNvPr id="8" name="Rechteck 7">
+              <a:extLst>
+                <a:ext uri="{FF2B5EF4-FFF2-40B4-BE49-F238E27FC236}">
+                  <a16:creationId xmlns:a16="http://schemas.microsoft.com/office/drawing/2014/main" xmlns="" id="{35A0EAB9-4039-6448-AC03-B60DE38901D0}"/>
+                </a:ext>
+              </a:extLst>
+            </p:cNvPr>
+            <p:cNvSpPr/>
+            <p:nvPr/>
+          </p:nvSpPr>
+          <p:spPr>
+            <a:xfrm>
+              <a:off x="1780030" y="1583286"/>
+              <a:ext cx="3204000" cy="3643057"/>
+            </a:xfrm>
+            <a:prstGeom prst="rect">
+              <a:avLst/>
+            </a:prstGeom>
+            <a:solidFill>
+              <a:schemeClr val="bg1"/>
+            </a:solidFill>
+          </p:spPr>
+          <p:style>
+            <a:lnRef idx="2">
+              <a:schemeClr val="accent1">
+                <a:shade val="50000"/>
+              </a:schemeClr>
+            </a:lnRef>
+            <a:fillRef idx="1">
+              <a:schemeClr val="accent1"/>
+            </a:fillRef>
+            <a:effectRef idx="0">
+              <a:schemeClr val="accent1"/>
+            </a:effectRef>
+            <a:fontRef idx="minor">
+              <a:schemeClr val="lt1"/>
+            </a:fontRef>
+          </p:style>
+          <p:txBody>
+            <a:bodyPr tIns="251999" rtlCol="0" anchor="t"/>
+            <a:lstStyle/>
+            <a:p>
+              <a:pPr marL="285750" indent="-285750">
+                <a:buFont typeface="Arial" panose="020B0604020202020204" pitchFamily="34" charset="0"/>
+                <a:buChar char="•"/>
+              </a:pPr>
+              <a:r>
+                <a:rPr lang="de-DE" dirty="0">
+                  <a:solidFill>
+                    <a:schemeClr val="tx1"/>
+                  </a:solidFill>
+                </a:rPr>
+                <a:t>Kosten</a:t>
+              </a:r>
+            </a:p>
+            <a:p>
+              <a:pPr marL="285750" indent="-285750">
+                <a:buFont typeface="Arial" panose="020B0604020202020204" pitchFamily="34" charset="0"/>
+                <a:buChar char="•"/>
+              </a:pPr>
+              <a:r>
+                <a:rPr lang="de-DE" dirty="0">
+                  <a:solidFill>
+                    <a:schemeClr val="tx1"/>
+                  </a:solidFill>
+                </a:rPr>
+                <a:t>Rüstaufwand: Wie viel muss im Rezept geändert werden?</a:t>
+              </a:r>
+            </a:p>
+            <a:p>
+              <a:pPr marL="285750" indent="-285750">
+                <a:buFont typeface="Arial" panose="020B0604020202020204" pitchFamily="34" charset="0"/>
+                <a:buChar char="•"/>
+              </a:pPr>
+              <a:endParaRPr lang="de-DE" dirty="0">
+                <a:solidFill>
+                  <a:schemeClr val="tx1"/>
+                </a:solidFill>
+              </a:endParaRPr>
+            </a:p>
+            <a:p>
+              <a:pPr marL="285750" indent="-285750">
+                <a:buFont typeface="Arial" panose="020B0604020202020204" pitchFamily="34" charset="0"/>
+                <a:buChar char="•"/>
+              </a:pPr>
+              <a:endParaRPr lang="de-DE" dirty="0">
+                <a:solidFill>
+                  <a:schemeClr val="tx1"/>
+                </a:solidFill>
+              </a:endParaRPr>
+            </a:p>
+          </p:txBody>
+        </p:sp>
+        <p:sp>
+          <p:nvSpPr>
+            <p:cNvPr id="9" name="Rechteck 8">
+              <a:extLst>
+                <a:ext uri="{FF2B5EF4-FFF2-40B4-BE49-F238E27FC236}">
+                  <a16:creationId xmlns:a16="http://schemas.microsoft.com/office/drawing/2014/main" xmlns="" id="{FCCEA108-686B-BB4F-95FB-4BCE5EB529F1}"/>
+                </a:ext>
+              </a:extLst>
+            </p:cNvPr>
+            <p:cNvSpPr/>
+            <p:nvPr/>
+          </p:nvSpPr>
+          <p:spPr>
+            <a:xfrm>
+              <a:off x="1977037" y="1414270"/>
+              <a:ext cx="2227067" cy="374853"/>
+            </a:xfrm>
+            <a:prstGeom prst="rect">
+              <a:avLst/>
+            </a:prstGeom>
+            <a:solidFill>
+              <a:schemeClr val="bg1"/>
+            </a:solidFill>
+            <a:ln>
+              <a:noFill/>
+            </a:ln>
+          </p:spPr>
+          <p:style>
+            <a:lnRef idx="2">
+              <a:schemeClr val="accent1">
+                <a:shade val="50000"/>
+              </a:schemeClr>
+            </a:lnRef>
+            <a:fillRef idx="1">
+              <a:schemeClr val="accent1"/>
+            </a:fillRef>
+            <a:effectRef idx="0">
+              <a:schemeClr val="accent1"/>
+            </a:effectRef>
+            <a:fontRef idx="minor">
+              <a:schemeClr val="lt1"/>
+            </a:fontRef>
+          </p:style>
+          <p:txBody>
+            <a:bodyPr rtlCol="0" anchor="ctr"/>
+            <a:lstStyle/>
+            <a:p>
+              <a:r>
+                <a:rPr lang="de-DE" b="1" dirty="0">
+                  <a:solidFill>
+                    <a:schemeClr val="accent4"/>
+                  </a:solidFill>
+                </a:rPr>
+                <a:t>Lösungen bewerten</a:t>
+              </a:r>
+            </a:p>
+          </p:txBody>
+        </p:sp>
+      </p:grpSp>
+      <p:grpSp>
+        <p:nvGrpSpPr>
+          <p:cNvPr id="10" name="Gruppieren 9">
+            <a:extLst>
+              <a:ext uri="{FF2B5EF4-FFF2-40B4-BE49-F238E27FC236}">
+                <a16:creationId xmlns:a16="http://schemas.microsoft.com/office/drawing/2014/main" xmlns="" id="{64401E1E-557D-5D4F-AE09-187A0802411B}"/>
+              </a:ext>
+            </a:extLst>
+          </p:cNvPr>
+          <p:cNvGrpSpPr/>
+          <p:nvPr/>
+        </p:nvGrpSpPr>
+        <p:grpSpPr>
+          <a:xfrm>
+            <a:off x="4563055" y="1199304"/>
+            <a:ext cx="3204000" cy="3812073"/>
+            <a:chOff x="1780030" y="1414270"/>
+            <a:chExt cx="3204000" cy="3812073"/>
+          </a:xfrm>
+        </p:grpSpPr>
+        <p:sp>
+          <p:nvSpPr>
+            <p:cNvPr id="11" name="Rechteck 10">
+              <a:extLst>
+                <a:ext uri="{FF2B5EF4-FFF2-40B4-BE49-F238E27FC236}">
+                  <a16:creationId xmlns:a16="http://schemas.microsoft.com/office/drawing/2014/main" xmlns="" id="{35A0EAB9-4039-6448-AC03-B60DE38901D0}"/>
+                </a:ext>
+              </a:extLst>
+            </p:cNvPr>
+            <p:cNvSpPr/>
+            <p:nvPr/>
+          </p:nvSpPr>
+          <p:spPr>
+            <a:xfrm>
+              <a:off x="1780030" y="1583286"/>
+              <a:ext cx="3204000" cy="3643057"/>
+            </a:xfrm>
+            <a:prstGeom prst="rect">
+              <a:avLst/>
+            </a:prstGeom>
+            <a:solidFill>
+              <a:schemeClr val="bg1"/>
+            </a:solidFill>
+          </p:spPr>
+          <p:style>
+            <a:lnRef idx="2">
+              <a:schemeClr val="accent1">
+                <a:shade val="50000"/>
+              </a:schemeClr>
+            </a:lnRef>
+            <a:fillRef idx="1">
+              <a:schemeClr val="accent1"/>
+            </a:fillRef>
+            <a:effectRef idx="0">
+              <a:schemeClr val="accent1"/>
+            </a:effectRef>
+            <a:fontRef idx="minor">
+              <a:schemeClr val="lt1"/>
+            </a:fontRef>
+          </p:style>
+          <p:txBody>
+            <a:bodyPr tIns="251999" rtlCol="0" anchor="t"/>
+            <a:lstStyle/>
+            <a:p>
+              <a:pPr marL="285750" indent="-285750">
+                <a:buFont typeface="Arial" panose="020B0604020202020204" pitchFamily="34" charset="0"/>
+                <a:buChar char="•"/>
+              </a:pPr>
+              <a:r>
+                <a:rPr lang="de-DE" dirty="0">
+                  <a:solidFill>
+                    <a:schemeClr val="tx1"/>
+                  </a:solidFill>
+                </a:rPr>
+                <a:t>Unterschiede darstellen</a:t>
+              </a:r>
+            </a:p>
+            <a:p>
+              <a:pPr marL="697230" lvl="1" indent="-285750">
+                <a:buFont typeface="Arial" panose="020B0604020202020204" pitchFamily="34" charset="0"/>
+                <a:buChar char="•"/>
+              </a:pPr>
+              <a:r>
+                <a:rPr lang="de-DE" dirty="0">
+                  <a:solidFill>
+                    <a:schemeClr val="tx1"/>
+                  </a:solidFill>
+                </a:rPr>
+                <a:t>Menge an Anpassungen im Rezept</a:t>
+              </a:r>
+            </a:p>
+            <a:p>
+              <a:pPr marL="697230" lvl="1" indent="-285750">
+                <a:buFont typeface="Arial" panose="020B0604020202020204" pitchFamily="34" charset="0"/>
+                <a:buChar char="•"/>
+              </a:pPr>
+              <a:r>
+                <a:rPr lang="de-DE" dirty="0" err="1">
+                  <a:solidFill>
+                    <a:schemeClr val="tx1"/>
+                  </a:solidFill>
+                </a:rPr>
+                <a:t>Abmaße</a:t>
+              </a:r>
+              <a:r>
+                <a:rPr lang="de-DE" dirty="0">
+                  <a:solidFill>
+                    <a:schemeClr val="tx1"/>
+                  </a:solidFill>
+                </a:rPr>
+                <a:t> der Module</a:t>
+              </a:r>
+            </a:p>
+            <a:p>
+              <a:pPr marL="697230" lvl="1" indent="-285750">
+                <a:buFont typeface="Arial" panose="020B0604020202020204" pitchFamily="34" charset="0"/>
+                <a:buChar char="•"/>
+              </a:pPr>
+              <a:r>
+                <a:rPr lang="de-DE" dirty="0">
+                  <a:solidFill>
+                    <a:schemeClr val="tx1"/>
+                  </a:solidFill>
+                </a:rPr>
+                <a:t>Kennzahlen</a:t>
+              </a:r>
+            </a:p>
+            <a:p>
+              <a:pPr marL="1108710" lvl="2" indent="-285750">
+                <a:buFont typeface="Arial" panose="020B0604020202020204" pitchFamily="34" charset="0"/>
+                <a:buChar char="•"/>
+              </a:pPr>
+              <a:r>
+                <a:rPr lang="de-DE" dirty="0">
+                  <a:solidFill>
+                    <a:schemeClr val="tx1"/>
+                  </a:solidFill>
+                </a:rPr>
+                <a:t>Energieverbrauch</a:t>
+              </a:r>
+            </a:p>
+            <a:p>
+              <a:pPr marL="1108710" lvl="2" indent="-285750">
+                <a:buFont typeface="Arial" panose="020B0604020202020204" pitchFamily="34" charset="0"/>
+                <a:buChar char="•"/>
+              </a:pPr>
+              <a:r>
+                <a:rPr lang="de-DE" dirty="0">
+                  <a:solidFill>
+                    <a:schemeClr val="tx1"/>
+                  </a:solidFill>
+                </a:rPr>
+                <a:t>Kosten</a:t>
+              </a:r>
+            </a:p>
+            <a:p>
+              <a:pPr marL="285750" indent="-285750">
+                <a:buFont typeface="Arial" panose="020B0604020202020204" pitchFamily="34" charset="0"/>
+                <a:buChar char="•"/>
+              </a:pPr>
+              <a:endParaRPr lang="de-DE" dirty="0">
+                <a:solidFill>
+                  <a:schemeClr val="tx1"/>
+                </a:solidFill>
+              </a:endParaRPr>
+            </a:p>
+            <a:p>
+              <a:endParaRPr lang="de-DE" dirty="0">
+                <a:solidFill>
+                  <a:schemeClr val="tx1"/>
+                </a:solidFill>
+              </a:endParaRPr>
+            </a:p>
+          </p:txBody>
+        </p:sp>
+        <p:sp>
+          <p:nvSpPr>
+            <p:cNvPr id="12" name="Rechteck 11">
+              <a:extLst>
+                <a:ext uri="{FF2B5EF4-FFF2-40B4-BE49-F238E27FC236}">
+                  <a16:creationId xmlns:a16="http://schemas.microsoft.com/office/drawing/2014/main" xmlns="" id="{FCCEA108-686B-BB4F-95FB-4BCE5EB529F1}"/>
+                </a:ext>
+              </a:extLst>
+            </p:cNvPr>
+            <p:cNvSpPr/>
+            <p:nvPr/>
+          </p:nvSpPr>
+          <p:spPr>
+            <a:xfrm>
+              <a:off x="1977037" y="1414270"/>
+              <a:ext cx="2450966" cy="374853"/>
+            </a:xfrm>
+            <a:prstGeom prst="rect">
+              <a:avLst/>
+            </a:prstGeom>
+            <a:solidFill>
+              <a:schemeClr val="bg1"/>
+            </a:solidFill>
+            <a:ln>
+              <a:noFill/>
+            </a:ln>
+          </p:spPr>
+          <p:style>
+            <a:lnRef idx="2">
+              <a:schemeClr val="accent1">
+                <a:shade val="50000"/>
+              </a:schemeClr>
+            </a:lnRef>
+            <a:fillRef idx="1">
+              <a:schemeClr val="accent1"/>
+            </a:fillRef>
+            <a:effectRef idx="0">
+              <a:schemeClr val="accent1"/>
+            </a:effectRef>
+            <a:fontRef idx="minor">
+              <a:schemeClr val="lt1"/>
+            </a:fontRef>
+          </p:style>
+          <p:txBody>
+            <a:bodyPr rtlCol="0" anchor="ctr"/>
+            <a:lstStyle/>
+            <a:p>
+              <a:r>
+                <a:rPr lang="de-DE" b="1" dirty="0">
+                  <a:solidFill>
+                    <a:schemeClr val="accent4"/>
+                  </a:solidFill>
+                </a:rPr>
+                <a:t>Lösungen vergleichen</a:t>
+              </a:r>
+            </a:p>
+          </p:txBody>
+        </p:sp>
+      </p:grpSp>
+    </p:spTree>
+    <p:extLst>
+      <p:ext uri="{BB962C8B-B14F-4D97-AF65-F5344CB8AC3E}">
+        <p14:creationId xmlns:p14="http://schemas.microsoft.com/office/powerpoint/2010/main" val="3165348393"/>
+      </p:ext>
+    </p:extLst>
+  </p:cSld>
+  <p:clrMapOvr>
+    <a:masterClrMapping/>
+  </p:clrMapOvr>
+</p:sld>
+</file>
+
+<file path=ppt/slides/slide13.xml><?xml version="1.0" encoding="utf-8"?>
+<p:sld xmlns:a="http://schemas.openxmlformats.org/drawingml/2006/main" xmlns:r="http://schemas.openxmlformats.org/officeDocument/2006/relationships" xmlns:p="http://schemas.openxmlformats.org/presentationml/2006/main">
+  <p:cSld>
+    <p:spTree>
+      <p:nvGrpSpPr>
+        <p:cNvPr id="1" name=""/>
+        <p:cNvGrpSpPr/>
+        <p:nvPr/>
+      </p:nvGrpSpPr>
+      <p:grpSpPr>
+        <a:xfrm>
+          <a:off x="0" y="0"/>
+          <a:ext cx="0" cy="0"/>
+          <a:chOff x="0" y="0"/>
+          <a:chExt cx="0" cy="0"/>
+        </a:xfrm>
+      </p:grpSpPr>
+      <p:sp>
+        <p:nvSpPr>
+          <p:cNvPr id="2" name="Titel 1"/>
+          <p:cNvSpPr>
+            <a:spLocks noGrp="1"/>
+          </p:cNvSpPr>
+          <p:nvPr>
+            <p:ph type="title"/>
+          </p:nvPr>
+        </p:nvSpPr>
+        <p:spPr/>
+        <p:txBody>
+          <a:bodyPr/>
+          <a:lstStyle/>
+          <a:p>
+            <a:r>
+              <a:rPr lang="de-DE" dirty="0"/>
+              <a:t>Entscheiden</a:t>
+            </a:r>
+          </a:p>
+        </p:txBody>
+      </p:sp>
+      <p:grpSp>
+        <p:nvGrpSpPr>
+          <p:cNvPr id="4" name="Gruppieren 3">
+            <a:extLst>
+              <a:ext uri="{FF2B5EF4-FFF2-40B4-BE49-F238E27FC236}">
+                <a16:creationId xmlns:a16="http://schemas.microsoft.com/office/drawing/2014/main" xmlns="" id="{64401E1E-557D-5D4F-AE09-187A0802411B}"/>
+              </a:ext>
+            </a:extLst>
+          </p:cNvPr>
+          <p:cNvGrpSpPr/>
+          <p:nvPr/>
+        </p:nvGrpSpPr>
+        <p:grpSpPr>
+          <a:xfrm>
+            <a:off x="874711" y="1199304"/>
+            <a:ext cx="3204000" cy="3812073"/>
+            <a:chOff x="1780030" y="1414270"/>
+            <a:chExt cx="3204000" cy="3812073"/>
+          </a:xfrm>
+        </p:grpSpPr>
+        <p:sp>
+          <p:nvSpPr>
+            <p:cNvPr id="5" name="Rechteck 4">
+              <a:extLst>
+                <a:ext uri="{FF2B5EF4-FFF2-40B4-BE49-F238E27FC236}">
+                  <a16:creationId xmlns:a16="http://schemas.microsoft.com/office/drawing/2014/main" xmlns="" id="{35A0EAB9-4039-6448-AC03-B60DE38901D0}"/>
+                </a:ext>
+              </a:extLst>
+            </p:cNvPr>
+            <p:cNvSpPr/>
+            <p:nvPr/>
+          </p:nvSpPr>
+          <p:spPr>
+            <a:xfrm>
+              <a:off x="1780030" y="1583286"/>
+              <a:ext cx="3204000" cy="3643057"/>
+            </a:xfrm>
+            <a:prstGeom prst="rect">
+              <a:avLst/>
+            </a:prstGeom>
+            <a:solidFill>
+              <a:schemeClr val="bg1"/>
+            </a:solidFill>
+          </p:spPr>
+          <p:style>
+            <a:lnRef idx="2">
+              <a:schemeClr val="accent1">
+                <a:shade val="50000"/>
+              </a:schemeClr>
+            </a:lnRef>
+            <a:fillRef idx="1">
+              <a:schemeClr val="accent1"/>
+            </a:fillRef>
+            <a:effectRef idx="0">
+              <a:schemeClr val="accent1"/>
+            </a:effectRef>
+            <a:fontRef idx="minor">
+              <a:schemeClr val="lt1"/>
+            </a:fontRef>
+          </p:style>
+          <p:txBody>
+            <a:bodyPr tIns="251999" rtlCol="0" anchor="t"/>
+            <a:lstStyle/>
+            <a:p>
+              <a:pPr marL="285750" indent="-285750">
+                <a:buFont typeface="Arial" panose="020B0604020202020204" pitchFamily="34" charset="0"/>
+                <a:buChar char="•"/>
+              </a:pPr>
+              <a:r>
+                <a:rPr lang="de-DE" dirty="0">
+                  <a:solidFill>
+                    <a:schemeClr val="tx1"/>
+                  </a:solidFill>
+                </a:rPr>
+                <a:t>Kosten</a:t>
+              </a:r>
+            </a:p>
+            <a:p>
+              <a:pPr marL="285750" indent="-285750">
+                <a:buFont typeface="Arial" panose="020B0604020202020204" pitchFamily="34" charset="0"/>
+                <a:buChar char="•"/>
+              </a:pPr>
+              <a:r>
+                <a:rPr lang="de-DE" dirty="0">
+                  <a:solidFill>
+                    <a:schemeClr val="tx1"/>
+                  </a:solidFill>
+                </a:rPr>
+                <a:t>Zeitaufwand der Problemlösung</a:t>
+              </a:r>
+            </a:p>
+            <a:p>
+              <a:pPr marL="285750" indent="-285750">
+                <a:buFont typeface="Arial" panose="020B0604020202020204" pitchFamily="34" charset="0"/>
+                <a:buChar char="•"/>
+              </a:pPr>
+              <a:r>
+                <a:rPr lang="de-DE" dirty="0">
+                  <a:solidFill>
+                    <a:schemeClr val="tx1"/>
+                  </a:solidFill>
+                </a:rPr>
+                <a:t>Energieverbrauch des Moduls</a:t>
+              </a:r>
+            </a:p>
+            <a:p>
+              <a:pPr marL="285750" indent="-285750">
+                <a:buFont typeface="Arial" panose="020B0604020202020204" pitchFamily="34" charset="0"/>
+                <a:buChar char="•"/>
+              </a:pPr>
+              <a:r>
+                <a:rPr lang="de-DE" dirty="0">
+                  <a:solidFill>
+                    <a:schemeClr val="tx1"/>
+                  </a:solidFill>
+                </a:rPr>
+                <a:t> </a:t>
+              </a:r>
+            </a:p>
+            <a:p>
+              <a:pPr marL="285750" indent="-285750">
+                <a:buFont typeface="Arial" panose="020B0604020202020204" pitchFamily="34" charset="0"/>
+                <a:buChar char="•"/>
+              </a:pPr>
+              <a:endParaRPr lang="de-DE" dirty="0">
+                <a:solidFill>
+                  <a:schemeClr val="tx1"/>
+                </a:solidFill>
+              </a:endParaRPr>
+            </a:p>
+          </p:txBody>
+        </p:sp>
+        <p:sp>
+          <p:nvSpPr>
+            <p:cNvPr id="6" name="Rechteck 5">
+              <a:extLst>
+                <a:ext uri="{FF2B5EF4-FFF2-40B4-BE49-F238E27FC236}">
+                  <a16:creationId xmlns:a16="http://schemas.microsoft.com/office/drawing/2014/main" xmlns="" id="{FCCEA108-686B-BB4F-95FB-4BCE5EB529F1}"/>
                 </a:ext>
               </a:extLst>
             </p:cNvPr>
@@ -6691,7 +8093,7 @@
           <p:cNvPr id="7" name="Gruppieren 6">
             <a:extLst>
               <a:ext uri="{FF2B5EF4-FFF2-40B4-BE49-F238E27FC236}">
-                <a16:creationId xmlns="" xmlns:a16="http://schemas.microsoft.com/office/drawing/2014/main" id="{64401E1E-557D-5D4F-AE09-187A0802411B}"/>
+                <a16:creationId xmlns:a16="http://schemas.microsoft.com/office/drawing/2014/main" xmlns="" id="{64401E1E-557D-5D4F-AE09-187A0802411B}"/>
               </a:ext>
             </a:extLst>
           </p:cNvPr>
@@ -6711,7 +8113,7 @@
             <p:cNvPr id="8" name="Rechteck 7">
               <a:extLst>
                 <a:ext uri="{FF2B5EF4-FFF2-40B4-BE49-F238E27FC236}">
-                  <a16:creationId xmlns="" xmlns:a16="http://schemas.microsoft.com/office/drawing/2014/main" id="{35A0EAB9-4039-6448-AC03-B60DE38901D0}"/>
+                  <a16:creationId xmlns:a16="http://schemas.microsoft.com/office/drawing/2014/main" xmlns="" id="{35A0EAB9-4039-6448-AC03-B60DE38901D0}"/>
                 </a:ext>
               </a:extLst>
             </p:cNvPr>
@@ -6778,7 +8180,7 @@
             <p:cNvPr id="9" name="Rechteck 8">
               <a:extLst>
                 <a:ext uri="{FF2B5EF4-FFF2-40B4-BE49-F238E27FC236}">
-                  <a16:creationId xmlns="" xmlns:a16="http://schemas.microsoft.com/office/drawing/2014/main" id="{FCCEA108-686B-BB4F-95FB-4BCE5EB529F1}"/>
+                  <a16:creationId xmlns:a16="http://schemas.microsoft.com/office/drawing/2014/main" xmlns="" id="{FCCEA108-686B-BB4F-95FB-4BCE5EB529F1}"/>
                 </a:ext>
               </a:extLst>
             </p:cNvPr>
@@ -6837,7 +8239,7 @@
           <p:cNvPr id="10" name="Gruppieren 9">
             <a:extLst>
               <a:ext uri="{FF2B5EF4-FFF2-40B4-BE49-F238E27FC236}">
-                <a16:creationId xmlns="" xmlns:a16="http://schemas.microsoft.com/office/drawing/2014/main" id="{64401E1E-557D-5D4F-AE09-187A0802411B}"/>
+                <a16:creationId xmlns:a16="http://schemas.microsoft.com/office/drawing/2014/main" xmlns="" id="{64401E1E-557D-5D4F-AE09-187A0802411B}"/>
               </a:ext>
             </a:extLst>
           </p:cNvPr>
@@ -6857,7 +8259,7 @@
             <p:cNvPr id="11" name="Rechteck 10">
               <a:extLst>
                 <a:ext uri="{FF2B5EF4-FFF2-40B4-BE49-F238E27FC236}">
-                  <a16:creationId xmlns="" xmlns:a16="http://schemas.microsoft.com/office/drawing/2014/main" id="{35A0EAB9-4039-6448-AC03-B60DE38901D0}"/>
+                  <a16:creationId xmlns:a16="http://schemas.microsoft.com/office/drawing/2014/main" xmlns="" id="{35A0EAB9-4039-6448-AC03-B60DE38901D0}"/>
                 </a:ext>
               </a:extLst>
             </p:cNvPr>
@@ -6927,7 +8329,7 @@
             <p:cNvPr id="12" name="Rechteck 11">
               <a:extLst>
                 <a:ext uri="{FF2B5EF4-FFF2-40B4-BE49-F238E27FC236}">
-                  <a16:creationId xmlns="" xmlns:a16="http://schemas.microsoft.com/office/drawing/2014/main" id="{FCCEA108-686B-BB4F-95FB-4BCE5EB529F1}"/>
+                  <a16:creationId xmlns:a16="http://schemas.microsoft.com/office/drawing/2014/main" xmlns="" id="{FCCEA108-686B-BB4F-95FB-4BCE5EB529F1}"/>
                 </a:ext>
               </a:extLst>
             </p:cNvPr>
@@ -6994,7 +8396,7 @@
 </p:sld>
 </file>
 
-<file path=ppt/slides/slide13.xml><?xml version="1.0" encoding="utf-8"?>
+<file path=ppt/slides/slide14.xml><?xml version="1.0" encoding="utf-8"?>
 <p:sld xmlns:a="http://schemas.openxmlformats.org/drawingml/2006/main" xmlns:r="http://schemas.openxmlformats.org/officeDocument/2006/relationships" xmlns:p="http://schemas.openxmlformats.org/presentationml/2006/main">
   <p:cSld>
     <p:spTree>
@@ -7060,7 +8462,7 @@
           <p:cNvPr id="9" name="Gruppieren 8">
             <a:extLst>
               <a:ext uri="{FF2B5EF4-FFF2-40B4-BE49-F238E27FC236}">
-                <a16:creationId xmlns="" xmlns:a16="http://schemas.microsoft.com/office/drawing/2014/main" id="{64401E1E-557D-5D4F-AE09-187A0802411B}"/>
+                <a16:creationId xmlns:a16="http://schemas.microsoft.com/office/drawing/2014/main" xmlns="" id="{64401E1E-557D-5D4F-AE09-187A0802411B}"/>
               </a:ext>
             </a:extLst>
           </p:cNvPr>
@@ -7080,7 +8482,7 @@
             <p:cNvPr id="10" name="Rechteck 9">
               <a:extLst>
                 <a:ext uri="{FF2B5EF4-FFF2-40B4-BE49-F238E27FC236}">
-                  <a16:creationId xmlns="" xmlns:a16="http://schemas.microsoft.com/office/drawing/2014/main" id="{35A0EAB9-4039-6448-AC03-B60DE38901D0}"/>
+                  <a16:creationId xmlns:a16="http://schemas.microsoft.com/office/drawing/2014/main" xmlns="" id="{35A0EAB9-4039-6448-AC03-B60DE38901D0}"/>
                 </a:ext>
               </a:extLst>
             </p:cNvPr>
@@ -7264,7 +8666,7 @@
             <p:cNvPr id="11" name="Rechteck 10">
               <a:extLst>
                 <a:ext uri="{FF2B5EF4-FFF2-40B4-BE49-F238E27FC236}">
-                  <a16:creationId xmlns="" xmlns:a16="http://schemas.microsoft.com/office/drawing/2014/main" id="{FCCEA108-686B-BB4F-95FB-4BCE5EB529F1}"/>
+                  <a16:creationId xmlns:a16="http://schemas.microsoft.com/office/drawing/2014/main" xmlns="" id="{FCCEA108-686B-BB4F-95FB-4BCE5EB529F1}"/>
                 </a:ext>
               </a:extLst>
             </p:cNvPr>
@@ -7323,7 +8725,7 @@
           <p:cNvPr id="12" name="Gruppieren 11">
             <a:extLst>
               <a:ext uri="{FF2B5EF4-FFF2-40B4-BE49-F238E27FC236}">
-                <a16:creationId xmlns="" xmlns:a16="http://schemas.microsoft.com/office/drawing/2014/main" id="{64401E1E-557D-5D4F-AE09-187A0802411B}"/>
+                <a16:creationId xmlns:a16="http://schemas.microsoft.com/office/drawing/2014/main" xmlns="" id="{64401E1E-557D-5D4F-AE09-187A0802411B}"/>
               </a:ext>
             </a:extLst>
           </p:cNvPr>
@@ -7343,7 +8745,7 @@
             <p:cNvPr id="13" name="Rechteck 12">
               <a:extLst>
                 <a:ext uri="{FF2B5EF4-FFF2-40B4-BE49-F238E27FC236}">
-                  <a16:creationId xmlns="" xmlns:a16="http://schemas.microsoft.com/office/drawing/2014/main" id="{35A0EAB9-4039-6448-AC03-B60DE38901D0}"/>
+                  <a16:creationId xmlns:a16="http://schemas.microsoft.com/office/drawing/2014/main" xmlns="" id="{35A0EAB9-4039-6448-AC03-B60DE38901D0}"/>
                 </a:ext>
               </a:extLst>
             </p:cNvPr>
@@ -7542,7 +8944,7 @@
             <p:cNvPr id="14" name="Rechteck 13">
               <a:extLst>
                 <a:ext uri="{FF2B5EF4-FFF2-40B4-BE49-F238E27FC236}">
-                  <a16:creationId xmlns="" xmlns:a16="http://schemas.microsoft.com/office/drawing/2014/main" id="{FCCEA108-686B-BB4F-95FB-4BCE5EB529F1}"/>
+                  <a16:creationId xmlns:a16="http://schemas.microsoft.com/office/drawing/2014/main" xmlns="" id="{FCCEA108-686B-BB4F-95FB-4BCE5EB529F1}"/>
                 </a:ext>
               </a:extLst>
             </p:cNvPr>
@@ -7609,7 +9011,7 @@
 </p:sld>
 </file>
 
-<file path=ppt/slides/slide14.xml><?xml version="1.0" encoding="utf-8"?>
+<file path=ppt/slides/slide15.xml><?xml version="1.0" encoding="utf-8"?>
 <p:sld xmlns:a="http://schemas.openxmlformats.org/drawingml/2006/main" xmlns:r="http://schemas.openxmlformats.org/officeDocument/2006/relationships" xmlns:p="http://schemas.openxmlformats.org/presentationml/2006/main">
   <p:cSld>
     <p:spTree>
@@ -7662,7 +9064,7 @@
           <p:cNvPr id="7" name="Gruppieren 6">
             <a:extLst>
               <a:ext uri="{FF2B5EF4-FFF2-40B4-BE49-F238E27FC236}">
-                <a16:creationId xmlns="" xmlns:a16="http://schemas.microsoft.com/office/drawing/2014/main" id="{83607870-557A-164A-B22B-C1B49B36656C}"/>
+                <a16:creationId xmlns:a16="http://schemas.microsoft.com/office/drawing/2014/main" xmlns="" id="{83607870-557A-164A-B22B-C1B49B36656C}"/>
               </a:ext>
             </a:extLst>
           </p:cNvPr>
@@ -7682,7 +9084,7 @@
             <p:cNvPr id="8" name="Rechteck 7">
               <a:extLst>
                 <a:ext uri="{FF2B5EF4-FFF2-40B4-BE49-F238E27FC236}">
-                  <a16:creationId xmlns="" xmlns:a16="http://schemas.microsoft.com/office/drawing/2014/main" id="{F1E1E402-969D-194B-AB76-85BAC6C71034}"/>
+                  <a16:creationId xmlns:a16="http://schemas.microsoft.com/office/drawing/2014/main" xmlns="" id="{F1E1E402-969D-194B-AB76-85BAC6C71034}"/>
                 </a:ext>
               </a:extLst>
             </p:cNvPr>
@@ -7766,7 +9168,7 @@
             <p:cNvPr id="9" name="Rechteck 8">
               <a:extLst>
                 <a:ext uri="{FF2B5EF4-FFF2-40B4-BE49-F238E27FC236}">
-                  <a16:creationId xmlns="" xmlns:a16="http://schemas.microsoft.com/office/drawing/2014/main" id="{833772DE-177D-6242-B2B7-89D46A2C0D15}"/>
+                  <a16:creationId xmlns:a16="http://schemas.microsoft.com/office/drawing/2014/main" xmlns="" id="{833772DE-177D-6242-B2B7-89D46A2C0D15}"/>
                 </a:ext>
               </a:extLst>
             </p:cNvPr>
@@ -7857,7 +9259,7 @@
           <p:cNvPr id="11" name="Gruppieren 10">
             <a:extLst>
               <a:ext uri="{FF2B5EF4-FFF2-40B4-BE49-F238E27FC236}">
-                <a16:creationId xmlns="" xmlns:a16="http://schemas.microsoft.com/office/drawing/2014/main" id="{00DD676A-B61C-5D48-BC56-AC4BB52F8528}"/>
+                <a16:creationId xmlns:a16="http://schemas.microsoft.com/office/drawing/2014/main" xmlns="" id="{00DD676A-B61C-5D48-BC56-AC4BB52F8528}"/>
               </a:ext>
             </a:extLst>
           </p:cNvPr>
@@ -7877,7 +9279,7 @@
             <p:cNvPr id="12" name="Rechteck 11">
               <a:extLst>
                 <a:ext uri="{FF2B5EF4-FFF2-40B4-BE49-F238E27FC236}">
-                  <a16:creationId xmlns="" xmlns:a16="http://schemas.microsoft.com/office/drawing/2014/main" id="{201F63B0-4CCA-B640-BD88-BAB407BC2183}"/>
+                  <a16:creationId xmlns:a16="http://schemas.microsoft.com/office/drawing/2014/main" xmlns="" id="{201F63B0-4CCA-B640-BD88-BAB407BC2183}"/>
                 </a:ext>
               </a:extLst>
             </p:cNvPr>
@@ -7961,7 +9363,7 @@
             <p:cNvPr id="13" name="Rechteck 12">
               <a:extLst>
                 <a:ext uri="{FF2B5EF4-FFF2-40B4-BE49-F238E27FC236}">
-                  <a16:creationId xmlns="" xmlns:a16="http://schemas.microsoft.com/office/drawing/2014/main" id="{514C32A1-04E5-494D-AB34-069455276B16}"/>
+                  <a16:creationId xmlns:a16="http://schemas.microsoft.com/office/drawing/2014/main" xmlns="" id="{514C32A1-04E5-494D-AB34-069455276B16}"/>
                 </a:ext>
               </a:extLst>
             </p:cNvPr>
@@ -8028,7 +9430,7 @@
           <p:cNvPr id="14" name="Gruppieren 13">
             <a:extLst>
               <a:ext uri="{FF2B5EF4-FFF2-40B4-BE49-F238E27FC236}">
-                <a16:creationId xmlns="" xmlns:a16="http://schemas.microsoft.com/office/drawing/2014/main" id="{C0CAAA13-C09D-AC4E-991C-1FEB2957F9A9}"/>
+                <a16:creationId xmlns:a16="http://schemas.microsoft.com/office/drawing/2014/main" xmlns="" id="{C0CAAA13-C09D-AC4E-991C-1FEB2957F9A9}"/>
               </a:ext>
             </a:extLst>
           </p:cNvPr>
@@ -8048,7 +9450,7 @@
             <p:cNvPr id="15" name="Rechteck 14">
               <a:extLst>
                 <a:ext uri="{FF2B5EF4-FFF2-40B4-BE49-F238E27FC236}">
-                  <a16:creationId xmlns="" xmlns:a16="http://schemas.microsoft.com/office/drawing/2014/main" id="{71B66402-AE28-034E-B538-DD8098A05FCC}"/>
+                  <a16:creationId xmlns:a16="http://schemas.microsoft.com/office/drawing/2014/main" xmlns="" id="{71B66402-AE28-034E-B538-DD8098A05FCC}"/>
                 </a:ext>
               </a:extLst>
             </p:cNvPr>
@@ -8187,7 +9589,7 @@
             <p:cNvPr id="16" name="Rechteck 15">
               <a:extLst>
                 <a:ext uri="{FF2B5EF4-FFF2-40B4-BE49-F238E27FC236}">
-                  <a16:creationId xmlns="" xmlns:a16="http://schemas.microsoft.com/office/drawing/2014/main" id="{3BF267A1-CAB7-CF4A-B6F4-D9891842B9EE}"/>
+                  <a16:creationId xmlns:a16="http://schemas.microsoft.com/office/drawing/2014/main" xmlns="" id="{3BF267A1-CAB7-CF4A-B6F4-D9891842B9EE}"/>
                 </a:ext>
               </a:extLst>
             </p:cNvPr>
@@ -8246,7 +9648,7 @@
           <p:cNvPr id="20" name="Gewinkelte Verbindung 19">
             <a:extLst>
               <a:ext uri="{FF2B5EF4-FFF2-40B4-BE49-F238E27FC236}">
-                <a16:creationId xmlns="" xmlns:a16="http://schemas.microsoft.com/office/drawing/2014/main" id="{FD336F23-DB98-1342-BB4F-5D218AF61D6F}"/>
+                <a16:creationId xmlns:a16="http://schemas.microsoft.com/office/drawing/2014/main" xmlns="" id="{FD336F23-DB98-1342-BB4F-5D218AF61D6F}"/>
               </a:ext>
             </a:extLst>
           </p:cNvPr>
@@ -8297,7 +9699,7 @@
           <p:cNvPr id="22" name="Gewinkelte Verbindung 21">
             <a:extLst>
               <a:ext uri="{FF2B5EF4-FFF2-40B4-BE49-F238E27FC236}">
-                <a16:creationId xmlns="" xmlns:a16="http://schemas.microsoft.com/office/drawing/2014/main" id="{BBE684D5-0A18-BA4A-8AA1-7553DDC193B9}"/>
+                <a16:creationId xmlns:a16="http://schemas.microsoft.com/office/drawing/2014/main" xmlns="" id="{BBE684D5-0A18-BA4A-8AA1-7553DDC193B9}"/>
               </a:ext>
             </a:extLst>
           </p:cNvPr>
@@ -8356,7 +9758,7 @@
 </p:sld>
 </file>
 
-<file path=ppt/slides/slide15.xml><?xml version="1.0" encoding="utf-8"?>
+<file path=ppt/slides/slide16.xml><?xml version="1.0" encoding="utf-8"?>
 <p:sld xmlns:a="http://schemas.openxmlformats.org/drawingml/2006/main" xmlns:r="http://schemas.openxmlformats.org/officeDocument/2006/relationships" xmlns:p="http://schemas.openxmlformats.org/presentationml/2006/main">
   <p:cSld>
     <p:spTree>
@@ -9579,7 +10981,7 @@
 </p:sld>
 </file>
 
-<file path=ppt/slides/slide16.xml><?xml version="1.0" encoding="utf-8"?>
+<file path=ppt/slides/slide17.xml><?xml version="1.0" encoding="utf-8"?>
 <p:sld xmlns:a="http://schemas.openxmlformats.org/drawingml/2006/main" xmlns:r="http://schemas.openxmlformats.org/officeDocument/2006/relationships" xmlns:p="http://schemas.openxmlformats.org/presentationml/2006/main">
   <p:cSld>
     <p:spTree>
@@ -10701,7 +12103,7 @@
 </p:sld>
 </file>
 
-<file path=ppt/slides/slide17.xml><?xml version="1.0" encoding="utf-8"?>
+<file path=ppt/slides/slide18.xml><?xml version="1.0" encoding="utf-8"?>
 <p:sld xmlns:a="http://schemas.openxmlformats.org/drawingml/2006/main" xmlns:r="http://schemas.openxmlformats.org/officeDocument/2006/relationships" xmlns:p="http://schemas.openxmlformats.org/presentationml/2006/main">
   <p:cSld>
     <p:spTree>
@@ -10801,7 +12203,7 @@
           <p:cNvPr id="8" name="Gruppieren 7">
             <a:extLst>
               <a:ext uri="{FF2B5EF4-FFF2-40B4-BE49-F238E27FC236}">
-                <a16:creationId xmlns="" xmlns:a16="http://schemas.microsoft.com/office/drawing/2014/main" id="{55DEAA25-08DE-234A-9F7E-6DA95517E4AB}"/>
+                <a16:creationId xmlns:a16="http://schemas.microsoft.com/office/drawing/2014/main" xmlns="" id="{55DEAA25-08DE-234A-9F7E-6DA95517E4AB}"/>
               </a:ext>
             </a:extLst>
           </p:cNvPr>
@@ -10821,7 +12223,7 @@
             <p:cNvPr id="9" name="Rechteck 8">
               <a:extLst>
                 <a:ext uri="{FF2B5EF4-FFF2-40B4-BE49-F238E27FC236}">
-                  <a16:creationId xmlns="" xmlns:a16="http://schemas.microsoft.com/office/drawing/2014/main" id="{CBE4218A-6735-2946-A3C0-E23809B7CEDF}"/>
+                  <a16:creationId xmlns:a16="http://schemas.microsoft.com/office/drawing/2014/main" xmlns="" id="{CBE4218A-6735-2946-A3C0-E23809B7CEDF}"/>
                 </a:ext>
               </a:extLst>
             </p:cNvPr>
@@ -10972,7 +12374,7 @@
             <p:cNvPr id="10" name="Rechteck 9">
               <a:extLst>
                 <a:ext uri="{FF2B5EF4-FFF2-40B4-BE49-F238E27FC236}">
-                  <a16:creationId xmlns="" xmlns:a16="http://schemas.microsoft.com/office/drawing/2014/main" id="{5ECE2600-E242-0A47-A437-E1A9C7F07343}"/>
+                  <a16:creationId xmlns:a16="http://schemas.microsoft.com/office/drawing/2014/main" xmlns="" id="{5ECE2600-E242-0A47-A437-E1A9C7F07343}"/>
                 </a:ext>
               </a:extLst>
             </p:cNvPr>
@@ -11039,7 +12441,7 @@
           <p:cNvPr id="11" name="Gruppieren 10">
             <a:extLst>
               <a:ext uri="{FF2B5EF4-FFF2-40B4-BE49-F238E27FC236}">
-                <a16:creationId xmlns="" xmlns:a16="http://schemas.microsoft.com/office/drawing/2014/main" id="{2A9CBD64-DABE-DB44-8CC9-7ED3D3F42599}"/>
+                <a16:creationId xmlns:a16="http://schemas.microsoft.com/office/drawing/2014/main" xmlns="" id="{2A9CBD64-DABE-DB44-8CC9-7ED3D3F42599}"/>
               </a:ext>
             </a:extLst>
           </p:cNvPr>
@@ -11059,7 +12461,7 @@
             <p:cNvPr id="12" name="Rechteck 11">
               <a:extLst>
                 <a:ext uri="{FF2B5EF4-FFF2-40B4-BE49-F238E27FC236}">
-                  <a16:creationId xmlns="" xmlns:a16="http://schemas.microsoft.com/office/drawing/2014/main" id="{880AB37D-6202-FE47-84F8-2DB9C99F0992}"/>
+                  <a16:creationId xmlns:a16="http://schemas.microsoft.com/office/drawing/2014/main" xmlns="" id="{880AB37D-6202-FE47-84F8-2DB9C99F0992}"/>
                 </a:ext>
               </a:extLst>
             </p:cNvPr>
@@ -11249,7 +12651,7 @@
             <p:cNvPr id="13" name="Rechteck 12">
               <a:extLst>
                 <a:ext uri="{FF2B5EF4-FFF2-40B4-BE49-F238E27FC236}">
-                  <a16:creationId xmlns="" xmlns:a16="http://schemas.microsoft.com/office/drawing/2014/main" id="{6E6D6DF1-8063-C749-A415-29613D3195D5}"/>
+                  <a16:creationId xmlns:a16="http://schemas.microsoft.com/office/drawing/2014/main" xmlns="" id="{6E6D6DF1-8063-C749-A415-29613D3195D5}"/>
                 </a:ext>
               </a:extLst>
             </p:cNvPr>
@@ -11324,7 +12726,7 @@
 </p:sld>
 </file>
 
-<file path=ppt/slides/slide18.xml><?xml version="1.0" encoding="utf-8"?>
+<file path=ppt/slides/slide19.xml><?xml version="1.0" encoding="utf-8"?>
 <p:sld xmlns:a="http://schemas.openxmlformats.org/drawingml/2006/main" xmlns:r="http://schemas.openxmlformats.org/officeDocument/2006/relationships" xmlns:p="http://schemas.openxmlformats.org/presentationml/2006/main">
   <p:cSld>
     <p:spTree>
@@ -11346,7 +12748,7 @@
           <p:cNvPr id="2" name="Titel 1">
             <a:extLst>
               <a:ext uri="{FF2B5EF4-FFF2-40B4-BE49-F238E27FC236}">
-                <a16:creationId xmlns="" xmlns:a16="http://schemas.microsoft.com/office/drawing/2014/main" id="{0E63EF50-EEA4-0D49-A35C-C36F045D035E}"/>
+                <a16:creationId xmlns:a16="http://schemas.microsoft.com/office/drawing/2014/main" xmlns="" id="{0E63EF50-EEA4-0D49-A35C-C36F045D035E}"/>
               </a:ext>
             </a:extLst>
           </p:cNvPr>
@@ -11391,7 +12793,7 @@
           <p:cNvPr id="5" name="Gruppieren 4">
             <a:extLst>
               <a:ext uri="{FF2B5EF4-FFF2-40B4-BE49-F238E27FC236}">
-                <a16:creationId xmlns="" xmlns:a16="http://schemas.microsoft.com/office/drawing/2014/main" id="{82067C57-47CC-BC4A-911D-C058CB8E64C1}"/>
+                <a16:creationId xmlns:a16="http://schemas.microsoft.com/office/drawing/2014/main" xmlns="" id="{82067C57-47CC-BC4A-911D-C058CB8E64C1}"/>
               </a:ext>
             </a:extLst>
           </p:cNvPr>
@@ -11411,7 +12813,7 @@
             <p:cNvPr id="6" name="Rechteck 5">
               <a:extLst>
                 <a:ext uri="{FF2B5EF4-FFF2-40B4-BE49-F238E27FC236}">
-                  <a16:creationId xmlns="" xmlns:a16="http://schemas.microsoft.com/office/drawing/2014/main" id="{1F74AAB6-FEC2-E040-AE2F-389C01E41200}"/>
+                  <a16:creationId xmlns:a16="http://schemas.microsoft.com/office/drawing/2014/main" xmlns="" id="{1F74AAB6-FEC2-E040-AE2F-389C01E41200}"/>
                 </a:ext>
               </a:extLst>
             </p:cNvPr>
@@ -11539,7 +12941,7 @@
             <p:cNvPr id="7" name="Rechteck 6">
               <a:extLst>
                 <a:ext uri="{FF2B5EF4-FFF2-40B4-BE49-F238E27FC236}">
-                  <a16:creationId xmlns="" xmlns:a16="http://schemas.microsoft.com/office/drawing/2014/main" id="{D9A91609-F78E-9C45-BCA7-7DF954BC0A1A}"/>
+                  <a16:creationId xmlns:a16="http://schemas.microsoft.com/office/drawing/2014/main" xmlns="" id="{D9A91609-F78E-9C45-BCA7-7DF954BC0A1A}"/>
                 </a:ext>
               </a:extLst>
             </p:cNvPr>
@@ -11598,7 +13000,7 @@
           <p:cNvPr id="8" name="Gruppieren 7">
             <a:extLst>
               <a:ext uri="{FF2B5EF4-FFF2-40B4-BE49-F238E27FC236}">
-                <a16:creationId xmlns="" xmlns:a16="http://schemas.microsoft.com/office/drawing/2014/main" id="{64401E1E-557D-5D4F-AE09-187A0802411B}"/>
+                <a16:creationId xmlns:a16="http://schemas.microsoft.com/office/drawing/2014/main" xmlns="" id="{64401E1E-557D-5D4F-AE09-187A0802411B}"/>
               </a:ext>
             </a:extLst>
           </p:cNvPr>
@@ -11618,7 +13020,7 @@
             <p:cNvPr id="9" name="Rechteck 8">
               <a:extLst>
                 <a:ext uri="{FF2B5EF4-FFF2-40B4-BE49-F238E27FC236}">
-                  <a16:creationId xmlns="" xmlns:a16="http://schemas.microsoft.com/office/drawing/2014/main" id="{35A0EAB9-4039-6448-AC03-B60DE38901D0}"/>
+                  <a16:creationId xmlns:a16="http://schemas.microsoft.com/office/drawing/2014/main" xmlns="" id="{35A0EAB9-4039-6448-AC03-B60DE38901D0}"/>
                 </a:ext>
               </a:extLst>
             </p:cNvPr>
@@ -11702,7 +13104,7 @@
             <p:cNvPr id="10" name="Rechteck 9">
               <a:extLst>
                 <a:ext uri="{FF2B5EF4-FFF2-40B4-BE49-F238E27FC236}">
-                  <a16:creationId xmlns="" xmlns:a16="http://schemas.microsoft.com/office/drawing/2014/main" id="{FCCEA108-686B-BB4F-95FB-4BCE5EB529F1}"/>
+                  <a16:creationId xmlns:a16="http://schemas.microsoft.com/office/drawing/2014/main" xmlns="" id="{FCCEA108-686B-BB4F-95FB-4BCE5EB529F1}"/>
                 </a:ext>
               </a:extLst>
             </p:cNvPr>
@@ -11761,7 +13163,7 @@
           <p:cNvPr id="11" name="Rechteck 10">
             <a:extLst>
               <a:ext uri="{FF2B5EF4-FFF2-40B4-BE49-F238E27FC236}">
-                <a16:creationId xmlns="" xmlns:a16="http://schemas.microsoft.com/office/drawing/2014/main" id="{96BDAF81-30A4-1E4E-959F-95E9EB7F7C7A}"/>
+                <a16:creationId xmlns:a16="http://schemas.microsoft.com/office/drawing/2014/main" xmlns="" id="{96BDAF81-30A4-1E4E-959F-95E9EB7F7C7A}"/>
               </a:ext>
             </a:extLst>
           </p:cNvPr>
@@ -11828,7 +13230,7 @@
           <p:cNvPr id="12" name="Rechteck 11">
             <a:extLst>
               <a:ext uri="{FF2B5EF4-FFF2-40B4-BE49-F238E27FC236}">
-                <a16:creationId xmlns="" xmlns:a16="http://schemas.microsoft.com/office/drawing/2014/main" id="{E6C50A77-89BD-8744-8E4D-4BE35B73D833}"/>
+                <a16:creationId xmlns:a16="http://schemas.microsoft.com/office/drawing/2014/main" xmlns="" id="{E6C50A77-89BD-8744-8E4D-4BE35B73D833}"/>
               </a:ext>
             </a:extLst>
           </p:cNvPr>
@@ -11895,7 +13297,7 @@
           <p:cNvPr id="13" name="Gruppieren 12">
             <a:extLst>
               <a:ext uri="{FF2B5EF4-FFF2-40B4-BE49-F238E27FC236}">
-                <a16:creationId xmlns="" xmlns:a16="http://schemas.microsoft.com/office/drawing/2014/main" id="{5B6A8D9F-A9F8-264C-B489-24AFD5A8596D}"/>
+                <a16:creationId xmlns:a16="http://schemas.microsoft.com/office/drawing/2014/main" xmlns="" id="{5B6A8D9F-A9F8-264C-B489-24AFD5A8596D}"/>
               </a:ext>
             </a:extLst>
           </p:cNvPr>
@@ -11915,7 +13317,7 @@
             <p:cNvPr id="14" name="Rechteck 13">
               <a:extLst>
                 <a:ext uri="{FF2B5EF4-FFF2-40B4-BE49-F238E27FC236}">
-                  <a16:creationId xmlns="" xmlns:a16="http://schemas.microsoft.com/office/drawing/2014/main" id="{8766CB30-3942-9E46-8CAC-FC33876B35F3}"/>
+                  <a16:creationId xmlns:a16="http://schemas.microsoft.com/office/drawing/2014/main" xmlns="" id="{8766CB30-3942-9E46-8CAC-FC33876B35F3}"/>
                 </a:ext>
               </a:extLst>
             </p:cNvPr>
@@ -11999,7 +13401,7 @@
             <p:cNvPr id="15" name="Rechteck 14">
               <a:extLst>
                 <a:ext uri="{FF2B5EF4-FFF2-40B4-BE49-F238E27FC236}">
-                  <a16:creationId xmlns="" xmlns:a16="http://schemas.microsoft.com/office/drawing/2014/main" id="{79F41613-6C39-9547-8B51-B50E6A35E505}"/>
+                  <a16:creationId xmlns:a16="http://schemas.microsoft.com/office/drawing/2014/main" xmlns="" id="{79F41613-6C39-9547-8B51-B50E6A35E505}"/>
                 </a:ext>
               </a:extLst>
             </p:cNvPr>
@@ -12058,7 +13460,7 @@
           <p:cNvPr id="16" name="Gruppieren 15">
             <a:extLst>
               <a:ext uri="{FF2B5EF4-FFF2-40B4-BE49-F238E27FC236}">
-                <a16:creationId xmlns="" xmlns:a16="http://schemas.microsoft.com/office/drawing/2014/main" id="{3EAAE737-A1E8-BD49-A661-00C0D54A60DD}"/>
+                <a16:creationId xmlns:a16="http://schemas.microsoft.com/office/drawing/2014/main" xmlns="" id="{3EAAE737-A1E8-BD49-A661-00C0D54A60DD}"/>
               </a:ext>
             </a:extLst>
           </p:cNvPr>
@@ -12078,7 +13480,7 @@
             <p:cNvPr id="17" name="Rechteck 16">
               <a:extLst>
                 <a:ext uri="{FF2B5EF4-FFF2-40B4-BE49-F238E27FC236}">
-                  <a16:creationId xmlns="" xmlns:a16="http://schemas.microsoft.com/office/drawing/2014/main" id="{A12CF216-7A5B-B546-8D15-3FFD047539D4}"/>
+                  <a16:creationId xmlns:a16="http://schemas.microsoft.com/office/drawing/2014/main" xmlns="" id="{A12CF216-7A5B-B546-8D15-3FFD047539D4}"/>
                 </a:ext>
               </a:extLst>
             </p:cNvPr>
@@ -12176,7 +13578,7 @@
             <p:cNvPr id="18" name="Rechteck 17">
               <a:extLst>
                 <a:ext uri="{FF2B5EF4-FFF2-40B4-BE49-F238E27FC236}">
-                  <a16:creationId xmlns="" xmlns:a16="http://schemas.microsoft.com/office/drawing/2014/main" id="{91008A0C-F66B-104F-B3C9-118DB994F72D}"/>
+                  <a16:creationId xmlns:a16="http://schemas.microsoft.com/office/drawing/2014/main" xmlns="" id="{91008A0C-F66B-104F-B3C9-118DB994F72D}"/>
                 </a:ext>
               </a:extLst>
             </p:cNvPr>
@@ -12243,7 +13645,7 @@
 </p:sld>
 </file>
 
-<file path=ppt/slides/slide19.xml><?xml version="1.0" encoding="utf-8"?>
+<file path=ppt/slides/slide2.xml><?xml version="1.0" encoding="utf-8"?>
 <p:sld xmlns:a="http://schemas.openxmlformats.org/drawingml/2006/main" xmlns:r="http://schemas.openxmlformats.org/officeDocument/2006/relationships" xmlns:p="http://schemas.openxmlformats.org/presentationml/2006/main">
   <p:cSld>
     <p:spTree>
@@ -12265,7 +13667,90 @@
           <p:cNvPr id="2" name="Titel 1">
             <a:extLst>
               <a:ext uri="{FF2B5EF4-FFF2-40B4-BE49-F238E27FC236}">
-                <a16:creationId xmlns="" xmlns:a16="http://schemas.microsoft.com/office/drawing/2014/main" id="{486C50CA-1F3A-EF43-9380-876C137AD8EC}"/>
+                <a16:creationId xmlns:a16="http://schemas.microsoft.com/office/drawing/2014/main" xmlns="" id="{4F501AA0-CA0E-4649-A4DF-1177DBB86B43}"/>
+              </a:ext>
+            </a:extLst>
+          </p:cNvPr>
+          <p:cNvSpPr>
+            <a:spLocks noGrp="1"/>
+          </p:cNvSpPr>
+          <p:nvPr>
+            <p:ph type="title"/>
+          </p:nvPr>
+        </p:nvSpPr>
+        <p:spPr/>
+        <p:txBody>
+          <a:bodyPr/>
+          <a:lstStyle/>
+          <a:p>
+            <a:r>
+              <a:rPr lang="de-DE" dirty="0"/>
+              <a:t>Motivation</a:t>
+            </a:r>
+          </a:p>
+        </p:txBody>
+      </p:sp>
+      <p:sp>
+        <p:nvSpPr>
+          <p:cNvPr id="3" name="Inhaltsplatzhalter 2">
+            <a:extLst>
+              <a:ext uri="{FF2B5EF4-FFF2-40B4-BE49-F238E27FC236}">
+                <a16:creationId xmlns:a16="http://schemas.microsoft.com/office/drawing/2014/main" xmlns="" id="{4464FDF8-1C7E-404D-B624-B587D456B8B9}"/>
+              </a:ext>
+            </a:extLst>
+          </p:cNvPr>
+          <p:cNvSpPr>
+            <a:spLocks noGrp="1"/>
+          </p:cNvSpPr>
+          <p:nvPr>
+            <p:ph sz="quarter" idx="10"/>
+          </p:nvPr>
+        </p:nvSpPr>
+        <p:spPr/>
+        <p:txBody>
+          <a:bodyPr/>
+          <a:lstStyle/>
+          <a:p>
+            <a:endParaRPr lang="de-DE" dirty="0"/>
+          </a:p>
+        </p:txBody>
+      </p:sp>
+    </p:spTree>
+    <p:extLst>
+      <p:ext uri="{BB962C8B-B14F-4D97-AF65-F5344CB8AC3E}">
+        <p14:creationId xmlns:p14="http://schemas.microsoft.com/office/powerpoint/2010/main" val="4254231413"/>
+      </p:ext>
+    </p:extLst>
+  </p:cSld>
+  <p:clrMapOvr>
+    <a:masterClrMapping/>
+  </p:clrMapOvr>
+</p:sld>
+</file>
+
+<file path=ppt/slides/slide20.xml><?xml version="1.0" encoding="utf-8"?>
+<p:sld xmlns:a="http://schemas.openxmlformats.org/drawingml/2006/main" xmlns:r="http://schemas.openxmlformats.org/officeDocument/2006/relationships" xmlns:p="http://schemas.openxmlformats.org/presentationml/2006/main">
+  <p:cSld>
+    <p:spTree>
+      <p:nvGrpSpPr>
+        <p:cNvPr id="1" name=""/>
+        <p:cNvGrpSpPr/>
+        <p:nvPr/>
+      </p:nvGrpSpPr>
+      <p:grpSpPr>
+        <a:xfrm>
+          <a:off x="0" y="0"/>
+          <a:ext cx="0" cy="0"/>
+          <a:chOff x="0" y="0"/>
+          <a:chExt cx="0" cy="0"/>
+        </a:xfrm>
+      </p:grpSpPr>
+      <p:sp>
+        <p:nvSpPr>
+          <p:cNvPr id="2" name="Titel 1">
+            <a:extLst>
+              <a:ext uri="{FF2B5EF4-FFF2-40B4-BE49-F238E27FC236}">
+                <a16:creationId xmlns:a16="http://schemas.microsoft.com/office/drawing/2014/main" xmlns="" id="{486C50CA-1F3A-EF43-9380-876C137AD8EC}"/>
               </a:ext>
             </a:extLst>
           </p:cNvPr>
@@ -12293,7 +13778,7 @@
           <p:cNvPr id="3" name="Inhaltsplatzhalter 2">
             <a:extLst>
               <a:ext uri="{FF2B5EF4-FFF2-40B4-BE49-F238E27FC236}">
-                <a16:creationId xmlns="" xmlns:a16="http://schemas.microsoft.com/office/drawing/2014/main" id="{ABD8A889-EFEB-F24E-8415-CFB9A520769E}"/>
+                <a16:creationId xmlns:a16="http://schemas.microsoft.com/office/drawing/2014/main" xmlns="" id="{ABD8A889-EFEB-F24E-8415-CFB9A520769E}"/>
               </a:ext>
             </a:extLst>
           </p:cNvPr>
@@ -12658,90 +14143,7 @@
 </p:sld>
 </file>
 
-<file path=ppt/slides/slide2.xml><?xml version="1.0" encoding="utf-8"?>
-<p:sld xmlns:a="http://schemas.openxmlformats.org/drawingml/2006/main" xmlns:r="http://schemas.openxmlformats.org/officeDocument/2006/relationships" xmlns:p="http://schemas.openxmlformats.org/presentationml/2006/main">
-  <p:cSld>
-    <p:spTree>
-      <p:nvGrpSpPr>
-        <p:cNvPr id="1" name=""/>
-        <p:cNvGrpSpPr/>
-        <p:nvPr/>
-      </p:nvGrpSpPr>
-      <p:grpSpPr>
-        <a:xfrm>
-          <a:off x="0" y="0"/>
-          <a:ext cx="0" cy="0"/>
-          <a:chOff x="0" y="0"/>
-          <a:chExt cx="0" cy="0"/>
-        </a:xfrm>
-      </p:grpSpPr>
-      <p:sp>
-        <p:nvSpPr>
-          <p:cNvPr id="2" name="Titel 1">
-            <a:extLst>
-              <a:ext uri="{FF2B5EF4-FFF2-40B4-BE49-F238E27FC236}">
-                <a16:creationId xmlns="" xmlns:a16="http://schemas.microsoft.com/office/drawing/2014/main" id="{4F501AA0-CA0E-4649-A4DF-1177DBB86B43}"/>
-              </a:ext>
-            </a:extLst>
-          </p:cNvPr>
-          <p:cNvSpPr>
-            <a:spLocks noGrp="1"/>
-          </p:cNvSpPr>
-          <p:nvPr>
-            <p:ph type="title"/>
-          </p:nvPr>
-        </p:nvSpPr>
-        <p:spPr/>
-        <p:txBody>
-          <a:bodyPr/>
-          <a:lstStyle/>
-          <a:p>
-            <a:r>
-              <a:rPr lang="de-DE" dirty="0"/>
-              <a:t>Motivation</a:t>
-            </a:r>
-          </a:p>
-        </p:txBody>
-      </p:sp>
-      <p:sp>
-        <p:nvSpPr>
-          <p:cNvPr id="3" name="Inhaltsplatzhalter 2">
-            <a:extLst>
-              <a:ext uri="{FF2B5EF4-FFF2-40B4-BE49-F238E27FC236}">
-                <a16:creationId xmlns="" xmlns:a16="http://schemas.microsoft.com/office/drawing/2014/main" id="{4464FDF8-1C7E-404D-B624-B587D456B8B9}"/>
-              </a:ext>
-            </a:extLst>
-          </p:cNvPr>
-          <p:cNvSpPr>
-            <a:spLocks noGrp="1"/>
-          </p:cNvSpPr>
-          <p:nvPr>
-            <p:ph sz="quarter" idx="10"/>
-          </p:nvPr>
-        </p:nvSpPr>
-        <p:spPr/>
-        <p:txBody>
-          <a:bodyPr/>
-          <a:lstStyle/>
-          <a:p>
-            <a:endParaRPr lang="de-DE" dirty="0"/>
-          </a:p>
-        </p:txBody>
-      </p:sp>
-    </p:spTree>
-    <p:extLst>
-      <p:ext uri="{BB962C8B-B14F-4D97-AF65-F5344CB8AC3E}">
-        <p14:creationId xmlns:p14="http://schemas.microsoft.com/office/powerpoint/2010/main" val="4254231413"/>
-      </p:ext>
-    </p:extLst>
-  </p:cSld>
-  <p:clrMapOvr>
-    <a:masterClrMapping/>
-  </p:clrMapOvr>
-</p:sld>
-</file>
-
-<file path=ppt/slides/slide20.xml><?xml version="1.0" encoding="utf-8"?>
+<file path=ppt/slides/slide21.xml><?xml version="1.0" encoding="utf-8"?>
 <p:sld xmlns:a="http://schemas.openxmlformats.org/drawingml/2006/main" xmlns:r="http://schemas.openxmlformats.org/officeDocument/2006/relationships" xmlns:p="http://schemas.openxmlformats.org/presentationml/2006/main">
   <p:cSld>
     <p:spTree>
@@ -13803,7 +15205,7 @@
 </p:sld>
 </file>
 
-<file path=ppt/slides/slide21.xml><?xml version="1.0" encoding="utf-8"?>
+<file path=ppt/slides/slide22.xml><?xml version="1.0" encoding="utf-8"?>
 <p:sld xmlns:a="http://schemas.openxmlformats.org/drawingml/2006/main" xmlns:r="http://schemas.openxmlformats.org/officeDocument/2006/relationships" xmlns:p="http://schemas.openxmlformats.org/presentationml/2006/main">
   <p:cSld>
     <p:spTree>
@@ -14899,7 +16301,7 @@
 </p:sld>
 </file>
 
-<file path=ppt/slides/slide22.xml><?xml version="1.0" encoding="utf-8"?>
+<file path=ppt/slides/slide23.xml><?xml version="1.0" encoding="utf-8"?>
 <p:sld xmlns:a="http://schemas.openxmlformats.org/drawingml/2006/main" xmlns:r="http://schemas.openxmlformats.org/officeDocument/2006/relationships" xmlns:p="http://schemas.openxmlformats.org/presentationml/2006/main">
   <p:cSld>
     <p:spTree>
@@ -15970,7 +17372,7 @@
 </p:sld>
 </file>
 
-<file path=ppt/slides/slide23.xml><?xml version="1.0" encoding="utf-8"?>
+<file path=ppt/slides/slide24.xml><?xml version="1.0" encoding="utf-8"?>
 <p:sld xmlns:a="http://schemas.openxmlformats.org/drawingml/2006/main" xmlns:r="http://schemas.openxmlformats.org/officeDocument/2006/relationships" xmlns:p="http://schemas.openxmlformats.org/presentationml/2006/main">
   <p:cSld>
     <p:spTree>
@@ -16268,7 +17670,7 @@
           <p:cNvPr id="12" name="Gruppieren 11">
             <a:extLst>
               <a:ext uri="{FF2B5EF4-FFF2-40B4-BE49-F238E27FC236}">
-                <a16:creationId xmlns="" xmlns:a16="http://schemas.microsoft.com/office/drawing/2014/main" id="{EA0A8815-E75B-6046-B394-2A918B180A1D}"/>
+                <a16:creationId xmlns:a16="http://schemas.microsoft.com/office/drawing/2014/main" xmlns="" id="{EA0A8815-E75B-6046-B394-2A918B180A1D}"/>
               </a:ext>
             </a:extLst>
           </p:cNvPr>
@@ -16288,7 +17690,7 @@
             <p:cNvPr id="13" name="Rechteck 12">
               <a:extLst>
                 <a:ext uri="{FF2B5EF4-FFF2-40B4-BE49-F238E27FC236}">
-                  <a16:creationId xmlns="" xmlns:a16="http://schemas.microsoft.com/office/drawing/2014/main" id="{C6DACD2C-9288-2743-8000-2D2B960374D2}"/>
+                  <a16:creationId xmlns:a16="http://schemas.microsoft.com/office/drawing/2014/main" xmlns="" id="{C6DACD2C-9288-2743-8000-2D2B960374D2}"/>
                 </a:ext>
               </a:extLst>
             </p:cNvPr>
@@ -16380,7 +17782,7 @@
             <p:cNvPr id="14" name="Rechteck 13">
               <a:extLst>
                 <a:ext uri="{FF2B5EF4-FFF2-40B4-BE49-F238E27FC236}">
-                  <a16:creationId xmlns="" xmlns:a16="http://schemas.microsoft.com/office/drawing/2014/main" id="{8A961849-3F67-574C-9B6D-E3BC3038B489}"/>
+                  <a16:creationId xmlns:a16="http://schemas.microsoft.com/office/drawing/2014/main" xmlns="" id="{8A961849-3F67-574C-9B6D-E3BC3038B489}"/>
                 </a:ext>
               </a:extLst>
             </p:cNvPr>
@@ -16439,7 +17841,7 @@
           <p:cNvPr id="15" name="Gruppieren 14">
             <a:extLst>
               <a:ext uri="{FF2B5EF4-FFF2-40B4-BE49-F238E27FC236}">
-                <a16:creationId xmlns="" xmlns:a16="http://schemas.microsoft.com/office/drawing/2014/main" id="{A88F0E40-A3C2-8A49-B01C-D43BDE29765D}"/>
+                <a16:creationId xmlns:a16="http://schemas.microsoft.com/office/drawing/2014/main" xmlns="" id="{A88F0E40-A3C2-8A49-B01C-D43BDE29765D}"/>
               </a:ext>
             </a:extLst>
           </p:cNvPr>
@@ -16459,7 +17861,7 @@
             <p:cNvPr id="16" name="Rechteck 15">
               <a:extLst>
                 <a:ext uri="{FF2B5EF4-FFF2-40B4-BE49-F238E27FC236}">
-                  <a16:creationId xmlns="" xmlns:a16="http://schemas.microsoft.com/office/drawing/2014/main" id="{18E7CC15-3520-4B45-A599-D8A2FCD6071C}"/>
+                  <a16:creationId xmlns:a16="http://schemas.microsoft.com/office/drawing/2014/main" xmlns="" id="{18E7CC15-3520-4B45-A599-D8A2FCD6071C}"/>
                 </a:ext>
               </a:extLst>
             </p:cNvPr>
@@ -16654,7 +18056,7 @@
             <p:cNvPr id="17" name="Rechteck 16">
               <a:extLst>
                 <a:ext uri="{FF2B5EF4-FFF2-40B4-BE49-F238E27FC236}">
-                  <a16:creationId xmlns="" xmlns:a16="http://schemas.microsoft.com/office/drawing/2014/main" id="{9CA4E624-C249-DD44-95E5-805EF9DA78B4}"/>
+                  <a16:creationId xmlns:a16="http://schemas.microsoft.com/office/drawing/2014/main" xmlns="" id="{9CA4E624-C249-DD44-95E5-805EF9DA78B4}"/>
                 </a:ext>
               </a:extLst>
             </p:cNvPr>
@@ -16713,7 +18115,7 @@
           <p:cNvPr id="18" name="Gruppieren 17">
             <a:extLst>
               <a:ext uri="{FF2B5EF4-FFF2-40B4-BE49-F238E27FC236}">
-                <a16:creationId xmlns="" xmlns:a16="http://schemas.microsoft.com/office/drawing/2014/main" id="{14C33807-8E01-ED45-97CC-799667FE8E29}"/>
+                <a16:creationId xmlns:a16="http://schemas.microsoft.com/office/drawing/2014/main" xmlns="" id="{14C33807-8E01-ED45-97CC-799667FE8E29}"/>
               </a:ext>
             </a:extLst>
           </p:cNvPr>
@@ -16733,7 +18135,7 @@
             <p:cNvPr id="19" name="Rechteck 18">
               <a:extLst>
                 <a:ext uri="{FF2B5EF4-FFF2-40B4-BE49-F238E27FC236}">
-                  <a16:creationId xmlns="" xmlns:a16="http://schemas.microsoft.com/office/drawing/2014/main" id="{ADE0619D-3F85-424E-9F9E-D202B0D54706}"/>
+                  <a16:creationId xmlns:a16="http://schemas.microsoft.com/office/drawing/2014/main" xmlns="" id="{ADE0619D-3F85-424E-9F9E-D202B0D54706}"/>
                 </a:ext>
               </a:extLst>
             </p:cNvPr>
@@ -16926,7 +18328,7 @@
             <p:cNvPr id="20" name="Rechteck 19">
               <a:extLst>
                 <a:ext uri="{FF2B5EF4-FFF2-40B4-BE49-F238E27FC236}">
-                  <a16:creationId xmlns="" xmlns:a16="http://schemas.microsoft.com/office/drawing/2014/main" id="{C56BD12A-0269-3F42-B860-ADC924159D2D}"/>
+                  <a16:creationId xmlns:a16="http://schemas.microsoft.com/office/drawing/2014/main" xmlns="" id="{C56BD12A-0269-3F42-B860-ADC924159D2D}"/>
                 </a:ext>
               </a:extLst>
             </p:cNvPr>
@@ -17767,7 +19169,7 @@
         </p:nvSpPr>
         <p:spPr>
           <a:xfrm>
-            <a:off x="7937467" y="4480510"/>
+            <a:off x="7937467" y="4468935"/>
             <a:ext cx="509286" cy="376035"/>
           </a:xfrm>
           <a:prstGeom prst="rect">
@@ -18025,7 +19427,7 @@
             <p:cNvPr id="24" name="Rechteck 23">
               <a:extLst>
                 <a:ext uri="{FF2B5EF4-FFF2-40B4-BE49-F238E27FC236}">
-                  <a16:creationId xmlns="" xmlns:a16="http://schemas.microsoft.com/office/drawing/2014/main" id="{FCCEA108-686B-BB4F-95FB-4BCE5EB529F1}"/>
+                  <a16:creationId xmlns:a16="http://schemas.microsoft.com/office/drawing/2014/main" xmlns="" id="{FCCEA108-686B-BB4F-95FB-4BCE5EB529F1}"/>
                 </a:ext>
               </a:extLst>
             </p:cNvPr>
@@ -18084,7 +19486,7 @@
           <p:cNvPr id="7" name="Gruppieren 6" hidden="1">
             <a:extLst>
               <a:ext uri="{FF2B5EF4-FFF2-40B4-BE49-F238E27FC236}">
-                <a16:creationId xmlns="" xmlns:a16="http://schemas.microsoft.com/office/drawing/2014/main" id="{4524C733-E4A0-094C-8136-9DE1ABF03809}"/>
+                <a16:creationId xmlns:a16="http://schemas.microsoft.com/office/drawing/2014/main" xmlns="" id="{4524C733-E4A0-094C-8136-9DE1ABF03809}"/>
               </a:ext>
             </a:extLst>
           </p:cNvPr>
@@ -18179,7 +19581,7 @@
             <p:cNvPr id="25" name="Rechteck 24">
               <a:extLst>
                 <a:ext uri="{FF2B5EF4-FFF2-40B4-BE49-F238E27FC236}">
-                  <a16:creationId xmlns="" xmlns:a16="http://schemas.microsoft.com/office/drawing/2014/main" id="{FCCEA108-686B-BB4F-95FB-4BCE5EB529F1}"/>
+                  <a16:creationId xmlns:a16="http://schemas.microsoft.com/office/drawing/2014/main" xmlns="" id="{FCCEA108-686B-BB4F-95FB-4BCE5EB529F1}"/>
                 </a:ext>
               </a:extLst>
             </p:cNvPr>
@@ -18238,7 +19640,7 @@
           <p:cNvPr id="8" name="Gruppieren 7" hidden="1">
             <a:extLst>
               <a:ext uri="{FF2B5EF4-FFF2-40B4-BE49-F238E27FC236}">
-                <a16:creationId xmlns="" xmlns:a16="http://schemas.microsoft.com/office/drawing/2014/main" id="{6A103FCA-854C-C04E-BB87-A0BCEB37CB2A}"/>
+                <a16:creationId xmlns:a16="http://schemas.microsoft.com/office/drawing/2014/main" xmlns="" id="{6A103FCA-854C-C04E-BB87-A0BCEB37CB2A}"/>
               </a:ext>
             </a:extLst>
           </p:cNvPr>
@@ -18333,7 +19735,7 @@
             <p:cNvPr id="26" name="Rechteck 25">
               <a:extLst>
                 <a:ext uri="{FF2B5EF4-FFF2-40B4-BE49-F238E27FC236}">
-                  <a16:creationId xmlns="" xmlns:a16="http://schemas.microsoft.com/office/drawing/2014/main" id="{FCCEA108-686B-BB4F-95FB-4BCE5EB529F1}"/>
+                  <a16:creationId xmlns:a16="http://schemas.microsoft.com/office/drawing/2014/main" xmlns="" id="{FCCEA108-686B-BB4F-95FB-4BCE5EB529F1}"/>
                 </a:ext>
               </a:extLst>
             </p:cNvPr>
@@ -18383,6 +19785,249 @@
                 </a:rPr>
                 <a:t>Neues Modul</a:t>
               </a:r>
+            </a:p>
+          </p:txBody>
+        </p:sp>
+      </p:grpSp>
+      <p:grpSp>
+        <p:nvGrpSpPr>
+          <p:cNvPr id="30" name="Gruppieren 29">
+            <a:extLst>
+              <a:ext uri="{FF2B5EF4-FFF2-40B4-BE49-F238E27FC236}">
+                <a16:creationId xmlns:a16="http://schemas.microsoft.com/office/drawing/2014/main" xmlns="" id="{64401E1E-557D-5D4F-AE09-187A0802411B}"/>
+              </a:ext>
+            </a:extLst>
+          </p:cNvPr>
+          <p:cNvGrpSpPr/>
+          <p:nvPr/>
+        </p:nvGrpSpPr>
+        <p:grpSpPr>
+          <a:xfrm>
+            <a:off x="874710" y="1274523"/>
+            <a:ext cx="3045670" cy="3966812"/>
+            <a:chOff x="1780029" y="1414270"/>
+            <a:chExt cx="3045670" cy="3812070"/>
+          </a:xfrm>
+        </p:grpSpPr>
+        <p:sp>
+          <p:nvSpPr>
+            <p:cNvPr id="31" name="Rechteck 30">
+              <a:extLst>
+                <a:ext uri="{FF2B5EF4-FFF2-40B4-BE49-F238E27FC236}">
+                  <a16:creationId xmlns:a16="http://schemas.microsoft.com/office/drawing/2014/main" xmlns="" id="{35A0EAB9-4039-6448-AC03-B60DE38901D0}"/>
+                </a:ext>
+              </a:extLst>
+            </p:cNvPr>
+            <p:cNvSpPr/>
+            <p:nvPr/>
+          </p:nvSpPr>
+          <p:spPr>
+            <a:xfrm>
+              <a:off x="1780029" y="1583283"/>
+              <a:ext cx="3045670" cy="3643057"/>
+            </a:xfrm>
+            <a:prstGeom prst="rect">
+              <a:avLst/>
+            </a:prstGeom>
+            <a:solidFill>
+              <a:schemeClr val="bg1"/>
+            </a:solidFill>
+          </p:spPr>
+          <p:style>
+            <a:lnRef idx="2">
+              <a:schemeClr val="accent1">
+                <a:shade val="50000"/>
+              </a:schemeClr>
+            </a:lnRef>
+            <a:fillRef idx="1">
+              <a:schemeClr val="accent1"/>
+            </a:fillRef>
+            <a:effectRef idx="0">
+              <a:schemeClr val="accent1"/>
+            </a:effectRef>
+            <a:fontRef idx="minor">
+              <a:schemeClr val="lt1"/>
+            </a:fontRef>
+          </p:style>
+          <p:txBody>
+            <a:bodyPr tIns="251999" rtlCol="0" anchor="t"/>
+            <a:lstStyle/>
+            <a:p>
+              <a:pPr marL="285750" indent="-285750">
+                <a:buFont typeface="Arial" panose="020B0604020202020204" pitchFamily="34" charset="0"/>
+                <a:buChar char="•"/>
+              </a:pPr>
+              <a:r>
+                <a:rPr lang="de-DE" sz="1600" dirty="0" smtClean="0">
+                  <a:solidFill>
+                    <a:schemeClr val="tx1"/>
+                  </a:solidFill>
+                </a:rPr>
+                <a:t>Dauer der Wartung: 2 Tage</a:t>
+              </a:r>
+            </a:p>
+            <a:p>
+              <a:pPr marL="285750" indent="-285750">
+                <a:buFont typeface="Arial" panose="020B0604020202020204" pitchFamily="34" charset="0"/>
+                <a:buChar char="•"/>
+              </a:pPr>
+              <a:r>
+                <a:rPr lang="de-DE" sz="1600" dirty="0" smtClean="0">
+                  <a:solidFill>
+                    <a:schemeClr val="tx1"/>
+                  </a:solidFill>
+                </a:rPr>
+                <a:t>Bedingungen:</a:t>
+              </a:r>
+            </a:p>
+            <a:p>
+              <a:pPr marL="697230" lvl="1" indent="-285750">
+                <a:buFont typeface="Arial" panose="020B0604020202020204" pitchFamily="34" charset="0"/>
+                <a:buChar char="•"/>
+              </a:pPr>
+              <a:r>
+                <a:rPr lang="de-DE" sz="1600" dirty="0" smtClean="0">
+                  <a:solidFill>
+                    <a:schemeClr val="tx1"/>
+                  </a:solidFill>
+                </a:rPr>
+                <a:t>Maximale Stillstandzeit:</a:t>
+              </a:r>
+              <a:br>
+                <a:rPr lang="de-DE" sz="1600" dirty="0" smtClean="0">
+                  <a:solidFill>
+                    <a:schemeClr val="tx1"/>
+                  </a:solidFill>
+                </a:rPr>
+              </a:br>
+              <a:r>
+                <a:rPr lang="de-DE" sz="1600" dirty="0" smtClean="0">
+                  <a:solidFill>
+                    <a:schemeClr val="tx1"/>
+                  </a:solidFill>
+                </a:rPr>
+                <a:t>3 Stunden</a:t>
+              </a:r>
+            </a:p>
+            <a:p>
+              <a:pPr marL="697230" lvl="1" indent="-285750">
+                <a:buFont typeface="Arial" panose="020B0604020202020204" pitchFamily="34" charset="0"/>
+                <a:buChar char="•"/>
+              </a:pPr>
+              <a:r>
+                <a:rPr lang="de-DE" sz="1600" dirty="0" smtClean="0">
+                  <a:solidFill>
+                    <a:schemeClr val="tx1"/>
+                  </a:solidFill>
+                </a:rPr>
+                <a:t>Wartung in 7 Tagen</a:t>
+              </a:r>
+              <a:endParaRPr lang="de-DE" sz="1600" dirty="0">
+                <a:solidFill>
+                  <a:schemeClr val="tx1"/>
+                </a:solidFill>
+              </a:endParaRPr>
+            </a:p>
+            <a:p>
+              <a:pPr marL="285750" indent="-285750">
+                <a:buFont typeface="Arial" panose="020B0604020202020204" pitchFamily="34" charset="0"/>
+                <a:buChar char="•"/>
+              </a:pPr>
+              <a:endParaRPr lang="de-DE" sz="1600" dirty="0" smtClean="0">
+                <a:solidFill>
+                  <a:schemeClr val="tx1"/>
+                </a:solidFill>
+              </a:endParaRPr>
+            </a:p>
+            <a:p>
+              <a:pPr marL="285750" indent="-285750">
+                <a:buFont typeface="Arial" panose="020B0604020202020204" pitchFamily="34" charset="0"/>
+                <a:buChar char="•"/>
+              </a:pPr>
+              <a:r>
+                <a:rPr lang="de-DE" sz="1600" dirty="0" smtClean="0">
+                  <a:solidFill>
+                    <a:schemeClr val="tx1"/>
+                  </a:solidFill>
+                </a:rPr>
+                <a:t>Was ist die beste Lösung?</a:t>
+              </a:r>
+              <a:endParaRPr lang="de-DE" sz="1600" dirty="0">
+                <a:solidFill>
+                  <a:schemeClr val="tx1"/>
+                </a:solidFill>
+              </a:endParaRPr>
+            </a:p>
+          </p:txBody>
+        </p:sp>
+        <p:sp>
+          <p:nvSpPr>
+            <p:cNvPr id="32" name="Rechteck 31">
+              <a:extLst>
+                <a:ext uri="{FF2B5EF4-FFF2-40B4-BE49-F238E27FC236}">
+                  <a16:creationId xmlns:a16="http://schemas.microsoft.com/office/drawing/2014/main" xmlns="" id="{FCCEA108-686B-BB4F-95FB-4BCE5EB529F1}"/>
+                </a:ext>
+              </a:extLst>
+            </p:cNvPr>
+            <p:cNvSpPr/>
+            <p:nvPr/>
+          </p:nvSpPr>
+          <p:spPr>
+            <a:xfrm>
+              <a:off x="1977038" y="1414270"/>
+              <a:ext cx="2620605" cy="338027"/>
+            </a:xfrm>
+            <a:prstGeom prst="rect">
+              <a:avLst/>
+            </a:prstGeom>
+            <a:solidFill>
+              <a:schemeClr val="bg1"/>
+            </a:solidFill>
+            <a:ln>
+              <a:noFill/>
+            </a:ln>
+          </p:spPr>
+          <p:style>
+            <a:lnRef idx="2">
+              <a:schemeClr val="accent1">
+                <a:shade val="50000"/>
+              </a:schemeClr>
+            </a:lnRef>
+            <a:fillRef idx="1">
+              <a:schemeClr val="accent1"/>
+            </a:fillRef>
+            <a:effectRef idx="0">
+              <a:schemeClr val="accent1"/>
+            </a:effectRef>
+            <a:fontRef idx="minor">
+              <a:schemeClr val="lt1"/>
+            </a:fontRef>
+          </p:style>
+          <p:txBody>
+            <a:bodyPr rtlCol="0" anchor="ctr"/>
+            <a:lstStyle/>
+            <a:p>
+              <a:r>
+                <a:rPr lang="de-DE" b="1" dirty="0" smtClean="0">
+                  <a:solidFill>
+                    <a:schemeClr val="accent4"/>
+                  </a:solidFill>
+                </a:rPr>
+                <a:t>Wartung Modul </a:t>
+              </a:r>
+              <a:r>
+                <a:rPr lang="de-DE" b="1" dirty="0" err="1" smtClean="0">
+                  <a:solidFill>
+                    <a:schemeClr val="accent4"/>
+                  </a:solidFill>
+                </a:rPr>
+                <a:t>Temper</a:t>
+              </a:r>
+              <a:endParaRPr lang="de-DE" b="1" dirty="0">
+                <a:solidFill>
+                  <a:schemeClr val="accent4"/>
+                </a:solidFill>
+              </a:endParaRPr>
             </a:p>
           </p:txBody>
         </p:sp>
@@ -18434,11 +20079,7 @@
           <a:p>
             <a:r>
               <a:rPr lang="de-DE" dirty="0" smtClean="0"/>
-              <a:t>Für die Problemlösung benötigt der Nutzer eine Vielzahl an </a:t>
-            </a:r>
-            <a:r>
-              <a:rPr lang="de-DE" dirty="0" smtClean="0"/>
-              <a:t>Informationen…</a:t>
+              <a:t>Für die Problemlösung benötigt der Nutzer eine Vielzahl an Informationen…</a:t>
             </a:r>
             <a:endParaRPr lang="de-DE" dirty="0"/>
           </a:p>
@@ -18449,7 +20090,7 @@
           <p:cNvPr id="4" name="Gruppieren 3">
             <a:extLst>
               <a:ext uri="{FF2B5EF4-FFF2-40B4-BE49-F238E27FC236}">
-                <a16:creationId xmlns="" xmlns:a16="http://schemas.microsoft.com/office/drawing/2014/main" id="{64401E1E-557D-5D4F-AE09-187A0802411B}"/>
+                <a16:creationId xmlns:a16="http://schemas.microsoft.com/office/drawing/2014/main" xmlns="" id="{64401E1E-557D-5D4F-AE09-187A0802411B}"/>
               </a:ext>
             </a:extLst>
           </p:cNvPr>
@@ -18469,7 +20110,7 @@
             <p:cNvPr id="5" name="Rechteck 4">
               <a:extLst>
                 <a:ext uri="{FF2B5EF4-FFF2-40B4-BE49-F238E27FC236}">
-                  <a16:creationId xmlns="" xmlns:a16="http://schemas.microsoft.com/office/drawing/2014/main" id="{35A0EAB9-4039-6448-AC03-B60DE38901D0}"/>
+                  <a16:creationId xmlns:a16="http://schemas.microsoft.com/office/drawing/2014/main" xmlns="" id="{35A0EAB9-4039-6448-AC03-B60DE38901D0}"/>
                 </a:ext>
               </a:extLst>
             </p:cNvPr>
@@ -18547,6 +20188,17 @@
               </a:r>
             </a:p>
             <a:p>
+              <a:pPr marL="697230" lvl="1" indent="-285750">
+                <a:buFont typeface="Arial" panose="020B0604020202020204" pitchFamily="34" charset="0"/>
+                <a:buChar char="•"/>
+              </a:pPr>
+              <a:endParaRPr lang="de-DE" sz="1600" dirty="0" smtClean="0">
+                <a:solidFill>
+                  <a:schemeClr val="tx1"/>
+                </a:solidFill>
+              </a:endParaRPr>
+            </a:p>
+            <a:p>
               <a:pPr marL="285750" indent="-285750">
                 <a:buFont typeface="Arial" panose="020B0604020202020204" pitchFamily="34" charset="0"/>
                 <a:buChar char="•"/>
@@ -18680,7 +20332,7 @@
             <p:cNvPr id="6" name="Rechteck 5">
               <a:extLst>
                 <a:ext uri="{FF2B5EF4-FFF2-40B4-BE49-F238E27FC236}">
-                  <a16:creationId xmlns="" xmlns:a16="http://schemas.microsoft.com/office/drawing/2014/main" id="{FCCEA108-686B-BB4F-95FB-4BCE5EB529F1}"/>
+                  <a16:creationId xmlns:a16="http://schemas.microsoft.com/office/drawing/2014/main" xmlns="" id="{FCCEA108-686B-BB4F-95FB-4BCE5EB529F1}"/>
                 </a:ext>
               </a:extLst>
             </p:cNvPr>
@@ -18747,7 +20399,7 @@
         </p:nvSpPr>
         <p:spPr>
           <a:xfrm>
-            <a:off x="1698124" y="1282009"/>
+            <a:off x="1930910" y="1282009"/>
             <a:ext cx="933269" cy="341632"/>
           </a:xfrm>
           <a:prstGeom prst="rect">
@@ -18850,7 +20502,7 @@
           <p:cNvPr id="11" name="Gruppieren 10">
             <a:extLst>
               <a:ext uri="{FF2B5EF4-FFF2-40B4-BE49-F238E27FC236}">
-                <a16:creationId xmlns="" xmlns:a16="http://schemas.microsoft.com/office/drawing/2014/main" id="{64401E1E-557D-5D4F-AE09-187A0802411B}"/>
+                <a16:creationId xmlns:a16="http://schemas.microsoft.com/office/drawing/2014/main" xmlns="" id="{64401E1E-557D-5D4F-AE09-187A0802411B}"/>
               </a:ext>
             </a:extLst>
           </p:cNvPr>
@@ -18870,7 +20522,7 @@
             <p:cNvPr id="12" name="Rechteck 11">
               <a:extLst>
                 <a:ext uri="{FF2B5EF4-FFF2-40B4-BE49-F238E27FC236}">
-                  <a16:creationId xmlns="" xmlns:a16="http://schemas.microsoft.com/office/drawing/2014/main" id="{35A0EAB9-4039-6448-AC03-B60DE38901D0}"/>
+                  <a16:creationId xmlns:a16="http://schemas.microsoft.com/office/drawing/2014/main" xmlns="" id="{35A0EAB9-4039-6448-AC03-B60DE38901D0}"/>
                 </a:ext>
               </a:extLst>
             </p:cNvPr>
@@ -19059,7 +20711,7 @@
             <p:cNvPr id="13" name="Rechteck 12">
               <a:extLst>
                 <a:ext uri="{FF2B5EF4-FFF2-40B4-BE49-F238E27FC236}">
-                  <a16:creationId xmlns="" xmlns:a16="http://schemas.microsoft.com/office/drawing/2014/main" id="{FCCEA108-686B-BB4F-95FB-4BCE5EB529F1}"/>
+                  <a16:creationId xmlns:a16="http://schemas.microsoft.com/office/drawing/2014/main" xmlns="" id="{FCCEA108-686B-BB4F-95FB-4BCE5EB529F1}"/>
                 </a:ext>
               </a:extLst>
             </p:cNvPr>
@@ -19123,7 +20775,7 @@
           <p:cNvPr id="14" name="Gruppieren 13">
             <a:extLst>
               <a:ext uri="{FF2B5EF4-FFF2-40B4-BE49-F238E27FC236}">
-                <a16:creationId xmlns="" xmlns:a16="http://schemas.microsoft.com/office/drawing/2014/main" id="{64401E1E-557D-5D4F-AE09-187A0802411B}"/>
+                <a16:creationId xmlns:a16="http://schemas.microsoft.com/office/drawing/2014/main" xmlns="" id="{64401E1E-557D-5D4F-AE09-187A0802411B}"/>
               </a:ext>
             </a:extLst>
           </p:cNvPr>
@@ -19143,7 +20795,7 @@
             <p:cNvPr id="15" name="Rechteck 14">
               <a:extLst>
                 <a:ext uri="{FF2B5EF4-FFF2-40B4-BE49-F238E27FC236}">
-                  <a16:creationId xmlns="" xmlns:a16="http://schemas.microsoft.com/office/drawing/2014/main" id="{35A0EAB9-4039-6448-AC03-B60DE38901D0}"/>
+                  <a16:creationId xmlns:a16="http://schemas.microsoft.com/office/drawing/2014/main" xmlns="" id="{35A0EAB9-4039-6448-AC03-B60DE38901D0}"/>
                 </a:ext>
               </a:extLst>
             </p:cNvPr>
@@ -19299,7 +20951,7 @@
             <p:cNvPr id="16" name="Rechteck 15">
               <a:extLst>
                 <a:ext uri="{FF2B5EF4-FFF2-40B4-BE49-F238E27FC236}">
-                  <a16:creationId xmlns="" xmlns:a16="http://schemas.microsoft.com/office/drawing/2014/main" id="{FCCEA108-686B-BB4F-95FB-4BCE5EB529F1}"/>
+                  <a16:creationId xmlns:a16="http://schemas.microsoft.com/office/drawing/2014/main" xmlns="" id="{FCCEA108-686B-BB4F-95FB-4BCE5EB529F1}"/>
                 </a:ext>
               </a:extLst>
             </p:cNvPr>
@@ -19415,7 +21067,7 @@
           <p:cNvPr id="4" name="Gruppieren 3">
             <a:extLst>
               <a:ext uri="{FF2B5EF4-FFF2-40B4-BE49-F238E27FC236}">
-                <a16:creationId xmlns="" xmlns:a16="http://schemas.microsoft.com/office/drawing/2014/main" id="{64401E1E-557D-5D4F-AE09-187A0802411B}"/>
+                <a16:creationId xmlns:a16="http://schemas.microsoft.com/office/drawing/2014/main" xmlns="" id="{64401E1E-557D-5D4F-AE09-187A0802411B}"/>
               </a:ext>
             </a:extLst>
           </p:cNvPr>
@@ -19435,7 +21087,7 @@
             <p:cNvPr id="5" name="Rechteck 4">
               <a:extLst>
                 <a:ext uri="{FF2B5EF4-FFF2-40B4-BE49-F238E27FC236}">
-                  <a16:creationId xmlns="" xmlns:a16="http://schemas.microsoft.com/office/drawing/2014/main" id="{35A0EAB9-4039-6448-AC03-B60DE38901D0}"/>
+                  <a16:creationId xmlns:a16="http://schemas.microsoft.com/office/drawing/2014/main" xmlns="" id="{35A0EAB9-4039-6448-AC03-B60DE38901D0}"/>
                 </a:ext>
               </a:extLst>
             </p:cNvPr>
@@ -19597,7 +21249,7 @@
             <p:cNvPr id="6" name="Rechteck 5">
               <a:extLst>
                 <a:ext uri="{FF2B5EF4-FFF2-40B4-BE49-F238E27FC236}">
-                  <a16:creationId xmlns="" xmlns:a16="http://schemas.microsoft.com/office/drawing/2014/main" id="{FCCEA108-686B-BB4F-95FB-4BCE5EB529F1}"/>
+                  <a16:creationId xmlns:a16="http://schemas.microsoft.com/office/drawing/2014/main" xmlns="" id="{FCCEA108-686B-BB4F-95FB-4BCE5EB529F1}"/>
                 </a:ext>
               </a:extLst>
             </p:cNvPr>
@@ -19656,7 +21308,7 @@
           <p:cNvPr id="7" name="Gruppieren 6">
             <a:extLst>
               <a:ext uri="{FF2B5EF4-FFF2-40B4-BE49-F238E27FC236}">
-                <a16:creationId xmlns="" xmlns:a16="http://schemas.microsoft.com/office/drawing/2014/main" id="{64401E1E-557D-5D4F-AE09-187A0802411B}"/>
+                <a16:creationId xmlns:a16="http://schemas.microsoft.com/office/drawing/2014/main" xmlns="" id="{64401E1E-557D-5D4F-AE09-187A0802411B}"/>
               </a:ext>
             </a:extLst>
           </p:cNvPr>
@@ -19676,7 +21328,7 @@
             <p:cNvPr id="8" name="Rechteck 7">
               <a:extLst>
                 <a:ext uri="{FF2B5EF4-FFF2-40B4-BE49-F238E27FC236}">
-                  <a16:creationId xmlns="" xmlns:a16="http://schemas.microsoft.com/office/drawing/2014/main" id="{35A0EAB9-4039-6448-AC03-B60DE38901D0}"/>
+                  <a16:creationId xmlns:a16="http://schemas.microsoft.com/office/drawing/2014/main" xmlns="" id="{35A0EAB9-4039-6448-AC03-B60DE38901D0}"/>
                 </a:ext>
               </a:extLst>
             </p:cNvPr>
@@ -19807,7 +21459,7 @@
             <p:cNvPr id="9" name="Rechteck 8">
               <a:extLst>
                 <a:ext uri="{FF2B5EF4-FFF2-40B4-BE49-F238E27FC236}">
-                  <a16:creationId xmlns="" xmlns:a16="http://schemas.microsoft.com/office/drawing/2014/main" id="{FCCEA108-686B-BB4F-95FB-4BCE5EB529F1}"/>
+                  <a16:creationId xmlns:a16="http://schemas.microsoft.com/office/drawing/2014/main" xmlns="" id="{FCCEA108-686B-BB4F-95FB-4BCE5EB529F1}"/>
                 </a:ext>
               </a:extLst>
             </p:cNvPr>
@@ -19866,7 +21518,7 @@
           <p:cNvPr id="10" name="Rechteck 9">
             <a:extLst>
               <a:ext uri="{FF2B5EF4-FFF2-40B4-BE49-F238E27FC236}">
-                <a16:creationId xmlns="" xmlns:a16="http://schemas.microsoft.com/office/drawing/2014/main" id="{FCCEA108-686B-BB4F-95FB-4BCE5EB529F1}"/>
+                <a16:creationId xmlns:a16="http://schemas.microsoft.com/office/drawing/2014/main" xmlns="" id="{FCCEA108-686B-BB4F-95FB-4BCE5EB529F1}"/>
               </a:ext>
             </a:extLst>
           </p:cNvPr>
@@ -19962,7 +21614,7 @@
           <p:cNvPr id="13" name="Gruppieren 12">
             <a:extLst>
               <a:ext uri="{FF2B5EF4-FFF2-40B4-BE49-F238E27FC236}">
-                <a16:creationId xmlns="" xmlns:a16="http://schemas.microsoft.com/office/drawing/2014/main" id="{64401E1E-557D-5D4F-AE09-187A0802411B}"/>
+                <a16:creationId xmlns:a16="http://schemas.microsoft.com/office/drawing/2014/main" xmlns="" id="{64401E1E-557D-5D4F-AE09-187A0802411B}"/>
               </a:ext>
             </a:extLst>
           </p:cNvPr>
@@ -19982,7 +21634,7 @@
             <p:cNvPr id="14" name="Rechteck 13">
               <a:extLst>
                 <a:ext uri="{FF2B5EF4-FFF2-40B4-BE49-F238E27FC236}">
-                  <a16:creationId xmlns="" xmlns:a16="http://schemas.microsoft.com/office/drawing/2014/main" id="{35A0EAB9-4039-6448-AC03-B60DE38901D0}"/>
+                  <a16:creationId xmlns:a16="http://schemas.microsoft.com/office/drawing/2014/main" xmlns="" id="{35A0EAB9-4039-6448-AC03-B60DE38901D0}"/>
                 </a:ext>
               </a:extLst>
             </p:cNvPr>
@@ -20098,7 +21750,7 @@
             <p:cNvPr id="15" name="Rechteck 14">
               <a:extLst>
                 <a:ext uri="{FF2B5EF4-FFF2-40B4-BE49-F238E27FC236}">
-                  <a16:creationId xmlns="" xmlns:a16="http://schemas.microsoft.com/office/drawing/2014/main" id="{FCCEA108-686B-BB4F-95FB-4BCE5EB529F1}"/>
+                  <a16:creationId xmlns:a16="http://schemas.microsoft.com/office/drawing/2014/main" xmlns="" id="{FCCEA108-686B-BB4F-95FB-4BCE5EB529F1}"/>
                 </a:ext>
               </a:extLst>
             </p:cNvPr>
@@ -20157,7 +21809,7 @@
           <p:cNvPr id="16" name="Rechteck 15">
             <a:extLst>
               <a:ext uri="{FF2B5EF4-FFF2-40B4-BE49-F238E27FC236}">
-                <a16:creationId xmlns="" xmlns:a16="http://schemas.microsoft.com/office/drawing/2014/main" id="{FCCEA108-686B-BB4F-95FB-4BCE5EB529F1}"/>
+                <a16:creationId xmlns:a16="http://schemas.microsoft.com/office/drawing/2014/main" xmlns="" id="{FCCEA108-686B-BB4F-95FB-4BCE5EB529F1}"/>
               </a:ext>
             </a:extLst>
           </p:cNvPr>
@@ -20215,7 +21867,7 @@
           <p:cNvPr id="18" name="Rechteck 17">
             <a:extLst>
               <a:ext uri="{FF2B5EF4-FFF2-40B4-BE49-F238E27FC236}">
-                <a16:creationId xmlns="" xmlns:a16="http://schemas.microsoft.com/office/drawing/2014/main" id="{FCCEA108-686B-BB4F-95FB-4BCE5EB529F1}"/>
+                <a16:creationId xmlns:a16="http://schemas.microsoft.com/office/drawing/2014/main" xmlns="" id="{FCCEA108-686B-BB4F-95FB-4BCE5EB529F1}"/>
               </a:ext>
             </a:extLst>
           </p:cNvPr>
@@ -20412,7 +22064,7 @@
             <p:cNvPr id="6" name="Gruppieren 5">
               <a:extLst>
                 <a:ext uri="{FF2B5EF4-FFF2-40B4-BE49-F238E27FC236}">
-                  <a16:creationId xmlns="" xmlns:a16="http://schemas.microsoft.com/office/drawing/2014/main" id="{64401E1E-557D-5D4F-AE09-187A0802411B}"/>
+                  <a16:creationId xmlns:a16="http://schemas.microsoft.com/office/drawing/2014/main" xmlns="" id="{64401E1E-557D-5D4F-AE09-187A0802411B}"/>
                 </a:ext>
               </a:extLst>
             </p:cNvPr>
@@ -20432,7 +22084,7 @@
               <p:cNvPr id="7" name="Rechteck 6">
                 <a:extLst>
                   <a:ext uri="{FF2B5EF4-FFF2-40B4-BE49-F238E27FC236}">
-                    <a16:creationId xmlns="" xmlns:a16="http://schemas.microsoft.com/office/drawing/2014/main" id="{35A0EAB9-4039-6448-AC03-B60DE38901D0}"/>
+                    <a16:creationId xmlns:a16="http://schemas.microsoft.com/office/drawing/2014/main" xmlns="" id="{35A0EAB9-4039-6448-AC03-B60DE38901D0}"/>
                   </a:ext>
                 </a:extLst>
               </p:cNvPr>
@@ -20493,7 +22145,7 @@
               <p:cNvPr id="8" name="Rechteck 7">
                 <a:extLst>
                   <a:ext uri="{FF2B5EF4-FFF2-40B4-BE49-F238E27FC236}">
-                    <a16:creationId xmlns="" xmlns:a16="http://schemas.microsoft.com/office/drawing/2014/main" id="{FCCEA108-686B-BB4F-95FB-4BCE5EB529F1}"/>
+                    <a16:creationId xmlns:a16="http://schemas.microsoft.com/office/drawing/2014/main" xmlns="" id="{FCCEA108-686B-BB4F-95FB-4BCE5EB529F1}"/>
                   </a:ext>
                 </a:extLst>
               </p:cNvPr>
@@ -20628,15 +22280,7 @@
                       <a:schemeClr val="tx1"/>
                     </a:solidFill>
                   </a:rPr>
-                  <a:t>Aktuelle Meldungen, Warnungen, </a:t>
-                </a:r>
-                <a:r>
-                  <a:rPr lang="de-DE" dirty="0" smtClean="0">
-                    <a:solidFill>
-                      <a:schemeClr val="tx1"/>
-                    </a:solidFill>
-                  </a:rPr>
-                  <a:t>Alarme</a:t>
+                  <a:t>Aktuelle Meldungen, Warnungen, Alarme</a:t>
                 </a:r>
               </a:p>
               <a:p>
@@ -20665,7 +22309,7 @@
               <p:cNvPr id="11" name="Rechteck 10">
                 <a:extLst>
                   <a:ext uri="{FF2B5EF4-FFF2-40B4-BE49-F238E27FC236}">
-                    <a16:creationId xmlns="" xmlns:a16="http://schemas.microsoft.com/office/drawing/2014/main" id="{FCCEA108-686B-BB4F-95FB-4BCE5EB529F1}"/>
+                    <a16:creationId xmlns:a16="http://schemas.microsoft.com/office/drawing/2014/main" xmlns="" id="{FCCEA108-686B-BB4F-95FB-4BCE5EB529F1}"/>
                   </a:ext>
                 </a:extLst>
               </p:cNvPr>
@@ -20856,7 +22500,7 @@
               <p:cNvPr id="14" name="Rechteck 13">
                 <a:extLst>
                   <a:ext uri="{FF2B5EF4-FFF2-40B4-BE49-F238E27FC236}">
-                    <a16:creationId xmlns="" xmlns:a16="http://schemas.microsoft.com/office/drawing/2014/main" id="{FCCEA108-686B-BB4F-95FB-4BCE5EB529F1}"/>
+                    <a16:creationId xmlns:a16="http://schemas.microsoft.com/office/drawing/2014/main" xmlns="" id="{FCCEA108-686B-BB4F-95FB-4BCE5EB529F1}"/>
                   </a:ext>
                 </a:extLst>
               </p:cNvPr>
@@ -20916,235 +22560,6 @@
           </p:sp>
         </p:grpSp>
       </p:grpSp>
-      <p:sp>
-        <p:nvSpPr>
-          <p:cNvPr id="17" name="Rechteck 16"/>
-          <p:cNvSpPr/>
-          <p:nvPr/>
-        </p:nvSpPr>
-        <p:spPr>
-          <a:xfrm>
-            <a:off x="874712" y="1110020"/>
-            <a:ext cx="4813795" cy="1761767"/>
-          </a:xfrm>
-          <a:prstGeom prst="rect">
-            <a:avLst/>
-          </a:prstGeom>
-          <a:solidFill>
-            <a:schemeClr val="bg1"/>
-          </a:solidFill>
-        </p:spPr>
-        <p:style>
-          <a:lnRef idx="2">
-            <a:schemeClr val="accent1">
-              <a:shade val="50000"/>
-            </a:schemeClr>
-          </a:lnRef>
-          <a:fillRef idx="1">
-            <a:schemeClr val="accent1"/>
-          </a:fillRef>
-          <a:effectRef idx="0">
-            <a:schemeClr val="accent1"/>
-          </a:effectRef>
-          <a:fontRef idx="minor">
-            <a:schemeClr val="lt1"/>
-          </a:fontRef>
-        </p:style>
-        <p:txBody>
-          <a:bodyPr rtlCol="0" anchor="ctr"/>
-          <a:lstStyle/>
-          <a:p>
-            <a:pPr algn="ctr"/>
-            <a:endParaRPr lang="de-DE"/>
-          </a:p>
-        </p:txBody>
-      </p:sp>
-      <p:sp>
-        <p:nvSpPr>
-          <p:cNvPr id="18" name="Rechteck 17"/>
-          <p:cNvSpPr/>
-          <p:nvPr/>
-        </p:nvSpPr>
-        <p:spPr>
-          <a:xfrm>
-            <a:off x="874712" y="1098954"/>
-            <a:ext cx="4813795" cy="338027"/>
-          </a:xfrm>
-          <a:prstGeom prst="rect">
-            <a:avLst/>
-          </a:prstGeom>
-          <a:solidFill>
-            <a:schemeClr val="tx1"/>
-          </a:solidFill>
-        </p:spPr>
-        <p:style>
-          <a:lnRef idx="2">
-            <a:schemeClr val="accent1">
-              <a:shade val="50000"/>
-            </a:schemeClr>
-          </a:lnRef>
-          <a:fillRef idx="1">
-            <a:schemeClr val="accent1"/>
-          </a:fillRef>
-          <a:effectRef idx="0">
-            <a:schemeClr val="accent1"/>
-          </a:effectRef>
-          <a:fontRef idx="minor">
-            <a:schemeClr val="lt1"/>
-          </a:fontRef>
-        </p:style>
-        <p:txBody>
-          <a:bodyPr rtlCol="0" anchor="ctr"/>
-          <a:lstStyle/>
-          <a:p>
-            <a:pPr algn="ctr"/>
-            <a:r>
-              <a:rPr lang="de-DE" dirty="0" smtClean="0"/>
-              <a:t>Meldung</a:t>
-            </a:r>
-            <a:endParaRPr lang="de-DE" dirty="0"/>
-          </a:p>
-        </p:txBody>
-      </p:sp>
-      <p:sp>
-        <p:nvSpPr>
-          <p:cNvPr id="19" name="Rechteck 18"/>
-          <p:cNvSpPr/>
-          <p:nvPr/>
-        </p:nvSpPr>
-        <p:spPr>
-          <a:xfrm>
-            <a:off x="874712" y="1436981"/>
-            <a:ext cx="4813845" cy="1080205"/>
-          </a:xfrm>
-          <a:prstGeom prst="rect">
-            <a:avLst/>
-          </a:prstGeom>
-          <a:solidFill>
-            <a:schemeClr val="bg1"/>
-          </a:solidFill>
-          <a:ln>
-            <a:solidFill>
-              <a:schemeClr val="accent1">
-                <a:lumMod val="50000"/>
-              </a:schemeClr>
-            </a:solidFill>
-          </a:ln>
-        </p:spPr>
-        <p:style>
-          <a:lnRef idx="2">
-            <a:schemeClr val="accent1">
-              <a:shade val="50000"/>
-            </a:schemeClr>
-          </a:lnRef>
-          <a:fillRef idx="1">
-            <a:schemeClr val="accent1"/>
-          </a:fillRef>
-          <a:effectRef idx="0">
-            <a:schemeClr val="accent1"/>
-          </a:effectRef>
-          <a:fontRef idx="minor">
-            <a:schemeClr val="lt1"/>
-          </a:fontRef>
-        </p:style>
-        <p:txBody>
-          <a:bodyPr lIns="180000" tIns="180000" rtlCol="0" anchor="t"/>
-          <a:lstStyle/>
-          <a:p>
-            <a:r>
-              <a:rPr lang="de-DE" dirty="0" smtClean="0">
-                <a:solidFill>
-                  <a:schemeClr val="tx1"/>
-                </a:solidFill>
-              </a:rPr>
-              <a:t>Modul </a:t>
-            </a:r>
-            <a:r>
-              <a:rPr lang="de-DE" dirty="0" err="1" smtClean="0">
-                <a:solidFill>
-                  <a:schemeClr val="tx1"/>
-                </a:solidFill>
-              </a:rPr>
-              <a:t>Temper</a:t>
-            </a:r>
-            <a:r>
-              <a:rPr lang="de-DE" dirty="0" smtClean="0">
-                <a:solidFill>
-                  <a:schemeClr val="tx1"/>
-                </a:solidFill>
-              </a:rPr>
-              <a:t> muss in spätestens 7 Tagen gewartet werden</a:t>
-            </a:r>
-            <a:endParaRPr lang="de-DE" dirty="0">
-              <a:solidFill>
-                <a:schemeClr val="tx1"/>
-              </a:solidFill>
-            </a:endParaRPr>
-          </a:p>
-        </p:txBody>
-      </p:sp>
-      <p:sp>
-        <p:nvSpPr>
-          <p:cNvPr id="28" name="Rechteck 27"/>
-          <p:cNvSpPr/>
-          <p:nvPr/>
-        </p:nvSpPr>
-        <p:spPr>
-          <a:xfrm>
-            <a:off x="3369185" y="2517186"/>
-            <a:ext cx="2319373" cy="354602"/>
-          </a:xfrm>
-          <a:prstGeom prst="rect">
-            <a:avLst/>
-          </a:prstGeom>
-          <a:solidFill>
-            <a:schemeClr val="accent3">
-              <a:lumMod val="60000"/>
-              <a:lumOff val="40000"/>
-            </a:schemeClr>
-          </a:solidFill>
-        </p:spPr>
-        <p:style>
-          <a:lnRef idx="2">
-            <a:schemeClr val="accent1">
-              <a:shade val="50000"/>
-            </a:schemeClr>
-          </a:lnRef>
-          <a:fillRef idx="1">
-            <a:schemeClr val="accent1"/>
-          </a:fillRef>
-          <a:effectRef idx="0">
-            <a:schemeClr val="accent1"/>
-          </a:effectRef>
-          <a:fontRef idx="minor">
-            <a:schemeClr val="lt1"/>
-          </a:fontRef>
-        </p:style>
-        <p:txBody>
-          <a:bodyPr rtlCol="0" anchor="ctr"/>
-          <a:lstStyle/>
-          <a:p>
-            <a:pPr algn="ctr"/>
-            <a:r>
-              <a:rPr lang="de-DE" dirty="0" smtClean="0">
-                <a:solidFill>
-                  <a:schemeClr val="bg2">
-                    <a:lumMod val="50000"/>
-                  </a:schemeClr>
-                </a:solidFill>
-              </a:rPr>
-              <a:t>Problem bearbeiten</a:t>
-            </a:r>
-            <a:endParaRPr lang="de-DE" dirty="0">
-              <a:solidFill>
-                <a:schemeClr val="bg2">
-                  <a:lumMod val="50000"/>
-                </a:schemeClr>
-              </a:solidFill>
-            </a:endParaRPr>
-          </a:p>
-        </p:txBody>
-      </p:sp>
       <p:pic>
         <p:nvPicPr>
           <p:cNvPr id="3" name="Grafik 2"/>
@@ -21167,8 +22582,38 @@
         </p:blipFill>
         <p:spPr>
           <a:xfrm>
-            <a:off x="874711" y="3309257"/>
-            <a:ext cx="4687257" cy="2720067"/>
+            <a:off x="874712" y="3238253"/>
+            <a:ext cx="4809614" cy="2791072"/>
+          </a:xfrm>
+          <a:prstGeom prst="rect">
+            <a:avLst/>
+          </a:prstGeom>
+        </p:spPr>
+      </p:pic>
+      <p:pic>
+        <p:nvPicPr>
+          <p:cNvPr id="4" name="Grafik 3"/>
+          <p:cNvPicPr>
+            <a:picLocks noChangeAspect="1"/>
+          </p:cNvPicPr>
+          <p:nvPr/>
+        </p:nvPicPr>
+        <p:blipFill>
+          <a:blip r:embed="rId4">
+            <a:extLst>
+              <a:ext uri="{28A0092B-C50C-407E-A947-70E740481C1C}">
+                <a14:useLocalDpi xmlns:a14="http://schemas.microsoft.com/office/drawing/2010/main" val="0"/>
+              </a:ext>
+            </a:extLst>
+          </a:blip>
+          <a:stretch>
+            <a:fillRect/>
+          </a:stretch>
+        </p:blipFill>
+        <p:spPr>
+          <a:xfrm>
+            <a:off x="1316492" y="1030288"/>
+            <a:ext cx="3926054" cy="1738160"/>
           </a:xfrm>
           <a:prstGeom prst="rect">
             <a:avLst/>
@@ -21227,6 +22672,83 @@
           <a:bodyPr/>
           <a:lstStyle/>
           <a:p>
+            <a:endParaRPr lang="de-DE"/>
+          </a:p>
+        </p:txBody>
+      </p:sp>
+      <p:pic>
+        <p:nvPicPr>
+          <p:cNvPr id="4" name="Inhaltsplatzhalter 3"/>
+          <p:cNvPicPr>
+            <a:picLocks noGrp="1" noChangeAspect="1"/>
+          </p:cNvPicPr>
+          <p:nvPr>
+            <p:ph sz="quarter" idx="10"/>
+          </p:nvPr>
+        </p:nvPicPr>
+        <p:blipFill rotWithShape="1">
+          <a:blip r:embed="rId2">
+            <a:extLst>
+              <a:ext uri="{28A0092B-C50C-407E-A947-70E740481C1C}">
+                <a14:useLocalDpi xmlns:a14="http://schemas.microsoft.com/office/drawing/2010/main" val="0"/>
+              </a:ext>
+            </a:extLst>
+          </a:blip>
+          <a:srcRect l="70"/>
+          <a:stretch/>
+        </p:blipFill>
+        <p:spPr>
+          <a:xfrm>
+            <a:off x="1266069" y="346074"/>
+            <a:ext cx="9797971" cy="5679713"/>
+          </a:xfrm>
+        </p:spPr>
+      </p:pic>
+    </p:spTree>
+    <p:extLst>
+      <p:ext uri="{BB962C8B-B14F-4D97-AF65-F5344CB8AC3E}">
+        <p14:creationId xmlns:p14="http://schemas.microsoft.com/office/powerpoint/2010/main" val="3221044926"/>
+      </p:ext>
+    </p:extLst>
+  </p:cSld>
+  <p:clrMapOvr>
+    <a:masterClrMapping/>
+  </p:clrMapOvr>
+</p:sld>
+</file>
+
+<file path=ppt/slides/slide8.xml><?xml version="1.0" encoding="utf-8"?>
+<p:sld xmlns:a="http://schemas.openxmlformats.org/drawingml/2006/main" xmlns:r="http://schemas.openxmlformats.org/officeDocument/2006/relationships" xmlns:p="http://schemas.openxmlformats.org/presentationml/2006/main">
+  <p:cSld>
+    <p:spTree>
+      <p:nvGrpSpPr>
+        <p:cNvPr id="1" name=""/>
+        <p:cNvGrpSpPr/>
+        <p:nvPr/>
+      </p:nvGrpSpPr>
+      <p:grpSpPr>
+        <a:xfrm>
+          <a:off x="0" y="0"/>
+          <a:ext cx="0" cy="0"/>
+          <a:chOff x="0" y="0"/>
+          <a:chExt cx="0" cy="0"/>
+        </a:xfrm>
+      </p:grpSpPr>
+      <p:sp>
+        <p:nvSpPr>
+          <p:cNvPr id="2" name="Titel 1"/>
+          <p:cNvSpPr>
+            <a:spLocks noGrp="1"/>
+          </p:cNvSpPr>
+          <p:nvPr>
+            <p:ph type="title"/>
+          </p:nvPr>
+        </p:nvSpPr>
+        <p:spPr/>
+        <p:txBody>
+          <a:bodyPr/>
+          <a:lstStyle/>
+          <a:p>
             <a:r>
               <a:rPr lang="de-DE" dirty="0" smtClean="0"/>
               <a:t>Ablauf des Problemlöseprozess</a:t>
@@ -21254,7 +22776,7 @@
             <p:cNvPr id="6" name="Gruppieren 5">
               <a:extLst>
                 <a:ext uri="{FF2B5EF4-FFF2-40B4-BE49-F238E27FC236}">
-                  <a16:creationId xmlns="" xmlns:a16="http://schemas.microsoft.com/office/drawing/2014/main" id="{64401E1E-557D-5D4F-AE09-187A0802411B}"/>
+                  <a16:creationId xmlns:a16="http://schemas.microsoft.com/office/drawing/2014/main" xmlns="" id="{64401E1E-557D-5D4F-AE09-187A0802411B}"/>
                 </a:ext>
               </a:extLst>
             </p:cNvPr>
@@ -21274,7 +22796,7 @@
               <p:cNvPr id="7" name="Rechteck 6">
                 <a:extLst>
                   <a:ext uri="{FF2B5EF4-FFF2-40B4-BE49-F238E27FC236}">
-                    <a16:creationId xmlns="" xmlns:a16="http://schemas.microsoft.com/office/drawing/2014/main" id="{35A0EAB9-4039-6448-AC03-B60DE38901D0}"/>
+                    <a16:creationId xmlns:a16="http://schemas.microsoft.com/office/drawing/2014/main" xmlns="" id="{35A0EAB9-4039-6448-AC03-B60DE38901D0}"/>
                   </a:ext>
                 </a:extLst>
               </p:cNvPr>
@@ -21335,7 +22857,7 @@
               <p:cNvPr id="8" name="Rechteck 7">
                 <a:extLst>
                   <a:ext uri="{FF2B5EF4-FFF2-40B4-BE49-F238E27FC236}">
-                    <a16:creationId xmlns="" xmlns:a16="http://schemas.microsoft.com/office/drawing/2014/main" id="{FCCEA108-686B-BB4F-95FB-4BCE5EB529F1}"/>
+                    <a16:creationId xmlns:a16="http://schemas.microsoft.com/office/drawing/2014/main" xmlns="" id="{FCCEA108-686B-BB4F-95FB-4BCE5EB529F1}"/>
                   </a:ext>
                 </a:extLst>
               </p:cNvPr>
@@ -21471,7 +22993,7 @@
               <p:cNvPr id="11" name="Rechteck 10">
                 <a:extLst>
                   <a:ext uri="{FF2B5EF4-FFF2-40B4-BE49-F238E27FC236}">
-                    <a16:creationId xmlns="" xmlns:a16="http://schemas.microsoft.com/office/drawing/2014/main" id="{FCCEA108-686B-BB4F-95FB-4BCE5EB529F1}"/>
+                    <a16:creationId xmlns:a16="http://schemas.microsoft.com/office/drawing/2014/main" xmlns="" id="{FCCEA108-686B-BB4F-95FB-4BCE5EB529F1}"/>
                   </a:ext>
                 </a:extLst>
               </p:cNvPr>
@@ -21604,7 +23126,7 @@
               <p:cNvPr id="14" name="Rechteck 13">
                 <a:extLst>
                   <a:ext uri="{FF2B5EF4-FFF2-40B4-BE49-F238E27FC236}">
-                    <a16:creationId xmlns="" xmlns:a16="http://schemas.microsoft.com/office/drawing/2014/main" id="{FCCEA108-686B-BB4F-95FB-4BCE5EB529F1}"/>
+                    <a16:creationId xmlns:a16="http://schemas.microsoft.com/office/drawing/2014/main" xmlns="" id="{FCCEA108-686B-BB4F-95FB-4BCE5EB529F1}"/>
                   </a:ext>
                 </a:extLst>
               </p:cNvPr>
@@ -21684,7 +23206,7 @@
 </p:sld>
 </file>
 
-<file path=ppt/slides/slide8.xml><?xml version="1.0" encoding="utf-8"?>
+<file path=ppt/slides/slide9.xml><?xml version="1.0" encoding="utf-8"?>
 <p:sld xmlns:a="http://schemas.openxmlformats.org/drawingml/2006/main" xmlns:r="http://schemas.openxmlformats.org/officeDocument/2006/relationships" xmlns:p="http://schemas.openxmlformats.org/presentationml/2006/main">
   <p:cSld>
     <p:spTree>
@@ -21706,7 +23228,7 @@
           <p:cNvPr id="2" name="Titel 1">
             <a:extLst>
               <a:ext uri="{FF2B5EF4-FFF2-40B4-BE49-F238E27FC236}">
-                <a16:creationId xmlns="" xmlns:a16="http://schemas.microsoft.com/office/drawing/2014/main" id="{7BA8FE41-0B04-6748-9CA8-05F0AE81883B}"/>
+                <a16:creationId xmlns:a16="http://schemas.microsoft.com/office/drawing/2014/main" xmlns="" id="{7BA8FE41-0B04-6748-9CA8-05F0AE81883B}"/>
               </a:ext>
             </a:extLst>
           </p:cNvPr>
@@ -21734,7 +23256,7 @@
           <p:cNvPr id="12" name="Gruppieren 11">
             <a:extLst>
               <a:ext uri="{FF2B5EF4-FFF2-40B4-BE49-F238E27FC236}">
-                <a16:creationId xmlns="" xmlns:a16="http://schemas.microsoft.com/office/drawing/2014/main" id="{995F115A-CBCD-7A4D-8C0A-281259A5A3C1}"/>
+                <a16:creationId xmlns:a16="http://schemas.microsoft.com/office/drawing/2014/main" xmlns="" id="{995F115A-CBCD-7A4D-8C0A-281259A5A3C1}"/>
               </a:ext>
             </a:extLst>
           </p:cNvPr>
@@ -21754,7 +23276,7 @@
             <p:cNvPr id="4" name="Gruppieren 3">
               <a:extLst>
                 <a:ext uri="{FF2B5EF4-FFF2-40B4-BE49-F238E27FC236}">
-                  <a16:creationId xmlns="" xmlns:a16="http://schemas.microsoft.com/office/drawing/2014/main" id="{783A73D2-C025-644E-A194-3438D291D352}"/>
+                  <a16:creationId xmlns:a16="http://schemas.microsoft.com/office/drawing/2014/main" xmlns="" id="{783A73D2-C025-644E-A194-3438D291D352}"/>
                 </a:ext>
               </a:extLst>
             </p:cNvPr>
@@ -21774,7 +23296,7 @@
               <p:cNvPr id="5" name="Rechteck 4">
                 <a:extLst>
                   <a:ext uri="{FF2B5EF4-FFF2-40B4-BE49-F238E27FC236}">
-                    <a16:creationId xmlns="" xmlns:a16="http://schemas.microsoft.com/office/drawing/2014/main" id="{4F68B8E9-417E-0141-AE27-E298ED29929C}"/>
+                    <a16:creationId xmlns:a16="http://schemas.microsoft.com/office/drawing/2014/main" xmlns="" id="{4F68B8E9-417E-0141-AE27-E298ED29929C}"/>
                   </a:ext>
                 </a:extLst>
               </p:cNvPr>
@@ -21866,7 +23388,7 @@
               <p:cNvPr id="6" name="Rechteck 5">
                 <a:extLst>
                   <a:ext uri="{FF2B5EF4-FFF2-40B4-BE49-F238E27FC236}">
-                    <a16:creationId xmlns="" xmlns:a16="http://schemas.microsoft.com/office/drawing/2014/main" id="{B2717A64-B61E-B44C-B23D-CB509FB519CA}"/>
+                    <a16:creationId xmlns:a16="http://schemas.microsoft.com/office/drawing/2014/main" xmlns="" id="{B2717A64-B61E-B44C-B23D-CB509FB519CA}"/>
                   </a:ext>
                 </a:extLst>
               </p:cNvPr>
@@ -21925,7 +23447,7 @@
             <p:cNvPr id="7" name="Rechteck 6">
               <a:extLst>
                 <a:ext uri="{FF2B5EF4-FFF2-40B4-BE49-F238E27FC236}">
-                  <a16:creationId xmlns="" xmlns:a16="http://schemas.microsoft.com/office/drawing/2014/main" id="{6F92A16E-30FA-A34D-A87A-AD884881288C}"/>
+                  <a16:creationId xmlns:a16="http://schemas.microsoft.com/office/drawing/2014/main" xmlns="" id="{6F92A16E-30FA-A34D-A87A-AD884881288C}"/>
                 </a:ext>
               </a:extLst>
             </p:cNvPr>
@@ -21985,7 +23507,7 @@
           <p:cNvPr id="13" name="Gruppieren 12">
             <a:extLst>
               <a:ext uri="{FF2B5EF4-FFF2-40B4-BE49-F238E27FC236}">
-                <a16:creationId xmlns="" xmlns:a16="http://schemas.microsoft.com/office/drawing/2014/main" id="{214C6E04-BA76-3048-B247-843530C6F237}"/>
+                <a16:creationId xmlns:a16="http://schemas.microsoft.com/office/drawing/2014/main" xmlns="" id="{214C6E04-BA76-3048-B247-843530C6F237}"/>
               </a:ext>
             </a:extLst>
           </p:cNvPr>
@@ -22005,7 +23527,7 @@
             <p:cNvPr id="14" name="Gruppieren 13">
               <a:extLst>
                 <a:ext uri="{FF2B5EF4-FFF2-40B4-BE49-F238E27FC236}">
-                  <a16:creationId xmlns="" xmlns:a16="http://schemas.microsoft.com/office/drawing/2014/main" id="{CF154C31-9B1A-6844-82C6-BEC64AE64B76}"/>
+                  <a16:creationId xmlns:a16="http://schemas.microsoft.com/office/drawing/2014/main" xmlns="" id="{CF154C31-9B1A-6844-82C6-BEC64AE64B76}"/>
                 </a:ext>
               </a:extLst>
             </p:cNvPr>
@@ -22025,7 +23547,7 @@
               <p:cNvPr id="16" name="Rechteck 15">
                 <a:extLst>
                   <a:ext uri="{FF2B5EF4-FFF2-40B4-BE49-F238E27FC236}">
-                    <a16:creationId xmlns="" xmlns:a16="http://schemas.microsoft.com/office/drawing/2014/main" id="{5D41E86D-96E1-F64F-B645-811FEF9C3566}"/>
+                    <a16:creationId xmlns:a16="http://schemas.microsoft.com/office/drawing/2014/main" xmlns="" id="{5D41E86D-96E1-F64F-B645-811FEF9C3566}"/>
                   </a:ext>
                 </a:extLst>
               </p:cNvPr>
@@ -22156,7 +23678,7 @@
               <p:cNvPr id="17" name="Rechteck 16">
                 <a:extLst>
                   <a:ext uri="{FF2B5EF4-FFF2-40B4-BE49-F238E27FC236}">
-                    <a16:creationId xmlns="" xmlns:a16="http://schemas.microsoft.com/office/drawing/2014/main" id="{829E215D-25C5-FE42-A84B-E10BE5590901}"/>
+                    <a16:creationId xmlns:a16="http://schemas.microsoft.com/office/drawing/2014/main" xmlns="" id="{829E215D-25C5-FE42-A84B-E10BE5590901}"/>
                   </a:ext>
                 </a:extLst>
               </p:cNvPr>
@@ -22215,7 +23737,7 @@
             <p:cNvPr id="15" name="Rechteck 14">
               <a:extLst>
                 <a:ext uri="{FF2B5EF4-FFF2-40B4-BE49-F238E27FC236}">
-                  <a16:creationId xmlns="" xmlns:a16="http://schemas.microsoft.com/office/drawing/2014/main" id="{3D7F9058-E672-2A4D-9BB1-013BCCC5ACE0}"/>
+                  <a16:creationId xmlns:a16="http://schemas.microsoft.com/office/drawing/2014/main" xmlns="" id="{3D7F9058-E672-2A4D-9BB1-013BCCC5ACE0}"/>
                 </a:ext>
               </a:extLst>
             </p:cNvPr>
@@ -22275,7 +23797,7 @@
           <p:cNvPr id="18" name="Gruppieren 17">
             <a:extLst>
               <a:ext uri="{FF2B5EF4-FFF2-40B4-BE49-F238E27FC236}">
-                <a16:creationId xmlns="" xmlns:a16="http://schemas.microsoft.com/office/drawing/2014/main" id="{76C873CF-9A61-9B4A-9A7F-7A0A6A11ECCC}"/>
+                <a16:creationId xmlns:a16="http://schemas.microsoft.com/office/drawing/2014/main" xmlns="" id="{76C873CF-9A61-9B4A-9A7F-7A0A6A11ECCC}"/>
               </a:ext>
             </a:extLst>
           </p:cNvPr>
@@ -22295,7 +23817,7 @@
             <p:cNvPr id="19" name="Gruppieren 18">
               <a:extLst>
                 <a:ext uri="{FF2B5EF4-FFF2-40B4-BE49-F238E27FC236}">
-                  <a16:creationId xmlns="" xmlns:a16="http://schemas.microsoft.com/office/drawing/2014/main" id="{02621200-51DD-6A4C-86C6-6B2A72D512E2}"/>
+                  <a16:creationId xmlns:a16="http://schemas.microsoft.com/office/drawing/2014/main" xmlns="" id="{02621200-51DD-6A4C-86C6-6B2A72D512E2}"/>
                 </a:ext>
               </a:extLst>
             </p:cNvPr>
@@ -22315,7 +23837,7 @@
               <p:cNvPr id="21" name="Rechteck 20">
                 <a:extLst>
                   <a:ext uri="{FF2B5EF4-FFF2-40B4-BE49-F238E27FC236}">
-                    <a16:creationId xmlns="" xmlns:a16="http://schemas.microsoft.com/office/drawing/2014/main" id="{ED0E09EA-1DC6-1249-841E-901E17F3D0B6}"/>
+                    <a16:creationId xmlns:a16="http://schemas.microsoft.com/office/drawing/2014/main" xmlns="" id="{ED0E09EA-1DC6-1249-841E-901E17F3D0B6}"/>
                   </a:ext>
                 </a:extLst>
               </p:cNvPr>
@@ -22422,7 +23944,7 @@
               <p:cNvPr id="22" name="Rechteck 21">
                 <a:extLst>
                   <a:ext uri="{FF2B5EF4-FFF2-40B4-BE49-F238E27FC236}">
-                    <a16:creationId xmlns="" xmlns:a16="http://schemas.microsoft.com/office/drawing/2014/main" id="{753356B5-7EB8-3F4A-96E1-8FF10B332D06}"/>
+                    <a16:creationId xmlns:a16="http://schemas.microsoft.com/office/drawing/2014/main" xmlns="" id="{753356B5-7EB8-3F4A-96E1-8FF10B332D06}"/>
                   </a:ext>
                 </a:extLst>
               </p:cNvPr>
@@ -22481,7 +24003,7 @@
             <p:cNvPr id="20" name="Rechteck 19">
               <a:extLst>
                 <a:ext uri="{FF2B5EF4-FFF2-40B4-BE49-F238E27FC236}">
-                  <a16:creationId xmlns="" xmlns:a16="http://schemas.microsoft.com/office/drawing/2014/main" id="{63DF4C62-579D-3249-9CFF-878DBD32F80A}"/>
+                  <a16:creationId xmlns:a16="http://schemas.microsoft.com/office/drawing/2014/main" xmlns="" id="{63DF4C62-579D-3249-9CFF-878DBD32F80A}"/>
                 </a:ext>
               </a:extLst>
             </p:cNvPr>
@@ -22541,7 +24063,7 @@
           <p:cNvPr id="23" name="Gruppieren 22">
             <a:extLst>
               <a:ext uri="{FF2B5EF4-FFF2-40B4-BE49-F238E27FC236}">
-                <a16:creationId xmlns="" xmlns:a16="http://schemas.microsoft.com/office/drawing/2014/main" id="{8E929239-873F-A040-A4FF-CF41E574A33B}"/>
+                <a16:creationId xmlns:a16="http://schemas.microsoft.com/office/drawing/2014/main" xmlns="" id="{8E929239-873F-A040-A4FF-CF41E574A33B}"/>
               </a:ext>
             </a:extLst>
           </p:cNvPr>
@@ -22561,7 +24083,7 @@
             <p:cNvPr id="24" name="Gruppieren 23">
               <a:extLst>
                 <a:ext uri="{FF2B5EF4-FFF2-40B4-BE49-F238E27FC236}">
-                  <a16:creationId xmlns="" xmlns:a16="http://schemas.microsoft.com/office/drawing/2014/main" id="{F47E6093-9AA6-8F4B-B80B-776943FCB73D}"/>
+                  <a16:creationId xmlns:a16="http://schemas.microsoft.com/office/drawing/2014/main" xmlns="" id="{F47E6093-9AA6-8F4B-B80B-776943FCB73D}"/>
                 </a:ext>
               </a:extLst>
             </p:cNvPr>
@@ -22581,7 +24103,7 @@
               <p:cNvPr id="26" name="Rechteck 25">
                 <a:extLst>
                   <a:ext uri="{FF2B5EF4-FFF2-40B4-BE49-F238E27FC236}">
-                    <a16:creationId xmlns="" xmlns:a16="http://schemas.microsoft.com/office/drawing/2014/main" id="{4059FEBC-2EFF-ED47-98FF-010C8401FADA}"/>
+                    <a16:creationId xmlns:a16="http://schemas.microsoft.com/office/drawing/2014/main" xmlns="" id="{4059FEBC-2EFF-ED47-98FF-010C8401FADA}"/>
                   </a:ext>
                 </a:extLst>
               </p:cNvPr>
@@ -22651,15 +24173,7 @@
                       <a:schemeClr val="tx1"/>
                     </a:solidFill>
                   </a:rPr>
-                  <a:t> Cas</a:t>
-                </a:r>
-                <a:r>
-                  <a:rPr lang="de-DE" dirty="0" smtClean="0">
-                    <a:solidFill>
-                      <a:schemeClr val="tx1"/>
-                    </a:solidFill>
-                  </a:rPr>
-                  <a:t>e anwenden</a:t>
+                  <a:t> Case anwenden</a:t>
                 </a:r>
               </a:p>
               <a:p>
@@ -22699,7 +24213,7 @@
               <p:cNvPr id="27" name="Rechteck 26">
                 <a:extLst>
                   <a:ext uri="{FF2B5EF4-FFF2-40B4-BE49-F238E27FC236}">
-                    <a16:creationId xmlns="" xmlns:a16="http://schemas.microsoft.com/office/drawing/2014/main" id="{A6C74FE9-D83D-2346-A400-58BA4229E830}"/>
+                    <a16:creationId xmlns:a16="http://schemas.microsoft.com/office/drawing/2014/main" xmlns="" id="{A6C74FE9-D83D-2346-A400-58BA4229E830}"/>
                   </a:ext>
                 </a:extLst>
               </p:cNvPr>
@@ -22758,7 +24272,7 @@
             <p:cNvPr id="25" name="Rechteck 24">
               <a:extLst>
                 <a:ext uri="{FF2B5EF4-FFF2-40B4-BE49-F238E27FC236}">
-                  <a16:creationId xmlns="" xmlns:a16="http://schemas.microsoft.com/office/drawing/2014/main" id="{1EDE063D-852E-324C-A77E-EFB1A1CCD783}"/>
+                  <a16:creationId xmlns:a16="http://schemas.microsoft.com/office/drawing/2014/main" xmlns="" id="{1EDE063D-852E-324C-A77E-EFB1A1CCD783}"/>
                 </a:ext>
               </a:extLst>
             </p:cNvPr>
@@ -22818,7 +24332,7 @@
           <p:cNvPr id="28" name="Gruppieren 27">
             <a:extLst>
               <a:ext uri="{FF2B5EF4-FFF2-40B4-BE49-F238E27FC236}">
-                <a16:creationId xmlns="" xmlns:a16="http://schemas.microsoft.com/office/drawing/2014/main" id="{076AA3C9-476D-4D45-B8BE-E0951E23CBCF}"/>
+                <a16:creationId xmlns:a16="http://schemas.microsoft.com/office/drawing/2014/main" xmlns="" id="{076AA3C9-476D-4D45-B8BE-E0951E23CBCF}"/>
               </a:ext>
             </a:extLst>
           </p:cNvPr>
@@ -22838,7 +24352,7 @@
             <p:cNvPr id="29" name="Gruppieren 28">
               <a:extLst>
                 <a:ext uri="{FF2B5EF4-FFF2-40B4-BE49-F238E27FC236}">
-                  <a16:creationId xmlns="" xmlns:a16="http://schemas.microsoft.com/office/drawing/2014/main" id="{B404C1CC-6DF7-B648-9CCB-5E2E9AFEB672}"/>
+                  <a16:creationId xmlns:a16="http://schemas.microsoft.com/office/drawing/2014/main" xmlns="" id="{B404C1CC-6DF7-B648-9CCB-5E2E9AFEB672}"/>
                 </a:ext>
               </a:extLst>
             </p:cNvPr>
@@ -22858,7 +24372,7 @@
               <p:cNvPr id="31" name="Rechteck 30">
                 <a:extLst>
                   <a:ext uri="{FF2B5EF4-FFF2-40B4-BE49-F238E27FC236}">
-                    <a16:creationId xmlns="" xmlns:a16="http://schemas.microsoft.com/office/drawing/2014/main" id="{4BDB37D7-D054-A942-8D6D-F9B2EF0F9FF6}"/>
+                    <a16:creationId xmlns:a16="http://schemas.microsoft.com/office/drawing/2014/main" xmlns="" id="{4BDB37D7-D054-A942-8D6D-F9B2EF0F9FF6}"/>
                   </a:ext>
                 </a:extLst>
               </p:cNvPr>
@@ -22922,7 +24436,7 @@
               <p:cNvPr id="32" name="Rechteck 31">
                 <a:extLst>
                   <a:ext uri="{FF2B5EF4-FFF2-40B4-BE49-F238E27FC236}">
-                    <a16:creationId xmlns="" xmlns:a16="http://schemas.microsoft.com/office/drawing/2014/main" id="{3A6CCD76-DF2E-A745-8BA8-2A2DA3CA1050}"/>
+                    <a16:creationId xmlns:a16="http://schemas.microsoft.com/office/drawing/2014/main" xmlns="" id="{3A6CCD76-DF2E-A745-8BA8-2A2DA3CA1050}"/>
                   </a:ext>
                 </a:extLst>
               </p:cNvPr>
@@ -22981,7 +24495,7 @@
             <p:cNvPr id="30" name="Rechteck 29">
               <a:extLst>
                 <a:ext uri="{FF2B5EF4-FFF2-40B4-BE49-F238E27FC236}">
-                  <a16:creationId xmlns="" xmlns:a16="http://schemas.microsoft.com/office/drawing/2014/main" id="{117072ED-37EF-E943-B866-F06DD4235CB3}"/>
+                  <a16:creationId xmlns:a16="http://schemas.microsoft.com/office/drawing/2014/main" xmlns="" id="{117072ED-37EF-E943-B866-F06DD4235CB3}"/>
                 </a:ext>
               </a:extLst>
             </p:cNvPr>
@@ -23040,1406 +24554,6 @@
     <p:extLst>
       <p:ext uri="{BB962C8B-B14F-4D97-AF65-F5344CB8AC3E}">
         <p14:creationId xmlns:p14="http://schemas.microsoft.com/office/powerpoint/2010/main" val="2570393360"/>
-      </p:ext>
-    </p:extLst>
-  </p:cSld>
-  <p:clrMapOvr>
-    <a:masterClrMapping/>
-  </p:clrMapOvr>
-</p:sld>
-</file>
-
-<file path=ppt/slides/slide9.xml><?xml version="1.0" encoding="utf-8"?>
-<p:sld xmlns:a="http://schemas.openxmlformats.org/drawingml/2006/main" xmlns:r="http://schemas.openxmlformats.org/officeDocument/2006/relationships" xmlns:p="http://schemas.openxmlformats.org/presentationml/2006/main">
-  <p:cSld>
-    <p:spTree>
-      <p:nvGrpSpPr>
-        <p:cNvPr id="1" name=""/>
-        <p:cNvGrpSpPr/>
-        <p:nvPr/>
-      </p:nvGrpSpPr>
-      <p:grpSpPr>
-        <a:xfrm>
-          <a:off x="0" y="0"/>
-          <a:ext cx="0" cy="0"/>
-          <a:chOff x="0" y="0"/>
-          <a:chExt cx="0" cy="0"/>
-        </a:xfrm>
-      </p:grpSpPr>
-      <p:sp>
-        <p:nvSpPr>
-          <p:cNvPr id="2" name="Titel 1"/>
-          <p:cNvSpPr>
-            <a:spLocks noGrp="1"/>
-          </p:cNvSpPr>
-          <p:nvPr>
-            <p:ph type="title"/>
-          </p:nvPr>
-        </p:nvSpPr>
-        <p:spPr>
-          <a:xfrm>
-            <a:off x="967309" y="346075"/>
-            <a:ext cx="10580687" cy="684213"/>
-          </a:xfrm>
-        </p:spPr>
-        <p:txBody>
-          <a:bodyPr/>
-          <a:lstStyle/>
-          <a:p>
-            <a:r>
-              <a:rPr lang="de-DE" dirty="0"/>
-              <a:t>Konzeptidee</a:t>
-            </a:r>
-          </a:p>
-        </p:txBody>
-      </p:sp>
-      <p:grpSp>
-        <p:nvGrpSpPr>
-          <p:cNvPr id="4" name="Gruppieren 3">
-            <a:extLst>
-              <a:ext uri="{FF2B5EF4-FFF2-40B4-BE49-F238E27FC236}">
-                <a16:creationId xmlns="" xmlns:a16="http://schemas.microsoft.com/office/drawing/2014/main" id="{64401E1E-557D-5D4F-AE09-187A0802411B}"/>
-              </a:ext>
-            </a:extLst>
-          </p:cNvPr>
-          <p:cNvGrpSpPr/>
-          <p:nvPr/>
-        </p:nvGrpSpPr>
-        <p:grpSpPr>
-          <a:xfrm>
-            <a:off x="874712" y="1227061"/>
-            <a:ext cx="3558392" cy="3564857"/>
-            <a:chOff x="1780031" y="1414270"/>
-            <a:chExt cx="3558392" cy="3564857"/>
-          </a:xfrm>
-        </p:grpSpPr>
-        <p:sp>
-          <p:nvSpPr>
-            <p:cNvPr id="5" name="Rechteck 4">
-              <a:extLst>
-                <a:ext uri="{FF2B5EF4-FFF2-40B4-BE49-F238E27FC236}">
-                  <a16:creationId xmlns="" xmlns:a16="http://schemas.microsoft.com/office/drawing/2014/main" id="{35A0EAB9-4039-6448-AC03-B60DE38901D0}"/>
-                </a:ext>
-              </a:extLst>
-            </p:cNvPr>
-            <p:cNvSpPr/>
-            <p:nvPr/>
-          </p:nvSpPr>
-          <p:spPr>
-            <a:xfrm>
-              <a:off x="1780031" y="1583286"/>
-              <a:ext cx="3558392" cy="3395841"/>
-            </a:xfrm>
-            <a:prstGeom prst="rect">
-              <a:avLst/>
-            </a:prstGeom>
-            <a:solidFill>
-              <a:schemeClr val="bg1"/>
-            </a:solidFill>
-          </p:spPr>
-          <p:style>
-            <a:lnRef idx="2">
-              <a:schemeClr val="accent1">
-                <a:shade val="50000"/>
-              </a:schemeClr>
-            </a:lnRef>
-            <a:fillRef idx="1">
-              <a:schemeClr val="accent1"/>
-            </a:fillRef>
-            <a:effectRef idx="0">
-              <a:schemeClr val="accent1"/>
-            </a:effectRef>
-            <a:fontRef idx="minor">
-              <a:schemeClr val="lt1"/>
-            </a:fontRef>
-          </p:style>
-          <p:txBody>
-            <a:bodyPr tIns="251999" rtlCol="0" anchor="t"/>
-            <a:lstStyle/>
-            <a:p>
-              <a:pPr marL="285750" indent="-285750">
-                <a:buFont typeface="Arial" panose="020B0604020202020204" pitchFamily="34" charset="0"/>
-                <a:buChar char="•"/>
-              </a:pPr>
-              <a:endParaRPr lang="de-DE" dirty="0">
-                <a:solidFill>
-                  <a:schemeClr val="tx1"/>
-                </a:solidFill>
-              </a:endParaRPr>
-            </a:p>
-          </p:txBody>
-        </p:sp>
-        <p:sp>
-          <p:nvSpPr>
-            <p:cNvPr id="6" name="Rechteck 5">
-              <a:extLst>
-                <a:ext uri="{FF2B5EF4-FFF2-40B4-BE49-F238E27FC236}">
-                  <a16:creationId xmlns="" xmlns:a16="http://schemas.microsoft.com/office/drawing/2014/main" id="{FCCEA108-686B-BB4F-95FB-4BCE5EB529F1}"/>
-                </a:ext>
-              </a:extLst>
-            </p:cNvPr>
-            <p:cNvSpPr/>
-            <p:nvPr/>
-          </p:nvSpPr>
-          <p:spPr>
-            <a:xfrm>
-              <a:off x="1977038" y="1414270"/>
-              <a:ext cx="2493284" cy="338027"/>
-            </a:xfrm>
-            <a:prstGeom prst="rect">
-              <a:avLst/>
-            </a:prstGeom>
-            <a:solidFill>
-              <a:schemeClr val="bg1"/>
-            </a:solidFill>
-            <a:ln>
-              <a:noFill/>
-            </a:ln>
-          </p:spPr>
-          <p:style>
-            <a:lnRef idx="2">
-              <a:schemeClr val="accent1">
-                <a:shade val="50000"/>
-              </a:schemeClr>
-            </a:lnRef>
-            <a:fillRef idx="1">
-              <a:schemeClr val="accent1"/>
-            </a:fillRef>
-            <a:effectRef idx="0">
-              <a:schemeClr val="accent1"/>
-            </a:effectRef>
-            <a:fontRef idx="minor">
-              <a:schemeClr val="lt1"/>
-            </a:fontRef>
-          </p:style>
-          <p:txBody>
-            <a:bodyPr rtlCol="0" anchor="ctr"/>
-            <a:lstStyle/>
-            <a:p>
-              <a:r>
-                <a:rPr lang="de-DE" b="1" dirty="0">
-                  <a:solidFill>
-                    <a:schemeClr val="accent4"/>
-                  </a:solidFill>
-                </a:rPr>
-                <a:t>Problemidentifikation</a:t>
-              </a:r>
-            </a:p>
-          </p:txBody>
-        </p:sp>
-      </p:grpSp>
-      <p:sp>
-        <p:nvSpPr>
-          <p:cNvPr id="10" name="Rechteck 9"/>
-          <p:cNvSpPr/>
-          <p:nvPr/>
-        </p:nvSpPr>
-        <p:spPr>
-          <a:xfrm>
-            <a:off x="1060025" y="3148326"/>
-            <a:ext cx="3187765" cy="567160"/>
-          </a:xfrm>
-          <a:prstGeom prst="rect">
-            <a:avLst/>
-          </a:prstGeom>
-          <a:solidFill>
-            <a:schemeClr val="bg1"/>
-          </a:solidFill>
-          <a:ln>
-            <a:solidFill>
-              <a:schemeClr val="accent6"/>
-            </a:solidFill>
-          </a:ln>
-        </p:spPr>
-        <p:style>
-          <a:lnRef idx="2">
-            <a:schemeClr val="accent1">
-              <a:shade val="50000"/>
-            </a:schemeClr>
-          </a:lnRef>
-          <a:fillRef idx="1">
-            <a:schemeClr val="accent1"/>
-          </a:fillRef>
-          <a:effectRef idx="0">
-            <a:schemeClr val="accent1"/>
-          </a:effectRef>
-          <a:fontRef idx="minor">
-            <a:schemeClr val="lt1"/>
-          </a:fontRef>
-        </p:style>
-        <p:txBody>
-          <a:bodyPr rtlCol="0" anchor="ctr"/>
-          <a:lstStyle/>
-          <a:p>
-            <a:pPr algn="ctr"/>
-            <a:r>
-              <a:rPr lang="de-DE" dirty="0">
-                <a:solidFill>
-                  <a:schemeClr val="tx1"/>
-                </a:solidFill>
-              </a:rPr>
-              <a:t>Beschreibung des Problems</a:t>
-            </a:r>
-          </a:p>
-        </p:txBody>
-      </p:sp>
-      <p:sp>
-        <p:nvSpPr>
-          <p:cNvPr id="11" name="Rechteck 10"/>
-          <p:cNvSpPr/>
-          <p:nvPr/>
-        </p:nvSpPr>
-        <p:spPr>
-          <a:xfrm>
-            <a:off x="1063285" y="4021334"/>
-            <a:ext cx="3181246" cy="567160"/>
-          </a:xfrm>
-          <a:prstGeom prst="rect">
-            <a:avLst/>
-          </a:prstGeom>
-          <a:solidFill>
-            <a:schemeClr val="bg1"/>
-          </a:solidFill>
-          <a:ln>
-            <a:solidFill>
-              <a:schemeClr val="accent6"/>
-            </a:solidFill>
-          </a:ln>
-        </p:spPr>
-        <p:style>
-          <a:lnRef idx="2">
-            <a:schemeClr val="accent1">
-              <a:shade val="50000"/>
-            </a:schemeClr>
-          </a:lnRef>
-          <a:fillRef idx="1">
-            <a:schemeClr val="accent1"/>
-          </a:fillRef>
-          <a:effectRef idx="0">
-            <a:schemeClr val="accent1"/>
-          </a:effectRef>
-          <a:fontRef idx="minor">
-            <a:schemeClr val="lt1"/>
-          </a:fontRef>
-        </p:style>
-        <p:txBody>
-          <a:bodyPr rtlCol="0" anchor="ctr"/>
-          <a:lstStyle/>
-          <a:p>
-            <a:pPr algn="ctr"/>
-            <a:r>
-              <a:rPr lang="de-DE" dirty="0">
-                <a:solidFill>
-                  <a:schemeClr val="tx1"/>
-                </a:solidFill>
-              </a:rPr>
-              <a:t>Definition des Ziels</a:t>
-            </a:r>
-          </a:p>
-        </p:txBody>
-      </p:sp>
-      <p:sp>
-        <p:nvSpPr>
-          <p:cNvPr id="12" name="Rechteck 11"/>
-          <p:cNvSpPr/>
-          <p:nvPr/>
-        </p:nvSpPr>
-        <p:spPr>
-          <a:xfrm>
-            <a:off x="1066545" y="1788314"/>
-            <a:ext cx="3181245" cy="971068"/>
-          </a:xfrm>
-          <a:prstGeom prst="rect">
-            <a:avLst/>
-          </a:prstGeom>
-          <a:solidFill>
-            <a:schemeClr val="bg1"/>
-          </a:solidFill>
-          <a:ln>
-            <a:solidFill>
-              <a:schemeClr val="accent6"/>
-            </a:solidFill>
-          </a:ln>
-        </p:spPr>
-        <p:style>
-          <a:lnRef idx="2">
-            <a:schemeClr val="accent1">
-              <a:shade val="50000"/>
-            </a:schemeClr>
-          </a:lnRef>
-          <a:fillRef idx="1">
-            <a:schemeClr val="accent1"/>
-          </a:fillRef>
-          <a:effectRef idx="0">
-            <a:schemeClr val="accent1"/>
-          </a:effectRef>
-          <a:fontRef idx="minor">
-            <a:schemeClr val="lt1"/>
-          </a:fontRef>
-        </p:style>
-        <p:txBody>
-          <a:bodyPr rtlCol="0" anchor="ctr"/>
-          <a:lstStyle/>
-          <a:p>
-            <a:pPr algn="ctr"/>
-            <a:r>
-              <a:rPr lang="de-DE" dirty="0">
-                <a:solidFill>
-                  <a:schemeClr val="tx1"/>
-                </a:solidFill>
-              </a:rPr>
-              <a:t>Informationen über den aktuellen Status</a:t>
-            </a:r>
-          </a:p>
-        </p:txBody>
-      </p:sp>
-      <p:cxnSp>
-        <p:nvCxnSpPr>
-          <p:cNvPr id="14" name="Gerade Verbindung mit Pfeil 13"/>
-          <p:cNvCxnSpPr>
-            <a:stCxn id="12" idx="2"/>
-            <a:endCxn id="10" idx="0"/>
-          </p:cNvCxnSpPr>
-          <p:nvPr/>
-        </p:nvCxnSpPr>
-        <p:spPr>
-          <a:xfrm flipH="1">
-            <a:off x="2653908" y="2759382"/>
-            <a:ext cx="3260" cy="388944"/>
-          </a:xfrm>
-          <a:prstGeom prst="straightConnector1">
-            <a:avLst/>
-          </a:prstGeom>
-          <a:ln w="12700">
-            <a:solidFill>
-              <a:schemeClr val="accent6"/>
-            </a:solidFill>
-            <a:tailEnd type="triangle"/>
-          </a:ln>
-        </p:spPr>
-        <p:style>
-          <a:lnRef idx="1">
-            <a:schemeClr val="accent1"/>
-          </a:lnRef>
-          <a:fillRef idx="0">
-            <a:schemeClr val="accent1"/>
-          </a:fillRef>
-          <a:effectRef idx="0">
-            <a:schemeClr val="accent1"/>
-          </a:effectRef>
-          <a:fontRef idx="minor">
-            <a:schemeClr val="tx1"/>
-          </a:fontRef>
-        </p:style>
-      </p:cxnSp>
-      <p:cxnSp>
-        <p:nvCxnSpPr>
-          <p:cNvPr id="16" name="Gerade Verbindung mit Pfeil 15"/>
-          <p:cNvCxnSpPr>
-            <a:stCxn id="10" idx="2"/>
-            <a:endCxn id="11" idx="0"/>
-          </p:cNvCxnSpPr>
-          <p:nvPr/>
-        </p:nvCxnSpPr>
-        <p:spPr>
-          <a:xfrm>
-            <a:off x="2653908" y="3715486"/>
-            <a:ext cx="0" cy="305848"/>
-          </a:xfrm>
-          <a:prstGeom prst="straightConnector1">
-            <a:avLst/>
-          </a:prstGeom>
-          <a:ln w="12700">
-            <a:solidFill>
-              <a:schemeClr val="accent6"/>
-            </a:solidFill>
-            <a:tailEnd type="triangle"/>
-          </a:ln>
-        </p:spPr>
-        <p:style>
-          <a:lnRef idx="1">
-            <a:schemeClr val="accent1"/>
-          </a:lnRef>
-          <a:fillRef idx="0">
-            <a:schemeClr val="accent1"/>
-          </a:fillRef>
-          <a:effectRef idx="0">
-            <a:schemeClr val="accent1"/>
-          </a:effectRef>
-          <a:fontRef idx="minor">
-            <a:schemeClr val="tx1"/>
-          </a:fontRef>
-        </p:style>
-      </p:cxnSp>
-      <p:grpSp>
-        <p:nvGrpSpPr>
-          <p:cNvPr id="21" name="Gruppieren 20"/>
-          <p:cNvGrpSpPr/>
-          <p:nvPr/>
-        </p:nvGrpSpPr>
-        <p:grpSpPr>
-          <a:xfrm>
-            <a:off x="5120624" y="1227061"/>
-            <a:ext cx="3558392" cy="3564858"/>
-            <a:chOff x="6640833" y="1199304"/>
-            <a:chExt cx="3558392" cy="3564858"/>
-          </a:xfrm>
-        </p:grpSpPr>
-        <p:grpSp>
-          <p:nvGrpSpPr>
-            <p:cNvPr id="7" name="Gruppieren 6">
-              <a:extLst>
-                <a:ext uri="{FF2B5EF4-FFF2-40B4-BE49-F238E27FC236}">
-                  <a16:creationId xmlns="" xmlns:a16="http://schemas.microsoft.com/office/drawing/2014/main" id="{64401E1E-557D-5D4F-AE09-187A0802411B}"/>
-                </a:ext>
-              </a:extLst>
-            </p:cNvPr>
-            <p:cNvGrpSpPr/>
-            <p:nvPr/>
-          </p:nvGrpSpPr>
-          <p:grpSpPr>
-            <a:xfrm>
-              <a:off x="6640833" y="1199304"/>
-              <a:ext cx="3558392" cy="3564858"/>
-              <a:chOff x="1780031" y="1414270"/>
-              <a:chExt cx="3558392" cy="3564858"/>
-            </a:xfrm>
-          </p:grpSpPr>
-          <p:sp>
-            <p:nvSpPr>
-              <p:cNvPr id="8" name="Rechteck 7">
-                <a:extLst>
-                  <a:ext uri="{FF2B5EF4-FFF2-40B4-BE49-F238E27FC236}">
-                    <a16:creationId xmlns="" xmlns:a16="http://schemas.microsoft.com/office/drawing/2014/main" id="{35A0EAB9-4039-6448-AC03-B60DE38901D0}"/>
-                  </a:ext>
-                </a:extLst>
-              </p:cNvPr>
-              <p:cNvSpPr/>
-              <p:nvPr/>
-            </p:nvSpPr>
-            <p:spPr>
-              <a:xfrm>
-                <a:off x="1780031" y="1583286"/>
-                <a:ext cx="3558392" cy="3395842"/>
-              </a:xfrm>
-              <a:prstGeom prst="rect">
-                <a:avLst/>
-              </a:prstGeom>
-              <a:solidFill>
-                <a:schemeClr val="bg1"/>
-              </a:solidFill>
-            </p:spPr>
-            <p:style>
-              <a:lnRef idx="2">
-                <a:schemeClr val="accent1">
-                  <a:shade val="50000"/>
-                </a:schemeClr>
-              </a:lnRef>
-              <a:fillRef idx="1">
-                <a:schemeClr val="accent1"/>
-              </a:fillRef>
-              <a:effectRef idx="0">
-                <a:schemeClr val="accent1"/>
-              </a:effectRef>
-              <a:fontRef idx="minor">
-                <a:schemeClr val="lt1"/>
-              </a:fontRef>
-            </p:style>
-            <p:txBody>
-              <a:bodyPr tIns="251999" rtlCol="0" anchor="t"/>
-              <a:lstStyle/>
-              <a:p>
-                <a:pPr marL="285750" indent="-285750">
-                  <a:buFont typeface="Arial" panose="020B0604020202020204" pitchFamily="34" charset="0"/>
-                  <a:buChar char="•"/>
-                </a:pPr>
-                <a:endParaRPr lang="de-DE" dirty="0">
-                  <a:solidFill>
-                    <a:schemeClr val="tx1"/>
-                  </a:solidFill>
-                </a:endParaRPr>
-              </a:p>
-            </p:txBody>
-          </p:sp>
-          <p:sp>
-            <p:nvSpPr>
-              <p:cNvPr id="9" name="Rechteck 8">
-                <a:extLst>
-                  <a:ext uri="{FF2B5EF4-FFF2-40B4-BE49-F238E27FC236}">
-                    <a16:creationId xmlns="" xmlns:a16="http://schemas.microsoft.com/office/drawing/2014/main" id="{FCCEA108-686B-BB4F-95FB-4BCE5EB529F1}"/>
-                  </a:ext>
-                </a:extLst>
-              </p:cNvPr>
-              <p:cNvSpPr/>
-              <p:nvPr/>
-            </p:nvSpPr>
-            <p:spPr>
-              <a:xfrm>
-                <a:off x="1977037" y="1414270"/>
-                <a:ext cx="1997569" cy="338027"/>
-              </a:xfrm>
-              <a:prstGeom prst="rect">
-                <a:avLst/>
-              </a:prstGeom>
-              <a:solidFill>
-                <a:schemeClr val="bg1"/>
-              </a:solidFill>
-              <a:ln>
-                <a:noFill/>
-              </a:ln>
-            </p:spPr>
-            <p:style>
-              <a:lnRef idx="2">
-                <a:schemeClr val="accent1">
-                  <a:shade val="50000"/>
-                </a:schemeClr>
-              </a:lnRef>
-              <a:fillRef idx="1">
-                <a:schemeClr val="accent1"/>
-              </a:fillRef>
-              <a:effectRef idx="0">
-                <a:schemeClr val="accent1"/>
-              </a:effectRef>
-              <a:fontRef idx="minor">
-                <a:schemeClr val="lt1"/>
-              </a:fontRef>
-            </p:style>
-            <p:txBody>
-              <a:bodyPr rtlCol="0" anchor="ctr"/>
-              <a:lstStyle/>
-              <a:p>
-                <a:r>
-                  <a:rPr lang="de-DE" b="1" dirty="0">
-                    <a:solidFill>
-                      <a:schemeClr val="accent4"/>
-                    </a:solidFill>
-                  </a:rPr>
-                  <a:t>Problemlösungen</a:t>
-                </a:r>
-              </a:p>
-            </p:txBody>
-          </p:sp>
-        </p:grpSp>
-        <p:sp>
-          <p:nvSpPr>
-            <p:cNvPr id="17" name="Rechteck 16"/>
-            <p:cNvSpPr/>
-            <p:nvPr/>
-          </p:nvSpPr>
-          <p:spPr>
-            <a:xfrm>
-              <a:off x="6837840" y="1763499"/>
-              <a:ext cx="3181245" cy="968126"/>
-            </a:xfrm>
-            <a:prstGeom prst="rect">
-              <a:avLst/>
-            </a:prstGeom>
-            <a:solidFill>
-              <a:schemeClr val="bg1"/>
-            </a:solidFill>
-            <a:ln>
-              <a:solidFill>
-                <a:schemeClr val="accent6"/>
-              </a:solidFill>
-            </a:ln>
-          </p:spPr>
-          <p:style>
-            <a:lnRef idx="2">
-              <a:schemeClr val="accent1">
-                <a:shade val="50000"/>
-              </a:schemeClr>
-            </a:lnRef>
-            <a:fillRef idx="1">
-              <a:schemeClr val="accent1"/>
-            </a:fillRef>
-            <a:effectRef idx="0">
-              <a:schemeClr val="accent1"/>
-            </a:effectRef>
-            <a:fontRef idx="minor">
-              <a:schemeClr val="lt1"/>
-            </a:fontRef>
-          </p:style>
-          <p:txBody>
-            <a:bodyPr tIns="108000" rtlCol="0" anchor="t"/>
-            <a:lstStyle/>
-            <a:p>
-              <a:pPr algn="ctr"/>
-              <a:r>
-                <a:rPr lang="de-DE" dirty="0">
-                  <a:solidFill>
-                    <a:schemeClr val="tx1"/>
-                  </a:solidFill>
-                </a:rPr>
-                <a:t>Lösungen vorschlagen</a:t>
-              </a:r>
-            </a:p>
-          </p:txBody>
-        </p:sp>
-        <p:sp>
-          <p:nvSpPr>
-            <p:cNvPr id="19" name="Rechteck 18"/>
-            <p:cNvSpPr/>
-            <p:nvPr/>
-          </p:nvSpPr>
-          <p:spPr>
-            <a:xfrm>
-              <a:off x="6837839" y="3079021"/>
-              <a:ext cx="3181245" cy="567160"/>
-            </a:xfrm>
-            <a:prstGeom prst="rect">
-              <a:avLst/>
-            </a:prstGeom>
-            <a:solidFill>
-              <a:schemeClr val="bg1"/>
-            </a:solidFill>
-            <a:ln>
-              <a:solidFill>
-                <a:schemeClr val="accent6"/>
-              </a:solidFill>
-            </a:ln>
-          </p:spPr>
-          <p:style>
-            <a:lnRef idx="2">
-              <a:schemeClr val="accent1">
-                <a:shade val="50000"/>
-              </a:schemeClr>
-            </a:lnRef>
-            <a:fillRef idx="1">
-              <a:schemeClr val="accent1"/>
-            </a:fillRef>
-            <a:effectRef idx="0">
-              <a:schemeClr val="accent1"/>
-            </a:effectRef>
-            <a:fontRef idx="minor">
-              <a:schemeClr val="lt1"/>
-            </a:fontRef>
-          </p:style>
-          <p:txBody>
-            <a:bodyPr rtlCol="0" anchor="ctr"/>
-            <a:lstStyle/>
-            <a:p>
-              <a:pPr algn="ctr"/>
-              <a:r>
-                <a:rPr lang="de-DE" dirty="0">
-                  <a:solidFill>
-                    <a:schemeClr val="tx1"/>
-                  </a:solidFill>
-                </a:rPr>
-                <a:t>Lösungen vergleichen</a:t>
-              </a:r>
-            </a:p>
-          </p:txBody>
-        </p:sp>
-        <p:sp>
-          <p:nvSpPr>
-            <p:cNvPr id="20" name="Rechteck 19"/>
-            <p:cNvSpPr/>
-            <p:nvPr/>
-          </p:nvSpPr>
-          <p:spPr>
-            <a:xfrm>
-              <a:off x="6837839" y="3993577"/>
-              <a:ext cx="3181245" cy="567160"/>
-            </a:xfrm>
-            <a:prstGeom prst="rect">
-              <a:avLst/>
-            </a:prstGeom>
-            <a:solidFill>
-              <a:schemeClr val="bg1"/>
-            </a:solidFill>
-            <a:ln>
-              <a:solidFill>
-                <a:schemeClr val="accent6"/>
-              </a:solidFill>
-            </a:ln>
-          </p:spPr>
-          <p:style>
-            <a:lnRef idx="2">
-              <a:schemeClr val="accent1">
-                <a:shade val="50000"/>
-              </a:schemeClr>
-            </a:lnRef>
-            <a:fillRef idx="1">
-              <a:schemeClr val="accent1"/>
-            </a:fillRef>
-            <a:effectRef idx="0">
-              <a:schemeClr val="accent1"/>
-            </a:effectRef>
-            <a:fontRef idx="minor">
-              <a:schemeClr val="lt1"/>
-            </a:fontRef>
-          </p:style>
-          <p:txBody>
-            <a:bodyPr rtlCol="0" anchor="ctr"/>
-            <a:lstStyle/>
-            <a:p>
-              <a:pPr algn="ctr"/>
-              <a:r>
-                <a:rPr lang="de-DE" dirty="0">
-                  <a:solidFill>
-                    <a:schemeClr val="tx1"/>
-                  </a:solidFill>
-                </a:rPr>
-                <a:t>Lösungen bewerten</a:t>
-              </a:r>
-            </a:p>
-          </p:txBody>
-        </p:sp>
-      </p:grpSp>
-      <p:cxnSp>
-        <p:nvCxnSpPr>
-          <p:cNvPr id="24" name="Gerade Verbindung mit Pfeil 23"/>
-          <p:cNvCxnSpPr>
-            <a:stCxn id="17" idx="2"/>
-            <a:endCxn id="19" idx="0"/>
-          </p:cNvCxnSpPr>
-          <p:nvPr/>
-        </p:nvCxnSpPr>
-        <p:spPr>
-          <a:xfrm flipH="1">
-            <a:off x="6908253" y="2759382"/>
-            <a:ext cx="1" cy="347396"/>
-          </a:xfrm>
-          <a:prstGeom prst="straightConnector1">
-            <a:avLst/>
-          </a:prstGeom>
-          <a:ln>
-            <a:solidFill>
-              <a:schemeClr val="accent6"/>
-            </a:solidFill>
-            <a:tailEnd type="triangle"/>
-          </a:ln>
-        </p:spPr>
-        <p:style>
-          <a:lnRef idx="1">
-            <a:schemeClr val="accent1"/>
-          </a:lnRef>
-          <a:fillRef idx="0">
-            <a:schemeClr val="accent1"/>
-          </a:fillRef>
-          <a:effectRef idx="0">
-            <a:schemeClr val="accent1"/>
-          </a:effectRef>
-          <a:fontRef idx="minor">
-            <a:schemeClr val="tx1"/>
-          </a:fontRef>
-        </p:style>
-      </p:cxnSp>
-      <p:cxnSp>
-        <p:nvCxnSpPr>
-          <p:cNvPr id="26" name="Gerade Verbindung mit Pfeil 25"/>
-          <p:cNvCxnSpPr>
-            <a:stCxn id="19" idx="2"/>
-            <a:endCxn id="20" idx="0"/>
-          </p:cNvCxnSpPr>
-          <p:nvPr/>
-        </p:nvCxnSpPr>
-        <p:spPr>
-          <a:xfrm>
-            <a:off x="6908253" y="3673938"/>
-            <a:ext cx="0" cy="347396"/>
-          </a:xfrm>
-          <a:prstGeom prst="straightConnector1">
-            <a:avLst/>
-          </a:prstGeom>
-          <a:ln>
-            <a:solidFill>
-              <a:schemeClr val="accent6"/>
-            </a:solidFill>
-            <a:tailEnd type="triangle"/>
-          </a:ln>
-        </p:spPr>
-        <p:style>
-          <a:lnRef idx="1">
-            <a:schemeClr val="accent1"/>
-          </a:lnRef>
-          <a:fillRef idx="0">
-            <a:schemeClr val="accent1"/>
-          </a:fillRef>
-          <a:effectRef idx="0">
-            <a:schemeClr val="accent1"/>
-          </a:effectRef>
-          <a:fontRef idx="minor">
-            <a:schemeClr val="tx1"/>
-          </a:fontRef>
-        </p:style>
-      </p:cxnSp>
-      <p:cxnSp>
-        <p:nvCxnSpPr>
-          <p:cNvPr id="28" name="Gewinkelte Verbindung 27"/>
-          <p:cNvCxnSpPr>
-            <a:stCxn id="11" idx="2"/>
-            <a:endCxn id="17" idx="1"/>
-          </p:cNvCxnSpPr>
-          <p:nvPr/>
-        </p:nvCxnSpPr>
-        <p:spPr>
-          <a:xfrm rot="5400000" flipH="1" flipV="1">
-            <a:off x="2829181" y="2100045"/>
-            <a:ext cx="2313175" cy="2663723"/>
-          </a:xfrm>
-          <a:prstGeom prst="bentConnector4">
-            <a:avLst>
-              <a:gd name="adj1" fmla="val -25395"/>
-              <a:gd name="adj2" fmla="val 79857"/>
-            </a:avLst>
-          </a:prstGeom>
-          <a:ln w="9525">
-            <a:solidFill>
-              <a:schemeClr val="tx2"/>
-            </a:solidFill>
-            <a:tailEnd type="triangle"/>
-          </a:ln>
-        </p:spPr>
-        <p:style>
-          <a:lnRef idx="1">
-            <a:schemeClr val="accent1"/>
-          </a:lnRef>
-          <a:fillRef idx="0">
-            <a:schemeClr val="accent1"/>
-          </a:fillRef>
-          <a:effectRef idx="0">
-            <a:schemeClr val="accent1"/>
-          </a:effectRef>
-          <a:fontRef idx="minor">
-            <a:schemeClr val="tx1"/>
-          </a:fontRef>
-        </p:style>
-      </p:cxnSp>
-      <p:sp>
-        <p:nvSpPr>
-          <p:cNvPr id="38" name="Rechteck 37"/>
-          <p:cNvSpPr/>
-          <p:nvPr/>
-        </p:nvSpPr>
-        <p:spPr>
-          <a:xfrm>
-            <a:off x="5440782" y="2333552"/>
-            <a:ext cx="1343683" cy="312959"/>
-          </a:xfrm>
-          <a:prstGeom prst="rect">
-            <a:avLst/>
-          </a:prstGeom>
-          <a:solidFill>
-            <a:schemeClr val="bg1"/>
-          </a:solidFill>
-          <a:ln>
-            <a:solidFill>
-              <a:schemeClr val="accent6"/>
-            </a:solidFill>
-          </a:ln>
-        </p:spPr>
-        <p:style>
-          <a:lnRef idx="2">
-            <a:schemeClr val="accent1">
-              <a:shade val="50000"/>
-            </a:schemeClr>
-          </a:lnRef>
-          <a:fillRef idx="1">
-            <a:schemeClr val="accent1"/>
-          </a:fillRef>
-          <a:effectRef idx="0">
-            <a:schemeClr val="accent1"/>
-          </a:effectRef>
-          <a:fontRef idx="minor">
-            <a:schemeClr val="lt1"/>
-          </a:fontRef>
-        </p:style>
-        <p:txBody>
-          <a:bodyPr rtlCol="0" anchor="ctr"/>
-          <a:lstStyle/>
-          <a:p>
-            <a:pPr algn="ctr"/>
-            <a:r>
-              <a:rPr lang="de-DE" dirty="0">
-                <a:solidFill>
-                  <a:schemeClr val="tx1"/>
-                </a:solidFill>
-              </a:rPr>
-              <a:t>System</a:t>
-            </a:r>
-          </a:p>
-        </p:txBody>
-      </p:sp>
-      <p:sp>
-        <p:nvSpPr>
-          <p:cNvPr id="39" name="Rechteck 38"/>
-          <p:cNvSpPr/>
-          <p:nvPr/>
-        </p:nvSpPr>
-        <p:spPr>
-          <a:xfrm>
-            <a:off x="7024118" y="2333552"/>
-            <a:ext cx="1343683" cy="312959"/>
-          </a:xfrm>
-          <a:prstGeom prst="rect">
-            <a:avLst/>
-          </a:prstGeom>
-          <a:solidFill>
-            <a:schemeClr val="bg1"/>
-          </a:solidFill>
-          <a:ln>
-            <a:solidFill>
-              <a:schemeClr val="accent6"/>
-            </a:solidFill>
-          </a:ln>
-        </p:spPr>
-        <p:style>
-          <a:lnRef idx="2">
-            <a:schemeClr val="accent1">
-              <a:shade val="50000"/>
-            </a:schemeClr>
-          </a:lnRef>
-          <a:fillRef idx="1">
-            <a:schemeClr val="accent1"/>
-          </a:fillRef>
-          <a:effectRef idx="0">
-            <a:schemeClr val="accent1"/>
-          </a:effectRef>
-          <a:fontRef idx="minor">
-            <a:schemeClr val="lt1"/>
-          </a:fontRef>
-        </p:style>
-        <p:txBody>
-          <a:bodyPr rtlCol="0" anchor="ctr"/>
-          <a:lstStyle/>
-          <a:p>
-            <a:pPr algn="ctr"/>
-            <a:r>
-              <a:rPr lang="de-DE" dirty="0">
-                <a:solidFill>
-                  <a:schemeClr val="tx1"/>
-                </a:solidFill>
-              </a:rPr>
-              <a:t>Nutzer</a:t>
-            </a:r>
-          </a:p>
-        </p:txBody>
-      </p:sp>
-      <p:grpSp>
-        <p:nvGrpSpPr>
-          <p:cNvPr id="49" name="Gruppieren 48">
-            <a:extLst>
-              <a:ext uri="{FF2B5EF4-FFF2-40B4-BE49-F238E27FC236}">
-                <a16:creationId xmlns="" xmlns:a16="http://schemas.microsoft.com/office/drawing/2014/main" id="{64401E1E-557D-5D4F-AE09-187A0802411B}"/>
-              </a:ext>
-            </a:extLst>
-          </p:cNvPr>
-          <p:cNvGrpSpPr/>
-          <p:nvPr/>
-        </p:nvGrpSpPr>
-        <p:grpSpPr>
-          <a:xfrm>
-            <a:off x="9366536" y="1227061"/>
-            <a:ext cx="2018369" cy="3564857"/>
-            <a:chOff x="1780031" y="1414270"/>
-            <a:chExt cx="1984637" cy="3564857"/>
-          </a:xfrm>
-        </p:grpSpPr>
-        <p:sp>
-          <p:nvSpPr>
-            <p:cNvPr id="50" name="Rechteck 49">
-              <a:extLst>
-                <a:ext uri="{FF2B5EF4-FFF2-40B4-BE49-F238E27FC236}">
-                  <a16:creationId xmlns="" xmlns:a16="http://schemas.microsoft.com/office/drawing/2014/main" id="{35A0EAB9-4039-6448-AC03-B60DE38901D0}"/>
-                </a:ext>
-              </a:extLst>
-            </p:cNvPr>
-            <p:cNvSpPr/>
-            <p:nvPr/>
-          </p:nvSpPr>
-          <p:spPr>
-            <a:xfrm>
-              <a:off x="1780031" y="1583286"/>
-              <a:ext cx="1984637" cy="3395841"/>
-            </a:xfrm>
-            <a:prstGeom prst="rect">
-              <a:avLst/>
-            </a:prstGeom>
-            <a:solidFill>
-              <a:schemeClr val="bg1"/>
-            </a:solidFill>
-          </p:spPr>
-          <p:style>
-            <a:lnRef idx="2">
-              <a:schemeClr val="accent1">
-                <a:shade val="50000"/>
-              </a:schemeClr>
-            </a:lnRef>
-            <a:fillRef idx="1">
-              <a:schemeClr val="accent1"/>
-            </a:fillRef>
-            <a:effectRef idx="0">
-              <a:schemeClr val="accent1"/>
-            </a:effectRef>
-            <a:fontRef idx="minor">
-              <a:schemeClr val="lt1"/>
-            </a:fontRef>
-          </p:style>
-          <p:txBody>
-            <a:bodyPr tIns="251999" rtlCol="0" anchor="t"/>
-            <a:lstStyle/>
-            <a:p>
-              <a:pPr marL="285750" indent="-285750">
-                <a:buFont typeface="Arial" panose="020B0604020202020204" pitchFamily="34" charset="0"/>
-                <a:buChar char="•"/>
-              </a:pPr>
-              <a:endParaRPr lang="de-DE" dirty="0">
-                <a:solidFill>
-                  <a:schemeClr val="tx1"/>
-                </a:solidFill>
-              </a:endParaRPr>
-            </a:p>
-          </p:txBody>
-        </p:sp>
-        <p:sp>
-          <p:nvSpPr>
-            <p:cNvPr id="51" name="Rechteck 50">
-              <a:extLst>
-                <a:ext uri="{FF2B5EF4-FFF2-40B4-BE49-F238E27FC236}">
-                  <a16:creationId xmlns="" xmlns:a16="http://schemas.microsoft.com/office/drawing/2014/main" id="{FCCEA108-686B-BB4F-95FB-4BCE5EB529F1}"/>
-                </a:ext>
-              </a:extLst>
-            </p:cNvPr>
-            <p:cNvSpPr/>
-            <p:nvPr/>
-          </p:nvSpPr>
-          <p:spPr>
-            <a:xfrm>
-              <a:off x="1977038" y="1414270"/>
-              <a:ext cx="1449105" cy="338027"/>
-            </a:xfrm>
-            <a:prstGeom prst="rect">
-              <a:avLst/>
-            </a:prstGeom>
-            <a:solidFill>
-              <a:schemeClr val="bg1"/>
-            </a:solidFill>
-            <a:ln>
-              <a:noFill/>
-            </a:ln>
-          </p:spPr>
-          <p:style>
-            <a:lnRef idx="2">
-              <a:schemeClr val="accent1">
-                <a:shade val="50000"/>
-              </a:schemeClr>
-            </a:lnRef>
-            <a:fillRef idx="1">
-              <a:schemeClr val="accent1"/>
-            </a:fillRef>
-            <a:effectRef idx="0">
-              <a:schemeClr val="accent1"/>
-            </a:effectRef>
-            <a:fontRef idx="minor">
-              <a:schemeClr val="lt1"/>
-            </a:fontRef>
-          </p:style>
-          <p:txBody>
-            <a:bodyPr rtlCol="0" anchor="ctr"/>
-            <a:lstStyle/>
-            <a:p>
-              <a:r>
-                <a:rPr lang="de-DE" b="1" dirty="0">
-                  <a:solidFill>
-                    <a:schemeClr val="accent4"/>
-                  </a:solidFill>
-                </a:rPr>
-                <a:t>Entscheiden</a:t>
-              </a:r>
-            </a:p>
-          </p:txBody>
-        </p:sp>
-      </p:grpSp>
-      <p:sp>
-        <p:nvSpPr>
-          <p:cNvPr id="58" name="Rechteck 57"/>
-          <p:cNvSpPr/>
-          <p:nvPr/>
-        </p:nvSpPr>
-        <p:spPr>
-          <a:xfrm>
-            <a:off x="9566891" y="1791256"/>
-            <a:ext cx="1614467" cy="567160"/>
-          </a:xfrm>
-          <a:prstGeom prst="rect">
-            <a:avLst/>
-          </a:prstGeom>
-          <a:solidFill>
-            <a:schemeClr val="bg1"/>
-          </a:solidFill>
-          <a:ln>
-            <a:solidFill>
-              <a:schemeClr val="accent6"/>
-            </a:solidFill>
-          </a:ln>
-        </p:spPr>
-        <p:style>
-          <a:lnRef idx="2">
-            <a:schemeClr val="accent1">
-              <a:shade val="50000"/>
-            </a:schemeClr>
-          </a:lnRef>
-          <a:fillRef idx="1">
-            <a:schemeClr val="accent1"/>
-          </a:fillRef>
-          <a:effectRef idx="0">
-            <a:schemeClr val="accent1"/>
-          </a:effectRef>
-          <a:fontRef idx="minor">
-            <a:schemeClr val="lt1"/>
-          </a:fontRef>
-        </p:style>
-        <p:txBody>
-          <a:bodyPr rtlCol="0" anchor="ctr"/>
-          <a:lstStyle/>
-          <a:p>
-            <a:pPr algn="ctr"/>
-            <a:r>
-              <a:rPr lang="de-DE" dirty="0">
-                <a:solidFill>
-                  <a:schemeClr val="tx1"/>
-                </a:solidFill>
-              </a:rPr>
-              <a:t>Kriterien festlegen</a:t>
-            </a:r>
-          </a:p>
-        </p:txBody>
-      </p:sp>
-      <p:sp>
-        <p:nvSpPr>
-          <p:cNvPr id="59" name="Rechteck 58"/>
-          <p:cNvSpPr/>
-          <p:nvPr/>
-        </p:nvSpPr>
-        <p:spPr>
-          <a:xfrm>
-            <a:off x="9566891" y="3106778"/>
-            <a:ext cx="1614467" cy="567160"/>
-          </a:xfrm>
-          <a:prstGeom prst="rect">
-            <a:avLst/>
-          </a:prstGeom>
-          <a:solidFill>
-            <a:schemeClr val="bg1"/>
-          </a:solidFill>
-          <a:ln>
-            <a:solidFill>
-              <a:schemeClr val="accent6"/>
-            </a:solidFill>
-          </a:ln>
-        </p:spPr>
-        <p:style>
-          <a:lnRef idx="2">
-            <a:schemeClr val="accent1">
-              <a:shade val="50000"/>
-            </a:schemeClr>
-          </a:lnRef>
-          <a:fillRef idx="1">
-            <a:schemeClr val="accent1"/>
-          </a:fillRef>
-          <a:effectRef idx="0">
-            <a:schemeClr val="accent1"/>
-          </a:effectRef>
-          <a:fontRef idx="minor">
-            <a:schemeClr val="lt1"/>
-          </a:fontRef>
-        </p:style>
-        <p:txBody>
-          <a:bodyPr rtlCol="0" anchor="ctr"/>
-          <a:lstStyle/>
-          <a:p>
-            <a:pPr algn="ctr"/>
-            <a:r>
-              <a:rPr lang="de-DE" dirty="0">
-                <a:solidFill>
-                  <a:schemeClr val="tx1"/>
-                </a:solidFill>
-              </a:rPr>
-              <a:t>Lösungen filtern</a:t>
-            </a:r>
-          </a:p>
-        </p:txBody>
-      </p:sp>
-      <p:sp>
-        <p:nvSpPr>
-          <p:cNvPr id="60" name="Rechteck 59"/>
-          <p:cNvSpPr/>
-          <p:nvPr/>
-        </p:nvSpPr>
-        <p:spPr>
-          <a:xfrm>
-            <a:off x="9566892" y="4024217"/>
-            <a:ext cx="1614466" cy="567160"/>
-          </a:xfrm>
-          <a:prstGeom prst="rect">
-            <a:avLst/>
-          </a:prstGeom>
-          <a:solidFill>
-            <a:schemeClr val="bg1"/>
-          </a:solidFill>
-          <a:ln>
-            <a:solidFill>
-              <a:schemeClr val="accent6"/>
-            </a:solidFill>
-          </a:ln>
-        </p:spPr>
-        <p:style>
-          <a:lnRef idx="2">
-            <a:schemeClr val="accent1">
-              <a:shade val="50000"/>
-            </a:schemeClr>
-          </a:lnRef>
-          <a:fillRef idx="1">
-            <a:schemeClr val="accent1"/>
-          </a:fillRef>
-          <a:effectRef idx="0">
-            <a:schemeClr val="accent1"/>
-          </a:effectRef>
-          <a:fontRef idx="minor">
-            <a:schemeClr val="lt1"/>
-          </a:fontRef>
-        </p:style>
-        <p:txBody>
-          <a:bodyPr rtlCol="0" anchor="ctr"/>
-          <a:lstStyle/>
-          <a:p>
-            <a:pPr algn="ctr"/>
-            <a:r>
-              <a:rPr lang="de-DE" dirty="0">
-                <a:solidFill>
-                  <a:schemeClr val="tx1"/>
-                </a:solidFill>
-              </a:rPr>
-              <a:t>Lösung auswählen</a:t>
-            </a:r>
-          </a:p>
-        </p:txBody>
-      </p:sp>
-      <p:cxnSp>
-        <p:nvCxnSpPr>
-          <p:cNvPr id="46" name="Gerade Verbindung mit Pfeil 45"/>
-          <p:cNvCxnSpPr>
-            <a:stCxn id="58" idx="2"/>
-            <a:endCxn id="59" idx="0"/>
-          </p:cNvCxnSpPr>
-          <p:nvPr/>
-        </p:nvCxnSpPr>
-        <p:spPr>
-          <a:xfrm>
-            <a:off x="10374125" y="2358416"/>
-            <a:ext cx="0" cy="748362"/>
-          </a:xfrm>
-          <a:prstGeom prst="straightConnector1">
-            <a:avLst/>
-          </a:prstGeom>
-          <a:ln>
-            <a:solidFill>
-              <a:schemeClr val="accent6"/>
-            </a:solidFill>
-            <a:tailEnd type="triangle"/>
-          </a:ln>
-        </p:spPr>
-        <p:style>
-          <a:lnRef idx="1">
-            <a:schemeClr val="accent1"/>
-          </a:lnRef>
-          <a:fillRef idx="0">
-            <a:schemeClr val="accent1"/>
-          </a:fillRef>
-          <a:effectRef idx="0">
-            <a:schemeClr val="accent1"/>
-          </a:effectRef>
-          <a:fontRef idx="minor">
-            <a:schemeClr val="tx1"/>
-          </a:fontRef>
-        </p:style>
-      </p:cxnSp>
-      <p:cxnSp>
-        <p:nvCxnSpPr>
-          <p:cNvPr id="52" name="Gerade Verbindung mit Pfeil 51"/>
-          <p:cNvCxnSpPr>
-            <a:stCxn id="59" idx="2"/>
-            <a:endCxn id="60" idx="0"/>
-          </p:cNvCxnSpPr>
-          <p:nvPr/>
-        </p:nvCxnSpPr>
-        <p:spPr>
-          <a:xfrm>
-            <a:off x="10374125" y="3673938"/>
-            <a:ext cx="0" cy="350279"/>
-          </a:xfrm>
-          <a:prstGeom prst="straightConnector1">
-            <a:avLst/>
-          </a:prstGeom>
-          <a:ln>
-            <a:solidFill>
-              <a:schemeClr val="accent6"/>
-            </a:solidFill>
-            <a:tailEnd type="triangle"/>
-          </a:ln>
-        </p:spPr>
-        <p:style>
-          <a:lnRef idx="1">
-            <a:schemeClr val="accent1"/>
-          </a:lnRef>
-          <a:fillRef idx="0">
-            <a:schemeClr val="accent1"/>
-          </a:fillRef>
-          <a:effectRef idx="0">
-            <a:schemeClr val="accent1"/>
-          </a:effectRef>
-          <a:fontRef idx="minor">
-            <a:schemeClr val="tx1"/>
-          </a:fontRef>
-        </p:style>
-      </p:cxnSp>
-      <p:cxnSp>
-        <p:nvCxnSpPr>
-          <p:cNvPr id="53" name="Gewinkelte Verbindung 52"/>
-          <p:cNvCxnSpPr>
-            <a:stCxn id="20" idx="2"/>
-            <a:endCxn id="58" idx="1"/>
-          </p:cNvCxnSpPr>
-          <p:nvPr/>
-        </p:nvCxnSpPr>
-        <p:spPr>
-          <a:xfrm rot="5400000" flipH="1" flipV="1">
-            <a:off x="6980743" y="2002346"/>
-            <a:ext cx="2513658" cy="2658638"/>
-          </a:xfrm>
-          <a:prstGeom prst="bentConnector4">
-            <a:avLst>
-              <a:gd name="adj1" fmla="val -23830"/>
-              <a:gd name="adj2" fmla="val 79914"/>
-            </a:avLst>
-          </a:prstGeom>
-          <a:ln w="9525">
-            <a:solidFill>
-              <a:schemeClr val="tx2"/>
-            </a:solidFill>
-            <a:tailEnd type="triangle"/>
-          </a:ln>
-        </p:spPr>
-        <p:style>
-          <a:lnRef idx="1">
-            <a:schemeClr val="accent1"/>
-          </a:lnRef>
-          <a:fillRef idx="0">
-            <a:schemeClr val="accent1"/>
-          </a:fillRef>
-          <a:effectRef idx="0">
-            <a:schemeClr val="accent1"/>
-          </a:effectRef>
-          <a:fontRef idx="minor">
-            <a:schemeClr val="tx1"/>
-          </a:fontRef>
-        </p:style>
-      </p:cxnSp>
-    </p:spTree>
-    <p:extLst>
-      <p:ext uri="{BB962C8B-B14F-4D97-AF65-F5344CB8AC3E}">
-        <p14:creationId xmlns:p14="http://schemas.microsoft.com/office/powerpoint/2010/main" val="1188044575"/>
       </p:ext>
     </p:extLst>
   </p:cSld>

--- a/Dokumente/Präsentationen/2019-02-18_DA_Feldkemper_Zwischenpräsentation.pptx
+++ b/Dokumente/Präsentationen/2019-02-18_DA_Feldkemper_Zwischenpräsentation.pptx
@@ -12,13 +12,13 @@
   </p:handoutMasterIdLst>
   <p:sldIdLst>
     <p:sldId id="319" r:id="rId2"/>
-    <p:sldId id="346" r:id="rId3"/>
-    <p:sldId id="337" r:id="rId4"/>
-    <p:sldId id="347" r:id="rId5"/>
-    <p:sldId id="341" r:id="rId6"/>
-    <p:sldId id="348" r:id="rId7"/>
-    <p:sldId id="351" r:id="rId8"/>
-    <p:sldId id="350" r:id="rId9"/>
+    <p:sldId id="337" r:id="rId3"/>
+    <p:sldId id="347" r:id="rId4"/>
+    <p:sldId id="341" r:id="rId5"/>
+    <p:sldId id="348" r:id="rId6"/>
+    <p:sldId id="351" r:id="rId7"/>
+    <p:sldId id="350" r:id="rId8"/>
+    <p:sldId id="352" r:id="rId9"/>
     <p:sldId id="331" r:id="rId10"/>
     <p:sldId id="339" r:id="rId11"/>
     <p:sldId id="342" r:id="rId12"/>
@@ -40,14 +40,14 @@
   <p:notesSz cx="6858000" cy="9144000"/>
   <p:embeddedFontLst>
     <p:embeddedFont>
-      <p:font typeface="Open Sans" panose="020B0604020202020204" charset="0"/>
+      <p:font typeface="Calibri" panose="020F0502020204030204" pitchFamily="34" charset="0"/>
       <p:regular r:id="rId28"/>
       <p:bold r:id="rId29"/>
       <p:italic r:id="rId30"/>
       <p:boldItalic r:id="rId31"/>
     </p:embeddedFont>
     <p:embeddedFont>
-      <p:font typeface="Calibri" panose="020F0502020204030204" pitchFamily="34" charset="0"/>
+      <p:font typeface="Open Sans" panose="020B0606030504020204" pitchFamily="34" charset="0"/>
       <p:regular r:id="rId32"/>
       <p:bold r:id="rId33"/>
       <p:italic r:id="rId34"/>
@@ -155,13 +155,13 @@
         <p14:section name="Standardabschnitt" id="{2939B5E8-EF71-43FF-B7B6-C3DB42F2B419}">
           <p14:sldIdLst>
             <p14:sldId id="319"/>
-            <p14:sldId id="346"/>
             <p14:sldId id="337"/>
             <p14:sldId id="347"/>
             <p14:sldId id="341"/>
             <p14:sldId id="348"/>
             <p14:sldId id="351"/>
             <p14:sldId id="350"/>
+            <p14:sldId id="352"/>
             <p14:sldId id="331"/>
           </p14:sldIdLst>
         </p14:section>
@@ -287,7 +287,7 @@
           <a:p>
             <a:fld id="{C6AC6211-610F-44E5-BF19-D3CDF6EDD281}" type="datetimeFigureOut">
               <a:rPr lang="de-DE" smtClean="0"/>
-              <a:t>13.02.2019</a:t>
+              <a:t>17.02.19</a:t>
             </a:fld>
             <a:endParaRPr lang="de-DE"/>
           </a:p>
@@ -453,7 +453,7 @@
           <a:p>
             <a:fld id="{347435D3-23A6-45D3-8DFA-7317DC1E7A64}" type="datetimeFigureOut">
               <a:rPr lang="de-DE" smtClean="0"/>
-              <a:t>13.02.2019</a:t>
+              <a:t>17.02.19</a:t>
             </a:fld>
             <a:endParaRPr lang="de-DE"/>
           </a:p>
@@ -870,6 +870,90 @@
           <a:p>
             <a:fld id="{2969AC09-DF60-43F4-96BF-67D4D9A74094}" type="slidenum">
               <a:rPr lang="de-DE" smtClean="0"/>
+              <a:t>17</a:t>
+            </a:fld>
+            <a:endParaRPr lang="de-DE"/>
+          </a:p>
+        </p:txBody>
+      </p:sp>
+    </p:spTree>
+    <p:extLst>
+      <p:ext uri="{BB962C8B-B14F-4D97-AF65-F5344CB8AC3E}">
+        <p14:creationId xmlns:p14="http://schemas.microsoft.com/office/powerpoint/2010/main" val="230282903"/>
+      </p:ext>
+    </p:extLst>
+  </p:cSld>
+  <p:clrMapOvr>
+    <a:masterClrMapping/>
+  </p:clrMapOvr>
+</p:notes>
+</file>
+
+<file path=ppt/notesSlides/notesSlide11.xml><?xml version="1.0" encoding="utf-8"?>
+<p:notes xmlns:a="http://schemas.openxmlformats.org/drawingml/2006/main" xmlns:r="http://schemas.openxmlformats.org/officeDocument/2006/relationships" xmlns:p="http://schemas.openxmlformats.org/presentationml/2006/main">
+  <p:cSld>
+    <p:spTree>
+      <p:nvGrpSpPr>
+        <p:cNvPr id="1" name=""/>
+        <p:cNvGrpSpPr/>
+        <p:nvPr/>
+      </p:nvGrpSpPr>
+      <p:grpSpPr>
+        <a:xfrm>
+          <a:off x="0" y="0"/>
+          <a:ext cx="0" cy="0"/>
+          <a:chOff x="0" y="0"/>
+          <a:chExt cx="0" cy="0"/>
+        </a:xfrm>
+      </p:grpSpPr>
+      <p:sp>
+        <p:nvSpPr>
+          <p:cNvPr id="2" name="Folienbildplatzhalter 1"/>
+          <p:cNvSpPr>
+            <a:spLocks noGrp="1" noRot="1" noChangeAspect="1"/>
+          </p:cNvSpPr>
+          <p:nvPr>
+            <p:ph type="sldImg"/>
+          </p:nvPr>
+        </p:nvSpPr>
+        <p:spPr/>
+      </p:sp>
+      <p:sp>
+        <p:nvSpPr>
+          <p:cNvPr id="3" name="Notizenplatzhalter 2"/>
+          <p:cNvSpPr>
+            <a:spLocks noGrp="1"/>
+          </p:cNvSpPr>
+          <p:nvPr>
+            <p:ph type="body" idx="1"/>
+          </p:nvPr>
+        </p:nvSpPr>
+        <p:spPr/>
+        <p:txBody>
+          <a:bodyPr/>
+          <a:lstStyle/>
+          <a:p>
+            <a:endParaRPr lang="de-DE" dirty="0"/>
+          </a:p>
+        </p:txBody>
+      </p:sp>
+      <p:sp>
+        <p:nvSpPr>
+          <p:cNvPr id="4" name="Foliennummernplatzhalter 3"/>
+          <p:cNvSpPr>
+            <a:spLocks noGrp="1"/>
+          </p:cNvSpPr>
+          <p:nvPr>
+            <p:ph type="sldNum" sz="quarter" idx="10"/>
+          </p:nvPr>
+        </p:nvSpPr>
+        <p:spPr/>
+        <p:txBody>
+          <a:bodyPr/>
+          <a:lstStyle/>
+          <a:p>
+            <a:fld id="{2969AC09-DF60-43F4-96BF-67D4D9A74094}" type="slidenum">
+              <a:rPr lang="de-DE" smtClean="0"/>
               <a:t>21</a:t>
             </a:fld>
             <a:endParaRPr lang="de-DE"/>
@@ -889,7 +973,7 @@
 </p:notes>
 </file>
 
-<file path=ppt/notesSlides/notesSlide11.xml><?xml version="1.0" encoding="utf-8"?>
+<file path=ppt/notesSlides/notesSlide12.xml><?xml version="1.0" encoding="utf-8"?>
 <p:notes xmlns:a="http://schemas.openxmlformats.org/drawingml/2006/main" xmlns:r="http://schemas.openxmlformats.org/officeDocument/2006/relationships" xmlns:p="http://schemas.openxmlformats.org/presentationml/2006/main">
   <p:cSld>
     <p:spTree>
@@ -973,7 +1057,7 @@
 </p:notes>
 </file>
 
-<file path=ppt/notesSlides/notesSlide12.xml><?xml version="1.0" encoding="utf-8"?>
+<file path=ppt/notesSlides/notesSlide13.xml><?xml version="1.0" encoding="utf-8"?>
 <p:notes xmlns:a="http://schemas.openxmlformats.org/drawingml/2006/main" xmlns:r="http://schemas.openxmlformats.org/officeDocument/2006/relationships" xmlns:p="http://schemas.openxmlformats.org/presentationml/2006/main">
   <p:cSld>
     <p:spTree>
@@ -1081,7 +1165,7 @@
 </p:notes>
 </file>
 
-<file path=ppt/notesSlides/notesSlide13.xml><?xml version="1.0" encoding="utf-8"?>
+<file path=ppt/notesSlides/notesSlide14.xml><?xml version="1.0" encoding="utf-8"?>
 <p:notes xmlns:a="http://schemas.openxmlformats.org/drawingml/2006/main" xmlns:r="http://schemas.openxmlformats.org/officeDocument/2006/relationships" xmlns:p="http://schemas.openxmlformats.org/presentationml/2006/main">
   <p:cSld>
     <p:spTree>
@@ -1230,7 +1314,7 @@
           <a:p>
             <a:fld id="{2969AC09-DF60-43F4-96BF-67D4D9A74094}" type="slidenum">
               <a:rPr lang="de-DE" smtClean="0"/>
-              <a:t>3</a:t>
+              <a:t>2</a:t>
             </a:fld>
             <a:endParaRPr lang="de-DE"/>
           </a:p>
@@ -1314,7 +1398,7 @@
           <a:p>
             <a:fld id="{2969AC09-DF60-43F4-96BF-67D4D9A74094}" type="slidenum">
               <a:rPr lang="de-DE" smtClean="0"/>
-              <a:t>5</a:t>
+              <a:t>4</a:t>
             </a:fld>
             <a:endParaRPr lang="de-DE"/>
           </a:p>
@@ -1378,11 +1462,11 @@
           <a:lstStyle/>
           <a:p>
             <a:r>
-              <a:rPr lang="de-DE" dirty="0" smtClean="0"/>
+              <a:rPr lang="de-DE" dirty="0"/>
               <a:t>Ziele definieren:</a:t>
             </a:r>
             <a:r>
-              <a:rPr lang="de-DE" baseline="0" dirty="0" smtClean="0"/>
+              <a:rPr lang="de-DE" baseline="0" dirty="0"/>
               <a:t> Schon erster Schritt in der Problemlösung: man könnte ja auch die Wartung verschieben. Ändert sich dann nicht auch die maximal erlaubte Stillstandzeit?</a:t>
             </a:r>
             <a:endParaRPr lang="de-DE" dirty="0"/>
@@ -1406,7 +1490,7 @@
           <a:p>
             <a:fld id="{2969AC09-DF60-43F4-96BF-67D4D9A74094}" type="slidenum">
               <a:rPr lang="de-DE" smtClean="0"/>
-              <a:t>6</a:t>
+              <a:t>5</a:t>
             </a:fld>
             <a:endParaRPr lang="de-DE"/>
           </a:p>
@@ -1490,7 +1574,7 @@
           <a:p>
             <a:fld id="{2969AC09-DF60-43F4-96BF-67D4D9A74094}" type="slidenum">
               <a:rPr lang="de-DE" smtClean="0"/>
-              <a:t>8</a:t>
+              <a:t>7</a:t>
             </a:fld>
             <a:endParaRPr lang="de-DE"/>
           </a:p>
@@ -1553,12 +1637,96 @@
           <a:bodyPr/>
           <a:lstStyle/>
           <a:p>
+            <a:endParaRPr lang="de-DE"/>
+          </a:p>
+        </p:txBody>
+      </p:sp>
+      <p:sp>
+        <p:nvSpPr>
+          <p:cNvPr id="4" name="Foliennummernplatzhalter 3"/>
+          <p:cNvSpPr>
+            <a:spLocks noGrp="1"/>
+          </p:cNvSpPr>
+          <p:nvPr>
+            <p:ph type="sldNum" sz="quarter" idx="5"/>
+          </p:nvPr>
+        </p:nvSpPr>
+        <p:spPr/>
+        <p:txBody>
+          <a:bodyPr/>
+          <a:lstStyle/>
+          <a:p>
+            <a:fld id="{2969AC09-DF60-43F4-96BF-67D4D9A74094}" type="slidenum">
+              <a:rPr lang="de-DE" smtClean="0"/>
+              <a:t>8</a:t>
+            </a:fld>
+            <a:endParaRPr lang="de-DE"/>
+          </a:p>
+        </p:txBody>
+      </p:sp>
+    </p:spTree>
+    <p:extLst>
+      <p:ext uri="{BB962C8B-B14F-4D97-AF65-F5344CB8AC3E}">
+        <p14:creationId xmlns:p14="http://schemas.microsoft.com/office/powerpoint/2010/main" val="1311367222"/>
+      </p:ext>
+    </p:extLst>
+  </p:cSld>
+  <p:clrMapOvr>
+    <a:masterClrMapping/>
+  </p:clrMapOvr>
+</p:notes>
+</file>
+
+<file path=ppt/notesSlides/notesSlide7.xml><?xml version="1.0" encoding="utf-8"?>
+<p:notes xmlns:a="http://schemas.openxmlformats.org/drawingml/2006/main" xmlns:r="http://schemas.openxmlformats.org/officeDocument/2006/relationships" xmlns:p="http://schemas.openxmlformats.org/presentationml/2006/main">
+  <p:cSld>
+    <p:spTree>
+      <p:nvGrpSpPr>
+        <p:cNvPr id="1" name=""/>
+        <p:cNvGrpSpPr/>
+        <p:nvPr/>
+      </p:nvGrpSpPr>
+      <p:grpSpPr>
+        <a:xfrm>
+          <a:off x="0" y="0"/>
+          <a:ext cx="0" cy="0"/>
+          <a:chOff x="0" y="0"/>
+          <a:chExt cx="0" cy="0"/>
+        </a:xfrm>
+      </p:grpSpPr>
+      <p:sp>
+        <p:nvSpPr>
+          <p:cNvPr id="2" name="Folienbildplatzhalter 1"/>
+          <p:cNvSpPr>
+            <a:spLocks noGrp="1" noRot="1" noChangeAspect="1"/>
+          </p:cNvSpPr>
+          <p:nvPr>
+            <p:ph type="sldImg"/>
+          </p:nvPr>
+        </p:nvSpPr>
+        <p:spPr/>
+      </p:sp>
+      <p:sp>
+        <p:nvSpPr>
+          <p:cNvPr id="3" name="Notizenplatzhalter 2"/>
+          <p:cNvSpPr>
+            <a:spLocks noGrp="1"/>
+          </p:cNvSpPr>
+          <p:nvPr>
+            <p:ph type="body" idx="1"/>
+          </p:nvPr>
+        </p:nvSpPr>
+        <p:spPr/>
+        <p:txBody>
+          <a:bodyPr/>
+          <a:lstStyle/>
+          <a:p>
             <a:r>
-              <a:rPr lang="de-DE" dirty="0" err="1" smtClean="0"/>
+              <a:rPr lang="de-DE" dirty="0" err="1"/>
               <a:t>Use</a:t>
             </a:r>
             <a:r>
-              <a:rPr lang="de-DE" baseline="0" dirty="0" smtClean="0"/>
+              <a:rPr lang="de-DE" baseline="0" dirty="0"/>
               <a:t> Case: Ideen?</a:t>
             </a:r>
             <a:endParaRPr lang="de-DE" dirty="0"/>
@@ -1601,7 +1769,7 @@
 </p:notes>
 </file>
 
-<file path=ppt/notesSlides/notesSlide7.xml><?xml version="1.0" encoding="utf-8"?>
+<file path=ppt/notesSlides/notesSlide8.xml><?xml version="1.0" encoding="utf-8"?>
 <p:notes xmlns:a="http://schemas.openxmlformats.org/drawingml/2006/main" xmlns:r="http://schemas.openxmlformats.org/officeDocument/2006/relationships" xmlns:p="http://schemas.openxmlformats.org/presentationml/2006/main">
   <p:cSld>
     <p:spTree>
@@ -1685,7 +1853,7 @@
 </p:notes>
 </file>
 
-<file path=ppt/notesSlides/notesSlide8.xml><?xml version="1.0" encoding="utf-8"?>
+<file path=ppt/notesSlides/notesSlide9.xml><?xml version="1.0" encoding="utf-8"?>
 <p:notes xmlns:a="http://schemas.openxmlformats.org/drawingml/2006/main" xmlns:r="http://schemas.openxmlformats.org/officeDocument/2006/relationships" xmlns:p="http://schemas.openxmlformats.org/presentationml/2006/main">
   <p:cSld>
     <p:spTree>
@@ -1778,90 +1946,6 @@
 </p:notes>
 </file>
 
-<file path=ppt/notesSlides/notesSlide9.xml><?xml version="1.0" encoding="utf-8"?>
-<p:notes xmlns:a="http://schemas.openxmlformats.org/drawingml/2006/main" xmlns:r="http://schemas.openxmlformats.org/officeDocument/2006/relationships" xmlns:p="http://schemas.openxmlformats.org/presentationml/2006/main">
-  <p:cSld>
-    <p:spTree>
-      <p:nvGrpSpPr>
-        <p:cNvPr id="1" name=""/>
-        <p:cNvGrpSpPr/>
-        <p:nvPr/>
-      </p:nvGrpSpPr>
-      <p:grpSpPr>
-        <a:xfrm>
-          <a:off x="0" y="0"/>
-          <a:ext cx="0" cy="0"/>
-          <a:chOff x="0" y="0"/>
-          <a:chExt cx="0" cy="0"/>
-        </a:xfrm>
-      </p:grpSpPr>
-      <p:sp>
-        <p:nvSpPr>
-          <p:cNvPr id="2" name="Folienbildplatzhalter 1"/>
-          <p:cNvSpPr>
-            <a:spLocks noGrp="1" noRot="1" noChangeAspect="1"/>
-          </p:cNvSpPr>
-          <p:nvPr>
-            <p:ph type="sldImg"/>
-          </p:nvPr>
-        </p:nvSpPr>
-        <p:spPr/>
-      </p:sp>
-      <p:sp>
-        <p:nvSpPr>
-          <p:cNvPr id="3" name="Notizenplatzhalter 2"/>
-          <p:cNvSpPr>
-            <a:spLocks noGrp="1"/>
-          </p:cNvSpPr>
-          <p:nvPr>
-            <p:ph type="body" idx="1"/>
-          </p:nvPr>
-        </p:nvSpPr>
-        <p:spPr/>
-        <p:txBody>
-          <a:bodyPr/>
-          <a:lstStyle/>
-          <a:p>
-            <a:endParaRPr lang="de-DE" dirty="0"/>
-          </a:p>
-        </p:txBody>
-      </p:sp>
-      <p:sp>
-        <p:nvSpPr>
-          <p:cNvPr id="4" name="Foliennummernplatzhalter 3"/>
-          <p:cNvSpPr>
-            <a:spLocks noGrp="1"/>
-          </p:cNvSpPr>
-          <p:nvPr>
-            <p:ph type="sldNum" sz="quarter" idx="10"/>
-          </p:nvPr>
-        </p:nvSpPr>
-        <p:spPr/>
-        <p:txBody>
-          <a:bodyPr/>
-          <a:lstStyle/>
-          <a:p>
-            <a:fld id="{2969AC09-DF60-43F4-96BF-67D4D9A74094}" type="slidenum">
-              <a:rPr lang="de-DE" smtClean="0"/>
-              <a:t>17</a:t>
-            </a:fld>
-            <a:endParaRPr lang="de-DE"/>
-          </a:p>
-        </p:txBody>
-      </p:sp>
-    </p:spTree>
-    <p:extLst>
-      <p:ext uri="{BB962C8B-B14F-4D97-AF65-F5344CB8AC3E}">
-        <p14:creationId xmlns:p14="http://schemas.microsoft.com/office/powerpoint/2010/main" val="230282903"/>
-      </p:ext>
-    </p:extLst>
-  </p:cSld>
-  <p:clrMapOvr>
-    <a:masterClrMapping/>
-  </p:clrMapOvr>
-</p:notes>
-</file>
-
 <file path=ppt/slideLayouts/slideLayout1.xml><?xml version="1.0" encoding="utf-8"?>
 <p:sldLayout xmlns:a="http://schemas.openxmlformats.org/drawingml/2006/main" xmlns:r="http://schemas.openxmlformats.org/officeDocument/2006/relationships" xmlns:p="http://schemas.openxmlformats.org/presentationml/2006/main" showMasterSp="0" preserve="1">
   <p:cSld name="Titelfolie">
@@ -1884,7 +1968,7 @@
           <p:cNvPr id="15" name="Rechteck 14">
             <a:extLst>
               <a:ext uri="{FF2B5EF4-FFF2-40B4-BE49-F238E27FC236}">
-                <a16:creationId xmlns:a16="http://schemas.microsoft.com/office/drawing/2014/main" xmlns="" id="{F770C3AA-244C-A141-BC22-D074823F4293}"/>
+                <a16:creationId xmlns:a16="http://schemas.microsoft.com/office/drawing/2014/main" id="{F770C3AA-244C-A141-BC22-D074823F4293}"/>
               </a:ext>
             </a:extLst>
           </p:cNvPr>
@@ -2124,7 +2208,7 @@
           <p:cNvPr id="5" name="Grafik 4">
             <a:extLst>
               <a:ext uri="{FF2B5EF4-FFF2-40B4-BE49-F238E27FC236}">
-                <a16:creationId xmlns:a16="http://schemas.microsoft.com/office/drawing/2014/main" xmlns="" id="{C0F785FA-BB6E-6347-A8C6-9846216D4CBB}"/>
+                <a16:creationId xmlns:a16="http://schemas.microsoft.com/office/drawing/2014/main" id="{C0F785FA-BB6E-6347-A8C6-9846216D4CBB}"/>
               </a:ext>
             </a:extLst>
           </p:cNvPr>
@@ -2313,7 +2397,7 @@
           <p:cNvPr id="12" name="Grafik 11" hidden="1">
             <a:extLst>
               <a:ext uri="{FF2B5EF4-FFF2-40B4-BE49-F238E27FC236}">
-                <a16:creationId xmlns:a16="http://schemas.microsoft.com/office/drawing/2014/main" xmlns="" id="{CFC0D4A5-64CF-6D49-98B1-9FF6119E60EC}"/>
+                <a16:creationId xmlns:a16="http://schemas.microsoft.com/office/drawing/2014/main" id="{CFC0D4A5-64CF-6D49-98B1-9FF6119E60EC}"/>
               </a:ext>
             </a:extLst>
           </p:cNvPr>
@@ -2343,7 +2427,7 @@
           <p:cNvPr id="17" name="Grafik 16">
             <a:extLst>
               <a:ext uri="{FF2B5EF4-FFF2-40B4-BE49-F238E27FC236}">
-                <a16:creationId xmlns:a16="http://schemas.microsoft.com/office/drawing/2014/main" xmlns="" id="{22ECE872-F4EF-2A49-BA96-6065BC99D769}"/>
+                <a16:creationId xmlns:a16="http://schemas.microsoft.com/office/drawing/2014/main" id="{22ECE872-F4EF-2A49-BA96-6065BC99D769}"/>
               </a:ext>
             </a:extLst>
           </p:cNvPr>
@@ -2613,7 +2697,7 @@
           <p:cNvPr id="24" name="Bildplatzhalter 23">
             <a:extLst>
               <a:ext uri="{FF2B5EF4-FFF2-40B4-BE49-F238E27FC236}">
-                <a16:creationId xmlns:a16="http://schemas.microsoft.com/office/drawing/2014/main" xmlns="" id="{24A56C48-CA8D-D349-89CC-35C3A65DC4D5}"/>
+                <a16:creationId xmlns:a16="http://schemas.microsoft.com/office/drawing/2014/main" id="{24A56C48-CA8D-D349-89CC-35C3A65DC4D5}"/>
               </a:ext>
             </a:extLst>
           </p:cNvPr>
@@ -2927,7 +3011,7 @@
           <p:cNvPr id="6" name="Textplatzhalter 5">
             <a:extLst>
               <a:ext uri="{FF2B5EF4-FFF2-40B4-BE49-F238E27FC236}">
-                <a16:creationId xmlns:a16="http://schemas.microsoft.com/office/drawing/2014/main" xmlns="" id="{2E77FCEF-52F5-324B-A583-005ABCE0E622}"/>
+                <a16:creationId xmlns:a16="http://schemas.microsoft.com/office/drawing/2014/main" id="{2E77FCEF-52F5-324B-A583-005ABCE0E622}"/>
               </a:ext>
             </a:extLst>
           </p:cNvPr>
@@ -2965,7 +3049,7 @@
           <p:cNvPr id="13" name="Grafik 12">
             <a:extLst>
               <a:ext uri="{FF2B5EF4-FFF2-40B4-BE49-F238E27FC236}">
-                <a16:creationId xmlns:a16="http://schemas.microsoft.com/office/drawing/2014/main" xmlns="" id="{F84F96E3-FAED-E24A-9E01-BBA4824F0E34}"/>
+                <a16:creationId xmlns:a16="http://schemas.microsoft.com/office/drawing/2014/main" id="{F84F96E3-FAED-E24A-9E01-BBA4824F0E34}"/>
               </a:ext>
             </a:extLst>
           </p:cNvPr>
@@ -3136,7 +3220,7 @@
           <p:cNvPr id="6" name="Rechteck 5">
             <a:extLst>
               <a:ext uri="{FF2B5EF4-FFF2-40B4-BE49-F238E27FC236}">
-                <a16:creationId xmlns:a16="http://schemas.microsoft.com/office/drawing/2014/main" xmlns="" id="{2447D286-D9F9-E84F-9173-2C8D2D2068E1}"/>
+                <a16:creationId xmlns:a16="http://schemas.microsoft.com/office/drawing/2014/main" id="{2447D286-D9F9-E84F-9173-2C8D2D2068E1}"/>
               </a:ext>
             </a:extLst>
           </p:cNvPr>
@@ -3203,7 +3287,7 @@
           <p:cNvPr id="10" name="Grafik 9">
             <a:extLst>
               <a:ext uri="{FF2B5EF4-FFF2-40B4-BE49-F238E27FC236}">
-                <a16:creationId xmlns:a16="http://schemas.microsoft.com/office/drawing/2014/main" xmlns="" id="{E4DBCC79-CA26-C240-B119-9127A62CDBA8}"/>
+                <a16:creationId xmlns:a16="http://schemas.microsoft.com/office/drawing/2014/main" id="{E4DBCC79-CA26-C240-B119-9127A62CDBA8}"/>
               </a:ext>
             </a:extLst>
           </p:cNvPr>
@@ -3305,7 +3389,7 @@
           <p:cNvPr id="5" name="Rechteck 4">
             <a:extLst>
               <a:ext uri="{FF2B5EF4-FFF2-40B4-BE49-F238E27FC236}">
-                <a16:creationId xmlns:a16="http://schemas.microsoft.com/office/drawing/2014/main" xmlns="" id="{FD770378-5F2D-DE46-8D66-09007E946AD3}"/>
+                <a16:creationId xmlns:a16="http://schemas.microsoft.com/office/drawing/2014/main" id="{FD770378-5F2D-DE46-8D66-09007E946AD3}"/>
               </a:ext>
             </a:extLst>
           </p:cNvPr>
@@ -3369,7 +3453,7 @@
           <p:cNvPr id="4" name="Grafik 3">
             <a:extLst>
               <a:ext uri="{FF2B5EF4-FFF2-40B4-BE49-F238E27FC236}">
-                <a16:creationId xmlns:a16="http://schemas.microsoft.com/office/drawing/2014/main" xmlns="" id="{4FE30B28-5777-FC40-9C3F-81738D289A6A}"/>
+                <a16:creationId xmlns:a16="http://schemas.microsoft.com/office/drawing/2014/main" id="{4FE30B28-5777-FC40-9C3F-81738D289A6A}"/>
               </a:ext>
             </a:extLst>
           </p:cNvPr>
@@ -4221,7 +4305,7 @@
           <a:p>
             <a:pPr algn="l"/>
             <a:r>
-              <a:rPr lang="de-DE" sz="800" baseline="0" dirty="0" smtClean="0">
+              <a:rPr lang="de-DE" sz="800" baseline="0" dirty="0">
                 <a:solidFill>
                   <a:schemeClr val="bg2"/>
                 </a:solidFill>
@@ -4318,17 +4402,6 @@
               <a:tabLst/>
               <a:defRPr/>
             </a:pPr>
-            <a:r>
-              <a:rPr lang="de-DE" sz="800" dirty="0">
-                <a:solidFill>
-                  <a:schemeClr val="bg2"/>
-                </a:solidFill>
-                <a:latin typeface="Open Sans" panose="020B0606030504020204" pitchFamily="34" charset="0"/>
-                <a:ea typeface="Open Sans" panose="020B0606030504020204" pitchFamily="34" charset="0"/>
-                <a:cs typeface="Open Sans" panose="020B0606030504020204" pitchFamily="34" charset="0"/>
-              </a:rPr>
-              <a:t/>
-            </a:r>
             <a:br>
               <a:rPr lang="de-DE" sz="800" dirty="0">
                 <a:solidFill>
@@ -4492,7 +4565,7 @@
           <p:cNvPr id="13" name="Grafik 12">
             <a:extLst>
               <a:ext uri="{FF2B5EF4-FFF2-40B4-BE49-F238E27FC236}">
-                <a16:creationId xmlns:a16="http://schemas.microsoft.com/office/drawing/2014/main" xmlns="" id="{2DC3CACD-C7C8-274E-BCD4-043370996A48}"/>
+                <a16:creationId xmlns:a16="http://schemas.microsoft.com/office/drawing/2014/main" id="{2DC3CACD-C7C8-274E-BCD4-043370996A48}"/>
               </a:ext>
             </a:extLst>
           </p:cNvPr>
@@ -5058,10 +5131,9 @@
           <a:lstStyle/>
           <a:p>
             <a:r>
-              <a:rPr lang="de-DE" dirty="0" smtClean="0"/>
+              <a:rPr lang="de-DE" dirty="0"/>
               <a:t>Zwischenpräsentation Diplomarbeit</a:t>
             </a:r>
-            <a:endParaRPr lang="de-DE" dirty="0"/>
           </a:p>
         </p:txBody>
       </p:sp>
@@ -5153,7 +5225,7 @@
           <p:cNvPr id="4" name="Gruppieren 3">
             <a:extLst>
               <a:ext uri="{FF2B5EF4-FFF2-40B4-BE49-F238E27FC236}">
-                <a16:creationId xmlns:a16="http://schemas.microsoft.com/office/drawing/2014/main" xmlns="" id="{64401E1E-557D-5D4F-AE09-187A0802411B}"/>
+                <a16:creationId xmlns:a16="http://schemas.microsoft.com/office/drawing/2014/main" id="{64401E1E-557D-5D4F-AE09-187A0802411B}"/>
               </a:ext>
             </a:extLst>
           </p:cNvPr>
@@ -5173,7 +5245,7 @@
             <p:cNvPr id="5" name="Rechteck 4">
               <a:extLst>
                 <a:ext uri="{FF2B5EF4-FFF2-40B4-BE49-F238E27FC236}">
-                  <a16:creationId xmlns:a16="http://schemas.microsoft.com/office/drawing/2014/main" xmlns="" id="{35A0EAB9-4039-6448-AC03-B60DE38901D0}"/>
+                  <a16:creationId xmlns:a16="http://schemas.microsoft.com/office/drawing/2014/main" id="{35A0EAB9-4039-6448-AC03-B60DE38901D0}"/>
                 </a:ext>
               </a:extLst>
             </p:cNvPr>
@@ -5229,7 +5301,7 @@
             <p:cNvPr id="6" name="Rechteck 5">
               <a:extLst>
                 <a:ext uri="{FF2B5EF4-FFF2-40B4-BE49-F238E27FC236}">
-                  <a16:creationId xmlns:a16="http://schemas.microsoft.com/office/drawing/2014/main" xmlns="" id="{FCCEA108-686B-BB4F-95FB-4BCE5EB529F1}"/>
+                  <a16:creationId xmlns:a16="http://schemas.microsoft.com/office/drawing/2014/main" id="{FCCEA108-686B-BB4F-95FB-4BCE5EB529F1}"/>
                 </a:ext>
               </a:extLst>
             </p:cNvPr>
@@ -5545,7 +5617,7 @@
             <p:cNvPr id="7" name="Gruppieren 6">
               <a:extLst>
                 <a:ext uri="{FF2B5EF4-FFF2-40B4-BE49-F238E27FC236}">
-                  <a16:creationId xmlns:a16="http://schemas.microsoft.com/office/drawing/2014/main" xmlns="" id="{64401E1E-557D-5D4F-AE09-187A0802411B}"/>
+                  <a16:creationId xmlns:a16="http://schemas.microsoft.com/office/drawing/2014/main" id="{64401E1E-557D-5D4F-AE09-187A0802411B}"/>
                 </a:ext>
               </a:extLst>
             </p:cNvPr>
@@ -5565,7 +5637,7 @@
               <p:cNvPr id="8" name="Rechteck 7">
                 <a:extLst>
                   <a:ext uri="{FF2B5EF4-FFF2-40B4-BE49-F238E27FC236}">
-                    <a16:creationId xmlns:a16="http://schemas.microsoft.com/office/drawing/2014/main" xmlns="" id="{35A0EAB9-4039-6448-AC03-B60DE38901D0}"/>
+                    <a16:creationId xmlns:a16="http://schemas.microsoft.com/office/drawing/2014/main" id="{35A0EAB9-4039-6448-AC03-B60DE38901D0}"/>
                   </a:ext>
                 </a:extLst>
               </p:cNvPr>
@@ -5621,7 +5693,7 @@
               <p:cNvPr id="9" name="Rechteck 8">
                 <a:extLst>
                   <a:ext uri="{FF2B5EF4-FFF2-40B4-BE49-F238E27FC236}">
-                    <a16:creationId xmlns:a16="http://schemas.microsoft.com/office/drawing/2014/main" xmlns="" id="{FCCEA108-686B-BB4F-95FB-4BCE5EB529F1}"/>
+                    <a16:creationId xmlns:a16="http://schemas.microsoft.com/office/drawing/2014/main" id="{FCCEA108-686B-BB4F-95FB-4BCE5EB529F1}"/>
                   </a:ext>
                 </a:extLst>
               </p:cNvPr>
@@ -6076,7 +6148,7 @@
           <p:cNvPr id="49" name="Gruppieren 48">
             <a:extLst>
               <a:ext uri="{FF2B5EF4-FFF2-40B4-BE49-F238E27FC236}">
-                <a16:creationId xmlns:a16="http://schemas.microsoft.com/office/drawing/2014/main" xmlns="" id="{64401E1E-557D-5D4F-AE09-187A0802411B}"/>
+                <a16:creationId xmlns:a16="http://schemas.microsoft.com/office/drawing/2014/main" id="{64401E1E-557D-5D4F-AE09-187A0802411B}"/>
               </a:ext>
             </a:extLst>
           </p:cNvPr>
@@ -6096,7 +6168,7 @@
             <p:cNvPr id="50" name="Rechteck 49">
               <a:extLst>
                 <a:ext uri="{FF2B5EF4-FFF2-40B4-BE49-F238E27FC236}">
-                  <a16:creationId xmlns:a16="http://schemas.microsoft.com/office/drawing/2014/main" xmlns="" id="{35A0EAB9-4039-6448-AC03-B60DE38901D0}"/>
+                  <a16:creationId xmlns:a16="http://schemas.microsoft.com/office/drawing/2014/main" id="{35A0EAB9-4039-6448-AC03-B60DE38901D0}"/>
                 </a:ext>
               </a:extLst>
             </p:cNvPr>
@@ -6152,7 +6224,7 @@
             <p:cNvPr id="51" name="Rechteck 50">
               <a:extLst>
                 <a:ext uri="{FF2B5EF4-FFF2-40B4-BE49-F238E27FC236}">
-                  <a16:creationId xmlns:a16="http://schemas.microsoft.com/office/drawing/2014/main" xmlns="" id="{FCCEA108-686B-BB4F-95FB-4BCE5EB529F1}"/>
+                  <a16:creationId xmlns:a16="http://schemas.microsoft.com/office/drawing/2014/main" id="{FCCEA108-686B-BB4F-95FB-4BCE5EB529F1}"/>
                 </a:ext>
               </a:extLst>
             </p:cNvPr>
@@ -6548,7 +6620,7 @@
           <p:cNvPr id="4" name="Gruppieren 3">
             <a:extLst>
               <a:ext uri="{FF2B5EF4-FFF2-40B4-BE49-F238E27FC236}">
-                <a16:creationId xmlns:a16="http://schemas.microsoft.com/office/drawing/2014/main" xmlns="" id="{64401E1E-557D-5D4F-AE09-187A0802411B}"/>
+                <a16:creationId xmlns:a16="http://schemas.microsoft.com/office/drawing/2014/main" id="{64401E1E-557D-5D4F-AE09-187A0802411B}"/>
               </a:ext>
             </a:extLst>
           </p:cNvPr>
@@ -6568,7 +6640,7 @@
             <p:cNvPr id="5" name="Rechteck 4">
               <a:extLst>
                 <a:ext uri="{FF2B5EF4-FFF2-40B4-BE49-F238E27FC236}">
-                  <a16:creationId xmlns:a16="http://schemas.microsoft.com/office/drawing/2014/main" xmlns="" id="{35A0EAB9-4039-6448-AC03-B60DE38901D0}"/>
+                  <a16:creationId xmlns:a16="http://schemas.microsoft.com/office/drawing/2014/main" id="{35A0EAB9-4039-6448-AC03-B60DE38901D0}"/>
                 </a:ext>
               </a:extLst>
             </p:cNvPr>
@@ -6772,7 +6844,7 @@
             <p:cNvPr id="6" name="Rechteck 5">
               <a:extLst>
                 <a:ext uri="{FF2B5EF4-FFF2-40B4-BE49-F238E27FC236}">
-                  <a16:creationId xmlns:a16="http://schemas.microsoft.com/office/drawing/2014/main" xmlns="" id="{FCCEA108-686B-BB4F-95FB-4BCE5EB529F1}"/>
+                  <a16:creationId xmlns:a16="http://schemas.microsoft.com/office/drawing/2014/main" id="{FCCEA108-686B-BB4F-95FB-4BCE5EB529F1}"/>
                 </a:ext>
               </a:extLst>
             </p:cNvPr>
@@ -6831,7 +6903,7 @@
           <p:cNvPr id="7" name="Gruppieren 6">
             <a:extLst>
               <a:ext uri="{FF2B5EF4-FFF2-40B4-BE49-F238E27FC236}">
-                <a16:creationId xmlns:a16="http://schemas.microsoft.com/office/drawing/2014/main" xmlns="" id="{64401E1E-557D-5D4F-AE09-187A0802411B}"/>
+                <a16:creationId xmlns:a16="http://schemas.microsoft.com/office/drawing/2014/main" id="{64401E1E-557D-5D4F-AE09-187A0802411B}"/>
               </a:ext>
             </a:extLst>
           </p:cNvPr>
@@ -6851,7 +6923,7 @@
             <p:cNvPr id="8" name="Rechteck 7">
               <a:extLst>
                 <a:ext uri="{FF2B5EF4-FFF2-40B4-BE49-F238E27FC236}">
-                  <a16:creationId xmlns:a16="http://schemas.microsoft.com/office/drawing/2014/main" xmlns="" id="{35A0EAB9-4039-6448-AC03-B60DE38901D0}"/>
+                  <a16:creationId xmlns:a16="http://schemas.microsoft.com/office/drawing/2014/main" id="{35A0EAB9-4039-6448-AC03-B60DE38901D0}"/>
                 </a:ext>
               </a:extLst>
             </p:cNvPr>
@@ -6977,7 +7049,7 @@
             <p:cNvPr id="9" name="Rechteck 8">
               <a:extLst>
                 <a:ext uri="{FF2B5EF4-FFF2-40B4-BE49-F238E27FC236}">
-                  <a16:creationId xmlns:a16="http://schemas.microsoft.com/office/drawing/2014/main" xmlns="" id="{FCCEA108-686B-BB4F-95FB-4BCE5EB529F1}"/>
+                  <a16:creationId xmlns:a16="http://schemas.microsoft.com/office/drawing/2014/main" id="{FCCEA108-686B-BB4F-95FB-4BCE5EB529F1}"/>
                 </a:ext>
               </a:extLst>
             </p:cNvPr>
@@ -7036,7 +7108,7 @@
           <p:cNvPr id="10" name="Gruppieren 9">
             <a:extLst>
               <a:ext uri="{FF2B5EF4-FFF2-40B4-BE49-F238E27FC236}">
-                <a16:creationId xmlns:a16="http://schemas.microsoft.com/office/drawing/2014/main" xmlns="" id="{64401E1E-557D-5D4F-AE09-187A0802411B}"/>
+                <a16:creationId xmlns:a16="http://schemas.microsoft.com/office/drawing/2014/main" id="{64401E1E-557D-5D4F-AE09-187A0802411B}"/>
               </a:ext>
             </a:extLst>
           </p:cNvPr>
@@ -7056,7 +7128,7 @@
             <p:cNvPr id="11" name="Rechteck 10">
               <a:extLst>
                 <a:ext uri="{FF2B5EF4-FFF2-40B4-BE49-F238E27FC236}">
-                  <a16:creationId xmlns:a16="http://schemas.microsoft.com/office/drawing/2014/main" xmlns="" id="{35A0EAB9-4039-6448-AC03-B60DE38901D0}"/>
+                  <a16:creationId xmlns:a16="http://schemas.microsoft.com/office/drawing/2014/main" id="{35A0EAB9-4039-6448-AC03-B60DE38901D0}"/>
                 </a:ext>
               </a:extLst>
             </p:cNvPr>
@@ -7168,7 +7240,7 @@
             <p:cNvPr id="12" name="Rechteck 11">
               <a:extLst>
                 <a:ext uri="{FF2B5EF4-FFF2-40B4-BE49-F238E27FC236}">
-                  <a16:creationId xmlns:a16="http://schemas.microsoft.com/office/drawing/2014/main" xmlns="" id="{FCCEA108-686B-BB4F-95FB-4BCE5EB529F1}"/>
+                  <a16:creationId xmlns:a16="http://schemas.microsoft.com/office/drawing/2014/main" id="{FCCEA108-686B-BB4F-95FB-4BCE5EB529F1}"/>
                 </a:ext>
               </a:extLst>
             </p:cNvPr>
@@ -7279,7 +7351,7 @@
           <p:cNvPr id="4" name="Gruppieren 3">
             <a:extLst>
               <a:ext uri="{FF2B5EF4-FFF2-40B4-BE49-F238E27FC236}">
-                <a16:creationId xmlns:a16="http://schemas.microsoft.com/office/drawing/2014/main" xmlns="" id="{64401E1E-557D-5D4F-AE09-187A0802411B}"/>
+                <a16:creationId xmlns:a16="http://schemas.microsoft.com/office/drawing/2014/main" id="{64401E1E-557D-5D4F-AE09-187A0802411B}"/>
               </a:ext>
             </a:extLst>
           </p:cNvPr>
@@ -7299,7 +7371,7 @@
             <p:cNvPr id="5" name="Rechteck 4">
               <a:extLst>
                 <a:ext uri="{FF2B5EF4-FFF2-40B4-BE49-F238E27FC236}">
-                  <a16:creationId xmlns:a16="http://schemas.microsoft.com/office/drawing/2014/main" xmlns="" id="{35A0EAB9-4039-6448-AC03-B60DE38901D0}"/>
+                  <a16:creationId xmlns:a16="http://schemas.microsoft.com/office/drawing/2014/main" id="{35A0EAB9-4039-6448-AC03-B60DE38901D0}"/>
                 </a:ext>
               </a:extLst>
             </p:cNvPr>
@@ -7383,7 +7455,7 @@
             <p:cNvPr id="6" name="Rechteck 5">
               <a:extLst>
                 <a:ext uri="{FF2B5EF4-FFF2-40B4-BE49-F238E27FC236}">
-                  <a16:creationId xmlns:a16="http://schemas.microsoft.com/office/drawing/2014/main" xmlns="" id="{FCCEA108-686B-BB4F-95FB-4BCE5EB529F1}"/>
+                  <a16:creationId xmlns:a16="http://schemas.microsoft.com/office/drawing/2014/main" id="{FCCEA108-686B-BB4F-95FB-4BCE5EB529F1}"/>
                 </a:ext>
               </a:extLst>
             </p:cNvPr>
@@ -7442,7 +7514,7 @@
           <p:cNvPr id="7" name="Gruppieren 6">
             <a:extLst>
               <a:ext uri="{FF2B5EF4-FFF2-40B4-BE49-F238E27FC236}">
-                <a16:creationId xmlns:a16="http://schemas.microsoft.com/office/drawing/2014/main" xmlns="" id="{64401E1E-557D-5D4F-AE09-187A0802411B}"/>
+                <a16:creationId xmlns:a16="http://schemas.microsoft.com/office/drawing/2014/main" id="{64401E1E-557D-5D4F-AE09-187A0802411B}"/>
               </a:ext>
             </a:extLst>
           </p:cNvPr>
@@ -7462,7 +7534,7 @@
             <p:cNvPr id="8" name="Rechteck 7">
               <a:extLst>
                 <a:ext uri="{FF2B5EF4-FFF2-40B4-BE49-F238E27FC236}">
-                  <a16:creationId xmlns:a16="http://schemas.microsoft.com/office/drawing/2014/main" xmlns="" id="{35A0EAB9-4039-6448-AC03-B60DE38901D0}"/>
+                  <a16:creationId xmlns:a16="http://schemas.microsoft.com/office/drawing/2014/main" id="{35A0EAB9-4039-6448-AC03-B60DE38901D0}"/>
                 </a:ext>
               </a:extLst>
             </p:cNvPr>
@@ -7557,7 +7629,7 @@
             <p:cNvPr id="9" name="Rechteck 8">
               <a:extLst>
                 <a:ext uri="{FF2B5EF4-FFF2-40B4-BE49-F238E27FC236}">
-                  <a16:creationId xmlns:a16="http://schemas.microsoft.com/office/drawing/2014/main" xmlns="" id="{FCCEA108-686B-BB4F-95FB-4BCE5EB529F1}"/>
+                  <a16:creationId xmlns:a16="http://schemas.microsoft.com/office/drawing/2014/main" id="{FCCEA108-686B-BB4F-95FB-4BCE5EB529F1}"/>
                 </a:ext>
               </a:extLst>
             </p:cNvPr>
@@ -7616,7 +7688,7 @@
           <p:cNvPr id="10" name="Gruppieren 9">
             <a:extLst>
               <a:ext uri="{FF2B5EF4-FFF2-40B4-BE49-F238E27FC236}">
-                <a16:creationId xmlns:a16="http://schemas.microsoft.com/office/drawing/2014/main" xmlns="" id="{64401E1E-557D-5D4F-AE09-187A0802411B}"/>
+                <a16:creationId xmlns:a16="http://schemas.microsoft.com/office/drawing/2014/main" id="{64401E1E-557D-5D4F-AE09-187A0802411B}"/>
               </a:ext>
             </a:extLst>
           </p:cNvPr>
@@ -7636,7 +7708,7 @@
             <p:cNvPr id="11" name="Rechteck 10">
               <a:extLst>
                 <a:ext uri="{FF2B5EF4-FFF2-40B4-BE49-F238E27FC236}">
-                  <a16:creationId xmlns:a16="http://schemas.microsoft.com/office/drawing/2014/main" xmlns="" id="{35A0EAB9-4039-6448-AC03-B60DE38901D0}"/>
+                  <a16:creationId xmlns:a16="http://schemas.microsoft.com/office/drawing/2014/main" id="{35A0EAB9-4039-6448-AC03-B60DE38901D0}"/>
                 </a:ext>
               </a:extLst>
             </p:cNvPr>
@@ -7791,7 +7863,7 @@
             <p:cNvPr id="12" name="Rechteck 11">
               <a:extLst>
                 <a:ext uri="{FF2B5EF4-FFF2-40B4-BE49-F238E27FC236}">
-                  <a16:creationId xmlns:a16="http://schemas.microsoft.com/office/drawing/2014/main" xmlns="" id="{FCCEA108-686B-BB4F-95FB-4BCE5EB529F1}"/>
+                  <a16:creationId xmlns:a16="http://schemas.microsoft.com/office/drawing/2014/main" id="{FCCEA108-686B-BB4F-95FB-4BCE5EB529F1}"/>
                 </a:ext>
               </a:extLst>
             </p:cNvPr>
@@ -7902,7 +7974,7 @@
           <p:cNvPr id="4" name="Gruppieren 3">
             <a:extLst>
               <a:ext uri="{FF2B5EF4-FFF2-40B4-BE49-F238E27FC236}">
-                <a16:creationId xmlns:a16="http://schemas.microsoft.com/office/drawing/2014/main" xmlns="" id="{64401E1E-557D-5D4F-AE09-187A0802411B}"/>
+                <a16:creationId xmlns:a16="http://schemas.microsoft.com/office/drawing/2014/main" id="{64401E1E-557D-5D4F-AE09-187A0802411B}"/>
               </a:ext>
             </a:extLst>
           </p:cNvPr>
@@ -7922,7 +7994,7 @@
             <p:cNvPr id="5" name="Rechteck 4">
               <a:extLst>
                 <a:ext uri="{FF2B5EF4-FFF2-40B4-BE49-F238E27FC236}">
-                  <a16:creationId xmlns:a16="http://schemas.microsoft.com/office/drawing/2014/main" xmlns="" id="{35A0EAB9-4039-6448-AC03-B60DE38901D0}"/>
+                  <a16:creationId xmlns:a16="http://schemas.microsoft.com/office/drawing/2014/main" id="{35A0EAB9-4039-6448-AC03-B60DE38901D0}"/>
                 </a:ext>
               </a:extLst>
             </p:cNvPr>
@@ -8034,7 +8106,7 @@
             <p:cNvPr id="6" name="Rechteck 5">
               <a:extLst>
                 <a:ext uri="{FF2B5EF4-FFF2-40B4-BE49-F238E27FC236}">
-                  <a16:creationId xmlns:a16="http://schemas.microsoft.com/office/drawing/2014/main" xmlns="" id="{FCCEA108-686B-BB4F-95FB-4BCE5EB529F1}"/>
+                  <a16:creationId xmlns:a16="http://schemas.microsoft.com/office/drawing/2014/main" id="{FCCEA108-686B-BB4F-95FB-4BCE5EB529F1}"/>
                 </a:ext>
               </a:extLst>
             </p:cNvPr>
@@ -8093,7 +8165,7 @@
           <p:cNvPr id="7" name="Gruppieren 6">
             <a:extLst>
               <a:ext uri="{FF2B5EF4-FFF2-40B4-BE49-F238E27FC236}">
-                <a16:creationId xmlns:a16="http://schemas.microsoft.com/office/drawing/2014/main" xmlns="" id="{64401E1E-557D-5D4F-AE09-187A0802411B}"/>
+                <a16:creationId xmlns:a16="http://schemas.microsoft.com/office/drawing/2014/main" id="{64401E1E-557D-5D4F-AE09-187A0802411B}"/>
               </a:ext>
             </a:extLst>
           </p:cNvPr>
@@ -8113,7 +8185,7 @@
             <p:cNvPr id="8" name="Rechteck 7">
               <a:extLst>
                 <a:ext uri="{FF2B5EF4-FFF2-40B4-BE49-F238E27FC236}">
-                  <a16:creationId xmlns:a16="http://schemas.microsoft.com/office/drawing/2014/main" xmlns="" id="{35A0EAB9-4039-6448-AC03-B60DE38901D0}"/>
+                  <a16:creationId xmlns:a16="http://schemas.microsoft.com/office/drawing/2014/main" id="{35A0EAB9-4039-6448-AC03-B60DE38901D0}"/>
                 </a:ext>
               </a:extLst>
             </p:cNvPr>
@@ -8180,7 +8252,7 @@
             <p:cNvPr id="9" name="Rechteck 8">
               <a:extLst>
                 <a:ext uri="{FF2B5EF4-FFF2-40B4-BE49-F238E27FC236}">
-                  <a16:creationId xmlns:a16="http://schemas.microsoft.com/office/drawing/2014/main" xmlns="" id="{FCCEA108-686B-BB4F-95FB-4BCE5EB529F1}"/>
+                  <a16:creationId xmlns:a16="http://schemas.microsoft.com/office/drawing/2014/main" id="{FCCEA108-686B-BB4F-95FB-4BCE5EB529F1}"/>
                 </a:ext>
               </a:extLst>
             </p:cNvPr>
@@ -8239,7 +8311,7 @@
           <p:cNvPr id="10" name="Gruppieren 9">
             <a:extLst>
               <a:ext uri="{FF2B5EF4-FFF2-40B4-BE49-F238E27FC236}">
-                <a16:creationId xmlns:a16="http://schemas.microsoft.com/office/drawing/2014/main" xmlns="" id="{64401E1E-557D-5D4F-AE09-187A0802411B}"/>
+                <a16:creationId xmlns:a16="http://schemas.microsoft.com/office/drawing/2014/main" id="{64401E1E-557D-5D4F-AE09-187A0802411B}"/>
               </a:ext>
             </a:extLst>
           </p:cNvPr>
@@ -8259,7 +8331,7 @@
             <p:cNvPr id="11" name="Rechteck 10">
               <a:extLst>
                 <a:ext uri="{FF2B5EF4-FFF2-40B4-BE49-F238E27FC236}">
-                  <a16:creationId xmlns:a16="http://schemas.microsoft.com/office/drawing/2014/main" xmlns="" id="{35A0EAB9-4039-6448-AC03-B60DE38901D0}"/>
+                  <a16:creationId xmlns:a16="http://schemas.microsoft.com/office/drawing/2014/main" id="{35A0EAB9-4039-6448-AC03-B60DE38901D0}"/>
                 </a:ext>
               </a:extLst>
             </p:cNvPr>
@@ -8329,7 +8401,7 @@
             <p:cNvPr id="12" name="Rechteck 11">
               <a:extLst>
                 <a:ext uri="{FF2B5EF4-FFF2-40B4-BE49-F238E27FC236}">
-                  <a16:creationId xmlns:a16="http://schemas.microsoft.com/office/drawing/2014/main" xmlns="" id="{FCCEA108-686B-BB4F-95FB-4BCE5EB529F1}"/>
+                  <a16:creationId xmlns:a16="http://schemas.microsoft.com/office/drawing/2014/main" id="{FCCEA108-686B-BB4F-95FB-4BCE5EB529F1}"/>
                 </a:ext>
               </a:extLst>
             </p:cNvPr>
@@ -8462,7 +8534,7 @@
           <p:cNvPr id="9" name="Gruppieren 8">
             <a:extLst>
               <a:ext uri="{FF2B5EF4-FFF2-40B4-BE49-F238E27FC236}">
-                <a16:creationId xmlns:a16="http://schemas.microsoft.com/office/drawing/2014/main" xmlns="" id="{64401E1E-557D-5D4F-AE09-187A0802411B}"/>
+                <a16:creationId xmlns:a16="http://schemas.microsoft.com/office/drawing/2014/main" id="{64401E1E-557D-5D4F-AE09-187A0802411B}"/>
               </a:ext>
             </a:extLst>
           </p:cNvPr>
@@ -8482,7 +8554,7 @@
             <p:cNvPr id="10" name="Rechteck 9">
               <a:extLst>
                 <a:ext uri="{FF2B5EF4-FFF2-40B4-BE49-F238E27FC236}">
-                  <a16:creationId xmlns:a16="http://schemas.microsoft.com/office/drawing/2014/main" xmlns="" id="{35A0EAB9-4039-6448-AC03-B60DE38901D0}"/>
+                  <a16:creationId xmlns:a16="http://schemas.microsoft.com/office/drawing/2014/main" id="{35A0EAB9-4039-6448-AC03-B60DE38901D0}"/>
                 </a:ext>
               </a:extLst>
             </p:cNvPr>
@@ -8666,7 +8738,7 @@
             <p:cNvPr id="11" name="Rechteck 10">
               <a:extLst>
                 <a:ext uri="{FF2B5EF4-FFF2-40B4-BE49-F238E27FC236}">
-                  <a16:creationId xmlns:a16="http://schemas.microsoft.com/office/drawing/2014/main" xmlns="" id="{FCCEA108-686B-BB4F-95FB-4BCE5EB529F1}"/>
+                  <a16:creationId xmlns:a16="http://schemas.microsoft.com/office/drawing/2014/main" id="{FCCEA108-686B-BB4F-95FB-4BCE5EB529F1}"/>
                 </a:ext>
               </a:extLst>
             </p:cNvPr>
@@ -8725,7 +8797,7 @@
           <p:cNvPr id="12" name="Gruppieren 11">
             <a:extLst>
               <a:ext uri="{FF2B5EF4-FFF2-40B4-BE49-F238E27FC236}">
-                <a16:creationId xmlns:a16="http://schemas.microsoft.com/office/drawing/2014/main" xmlns="" id="{64401E1E-557D-5D4F-AE09-187A0802411B}"/>
+                <a16:creationId xmlns:a16="http://schemas.microsoft.com/office/drawing/2014/main" id="{64401E1E-557D-5D4F-AE09-187A0802411B}"/>
               </a:ext>
             </a:extLst>
           </p:cNvPr>
@@ -8745,7 +8817,7 @@
             <p:cNvPr id="13" name="Rechteck 12">
               <a:extLst>
                 <a:ext uri="{FF2B5EF4-FFF2-40B4-BE49-F238E27FC236}">
-                  <a16:creationId xmlns:a16="http://schemas.microsoft.com/office/drawing/2014/main" xmlns="" id="{35A0EAB9-4039-6448-AC03-B60DE38901D0}"/>
+                  <a16:creationId xmlns:a16="http://schemas.microsoft.com/office/drawing/2014/main" id="{35A0EAB9-4039-6448-AC03-B60DE38901D0}"/>
                 </a:ext>
               </a:extLst>
             </p:cNvPr>
@@ -8944,7 +9016,7 @@
             <p:cNvPr id="14" name="Rechteck 13">
               <a:extLst>
                 <a:ext uri="{FF2B5EF4-FFF2-40B4-BE49-F238E27FC236}">
-                  <a16:creationId xmlns:a16="http://schemas.microsoft.com/office/drawing/2014/main" xmlns="" id="{FCCEA108-686B-BB4F-95FB-4BCE5EB529F1}"/>
+                  <a16:creationId xmlns:a16="http://schemas.microsoft.com/office/drawing/2014/main" id="{FCCEA108-686B-BB4F-95FB-4BCE5EB529F1}"/>
                 </a:ext>
               </a:extLst>
             </p:cNvPr>
@@ -9064,7 +9136,7 @@
           <p:cNvPr id="7" name="Gruppieren 6">
             <a:extLst>
               <a:ext uri="{FF2B5EF4-FFF2-40B4-BE49-F238E27FC236}">
-                <a16:creationId xmlns:a16="http://schemas.microsoft.com/office/drawing/2014/main" xmlns="" id="{83607870-557A-164A-B22B-C1B49B36656C}"/>
+                <a16:creationId xmlns:a16="http://schemas.microsoft.com/office/drawing/2014/main" id="{83607870-557A-164A-B22B-C1B49B36656C}"/>
               </a:ext>
             </a:extLst>
           </p:cNvPr>
@@ -9084,7 +9156,7 @@
             <p:cNvPr id="8" name="Rechteck 7">
               <a:extLst>
                 <a:ext uri="{FF2B5EF4-FFF2-40B4-BE49-F238E27FC236}">
-                  <a16:creationId xmlns:a16="http://schemas.microsoft.com/office/drawing/2014/main" xmlns="" id="{F1E1E402-969D-194B-AB76-85BAC6C71034}"/>
+                  <a16:creationId xmlns:a16="http://schemas.microsoft.com/office/drawing/2014/main" id="{F1E1E402-969D-194B-AB76-85BAC6C71034}"/>
                 </a:ext>
               </a:extLst>
             </p:cNvPr>
@@ -9168,7 +9240,7 @@
             <p:cNvPr id="9" name="Rechteck 8">
               <a:extLst>
                 <a:ext uri="{FF2B5EF4-FFF2-40B4-BE49-F238E27FC236}">
-                  <a16:creationId xmlns:a16="http://schemas.microsoft.com/office/drawing/2014/main" xmlns="" id="{833772DE-177D-6242-B2B7-89D46A2C0D15}"/>
+                  <a16:creationId xmlns:a16="http://schemas.microsoft.com/office/drawing/2014/main" id="{833772DE-177D-6242-B2B7-89D46A2C0D15}"/>
                 </a:ext>
               </a:extLst>
             </p:cNvPr>
@@ -9259,7 +9331,7 @@
           <p:cNvPr id="11" name="Gruppieren 10">
             <a:extLst>
               <a:ext uri="{FF2B5EF4-FFF2-40B4-BE49-F238E27FC236}">
-                <a16:creationId xmlns:a16="http://schemas.microsoft.com/office/drawing/2014/main" xmlns="" id="{00DD676A-B61C-5D48-BC56-AC4BB52F8528}"/>
+                <a16:creationId xmlns:a16="http://schemas.microsoft.com/office/drawing/2014/main" id="{00DD676A-B61C-5D48-BC56-AC4BB52F8528}"/>
               </a:ext>
             </a:extLst>
           </p:cNvPr>
@@ -9279,7 +9351,7 @@
             <p:cNvPr id="12" name="Rechteck 11">
               <a:extLst>
                 <a:ext uri="{FF2B5EF4-FFF2-40B4-BE49-F238E27FC236}">
-                  <a16:creationId xmlns:a16="http://schemas.microsoft.com/office/drawing/2014/main" xmlns="" id="{201F63B0-4CCA-B640-BD88-BAB407BC2183}"/>
+                  <a16:creationId xmlns:a16="http://schemas.microsoft.com/office/drawing/2014/main" id="{201F63B0-4CCA-B640-BD88-BAB407BC2183}"/>
                 </a:ext>
               </a:extLst>
             </p:cNvPr>
@@ -9363,7 +9435,7 @@
             <p:cNvPr id="13" name="Rechteck 12">
               <a:extLst>
                 <a:ext uri="{FF2B5EF4-FFF2-40B4-BE49-F238E27FC236}">
-                  <a16:creationId xmlns:a16="http://schemas.microsoft.com/office/drawing/2014/main" xmlns="" id="{514C32A1-04E5-494D-AB34-069455276B16}"/>
+                  <a16:creationId xmlns:a16="http://schemas.microsoft.com/office/drawing/2014/main" id="{514C32A1-04E5-494D-AB34-069455276B16}"/>
                 </a:ext>
               </a:extLst>
             </p:cNvPr>
@@ -9430,7 +9502,7 @@
           <p:cNvPr id="14" name="Gruppieren 13">
             <a:extLst>
               <a:ext uri="{FF2B5EF4-FFF2-40B4-BE49-F238E27FC236}">
-                <a16:creationId xmlns:a16="http://schemas.microsoft.com/office/drawing/2014/main" xmlns="" id="{C0CAAA13-C09D-AC4E-991C-1FEB2957F9A9}"/>
+                <a16:creationId xmlns:a16="http://schemas.microsoft.com/office/drawing/2014/main" id="{C0CAAA13-C09D-AC4E-991C-1FEB2957F9A9}"/>
               </a:ext>
             </a:extLst>
           </p:cNvPr>
@@ -9450,7 +9522,7 @@
             <p:cNvPr id="15" name="Rechteck 14">
               <a:extLst>
                 <a:ext uri="{FF2B5EF4-FFF2-40B4-BE49-F238E27FC236}">
-                  <a16:creationId xmlns:a16="http://schemas.microsoft.com/office/drawing/2014/main" xmlns="" id="{71B66402-AE28-034E-B538-DD8098A05FCC}"/>
+                  <a16:creationId xmlns:a16="http://schemas.microsoft.com/office/drawing/2014/main" id="{71B66402-AE28-034E-B538-DD8098A05FCC}"/>
                 </a:ext>
               </a:extLst>
             </p:cNvPr>
@@ -9589,7 +9661,7 @@
             <p:cNvPr id="16" name="Rechteck 15">
               <a:extLst>
                 <a:ext uri="{FF2B5EF4-FFF2-40B4-BE49-F238E27FC236}">
-                  <a16:creationId xmlns:a16="http://schemas.microsoft.com/office/drawing/2014/main" xmlns="" id="{3BF267A1-CAB7-CF4A-B6F4-D9891842B9EE}"/>
+                  <a16:creationId xmlns:a16="http://schemas.microsoft.com/office/drawing/2014/main" id="{3BF267A1-CAB7-CF4A-B6F4-D9891842B9EE}"/>
                 </a:ext>
               </a:extLst>
             </p:cNvPr>
@@ -9648,7 +9720,7 @@
           <p:cNvPr id="20" name="Gewinkelte Verbindung 19">
             <a:extLst>
               <a:ext uri="{FF2B5EF4-FFF2-40B4-BE49-F238E27FC236}">
-                <a16:creationId xmlns:a16="http://schemas.microsoft.com/office/drawing/2014/main" xmlns="" id="{FD336F23-DB98-1342-BB4F-5D218AF61D6F}"/>
+                <a16:creationId xmlns:a16="http://schemas.microsoft.com/office/drawing/2014/main" id="{FD336F23-DB98-1342-BB4F-5D218AF61D6F}"/>
               </a:ext>
             </a:extLst>
           </p:cNvPr>
@@ -9699,7 +9771,7 @@
           <p:cNvPr id="22" name="Gewinkelte Verbindung 21">
             <a:extLst>
               <a:ext uri="{FF2B5EF4-FFF2-40B4-BE49-F238E27FC236}">
-                <a16:creationId xmlns:a16="http://schemas.microsoft.com/office/drawing/2014/main" xmlns="" id="{BBE684D5-0A18-BA4A-8AA1-7553DDC193B9}"/>
+                <a16:creationId xmlns:a16="http://schemas.microsoft.com/office/drawing/2014/main" id="{BBE684D5-0A18-BA4A-8AA1-7553DDC193B9}"/>
               </a:ext>
             </a:extLst>
           </p:cNvPr>
@@ -12203,7 +12275,7 @@
           <p:cNvPr id="8" name="Gruppieren 7">
             <a:extLst>
               <a:ext uri="{FF2B5EF4-FFF2-40B4-BE49-F238E27FC236}">
-                <a16:creationId xmlns:a16="http://schemas.microsoft.com/office/drawing/2014/main" xmlns="" id="{55DEAA25-08DE-234A-9F7E-6DA95517E4AB}"/>
+                <a16:creationId xmlns:a16="http://schemas.microsoft.com/office/drawing/2014/main" id="{55DEAA25-08DE-234A-9F7E-6DA95517E4AB}"/>
               </a:ext>
             </a:extLst>
           </p:cNvPr>
@@ -12223,7 +12295,7 @@
             <p:cNvPr id="9" name="Rechteck 8">
               <a:extLst>
                 <a:ext uri="{FF2B5EF4-FFF2-40B4-BE49-F238E27FC236}">
-                  <a16:creationId xmlns:a16="http://schemas.microsoft.com/office/drawing/2014/main" xmlns="" id="{CBE4218A-6735-2946-A3C0-E23809B7CEDF}"/>
+                  <a16:creationId xmlns:a16="http://schemas.microsoft.com/office/drawing/2014/main" id="{CBE4218A-6735-2946-A3C0-E23809B7CEDF}"/>
                 </a:ext>
               </a:extLst>
             </p:cNvPr>
@@ -12374,7 +12446,7 @@
             <p:cNvPr id="10" name="Rechteck 9">
               <a:extLst>
                 <a:ext uri="{FF2B5EF4-FFF2-40B4-BE49-F238E27FC236}">
-                  <a16:creationId xmlns:a16="http://schemas.microsoft.com/office/drawing/2014/main" xmlns="" id="{5ECE2600-E242-0A47-A437-E1A9C7F07343}"/>
+                  <a16:creationId xmlns:a16="http://schemas.microsoft.com/office/drawing/2014/main" id="{5ECE2600-E242-0A47-A437-E1A9C7F07343}"/>
                 </a:ext>
               </a:extLst>
             </p:cNvPr>
@@ -12441,7 +12513,7 @@
           <p:cNvPr id="11" name="Gruppieren 10">
             <a:extLst>
               <a:ext uri="{FF2B5EF4-FFF2-40B4-BE49-F238E27FC236}">
-                <a16:creationId xmlns:a16="http://schemas.microsoft.com/office/drawing/2014/main" xmlns="" id="{2A9CBD64-DABE-DB44-8CC9-7ED3D3F42599}"/>
+                <a16:creationId xmlns:a16="http://schemas.microsoft.com/office/drawing/2014/main" id="{2A9CBD64-DABE-DB44-8CC9-7ED3D3F42599}"/>
               </a:ext>
             </a:extLst>
           </p:cNvPr>
@@ -12461,7 +12533,7 @@
             <p:cNvPr id="12" name="Rechteck 11">
               <a:extLst>
                 <a:ext uri="{FF2B5EF4-FFF2-40B4-BE49-F238E27FC236}">
-                  <a16:creationId xmlns:a16="http://schemas.microsoft.com/office/drawing/2014/main" xmlns="" id="{880AB37D-6202-FE47-84F8-2DB9C99F0992}"/>
+                  <a16:creationId xmlns:a16="http://schemas.microsoft.com/office/drawing/2014/main" id="{880AB37D-6202-FE47-84F8-2DB9C99F0992}"/>
                 </a:ext>
               </a:extLst>
             </p:cNvPr>
@@ -12651,7 +12723,7 @@
             <p:cNvPr id="13" name="Rechteck 12">
               <a:extLst>
                 <a:ext uri="{FF2B5EF4-FFF2-40B4-BE49-F238E27FC236}">
-                  <a16:creationId xmlns:a16="http://schemas.microsoft.com/office/drawing/2014/main" xmlns="" id="{6E6D6DF1-8063-C749-A415-29613D3195D5}"/>
+                  <a16:creationId xmlns:a16="http://schemas.microsoft.com/office/drawing/2014/main" id="{6E6D6DF1-8063-C749-A415-29613D3195D5}"/>
                 </a:ext>
               </a:extLst>
             </p:cNvPr>
@@ -12748,7 +12820,7 @@
           <p:cNvPr id="2" name="Titel 1">
             <a:extLst>
               <a:ext uri="{FF2B5EF4-FFF2-40B4-BE49-F238E27FC236}">
-                <a16:creationId xmlns:a16="http://schemas.microsoft.com/office/drawing/2014/main" xmlns="" id="{0E63EF50-EEA4-0D49-A35C-C36F045D035E}"/>
+                <a16:creationId xmlns:a16="http://schemas.microsoft.com/office/drawing/2014/main" id="{0E63EF50-EEA4-0D49-A35C-C36F045D035E}"/>
               </a:ext>
             </a:extLst>
           </p:cNvPr>
@@ -12793,7 +12865,7 @@
           <p:cNvPr id="5" name="Gruppieren 4">
             <a:extLst>
               <a:ext uri="{FF2B5EF4-FFF2-40B4-BE49-F238E27FC236}">
-                <a16:creationId xmlns:a16="http://schemas.microsoft.com/office/drawing/2014/main" xmlns="" id="{82067C57-47CC-BC4A-911D-C058CB8E64C1}"/>
+                <a16:creationId xmlns:a16="http://schemas.microsoft.com/office/drawing/2014/main" id="{82067C57-47CC-BC4A-911D-C058CB8E64C1}"/>
               </a:ext>
             </a:extLst>
           </p:cNvPr>
@@ -12813,7 +12885,7 @@
             <p:cNvPr id="6" name="Rechteck 5">
               <a:extLst>
                 <a:ext uri="{FF2B5EF4-FFF2-40B4-BE49-F238E27FC236}">
-                  <a16:creationId xmlns:a16="http://schemas.microsoft.com/office/drawing/2014/main" xmlns="" id="{1F74AAB6-FEC2-E040-AE2F-389C01E41200}"/>
+                  <a16:creationId xmlns:a16="http://schemas.microsoft.com/office/drawing/2014/main" id="{1F74AAB6-FEC2-E040-AE2F-389C01E41200}"/>
                 </a:ext>
               </a:extLst>
             </p:cNvPr>
@@ -12941,7 +13013,7 @@
             <p:cNvPr id="7" name="Rechteck 6">
               <a:extLst>
                 <a:ext uri="{FF2B5EF4-FFF2-40B4-BE49-F238E27FC236}">
-                  <a16:creationId xmlns:a16="http://schemas.microsoft.com/office/drawing/2014/main" xmlns="" id="{D9A91609-F78E-9C45-BCA7-7DF954BC0A1A}"/>
+                  <a16:creationId xmlns:a16="http://schemas.microsoft.com/office/drawing/2014/main" id="{D9A91609-F78E-9C45-BCA7-7DF954BC0A1A}"/>
                 </a:ext>
               </a:extLst>
             </p:cNvPr>
@@ -13000,7 +13072,7 @@
           <p:cNvPr id="8" name="Gruppieren 7">
             <a:extLst>
               <a:ext uri="{FF2B5EF4-FFF2-40B4-BE49-F238E27FC236}">
-                <a16:creationId xmlns:a16="http://schemas.microsoft.com/office/drawing/2014/main" xmlns="" id="{64401E1E-557D-5D4F-AE09-187A0802411B}"/>
+                <a16:creationId xmlns:a16="http://schemas.microsoft.com/office/drawing/2014/main" id="{64401E1E-557D-5D4F-AE09-187A0802411B}"/>
               </a:ext>
             </a:extLst>
           </p:cNvPr>
@@ -13020,7 +13092,7 @@
             <p:cNvPr id="9" name="Rechteck 8">
               <a:extLst>
                 <a:ext uri="{FF2B5EF4-FFF2-40B4-BE49-F238E27FC236}">
-                  <a16:creationId xmlns:a16="http://schemas.microsoft.com/office/drawing/2014/main" xmlns="" id="{35A0EAB9-4039-6448-AC03-B60DE38901D0}"/>
+                  <a16:creationId xmlns:a16="http://schemas.microsoft.com/office/drawing/2014/main" id="{35A0EAB9-4039-6448-AC03-B60DE38901D0}"/>
                 </a:ext>
               </a:extLst>
             </p:cNvPr>
@@ -13104,7 +13176,7 @@
             <p:cNvPr id="10" name="Rechteck 9">
               <a:extLst>
                 <a:ext uri="{FF2B5EF4-FFF2-40B4-BE49-F238E27FC236}">
-                  <a16:creationId xmlns:a16="http://schemas.microsoft.com/office/drawing/2014/main" xmlns="" id="{FCCEA108-686B-BB4F-95FB-4BCE5EB529F1}"/>
+                  <a16:creationId xmlns:a16="http://schemas.microsoft.com/office/drawing/2014/main" id="{FCCEA108-686B-BB4F-95FB-4BCE5EB529F1}"/>
                 </a:ext>
               </a:extLst>
             </p:cNvPr>
@@ -13163,7 +13235,7 @@
           <p:cNvPr id="11" name="Rechteck 10">
             <a:extLst>
               <a:ext uri="{FF2B5EF4-FFF2-40B4-BE49-F238E27FC236}">
-                <a16:creationId xmlns:a16="http://schemas.microsoft.com/office/drawing/2014/main" xmlns="" id="{96BDAF81-30A4-1E4E-959F-95E9EB7F7C7A}"/>
+                <a16:creationId xmlns:a16="http://schemas.microsoft.com/office/drawing/2014/main" id="{96BDAF81-30A4-1E4E-959F-95E9EB7F7C7A}"/>
               </a:ext>
             </a:extLst>
           </p:cNvPr>
@@ -13230,7 +13302,7 @@
           <p:cNvPr id="12" name="Rechteck 11">
             <a:extLst>
               <a:ext uri="{FF2B5EF4-FFF2-40B4-BE49-F238E27FC236}">
-                <a16:creationId xmlns:a16="http://schemas.microsoft.com/office/drawing/2014/main" xmlns="" id="{E6C50A77-89BD-8744-8E4D-4BE35B73D833}"/>
+                <a16:creationId xmlns:a16="http://schemas.microsoft.com/office/drawing/2014/main" id="{E6C50A77-89BD-8744-8E4D-4BE35B73D833}"/>
               </a:ext>
             </a:extLst>
           </p:cNvPr>
@@ -13297,7 +13369,7 @@
           <p:cNvPr id="13" name="Gruppieren 12">
             <a:extLst>
               <a:ext uri="{FF2B5EF4-FFF2-40B4-BE49-F238E27FC236}">
-                <a16:creationId xmlns:a16="http://schemas.microsoft.com/office/drawing/2014/main" xmlns="" id="{5B6A8D9F-A9F8-264C-B489-24AFD5A8596D}"/>
+                <a16:creationId xmlns:a16="http://schemas.microsoft.com/office/drawing/2014/main" id="{5B6A8D9F-A9F8-264C-B489-24AFD5A8596D}"/>
               </a:ext>
             </a:extLst>
           </p:cNvPr>
@@ -13317,7 +13389,7 @@
             <p:cNvPr id="14" name="Rechteck 13">
               <a:extLst>
                 <a:ext uri="{FF2B5EF4-FFF2-40B4-BE49-F238E27FC236}">
-                  <a16:creationId xmlns:a16="http://schemas.microsoft.com/office/drawing/2014/main" xmlns="" id="{8766CB30-3942-9E46-8CAC-FC33876B35F3}"/>
+                  <a16:creationId xmlns:a16="http://schemas.microsoft.com/office/drawing/2014/main" id="{8766CB30-3942-9E46-8CAC-FC33876B35F3}"/>
                 </a:ext>
               </a:extLst>
             </p:cNvPr>
@@ -13401,7 +13473,7 @@
             <p:cNvPr id="15" name="Rechteck 14">
               <a:extLst>
                 <a:ext uri="{FF2B5EF4-FFF2-40B4-BE49-F238E27FC236}">
-                  <a16:creationId xmlns:a16="http://schemas.microsoft.com/office/drawing/2014/main" xmlns="" id="{79F41613-6C39-9547-8B51-B50E6A35E505}"/>
+                  <a16:creationId xmlns:a16="http://schemas.microsoft.com/office/drawing/2014/main" id="{79F41613-6C39-9547-8B51-B50E6A35E505}"/>
                 </a:ext>
               </a:extLst>
             </p:cNvPr>
@@ -13460,7 +13532,7 @@
           <p:cNvPr id="16" name="Gruppieren 15">
             <a:extLst>
               <a:ext uri="{FF2B5EF4-FFF2-40B4-BE49-F238E27FC236}">
-                <a16:creationId xmlns:a16="http://schemas.microsoft.com/office/drawing/2014/main" xmlns="" id="{3EAAE737-A1E8-BD49-A661-00C0D54A60DD}"/>
+                <a16:creationId xmlns:a16="http://schemas.microsoft.com/office/drawing/2014/main" id="{3EAAE737-A1E8-BD49-A661-00C0D54A60DD}"/>
               </a:ext>
             </a:extLst>
           </p:cNvPr>
@@ -13480,7 +13552,7 @@
             <p:cNvPr id="17" name="Rechteck 16">
               <a:extLst>
                 <a:ext uri="{FF2B5EF4-FFF2-40B4-BE49-F238E27FC236}">
-                  <a16:creationId xmlns:a16="http://schemas.microsoft.com/office/drawing/2014/main" xmlns="" id="{A12CF216-7A5B-B546-8D15-3FFD047539D4}"/>
+                  <a16:creationId xmlns:a16="http://schemas.microsoft.com/office/drawing/2014/main" id="{A12CF216-7A5B-B546-8D15-3FFD047539D4}"/>
                 </a:ext>
               </a:extLst>
             </p:cNvPr>
@@ -13578,7 +13650,7 @@
             <p:cNvPr id="18" name="Rechteck 17">
               <a:extLst>
                 <a:ext uri="{FF2B5EF4-FFF2-40B4-BE49-F238E27FC236}">
-                  <a16:creationId xmlns:a16="http://schemas.microsoft.com/office/drawing/2014/main" xmlns="" id="{91008A0C-F66B-104F-B3C9-118DB994F72D}"/>
+                  <a16:creationId xmlns:a16="http://schemas.microsoft.com/office/drawing/2014/main" id="{91008A0C-F66B-104F-B3C9-118DB994F72D}"/>
                 </a:ext>
               </a:extLst>
             </p:cNvPr>
@@ -13664,13 +13736,7 @@
       </p:grpSpPr>
       <p:sp>
         <p:nvSpPr>
-          <p:cNvPr id="2" name="Titel 1">
-            <a:extLst>
-              <a:ext uri="{FF2B5EF4-FFF2-40B4-BE49-F238E27FC236}">
-                <a16:creationId xmlns:a16="http://schemas.microsoft.com/office/drawing/2014/main" xmlns="" id="{4F501AA0-CA0E-4649-A4DF-1177DBB86B43}"/>
-              </a:ext>
-            </a:extLst>
-          </p:cNvPr>
+          <p:cNvPr id="2" name="Titel 1"/>
           <p:cNvSpPr>
             <a:spLocks noGrp="1"/>
           </p:cNvSpPr>
@@ -13684,41 +13750,1594 @@
           <a:lstStyle/>
           <a:p>
             <a:r>
+              <a:rPr lang="de-DE" dirty="0" err="1"/>
+              <a:t>Use</a:t>
+            </a:r>
+            <a:r>
               <a:rPr lang="de-DE" dirty="0"/>
-              <a:t>Motivation</a:t>
+              <a:t> Case</a:t>
             </a:r>
           </a:p>
         </p:txBody>
       </p:sp>
       <p:sp>
         <p:nvSpPr>
-          <p:cNvPr id="3" name="Inhaltsplatzhalter 2">
+          <p:cNvPr id="4" name="Rechteck 3"/>
+          <p:cNvSpPr/>
+          <p:nvPr/>
+        </p:nvSpPr>
+        <p:spPr>
+          <a:xfrm>
+            <a:off x="5477067" y="1478769"/>
+            <a:ext cx="914400" cy="914400"/>
+          </a:xfrm>
+          <a:prstGeom prst="rect">
+            <a:avLst/>
+          </a:prstGeom>
+          <a:solidFill>
+            <a:schemeClr val="bg1"/>
+          </a:solidFill>
+          <a:ln w="38100">
+            <a:solidFill>
+              <a:schemeClr val="tx1"/>
+            </a:solidFill>
+          </a:ln>
+        </p:spPr>
+        <p:style>
+          <a:lnRef idx="2">
+            <a:schemeClr val="accent1">
+              <a:shade val="50000"/>
+            </a:schemeClr>
+          </a:lnRef>
+          <a:fillRef idx="1">
+            <a:schemeClr val="accent1"/>
+          </a:fillRef>
+          <a:effectRef idx="0">
+            <a:schemeClr val="accent1"/>
+          </a:effectRef>
+          <a:fontRef idx="minor">
+            <a:schemeClr val="lt1"/>
+          </a:fontRef>
+        </p:style>
+        <p:txBody>
+          <a:bodyPr rtlCol="0" anchor="ctr"/>
+          <a:lstStyle/>
+          <a:p>
+            <a:pPr algn="ctr"/>
+            <a:r>
+              <a:rPr lang="de-DE" sz="1600" dirty="0">
+                <a:solidFill>
+                  <a:schemeClr val="tx1"/>
+                </a:solidFill>
+              </a:rPr>
+              <a:t>Dose</a:t>
+            </a:r>
+          </a:p>
+        </p:txBody>
+      </p:sp>
+      <p:sp>
+        <p:nvSpPr>
+          <p:cNvPr id="5" name="Rechteck 4"/>
+          <p:cNvSpPr/>
+          <p:nvPr/>
+        </p:nvSpPr>
+        <p:spPr>
+          <a:xfrm>
+            <a:off x="5477067" y="2890739"/>
+            <a:ext cx="914400" cy="914400"/>
+          </a:xfrm>
+          <a:prstGeom prst="rect">
+            <a:avLst/>
+          </a:prstGeom>
+          <a:solidFill>
+            <a:schemeClr val="bg1"/>
+          </a:solidFill>
+          <a:ln w="38100">
+            <a:solidFill>
+              <a:schemeClr val="tx1"/>
+            </a:solidFill>
+          </a:ln>
+        </p:spPr>
+        <p:style>
+          <a:lnRef idx="2">
+            <a:schemeClr val="accent1">
+              <a:shade val="50000"/>
+            </a:schemeClr>
+          </a:lnRef>
+          <a:fillRef idx="1">
+            <a:schemeClr val="accent1"/>
+          </a:fillRef>
+          <a:effectRef idx="0">
+            <a:schemeClr val="accent1"/>
+          </a:effectRef>
+          <a:fontRef idx="minor">
+            <a:schemeClr val="lt1"/>
+          </a:fontRef>
+        </p:style>
+        <p:txBody>
+          <a:bodyPr rtlCol="0" anchor="ctr"/>
+          <a:lstStyle/>
+          <a:p>
+            <a:pPr algn="ctr"/>
+            <a:r>
+              <a:rPr lang="de-DE" sz="1600" dirty="0" err="1">
+                <a:solidFill>
+                  <a:schemeClr val="tx1"/>
+                </a:solidFill>
+              </a:rPr>
+              <a:t>React</a:t>
+            </a:r>
+            <a:endParaRPr lang="de-DE" sz="1600" dirty="0">
+              <a:solidFill>
+                <a:schemeClr val="tx1"/>
+              </a:solidFill>
+            </a:endParaRPr>
+          </a:p>
+        </p:txBody>
+      </p:sp>
+      <p:sp>
+        <p:nvSpPr>
+          <p:cNvPr id="6" name="Rechteck 5"/>
+          <p:cNvSpPr/>
+          <p:nvPr/>
+        </p:nvSpPr>
+        <p:spPr>
+          <a:xfrm>
+            <a:off x="5473753" y="4302709"/>
+            <a:ext cx="917714" cy="914400"/>
+          </a:xfrm>
+          <a:prstGeom prst="rect">
+            <a:avLst/>
+          </a:prstGeom>
+          <a:solidFill>
+            <a:schemeClr val="bg1"/>
+          </a:solidFill>
+          <a:ln w="38100">
+            <a:solidFill>
+              <a:schemeClr val="tx1"/>
+            </a:solidFill>
+          </a:ln>
+        </p:spPr>
+        <p:style>
+          <a:lnRef idx="2">
+            <a:schemeClr val="accent1">
+              <a:shade val="50000"/>
+            </a:schemeClr>
+          </a:lnRef>
+          <a:fillRef idx="1">
+            <a:schemeClr val="accent1"/>
+          </a:fillRef>
+          <a:effectRef idx="0">
+            <a:schemeClr val="accent1"/>
+          </a:effectRef>
+          <a:fontRef idx="minor">
+            <a:schemeClr val="lt1"/>
+          </a:fontRef>
+        </p:style>
+        <p:txBody>
+          <a:bodyPr rtlCol="0" anchor="ctr"/>
+          <a:lstStyle/>
+          <a:p>
+            <a:pPr algn="ctr"/>
+            <a:r>
+              <a:rPr lang="de-DE" sz="1600" dirty="0" err="1">
+                <a:solidFill>
+                  <a:schemeClr val="tx1"/>
+                </a:solidFill>
+              </a:rPr>
+              <a:t>Temper</a:t>
+            </a:r>
+            <a:endParaRPr lang="de-DE" sz="1600" dirty="0">
+              <a:solidFill>
+                <a:schemeClr val="tx1"/>
+              </a:solidFill>
+            </a:endParaRPr>
+          </a:p>
+        </p:txBody>
+      </p:sp>
+      <p:cxnSp>
+        <p:nvCxnSpPr>
+          <p:cNvPr id="10" name="Gerader Verbinder 9"/>
+          <p:cNvCxnSpPr>
+            <a:stCxn id="4" idx="2"/>
+            <a:endCxn id="5" idx="0"/>
+          </p:cNvCxnSpPr>
+          <p:nvPr/>
+        </p:nvCxnSpPr>
+        <p:spPr>
+          <a:xfrm>
+            <a:off x="5934267" y="2393169"/>
+            <a:ext cx="0" cy="497570"/>
+          </a:xfrm>
+          <a:prstGeom prst="line">
+            <a:avLst/>
+          </a:prstGeom>
+          <a:ln w="38100">
+            <a:solidFill>
+              <a:schemeClr val="bg2"/>
+            </a:solidFill>
+            <a:headEnd type="oval"/>
+            <a:tailEnd type="oval"/>
+          </a:ln>
+        </p:spPr>
+        <p:style>
+          <a:lnRef idx="1">
+            <a:schemeClr val="accent1"/>
+          </a:lnRef>
+          <a:fillRef idx="0">
+            <a:schemeClr val="accent1"/>
+          </a:fillRef>
+          <a:effectRef idx="0">
+            <a:schemeClr val="accent1"/>
+          </a:effectRef>
+          <a:fontRef idx="minor">
+            <a:schemeClr val="tx1"/>
+          </a:fontRef>
+        </p:style>
+      </p:cxnSp>
+      <p:cxnSp>
+        <p:nvCxnSpPr>
+          <p:cNvPr id="14" name="Gewinkelte Verbindung 13"/>
+          <p:cNvCxnSpPr>
+            <a:endCxn id="4" idx="0"/>
+          </p:cNvCxnSpPr>
+          <p:nvPr/>
+        </p:nvCxnSpPr>
+        <p:spPr>
+          <a:xfrm rot="5400000" flipH="1" flipV="1">
+            <a:off x="4913929" y="2041908"/>
+            <a:ext cx="1583477" cy="457200"/>
+          </a:xfrm>
+          <a:prstGeom prst="bentConnector5">
+            <a:avLst>
+              <a:gd name="adj1" fmla="val 128"/>
+              <a:gd name="adj2" fmla="val -50000"/>
+              <a:gd name="adj3" fmla="val 114437"/>
+            </a:avLst>
+          </a:prstGeom>
+          <a:ln w="38100">
+            <a:solidFill>
+              <a:schemeClr val="bg2"/>
+            </a:solidFill>
+            <a:headEnd type="oval"/>
+            <a:tailEnd type="oval"/>
+          </a:ln>
+        </p:spPr>
+        <p:style>
+          <a:lnRef idx="1">
+            <a:schemeClr val="accent1"/>
+          </a:lnRef>
+          <a:fillRef idx="0">
+            <a:schemeClr val="accent1"/>
+          </a:fillRef>
+          <a:effectRef idx="0">
+            <a:schemeClr val="accent1"/>
+          </a:effectRef>
+          <a:fontRef idx="minor">
+            <a:schemeClr val="tx1"/>
+          </a:fontRef>
+        </p:style>
+      </p:cxnSp>
+      <p:cxnSp>
+        <p:nvCxnSpPr>
+          <p:cNvPr id="16" name="Gerader Verbinder 15"/>
+          <p:cNvCxnSpPr>
+            <a:cxnSpLocks/>
+            <a:stCxn id="5" idx="2"/>
+            <a:endCxn id="6" idx="0"/>
+          </p:cNvCxnSpPr>
+          <p:nvPr/>
+        </p:nvCxnSpPr>
+        <p:spPr>
+          <a:xfrm flipH="1">
+            <a:off x="5932610" y="3805139"/>
+            <a:ext cx="1657" cy="497570"/>
+          </a:xfrm>
+          <a:prstGeom prst="line">
+            <a:avLst/>
+          </a:prstGeom>
+          <a:ln w="38100">
+            <a:solidFill>
+              <a:schemeClr val="bg2"/>
+            </a:solidFill>
+            <a:headEnd type="oval"/>
+            <a:tailEnd type="oval"/>
+          </a:ln>
+        </p:spPr>
+        <p:style>
+          <a:lnRef idx="1">
+            <a:schemeClr val="accent1"/>
+          </a:lnRef>
+          <a:fillRef idx="0">
+            <a:schemeClr val="accent1"/>
+          </a:fillRef>
+          <a:effectRef idx="0">
+            <a:schemeClr val="accent1"/>
+          </a:effectRef>
+          <a:fontRef idx="minor">
+            <a:schemeClr val="tx1"/>
+          </a:fontRef>
+        </p:style>
+      </p:cxnSp>
+      <p:cxnSp>
+        <p:nvCxnSpPr>
+          <p:cNvPr id="20" name="Gewinkelte Verbindung 19"/>
+          <p:cNvCxnSpPr>
+            <a:cxnSpLocks/>
+            <a:stCxn id="6" idx="2"/>
+          </p:cNvCxnSpPr>
+          <p:nvPr/>
+        </p:nvCxnSpPr>
+        <p:spPr>
+          <a:xfrm rot="5400000" flipH="1" flipV="1">
+            <a:off x="5387428" y="4213071"/>
+            <a:ext cx="1549220" cy="458856"/>
+          </a:xfrm>
+          <a:prstGeom prst="bentConnector5">
+            <a:avLst>
+              <a:gd name="adj1" fmla="val -14756"/>
+              <a:gd name="adj2" fmla="val 179291"/>
+              <a:gd name="adj3" fmla="val 100081"/>
+            </a:avLst>
+          </a:prstGeom>
+          <a:ln w="38100">
+            <a:solidFill>
+              <a:schemeClr val="bg2"/>
+            </a:solidFill>
+            <a:headEnd type="oval"/>
+            <a:tailEnd type="oval"/>
+          </a:ln>
+        </p:spPr>
+        <p:style>
+          <a:lnRef idx="1">
+            <a:schemeClr val="accent1"/>
+          </a:lnRef>
+          <a:fillRef idx="0">
+            <a:schemeClr val="accent1"/>
+          </a:fillRef>
+          <a:effectRef idx="0">
+            <a:schemeClr val="accent1"/>
+          </a:effectRef>
+          <a:fontRef idx="minor">
+            <a:schemeClr val="tx1"/>
+          </a:fontRef>
+        </p:style>
+      </p:cxnSp>
+      <p:sp>
+        <p:nvSpPr>
+          <p:cNvPr id="21" name="Rechteck 20"/>
+          <p:cNvSpPr/>
+          <p:nvPr/>
+        </p:nvSpPr>
+        <p:spPr>
+          <a:xfrm>
+            <a:off x="10274308" y="1423404"/>
+            <a:ext cx="1039866" cy="914400"/>
+          </a:xfrm>
+          <a:prstGeom prst="rect">
+            <a:avLst/>
+          </a:prstGeom>
+          <a:solidFill>
+            <a:schemeClr val="bg1"/>
+          </a:solidFill>
+          <a:ln w="38100">
+            <a:solidFill>
+              <a:schemeClr val="tx1"/>
+            </a:solidFill>
+          </a:ln>
+        </p:spPr>
+        <p:style>
+          <a:lnRef idx="2">
+            <a:schemeClr val="accent1">
+              <a:shade val="50000"/>
+            </a:schemeClr>
+          </a:lnRef>
+          <a:fillRef idx="1">
+            <a:schemeClr val="accent1"/>
+          </a:fillRef>
+          <a:effectRef idx="0">
+            <a:schemeClr val="accent1"/>
+          </a:effectRef>
+          <a:fontRef idx="minor">
+            <a:schemeClr val="lt1"/>
+          </a:fontRef>
+        </p:style>
+        <p:txBody>
+          <a:bodyPr rtlCol="0" anchor="ctr"/>
+          <a:lstStyle/>
+          <a:p>
+            <a:pPr algn="ctr"/>
+            <a:r>
+              <a:rPr lang="de-DE" sz="1600" dirty="0">
+                <a:solidFill>
+                  <a:schemeClr val="tx1"/>
+                </a:solidFill>
+              </a:rPr>
+              <a:t>Modul leihen</a:t>
+            </a:r>
+          </a:p>
+        </p:txBody>
+      </p:sp>
+      <p:sp>
+        <p:nvSpPr>
+          <p:cNvPr id="22" name="Rechteck 21"/>
+          <p:cNvSpPr/>
+          <p:nvPr/>
+        </p:nvSpPr>
+        <p:spPr>
+          <a:xfrm>
+            <a:off x="10274307" y="2835374"/>
+            <a:ext cx="1039867" cy="914400"/>
+          </a:xfrm>
+          <a:prstGeom prst="rect">
+            <a:avLst/>
+          </a:prstGeom>
+          <a:solidFill>
+            <a:schemeClr val="bg1"/>
+          </a:solidFill>
+          <a:ln w="38100">
+            <a:solidFill>
+              <a:schemeClr val="tx1"/>
+            </a:solidFill>
+          </a:ln>
+        </p:spPr>
+        <p:style>
+          <a:lnRef idx="2">
+            <a:schemeClr val="accent1">
+              <a:shade val="50000"/>
+            </a:schemeClr>
+          </a:lnRef>
+          <a:fillRef idx="1">
+            <a:schemeClr val="accent1"/>
+          </a:fillRef>
+          <a:effectRef idx="0">
+            <a:schemeClr val="accent1"/>
+          </a:effectRef>
+          <a:fontRef idx="minor">
+            <a:schemeClr val="lt1"/>
+          </a:fontRef>
+        </p:style>
+        <p:txBody>
+          <a:bodyPr rtlCol="0" anchor="ctr"/>
+          <a:lstStyle/>
+          <a:p>
+            <a:pPr algn="ctr"/>
+            <a:r>
+              <a:rPr lang="de-DE" sz="1600" dirty="0">
+                <a:solidFill>
+                  <a:schemeClr val="tx1"/>
+                </a:solidFill>
+              </a:rPr>
+              <a:t>Modul durch 2 ersetzen</a:t>
+            </a:r>
+          </a:p>
+        </p:txBody>
+      </p:sp>
+      <p:sp>
+        <p:nvSpPr>
+          <p:cNvPr id="23" name="Rechteck 22"/>
+          <p:cNvSpPr/>
+          <p:nvPr/>
+        </p:nvSpPr>
+        <p:spPr>
+          <a:xfrm>
+            <a:off x="10274308" y="4247344"/>
+            <a:ext cx="1039866" cy="914400"/>
+          </a:xfrm>
+          <a:prstGeom prst="rect">
+            <a:avLst/>
+          </a:prstGeom>
+          <a:solidFill>
+            <a:schemeClr val="bg1"/>
+          </a:solidFill>
+          <a:ln w="38100">
+            <a:solidFill>
+              <a:schemeClr val="tx1"/>
+            </a:solidFill>
+          </a:ln>
+        </p:spPr>
+        <p:style>
+          <a:lnRef idx="2">
+            <a:schemeClr val="accent1">
+              <a:shade val="50000"/>
+            </a:schemeClr>
+          </a:lnRef>
+          <a:fillRef idx="1">
+            <a:schemeClr val="accent1"/>
+          </a:fillRef>
+          <a:effectRef idx="0">
+            <a:schemeClr val="accent1"/>
+          </a:effectRef>
+          <a:fontRef idx="minor">
+            <a:schemeClr val="lt1"/>
+          </a:fontRef>
+        </p:style>
+        <p:txBody>
+          <a:bodyPr rtlCol="0" anchor="ctr"/>
+          <a:lstStyle/>
+          <a:p>
+            <a:pPr algn="ctr"/>
+            <a:r>
+              <a:rPr lang="de-DE" sz="1600" dirty="0">
+                <a:solidFill>
+                  <a:schemeClr val="tx1"/>
+                </a:solidFill>
+              </a:rPr>
+              <a:t>Wartung</a:t>
+            </a:r>
+          </a:p>
+          <a:p>
+            <a:pPr algn="ctr"/>
+            <a:r>
+              <a:rPr lang="de-DE" sz="1600" dirty="0">
+                <a:solidFill>
+                  <a:schemeClr val="tx1"/>
+                </a:solidFill>
+              </a:rPr>
+              <a:t>auf-schieben</a:t>
+            </a:r>
+          </a:p>
+        </p:txBody>
+      </p:sp>
+      <p:cxnSp>
+        <p:nvCxnSpPr>
+          <p:cNvPr id="38" name="Gewinkelte Verbindung 37"/>
+          <p:cNvCxnSpPr>
+            <a:cxnSpLocks/>
+            <a:stCxn id="21" idx="1"/>
+          </p:cNvCxnSpPr>
+          <p:nvPr/>
+        </p:nvCxnSpPr>
+        <p:spPr>
+          <a:xfrm rot="10800000" flipV="1">
+            <a:off x="6487458" y="1880604"/>
+            <a:ext cx="3786850" cy="2471194"/>
+          </a:xfrm>
+          <a:prstGeom prst="bentConnector3">
+            <a:avLst/>
+          </a:prstGeom>
+          <a:ln w="38100">
+            <a:solidFill>
+              <a:schemeClr val="tx1"/>
+            </a:solidFill>
+            <a:tailEnd type="triangle"/>
+          </a:ln>
+        </p:spPr>
+        <p:style>
+          <a:lnRef idx="1">
+            <a:schemeClr val="accent1"/>
+          </a:lnRef>
+          <a:fillRef idx="0">
+            <a:schemeClr val="accent1"/>
+          </a:fillRef>
+          <a:effectRef idx="0">
+            <a:schemeClr val="accent1"/>
+          </a:effectRef>
+          <a:fontRef idx="minor">
+            <a:schemeClr val="tx1"/>
+          </a:fontRef>
+        </p:style>
+      </p:cxnSp>
+      <p:cxnSp>
+        <p:nvCxnSpPr>
+          <p:cNvPr id="40" name="Gewinkelte Verbindung 39"/>
+          <p:cNvCxnSpPr>
+            <a:cxnSpLocks/>
+            <a:stCxn id="22" idx="1"/>
+          </p:cNvCxnSpPr>
+          <p:nvPr/>
+        </p:nvCxnSpPr>
+        <p:spPr>
+          <a:xfrm rot="10800000" flipV="1">
+            <a:off x="6487459" y="3292574"/>
+            <a:ext cx="3786848" cy="1446014"/>
+          </a:xfrm>
+          <a:prstGeom prst="bentConnector3">
+            <a:avLst>
+              <a:gd name="adj1" fmla="val 32805"/>
+            </a:avLst>
+          </a:prstGeom>
+          <a:ln w="38100">
+            <a:solidFill>
+              <a:schemeClr val="tx1"/>
+            </a:solidFill>
+            <a:tailEnd type="triangle"/>
+          </a:ln>
+        </p:spPr>
+        <p:style>
+          <a:lnRef idx="1">
+            <a:schemeClr val="accent1"/>
+          </a:lnRef>
+          <a:fillRef idx="0">
+            <a:schemeClr val="accent1"/>
+          </a:fillRef>
+          <a:effectRef idx="0">
+            <a:schemeClr val="accent1"/>
+          </a:effectRef>
+          <a:fontRef idx="minor">
+            <a:schemeClr val="tx1"/>
+          </a:fontRef>
+        </p:style>
+      </p:cxnSp>
+      <p:cxnSp>
+        <p:nvCxnSpPr>
+          <p:cNvPr id="42" name="Gewinkelte Verbindung 41"/>
+          <p:cNvCxnSpPr>
+            <a:cxnSpLocks/>
+            <a:stCxn id="23" idx="1"/>
+          </p:cNvCxnSpPr>
+          <p:nvPr/>
+        </p:nvCxnSpPr>
+        <p:spPr>
+          <a:xfrm rot="10800000" flipV="1">
+            <a:off x="6487462" y="4704544"/>
+            <a:ext cx="3786847" cy="491244"/>
+          </a:xfrm>
+          <a:prstGeom prst="bentConnector3">
+            <a:avLst>
+              <a:gd name="adj1" fmla="val 17438"/>
+            </a:avLst>
+          </a:prstGeom>
+          <a:ln w="38100">
+            <a:solidFill>
+              <a:schemeClr val="tx1"/>
+            </a:solidFill>
+            <a:tailEnd type="triangle"/>
+          </a:ln>
+        </p:spPr>
+        <p:style>
+          <a:lnRef idx="1">
+            <a:schemeClr val="accent1"/>
+          </a:lnRef>
+          <a:fillRef idx="0">
+            <a:schemeClr val="accent1"/>
+          </a:fillRef>
+          <a:effectRef idx="0">
+            <a:schemeClr val="accent1"/>
+          </a:effectRef>
+          <a:fontRef idx="minor">
+            <a:schemeClr val="tx1"/>
+          </a:fontRef>
+        </p:style>
+      </p:cxnSp>
+      <p:sp>
+        <p:nvSpPr>
+          <p:cNvPr id="47" name="Rechteck 46"/>
+          <p:cNvSpPr/>
+          <p:nvPr/>
+        </p:nvSpPr>
+        <p:spPr>
+          <a:xfrm>
+            <a:off x="7641533" y="4013623"/>
+            <a:ext cx="509286" cy="376035"/>
+          </a:xfrm>
+          <a:prstGeom prst="rect">
+            <a:avLst/>
+          </a:prstGeom>
+          <a:noFill/>
+          <a:ln>
+            <a:noFill/>
+          </a:ln>
+        </p:spPr>
+        <p:style>
+          <a:lnRef idx="2">
+            <a:schemeClr val="accent1">
+              <a:shade val="50000"/>
+            </a:schemeClr>
+          </a:lnRef>
+          <a:fillRef idx="1">
+            <a:schemeClr val="accent1"/>
+          </a:fillRef>
+          <a:effectRef idx="0">
+            <a:schemeClr val="accent1"/>
+          </a:effectRef>
+          <a:fontRef idx="minor">
+            <a:schemeClr val="lt1"/>
+          </a:fontRef>
+        </p:style>
+        <p:txBody>
+          <a:bodyPr rtlCol="0" anchor="ctr"/>
+          <a:lstStyle/>
+          <a:p>
+            <a:pPr algn="ctr"/>
+            <a:r>
+              <a:rPr lang="de-DE" sz="2400" dirty="0">
+                <a:solidFill>
+                  <a:schemeClr val="tx1"/>
+                </a:solidFill>
+              </a:rPr>
+              <a:t>?</a:t>
+            </a:r>
+          </a:p>
+        </p:txBody>
+      </p:sp>
+      <p:sp>
+        <p:nvSpPr>
+          <p:cNvPr id="48" name="Rechteck 47"/>
+          <p:cNvSpPr/>
+          <p:nvPr/>
+        </p:nvSpPr>
+        <p:spPr>
+          <a:xfrm>
+            <a:off x="7641533" y="4419846"/>
+            <a:ext cx="509286" cy="376035"/>
+          </a:xfrm>
+          <a:prstGeom prst="rect">
+            <a:avLst/>
+          </a:prstGeom>
+          <a:noFill/>
+          <a:ln>
+            <a:noFill/>
+          </a:ln>
+        </p:spPr>
+        <p:style>
+          <a:lnRef idx="2">
+            <a:schemeClr val="accent1">
+              <a:shade val="50000"/>
+            </a:schemeClr>
+          </a:lnRef>
+          <a:fillRef idx="1">
+            <a:schemeClr val="accent1"/>
+          </a:fillRef>
+          <a:effectRef idx="0">
+            <a:schemeClr val="accent1"/>
+          </a:effectRef>
+          <a:fontRef idx="minor">
+            <a:schemeClr val="lt1"/>
+          </a:fontRef>
+        </p:style>
+        <p:txBody>
+          <a:bodyPr rtlCol="0" anchor="ctr"/>
+          <a:lstStyle/>
+          <a:p>
+            <a:pPr algn="ctr"/>
+            <a:r>
+              <a:rPr lang="de-DE" sz="2400" dirty="0">
+                <a:solidFill>
+                  <a:schemeClr val="tx1"/>
+                </a:solidFill>
+              </a:rPr>
+              <a:t>?</a:t>
+            </a:r>
+          </a:p>
+        </p:txBody>
+      </p:sp>
+      <p:sp>
+        <p:nvSpPr>
+          <p:cNvPr id="49" name="Rechteck 48"/>
+          <p:cNvSpPr/>
+          <p:nvPr/>
+        </p:nvSpPr>
+        <p:spPr>
+          <a:xfrm>
+            <a:off x="7641533" y="4862510"/>
+            <a:ext cx="509286" cy="376035"/>
+          </a:xfrm>
+          <a:prstGeom prst="rect">
+            <a:avLst/>
+          </a:prstGeom>
+          <a:noFill/>
+          <a:ln>
+            <a:noFill/>
+          </a:ln>
+        </p:spPr>
+        <p:style>
+          <a:lnRef idx="2">
+            <a:schemeClr val="accent1">
+              <a:shade val="50000"/>
+            </a:schemeClr>
+          </a:lnRef>
+          <a:fillRef idx="1">
+            <a:schemeClr val="accent1"/>
+          </a:fillRef>
+          <a:effectRef idx="0">
+            <a:schemeClr val="accent1"/>
+          </a:effectRef>
+          <a:fontRef idx="minor">
+            <a:schemeClr val="lt1"/>
+          </a:fontRef>
+        </p:style>
+        <p:txBody>
+          <a:bodyPr rtlCol="0" anchor="ctr"/>
+          <a:lstStyle/>
+          <a:p>
+            <a:pPr algn="ctr"/>
+            <a:r>
+              <a:rPr lang="de-DE" sz="2400" dirty="0">
+                <a:solidFill>
+                  <a:schemeClr val="tx1"/>
+                </a:solidFill>
+              </a:rPr>
+              <a:t>?</a:t>
+            </a:r>
+          </a:p>
+        </p:txBody>
+      </p:sp>
+      <p:cxnSp>
+        <p:nvCxnSpPr>
+          <p:cNvPr id="51" name="Gerader Verbinder 50"/>
+          <p:cNvCxnSpPr/>
+          <p:nvPr/>
+        </p:nvCxnSpPr>
+        <p:spPr>
+          <a:xfrm>
+            <a:off x="5280297" y="4198820"/>
+            <a:ext cx="1215342" cy="1134319"/>
+          </a:xfrm>
+          <a:prstGeom prst="line">
+            <a:avLst/>
+          </a:prstGeom>
+          <a:ln>
+            <a:solidFill>
+              <a:schemeClr val="accent6"/>
+            </a:solidFill>
+          </a:ln>
+        </p:spPr>
+        <p:style>
+          <a:lnRef idx="1">
+            <a:schemeClr val="accent1"/>
+          </a:lnRef>
+          <a:fillRef idx="0">
+            <a:schemeClr val="accent1"/>
+          </a:fillRef>
+          <a:effectRef idx="0">
+            <a:schemeClr val="accent1"/>
+          </a:effectRef>
+          <a:fontRef idx="minor">
+            <a:schemeClr val="tx1"/>
+          </a:fontRef>
+        </p:style>
+      </p:cxnSp>
+      <p:cxnSp>
+        <p:nvCxnSpPr>
+          <p:cNvPr id="53" name="Gerader Verbinder 52"/>
+          <p:cNvCxnSpPr/>
+          <p:nvPr/>
+        </p:nvCxnSpPr>
+        <p:spPr>
+          <a:xfrm flipV="1">
+            <a:off x="5372895" y="4198820"/>
+            <a:ext cx="1122744" cy="1134319"/>
+          </a:xfrm>
+          <a:prstGeom prst="line">
+            <a:avLst/>
+          </a:prstGeom>
+          <a:ln>
+            <a:solidFill>
+              <a:schemeClr val="accent6"/>
+            </a:solidFill>
+          </a:ln>
+        </p:spPr>
+        <p:style>
+          <a:lnRef idx="1">
+            <a:schemeClr val="accent1"/>
+          </a:lnRef>
+          <a:fillRef idx="0">
+            <a:schemeClr val="accent1"/>
+          </a:fillRef>
+          <a:effectRef idx="0">
+            <a:schemeClr val="accent1"/>
+          </a:effectRef>
+          <a:fontRef idx="minor">
+            <a:schemeClr val="tx1"/>
+          </a:fontRef>
+        </p:style>
+      </p:cxnSp>
+      <p:grpSp>
+        <p:nvGrpSpPr>
+          <p:cNvPr id="3" name="Gruppieren 2" hidden="1"/>
+          <p:cNvGrpSpPr/>
+          <p:nvPr/>
+        </p:nvGrpSpPr>
+        <p:grpSpPr>
+          <a:xfrm>
+            <a:off x="7509344" y="1283294"/>
+            <a:ext cx="3804831" cy="1103599"/>
+            <a:chOff x="7789760" y="1338659"/>
+            <a:chExt cx="3804831" cy="1103599"/>
+          </a:xfrm>
+        </p:grpSpPr>
+        <p:sp>
+          <p:nvSpPr>
+            <p:cNvPr id="34" name="Rechteck 33"/>
+            <p:cNvSpPr/>
+            <p:nvPr/>
+          </p:nvSpPr>
+          <p:spPr>
+            <a:xfrm>
+              <a:off x="7789760" y="1527858"/>
+              <a:ext cx="3804831" cy="914400"/>
+            </a:xfrm>
+            <a:prstGeom prst="rect">
+              <a:avLst/>
+            </a:prstGeom>
+            <a:solidFill>
+              <a:schemeClr val="bg1"/>
+            </a:solidFill>
+          </p:spPr>
+          <p:style>
+            <a:lnRef idx="2">
+              <a:schemeClr val="accent1">
+                <a:shade val="50000"/>
+              </a:schemeClr>
+            </a:lnRef>
+            <a:fillRef idx="1">
+              <a:schemeClr val="accent1"/>
+            </a:fillRef>
+            <a:effectRef idx="0">
+              <a:schemeClr val="accent1"/>
+            </a:effectRef>
+            <a:fontRef idx="minor">
+              <a:schemeClr val="lt1"/>
+            </a:fontRef>
+          </p:style>
+          <p:txBody>
+            <a:bodyPr rtlCol="0" anchor="ctr"/>
+            <a:lstStyle/>
+            <a:p>
+              <a:r>
+                <a:rPr lang="de-DE" b="1" dirty="0">
+                  <a:solidFill>
+                    <a:schemeClr val="tx1"/>
+                  </a:solidFill>
+                </a:rPr>
+                <a:t>PRO</a:t>
+              </a:r>
+              <a:r>
+                <a:rPr lang="de-DE" dirty="0">
+                  <a:solidFill>
+                    <a:schemeClr val="tx1"/>
+                  </a:solidFill>
+                </a:rPr>
+                <a:t>: Keine Anpassungen am Rezept</a:t>
+              </a:r>
+            </a:p>
+            <a:p>
+              <a:r>
+                <a:rPr lang="de-DE" b="1" dirty="0">
+                  <a:solidFill>
+                    <a:schemeClr val="tx1"/>
+                  </a:solidFill>
+                </a:rPr>
+                <a:t>CONTRA</a:t>
+              </a:r>
+              <a:r>
+                <a:rPr lang="de-DE" dirty="0">
+                  <a:solidFill>
+                    <a:schemeClr val="tx1"/>
+                  </a:solidFill>
+                </a:rPr>
+                <a:t>: Hohe Kosten</a:t>
+              </a:r>
+            </a:p>
+          </p:txBody>
+        </p:sp>
+        <p:sp>
+          <p:nvSpPr>
+            <p:cNvPr id="24" name="Rechteck 23">
+              <a:extLst>
+                <a:ext uri="{FF2B5EF4-FFF2-40B4-BE49-F238E27FC236}">
+                  <a16:creationId xmlns:a16="http://schemas.microsoft.com/office/drawing/2014/main" id="{FCCEA108-686B-BB4F-95FB-4BCE5EB529F1}"/>
+                </a:ext>
+              </a:extLst>
+            </p:cNvPr>
+            <p:cNvSpPr/>
+            <p:nvPr/>
+          </p:nvSpPr>
+          <p:spPr>
+            <a:xfrm>
+              <a:off x="7911431" y="1338659"/>
+              <a:ext cx="1330106" cy="338027"/>
+            </a:xfrm>
+            <a:prstGeom prst="rect">
+              <a:avLst/>
+            </a:prstGeom>
+            <a:solidFill>
+              <a:schemeClr val="bg1"/>
+            </a:solidFill>
+            <a:ln>
+              <a:noFill/>
+            </a:ln>
+          </p:spPr>
+          <p:style>
+            <a:lnRef idx="2">
+              <a:schemeClr val="accent1">
+                <a:shade val="50000"/>
+              </a:schemeClr>
+            </a:lnRef>
+            <a:fillRef idx="1">
+              <a:schemeClr val="accent1"/>
+            </a:fillRef>
+            <a:effectRef idx="0">
+              <a:schemeClr val="accent1"/>
+            </a:effectRef>
+            <a:fontRef idx="minor">
+              <a:schemeClr val="lt1"/>
+            </a:fontRef>
+          </p:style>
+          <p:txBody>
+            <a:bodyPr rtlCol="0" anchor="ctr"/>
+            <a:lstStyle/>
+            <a:p>
+              <a:r>
+                <a:rPr lang="de-DE" b="1" dirty="0">
+                  <a:solidFill>
+                    <a:schemeClr val="accent4"/>
+                  </a:solidFill>
+                </a:rPr>
+                <a:t>Leihmodul</a:t>
+              </a:r>
+            </a:p>
+          </p:txBody>
+        </p:sp>
+      </p:grpSp>
+      <p:grpSp>
+        <p:nvGrpSpPr>
+          <p:cNvPr id="7" name="Gruppieren 6" hidden="1">
             <a:extLst>
               <a:ext uri="{FF2B5EF4-FFF2-40B4-BE49-F238E27FC236}">
-                <a16:creationId xmlns:a16="http://schemas.microsoft.com/office/drawing/2014/main" xmlns="" id="{4464FDF8-1C7E-404D-B624-B587D456B8B9}"/>
+                <a16:creationId xmlns:a16="http://schemas.microsoft.com/office/drawing/2014/main" id="{4524C733-E4A0-094C-8136-9DE1ABF03809}"/>
               </a:ext>
             </a:extLst>
           </p:cNvPr>
-          <p:cNvSpPr>
-            <a:spLocks noGrp="1"/>
-          </p:cNvSpPr>
-          <p:nvPr>
-            <p:ph sz="quarter" idx="10"/>
-          </p:nvPr>
-        </p:nvSpPr>
-        <p:spPr/>
-        <p:txBody>
-          <a:bodyPr/>
-          <a:lstStyle/>
-          <a:p>
-            <a:endParaRPr lang="de-DE" dirty="0"/>
-          </a:p>
-        </p:txBody>
-      </p:sp>
+          <p:cNvGrpSpPr/>
+          <p:nvPr/>
+        </p:nvGrpSpPr>
+        <p:grpSpPr>
+          <a:xfrm>
+            <a:off x="7509344" y="2738459"/>
+            <a:ext cx="3804831" cy="1065092"/>
+            <a:chOff x="7789761" y="2789136"/>
+            <a:chExt cx="3804831" cy="1065092"/>
+          </a:xfrm>
+        </p:grpSpPr>
+        <p:sp>
+          <p:nvSpPr>
+            <p:cNvPr id="35" name="Rechteck 34"/>
+            <p:cNvSpPr/>
+            <p:nvPr/>
+          </p:nvSpPr>
+          <p:spPr>
+            <a:xfrm>
+              <a:off x="7789761" y="2939828"/>
+              <a:ext cx="3804831" cy="914400"/>
+            </a:xfrm>
+            <a:prstGeom prst="rect">
+              <a:avLst/>
+            </a:prstGeom>
+            <a:solidFill>
+              <a:schemeClr val="bg1"/>
+            </a:solidFill>
+          </p:spPr>
+          <p:style>
+            <a:lnRef idx="2">
+              <a:schemeClr val="accent1">
+                <a:shade val="50000"/>
+              </a:schemeClr>
+            </a:lnRef>
+            <a:fillRef idx="1">
+              <a:schemeClr val="accent1"/>
+            </a:fillRef>
+            <a:effectRef idx="0">
+              <a:schemeClr val="accent1"/>
+            </a:effectRef>
+            <a:fontRef idx="minor">
+              <a:schemeClr val="lt1"/>
+            </a:fontRef>
+          </p:style>
+          <p:txBody>
+            <a:bodyPr rtlCol="0" anchor="ctr"/>
+            <a:lstStyle/>
+            <a:p>
+              <a:r>
+                <a:rPr lang="de-DE" b="1" dirty="0">
+                  <a:solidFill>
+                    <a:schemeClr val="tx1"/>
+                  </a:solidFill>
+                </a:rPr>
+                <a:t>PRO: </a:t>
+              </a:r>
+              <a:r>
+                <a:rPr lang="de-DE" dirty="0">
+                  <a:solidFill>
+                    <a:schemeClr val="tx1"/>
+                  </a:solidFill>
+                </a:rPr>
+                <a:t>Funktioniert, geringe Kosten</a:t>
+              </a:r>
+            </a:p>
+            <a:p>
+              <a:r>
+                <a:rPr lang="de-DE" b="1" dirty="0">
+                  <a:solidFill>
+                    <a:schemeClr val="tx1"/>
+                  </a:solidFill>
+                </a:rPr>
+                <a:t>CONTRA</a:t>
+              </a:r>
+              <a:r>
+                <a:rPr lang="de-DE" dirty="0">
+                  <a:solidFill>
+                    <a:schemeClr val="tx1"/>
+                  </a:solidFill>
+                </a:rPr>
+                <a:t>: Hoher Energieverbrauch</a:t>
+              </a:r>
+            </a:p>
+          </p:txBody>
+        </p:sp>
+        <p:sp>
+          <p:nvSpPr>
+            <p:cNvPr id="25" name="Rechteck 24">
+              <a:extLst>
+                <a:ext uri="{FF2B5EF4-FFF2-40B4-BE49-F238E27FC236}">
+                  <a16:creationId xmlns:a16="http://schemas.microsoft.com/office/drawing/2014/main" id="{FCCEA108-686B-BB4F-95FB-4BCE5EB529F1}"/>
+                </a:ext>
+              </a:extLst>
+            </p:cNvPr>
+            <p:cNvSpPr/>
+            <p:nvPr/>
+          </p:nvSpPr>
+          <p:spPr>
+            <a:xfrm>
+              <a:off x="7911431" y="2789136"/>
+              <a:ext cx="1525178" cy="338027"/>
+            </a:xfrm>
+            <a:prstGeom prst="rect">
+              <a:avLst/>
+            </a:prstGeom>
+            <a:solidFill>
+              <a:schemeClr val="bg1"/>
+            </a:solidFill>
+            <a:ln>
+              <a:noFill/>
+            </a:ln>
+          </p:spPr>
+          <p:style>
+            <a:lnRef idx="2">
+              <a:schemeClr val="accent1">
+                <a:shade val="50000"/>
+              </a:schemeClr>
+            </a:lnRef>
+            <a:fillRef idx="1">
+              <a:schemeClr val="accent1"/>
+            </a:fillRef>
+            <a:effectRef idx="0">
+              <a:schemeClr val="accent1"/>
+            </a:effectRef>
+            <a:fontRef idx="minor">
+              <a:schemeClr val="lt1"/>
+            </a:fontRef>
+          </p:style>
+          <p:txBody>
+            <a:bodyPr rtlCol="0" anchor="ctr"/>
+            <a:lstStyle/>
+            <a:p>
+              <a:r>
+                <a:rPr lang="de-DE" b="1" dirty="0">
+                  <a:solidFill>
+                    <a:schemeClr val="accent4"/>
+                  </a:solidFill>
+                </a:rPr>
+                <a:t>Altes Modul</a:t>
+              </a:r>
+            </a:p>
+          </p:txBody>
+        </p:sp>
+      </p:grpSp>
+      <p:grpSp>
+        <p:nvGrpSpPr>
+          <p:cNvPr id="8" name="Gruppieren 7" hidden="1">
+            <a:extLst>
+              <a:ext uri="{FF2B5EF4-FFF2-40B4-BE49-F238E27FC236}">
+                <a16:creationId xmlns:a16="http://schemas.microsoft.com/office/drawing/2014/main" id="{6A103FCA-854C-C04E-BB87-A0BCEB37CB2A}"/>
+              </a:ext>
+            </a:extLst>
+          </p:cNvPr>
+          <p:cNvGrpSpPr/>
+          <p:nvPr/>
+        </p:nvGrpSpPr>
+        <p:grpSpPr>
+          <a:xfrm>
+            <a:off x="7509344" y="4155117"/>
+            <a:ext cx="3804830" cy="1227111"/>
+            <a:chOff x="7789762" y="4155117"/>
+            <a:chExt cx="3804830" cy="1227111"/>
+          </a:xfrm>
+        </p:grpSpPr>
+        <p:sp>
+          <p:nvSpPr>
+            <p:cNvPr id="36" name="Rechteck 35"/>
+            <p:cNvSpPr/>
+            <p:nvPr/>
+          </p:nvSpPr>
+          <p:spPr>
+            <a:xfrm>
+              <a:off x="7789762" y="4351798"/>
+              <a:ext cx="3804830" cy="1030430"/>
+            </a:xfrm>
+            <a:prstGeom prst="rect">
+              <a:avLst/>
+            </a:prstGeom>
+            <a:solidFill>
+              <a:schemeClr val="bg1"/>
+            </a:solidFill>
+          </p:spPr>
+          <p:style>
+            <a:lnRef idx="2">
+              <a:schemeClr val="accent1">
+                <a:shade val="50000"/>
+              </a:schemeClr>
+            </a:lnRef>
+            <a:fillRef idx="1">
+              <a:schemeClr val="accent1"/>
+            </a:fillRef>
+            <a:effectRef idx="0">
+              <a:schemeClr val="accent1"/>
+            </a:effectRef>
+            <a:fontRef idx="minor">
+              <a:schemeClr val="lt1"/>
+            </a:fontRef>
+          </p:style>
+          <p:txBody>
+            <a:bodyPr rtlCol="0" anchor="ctr"/>
+            <a:lstStyle/>
+            <a:p>
+              <a:r>
+                <a:rPr lang="de-DE" b="1" dirty="0">
+                  <a:solidFill>
+                    <a:schemeClr val="tx1"/>
+                  </a:solidFill>
+                </a:rPr>
+                <a:t>PRO</a:t>
+              </a:r>
+              <a:r>
+                <a:rPr lang="de-DE" dirty="0">
+                  <a:solidFill>
+                    <a:schemeClr val="tx1"/>
+                  </a:solidFill>
+                </a:rPr>
+                <a:t>: Geringer Energieverbrauch</a:t>
+              </a:r>
+            </a:p>
+            <a:p>
+              <a:r>
+                <a:rPr lang="de-DE" b="1" dirty="0">
+                  <a:solidFill>
+                    <a:schemeClr val="tx1"/>
+                  </a:solidFill>
+                </a:rPr>
+                <a:t>CONTRA</a:t>
+              </a:r>
+              <a:r>
+                <a:rPr lang="de-DE" dirty="0">
+                  <a:solidFill>
+                    <a:schemeClr val="tx1"/>
+                  </a:solidFill>
+                </a:rPr>
+                <a:t>: Viele Anpassungen am Rezept</a:t>
+              </a:r>
+            </a:p>
+          </p:txBody>
+        </p:sp>
+        <p:sp>
+          <p:nvSpPr>
+            <p:cNvPr id="26" name="Rechteck 25">
+              <a:extLst>
+                <a:ext uri="{FF2B5EF4-FFF2-40B4-BE49-F238E27FC236}">
+                  <a16:creationId xmlns:a16="http://schemas.microsoft.com/office/drawing/2014/main" id="{FCCEA108-686B-BB4F-95FB-4BCE5EB529F1}"/>
+                </a:ext>
+              </a:extLst>
+            </p:cNvPr>
+            <p:cNvSpPr/>
+            <p:nvPr/>
+          </p:nvSpPr>
+          <p:spPr>
+            <a:xfrm>
+              <a:off x="7911430" y="4155117"/>
+              <a:ext cx="1622713" cy="338027"/>
+            </a:xfrm>
+            <a:prstGeom prst="rect">
+              <a:avLst/>
+            </a:prstGeom>
+            <a:solidFill>
+              <a:schemeClr val="bg1"/>
+            </a:solidFill>
+            <a:ln>
+              <a:noFill/>
+            </a:ln>
+          </p:spPr>
+          <p:style>
+            <a:lnRef idx="2">
+              <a:schemeClr val="accent1">
+                <a:shade val="50000"/>
+              </a:schemeClr>
+            </a:lnRef>
+            <a:fillRef idx="1">
+              <a:schemeClr val="accent1"/>
+            </a:fillRef>
+            <a:effectRef idx="0">
+              <a:schemeClr val="accent1"/>
+            </a:effectRef>
+            <a:fontRef idx="minor">
+              <a:schemeClr val="lt1"/>
+            </a:fontRef>
+          </p:style>
+          <p:txBody>
+            <a:bodyPr rtlCol="0" anchor="ctr"/>
+            <a:lstStyle/>
+            <a:p>
+              <a:r>
+                <a:rPr lang="de-DE" b="1" dirty="0">
+                  <a:solidFill>
+                    <a:schemeClr val="accent4"/>
+                  </a:solidFill>
+                </a:rPr>
+                <a:t>Neues Modul</a:t>
+              </a:r>
+            </a:p>
+          </p:txBody>
+        </p:sp>
+      </p:grpSp>
+      <p:grpSp>
+        <p:nvGrpSpPr>
+          <p:cNvPr id="30" name="Gruppieren 29">
+            <a:extLst>
+              <a:ext uri="{FF2B5EF4-FFF2-40B4-BE49-F238E27FC236}">
+                <a16:creationId xmlns:a16="http://schemas.microsoft.com/office/drawing/2014/main" id="{64401E1E-557D-5D4F-AE09-187A0802411B}"/>
+              </a:ext>
+            </a:extLst>
+          </p:cNvPr>
+          <p:cNvGrpSpPr/>
+          <p:nvPr/>
+        </p:nvGrpSpPr>
+        <p:grpSpPr>
+          <a:xfrm>
+            <a:off x="874710" y="1274523"/>
+            <a:ext cx="3045670" cy="3966812"/>
+            <a:chOff x="1780029" y="1414270"/>
+            <a:chExt cx="3045670" cy="3812070"/>
+          </a:xfrm>
+        </p:grpSpPr>
+        <p:sp>
+          <p:nvSpPr>
+            <p:cNvPr id="31" name="Rechteck 30">
+              <a:extLst>
+                <a:ext uri="{FF2B5EF4-FFF2-40B4-BE49-F238E27FC236}">
+                  <a16:creationId xmlns:a16="http://schemas.microsoft.com/office/drawing/2014/main" id="{35A0EAB9-4039-6448-AC03-B60DE38901D0}"/>
+                </a:ext>
+              </a:extLst>
+            </p:cNvPr>
+            <p:cNvSpPr/>
+            <p:nvPr/>
+          </p:nvSpPr>
+          <p:spPr>
+            <a:xfrm>
+              <a:off x="1780029" y="1583283"/>
+              <a:ext cx="3045670" cy="3643057"/>
+            </a:xfrm>
+            <a:prstGeom prst="rect">
+              <a:avLst/>
+            </a:prstGeom>
+            <a:solidFill>
+              <a:schemeClr val="bg1"/>
+            </a:solidFill>
+          </p:spPr>
+          <p:style>
+            <a:lnRef idx="2">
+              <a:schemeClr val="accent1">
+                <a:shade val="50000"/>
+              </a:schemeClr>
+            </a:lnRef>
+            <a:fillRef idx="1">
+              <a:schemeClr val="accent1"/>
+            </a:fillRef>
+            <a:effectRef idx="0">
+              <a:schemeClr val="accent1"/>
+            </a:effectRef>
+            <a:fontRef idx="minor">
+              <a:schemeClr val="lt1"/>
+            </a:fontRef>
+          </p:style>
+          <p:txBody>
+            <a:bodyPr tIns="251999" rtlCol="0" anchor="t"/>
+            <a:lstStyle/>
+            <a:p>
+              <a:pPr marL="285750" indent="-285750">
+                <a:buFont typeface="Arial" panose="020B0604020202020204" pitchFamily="34" charset="0"/>
+                <a:buChar char="•"/>
+              </a:pPr>
+              <a:r>
+                <a:rPr lang="de-DE" sz="1600" dirty="0">
+                  <a:solidFill>
+                    <a:schemeClr val="tx1"/>
+                  </a:solidFill>
+                </a:rPr>
+                <a:t>Dauer der Wartung: 2 Tage</a:t>
+              </a:r>
+            </a:p>
+            <a:p>
+              <a:pPr marL="285750" indent="-285750">
+                <a:buFont typeface="Arial" panose="020B0604020202020204" pitchFamily="34" charset="0"/>
+                <a:buChar char="•"/>
+              </a:pPr>
+              <a:endParaRPr lang="de-DE" sz="1600" dirty="0">
+                <a:solidFill>
+                  <a:schemeClr val="tx1"/>
+                </a:solidFill>
+              </a:endParaRPr>
+            </a:p>
+            <a:p>
+              <a:pPr marL="285750" indent="-285750">
+                <a:buFont typeface="Arial" panose="020B0604020202020204" pitchFamily="34" charset="0"/>
+                <a:buChar char="•"/>
+              </a:pPr>
+              <a:r>
+                <a:rPr lang="de-DE" sz="1600" dirty="0">
+                  <a:solidFill>
+                    <a:schemeClr val="tx1"/>
+                  </a:solidFill>
+                </a:rPr>
+                <a:t>Bedingungen:</a:t>
+              </a:r>
+            </a:p>
+            <a:p>
+              <a:pPr marL="697230" lvl="1" indent="-285750">
+                <a:buFont typeface="Arial" panose="020B0604020202020204" pitchFamily="34" charset="0"/>
+                <a:buChar char="•"/>
+              </a:pPr>
+              <a:r>
+                <a:rPr lang="de-DE" sz="1600" dirty="0">
+                  <a:solidFill>
+                    <a:schemeClr val="tx1"/>
+                  </a:solidFill>
+                </a:rPr>
+                <a:t>Maximale Stillstandzeit:</a:t>
+              </a:r>
+              <a:br>
+                <a:rPr lang="de-DE" sz="1600" dirty="0">
+                  <a:solidFill>
+                    <a:schemeClr val="tx1"/>
+                  </a:solidFill>
+                </a:rPr>
+              </a:br>
+              <a:r>
+                <a:rPr lang="de-DE" sz="1600" dirty="0">
+                  <a:solidFill>
+                    <a:schemeClr val="tx1"/>
+                  </a:solidFill>
+                </a:rPr>
+                <a:t>3 Stunden</a:t>
+              </a:r>
+            </a:p>
+            <a:p>
+              <a:pPr marL="697230" lvl="1" indent="-285750">
+                <a:buFont typeface="Arial" panose="020B0604020202020204" pitchFamily="34" charset="0"/>
+                <a:buChar char="•"/>
+              </a:pPr>
+              <a:r>
+                <a:rPr lang="de-DE" sz="1600" dirty="0">
+                  <a:solidFill>
+                    <a:schemeClr val="tx1"/>
+                  </a:solidFill>
+                </a:rPr>
+                <a:t>Wartung in 7 Tagen</a:t>
+              </a:r>
+            </a:p>
+            <a:p>
+              <a:pPr marL="285750" indent="-285750">
+                <a:buFont typeface="Arial" panose="020B0604020202020204" pitchFamily="34" charset="0"/>
+                <a:buChar char="•"/>
+              </a:pPr>
+              <a:endParaRPr lang="de-DE" sz="1600" dirty="0">
+                <a:solidFill>
+                  <a:schemeClr val="tx1"/>
+                </a:solidFill>
+              </a:endParaRPr>
+            </a:p>
+            <a:p>
+              <a:pPr marL="285750" indent="-285750">
+                <a:buFont typeface="Arial" panose="020B0604020202020204" pitchFamily="34" charset="0"/>
+                <a:buChar char="•"/>
+              </a:pPr>
+              <a:endParaRPr lang="de-DE" sz="1600" dirty="0">
+                <a:solidFill>
+                  <a:schemeClr val="tx1"/>
+                </a:solidFill>
+              </a:endParaRPr>
+            </a:p>
+            <a:p>
+              <a:pPr marL="285750" indent="-285750">
+                <a:buFont typeface="Arial" panose="020B0604020202020204" pitchFamily="34" charset="0"/>
+                <a:buChar char="•"/>
+              </a:pPr>
+              <a:r>
+                <a:rPr lang="de-DE" sz="1600" dirty="0">
+                  <a:solidFill>
+                    <a:schemeClr val="tx1"/>
+                  </a:solidFill>
+                </a:rPr>
+                <a:t>Was ist die beste Lösung?</a:t>
+              </a:r>
+            </a:p>
+          </p:txBody>
+        </p:sp>
+        <p:sp>
+          <p:nvSpPr>
+            <p:cNvPr id="32" name="Rechteck 31">
+              <a:extLst>
+                <a:ext uri="{FF2B5EF4-FFF2-40B4-BE49-F238E27FC236}">
+                  <a16:creationId xmlns:a16="http://schemas.microsoft.com/office/drawing/2014/main" id="{FCCEA108-686B-BB4F-95FB-4BCE5EB529F1}"/>
+                </a:ext>
+              </a:extLst>
+            </p:cNvPr>
+            <p:cNvSpPr/>
+            <p:nvPr/>
+          </p:nvSpPr>
+          <p:spPr>
+            <a:xfrm>
+              <a:off x="1977038" y="1414270"/>
+              <a:ext cx="2620605" cy="338027"/>
+            </a:xfrm>
+            <a:prstGeom prst="rect">
+              <a:avLst/>
+            </a:prstGeom>
+            <a:solidFill>
+              <a:schemeClr val="bg1"/>
+            </a:solidFill>
+            <a:ln>
+              <a:noFill/>
+            </a:ln>
+          </p:spPr>
+          <p:style>
+            <a:lnRef idx="2">
+              <a:schemeClr val="accent1">
+                <a:shade val="50000"/>
+              </a:schemeClr>
+            </a:lnRef>
+            <a:fillRef idx="1">
+              <a:schemeClr val="accent1"/>
+            </a:fillRef>
+            <a:effectRef idx="0">
+              <a:schemeClr val="accent1"/>
+            </a:effectRef>
+            <a:fontRef idx="minor">
+              <a:schemeClr val="lt1"/>
+            </a:fontRef>
+          </p:style>
+          <p:txBody>
+            <a:bodyPr rtlCol="0" anchor="ctr"/>
+            <a:lstStyle/>
+            <a:p>
+              <a:r>
+                <a:rPr lang="de-DE" b="1" dirty="0">
+                  <a:solidFill>
+                    <a:schemeClr val="accent4"/>
+                  </a:solidFill>
+                </a:rPr>
+                <a:t>Wartung Modul </a:t>
+              </a:r>
+              <a:r>
+                <a:rPr lang="de-DE" b="1" dirty="0" err="1">
+                  <a:solidFill>
+                    <a:schemeClr val="accent4"/>
+                  </a:solidFill>
+                </a:rPr>
+                <a:t>Temper</a:t>
+              </a:r>
+              <a:endParaRPr lang="de-DE" b="1" dirty="0">
+                <a:solidFill>
+                  <a:schemeClr val="accent4"/>
+                </a:solidFill>
+              </a:endParaRPr>
+            </a:p>
+          </p:txBody>
+        </p:sp>
+      </p:grpSp>
     </p:spTree>
     <p:extLst>
       <p:ext uri="{BB962C8B-B14F-4D97-AF65-F5344CB8AC3E}">
-        <p14:creationId xmlns:p14="http://schemas.microsoft.com/office/powerpoint/2010/main" val="4254231413"/>
+        <p14:creationId xmlns:p14="http://schemas.microsoft.com/office/powerpoint/2010/main" val="3972372377"/>
       </p:ext>
     </p:extLst>
   </p:cSld>
@@ -13750,7 +15369,7 @@
           <p:cNvPr id="2" name="Titel 1">
             <a:extLst>
               <a:ext uri="{FF2B5EF4-FFF2-40B4-BE49-F238E27FC236}">
-                <a16:creationId xmlns:a16="http://schemas.microsoft.com/office/drawing/2014/main" xmlns="" id="{486C50CA-1F3A-EF43-9380-876C137AD8EC}"/>
+                <a16:creationId xmlns:a16="http://schemas.microsoft.com/office/drawing/2014/main" id="{486C50CA-1F3A-EF43-9380-876C137AD8EC}"/>
               </a:ext>
             </a:extLst>
           </p:cNvPr>
@@ -13778,7 +15397,7 @@
           <p:cNvPr id="3" name="Inhaltsplatzhalter 2">
             <a:extLst>
               <a:ext uri="{FF2B5EF4-FFF2-40B4-BE49-F238E27FC236}">
-                <a16:creationId xmlns:a16="http://schemas.microsoft.com/office/drawing/2014/main" xmlns="" id="{ABD8A889-EFEB-F24E-8415-CFB9A520769E}"/>
+                <a16:creationId xmlns:a16="http://schemas.microsoft.com/office/drawing/2014/main" id="{ABD8A889-EFEB-F24E-8415-CFB9A520769E}"/>
               </a:ext>
             </a:extLst>
           </p:cNvPr>
@@ -17670,7 +19289,7 @@
           <p:cNvPr id="12" name="Gruppieren 11">
             <a:extLst>
               <a:ext uri="{FF2B5EF4-FFF2-40B4-BE49-F238E27FC236}">
-                <a16:creationId xmlns:a16="http://schemas.microsoft.com/office/drawing/2014/main" xmlns="" id="{EA0A8815-E75B-6046-B394-2A918B180A1D}"/>
+                <a16:creationId xmlns:a16="http://schemas.microsoft.com/office/drawing/2014/main" id="{EA0A8815-E75B-6046-B394-2A918B180A1D}"/>
               </a:ext>
             </a:extLst>
           </p:cNvPr>
@@ -17690,7 +19309,7 @@
             <p:cNvPr id="13" name="Rechteck 12">
               <a:extLst>
                 <a:ext uri="{FF2B5EF4-FFF2-40B4-BE49-F238E27FC236}">
-                  <a16:creationId xmlns:a16="http://schemas.microsoft.com/office/drawing/2014/main" xmlns="" id="{C6DACD2C-9288-2743-8000-2D2B960374D2}"/>
+                  <a16:creationId xmlns:a16="http://schemas.microsoft.com/office/drawing/2014/main" id="{C6DACD2C-9288-2743-8000-2D2B960374D2}"/>
                 </a:ext>
               </a:extLst>
             </p:cNvPr>
@@ -17782,7 +19401,7 @@
             <p:cNvPr id="14" name="Rechteck 13">
               <a:extLst>
                 <a:ext uri="{FF2B5EF4-FFF2-40B4-BE49-F238E27FC236}">
-                  <a16:creationId xmlns:a16="http://schemas.microsoft.com/office/drawing/2014/main" xmlns="" id="{8A961849-3F67-574C-9B6D-E3BC3038B489}"/>
+                  <a16:creationId xmlns:a16="http://schemas.microsoft.com/office/drawing/2014/main" id="{8A961849-3F67-574C-9B6D-E3BC3038B489}"/>
                 </a:ext>
               </a:extLst>
             </p:cNvPr>
@@ -17841,7 +19460,7 @@
           <p:cNvPr id="15" name="Gruppieren 14">
             <a:extLst>
               <a:ext uri="{FF2B5EF4-FFF2-40B4-BE49-F238E27FC236}">
-                <a16:creationId xmlns:a16="http://schemas.microsoft.com/office/drawing/2014/main" xmlns="" id="{A88F0E40-A3C2-8A49-B01C-D43BDE29765D}"/>
+                <a16:creationId xmlns:a16="http://schemas.microsoft.com/office/drawing/2014/main" id="{A88F0E40-A3C2-8A49-B01C-D43BDE29765D}"/>
               </a:ext>
             </a:extLst>
           </p:cNvPr>
@@ -17861,7 +19480,7 @@
             <p:cNvPr id="16" name="Rechteck 15">
               <a:extLst>
                 <a:ext uri="{FF2B5EF4-FFF2-40B4-BE49-F238E27FC236}">
-                  <a16:creationId xmlns:a16="http://schemas.microsoft.com/office/drawing/2014/main" xmlns="" id="{18E7CC15-3520-4B45-A599-D8A2FCD6071C}"/>
+                  <a16:creationId xmlns:a16="http://schemas.microsoft.com/office/drawing/2014/main" id="{18E7CC15-3520-4B45-A599-D8A2FCD6071C}"/>
                 </a:ext>
               </a:extLst>
             </p:cNvPr>
@@ -18056,7 +19675,7 @@
             <p:cNvPr id="17" name="Rechteck 16">
               <a:extLst>
                 <a:ext uri="{FF2B5EF4-FFF2-40B4-BE49-F238E27FC236}">
-                  <a16:creationId xmlns:a16="http://schemas.microsoft.com/office/drawing/2014/main" xmlns="" id="{9CA4E624-C249-DD44-95E5-805EF9DA78B4}"/>
+                  <a16:creationId xmlns:a16="http://schemas.microsoft.com/office/drawing/2014/main" id="{9CA4E624-C249-DD44-95E5-805EF9DA78B4}"/>
                 </a:ext>
               </a:extLst>
             </p:cNvPr>
@@ -18115,7 +19734,7 @@
           <p:cNvPr id="18" name="Gruppieren 17">
             <a:extLst>
               <a:ext uri="{FF2B5EF4-FFF2-40B4-BE49-F238E27FC236}">
-                <a16:creationId xmlns:a16="http://schemas.microsoft.com/office/drawing/2014/main" xmlns="" id="{14C33807-8E01-ED45-97CC-799667FE8E29}"/>
+                <a16:creationId xmlns:a16="http://schemas.microsoft.com/office/drawing/2014/main" id="{14C33807-8E01-ED45-97CC-799667FE8E29}"/>
               </a:ext>
             </a:extLst>
           </p:cNvPr>
@@ -18135,7 +19754,7 @@
             <p:cNvPr id="19" name="Rechteck 18">
               <a:extLst>
                 <a:ext uri="{FF2B5EF4-FFF2-40B4-BE49-F238E27FC236}">
-                  <a16:creationId xmlns:a16="http://schemas.microsoft.com/office/drawing/2014/main" xmlns="" id="{ADE0619D-3F85-424E-9F9E-D202B0D54706}"/>
+                  <a16:creationId xmlns:a16="http://schemas.microsoft.com/office/drawing/2014/main" id="{ADE0619D-3F85-424E-9F9E-D202B0D54706}"/>
                 </a:ext>
               </a:extLst>
             </p:cNvPr>
@@ -18328,7 +19947,7 @@
             <p:cNvPr id="20" name="Rechteck 19">
               <a:extLst>
                 <a:ext uri="{FF2B5EF4-FFF2-40B4-BE49-F238E27FC236}">
-                  <a16:creationId xmlns:a16="http://schemas.microsoft.com/office/drawing/2014/main" xmlns="" id="{C56BD12A-0269-3F42-B860-ADC924159D2D}"/>
+                  <a16:creationId xmlns:a16="http://schemas.microsoft.com/office/drawing/2014/main" id="{C56BD12A-0269-3F42-B860-ADC924159D2D}"/>
                 </a:ext>
               </a:extLst>
             </p:cNvPr>
@@ -18428,1065 +20047,18 @@
           <a:lstStyle/>
           <a:p>
             <a:r>
-              <a:rPr lang="de-DE" dirty="0" err="1"/>
-              <a:t>Use</a:t>
-            </a:r>
-            <a:r>
               <a:rPr lang="de-DE" dirty="0"/>
-              <a:t> Case</a:t>
+              <a:t>Für die Problemlösung benötigt der Nutzer eine Vielzahl an Informationen…</a:t>
             </a:r>
           </a:p>
         </p:txBody>
       </p:sp>
-      <p:sp>
-        <p:nvSpPr>
-          <p:cNvPr id="4" name="Rechteck 3"/>
-          <p:cNvSpPr/>
-          <p:nvPr/>
-        </p:nvSpPr>
-        <p:spPr>
-          <a:xfrm>
-            <a:off x="5773001" y="1527858"/>
-            <a:ext cx="914400" cy="914400"/>
-          </a:xfrm>
-          <a:prstGeom prst="rect">
-            <a:avLst/>
-          </a:prstGeom>
-          <a:solidFill>
-            <a:schemeClr val="bg1"/>
-          </a:solidFill>
-          <a:ln w="38100">
-            <a:solidFill>
-              <a:schemeClr val="tx1"/>
-            </a:solidFill>
-          </a:ln>
-        </p:spPr>
-        <p:style>
-          <a:lnRef idx="2">
-            <a:schemeClr val="accent1">
-              <a:shade val="50000"/>
-            </a:schemeClr>
-          </a:lnRef>
-          <a:fillRef idx="1">
-            <a:schemeClr val="accent1"/>
-          </a:fillRef>
-          <a:effectRef idx="0">
-            <a:schemeClr val="accent1"/>
-          </a:effectRef>
-          <a:fontRef idx="minor">
-            <a:schemeClr val="lt1"/>
-          </a:fontRef>
-        </p:style>
-        <p:txBody>
-          <a:bodyPr rtlCol="0" anchor="ctr"/>
-          <a:lstStyle/>
-          <a:p>
-            <a:pPr algn="ctr"/>
-            <a:r>
-              <a:rPr lang="de-DE" sz="1600" dirty="0">
-                <a:solidFill>
-                  <a:schemeClr val="tx1"/>
-                </a:solidFill>
-              </a:rPr>
-              <a:t>Dose</a:t>
-            </a:r>
-          </a:p>
-        </p:txBody>
-      </p:sp>
-      <p:sp>
-        <p:nvSpPr>
-          <p:cNvPr id="5" name="Rechteck 4"/>
-          <p:cNvSpPr/>
-          <p:nvPr/>
-        </p:nvSpPr>
-        <p:spPr>
-          <a:xfrm>
-            <a:off x="5773001" y="2939828"/>
-            <a:ext cx="914400" cy="914400"/>
-          </a:xfrm>
-          <a:prstGeom prst="rect">
-            <a:avLst/>
-          </a:prstGeom>
-          <a:solidFill>
-            <a:schemeClr val="bg1"/>
-          </a:solidFill>
-          <a:ln w="38100">
-            <a:solidFill>
-              <a:schemeClr val="tx1"/>
-            </a:solidFill>
-          </a:ln>
-        </p:spPr>
-        <p:style>
-          <a:lnRef idx="2">
-            <a:schemeClr val="accent1">
-              <a:shade val="50000"/>
-            </a:schemeClr>
-          </a:lnRef>
-          <a:fillRef idx="1">
-            <a:schemeClr val="accent1"/>
-          </a:fillRef>
-          <a:effectRef idx="0">
-            <a:schemeClr val="accent1"/>
-          </a:effectRef>
-          <a:fontRef idx="minor">
-            <a:schemeClr val="lt1"/>
-          </a:fontRef>
-        </p:style>
-        <p:txBody>
-          <a:bodyPr rtlCol="0" anchor="ctr"/>
-          <a:lstStyle/>
-          <a:p>
-            <a:pPr algn="ctr"/>
-            <a:r>
-              <a:rPr lang="de-DE" sz="1600" dirty="0" err="1">
-                <a:solidFill>
-                  <a:schemeClr val="tx1"/>
-                </a:solidFill>
-              </a:rPr>
-              <a:t>React</a:t>
-            </a:r>
-            <a:endParaRPr lang="de-DE" sz="1600" dirty="0">
-              <a:solidFill>
-                <a:schemeClr val="tx1"/>
-              </a:solidFill>
-            </a:endParaRPr>
-          </a:p>
-        </p:txBody>
-      </p:sp>
-      <p:sp>
-        <p:nvSpPr>
-          <p:cNvPr id="6" name="Rechteck 5"/>
-          <p:cNvSpPr/>
-          <p:nvPr/>
-        </p:nvSpPr>
-        <p:spPr>
-          <a:xfrm>
-            <a:off x="5773001" y="4351798"/>
-            <a:ext cx="914400" cy="914400"/>
-          </a:xfrm>
-          <a:prstGeom prst="rect">
-            <a:avLst/>
-          </a:prstGeom>
-          <a:solidFill>
-            <a:schemeClr val="bg1"/>
-          </a:solidFill>
-          <a:ln w="38100">
-            <a:solidFill>
-              <a:schemeClr val="tx1"/>
-            </a:solidFill>
-          </a:ln>
-        </p:spPr>
-        <p:style>
-          <a:lnRef idx="2">
-            <a:schemeClr val="accent1">
-              <a:shade val="50000"/>
-            </a:schemeClr>
-          </a:lnRef>
-          <a:fillRef idx="1">
-            <a:schemeClr val="accent1"/>
-          </a:fillRef>
-          <a:effectRef idx="0">
-            <a:schemeClr val="accent1"/>
-          </a:effectRef>
-          <a:fontRef idx="minor">
-            <a:schemeClr val="lt1"/>
-          </a:fontRef>
-        </p:style>
-        <p:txBody>
-          <a:bodyPr rtlCol="0" anchor="ctr"/>
-          <a:lstStyle/>
-          <a:p>
-            <a:pPr algn="ctr"/>
-            <a:r>
-              <a:rPr lang="de-DE" sz="1600" dirty="0" err="1">
-                <a:solidFill>
-                  <a:schemeClr val="tx1"/>
-                </a:solidFill>
-              </a:rPr>
-              <a:t>Temper</a:t>
-            </a:r>
-            <a:endParaRPr lang="de-DE" sz="1600" dirty="0">
-              <a:solidFill>
-                <a:schemeClr val="tx1"/>
-              </a:solidFill>
-            </a:endParaRPr>
-          </a:p>
-        </p:txBody>
-      </p:sp>
-      <p:cxnSp>
-        <p:nvCxnSpPr>
-          <p:cNvPr id="10" name="Gerader Verbinder 9"/>
-          <p:cNvCxnSpPr>
-            <a:stCxn id="4" idx="2"/>
-            <a:endCxn id="5" idx="0"/>
-          </p:cNvCxnSpPr>
-          <p:nvPr/>
-        </p:nvCxnSpPr>
-        <p:spPr>
-          <a:xfrm>
-            <a:off x="6230201" y="2442258"/>
-            <a:ext cx="0" cy="497570"/>
-          </a:xfrm>
-          <a:prstGeom prst="line">
-            <a:avLst/>
-          </a:prstGeom>
-          <a:ln w="38100">
-            <a:solidFill>
-              <a:schemeClr val="bg2"/>
-            </a:solidFill>
-            <a:headEnd type="oval"/>
-            <a:tailEnd type="oval"/>
-          </a:ln>
-        </p:spPr>
-        <p:style>
-          <a:lnRef idx="1">
-            <a:schemeClr val="accent1"/>
-          </a:lnRef>
-          <a:fillRef idx="0">
-            <a:schemeClr val="accent1"/>
-          </a:fillRef>
-          <a:effectRef idx="0">
-            <a:schemeClr val="accent1"/>
-          </a:effectRef>
-          <a:fontRef idx="minor">
-            <a:schemeClr val="tx1"/>
-          </a:fontRef>
-        </p:style>
-      </p:cxnSp>
-      <p:cxnSp>
-        <p:nvCxnSpPr>
-          <p:cNvPr id="14" name="Gewinkelte Verbindung 13"/>
-          <p:cNvCxnSpPr>
-            <a:endCxn id="4" idx="0"/>
-          </p:cNvCxnSpPr>
-          <p:nvPr/>
-        </p:nvCxnSpPr>
-        <p:spPr>
-          <a:xfrm rot="5400000" flipH="1" flipV="1">
-            <a:off x="5209863" y="2090997"/>
-            <a:ext cx="1583477" cy="457200"/>
-          </a:xfrm>
-          <a:prstGeom prst="bentConnector5">
-            <a:avLst>
-              <a:gd name="adj1" fmla="val 128"/>
-              <a:gd name="adj2" fmla="val -50000"/>
-              <a:gd name="adj3" fmla="val 114437"/>
-            </a:avLst>
-          </a:prstGeom>
-          <a:ln w="38100">
-            <a:solidFill>
-              <a:schemeClr val="bg2"/>
-            </a:solidFill>
-            <a:headEnd type="oval"/>
-            <a:tailEnd type="oval"/>
-          </a:ln>
-        </p:spPr>
-        <p:style>
-          <a:lnRef idx="1">
-            <a:schemeClr val="accent1"/>
-          </a:lnRef>
-          <a:fillRef idx="0">
-            <a:schemeClr val="accent1"/>
-          </a:fillRef>
-          <a:effectRef idx="0">
-            <a:schemeClr val="accent1"/>
-          </a:effectRef>
-          <a:fontRef idx="minor">
-            <a:schemeClr val="tx1"/>
-          </a:fontRef>
-        </p:style>
-      </p:cxnSp>
-      <p:cxnSp>
-        <p:nvCxnSpPr>
-          <p:cNvPr id="16" name="Gerader Verbinder 15"/>
-          <p:cNvCxnSpPr>
-            <a:stCxn id="5" idx="2"/>
-            <a:endCxn id="6" idx="0"/>
-          </p:cNvCxnSpPr>
-          <p:nvPr/>
-        </p:nvCxnSpPr>
-        <p:spPr>
-          <a:xfrm>
-            <a:off x="6230201" y="3854228"/>
-            <a:ext cx="0" cy="497570"/>
-          </a:xfrm>
-          <a:prstGeom prst="line">
-            <a:avLst/>
-          </a:prstGeom>
-          <a:ln w="38100">
-            <a:solidFill>
-              <a:schemeClr val="bg2"/>
-            </a:solidFill>
-            <a:headEnd type="oval"/>
-            <a:tailEnd type="oval"/>
-          </a:ln>
-        </p:spPr>
-        <p:style>
-          <a:lnRef idx="1">
-            <a:schemeClr val="accent1"/>
-          </a:lnRef>
-          <a:fillRef idx="0">
-            <a:schemeClr val="accent1"/>
-          </a:fillRef>
-          <a:effectRef idx="0">
-            <a:schemeClr val="accent1"/>
-          </a:effectRef>
-          <a:fontRef idx="minor">
-            <a:schemeClr val="tx1"/>
-          </a:fontRef>
-        </p:style>
-      </p:cxnSp>
-      <p:cxnSp>
-        <p:nvCxnSpPr>
-          <p:cNvPr id="20" name="Gewinkelte Verbindung 19"/>
-          <p:cNvCxnSpPr>
-            <a:stCxn id="6" idx="2"/>
-          </p:cNvCxnSpPr>
-          <p:nvPr/>
-        </p:nvCxnSpPr>
-        <p:spPr>
-          <a:xfrm rot="5400000" flipH="1" flipV="1">
-            <a:off x="5684190" y="4262988"/>
-            <a:ext cx="1549221" cy="457200"/>
-          </a:xfrm>
-          <a:prstGeom prst="bentConnector5">
-            <a:avLst>
-              <a:gd name="adj1" fmla="val -14756"/>
-              <a:gd name="adj2" fmla="val 161688"/>
-              <a:gd name="adj3" fmla="val 100208"/>
-            </a:avLst>
-          </a:prstGeom>
-          <a:ln w="38100">
-            <a:solidFill>
-              <a:schemeClr val="bg2"/>
-            </a:solidFill>
-            <a:headEnd type="oval"/>
-            <a:tailEnd type="oval"/>
-          </a:ln>
-        </p:spPr>
-        <p:style>
-          <a:lnRef idx="1">
-            <a:schemeClr val="accent1"/>
-          </a:lnRef>
-          <a:fillRef idx="0">
-            <a:schemeClr val="accent1"/>
-          </a:fillRef>
-          <a:effectRef idx="0">
-            <a:schemeClr val="accent1"/>
-          </a:effectRef>
-          <a:fontRef idx="minor">
-            <a:schemeClr val="tx1"/>
-          </a:fontRef>
-        </p:style>
-      </p:cxnSp>
-      <p:sp>
-        <p:nvSpPr>
-          <p:cNvPr id="21" name="Rechteck 20"/>
-          <p:cNvSpPr/>
-          <p:nvPr/>
-        </p:nvSpPr>
-        <p:spPr>
-          <a:xfrm>
-            <a:off x="10570242" y="1472493"/>
-            <a:ext cx="914400" cy="914400"/>
-          </a:xfrm>
-          <a:prstGeom prst="rect">
-            <a:avLst/>
-          </a:prstGeom>
-          <a:solidFill>
-            <a:schemeClr val="bg1"/>
-          </a:solidFill>
-          <a:ln w="38100">
-            <a:solidFill>
-              <a:schemeClr val="tx1"/>
-            </a:solidFill>
-          </a:ln>
-        </p:spPr>
-        <p:style>
-          <a:lnRef idx="2">
-            <a:schemeClr val="accent1">
-              <a:shade val="50000"/>
-            </a:schemeClr>
-          </a:lnRef>
-          <a:fillRef idx="1">
-            <a:schemeClr val="accent1"/>
-          </a:fillRef>
-          <a:effectRef idx="0">
-            <a:schemeClr val="accent1"/>
-          </a:effectRef>
-          <a:fontRef idx="minor">
-            <a:schemeClr val="lt1"/>
-          </a:fontRef>
-        </p:style>
-        <p:txBody>
-          <a:bodyPr rtlCol="0" anchor="ctr"/>
-          <a:lstStyle/>
-          <a:p>
-            <a:pPr algn="ctr"/>
-            <a:r>
-              <a:rPr lang="de-DE" sz="1600" dirty="0" err="1">
-                <a:solidFill>
-                  <a:schemeClr val="tx1"/>
-                </a:solidFill>
-              </a:rPr>
-              <a:t>Temper</a:t>
-            </a:r>
-            <a:endParaRPr lang="de-DE" sz="1600" dirty="0">
-              <a:solidFill>
-                <a:schemeClr val="tx1"/>
-              </a:solidFill>
-            </a:endParaRPr>
-          </a:p>
-          <a:p>
-            <a:pPr algn="ctr"/>
-            <a:r>
-              <a:rPr lang="de-DE" sz="1600" dirty="0">
-                <a:solidFill>
-                  <a:schemeClr val="tx1"/>
-                </a:solidFill>
-              </a:rPr>
-              <a:t>A</a:t>
-            </a:r>
-          </a:p>
-        </p:txBody>
-      </p:sp>
-      <p:sp>
-        <p:nvSpPr>
-          <p:cNvPr id="22" name="Rechteck 21"/>
-          <p:cNvSpPr/>
-          <p:nvPr/>
-        </p:nvSpPr>
-        <p:spPr>
-          <a:xfrm>
-            <a:off x="10570242" y="2884463"/>
-            <a:ext cx="914400" cy="914400"/>
-          </a:xfrm>
-          <a:prstGeom prst="rect">
-            <a:avLst/>
-          </a:prstGeom>
-          <a:solidFill>
-            <a:schemeClr val="bg1"/>
-          </a:solidFill>
-          <a:ln w="38100">
-            <a:solidFill>
-              <a:schemeClr val="tx1"/>
-            </a:solidFill>
-          </a:ln>
-        </p:spPr>
-        <p:style>
-          <a:lnRef idx="2">
-            <a:schemeClr val="accent1">
-              <a:shade val="50000"/>
-            </a:schemeClr>
-          </a:lnRef>
-          <a:fillRef idx="1">
-            <a:schemeClr val="accent1"/>
-          </a:fillRef>
-          <a:effectRef idx="0">
-            <a:schemeClr val="accent1"/>
-          </a:effectRef>
-          <a:fontRef idx="minor">
-            <a:schemeClr val="lt1"/>
-          </a:fontRef>
-        </p:style>
-        <p:txBody>
-          <a:bodyPr rtlCol="0" anchor="ctr"/>
-          <a:lstStyle/>
-          <a:p>
-            <a:pPr algn="ctr"/>
-            <a:r>
-              <a:rPr lang="de-DE" sz="1600" dirty="0" err="1">
-                <a:solidFill>
-                  <a:schemeClr val="tx1"/>
-                </a:solidFill>
-              </a:rPr>
-              <a:t>Temper</a:t>
-            </a:r>
-            <a:endParaRPr lang="de-DE" sz="1600" dirty="0">
-              <a:solidFill>
-                <a:schemeClr val="tx1"/>
-              </a:solidFill>
-            </a:endParaRPr>
-          </a:p>
-          <a:p>
-            <a:pPr algn="ctr"/>
-            <a:r>
-              <a:rPr lang="de-DE" sz="1600" dirty="0">
-                <a:solidFill>
-                  <a:schemeClr val="tx1"/>
-                </a:solidFill>
-              </a:rPr>
-              <a:t>B</a:t>
-            </a:r>
-          </a:p>
-        </p:txBody>
-      </p:sp>
-      <p:sp>
-        <p:nvSpPr>
-          <p:cNvPr id="23" name="Rechteck 22"/>
-          <p:cNvSpPr/>
-          <p:nvPr/>
-        </p:nvSpPr>
-        <p:spPr>
-          <a:xfrm>
-            <a:off x="10570242" y="4296433"/>
-            <a:ext cx="914400" cy="914400"/>
-          </a:xfrm>
-          <a:prstGeom prst="rect">
-            <a:avLst/>
-          </a:prstGeom>
-          <a:solidFill>
-            <a:schemeClr val="bg1"/>
-          </a:solidFill>
-          <a:ln w="38100">
-            <a:solidFill>
-              <a:schemeClr val="tx1"/>
-            </a:solidFill>
-          </a:ln>
-        </p:spPr>
-        <p:style>
-          <a:lnRef idx="2">
-            <a:schemeClr val="accent1">
-              <a:shade val="50000"/>
-            </a:schemeClr>
-          </a:lnRef>
-          <a:fillRef idx="1">
-            <a:schemeClr val="accent1"/>
-          </a:fillRef>
-          <a:effectRef idx="0">
-            <a:schemeClr val="accent1"/>
-          </a:effectRef>
-          <a:fontRef idx="minor">
-            <a:schemeClr val="lt1"/>
-          </a:fontRef>
-        </p:style>
-        <p:txBody>
-          <a:bodyPr rtlCol="0" anchor="ctr"/>
-          <a:lstStyle/>
-          <a:p>
-            <a:pPr algn="ctr"/>
-            <a:r>
-              <a:rPr lang="de-DE" sz="1600" dirty="0" err="1">
-                <a:solidFill>
-                  <a:schemeClr val="tx1"/>
-                </a:solidFill>
-              </a:rPr>
-              <a:t>Temper</a:t>
-            </a:r>
-            <a:endParaRPr lang="de-DE" sz="1600" dirty="0">
-              <a:solidFill>
-                <a:schemeClr val="tx1"/>
-              </a:solidFill>
-            </a:endParaRPr>
-          </a:p>
-          <a:p>
-            <a:pPr algn="ctr"/>
-            <a:r>
-              <a:rPr lang="de-DE" sz="1600" dirty="0">
-                <a:solidFill>
-                  <a:schemeClr val="tx1"/>
-                </a:solidFill>
-              </a:rPr>
-              <a:t>C</a:t>
-            </a:r>
-          </a:p>
-        </p:txBody>
-      </p:sp>
-      <p:cxnSp>
-        <p:nvCxnSpPr>
-          <p:cNvPr id="38" name="Gewinkelte Verbindung 37"/>
-          <p:cNvCxnSpPr>
-            <a:stCxn id="21" idx="1"/>
-          </p:cNvCxnSpPr>
-          <p:nvPr/>
-        </p:nvCxnSpPr>
-        <p:spPr>
-          <a:xfrm rot="10800000" flipV="1">
-            <a:off x="6783392" y="1929692"/>
-            <a:ext cx="3786850" cy="2471195"/>
-          </a:xfrm>
-          <a:prstGeom prst="bentConnector3">
-            <a:avLst/>
-          </a:prstGeom>
-          <a:ln w="38100">
-            <a:solidFill>
-              <a:schemeClr val="tx1"/>
-            </a:solidFill>
-            <a:tailEnd type="triangle"/>
-          </a:ln>
-        </p:spPr>
-        <p:style>
-          <a:lnRef idx="1">
-            <a:schemeClr val="accent1"/>
-          </a:lnRef>
-          <a:fillRef idx="0">
-            <a:schemeClr val="accent1"/>
-          </a:fillRef>
-          <a:effectRef idx="0">
-            <a:schemeClr val="accent1"/>
-          </a:effectRef>
-          <a:fontRef idx="minor">
-            <a:schemeClr val="tx1"/>
-          </a:fontRef>
-        </p:style>
-      </p:cxnSp>
-      <p:cxnSp>
-        <p:nvCxnSpPr>
-          <p:cNvPr id="40" name="Gewinkelte Verbindung 39"/>
-          <p:cNvCxnSpPr>
-            <a:stCxn id="22" idx="1"/>
-          </p:cNvCxnSpPr>
-          <p:nvPr/>
-        </p:nvCxnSpPr>
-        <p:spPr>
-          <a:xfrm rot="10800000" flipV="1">
-            <a:off x="6783392" y="3341662"/>
-            <a:ext cx="3786851" cy="1446015"/>
-          </a:xfrm>
-          <a:prstGeom prst="bentConnector3">
-            <a:avLst>
-              <a:gd name="adj1" fmla="val 33800"/>
-            </a:avLst>
-          </a:prstGeom>
-          <a:ln w="38100">
-            <a:solidFill>
-              <a:schemeClr val="tx1"/>
-            </a:solidFill>
-            <a:tailEnd type="triangle"/>
-          </a:ln>
-        </p:spPr>
-        <p:style>
-          <a:lnRef idx="1">
-            <a:schemeClr val="accent1"/>
-          </a:lnRef>
-          <a:fillRef idx="0">
-            <a:schemeClr val="accent1"/>
-          </a:fillRef>
-          <a:effectRef idx="0">
-            <a:schemeClr val="accent1"/>
-          </a:effectRef>
-          <a:fontRef idx="minor">
-            <a:schemeClr val="tx1"/>
-          </a:fontRef>
-        </p:style>
-      </p:cxnSp>
-      <p:cxnSp>
-        <p:nvCxnSpPr>
-          <p:cNvPr id="42" name="Gewinkelte Verbindung 41"/>
-          <p:cNvCxnSpPr>
-            <a:stCxn id="23" idx="1"/>
-          </p:cNvCxnSpPr>
-          <p:nvPr/>
-        </p:nvCxnSpPr>
-        <p:spPr>
-          <a:xfrm rot="10800000" flipV="1">
-            <a:off x="6783392" y="4753633"/>
-            <a:ext cx="3786851" cy="491244"/>
-          </a:xfrm>
-          <a:prstGeom prst="bentConnector3">
-            <a:avLst>
-              <a:gd name="adj1" fmla="val 17295"/>
-            </a:avLst>
-          </a:prstGeom>
-          <a:ln w="38100">
-            <a:solidFill>
-              <a:schemeClr val="tx1"/>
-            </a:solidFill>
-            <a:tailEnd type="triangle"/>
-          </a:ln>
-        </p:spPr>
-        <p:style>
-          <a:lnRef idx="1">
-            <a:schemeClr val="accent1"/>
-          </a:lnRef>
-          <a:fillRef idx="0">
-            <a:schemeClr val="accent1"/>
-          </a:fillRef>
-          <a:effectRef idx="0">
-            <a:schemeClr val="accent1"/>
-          </a:effectRef>
-          <a:fontRef idx="minor">
-            <a:schemeClr val="tx1"/>
-          </a:fontRef>
-        </p:style>
-      </p:cxnSp>
-      <p:sp>
-        <p:nvSpPr>
-          <p:cNvPr id="47" name="Rechteck 46"/>
-          <p:cNvSpPr/>
-          <p:nvPr/>
-        </p:nvSpPr>
-        <p:spPr>
-          <a:xfrm>
-            <a:off x="7937467" y="4062712"/>
-            <a:ext cx="509286" cy="376035"/>
-          </a:xfrm>
-          <a:prstGeom prst="rect">
-            <a:avLst/>
-          </a:prstGeom>
-          <a:noFill/>
-          <a:ln>
-            <a:noFill/>
-          </a:ln>
-        </p:spPr>
-        <p:style>
-          <a:lnRef idx="2">
-            <a:schemeClr val="accent1">
-              <a:shade val="50000"/>
-            </a:schemeClr>
-          </a:lnRef>
-          <a:fillRef idx="1">
-            <a:schemeClr val="accent1"/>
-          </a:fillRef>
-          <a:effectRef idx="0">
-            <a:schemeClr val="accent1"/>
-          </a:effectRef>
-          <a:fontRef idx="minor">
-            <a:schemeClr val="lt1"/>
-          </a:fontRef>
-        </p:style>
-        <p:txBody>
-          <a:bodyPr rtlCol="0" anchor="ctr"/>
-          <a:lstStyle/>
-          <a:p>
-            <a:pPr algn="ctr"/>
-            <a:r>
-              <a:rPr lang="de-DE" sz="2400" dirty="0">
-                <a:solidFill>
-                  <a:schemeClr val="tx1"/>
-                </a:solidFill>
-              </a:rPr>
-              <a:t>?</a:t>
-            </a:r>
-          </a:p>
-        </p:txBody>
-      </p:sp>
-      <p:sp>
-        <p:nvSpPr>
-          <p:cNvPr id="48" name="Rechteck 47"/>
-          <p:cNvSpPr/>
-          <p:nvPr/>
-        </p:nvSpPr>
-        <p:spPr>
-          <a:xfrm>
-            <a:off x="7937467" y="4468935"/>
-            <a:ext cx="509286" cy="376035"/>
-          </a:xfrm>
-          <a:prstGeom prst="rect">
-            <a:avLst/>
-          </a:prstGeom>
-          <a:noFill/>
-          <a:ln>
-            <a:noFill/>
-          </a:ln>
-        </p:spPr>
-        <p:style>
-          <a:lnRef idx="2">
-            <a:schemeClr val="accent1">
-              <a:shade val="50000"/>
-            </a:schemeClr>
-          </a:lnRef>
-          <a:fillRef idx="1">
-            <a:schemeClr val="accent1"/>
-          </a:fillRef>
-          <a:effectRef idx="0">
-            <a:schemeClr val="accent1"/>
-          </a:effectRef>
-          <a:fontRef idx="minor">
-            <a:schemeClr val="lt1"/>
-          </a:fontRef>
-        </p:style>
-        <p:txBody>
-          <a:bodyPr rtlCol="0" anchor="ctr"/>
-          <a:lstStyle/>
-          <a:p>
-            <a:pPr algn="ctr"/>
-            <a:r>
-              <a:rPr lang="de-DE" sz="2400" dirty="0">
-                <a:solidFill>
-                  <a:schemeClr val="tx1"/>
-                </a:solidFill>
-              </a:rPr>
-              <a:t>?</a:t>
-            </a:r>
-          </a:p>
-        </p:txBody>
-      </p:sp>
-      <p:sp>
-        <p:nvSpPr>
-          <p:cNvPr id="49" name="Rechteck 48"/>
-          <p:cNvSpPr/>
-          <p:nvPr/>
-        </p:nvSpPr>
-        <p:spPr>
-          <a:xfrm>
-            <a:off x="7937467" y="4911599"/>
-            <a:ext cx="509286" cy="376035"/>
-          </a:xfrm>
-          <a:prstGeom prst="rect">
-            <a:avLst/>
-          </a:prstGeom>
-          <a:noFill/>
-          <a:ln>
-            <a:noFill/>
-          </a:ln>
-        </p:spPr>
-        <p:style>
-          <a:lnRef idx="2">
-            <a:schemeClr val="accent1">
-              <a:shade val="50000"/>
-            </a:schemeClr>
-          </a:lnRef>
-          <a:fillRef idx="1">
-            <a:schemeClr val="accent1"/>
-          </a:fillRef>
-          <a:effectRef idx="0">
-            <a:schemeClr val="accent1"/>
-          </a:effectRef>
-          <a:fontRef idx="minor">
-            <a:schemeClr val="lt1"/>
-          </a:fontRef>
-        </p:style>
-        <p:txBody>
-          <a:bodyPr rtlCol="0" anchor="ctr"/>
-          <a:lstStyle/>
-          <a:p>
-            <a:pPr algn="ctr"/>
-            <a:r>
-              <a:rPr lang="de-DE" sz="2400" dirty="0">
-                <a:solidFill>
-                  <a:schemeClr val="tx1"/>
-                </a:solidFill>
-              </a:rPr>
-              <a:t>?</a:t>
-            </a:r>
-          </a:p>
-        </p:txBody>
-      </p:sp>
-      <p:cxnSp>
-        <p:nvCxnSpPr>
-          <p:cNvPr id="51" name="Gerader Verbinder 50"/>
-          <p:cNvCxnSpPr/>
-          <p:nvPr/>
-        </p:nvCxnSpPr>
-        <p:spPr>
-          <a:xfrm>
-            <a:off x="5576231" y="4247909"/>
-            <a:ext cx="1215342" cy="1134319"/>
-          </a:xfrm>
-          <a:prstGeom prst="line">
-            <a:avLst/>
-          </a:prstGeom>
-          <a:ln>
-            <a:solidFill>
-              <a:schemeClr val="accent6"/>
-            </a:solidFill>
-          </a:ln>
-        </p:spPr>
-        <p:style>
-          <a:lnRef idx="1">
-            <a:schemeClr val="accent1"/>
-          </a:lnRef>
-          <a:fillRef idx="0">
-            <a:schemeClr val="accent1"/>
-          </a:fillRef>
-          <a:effectRef idx="0">
-            <a:schemeClr val="accent1"/>
-          </a:effectRef>
-          <a:fontRef idx="minor">
-            <a:schemeClr val="tx1"/>
-          </a:fontRef>
-        </p:style>
-      </p:cxnSp>
-      <p:cxnSp>
-        <p:nvCxnSpPr>
-          <p:cNvPr id="53" name="Gerader Verbinder 52"/>
-          <p:cNvCxnSpPr/>
-          <p:nvPr/>
-        </p:nvCxnSpPr>
-        <p:spPr>
-          <a:xfrm flipV="1">
-            <a:off x="5668829" y="4247909"/>
-            <a:ext cx="1122744" cy="1134319"/>
-          </a:xfrm>
-          <a:prstGeom prst="line">
-            <a:avLst/>
-          </a:prstGeom>
-          <a:ln>
-            <a:solidFill>
-              <a:schemeClr val="accent6"/>
-            </a:solidFill>
-          </a:ln>
-        </p:spPr>
-        <p:style>
-          <a:lnRef idx="1">
-            <a:schemeClr val="accent1"/>
-          </a:lnRef>
-          <a:fillRef idx="0">
-            <a:schemeClr val="accent1"/>
-          </a:fillRef>
-          <a:effectRef idx="0">
-            <a:schemeClr val="accent1"/>
-          </a:effectRef>
-          <a:fontRef idx="minor">
-            <a:schemeClr val="tx1"/>
-          </a:fontRef>
-        </p:style>
-      </p:cxnSp>
       <p:grpSp>
         <p:nvGrpSpPr>
-          <p:cNvPr id="3" name="Gruppieren 2" hidden="1"/>
-          <p:cNvGrpSpPr/>
-          <p:nvPr/>
-        </p:nvGrpSpPr>
-        <p:grpSpPr>
-          <a:xfrm>
-            <a:off x="7509344" y="1283294"/>
-            <a:ext cx="3804831" cy="1103599"/>
-            <a:chOff x="7789760" y="1338659"/>
-            <a:chExt cx="3804831" cy="1103599"/>
-          </a:xfrm>
-        </p:grpSpPr>
-        <p:sp>
-          <p:nvSpPr>
-            <p:cNvPr id="34" name="Rechteck 33"/>
-            <p:cNvSpPr/>
-            <p:nvPr/>
-          </p:nvSpPr>
-          <p:spPr>
-            <a:xfrm>
-              <a:off x="7789760" y="1527858"/>
-              <a:ext cx="3804831" cy="914400"/>
-            </a:xfrm>
-            <a:prstGeom prst="rect">
-              <a:avLst/>
-            </a:prstGeom>
-            <a:solidFill>
-              <a:schemeClr val="bg1"/>
-            </a:solidFill>
-          </p:spPr>
-          <p:style>
-            <a:lnRef idx="2">
-              <a:schemeClr val="accent1">
-                <a:shade val="50000"/>
-              </a:schemeClr>
-            </a:lnRef>
-            <a:fillRef idx="1">
-              <a:schemeClr val="accent1"/>
-            </a:fillRef>
-            <a:effectRef idx="0">
-              <a:schemeClr val="accent1"/>
-            </a:effectRef>
-            <a:fontRef idx="minor">
-              <a:schemeClr val="lt1"/>
-            </a:fontRef>
-          </p:style>
-          <p:txBody>
-            <a:bodyPr rtlCol="0" anchor="ctr"/>
-            <a:lstStyle/>
-            <a:p>
-              <a:r>
-                <a:rPr lang="de-DE" b="1" dirty="0">
-                  <a:solidFill>
-                    <a:schemeClr val="tx1"/>
-                  </a:solidFill>
-                </a:rPr>
-                <a:t>PRO</a:t>
-              </a:r>
-              <a:r>
-                <a:rPr lang="de-DE" dirty="0">
-                  <a:solidFill>
-                    <a:schemeClr val="tx1"/>
-                  </a:solidFill>
-                </a:rPr>
-                <a:t>: Keine Anpassungen am Rezept</a:t>
-              </a:r>
-            </a:p>
-            <a:p>
-              <a:r>
-                <a:rPr lang="de-DE" b="1" dirty="0">
-                  <a:solidFill>
-                    <a:schemeClr val="tx1"/>
-                  </a:solidFill>
-                </a:rPr>
-                <a:t>CONTRA</a:t>
-              </a:r>
-              <a:r>
-                <a:rPr lang="de-DE" dirty="0">
-                  <a:solidFill>
-                    <a:schemeClr val="tx1"/>
-                  </a:solidFill>
-                </a:rPr>
-                <a:t>: Hohe Kosten</a:t>
-              </a:r>
-            </a:p>
-          </p:txBody>
-        </p:sp>
-        <p:sp>
-          <p:nvSpPr>
-            <p:cNvPr id="24" name="Rechteck 23">
-              <a:extLst>
-                <a:ext uri="{FF2B5EF4-FFF2-40B4-BE49-F238E27FC236}">
-                  <a16:creationId xmlns:a16="http://schemas.microsoft.com/office/drawing/2014/main" xmlns="" id="{FCCEA108-686B-BB4F-95FB-4BCE5EB529F1}"/>
-                </a:ext>
-              </a:extLst>
-            </p:cNvPr>
-            <p:cNvSpPr/>
-            <p:nvPr/>
-          </p:nvSpPr>
-          <p:spPr>
-            <a:xfrm>
-              <a:off x="7911431" y="1338659"/>
-              <a:ext cx="1330106" cy="338027"/>
-            </a:xfrm>
-            <a:prstGeom prst="rect">
-              <a:avLst/>
-            </a:prstGeom>
-            <a:solidFill>
-              <a:schemeClr val="bg1"/>
-            </a:solidFill>
-            <a:ln>
-              <a:noFill/>
-            </a:ln>
-          </p:spPr>
-          <p:style>
-            <a:lnRef idx="2">
-              <a:schemeClr val="accent1">
-                <a:shade val="50000"/>
-              </a:schemeClr>
-            </a:lnRef>
-            <a:fillRef idx="1">
-              <a:schemeClr val="accent1"/>
-            </a:fillRef>
-            <a:effectRef idx="0">
-              <a:schemeClr val="accent1"/>
-            </a:effectRef>
-            <a:fontRef idx="minor">
-              <a:schemeClr val="lt1"/>
-            </a:fontRef>
-          </p:style>
-          <p:txBody>
-            <a:bodyPr rtlCol="0" anchor="ctr"/>
-            <a:lstStyle/>
-            <a:p>
-              <a:r>
-                <a:rPr lang="de-DE" b="1" dirty="0">
-                  <a:solidFill>
-                    <a:schemeClr val="accent4"/>
-                  </a:solidFill>
-                </a:rPr>
-                <a:t>Leihmodul</a:t>
-              </a:r>
-            </a:p>
-          </p:txBody>
-        </p:sp>
-      </p:grpSp>
-      <p:grpSp>
-        <p:nvGrpSpPr>
-          <p:cNvPr id="7" name="Gruppieren 6" hidden="1">
+          <p:cNvPr id="4" name="Gruppieren 3">
             <a:extLst>
               <a:ext uri="{FF2B5EF4-FFF2-40B4-BE49-F238E27FC236}">
-                <a16:creationId xmlns:a16="http://schemas.microsoft.com/office/drawing/2014/main" xmlns="" id="{4524C733-E4A0-094C-8136-9DE1ABF03809}"/>
+                <a16:creationId xmlns:a16="http://schemas.microsoft.com/office/drawing/2014/main" id="{64401E1E-557D-5D4F-AE09-187A0802411B}"/>
               </a:ext>
             </a:extLst>
           </p:cNvPr>
@@ -19495,315 +20067,7 @@
         </p:nvGrpSpPr>
         <p:grpSpPr>
           <a:xfrm>
-            <a:off x="7509344" y="2738459"/>
-            <a:ext cx="3804831" cy="1065092"/>
-            <a:chOff x="7789761" y="2789136"/>
-            <a:chExt cx="3804831" cy="1065092"/>
-          </a:xfrm>
-        </p:grpSpPr>
-        <p:sp>
-          <p:nvSpPr>
-            <p:cNvPr id="35" name="Rechteck 34"/>
-            <p:cNvSpPr/>
-            <p:nvPr/>
-          </p:nvSpPr>
-          <p:spPr>
-            <a:xfrm>
-              <a:off x="7789761" y="2939828"/>
-              <a:ext cx="3804831" cy="914400"/>
-            </a:xfrm>
-            <a:prstGeom prst="rect">
-              <a:avLst/>
-            </a:prstGeom>
-            <a:solidFill>
-              <a:schemeClr val="bg1"/>
-            </a:solidFill>
-          </p:spPr>
-          <p:style>
-            <a:lnRef idx="2">
-              <a:schemeClr val="accent1">
-                <a:shade val="50000"/>
-              </a:schemeClr>
-            </a:lnRef>
-            <a:fillRef idx="1">
-              <a:schemeClr val="accent1"/>
-            </a:fillRef>
-            <a:effectRef idx="0">
-              <a:schemeClr val="accent1"/>
-            </a:effectRef>
-            <a:fontRef idx="minor">
-              <a:schemeClr val="lt1"/>
-            </a:fontRef>
-          </p:style>
-          <p:txBody>
-            <a:bodyPr rtlCol="0" anchor="ctr"/>
-            <a:lstStyle/>
-            <a:p>
-              <a:r>
-                <a:rPr lang="de-DE" b="1" dirty="0">
-                  <a:solidFill>
-                    <a:schemeClr val="tx1"/>
-                  </a:solidFill>
-                </a:rPr>
-                <a:t>PRO: </a:t>
-              </a:r>
-              <a:r>
-                <a:rPr lang="de-DE" dirty="0">
-                  <a:solidFill>
-                    <a:schemeClr val="tx1"/>
-                  </a:solidFill>
-                </a:rPr>
-                <a:t>Funktioniert, geringe Kosten</a:t>
-              </a:r>
-            </a:p>
-            <a:p>
-              <a:r>
-                <a:rPr lang="de-DE" b="1" dirty="0">
-                  <a:solidFill>
-                    <a:schemeClr val="tx1"/>
-                  </a:solidFill>
-                </a:rPr>
-                <a:t>CONTRA</a:t>
-              </a:r>
-              <a:r>
-                <a:rPr lang="de-DE" dirty="0">
-                  <a:solidFill>
-                    <a:schemeClr val="tx1"/>
-                  </a:solidFill>
-                </a:rPr>
-                <a:t>: Hoher Energieverbrauch</a:t>
-              </a:r>
-            </a:p>
-          </p:txBody>
-        </p:sp>
-        <p:sp>
-          <p:nvSpPr>
-            <p:cNvPr id="25" name="Rechteck 24">
-              <a:extLst>
-                <a:ext uri="{FF2B5EF4-FFF2-40B4-BE49-F238E27FC236}">
-                  <a16:creationId xmlns:a16="http://schemas.microsoft.com/office/drawing/2014/main" xmlns="" id="{FCCEA108-686B-BB4F-95FB-4BCE5EB529F1}"/>
-                </a:ext>
-              </a:extLst>
-            </p:cNvPr>
-            <p:cNvSpPr/>
-            <p:nvPr/>
-          </p:nvSpPr>
-          <p:spPr>
-            <a:xfrm>
-              <a:off x="7911431" y="2789136"/>
-              <a:ext cx="1525178" cy="338027"/>
-            </a:xfrm>
-            <a:prstGeom prst="rect">
-              <a:avLst/>
-            </a:prstGeom>
-            <a:solidFill>
-              <a:schemeClr val="bg1"/>
-            </a:solidFill>
-            <a:ln>
-              <a:noFill/>
-            </a:ln>
-          </p:spPr>
-          <p:style>
-            <a:lnRef idx="2">
-              <a:schemeClr val="accent1">
-                <a:shade val="50000"/>
-              </a:schemeClr>
-            </a:lnRef>
-            <a:fillRef idx="1">
-              <a:schemeClr val="accent1"/>
-            </a:fillRef>
-            <a:effectRef idx="0">
-              <a:schemeClr val="accent1"/>
-            </a:effectRef>
-            <a:fontRef idx="minor">
-              <a:schemeClr val="lt1"/>
-            </a:fontRef>
-          </p:style>
-          <p:txBody>
-            <a:bodyPr rtlCol="0" anchor="ctr"/>
-            <a:lstStyle/>
-            <a:p>
-              <a:r>
-                <a:rPr lang="de-DE" b="1" dirty="0">
-                  <a:solidFill>
-                    <a:schemeClr val="accent4"/>
-                  </a:solidFill>
-                </a:rPr>
-                <a:t>Altes Modul</a:t>
-              </a:r>
-            </a:p>
-          </p:txBody>
-        </p:sp>
-      </p:grpSp>
-      <p:grpSp>
-        <p:nvGrpSpPr>
-          <p:cNvPr id="8" name="Gruppieren 7" hidden="1">
-            <a:extLst>
-              <a:ext uri="{FF2B5EF4-FFF2-40B4-BE49-F238E27FC236}">
-                <a16:creationId xmlns:a16="http://schemas.microsoft.com/office/drawing/2014/main" xmlns="" id="{6A103FCA-854C-C04E-BB87-A0BCEB37CB2A}"/>
-              </a:ext>
-            </a:extLst>
-          </p:cNvPr>
-          <p:cNvGrpSpPr/>
-          <p:nvPr/>
-        </p:nvGrpSpPr>
-        <p:grpSpPr>
-          <a:xfrm>
-            <a:off x="7509344" y="4155117"/>
-            <a:ext cx="3804830" cy="1227111"/>
-            <a:chOff x="7789762" y="4155117"/>
-            <a:chExt cx="3804830" cy="1227111"/>
-          </a:xfrm>
-        </p:grpSpPr>
-        <p:sp>
-          <p:nvSpPr>
-            <p:cNvPr id="36" name="Rechteck 35"/>
-            <p:cNvSpPr/>
-            <p:nvPr/>
-          </p:nvSpPr>
-          <p:spPr>
-            <a:xfrm>
-              <a:off x="7789762" y="4351798"/>
-              <a:ext cx="3804830" cy="1030430"/>
-            </a:xfrm>
-            <a:prstGeom prst="rect">
-              <a:avLst/>
-            </a:prstGeom>
-            <a:solidFill>
-              <a:schemeClr val="bg1"/>
-            </a:solidFill>
-          </p:spPr>
-          <p:style>
-            <a:lnRef idx="2">
-              <a:schemeClr val="accent1">
-                <a:shade val="50000"/>
-              </a:schemeClr>
-            </a:lnRef>
-            <a:fillRef idx="1">
-              <a:schemeClr val="accent1"/>
-            </a:fillRef>
-            <a:effectRef idx="0">
-              <a:schemeClr val="accent1"/>
-            </a:effectRef>
-            <a:fontRef idx="minor">
-              <a:schemeClr val="lt1"/>
-            </a:fontRef>
-          </p:style>
-          <p:txBody>
-            <a:bodyPr rtlCol="0" anchor="ctr"/>
-            <a:lstStyle/>
-            <a:p>
-              <a:r>
-                <a:rPr lang="de-DE" b="1" dirty="0">
-                  <a:solidFill>
-                    <a:schemeClr val="tx1"/>
-                  </a:solidFill>
-                </a:rPr>
-                <a:t>PRO</a:t>
-              </a:r>
-              <a:r>
-                <a:rPr lang="de-DE" dirty="0">
-                  <a:solidFill>
-                    <a:schemeClr val="tx1"/>
-                  </a:solidFill>
-                </a:rPr>
-                <a:t>: Geringer Energieverbrauch</a:t>
-              </a:r>
-            </a:p>
-            <a:p>
-              <a:r>
-                <a:rPr lang="de-DE" b="1" dirty="0">
-                  <a:solidFill>
-                    <a:schemeClr val="tx1"/>
-                  </a:solidFill>
-                </a:rPr>
-                <a:t>CONTRA</a:t>
-              </a:r>
-              <a:r>
-                <a:rPr lang="de-DE" dirty="0">
-                  <a:solidFill>
-                    <a:schemeClr val="tx1"/>
-                  </a:solidFill>
-                </a:rPr>
-                <a:t>: Viele Anpassungen am Rezept</a:t>
-              </a:r>
-            </a:p>
-          </p:txBody>
-        </p:sp>
-        <p:sp>
-          <p:nvSpPr>
-            <p:cNvPr id="26" name="Rechteck 25">
-              <a:extLst>
-                <a:ext uri="{FF2B5EF4-FFF2-40B4-BE49-F238E27FC236}">
-                  <a16:creationId xmlns:a16="http://schemas.microsoft.com/office/drawing/2014/main" xmlns="" id="{FCCEA108-686B-BB4F-95FB-4BCE5EB529F1}"/>
-                </a:ext>
-              </a:extLst>
-            </p:cNvPr>
-            <p:cNvSpPr/>
-            <p:nvPr/>
-          </p:nvSpPr>
-          <p:spPr>
-            <a:xfrm>
-              <a:off x="7911430" y="4155117"/>
-              <a:ext cx="1622713" cy="338027"/>
-            </a:xfrm>
-            <a:prstGeom prst="rect">
-              <a:avLst/>
-            </a:prstGeom>
-            <a:solidFill>
-              <a:schemeClr val="bg1"/>
-            </a:solidFill>
-            <a:ln>
-              <a:noFill/>
-            </a:ln>
-          </p:spPr>
-          <p:style>
-            <a:lnRef idx="2">
-              <a:schemeClr val="accent1">
-                <a:shade val="50000"/>
-              </a:schemeClr>
-            </a:lnRef>
-            <a:fillRef idx="1">
-              <a:schemeClr val="accent1"/>
-            </a:fillRef>
-            <a:effectRef idx="0">
-              <a:schemeClr val="accent1"/>
-            </a:effectRef>
-            <a:fontRef idx="minor">
-              <a:schemeClr val="lt1"/>
-            </a:fontRef>
-          </p:style>
-          <p:txBody>
-            <a:bodyPr rtlCol="0" anchor="ctr"/>
-            <a:lstStyle/>
-            <a:p>
-              <a:r>
-                <a:rPr lang="de-DE" b="1" dirty="0">
-                  <a:solidFill>
-                    <a:schemeClr val="accent4"/>
-                  </a:solidFill>
-                </a:rPr>
-                <a:t>Neues Modul</a:t>
-              </a:r>
-            </a:p>
-          </p:txBody>
-        </p:sp>
-      </p:grpSp>
-      <p:grpSp>
-        <p:nvGrpSpPr>
-          <p:cNvPr id="30" name="Gruppieren 29">
-            <a:extLst>
-              <a:ext uri="{FF2B5EF4-FFF2-40B4-BE49-F238E27FC236}">
-                <a16:creationId xmlns:a16="http://schemas.microsoft.com/office/drawing/2014/main" xmlns="" id="{64401E1E-557D-5D4F-AE09-187A0802411B}"/>
-              </a:ext>
-            </a:extLst>
-          </p:cNvPr>
-          <p:cNvGrpSpPr/>
-          <p:nvPr/>
-        </p:nvGrpSpPr>
-        <p:grpSpPr>
-          <a:xfrm>
-            <a:off x="874710" y="1274523"/>
+            <a:off x="874710" y="1669646"/>
             <a:ext cx="3045670" cy="3966812"/>
             <a:chOff x="1780029" y="1414270"/>
             <a:chExt cx="3045670" cy="3812070"/>
@@ -19811,10 +20075,10 @@
         </p:grpSpPr>
         <p:sp>
           <p:nvSpPr>
-            <p:cNvPr id="31" name="Rechteck 30">
+            <p:cNvPr id="5" name="Rechteck 4">
               <a:extLst>
                 <a:ext uri="{FF2B5EF4-FFF2-40B4-BE49-F238E27FC236}">
-                  <a16:creationId xmlns:a16="http://schemas.microsoft.com/office/drawing/2014/main" xmlns="" id="{35A0EAB9-4039-6448-AC03-B60DE38901D0}"/>
+                  <a16:creationId xmlns:a16="http://schemas.microsoft.com/office/drawing/2014/main" id="{35A0EAB9-4039-6448-AC03-B60DE38901D0}"/>
                 </a:ext>
               </a:extLst>
             </p:cNvPr>
@@ -19858,12 +20122,12 @@
                 <a:buChar char="•"/>
               </a:pPr>
               <a:r>
-                <a:rPr lang="de-DE" sz="1600" dirty="0" smtClean="0">
+                <a:rPr lang="de-DE" sz="1600" dirty="0">
                   <a:solidFill>
                     <a:schemeClr val="tx1"/>
                   </a:solidFill>
                 </a:rPr>
-                <a:t>Dauer der Wartung: 2 Tage</a:t>
+                <a:t>Verbindungen der Module</a:t>
               </a:r>
             </a:p>
             <a:p>
@@ -19871,57 +20135,6 @@
                 <a:buFont typeface="Arial" panose="020B0604020202020204" pitchFamily="34" charset="0"/>
                 <a:buChar char="•"/>
               </a:pPr>
-              <a:r>
-                <a:rPr lang="de-DE" sz="1600" dirty="0" smtClean="0">
-                  <a:solidFill>
-                    <a:schemeClr val="tx1"/>
-                  </a:solidFill>
-                </a:rPr>
-                <a:t>Bedingungen:</a:t>
-              </a:r>
-            </a:p>
-            <a:p>
-              <a:pPr marL="697230" lvl="1" indent="-285750">
-                <a:buFont typeface="Arial" panose="020B0604020202020204" pitchFamily="34" charset="0"/>
-                <a:buChar char="•"/>
-              </a:pPr>
-              <a:r>
-                <a:rPr lang="de-DE" sz="1600" dirty="0" smtClean="0">
-                  <a:solidFill>
-                    <a:schemeClr val="tx1"/>
-                  </a:solidFill>
-                </a:rPr>
-                <a:t>Maximale Stillstandzeit:</a:t>
-              </a:r>
-              <a:br>
-                <a:rPr lang="de-DE" sz="1600" dirty="0" smtClean="0">
-                  <a:solidFill>
-                    <a:schemeClr val="tx1"/>
-                  </a:solidFill>
-                </a:rPr>
-              </a:br>
-              <a:r>
-                <a:rPr lang="de-DE" sz="1600" dirty="0" smtClean="0">
-                  <a:solidFill>
-                    <a:schemeClr val="tx1"/>
-                  </a:solidFill>
-                </a:rPr>
-                <a:t>3 Stunden</a:t>
-              </a:r>
-            </a:p>
-            <a:p>
-              <a:pPr marL="697230" lvl="1" indent="-285750">
-                <a:buFont typeface="Arial" panose="020B0604020202020204" pitchFamily="34" charset="0"/>
-                <a:buChar char="•"/>
-              </a:pPr>
-              <a:r>
-                <a:rPr lang="de-DE" sz="1600" dirty="0" smtClean="0">
-                  <a:solidFill>
-                    <a:schemeClr val="tx1"/>
-                  </a:solidFill>
-                </a:rPr>
-                <a:t>Wartung in 7 Tagen</a:t>
-              </a:r>
               <a:endParaRPr lang="de-DE" sz="1600" dirty="0">
                 <a:solidFill>
                   <a:schemeClr val="tx1"/>
@@ -19933,309 +20146,31 @@
                 <a:buFont typeface="Arial" panose="020B0604020202020204" pitchFamily="34" charset="0"/>
                 <a:buChar char="•"/>
               </a:pPr>
-              <a:endParaRPr lang="de-DE" sz="1600" dirty="0" smtClean="0">
-                <a:solidFill>
-                  <a:schemeClr val="tx1"/>
-                </a:solidFill>
-              </a:endParaRPr>
-            </a:p>
-            <a:p>
-              <a:pPr marL="285750" indent="-285750">
+              <a:r>
+                <a:rPr lang="de-DE" sz="1600" dirty="0">
+                  <a:solidFill>
+                    <a:schemeClr val="tx1"/>
+                  </a:solidFill>
+                </a:rPr>
+                <a:t>Rezept</a:t>
+              </a:r>
+            </a:p>
+            <a:p>
+              <a:pPr marL="697230" lvl="1" indent="-285750">
                 <a:buFont typeface="Arial" panose="020B0604020202020204" pitchFamily="34" charset="0"/>
                 <a:buChar char="•"/>
               </a:pPr>
-              <a:r>
-                <a:rPr lang="de-DE" sz="1600" dirty="0" smtClean="0">
-                  <a:solidFill>
-                    <a:schemeClr val="tx1"/>
-                  </a:solidFill>
-                </a:rPr>
-                <a:t>Was ist die beste Lösung?</a:t>
-              </a:r>
               <a:endParaRPr lang="de-DE" sz="1600" dirty="0">
                 <a:solidFill>
                   <a:schemeClr val="tx1"/>
                 </a:solidFill>
               </a:endParaRPr>
             </a:p>
-          </p:txBody>
-        </p:sp>
-        <p:sp>
-          <p:nvSpPr>
-            <p:cNvPr id="32" name="Rechteck 31">
-              <a:extLst>
-                <a:ext uri="{FF2B5EF4-FFF2-40B4-BE49-F238E27FC236}">
-                  <a16:creationId xmlns:a16="http://schemas.microsoft.com/office/drawing/2014/main" xmlns="" id="{FCCEA108-686B-BB4F-95FB-4BCE5EB529F1}"/>
-                </a:ext>
-              </a:extLst>
-            </p:cNvPr>
-            <p:cNvSpPr/>
-            <p:nvPr/>
-          </p:nvSpPr>
-          <p:spPr>
-            <a:xfrm>
-              <a:off x="1977038" y="1414270"/>
-              <a:ext cx="2620605" cy="338027"/>
-            </a:xfrm>
-            <a:prstGeom prst="rect">
-              <a:avLst/>
-            </a:prstGeom>
-            <a:solidFill>
-              <a:schemeClr val="bg1"/>
-            </a:solidFill>
-            <a:ln>
-              <a:noFill/>
-            </a:ln>
-          </p:spPr>
-          <p:style>
-            <a:lnRef idx="2">
-              <a:schemeClr val="accent1">
-                <a:shade val="50000"/>
-              </a:schemeClr>
-            </a:lnRef>
-            <a:fillRef idx="1">
-              <a:schemeClr val="accent1"/>
-            </a:fillRef>
-            <a:effectRef idx="0">
-              <a:schemeClr val="accent1"/>
-            </a:effectRef>
-            <a:fontRef idx="minor">
-              <a:schemeClr val="lt1"/>
-            </a:fontRef>
-          </p:style>
-          <p:txBody>
-            <a:bodyPr rtlCol="0" anchor="ctr"/>
-            <a:lstStyle/>
-            <a:p>
-              <a:r>
-                <a:rPr lang="de-DE" b="1" dirty="0" smtClean="0">
-                  <a:solidFill>
-                    <a:schemeClr val="accent4"/>
-                  </a:solidFill>
-                </a:rPr>
-                <a:t>Wartung Modul </a:t>
-              </a:r>
-              <a:r>
-                <a:rPr lang="de-DE" b="1" dirty="0" err="1" smtClean="0">
-                  <a:solidFill>
-                    <a:schemeClr val="accent4"/>
-                  </a:solidFill>
-                </a:rPr>
-                <a:t>Temper</a:t>
-              </a:r>
-              <a:endParaRPr lang="de-DE" b="1" dirty="0">
-                <a:solidFill>
-                  <a:schemeClr val="accent4"/>
-                </a:solidFill>
-              </a:endParaRPr>
-            </a:p>
-          </p:txBody>
-        </p:sp>
-      </p:grpSp>
-    </p:spTree>
-    <p:extLst>
-      <p:ext uri="{BB962C8B-B14F-4D97-AF65-F5344CB8AC3E}">
-        <p14:creationId xmlns:p14="http://schemas.microsoft.com/office/powerpoint/2010/main" val="3972372377"/>
-      </p:ext>
-    </p:extLst>
-  </p:cSld>
-  <p:clrMapOvr>
-    <a:masterClrMapping/>
-  </p:clrMapOvr>
-</p:sld>
-</file>
-
-<file path=ppt/slides/slide4.xml><?xml version="1.0" encoding="utf-8"?>
-<p:sld xmlns:a="http://schemas.openxmlformats.org/drawingml/2006/main" xmlns:r="http://schemas.openxmlformats.org/officeDocument/2006/relationships" xmlns:p="http://schemas.openxmlformats.org/presentationml/2006/main">
-  <p:cSld>
-    <p:spTree>
-      <p:nvGrpSpPr>
-        <p:cNvPr id="1" name=""/>
-        <p:cNvGrpSpPr/>
-        <p:nvPr/>
-      </p:nvGrpSpPr>
-      <p:grpSpPr>
-        <a:xfrm>
-          <a:off x="0" y="0"/>
-          <a:ext cx="0" cy="0"/>
-          <a:chOff x="0" y="0"/>
-          <a:chExt cx="0" cy="0"/>
-        </a:xfrm>
-      </p:grpSpPr>
-      <p:sp>
-        <p:nvSpPr>
-          <p:cNvPr id="2" name="Titel 1"/>
-          <p:cNvSpPr>
-            <a:spLocks noGrp="1"/>
-          </p:cNvSpPr>
-          <p:nvPr>
-            <p:ph type="title"/>
-          </p:nvPr>
-        </p:nvSpPr>
-        <p:spPr/>
-        <p:txBody>
-          <a:bodyPr/>
-          <a:lstStyle/>
-          <a:p>
-            <a:r>
-              <a:rPr lang="de-DE" dirty="0" smtClean="0"/>
-              <a:t>Für die Problemlösung benötigt der Nutzer eine Vielzahl an Informationen…</a:t>
-            </a:r>
-            <a:endParaRPr lang="de-DE" dirty="0"/>
-          </a:p>
-        </p:txBody>
-      </p:sp>
-      <p:grpSp>
-        <p:nvGrpSpPr>
-          <p:cNvPr id="4" name="Gruppieren 3">
-            <a:extLst>
-              <a:ext uri="{FF2B5EF4-FFF2-40B4-BE49-F238E27FC236}">
-                <a16:creationId xmlns:a16="http://schemas.microsoft.com/office/drawing/2014/main" xmlns="" id="{64401E1E-557D-5D4F-AE09-187A0802411B}"/>
-              </a:ext>
-            </a:extLst>
-          </p:cNvPr>
-          <p:cNvGrpSpPr/>
-          <p:nvPr/>
-        </p:nvGrpSpPr>
-        <p:grpSpPr>
-          <a:xfrm>
-            <a:off x="874710" y="1669646"/>
-            <a:ext cx="3045670" cy="3966812"/>
-            <a:chOff x="1780029" y="1414270"/>
-            <a:chExt cx="3045670" cy="3812070"/>
-          </a:xfrm>
-        </p:grpSpPr>
-        <p:sp>
-          <p:nvSpPr>
-            <p:cNvPr id="5" name="Rechteck 4">
-              <a:extLst>
-                <a:ext uri="{FF2B5EF4-FFF2-40B4-BE49-F238E27FC236}">
-                  <a16:creationId xmlns:a16="http://schemas.microsoft.com/office/drawing/2014/main" xmlns="" id="{35A0EAB9-4039-6448-AC03-B60DE38901D0}"/>
-                </a:ext>
-              </a:extLst>
-            </p:cNvPr>
-            <p:cNvSpPr/>
-            <p:nvPr/>
-          </p:nvSpPr>
-          <p:spPr>
-            <a:xfrm>
-              <a:off x="1780029" y="1583283"/>
-              <a:ext cx="3045670" cy="3643057"/>
-            </a:xfrm>
-            <a:prstGeom prst="rect">
-              <a:avLst/>
-            </a:prstGeom>
-            <a:solidFill>
-              <a:schemeClr val="bg1"/>
-            </a:solidFill>
-          </p:spPr>
-          <p:style>
-            <a:lnRef idx="2">
-              <a:schemeClr val="accent1">
-                <a:shade val="50000"/>
-              </a:schemeClr>
-            </a:lnRef>
-            <a:fillRef idx="1">
-              <a:schemeClr val="accent1"/>
-            </a:fillRef>
-            <a:effectRef idx="0">
-              <a:schemeClr val="accent1"/>
-            </a:effectRef>
-            <a:fontRef idx="minor">
-              <a:schemeClr val="lt1"/>
-            </a:fontRef>
-          </p:style>
-          <p:txBody>
-            <a:bodyPr tIns="251999" rtlCol="0" anchor="t"/>
-            <a:lstStyle/>
             <a:p>
               <a:pPr marL="285750" indent="-285750">
                 <a:buFont typeface="Arial" panose="020B0604020202020204" pitchFamily="34" charset="0"/>
                 <a:buChar char="•"/>
               </a:pPr>
-              <a:r>
-                <a:rPr lang="de-DE" sz="1600" dirty="0" smtClean="0">
-                  <a:solidFill>
-                    <a:schemeClr val="tx1"/>
-                  </a:solidFill>
-                </a:rPr>
-                <a:t>Verbindungen der Module</a:t>
-              </a:r>
-            </a:p>
-            <a:p>
-              <a:pPr marL="285750" indent="-285750">
-                <a:buFont typeface="Arial" panose="020B0604020202020204" pitchFamily="34" charset="0"/>
-                <a:buChar char="•"/>
-              </a:pPr>
-              <a:endParaRPr lang="de-DE" sz="1600" dirty="0" smtClean="0">
-                <a:solidFill>
-                  <a:schemeClr val="tx1"/>
-                </a:solidFill>
-              </a:endParaRPr>
-            </a:p>
-            <a:p>
-              <a:pPr marL="285750" indent="-285750">
-                <a:buFont typeface="Arial" panose="020B0604020202020204" pitchFamily="34" charset="0"/>
-                <a:buChar char="•"/>
-              </a:pPr>
-              <a:r>
-                <a:rPr lang="de-DE" sz="1600" dirty="0" smtClean="0">
-                  <a:solidFill>
-                    <a:schemeClr val="tx1"/>
-                  </a:solidFill>
-                </a:rPr>
-                <a:t>Rezept</a:t>
-              </a:r>
-            </a:p>
-            <a:p>
-              <a:pPr marL="697230" lvl="1" indent="-285750">
-                <a:buFont typeface="Arial" panose="020B0604020202020204" pitchFamily="34" charset="0"/>
-                <a:buChar char="•"/>
-              </a:pPr>
-              <a:endParaRPr lang="de-DE" sz="1600" dirty="0" smtClean="0">
-                <a:solidFill>
-                  <a:schemeClr val="tx1"/>
-                </a:solidFill>
-              </a:endParaRPr>
-            </a:p>
-            <a:p>
-              <a:pPr marL="285750" indent="-285750">
-                <a:buFont typeface="Arial" panose="020B0604020202020204" pitchFamily="34" charset="0"/>
-                <a:buChar char="•"/>
-              </a:pPr>
-              <a:endParaRPr lang="de-DE" sz="1600" dirty="0" smtClean="0">
-                <a:solidFill>
-                  <a:schemeClr val="tx1"/>
-                </a:solidFill>
-              </a:endParaRPr>
-            </a:p>
-            <a:p>
-              <a:pPr marL="285750" indent="-285750">
-                <a:buFont typeface="Arial" panose="020B0604020202020204" pitchFamily="34" charset="0"/>
-                <a:buChar char="•"/>
-              </a:pPr>
-              <a:r>
-                <a:rPr lang="de-DE" sz="1600" dirty="0" smtClean="0">
-                  <a:solidFill>
-                    <a:schemeClr val="tx1"/>
-                  </a:solidFill>
-                </a:rPr>
-                <a:t>Services</a:t>
-              </a:r>
-            </a:p>
-            <a:p>
-              <a:pPr marL="697230" lvl="1" indent="-285750">
-                <a:buFont typeface="Arial" panose="020B0604020202020204" pitchFamily="34" charset="0"/>
-                <a:buChar char="•"/>
-              </a:pPr>
-              <a:r>
-                <a:rPr lang="de-DE" sz="1600" dirty="0" err="1" smtClean="0">
-                  <a:solidFill>
-                    <a:schemeClr val="tx1"/>
-                  </a:solidFill>
-                </a:rPr>
-                <a:t>Fahrweisenparameter</a:t>
-              </a:r>
               <a:endParaRPr lang="de-DE" sz="1600" dirty="0">
                 <a:solidFill>
                   <a:schemeClr val="tx1"/>
@@ -20243,87 +20178,115 @@
               </a:endParaRPr>
             </a:p>
             <a:p>
+              <a:pPr marL="285750" indent="-285750">
+                <a:buFont typeface="Arial" panose="020B0604020202020204" pitchFamily="34" charset="0"/>
+                <a:buChar char="•"/>
+              </a:pPr>
+              <a:r>
+                <a:rPr lang="de-DE" sz="1600" dirty="0">
+                  <a:solidFill>
+                    <a:schemeClr val="tx1"/>
+                  </a:solidFill>
+                </a:rPr>
+                <a:t>Services</a:t>
+              </a:r>
+            </a:p>
+            <a:p>
               <a:pPr marL="697230" lvl="1" indent="-285750">
                 <a:buFont typeface="Arial" panose="020B0604020202020204" pitchFamily="34" charset="0"/>
                 <a:buChar char="•"/>
               </a:pPr>
               <a:r>
-                <a:rPr lang="de-DE" sz="1600" dirty="0" smtClean="0">
+                <a:rPr lang="de-DE" sz="1600" dirty="0" err="1">
                   <a:solidFill>
                     <a:schemeClr val="tx1"/>
                   </a:solidFill>
                 </a:rPr>
-                <a:t>Strategie</a:t>
-              </a:r>
-            </a:p>
-            <a:p>
-              <a:pPr marL="697230" lvl="1" indent="-285750">
-                <a:buFont typeface="Arial" panose="020B0604020202020204" pitchFamily="34" charset="0"/>
-                <a:buChar char="•"/>
-              </a:pPr>
-              <a:r>
-                <a:rPr lang="de-DE" sz="1600" dirty="0" smtClean="0">
-                  <a:solidFill>
-                    <a:schemeClr val="tx1"/>
-                  </a:solidFill>
-                </a:rPr>
-                <a:t>Betriebsart</a:t>
-              </a:r>
-            </a:p>
-            <a:p>
-              <a:pPr marL="697230" lvl="1" indent="-285750">
-                <a:buFont typeface="Arial" panose="020B0604020202020204" pitchFamily="34" charset="0"/>
-                <a:buChar char="•"/>
-              </a:pPr>
-              <a:endParaRPr lang="de-DE" sz="1600" dirty="0" smtClean="0">
-                <a:solidFill>
-                  <a:schemeClr val="tx1"/>
-                </a:solidFill>
-              </a:endParaRPr>
-            </a:p>
-            <a:p>
-              <a:pPr marL="285750" indent="-285750">
-                <a:buFont typeface="Arial" panose="020B0604020202020204" pitchFamily="34" charset="0"/>
-                <a:buChar char="•"/>
-              </a:pPr>
-              <a:r>
-                <a:rPr lang="de-DE" sz="1600" dirty="0" smtClean="0">
-                  <a:solidFill>
-                    <a:schemeClr val="tx1"/>
-                  </a:solidFill>
-                </a:rPr>
-                <a:t>KPIs (welche?)</a:t>
-              </a:r>
-            </a:p>
-            <a:p>
-              <a:pPr marL="285750" indent="-285750">
-                <a:buFont typeface="Arial" panose="020B0604020202020204" pitchFamily="34" charset="0"/>
-                <a:buChar char="•"/>
-              </a:pPr>
-              <a:endParaRPr lang="de-DE" sz="1600" dirty="0" smtClean="0">
-                <a:solidFill>
-                  <a:schemeClr val="tx1"/>
-                </a:solidFill>
-              </a:endParaRPr>
-            </a:p>
-            <a:p>
-              <a:pPr marL="285750" indent="-285750">
-                <a:buFont typeface="Arial" panose="020B0604020202020204" pitchFamily="34" charset="0"/>
-                <a:buChar char="•"/>
-              </a:pPr>
-              <a:r>
-                <a:rPr lang="de-DE" sz="1600" dirty="0" smtClean="0">
-                  <a:solidFill>
-                    <a:schemeClr val="tx1"/>
-                  </a:solidFill>
-                </a:rPr>
-                <a:t>Equipment der Module</a:t>
+                <a:t>Fahrweisenparameter</a:t>
               </a:r>
               <a:endParaRPr lang="de-DE" sz="1600" dirty="0">
                 <a:solidFill>
                   <a:schemeClr val="tx1"/>
                 </a:solidFill>
               </a:endParaRPr>
+            </a:p>
+            <a:p>
+              <a:pPr marL="697230" lvl="1" indent="-285750">
+                <a:buFont typeface="Arial" panose="020B0604020202020204" pitchFamily="34" charset="0"/>
+                <a:buChar char="•"/>
+              </a:pPr>
+              <a:r>
+                <a:rPr lang="de-DE" sz="1600" dirty="0">
+                  <a:solidFill>
+                    <a:schemeClr val="tx1"/>
+                  </a:solidFill>
+                </a:rPr>
+                <a:t>Strategie</a:t>
+              </a:r>
+            </a:p>
+            <a:p>
+              <a:pPr marL="697230" lvl="1" indent="-285750">
+                <a:buFont typeface="Arial" panose="020B0604020202020204" pitchFamily="34" charset="0"/>
+                <a:buChar char="•"/>
+              </a:pPr>
+              <a:r>
+                <a:rPr lang="de-DE" sz="1600" dirty="0">
+                  <a:solidFill>
+                    <a:schemeClr val="tx1"/>
+                  </a:solidFill>
+                </a:rPr>
+                <a:t>Betriebsart</a:t>
+              </a:r>
+            </a:p>
+            <a:p>
+              <a:pPr marL="697230" lvl="1" indent="-285750">
+                <a:buFont typeface="Arial" panose="020B0604020202020204" pitchFamily="34" charset="0"/>
+                <a:buChar char="•"/>
+              </a:pPr>
+              <a:endParaRPr lang="de-DE" sz="1600" dirty="0">
+                <a:solidFill>
+                  <a:schemeClr val="tx1"/>
+                </a:solidFill>
+              </a:endParaRPr>
+            </a:p>
+            <a:p>
+              <a:pPr marL="285750" indent="-285750">
+                <a:buFont typeface="Arial" panose="020B0604020202020204" pitchFamily="34" charset="0"/>
+                <a:buChar char="•"/>
+              </a:pPr>
+              <a:r>
+                <a:rPr lang="de-DE" sz="1600" dirty="0">
+                  <a:solidFill>
+                    <a:schemeClr val="tx1"/>
+                  </a:solidFill>
+                </a:rPr>
+                <a:t>KPIs (welche?)</a:t>
+              </a:r>
+            </a:p>
+            <a:p>
+              <a:pPr marL="285750" indent="-285750">
+                <a:buFont typeface="Arial" panose="020B0604020202020204" pitchFamily="34" charset="0"/>
+                <a:buChar char="•"/>
+              </a:pPr>
+              <a:endParaRPr lang="de-DE" sz="1600" dirty="0">
+                <a:solidFill>
+                  <a:schemeClr val="tx1"/>
+                </a:solidFill>
+              </a:endParaRPr>
+            </a:p>
+            <a:p>
+              <a:pPr marL="285750" indent="-285750">
+                <a:buFont typeface="Arial" panose="020B0604020202020204" pitchFamily="34" charset="0"/>
+                <a:buChar char="•"/>
+              </a:pPr>
+              <a:r>
+                <a:rPr lang="de-DE" sz="1600" dirty="0">
+                  <a:solidFill>
+                    <a:schemeClr val="tx1"/>
+                  </a:solidFill>
+                </a:rPr>
+                <a:t>Equipment der Module</a:t>
+              </a:r>
             </a:p>
           </p:txBody>
         </p:sp>
@@ -20332,7 +20295,7 @@
             <p:cNvPr id="6" name="Rechteck 5">
               <a:extLst>
                 <a:ext uri="{FF2B5EF4-FFF2-40B4-BE49-F238E27FC236}">
-                  <a16:creationId xmlns:a16="http://schemas.microsoft.com/office/drawing/2014/main" xmlns="" id="{FCCEA108-686B-BB4F-95FB-4BCE5EB529F1}"/>
+                  <a16:creationId xmlns:a16="http://schemas.microsoft.com/office/drawing/2014/main" id="{FCCEA108-686B-BB4F-95FB-4BCE5EB529F1}"/>
                 </a:ext>
               </a:extLst>
             </p:cNvPr>
@@ -20375,18 +20338,13 @@
             <a:lstStyle/>
             <a:p>
               <a:r>
-                <a:rPr lang="de-DE" b="1" dirty="0" smtClean="0">
+                <a:rPr lang="de-DE" b="1" dirty="0">
                   <a:solidFill>
                     <a:schemeClr val="accent4"/>
                   </a:solidFill>
                 </a:rPr>
                 <a:t>PFE</a:t>
               </a:r>
-              <a:endParaRPr lang="de-DE" b="1" dirty="0">
-                <a:solidFill>
-                  <a:schemeClr val="accent4"/>
-                </a:solidFill>
-              </a:endParaRPr>
             </a:p>
           </p:txBody>
         </p:sp>
@@ -20414,18 +20372,13 @@
           <a:lstStyle/>
           <a:p>
             <a:r>
-              <a:rPr lang="de-DE" b="1" dirty="0" smtClean="0">
+              <a:rPr lang="de-DE" b="1" dirty="0">
                 <a:solidFill>
                   <a:schemeClr val="accent6"/>
                 </a:solidFill>
               </a:rPr>
               <a:t>Aktuell</a:t>
             </a:r>
-            <a:endParaRPr lang="de-DE" b="1" dirty="0">
-              <a:solidFill>
-                <a:schemeClr val="accent6"/>
-              </a:solidFill>
-            </a:endParaRPr>
           </a:p>
         </p:txBody>
       </p:sp>
@@ -20482,18 +20435,13 @@
           <a:lstStyle/>
           <a:p>
             <a:r>
-              <a:rPr lang="de-DE" b="1" dirty="0" smtClean="0">
+              <a:rPr lang="de-DE" b="1" dirty="0">
                 <a:solidFill>
                   <a:schemeClr val="accent6"/>
                 </a:solidFill>
               </a:rPr>
               <a:t>Wünschenswert</a:t>
             </a:r>
-            <a:endParaRPr lang="de-DE" b="1" dirty="0">
-              <a:solidFill>
-                <a:schemeClr val="accent6"/>
-              </a:solidFill>
-            </a:endParaRPr>
           </a:p>
         </p:txBody>
       </p:sp>
@@ -20502,7 +20450,7 @@
           <p:cNvPr id="11" name="Gruppieren 10">
             <a:extLst>
               <a:ext uri="{FF2B5EF4-FFF2-40B4-BE49-F238E27FC236}">
-                <a16:creationId xmlns:a16="http://schemas.microsoft.com/office/drawing/2014/main" xmlns="" id="{64401E1E-557D-5D4F-AE09-187A0802411B}"/>
+                <a16:creationId xmlns:a16="http://schemas.microsoft.com/office/drawing/2014/main" id="{64401E1E-557D-5D4F-AE09-187A0802411B}"/>
               </a:ext>
             </a:extLst>
           </p:cNvPr>
@@ -20522,7 +20470,7 @@
             <p:cNvPr id="12" name="Rechteck 11">
               <a:extLst>
                 <a:ext uri="{FF2B5EF4-FFF2-40B4-BE49-F238E27FC236}">
-                  <a16:creationId xmlns:a16="http://schemas.microsoft.com/office/drawing/2014/main" xmlns="" id="{35A0EAB9-4039-6448-AC03-B60DE38901D0}"/>
+                  <a16:creationId xmlns:a16="http://schemas.microsoft.com/office/drawing/2014/main" id="{35A0EAB9-4039-6448-AC03-B60DE38901D0}"/>
                 </a:ext>
               </a:extLst>
             </p:cNvPr>
@@ -20566,7 +20514,7 @@
                 <a:buChar char="•"/>
               </a:pPr>
               <a:r>
-                <a:rPr lang="de-DE" sz="1600" dirty="0" smtClean="0">
+                <a:rPr lang="de-DE" sz="1600" dirty="0">
                   <a:solidFill>
                     <a:schemeClr val="tx1"/>
                   </a:solidFill>
@@ -20579,130 +20527,125 @@
                 <a:buFont typeface="Arial" panose="020B0604020202020204" pitchFamily="34" charset="0"/>
                 <a:buChar char="•"/>
               </a:pPr>
-              <a:endParaRPr lang="de-DE" sz="1600" dirty="0" smtClean="0">
-                <a:solidFill>
-                  <a:schemeClr val="tx1"/>
-                </a:solidFill>
-              </a:endParaRPr>
-            </a:p>
-            <a:p>
-              <a:pPr marL="285750" indent="-285750">
-                <a:buFont typeface="Arial" panose="020B0604020202020204" pitchFamily="34" charset="0"/>
-                <a:buChar char="•"/>
-              </a:pPr>
-              <a:r>
-                <a:rPr lang="de-DE" sz="1600" dirty="0" smtClean="0">
-                  <a:solidFill>
-                    <a:schemeClr val="tx1"/>
-                  </a:solidFill>
-                </a:rPr>
-                <a:t>Warnungen</a:t>
-              </a:r>
-            </a:p>
-            <a:p>
-              <a:pPr marL="285750" indent="-285750">
-                <a:buFont typeface="Arial" panose="020B0604020202020204" pitchFamily="34" charset="0"/>
-                <a:buChar char="•"/>
-              </a:pPr>
-              <a:endParaRPr lang="de-DE" sz="1600" dirty="0" smtClean="0">
-                <a:solidFill>
-                  <a:schemeClr val="tx1"/>
-                </a:solidFill>
-              </a:endParaRPr>
-            </a:p>
-            <a:p>
-              <a:pPr marL="285750" indent="-285750">
-                <a:buFont typeface="Arial" panose="020B0604020202020204" pitchFamily="34" charset="0"/>
-                <a:buChar char="•"/>
-              </a:pPr>
-              <a:r>
-                <a:rPr lang="de-DE" sz="1600" dirty="0" smtClean="0">
-                  <a:solidFill>
-                    <a:schemeClr val="tx1"/>
-                  </a:solidFill>
-                </a:rPr>
-                <a:t>Alarme</a:t>
-              </a:r>
-            </a:p>
-            <a:p>
-              <a:pPr marL="285750" indent="-285750">
-                <a:buFont typeface="Arial" panose="020B0604020202020204" pitchFamily="34" charset="0"/>
-                <a:buChar char="•"/>
-              </a:pPr>
-              <a:endParaRPr lang="de-DE" sz="1600" dirty="0" smtClean="0">
-                <a:solidFill>
-                  <a:schemeClr val="tx1"/>
-                </a:solidFill>
-              </a:endParaRPr>
-            </a:p>
-            <a:p>
-              <a:pPr marL="285750" indent="-285750">
-                <a:buFont typeface="Arial" panose="020B0604020202020204" pitchFamily="34" charset="0"/>
-                <a:buChar char="•"/>
-              </a:pPr>
-              <a:r>
-                <a:rPr lang="de-DE" sz="1600" dirty="0" smtClean="0">
-                  <a:solidFill>
-                    <a:schemeClr val="tx1"/>
-                  </a:solidFill>
-                </a:rPr>
-                <a:t>Abhängigkeiten der Services</a:t>
-              </a:r>
-            </a:p>
-            <a:p>
-              <a:pPr marL="285750" indent="-285750">
-                <a:buFont typeface="Arial" panose="020B0604020202020204" pitchFamily="34" charset="0"/>
-                <a:buChar char="•"/>
-              </a:pPr>
-              <a:endParaRPr lang="de-DE" sz="1600" dirty="0" smtClean="0">
-                <a:solidFill>
-                  <a:schemeClr val="tx1"/>
-                </a:solidFill>
-              </a:endParaRPr>
-            </a:p>
-            <a:p>
-              <a:pPr marL="285750" indent="-285750">
-                <a:buFont typeface="Arial" panose="020B0604020202020204" pitchFamily="34" charset="0"/>
-                <a:buChar char="•"/>
-              </a:pPr>
-              <a:r>
-                <a:rPr lang="de-DE" sz="1600" dirty="0" smtClean="0">
-                  <a:solidFill>
-                    <a:schemeClr val="tx1"/>
-                  </a:solidFill>
-                </a:rPr>
-                <a:t>Konfigurationsparameter</a:t>
-              </a:r>
-            </a:p>
-            <a:p>
-              <a:pPr marL="285750" indent="-285750">
-                <a:buFont typeface="Arial" panose="020B0604020202020204" pitchFamily="34" charset="0"/>
-                <a:buChar char="•"/>
-              </a:pPr>
-              <a:endParaRPr lang="de-DE" sz="1600" dirty="0" smtClean="0">
-                <a:solidFill>
-                  <a:schemeClr val="tx1"/>
-                </a:solidFill>
-              </a:endParaRPr>
-            </a:p>
-            <a:p>
-              <a:pPr marL="285750" indent="-285750">
-                <a:buFont typeface="Arial" panose="020B0604020202020204" pitchFamily="34" charset="0"/>
-                <a:buChar char="•"/>
-              </a:pPr>
-              <a:r>
-                <a:rPr lang="de-DE" sz="1600" dirty="0" smtClean="0">
-                  <a:solidFill>
-                    <a:schemeClr val="tx1"/>
-                  </a:solidFill>
-                </a:rPr>
-                <a:t>Equipment der Services</a:t>
-              </a:r>
               <a:endParaRPr lang="de-DE" sz="1600" dirty="0">
                 <a:solidFill>
                   <a:schemeClr val="tx1"/>
                 </a:solidFill>
               </a:endParaRPr>
+            </a:p>
+            <a:p>
+              <a:pPr marL="285750" indent="-285750">
+                <a:buFont typeface="Arial" panose="020B0604020202020204" pitchFamily="34" charset="0"/>
+                <a:buChar char="•"/>
+              </a:pPr>
+              <a:r>
+                <a:rPr lang="de-DE" sz="1600" dirty="0">
+                  <a:solidFill>
+                    <a:schemeClr val="tx1"/>
+                  </a:solidFill>
+                </a:rPr>
+                <a:t>Warnungen</a:t>
+              </a:r>
+            </a:p>
+            <a:p>
+              <a:pPr marL="285750" indent="-285750">
+                <a:buFont typeface="Arial" panose="020B0604020202020204" pitchFamily="34" charset="0"/>
+                <a:buChar char="•"/>
+              </a:pPr>
+              <a:endParaRPr lang="de-DE" sz="1600" dirty="0">
+                <a:solidFill>
+                  <a:schemeClr val="tx1"/>
+                </a:solidFill>
+              </a:endParaRPr>
+            </a:p>
+            <a:p>
+              <a:pPr marL="285750" indent="-285750">
+                <a:buFont typeface="Arial" panose="020B0604020202020204" pitchFamily="34" charset="0"/>
+                <a:buChar char="•"/>
+              </a:pPr>
+              <a:r>
+                <a:rPr lang="de-DE" sz="1600" dirty="0">
+                  <a:solidFill>
+                    <a:schemeClr val="tx1"/>
+                  </a:solidFill>
+                </a:rPr>
+                <a:t>Alarme</a:t>
+              </a:r>
+            </a:p>
+            <a:p>
+              <a:pPr marL="285750" indent="-285750">
+                <a:buFont typeface="Arial" panose="020B0604020202020204" pitchFamily="34" charset="0"/>
+                <a:buChar char="•"/>
+              </a:pPr>
+              <a:endParaRPr lang="de-DE" sz="1600" dirty="0">
+                <a:solidFill>
+                  <a:schemeClr val="tx1"/>
+                </a:solidFill>
+              </a:endParaRPr>
+            </a:p>
+            <a:p>
+              <a:pPr marL="285750" indent="-285750">
+                <a:buFont typeface="Arial" panose="020B0604020202020204" pitchFamily="34" charset="0"/>
+                <a:buChar char="•"/>
+              </a:pPr>
+              <a:r>
+                <a:rPr lang="de-DE" sz="1600" dirty="0">
+                  <a:solidFill>
+                    <a:schemeClr val="tx1"/>
+                  </a:solidFill>
+                </a:rPr>
+                <a:t>Abhängigkeiten der Services</a:t>
+              </a:r>
+            </a:p>
+            <a:p>
+              <a:pPr marL="285750" indent="-285750">
+                <a:buFont typeface="Arial" panose="020B0604020202020204" pitchFamily="34" charset="0"/>
+                <a:buChar char="•"/>
+              </a:pPr>
+              <a:endParaRPr lang="de-DE" sz="1600" dirty="0">
+                <a:solidFill>
+                  <a:schemeClr val="tx1"/>
+                </a:solidFill>
+              </a:endParaRPr>
+            </a:p>
+            <a:p>
+              <a:pPr marL="285750" indent="-285750">
+                <a:buFont typeface="Arial" panose="020B0604020202020204" pitchFamily="34" charset="0"/>
+                <a:buChar char="•"/>
+              </a:pPr>
+              <a:r>
+                <a:rPr lang="de-DE" sz="1600" dirty="0">
+                  <a:solidFill>
+                    <a:schemeClr val="tx1"/>
+                  </a:solidFill>
+                </a:rPr>
+                <a:t>Konfigurationsparameter</a:t>
+              </a:r>
+            </a:p>
+            <a:p>
+              <a:pPr marL="285750" indent="-285750">
+                <a:buFont typeface="Arial" panose="020B0604020202020204" pitchFamily="34" charset="0"/>
+                <a:buChar char="•"/>
+              </a:pPr>
+              <a:endParaRPr lang="de-DE" sz="1600" dirty="0">
+                <a:solidFill>
+                  <a:schemeClr val="tx1"/>
+                </a:solidFill>
+              </a:endParaRPr>
+            </a:p>
+            <a:p>
+              <a:pPr marL="285750" indent="-285750">
+                <a:buFont typeface="Arial" panose="020B0604020202020204" pitchFamily="34" charset="0"/>
+                <a:buChar char="•"/>
+              </a:pPr>
+              <a:r>
+                <a:rPr lang="de-DE" sz="1600" dirty="0">
+                  <a:solidFill>
+                    <a:schemeClr val="tx1"/>
+                  </a:solidFill>
+                </a:rPr>
+                <a:t>Equipment der Services</a:t>
+              </a:r>
             </a:p>
           </p:txBody>
         </p:sp>
@@ -20711,7 +20654,7 @@
             <p:cNvPr id="13" name="Rechteck 12">
               <a:extLst>
                 <a:ext uri="{FF2B5EF4-FFF2-40B4-BE49-F238E27FC236}">
-                  <a16:creationId xmlns:a16="http://schemas.microsoft.com/office/drawing/2014/main" xmlns="" id="{FCCEA108-686B-BB4F-95FB-4BCE5EB529F1}"/>
+                  <a16:creationId xmlns:a16="http://schemas.microsoft.com/office/drawing/2014/main" id="{FCCEA108-686B-BB4F-95FB-4BCE5EB529F1}"/>
                 </a:ext>
               </a:extLst>
             </p:cNvPr>
@@ -20754,18 +20697,13 @@
             <a:lstStyle/>
             <a:p>
               <a:r>
-                <a:rPr lang="de-DE" b="1" dirty="0" smtClean="0">
+                <a:rPr lang="de-DE" b="1" dirty="0">
                   <a:solidFill>
                     <a:schemeClr val="accent4"/>
                   </a:solidFill>
                 </a:rPr>
                 <a:t>Modulare Anlage</a:t>
               </a:r>
-              <a:endParaRPr lang="de-DE" b="1" dirty="0">
-                <a:solidFill>
-                  <a:schemeClr val="accent4"/>
-                </a:solidFill>
-              </a:endParaRPr>
             </a:p>
           </p:txBody>
         </p:sp>
@@ -20775,7 +20713,7 @@
           <p:cNvPr id="14" name="Gruppieren 13">
             <a:extLst>
               <a:ext uri="{FF2B5EF4-FFF2-40B4-BE49-F238E27FC236}">
-                <a16:creationId xmlns:a16="http://schemas.microsoft.com/office/drawing/2014/main" xmlns="" id="{64401E1E-557D-5D4F-AE09-187A0802411B}"/>
+                <a16:creationId xmlns:a16="http://schemas.microsoft.com/office/drawing/2014/main" id="{64401E1E-557D-5D4F-AE09-187A0802411B}"/>
               </a:ext>
             </a:extLst>
           </p:cNvPr>
@@ -20795,7 +20733,7 @@
             <p:cNvPr id="15" name="Rechteck 14">
               <a:extLst>
                 <a:ext uri="{FF2B5EF4-FFF2-40B4-BE49-F238E27FC236}">
-                  <a16:creationId xmlns:a16="http://schemas.microsoft.com/office/drawing/2014/main" xmlns="" id="{35A0EAB9-4039-6448-AC03-B60DE38901D0}"/>
+                  <a16:creationId xmlns:a16="http://schemas.microsoft.com/office/drawing/2014/main" id="{35A0EAB9-4039-6448-AC03-B60DE38901D0}"/>
                 </a:ext>
               </a:extLst>
             </p:cNvPr>
@@ -20839,7 +20777,7 @@
                 <a:buChar char="•"/>
               </a:pPr>
               <a:r>
-                <a:rPr lang="de-DE" dirty="0" smtClean="0">
+                <a:rPr lang="de-DE" dirty="0">
                   <a:solidFill>
                     <a:schemeClr val="tx1"/>
                   </a:solidFill>
@@ -20853,7 +20791,7 @@
                 <a:buChar char="•"/>
               </a:pPr>
               <a:r>
-                <a:rPr lang="de-DE" dirty="0" smtClean="0">
+                <a:rPr lang="de-DE" dirty="0">
                   <a:solidFill>
                     <a:schemeClr val="tx1"/>
                   </a:solidFill>
@@ -20867,7 +20805,7 @@
                 <a:buChar char="•"/>
               </a:pPr>
               <a:r>
-                <a:rPr lang="de-DE" dirty="0" smtClean="0">
+                <a:rPr lang="de-DE" dirty="0">
                   <a:solidFill>
                     <a:schemeClr val="tx1"/>
                   </a:solidFill>
@@ -20880,69 +20818,64 @@
                 <a:buFont typeface="Arial" panose="020B0604020202020204" pitchFamily="34" charset="0"/>
                 <a:buChar char="•"/>
               </a:pPr>
-              <a:endParaRPr lang="de-DE" dirty="0" smtClean="0">
-                <a:solidFill>
-                  <a:schemeClr val="tx1"/>
-                </a:solidFill>
-              </a:endParaRPr>
-            </a:p>
-            <a:p>
-              <a:pPr marL="285750" indent="-285750">
-                <a:buFont typeface="Arial" panose="020B0604020202020204" pitchFamily="34" charset="0"/>
-                <a:buChar char="•"/>
-              </a:pPr>
-              <a:r>
-                <a:rPr lang="de-DE" dirty="0" smtClean="0">
-                  <a:solidFill>
-                    <a:schemeClr val="tx1"/>
-                  </a:solidFill>
-                </a:rPr>
-                <a:t>Rüstaufwände</a:t>
-              </a:r>
-            </a:p>
-            <a:p>
-              <a:pPr marL="697230" lvl="1" indent="-285750">
-                <a:buFont typeface="Arial" panose="020B0604020202020204" pitchFamily="34" charset="0"/>
-                <a:buChar char="•"/>
-              </a:pPr>
-              <a:r>
-                <a:rPr lang="de-DE" dirty="0" smtClean="0">
-                  <a:solidFill>
-                    <a:schemeClr val="tx1"/>
-                  </a:solidFill>
-                </a:rPr>
-                <a:t>Wie aufwändig ist der Modulaustausch?</a:t>
-              </a:r>
-            </a:p>
-            <a:p>
-              <a:pPr marL="697230" lvl="1" indent="-285750">
-                <a:buFont typeface="Arial" panose="020B0604020202020204" pitchFamily="34" charset="0"/>
-                <a:buChar char="•"/>
-              </a:pPr>
-              <a:endParaRPr lang="de-DE" dirty="0" smtClean="0">
-                <a:solidFill>
-                  <a:schemeClr val="tx1"/>
-                </a:solidFill>
-              </a:endParaRPr>
-            </a:p>
-            <a:p>
-              <a:pPr marL="285750" indent="-285750">
-                <a:buFont typeface="Arial" panose="020B0604020202020204" pitchFamily="34" charset="0"/>
-                <a:buChar char="•"/>
-              </a:pPr>
-              <a:r>
-                <a:rPr lang="de-DE" dirty="0" smtClean="0">
-                  <a:solidFill>
-                    <a:schemeClr val="tx1"/>
-                  </a:solidFill>
-                </a:rPr>
-                <a:t>Entstehende Kosten durch Stillstand</a:t>
-              </a:r>
               <a:endParaRPr lang="de-DE" dirty="0">
                 <a:solidFill>
                   <a:schemeClr val="tx1"/>
                 </a:solidFill>
               </a:endParaRPr>
+            </a:p>
+            <a:p>
+              <a:pPr marL="285750" indent="-285750">
+                <a:buFont typeface="Arial" panose="020B0604020202020204" pitchFamily="34" charset="0"/>
+                <a:buChar char="•"/>
+              </a:pPr>
+              <a:r>
+                <a:rPr lang="de-DE" dirty="0">
+                  <a:solidFill>
+                    <a:schemeClr val="tx1"/>
+                  </a:solidFill>
+                </a:rPr>
+                <a:t>Rüstaufwände</a:t>
+              </a:r>
+            </a:p>
+            <a:p>
+              <a:pPr marL="697230" lvl="1" indent="-285750">
+                <a:buFont typeface="Arial" panose="020B0604020202020204" pitchFamily="34" charset="0"/>
+                <a:buChar char="•"/>
+              </a:pPr>
+              <a:r>
+                <a:rPr lang="de-DE" dirty="0">
+                  <a:solidFill>
+                    <a:schemeClr val="tx1"/>
+                  </a:solidFill>
+                </a:rPr>
+                <a:t>Wie aufwändig ist der Modulaustausch?</a:t>
+              </a:r>
+            </a:p>
+            <a:p>
+              <a:pPr marL="697230" lvl="1" indent="-285750">
+                <a:buFont typeface="Arial" panose="020B0604020202020204" pitchFamily="34" charset="0"/>
+                <a:buChar char="•"/>
+              </a:pPr>
+              <a:endParaRPr lang="de-DE" dirty="0">
+                <a:solidFill>
+                  <a:schemeClr val="tx1"/>
+                </a:solidFill>
+              </a:endParaRPr>
+            </a:p>
+            <a:p>
+              <a:pPr marL="285750" indent="-285750">
+                <a:buFont typeface="Arial" panose="020B0604020202020204" pitchFamily="34" charset="0"/>
+                <a:buChar char="•"/>
+              </a:pPr>
+              <a:r>
+                <a:rPr lang="de-DE" dirty="0">
+                  <a:solidFill>
+                    <a:schemeClr val="tx1"/>
+                  </a:solidFill>
+                </a:rPr>
+                <a:t>Entstehende Kosten durch Stillstand</a:t>
+              </a:r>
             </a:p>
           </p:txBody>
         </p:sp>
@@ -20951,7 +20884,7 @@
             <p:cNvPr id="16" name="Rechteck 15">
               <a:extLst>
                 <a:ext uri="{FF2B5EF4-FFF2-40B4-BE49-F238E27FC236}">
-                  <a16:creationId xmlns:a16="http://schemas.microsoft.com/office/drawing/2014/main" xmlns="" id="{FCCEA108-686B-BB4F-95FB-4BCE5EB529F1}"/>
+                  <a16:creationId xmlns:a16="http://schemas.microsoft.com/office/drawing/2014/main" id="{FCCEA108-686B-BB4F-95FB-4BCE5EB529F1}"/>
                 </a:ext>
               </a:extLst>
             </p:cNvPr>
@@ -20994,18 +20927,13 @@
             <a:lstStyle/>
             <a:p>
               <a:r>
-                <a:rPr lang="de-DE" b="1" dirty="0" smtClean="0">
+                <a:rPr lang="de-DE" b="1" dirty="0">
                   <a:solidFill>
                     <a:schemeClr val="accent4"/>
                   </a:solidFill>
                 </a:rPr>
                 <a:t>Wirtschaftlichkeit</a:t>
               </a:r>
-              <a:endParaRPr lang="de-DE" b="1" dirty="0">
-                <a:solidFill>
-                  <a:schemeClr val="accent4"/>
-                </a:solidFill>
-              </a:endParaRPr>
             </a:p>
           </p:txBody>
         </p:sp>
@@ -21023,7 +20951,7 @@
 </p:sld>
 </file>
 
-<file path=ppt/slides/slide5.xml><?xml version="1.0" encoding="utf-8"?>
+<file path=ppt/slides/slide4.xml><?xml version="1.0" encoding="utf-8"?>
 <p:sld xmlns:a="http://schemas.openxmlformats.org/drawingml/2006/main" xmlns:r="http://schemas.openxmlformats.org/officeDocument/2006/relationships" xmlns:p="http://schemas.openxmlformats.org/presentationml/2006/main">
   <p:cSld>
     <p:spTree>
@@ -21067,7 +20995,7 @@
           <p:cNvPr id="4" name="Gruppieren 3">
             <a:extLst>
               <a:ext uri="{FF2B5EF4-FFF2-40B4-BE49-F238E27FC236}">
-                <a16:creationId xmlns:a16="http://schemas.microsoft.com/office/drawing/2014/main" xmlns="" id="{64401E1E-557D-5D4F-AE09-187A0802411B}"/>
+                <a16:creationId xmlns:a16="http://schemas.microsoft.com/office/drawing/2014/main" id="{64401E1E-557D-5D4F-AE09-187A0802411B}"/>
               </a:ext>
             </a:extLst>
           </p:cNvPr>
@@ -21087,7 +21015,7 @@
             <p:cNvPr id="5" name="Rechteck 4">
               <a:extLst>
                 <a:ext uri="{FF2B5EF4-FFF2-40B4-BE49-F238E27FC236}">
-                  <a16:creationId xmlns:a16="http://schemas.microsoft.com/office/drawing/2014/main" xmlns="" id="{35A0EAB9-4039-6448-AC03-B60DE38901D0}"/>
+                  <a16:creationId xmlns:a16="http://schemas.microsoft.com/office/drawing/2014/main" id="{35A0EAB9-4039-6448-AC03-B60DE38901D0}"/>
                 </a:ext>
               </a:extLst>
             </p:cNvPr>
@@ -21249,7 +21177,7 @@
             <p:cNvPr id="6" name="Rechteck 5">
               <a:extLst>
                 <a:ext uri="{FF2B5EF4-FFF2-40B4-BE49-F238E27FC236}">
-                  <a16:creationId xmlns:a16="http://schemas.microsoft.com/office/drawing/2014/main" xmlns="" id="{FCCEA108-686B-BB4F-95FB-4BCE5EB529F1}"/>
+                  <a16:creationId xmlns:a16="http://schemas.microsoft.com/office/drawing/2014/main" id="{FCCEA108-686B-BB4F-95FB-4BCE5EB529F1}"/>
                 </a:ext>
               </a:extLst>
             </p:cNvPr>
@@ -21308,7 +21236,7 @@
           <p:cNvPr id="7" name="Gruppieren 6">
             <a:extLst>
               <a:ext uri="{FF2B5EF4-FFF2-40B4-BE49-F238E27FC236}">
-                <a16:creationId xmlns:a16="http://schemas.microsoft.com/office/drawing/2014/main" xmlns="" id="{64401E1E-557D-5D4F-AE09-187A0802411B}"/>
+                <a16:creationId xmlns:a16="http://schemas.microsoft.com/office/drawing/2014/main" id="{64401E1E-557D-5D4F-AE09-187A0802411B}"/>
               </a:ext>
             </a:extLst>
           </p:cNvPr>
@@ -21328,7 +21256,7 @@
             <p:cNvPr id="8" name="Rechteck 7">
               <a:extLst>
                 <a:ext uri="{FF2B5EF4-FFF2-40B4-BE49-F238E27FC236}">
-                  <a16:creationId xmlns:a16="http://schemas.microsoft.com/office/drawing/2014/main" xmlns="" id="{35A0EAB9-4039-6448-AC03-B60DE38901D0}"/>
+                  <a16:creationId xmlns:a16="http://schemas.microsoft.com/office/drawing/2014/main" id="{35A0EAB9-4039-6448-AC03-B60DE38901D0}"/>
                 </a:ext>
               </a:extLst>
             </p:cNvPr>
@@ -21459,7 +21387,7 @@
             <p:cNvPr id="9" name="Rechteck 8">
               <a:extLst>
                 <a:ext uri="{FF2B5EF4-FFF2-40B4-BE49-F238E27FC236}">
-                  <a16:creationId xmlns:a16="http://schemas.microsoft.com/office/drawing/2014/main" xmlns="" id="{FCCEA108-686B-BB4F-95FB-4BCE5EB529F1}"/>
+                  <a16:creationId xmlns:a16="http://schemas.microsoft.com/office/drawing/2014/main" id="{FCCEA108-686B-BB4F-95FB-4BCE5EB529F1}"/>
                 </a:ext>
               </a:extLst>
             </p:cNvPr>
@@ -21518,7 +21446,7 @@
           <p:cNvPr id="10" name="Rechteck 9">
             <a:extLst>
               <a:ext uri="{FF2B5EF4-FFF2-40B4-BE49-F238E27FC236}">
-                <a16:creationId xmlns:a16="http://schemas.microsoft.com/office/drawing/2014/main" xmlns="" id="{FCCEA108-686B-BB4F-95FB-4BCE5EB529F1}"/>
+                <a16:creationId xmlns:a16="http://schemas.microsoft.com/office/drawing/2014/main" id="{FCCEA108-686B-BB4F-95FB-4BCE5EB529F1}"/>
               </a:ext>
             </a:extLst>
           </p:cNvPr>
@@ -21614,7 +21542,7 @@
           <p:cNvPr id="13" name="Gruppieren 12">
             <a:extLst>
               <a:ext uri="{FF2B5EF4-FFF2-40B4-BE49-F238E27FC236}">
-                <a16:creationId xmlns:a16="http://schemas.microsoft.com/office/drawing/2014/main" xmlns="" id="{64401E1E-557D-5D4F-AE09-187A0802411B}"/>
+                <a16:creationId xmlns:a16="http://schemas.microsoft.com/office/drawing/2014/main" id="{64401E1E-557D-5D4F-AE09-187A0802411B}"/>
               </a:ext>
             </a:extLst>
           </p:cNvPr>
@@ -21634,7 +21562,7 @@
             <p:cNvPr id="14" name="Rechteck 13">
               <a:extLst>
                 <a:ext uri="{FF2B5EF4-FFF2-40B4-BE49-F238E27FC236}">
-                  <a16:creationId xmlns:a16="http://schemas.microsoft.com/office/drawing/2014/main" xmlns="" id="{35A0EAB9-4039-6448-AC03-B60DE38901D0}"/>
+                  <a16:creationId xmlns:a16="http://schemas.microsoft.com/office/drawing/2014/main" id="{35A0EAB9-4039-6448-AC03-B60DE38901D0}"/>
                 </a:ext>
               </a:extLst>
             </p:cNvPr>
@@ -21750,7 +21678,7 @@
             <p:cNvPr id="15" name="Rechteck 14">
               <a:extLst>
                 <a:ext uri="{FF2B5EF4-FFF2-40B4-BE49-F238E27FC236}">
-                  <a16:creationId xmlns:a16="http://schemas.microsoft.com/office/drawing/2014/main" xmlns="" id="{FCCEA108-686B-BB4F-95FB-4BCE5EB529F1}"/>
+                  <a16:creationId xmlns:a16="http://schemas.microsoft.com/office/drawing/2014/main" id="{FCCEA108-686B-BB4F-95FB-4BCE5EB529F1}"/>
                 </a:ext>
               </a:extLst>
             </p:cNvPr>
@@ -21809,7 +21737,7 @@
           <p:cNvPr id="16" name="Rechteck 15">
             <a:extLst>
               <a:ext uri="{FF2B5EF4-FFF2-40B4-BE49-F238E27FC236}">
-                <a16:creationId xmlns:a16="http://schemas.microsoft.com/office/drawing/2014/main" xmlns="" id="{FCCEA108-686B-BB4F-95FB-4BCE5EB529F1}"/>
+                <a16:creationId xmlns:a16="http://schemas.microsoft.com/office/drawing/2014/main" id="{FCCEA108-686B-BB4F-95FB-4BCE5EB529F1}"/>
               </a:ext>
             </a:extLst>
           </p:cNvPr>
@@ -21867,7 +21795,7 @@
           <p:cNvPr id="18" name="Rechteck 17">
             <a:extLst>
               <a:ext uri="{FF2B5EF4-FFF2-40B4-BE49-F238E27FC236}">
-                <a16:creationId xmlns:a16="http://schemas.microsoft.com/office/drawing/2014/main" xmlns="" id="{FCCEA108-686B-BB4F-95FB-4BCE5EB529F1}"/>
+                <a16:creationId xmlns:a16="http://schemas.microsoft.com/office/drawing/2014/main" id="{FCCEA108-686B-BB4F-95FB-4BCE5EB529F1}"/>
               </a:ext>
             </a:extLst>
           </p:cNvPr>
@@ -22005,7 +21933,7 @@
 </p:sld>
 </file>
 
-<file path=ppt/slides/slide6.xml><?xml version="1.0" encoding="utf-8"?>
+<file path=ppt/slides/slide5.xml><?xml version="1.0" encoding="utf-8"?>
 <p:sld xmlns:a="http://schemas.openxmlformats.org/drawingml/2006/main" xmlns:r="http://schemas.openxmlformats.org/officeDocument/2006/relationships" xmlns:p="http://schemas.openxmlformats.org/presentationml/2006/main">
   <p:cSld>
     <p:spTree>
@@ -22038,10 +21966,9 @@
           <a:lstStyle/>
           <a:p>
             <a:r>
-              <a:rPr lang="de-DE" dirty="0" smtClean="0"/>
+              <a:rPr lang="de-DE" dirty="0"/>
               <a:t>Ablauf des Problemlöseprozess</a:t>
             </a:r>
-            <a:endParaRPr lang="de-DE" dirty="0"/>
           </a:p>
         </p:txBody>
       </p:sp>
@@ -22064,7 +21991,7 @@
             <p:cNvPr id="6" name="Gruppieren 5">
               <a:extLst>
                 <a:ext uri="{FF2B5EF4-FFF2-40B4-BE49-F238E27FC236}">
-                  <a16:creationId xmlns:a16="http://schemas.microsoft.com/office/drawing/2014/main" xmlns="" id="{64401E1E-557D-5D4F-AE09-187A0802411B}"/>
+                  <a16:creationId xmlns:a16="http://schemas.microsoft.com/office/drawing/2014/main" id="{64401E1E-557D-5D4F-AE09-187A0802411B}"/>
                 </a:ext>
               </a:extLst>
             </p:cNvPr>
@@ -22084,7 +22011,7 @@
               <p:cNvPr id="7" name="Rechteck 6">
                 <a:extLst>
                   <a:ext uri="{FF2B5EF4-FFF2-40B4-BE49-F238E27FC236}">
-                    <a16:creationId xmlns:a16="http://schemas.microsoft.com/office/drawing/2014/main" xmlns="" id="{35A0EAB9-4039-6448-AC03-B60DE38901D0}"/>
+                    <a16:creationId xmlns:a16="http://schemas.microsoft.com/office/drawing/2014/main" id="{35A0EAB9-4039-6448-AC03-B60DE38901D0}"/>
                   </a:ext>
                 </a:extLst>
               </p:cNvPr>
@@ -22145,7 +22072,7 @@
               <p:cNvPr id="8" name="Rechteck 7">
                 <a:extLst>
                   <a:ext uri="{FF2B5EF4-FFF2-40B4-BE49-F238E27FC236}">
-                    <a16:creationId xmlns:a16="http://schemas.microsoft.com/office/drawing/2014/main" xmlns="" id="{FCCEA108-686B-BB4F-95FB-4BCE5EB529F1}"/>
+                    <a16:creationId xmlns:a16="http://schemas.microsoft.com/office/drawing/2014/main" id="{FCCEA108-686B-BB4F-95FB-4BCE5EB529F1}"/>
                   </a:ext>
                 </a:extLst>
               </p:cNvPr>
@@ -22261,7 +22188,7 @@
                   <a:buChar char="•"/>
                 </a:pPr>
                 <a:r>
-                  <a:rPr lang="de-DE" dirty="0" smtClean="0">
+                  <a:rPr lang="de-DE" dirty="0">
                     <a:solidFill>
                       <a:schemeClr val="tx1"/>
                     </a:solidFill>
@@ -22275,7 +22202,7 @@
                   <a:buChar char="•"/>
                 </a:pPr>
                 <a:r>
-                  <a:rPr lang="de-DE" dirty="0" smtClean="0">
+                  <a:rPr lang="de-DE" dirty="0">
                     <a:solidFill>
                       <a:schemeClr val="tx1"/>
                     </a:solidFill>
@@ -22289,18 +22216,13 @@
                   <a:buChar char="•"/>
                 </a:pPr>
                 <a:r>
-                  <a:rPr lang="de-DE" dirty="0" smtClean="0">
+                  <a:rPr lang="de-DE" dirty="0">
                     <a:solidFill>
                       <a:schemeClr val="tx1"/>
                     </a:solidFill>
                   </a:rPr>
                   <a:t>Zustand der Services</a:t>
                 </a:r>
-                <a:endParaRPr lang="de-DE" dirty="0">
-                  <a:solidFill>
-                    <a:schemeClr val="tx1"/>
-                  </a:solidFill>
-                </a:endParaRPr>
               </a:p>
             </p:txBody>
           </p:sp>
@@ -22309,7 +22231,7 @@
               <p:cNvPr id="11" name="Rechteck 10">
                 <a:extLst>
                   <a:ext uri="{FF2B5EF4-FFF2-40B4-BE49-F238E27FC236}">
-                    <a16:creationId xmlns:a16="http://schemas.microsoft.com/office/drawing/2014/main" xmlns="" id="{FCCEA108-686B-BB4F-95FB-4BCE5EB529F1}"/>
+                    <a16:creationId xmlns:a16="http://schemas.microsoft.com/office/drawing/2014/main" id="{FCCEA108-686B-BB4F-95FB-4BCE5EB529F1}"/>
                   </a:ext>
                 </a:extLst>
               </p:cNvPr>
@@ -22357,21 +22279,8 @@
                       <a:schemeClr val="accent4"/>
                     </a:solidFill>
                   </a:rPr>
-                  <a:t>Informationen über den aktuellen </a:t>
+                  <a:t>Informationen über den aktuellen Status</a:t>
                 </a:r>
-                <a:r>
-                  <a:rPr lang="de-DE" dirty="0" smtClean="0">
-                    <a:solidFill>
-                      <a:schemeClr val="accent4"/>
-                    </a:solidFill>
-                  </a:rPr>
-                  <a:t>Status</a:t>
-                </a:r>
-                <a:endParaRPr lang="de-DE" dirty="0">
-                  <a:solidFill>
-                    <a:schemeClr val="accent4"/>
-                  </a:solidFill>
-                </a:endParaRPr>
               </a:p>
             </p:txBody>
           </p:sp>
@@ -22438,7 +22347,7 @@
                   <a:buChar char="•"/>
                 </a:pPr>
                 <a:r>
-                  <a:rPr lang="de-DE" dirty="0" smtClean="0">
+                  <a:rPr lang="de-DE" dirty="0">
                     <a:solidFill>
                       <a:schemeClr val="tx1"/>
                     </a:solidFill>
@@ -22452,7 +22361,7 @@
                   <a:buChar char="•"/>
                 </a:pPr>
                 <a:r>
-                  <a:rPr lang="de-DE" dirty="0" smtClean="0">
+                  <a:rPr lang="de-DE" dirty="0">
                     <a:solidFill>
                       <a:schemeClr val="tx1"/>
                     </a:solidFill>
@@ -22461,12 +22370,23 @@
                 </a:r>
               </a:p>
               <a:p>
+                <a:pPr marL="697230" lvl="1" indent="-285750">
+                  <a:buFont typeface="Arial" panose="020B0604020202020204" pitchFamily="34" charset="0"/>
+                  <a:buChar char="•"/>
+                </a:pPr>
+                <a:endParaRPr lang="de-DE" dirty="0">
+                  <a:solidFill>
+                    <a:schemeClr val="tx1"/>
+                  </a:solidFill>
+                </a:endParaRPr>
+              </a:p>
+              <a:p>
                 <a:pPr marL="285750" indent="-285750">
                   <a:buFont typeface="Arial" panose="020B0604020202020204" pitchFamily="34" charset="0"/>
                   <a:buChar char="•"/>
                 </a:pPr>
                 <a:r>
-                  <a:rPr lang="de-DE" dirty="0" smtClean="0">
+                  <a:rPr lang="de-DE" dirty="0">
                     <a:solidFill>
                       <a:schemeClr val="tx1"/>
                     </a:solidFill>
@@ -22480,18 +22400,13 @@
                   <a:buChar char="•"/>
                 </a:pPr>
                 <a:r>
-                  <a:rPr lang="de-DE" dirty="0" smtClean="0">
+                  <a:rPr lang="de-DE" dirty="0">
                     <a:solidFill>
                       <a:schemeClr val="tx1"/>
                     </a:solidFill>
                   </a:rPr>
                   <a:t>Anhand des aktuellen Status</a:t>
                 </a:r>
-                <a:endParaRPr lang="de-DE" dirty="0">
-                  <a:solidFill>
-                    <a:schemeClr val="tx1"/>
-                  </a:solidFill>
-                </a:endParaRPr>
               </a:p>
             </p:txBody>
           </p:sp>
@@ -22500,7 +22415,7 @@
               <p:cNvPr id="14" name="Rechteck 13">
                 <a:extLst>
                   <a:ext uri="{FF2B5EF4-FFF2-40B4-BE49-F238E27FC236}">
-                    <a16:creationId xmlns:a16="http://schemas.microsoft.com/office/drawing/2014/main" xmlns="" id="{FCCEA108-686B-BB4F-95FB-4BCE5EB529F1}"/>
+                    <a16:creationId xmlns:a16="http://schemas.microsoft.com/office/drawing/2014/main" id="{FCCEA108-686B-BB4F-95FB-4BCE5EB529F1}"/>
                   </a:ext>
                 </a:extLst>
               </p:cNvPr>
@@ -22543,53 +22458,18 @@
               <a:lstStyle/>
               <a:p>
                 <a:r>
-                  <a:rPr lang="de-DE" dirty="0" smtClean="0">
+                  <a:rPr lang="de-DE" dirty="0">
                     <a:solidFill>
                       <a:schemeClr val="accent4"/>
                     </a:solidFill>
                   </a:rPr>
                   <a:t>Problembeschreibung und Zieldefinition</a:t>
                 </a:r>
-                <a:endParaRPr lang="de-DE" dirty="0">
-                  <a:solidFill>
-                    <a:schemeClr val="accent4"/>
-                  </a:solidFill>
-                </a:endParaRPr>
               </a:p>
             </p:txBody>
           </p:sp>
         </p:grpSp>
       </p:grpSp>
-      <p:pic>
-        <p:nvPicPr>
-          <p:cNvPr id="3" name="Grafik 2"/>
-          <p:cNvPicPr>
-            <a:picLocks noChangeAspect="1"/>
-          </p:cNvPicPr>
-          <p:nvPr/>
-        </p:nvPicPr>
-        <p:blipFill>
-          <a:blip r:embed="rId3">
-            <a:extLst>
-              <a:ext uri="{28A0092B-C50C-407E-A947-70E740481C1C}">
-                <a14:useLocalDpi xmlns:a14="http://schemas.microsoft.com/office/drawing/2010/main" val="0"/>
-              </a:ext>
-            </a:extLst>
-          </a:blip>
-          <a:stretch>
-            <a:fillRect/>
-          </a:stretch>
-        </p:blipFill>
-        <p:spPr>
-          <a:xfrm>
-            <a:off x="874712" y="3238253"/>
-            <a:ext cx="4809614" cy="2791072"/>
-          </a:xfrm>
-          <a:prstGeom prst="rect">
-            <a:avLst/>
-          </a:prstGeom>
-        </p:spPr>
-      </p:pic>
       <p:pic>
         <p:nvPicPr>
           <p:cNvPr id="4" name="Grafik 3"/>
@@ -22599,7 +22479,7 @@
           <p:nvPr/>
         </p:nvPicPr>
         <p:blipFill>
-          <a:blip r:embed="rId4">
+          <a:blip r:embed="rId3">
             <a:extLst>
               <a:ext uri="{28A0092B-C50C-407E-A947-70E740481C1C}">
                 <a14:useLocalDpi xmlns:a14="http://schemas.microsoft.com/office/drawing/2010/main" val="0"/>
@@ -22620,6 +22500,42 @@
           </a:prstGeom>
         </p:spPr>
       </p:pic>
+      <p:pic>
+        <p:nvPicPr>
+          <p:cNvPr id="16" name="Grafik 15">
+            <a:extLst>
+              <a:ext uri="{FF2B5EF4-FFF2-40B4-BE49-F238E27FC236}">
+                <a16:creationId xmlns:a16="http://schemas.microsoft.com/office/drawing/2014/main" id="{5F5EC1D0-6DA0-2445-BD1B-0BFF79CFDB8D}"/>
+              </a:ext>
+            </a:extLst>
+          </p:cNvPr>
+          <p:cNvPicPr>
+            <a:picLocks noChangeAspect="1"/>
+          </p:cNvPicPr>
+          <p:nvPr/>
+        </p:nvPicPr>
+        <p:blipFill>
+          <a:blip r:embed="rId4">
+            <a:extLst>
+              <a:ext uri="{28A0092B-C50C-407E-A947-70E740481C1C}">
+                <a14:useLocalDpi xmlns:a14="http://schemas.microsoft.com/office/drawing/2010/main" val="0"/>
+              </a:ext>
+            </a:extLst>
+          </a:blip>
+          <a:stretch>
+            <a:fillRect/>
+          </a:stretch>
+        </p:blipFill>
+        <p:spPr>
+          <a:xfrm>
+            <a:off x="629460" y="2943946"/>
+            <a:ext cx="5376039" cy="3085379"/>
+          </a:xfrm>
+          <a:prstGeom prst="rect">
+            <a:avLst/>
+          </a:prstGeom>
+        </p:spPr>
+      </p:pic>
     </p:spTree>
     <p:extLst>
       <p:ext uri="{BB962C8B-B14F-4D97-AF65-F5344CB8AC3E}">
@@ -22630,17 +22546,10 @@
   <p:clrMapOvr>
     <a:masterClrMapping/>
   </p:clrMapOvr>
-  <p:timing>
-    <p:tnLst>
-      <p:par>
-        <p:cTn id="1" dur="indefinite" restart="never" nodeType="tmRoot"/>
-      </p:par>
-    </p:tnLst>
-  </p:timing>
 </p:sld>
 </file>
 
-<file path=ppt/slides/slide7.xml><?xml version="1.0" encoding="utf-8"?>
+<file path=ppt/slides/slide6.xml><?xml version="1.0" encoding="utf-8"?>
 <p:sld xmlns:a="http://schemas.openxmlformats.org/drawingml/2006/main" xmlns:r="http://schemas.openxmlformats.org/officeDocument/2006/relationships" xmlns:p="http://schemas.openxmlformats.org/presentationml/2006/main">
   <p:cSld>
     <p:spTree>
@@ -22699,7 +22608,7 @@
         </p:blipFill>
         <p:spPr>
           <a:xfrm>
-            <a:off x="1266069" y="346074"/>
+            <a:off x="1197014" y="346075"/>
             <a:ext cx="9797971" cy="5679713"/>
           </a:xfrm>
         </p:spPr>
@@ -22708,6 +22617,575 @@
     <p:extLst>
       <p:ext uri="{BB962C8B-B14F-4D97-AF65-F5344CB8AC3E}">
         <p14:creationId xmlns:p14="http://schemas.microsoft.com/office/powerpoint/2010/main" val="3221044926"/>
+      </p:ext>
+    </p:extLst>
+  </p:cSld>
+  <p:clrMapOvr>
+    <a:masterClrMapping/>
+  </p:clrMapOvr>
+</p:sld>
+</file>
+
+<file path=ppt/slides/slide7.xml><?xml version="1.0" encoding="utf-8"?>
+<p:sld xmlns:a="http://schemas.openxmlformats.org/drawingml/2006/main" xmlns:r="http://schemas.openxmlformats.org/officeDocument/2006/relationships" xmlns:p="http://schemas.openxmlformats.org/presentationml/2006/main">
+  <p:cSld>
+    <p:spTree>
+      <p:nvGrpSpPr>
+        <p:cNvPr id="1" name=""/>
+        <p:cNvGrpSpPr/>
+        <p:nvPr/>
+      </p:nvGrpSpPr>
+      <p:grpSpPr>
+        <a:xfrm>
+          <a:off x="0" y="0"/>
+          <a:ext cx="0" cy="0"/>
+          <a:chOff x="0" y="0"/>
+          <a:chExt cx="0" cy="0"/>
+        </a:xfrm>
+      </p:grpSpPr>
+      <p:sp>
+        <p:nvSpPr>
+          <p:cNvPr id="2" name="Titel 1"/>
+          <p:cNvSpPr>
+            <a:spLocks noGrp="1"/>
+          </p:cNvSpPr>
+          <p:nvPr>
+            <p:ph type="title"/>
+          </p:nvPr>
+        </p:nvSpPr>
+        <p:spPr/>
+        <p:txBody>
+          <a:bodyPr/>
+          <a:lstStyle/>
+          <a:p>
+            <a:r>
+              <a:rPr lang="de-DE" dirty="0"/>
+              <a:t>Ablauf des Problemlöseprozess</a:t>
+            </a:r>
+          </a:p>
+        </p:txBody>
+      </p:sp>
+      <p:grpSp>
+        <p:nvGrpSpPr>
+          <p:cNvPr id="12" name="Gruppieren 11"/>
+          <p:cNvGrpSpPr/>
+          <p:nvPr/>
+        </p:nvGrpSpPr>
+        <p:grpSpPr>
+          <a:xfrm>
+            <a:off x="8063918" y="805727"/>
+            <a:ext cx="3179677" cy="4872163"/>
+            <a:chOff x="5722588" y="1133465"/>
+            <a:chExt cx="4850447" cy="4872163"/>
+          </a:xfrm>
+        </p:grpSpPr>
+        <p:grpSp>
+          <p:nvGrpSpPr>
+            <p:cNvPr id="6" name="Gruppieren 5">
+              <a:extLst>
+                <a:ext uri="{FF2B5EF4-FFF2-40B4-BE49-F238E27FC236}">
+                  <a16:creationId xmlns:a16="http://schemas.microsoft.com/office/drawing/2014/main" id="{64401E1E-557D-5D4F-AE09-187A0802411B}"/>
+                </a:ext>
+              </a:extLst>
+            </p:cNvPr>
+            <p:cNvGrpSpPr/>
+            <p:nvPr/>
+          </p:nvGrpSpPr>
+          <p:grpSpPr>
+            <a:xfrm>
+              <a:off x="5722588" y="1133465"/>
+              <a:ext cx="4850447" cy="4872163"/>
+              <a:chOff x="1780030" y="1768991"/>
+              <a:chExt cx="4850447" cy="4872163"/>
+            </a:xfrm>
+          </p:grpSpPr>
+          <p:sp>
+            <p:nvSpPr>
+              <p:cNvPr id="7" name="Rechteck 6">
+                <a:extLst>
+                  <a:ext uri="{FF2B5EF4-FFF2-40B4-BE49-F238E27FC236}">
+                    <a16:creationId xmlns:a16="http://schemas.microsoft.com/office/drawing/2014/main" id="{35A0EAB9-4039-6448-AC03-B60DE38901D0}"/>
+                  </a:ext>
+                </a:extLst>
+              </p:cNvPr>
+              <p:cNvSpPr/>
+              <p:nvPr/>
+            </p:nvSpPr>
+            <p:spPr>
+              <a:xfrm>
+                <a:off x="1780030" y="1907078"/>
+                <a:ext cx="4850447" cy="4734076"/>
+              </a:xfrm>
+              <a:prstGeom prst="rect">
+                <a:avLst/>
+              </a:prstGeom>
+              <a:solidFill>
+                <a:schemeClr val="bg1"/>
+              </a:solidFill>
+              <a:ln>
+                <a:solidFill>
+                  <a:schemeClr val="accent4"/>
+                </a:solidFill>
+              </a:ln>
+            </p:spPr>
+            <p:style>
+              <a:lnRef idx="2">
+                <a:schemeClr val="accent1">
+                  <a:shade val="50000"/>
+                </a:schemeClr>
+              </a:lnRef>
+              <a:fillRef idx="1">
+                <a:schemeClr val="accent1"/>
+              </a:fillRef>
+              <a:effectRef idx="0">
+                <a:schemeClr val="accent1"/>
+              </a:effectRef>
+              <a:fontRef idx="minor">
+                <a:schemeClr val="lt1"/>
+              </a:fontRef>
+            </p:style>
+            <p:txBody>
+              <a:bodyPr tIns="251999" rtlCol="0" anchor="t"/>
+              <a:lstStyle/>
+              <a:p>
+                <a:pPr marL="285750" indent="-285750">
+                  <a:buFont typeface="Arial" panose="020B0604020202020204" pitchFamily="34" charset="0"/>
+                  <a:buChar char="•"/>
+                </a:pPr>
+                <a:endParaRPr lang="de-DE" dirty="0">
+                  <a:solidFill>
+                    <a:schemeClr val="tx1"/>
+                  </a:solidFill>
+                </a:endParaRPr>
+              </a:p>
+            </p:txBody>
+          </p:sp>
+          <p:sp>
+            <p:nvSpPr>
+              <p:cNvPr id="8" name="Rechteck 7">
+                <a:extLst>
+                  <a:ext uri="{FF2B5EF4-FFF2-40B4-BE49-F238E27FC236}">
+                    <a16:creationId xmlns:a16="http://schemas.microsoft.com/office/drawing/2014/main" id="{FCCEA108-686B-BB4F-95FB-4BCE5EB529F1}"/>
+                  </a:ext>
+                </a:extLst>
+              </p:cNvPr>
+              <p:cNvSpPr/>
+              <p:nvPr/>
+            </p:nvSpPr>
+            <p:spPr>
+              <a:xfrm>
+                <a:off x="2151234" y="1768991"/>
+                <a:ext cx="2739808" cy="315259"/>
+              </a:xfrm>
+              <a:prstGeom prst="rect">
+                <a:avLst/>
+              </a:prstGeom>
+              <a:solidFill>
+                <a:schemeClr val="bg1"/>
+              </a:solidFill>
+              <a:ln>
+                <a:noFill/>
+              </a:ln>
+            </p:spPr>
+            <p:style>
+              <a:lnRef idx="2">
+                <a:schemeClr val="accent1">
+                  <a:shade val="50000"/>
+                </a:schemeClr>
+              </a:lnRef>
+              <a:fillRef idx="1">
+                <a:schemeClr val="accent1"/>
+              </a:fillRef>
+              <a:effectRef idx="0">
+                <a:schemeClr val="accent1"/>
+              </a:effectRef>
+              <a:fontRef idx="minor">
+                <a:schemeClr val="lt1"/>
+              </a:fontRef>
+            </p:style>
+            <p:txBody>
+              <a:bodyPr rtlCol="0" anchor="ctr"/>
+              <a:lstStyle/>
+              <a:p>
+                <a:r>
+                  <a:rPr lang="de-DE" b="1" dirty="0">
+                    <a:solidFill>
+                      <a:schemeClr val="tx1"/>
+                    </a:solidFill>
+                  </a:rPr>
+                  <a:t>Problemlösung</a:t>
+                </a:r>
+              </a:p>
+            </p:txBody>
+          </p:sp>
+        </p:grpSp>
+        <p:grpSp>
+          <p:nvGrpSpPr>
+            <p:cNvPr id="13" name="Gruppieren 12"/>
+            <p:cNvGrpSpPr/>
+            <p:nvPr/>
+          </p:nvGrpSpPr>
+          <p:grpSpPr>
+            <a:xfrm>
+              <a:off x="6025934" y="1545246"/>
+              <a:ext cx="4303093" cy="1303643"/>
+              <a:chOff x="6886499" y="1407551"/>
+              <a:chExt cx="4303093" cy="1303643"/>
+            </a:xfrm>
+          </p:grpSpPr>
+          <p:sp>
+            <p:nvSpPr>
+              <p:cNvPr id="9" name="Rechteck 8"/>
+              <p:cNvSpPr/>
+              <p:nvPr/>
+            </p:nvSpPr>
+            <p:spPr>
+              <a:xfrm>
+                <a:off x="6886499" y="1576320"/>
+                <a:ext cx="4303093" cy="1134874"/>
+              </a:xfrm>
+              <a:prstGeom prst="rect">
+                <a:avLst/>
+              </a:prstGeom>
+              <a:solidFill>
+                <a:schemeClr val="bg1"/>
+              </a:solidFill>
+              <a:ln>
+                <a:solidFill>
+                  <a:schemeClr val="accent6"/>
+                </a:solidFill>
+              </a:ln>
+            </p:spPr>
+            <p:style>
+              <a:lnRef idx="2">
+                <a:schemeClr val="accent1">
+                  <a:shade val="50000"/>
+                </a:schemeClr>
+              </a:lnRef>
+              <a:fillRef idx="1">
+                <a:schemeClr val="accent1"/>
+              </a:fillRef>
+              <a:effectRef idx="0">
+                <a:schemeClr val="accent1"/>
+              </a:effectRef>
+              <a:fontRef idx="minor">
+                <a:schemeClr val="lt1"/>
+              </a:fontRef>
+            </p:style>
+            <p:txBody>
+              <a:bodyPr tIns="216000" rtlCol="0" anchor="t"/>
+              <a:lstStyle/>
+              <a:p>
+                <a:pPr marL="285750" indent="-285750">
+                  <a:buFont typeface="Arial" panose="020B0604020202020204" pitchFamily="34" charset="0"/>
+                  <a:buChar char="•"/>
+                </a:pPr>
+                <a:r>
+                  <a:rPr lang="de-DE" dirty="0">
+                    <a:solidFill>
+                      <a:schemeClr val="tx1"/>
+                    </a:solidFill>
+                  </a:rPr>
+                  <a:t>Durch System</a:t>
+                </a:r>
+              </a:p>
+              <a:p>
+                <a:pPr marL="285750" indent="-285750">
+                  <a:buFont typeface="Arial" panose="020B0604020202020204" pitchFamily="34" charset="0"/>
+                  <a:buChar char="•"/>
+                </a:pPr>
+                <a:endParaRPr lang="de-DE" dirty="0">
+                  <a:solidFill>
+                    <a:schemeClr val="tx1"/>
+                  </a:solidFill>
+                </a:endParaRPr>
+              </a:p>
+              <a:p>
+                <a:pPr marL="285750" indent="-285750">
+                  <a:buFont typeface="Arial" panose="020B0604020202020204" pitchFamily="34" charset="0"/>
+                  <a:buChar char="•"/>
+                </a:pPr>
+                <a:r>
+                  <a:rPr lang="de-DE" dirty="0">
+                    <a:solidFill>
+                      <a:schemeClr val="tx1"/>
+                    </a:solidFill>
+                  </a:rPr>
+                  <a:t>Durch Nutzer</a:t>
+                </a:r>
+              </a:p>
+            </p:txBody>
+          </p:sp>
+          <p:sp>
+            <p:nvSpPr>
+              <p:cNvPr id="11" name="Rechteck 10">
+                <a:extLst>
+                  <a:ext uri="{FF2B5EF4-FFF2-40B4-BE49-F238E27FC236}">
+                    <a16:creationId xmlns:a16="http://schemas.microsoft.com/office/drawing/2014/main" id="{FCCEA108-686B-BB4F-95FB-4BCE5EB529F1}"/>
+                  </a:ext>
+                </a:extLst>
+              </p:cNvPr>
+              <p:cNvSpPr/>
+              <p:nvPr/>
+            </p:nvSpPr>
+            <p:spPr>
+              <a:xfrm>
+                <a:off x="7038898" y="1407551"/>
+                <a:ext cx="3601199" cy="341642"/>
+              </a:xfrm>
+              <a:prstGeom prst="rect">
+                <a:avLst/>
+              </a:prstGeom>
+              <a:solidFill>
+                <a:schemeClr val="bg1"/>
+              </a:solidFill>
+              <a:ln>
+                <a:noFill/>
+              </a:ln>
+            </p:spPr>
+            <p:style>
+              <a:lnRef idx="2">
+                <a:schemeClr val="accent1">
+                  <a:shade val="50000"/>
+                </a:schemeClr>
+              </a:lnRef>
+              <a:fillRef idx="1">
+                <a:schemeClr val="accent1"/>
+              </a:fillRef>
+              <a:effectRef idx="0">
+                <a:schemeClr val="accent1"/>
+              </a:effectRef>
+              <a:fontRef idx="minor">
+                <a:schemeClr val="lt1"/>
+              </a:fontRef>
+            </p:style>
+            <p:txBody>
+              <a:bodyPr rtlCol="0" anchor="ctr"/>
+              <a:lstStyle/>
+              <a:p>
+                <a:r>
+                  <a:rPr lang="de-DE" dirty="0">
+                    <a:solidFill>
+                      <a:schemeClr val="accent4"/>
+                    </a:solidFill>
+                  </a:rPr>
+                  <a:t>Lösungen vorschlagen</a:t>
+                </a:r>
+              </a:p>
+            </p:txBody>
+          </p:sp>
+        </p:grpSp>
+        <p:grpSp>
+          <p:nvGrpSpPr>
+            <p:cNvPr id="15" name="Gruppieren 14"/>
+            <p:cNvGrpSpPr/>
+            <p:nvPr/>
+          </p:nvGrpSpPr>
+          <p:grpSpPr>
+            <a:xfrm>
+              <a:off x="6025934" y="3114180"/>
+              <a:ext cx="4303094" cy="2685281"/>
+              <a:chOff x="6886499" y="3114180"/>
+              <a:chExt cx="4303094" cy="2685281"/>
+            </a:xfrm>
+          </p:grpSpPr>
+          <p:sp>
+            <p:nvSpPr>
+              <p:cNvPr id="10" name="Rechteck 9"/>
+              <p:cNvSpPr/>
+              <p:nvPr/>
+            </p:nvSpPr>
+            <p:spPr>
+              <a:xfrm>
+                <a:off x="6886499" y="3320462"/>
+                <a:ext cx="4303094" cy="2478999"/>
+              </a:xfrm>
+              <a:prstGeom prst="rect">
+                <a:avLst/>
+              </a:prstGeom>
+              <a:solidFill>
+                <a:schemeClr val="bg1"/>
+              </a:solidFill>
+              <a:ln>
+                <a:solidFill>
+                  <a:schemeClr val="accent6"/>
+                </a:solidFill>
+              </a:ln>
+            </p:spPr>
+            <p:style>
+              <a:lnRef idx="2">
+                <a:schemeClr val="accent1">
+                  <a:shade val="50000"/>
+                </a:schemeClr>
+              </a:lnRef>
+              <a:fillRef idx="1">
+                <a:schemeClr val="accent1"/>
+              </a:fillRef>
+              <a:effectRef idx="0">
+                <a:schemeClr val="accent1"/>
+              </a:effectRef>
+              <a:fontRef idx="minor">
+                <a:schemeClr val="lt1"/>
+              </a:fontRef>
+            </p:style>
+            <p:txBody>
+              <a:bodyPr tIns="216000" rtlCol="0" anchor="t"/>
+              <a:lstStyle/>
+              <a:p>
+                <a:pPr marL="285750" indent="-285750">
+                  <a:buFont typeface="Arial" panose="020B0604020202020204" pitchFamily="34" charset="0"/>
+                  <a:buChar char="•"/>
+                </a:pPr>
+                <a:r>
+                  <a:rPr lang="de-DE" dirty="0">
+                    <a:solidFill>
+                      <a:schemeClr val="tx1"/>
+                    </a:solidFill>
+                  </a:rPr>
+                  <a:t>Anhand verschiedener Einflussfaktoren</a:t>
+                </a:r>
+              </a:p>
+              <a:p>
+                <a:pPr marL="285750" indent="-285750">
+                  <a:buFont typeface="Arial" panose="020B0604020202020204" pitchFamily="34" charset="0"/>
+                  <a:buChar char="•"/>
+                </a:pPr>
+                <a:endParaRPr lang="de-DE" dirty="0">
+                  <a:solidFill>
+                    <a:schemeClr val="tx1"/>
+                  </a:solidFill>
+                </a:endParaRPr>
+              </a:p>
+              <a:p>
+                <a:pPr marL="285750" indent="-285750">
+                  <a:buFont typeface="Arial" panose="020B0604020202020204" pitchFamily="34" charset="0"/>
+                  <a:buChar char="•"/>
+                </a:pPr>
+                <a:r>
+                  <a:rPr lang="de-DE" dirty="0">
+                    <a:solidFill>
+                      <a:schemeClr val="tx1"/>
+                    </a:solidFill>
+                  </a:rPr>
+                  <a:t>Abwägen der verschiedenen Faktoren</a:t>
+                </a:r>
+              </a:p>
+              <a:p>
+                <a:pPr marL="697230" lvl="1" indent="-285750">
+                  <a:buFont typeface="Arial" panose="020B0604020202020204" pitchFamily="34" charset="0"/>
+                  <a:buChar char="•"/>
+                </a:pPr>
+                <a:r>
+                  <a:rPr lang="de-DE" dirty="0">
+                    <a:solidFill>
+                      <a:schemeClr val="tx1"/>
+                    </a:solidFill>
+                  </a:rPr>
+                  <a:t>Abhängig vom aktuellem Umstand im Unternehmen </a:t>
+                </a:r>
+              </a:p>
+            </p:txBody>
+          </p:sp>
+          <p:sp>
+            <p:nvSpPr>
+              <p:cNvPr id="14" name="Rechteck 13">
+                <a:extLst>
+                  <a:ext uri="{FF2B5EF4-FFF2-40B4-BE49-F238E27FC236}">
+                    <a16:creationId xmlns:a16="http://schemas.microsoft.com/office/drawing/2014/main" id="{FCCEA108-686B-BB4F-95FB-4BCE5EB529F1}"/>
+                  </a:ext>
+                </a:extLst>
+              </p:cNvPr>
+              <p:cNvSpPr/>
+              <p:nvPr/>
+            </p:nvSpPr>
+            <p:spPr>
+              <a:xfrm>
+                <a:off x="7060695" y="3114180"/>
+                <a:ext cx="3601201" cy="402513"/>
+              </a:xfrm>
+              <a:prstGeom prst="rect">
+                <a:avLst/>
+              </a:prstGeom>
+              <a:solidFill>
+                <a:schemeClr val="bg1"/>
+              </a:solidFill>
+              <a:ln>
+                <a:noFill/>
+              </a:ln>
+            </p:spPr>
+            <p:style>
+              <a:lnRef idx="2">
+                <a:schemeClr val="accent1">
+                  <a:shade val="50000"/>
+                </a:schemeClr>
+              </a:lnRef>
+              <a:fillRef idx="1">
+                <a:schemeClr val="accent1"/>
+              </a:fillRef>
+              <a:effectRef idx="0">
+                <a:schemeClr val="accent1"/>
+              </a:effectRef>
+              <a:fontRef idx="minor">
+                <a:schemeClr val="lt1"/>
+              </a:fontRef>
+            </p:style>
+            <p:txBody>
+              <a:bodyPr rtlCol="0" anchor="ctr"/>
+              <a:lstStyle/>
+              <a:p>
+                <a:r>
+                  <a:rPr lang="de-DE" dirty="0">
+                    <a:solidFill>
+                      <a:schemeClr val="accent4"/>
+                    </a:solidFill>
+                  </a:rPr>
+                  <a:t>Lösungen vergleichen</a:t>
+                </a:r>
+              </a:p>
+            </p:txBody>
+          </p:sp>
+        </p:grpSp>
+      </p:grpSp>
+      <p:pic>
+        <p:nvPicPr>
+          <p:cNvPr id="4" name="Grafik 3">
+            <a:extLst>
+              <a:ext uri="{FF2B5EF4-FFF2-40B4-BE49-F238E27FC236}">
+                <a16:creationId xmlns:a16="http://schemas.microsoft.com/office/drawing/2014/main" id="{3CD3230B-6D18-7F44-B7DB-AA9C0FE0500E}"/>
+              </a:ext>
+            </a:extLst>
+          </p:cNvPr>
+          <p:cNvPicPr>
+            <a:picLocks noChangeAspect="1"/>
+          </p:cNvPicPr>
+          <p:nvPr/>
+        </p:nvPicPr>
+        <p:blipFill>
+          <a:blip r:embed="rId3">
+            <a:extLst>
+              <a:ext uri="{28A0092B-C50C-407E-A947-70E740481C1C}">
+                <a14:useLocalDpi xmlns:a14="http://schemas.microsoft.com/office/drawing/2010/main" val="0"/>
+              </a:ext>
+            </a:extLst>
+          </a:blip>
+          <a:stretch>
+            <a:fillRect/>
+          </a:stretch>
+        </p:blipFill>
+        <p:spPr>
+          <a:xfrm>
+            <a:off x="719412" y="1180110"/>
+            <a:ext cx="7344506" cy="4321687"/>
+          </a:xfrm>
+          <a:prstGeom prst="rect">
+            <a:avLst/>
+          </a:prstGeom>
+        </p:spPr>
+      </p:pic>
+    </p:spTree>
+    <p:extLst>
+      <p:ext uri="{BB962C8B-B14F-4D97-AF65-F5344CB8AC3E}">
+        <p14:creationId xmlns:p14="http://schemas.microsoft.com/office/powerpoint/2010/main" val="3924647228"/>
       </p:ext>
     </p:extLst>
   </p:cSld>
@@ -22749,460 +23227,55 @@
           <a:bodyPr/>
           <a:lstStyle/>
           <a:p>
-            <a:r>
-              <a:rPr lang="de-DE" dirty="0" smtClean="0"/>
-              <a:t>Ablauf des Problemlöseprozess</a:t>
-            </a:r>
-            <a:endParaRPr lang="de-DE" dirty="0"/>
+            <a:endParaRPr lang="de-DE"/>
           </a:p>
         </p:txBody>
       </p:sp>
-      <p:grpSp>
-        <p:nvGrpSpPr>
-          <p:cNvPr id="12" name="Gruppieren 11"/>
-          <p:cNvGrpSpPr/>
-          <p:nvPr/>
-        </p:nvGrpSpPr>
-        <p:grpSpPr>
+      <p:pic>
+        <p:nvPicPr>
+          <p:cNvPr id="7" name="Inhaltsplatzhalter 6">
+            <a:extLst>
+              <a:ext uri="{FF2B5EF4-FFF2-40B4-BE49-F238E27FC236}">
+                <a16:creationId xmlns:a16="http://schemas.microsoft.com/office/drawing/2014/main" id="{021C0CDB-2BCC-F341-9CF1-930A7CCD9061}"/>
+              </a:ext>
+            </a:extLst>
+          </p:cNvPr>
+          <p:cNvPicPr>
+            <a:picLocks noGrp="1" noChangeAspect="1"/>
+          </p:cNvPicPr>
+          <p:nvPr>
+            <p:ph sz="quarter" idx="10"/>
+          </p:nvPr>
+        </p:nvPicPr>
+        <p:blipFill>
+          <a:blip r:embed="rId3">
+            <a:extLst>
+              <a:ext uri="{28A0092B-C50C-407E-A947-70E740481C1C}">
+                <a14:useLocalDpi xmlns:a14="http://schemas.microsoft.com/office/drawing/2010/main" val="0"/>
+              </a:ext>
+            </a:extLst>
+          </a:blip>
+          <a:stretch>
+            <a:fillRect/>
+          </a:stretch>
+        </p:blipFill>
+        <p:spPr>
           <a:xfrm>
-            <a:off x="6393148" y="673067"/>
-            <a:ext cx="4850447" cy="5187632"/>
-            <a:chOff x="5722588" y="778744"/>
-            <a:chExt cx="4850447" cy="5187632"/>
+            <a:off x="1193840" y="346075"/>
+            <a:ext cx="9804320" cy="5708361"/>
           </a:xfrm>
-        </p:grpSpPr>
-        <p:grpSp>
-          <p:nvGrpSpPr>
-            <p:cNvPr id="6" name="Gruppieren 5">
-              <a:extLst>
-                <a:ext uri="{FF2B5EF4-FFF2-40B4-BE49-F238E27FC236}">
-                  <a16:creationId xmlns:a16="http://schemas.microsoft.com/office/drawing/2014/main" xmlns="" id="{64401E1E-557D-5D4F-AE09-187A0802411B}"/>
-                </a:ext>
-              </a:extLst>
-            </p:cNvPr>
-            <p:cNvGrpSpPr/>
-            <p:nvPr/>
-          </p:nvGrpSpPr>
-          <p:grpSpPr>
-            <a:xfrm>
-              <a:off x="5722588" y="778744"/>
-              <a:ext cx="4850447" cy="5187632"/>
-              <a:chOff x="1780030" y="1414270"/>
-              <a:chExt cx="4850447" cy="5187632"/>
-            </a:xfrm>
-          </p:grpSpPr>
-          <p:sp>
-            <p:nvSpPr>
-              <p:cNvPr id="7" name="Rechteck 6">
-                <a:extLst>
-                  <a:ext uri="{FF2B5EF4-FFF2-40B4-BE49-F238E27FC236}">
-                    <a16:creationId xmlns:a16="http://schemas.microsoft.com/office/drawing/2014/main" xmlns="" id="{35A0EAB9-4039-6448-AC03-B60DE38901D0}"/>
-                  </a:ext>
-                </a:extLst>
-              </p:cNvPr>
-              <p:cNvSpPr/>
-              <p:nvPr/>
-            </p:nvSpPr>
-            <p:spPr>
-              <a:xfrm>
-                <a:off x="1780030" y="1583286"/>
-                <a:ext cx="4850447" cy="5018616"/>
-              </a:xfrm>
-              <a:prstGeom prst="rect">
-                <a:avLst/>
-              </a:prstGeom>
-              <a:solidFill>
-                <a:schemeClr val="bg1"/>
-              </a:solidFill>
-              <a:ln>
-                <a:solidFill>
-                  <a:schemeClr val="accent4"/>
-                </a:solidFill>
-              </a:ln>
-            </p:spPr>
-            <p:style>
-              <a:lnRef idx="2">
-                <a:schemeClr val="accent1">
-                  <a:shade val="50000"/>
-                </a:schemeClr>
-              </a:lnRef>
-              <a:fillRef idx="1">
-                <a:schemeClr val="accent1"/>
-              </a:fillRef>
-              <a:effectRef idx="0">
-                <a:schemeClr val="accent1"/>
-              </a:effectRef>
-              <a:fontRef idx="minor">
-                <a:schemeClr val="lt1"/>
-              </a:fontRef>
-            </p:style>
-            <p:txBody>
-              <a:bodyPr tIns="251999" rtlCol="0" anchor="t"/>
-              <a:lstStyle/>
-              <a:p>
-                <a:pPr marL="285750" indent="-285750">
-                  <a:buFont typeface="Arial" panose="020B0604020202020204" pitchFamily="34" charset="0"/>
-                  <a:buChar char="•"/>
-                </a:pPr>
-                <a:endParaRPr lang="de-DE" dirty="0">
-                  <a:solidFill>
-                    <a:schemeClr val="tx1"/>
-                  </a:solidFill>
-                </a:endParaRPr>
-              </a:p>
-            </p:txBody>
-          </p:sp>
-          <p:sp>
-            <p:nvSpPr>
-              <p:cNvPr id="8" name="Rechteck 7">
-                <a:extLst>
-                  <a:ext uri="{FF2B5EF4-FFF2-40B4-BE49-F238E27FC236}">
-                    <a16:creationId xmlns:a16="http://schemas.microsoft.com/office/drawing/2014/main" xmlns="" id="{FCCEA108-686B-BB4F-95FB-4BCE5EB529F1}"/>
-                  </a:ext>
-                </a:extLst>
-              </p:cNvPr>
-              <p:cNvSpPr/>
-              <p:nvPr/>
-            </p:nvSpPr>
-            <p:spPr>
-              <a:xfrm>
-                <a:off x="1977038" y="1414270"/>
-                <a:ext cx="1825182" cy="338027"/>
-              </a:xfrm>
-              <a:prstGeom prst="rect">
-                <a:avLst/>
-              </a:prstGeom>
-              <a:solidFill>
-                <a:schemeClr val="bg1"/>
-              </a:solidFill>
-              <a:ln>
-                <a:noFill/>
-              </a:ln>
-            </p:spPr>
-            <p:style>
-              <a:lnRef idx="2">
-                <a:schemeClr val="accent1">
-                  <a:shade val="50000"/>
-                </a:schemeClr>
-              </a:lnRef>
-              <a:fillRef idx="1">
-                <a:schemeClr val="accent1"/>
-              </a:fillRef>
-              <a:effectRef idx="0">
-                <a:schemeClr val="accent1"/>
-              </a:effectRef>
-              <a:fontRef idx="minor">
-                <a:schemeClr val="lt1"/>
-              </a:fontRef>
-            </p:style>
-            <p:txBody>
-              <a:bodyPr rtlCol="0" anchor="ctr"/>
-              <a:lstStyle/>
-              <a:p>
-                <a:r>
-                  <a:rPr lang="de-DE" b="1" dirty="0" smtClean="0">
-                    <a:solidFill>
-                      <a:schemeClr val="tx1"/>
-                    </a:solidFill>
-                  </a:rPr>
-                  <a:t>Problemlösung</a:t>
-                </a:r>
-                <a:endParaRPr lang="de-DE" b="1" dirty="0">
-                  <a:solidFill>
-                    <a:schemeClr val="tx1"/>
-                  </a:solidFill>
-                </a:endParaRPr>
-              </a:p>
-            </p:txBody>
-          </p:sp>
-        </p:grpSp>
-        <p:grpSp>
-          <p:nvGrpSpPr>
-            <p:cNvPr id="13" name="Gruppieren 12"/>
-            <p:cNvGrpSpPr/>
-            <p:nvPr/>
-          </p:nvGrpSpPr>
-          <p:grpSpPr>
-            <a:xfrm>
-              <a:off x="5941394" y="1185016"/>
-              <a:ext cx="4500025" cy="1686773"/>
-              <a:chOff x="6801959" y="1047321"/>
-              <a:chExt cx="4500025" cy="1686773"/>
-            </a:xfrm>
-          </p:grpSpPr>
-          <p:sp>
-            <p:nvSpPr>
-              <p:cNvPr id="9" name="Rechteck 8"/>
-              <p:cNvSpPr/>
-              <p:nvPr/>
-            </p:nvSpPr>
-            <p:spPr>
-              <a:xfrm>
-                <a:off x="6801959" y="1216090"/>
-                <a:ext cx="4500025" cy="1518004"/>
-              </a:xfrm>
-              <a:prstGeom prst="rect">
-                <a:avLst/>
-              </a:prstGeom>
-              <a:solidFill>
-                <a:schemeClr val="bg1"/>
-              </a:solidFill>
-              <a:ln>
-                <a:solidFill>
-                  <a:schemeClr val="accent6"/>
-                </a:solidFill>
-              </a:ln>
-            </p:spPr>
-            <p:style>
-              <a:lnRef idx="2">
-                <a:schemeClr val="accent1">
-                  <a:shade val="50000"/>
-                </a:schemeClr>
-              </a:lnRef>
-              <a:fillRef idx="1">
-                <a:schemeClr val="accent1"/>
-              </a:fillRef>
-              <a:effectRef idx="0">
-                <a:schemeClr val="accent1"/>
-              </a:effectRef>
-              <a:fontRef idx="minor">
-                <a:schemeClr val="lt1"/>
-              </a:fontRef>
-            </p:style>
-            <p:txBody>
-              <a:bodyPr tIns="216000" rtlCol="0" anchor="t"/>
-              <a:lstStyle/>
-              <a:p>
-                <a:pPr marL="285750" indent="-285750">
-                  <a:buFont typeface="Arial" panose="020B0604020202020204" pitchFamily="34" charset="0"/>
-                  <a:buChar char="•"/>
-                </a:pPr>
-                <a:r>
-                  <a:rPr lang="de-DE" dirty="0" smtClean="0">
-                    <a:solidFill>
-                      <a:schemeClr val="tx1"/>
-                    </a:solidFill>
-                  </a:rPr>
-                  <a:t>Durch System</a:t>
-                </a:r>
-              </a:p>
-            </p:txBody>
-          </p:sp>
-          <p:sp>
-            <p:nvSpPr>
-              <p:cNvPr id="11" name="Rechteck 10">
-                <a:extLst>
-                  <a:ext uri="{FF2B5EF4-FFF2-40B4-BE49-F238E27FC236}">
-                    <a16:creationId xmlns:a16="http://schemas.microsoft.com/office/drawing/2014/main" xmlns="" id="{FCCEA108-686B-BB4F-95FB-4BCE5EB529F1}"/>
-                  </a:ext>
-                </a:extLst>
-              </p:cNvPr>
-              <p:cNvSpPr/>
-              <p:nvPr/>
-            </p:nvSpPr>
-            <p:spPr>
-              <a:xfrm>
-                <a:off x="6954358" y="1047321"/>
-                <a:ext cx="2393935" cy="277941"/>
-              </a:xfrm>
-              <a:prstGeom prst="rect">
-                <a:avLst/>
-              </a:prstGeom>
-              <a:solidFill>
-                <a:schemeClr val="bg1"/>
-              </a:solidFill>
-              <a:ln>
-                <a:noFill/>
-              </a:ln>
-            </p:spPr>
-            <p:style>
-              <a:lnRef idx="2">
-                <a:schemeClr val="accent1">
-                  <a:shade val="50000"/>
-                </a:schemeClr>
-              </a:lnRef>
-              <a:fillRef idx="1">
-                <a:schemeClr val="accent1"/>
-              </a:fillRef>
-              <a:effectRef idx="0">
-                <a:schemeClr val="accent1"/>
-              </a:effectRef>
-              <a:fontRef idx="minor">
-                <a:schemeClr val="lt1"/>
-              </a:fontRef>
-            </p:style>
-            <p:txBody>
-              <a:bodyPr rtlCol="0" anchor="ctr"/>
-              <a:lstStyle/>
-              <a:p>
-                <a:r>
-                  <a:rPr lang="de-DE" dirty="0" smtClean="0">
-                    <a:solidFill>
-                      <a:schemeClr val="accent4"/>
-                    </a:solidFill>
-                  </a:rPr>
-                  <a:t>Lösungen vorschlagen</a:t>
-                </a:r>
-                <a:endParaRPr lang="de-DE" dirty="0">
-                  <a:solidFill>
-                    <a:schemeClr val="accent4"/>
-                  </a:solidFill>
-                </a:endParaRPr>
-              </a:p>
-            </p:txBody>
-          </p:sp>
-        </p:grpSp>
-        <p:grpSp>
-          <p:nvGrpSpPr>
-            <p:cNvPr id="15" name="Gruppieren 14"/>
-            <p:cNvGrpSpPr/>
-            <p:nvPr/>
-          </p:nvGrpSpPr>
-          <p:grpSpPr>
-            <a:xfrm>
-              <a:off x="5919596" y="3262482"/>
-              <a:ext cx="4500025" cy="2617824"/>
-              <a:chOff x="6780161" y="3262482"/>
-              <a:chExt cx="4500025" cy="2617824"/>
-            </a:xfrm>
-          </p:grpSpPr>
-          <p:sp>
-            <p:nvSpPr>
-              <p:cNvPr id="10" name="Rechteck 9"/>
-              <p:cNvSpPr/>
-              <p:nvPr/>
-            </p:nvSpPr>
-            <p:spPr>
-              <a:xfrm>
-                <a:off x="6780161" y="3458279"/>
-                <a:ext cx="4500025" cy="2422027"/>
-              </a:xfrm>
-              <a:prstGeom prst="rect">
-                <a:avLst/>
-              </a:prstGeom>
-              <a:solidFill>
-                <a:schemeClr val="bg1"/>
-              </a:solidFill>
-              <a:ln>
-                <a:solidFill>
-                  <a:schemeClr val="accent6"/>
-                </a:solidFill>
-              </a:ln>
-            </p:spPr>
-            <p:style>
-              <a:lnRef idx="2">
-                <a:schemeClr val="accent1">
-                  <a:shade val="50000"/>
-                </a:schemeClr>
-              </a:lnRef>
-              <a:fillRef idx="1">
-                <a:schemeClr val="accent1"/>
-              </a:fillRef>
-              <a:effectRef idx="0">
-                <a:schemeClr val="accent1"/>
-              </a:effectRef>
-              <a:fontRef idx="minor">
-                <a:schemeClr val="lt1"/>
-              </a:fontRef>
-            </p:style>
-            <p:txBody>
-              <a:bodyPr tIns="216000" rtlCol="0" anchor="t"/>
-              <a:lstStyle/>
-              <a:p>
-                <a:pPr marL="285750" indent="-285750">
-                  <a:buFont typeface="Arial" panose="020B0604020202020204" pitchFamily="34" charset="0"/>
-                  <a:buChar char="•"/>
-                </a:pPr>
-                <a:endParaRPr lang="de-DE" dirty="0">
-                  <a:solidFill>
-                    <a:schemeClr val="tx1"/>
-                  </a:solidFill>
-                </a:endParaRPr>
-              </a:p>
-            </p:txBody>
-          </p:sp>
-          <p:sp>
-            <p:nvSpPr>
-              <p:cNvPr id="14" name="Rechteck 13">
-                <a:extLst>
-                  <a:ext uri="{FF2B5EF4-FFF2-40B4-BE49-F238E27FC236}">
-                    <a16:creationId xmlns:a16="http://schemas.microsoft.com/office/drawing/2014/main" xmlns="" id="{FCCEA108-686B-BB4F-95FB-4BCE5EB529F1}"/>
-                  </a:ext>
-                </a:extLst>
-              </p:cNvPr>
-              <p:cNvSpPr/>
-              <p:nvPr/>
-            </p:nvSpPr>
-            <p:spPr>
-              <a:xfrm>
-                <a:off x="6954357" y="3262482"/>
-                <a:ext cx="2393936" cy="402513"/>
-              </a:xfrm>
-              <a:prstGeom prst="rect">
-                <a:avLst/>
-              </a:prstGeom>
-              <a:solidFill>
-                <a:schemeClr val="bg1"/>
-              </a:solidFill>
-              <a:ln>
-                <a:noFill/>
-              </a:ln>
-            </p:spPr>
-            <p:style>
-              <a:lnRef idx="2">
-                <a:schemeClr val="accent1">
-                  <a:shade val="50000"/>
-                </a:schemeClr>
-              </a:lnRef>
-              <a:fillRef idx="1">
-                <a:schemeClr val="accent1"/>
-              </a:fillRef>
-              <a:effectRef idx="0">
-                <a:schemeClr val="accent1"/>
-              </a:effectRef>
-              <a:fontRef idx="minor">
-                <a:schemeClr val="lt1"/>
-              </a:fontRef>
-            </p:style>
-            <p:txBody>
-              <a:bodyPr rtlCol="0" anchor="ctr"/>
-              <a:lstStyle/>
-              <a:p>
-                <a:r>
-                  <a:rPr lang="de-DE" dirty="0" smtClean="0">
-                    <a:solidFill>
-                      <a:schemeClr val="accent4"/>
-                    </a:solidFill>
-                  </a:rPr>
-                  <a:t>Lösungen vergleichen</a:t>
-                </a:r>
-                <a:endParaRPr lang="de-DE" dirty="0">
-                  <a:solidFill>
-                    <a:schemeClr val="accent4"/>
-                  </a:solidFill>
-                </a:endParaRPr>
-              </a:p>
-            </p:txBody>
-          </p:sp>
-        </p:grpSp>
-      </p:grpSp>
+        </p:spPr>
+      </p:pic>
     </p:spTree>
     <p:extLst>
       <p:ext uri="{BB962C8B-B14F-4D97-AF65-F5344CB8AC3E}">
-        <p14:creationId xmlns:p14="http://schemas.microsoft.com/office/powerpoint/2010/main" val="3924647228"/>
+        <p14:creationId xmlns:p14="http://schemas.microsoft.com/office/powerpoint/2010/main" val="3392699699"/>
       </p:ext>
     </p:extLst>
   </p:cSld>
   <p:clrMapOvr>
     <a:masterClrMapping/>
   </p:clrMapOvr>
-  <p:timing>
-    <p:tnLst>
-      <p:par>
-        <p:cTn id="1" dur="indefinite" restart="never" nodeType="tmRoot"/>
-      </p:par>
-    </p:tnLst>
-  </p:timing>
 </p:sld>
 </file>
 
@@ -23228,7 +23301,7 @@
           <p:cNvPr id="2" name="Titel 1">
             <a:extLst>
               <a:ext uri="{FF2B5EF4-FFF2-40B4-BE49-F238E27FC236}">
-                <a16:creationId xmlns:a16="http://schemas.microsoft.com/office/drawing/2014/main" xmlns="" id="{7BA8FE41-0B04-6748-9CA8-05F0AE81883B}"/>
+                <a16:creationId xmlns:a16="http://schemas.microsoft.com/office/drawing/2014/main" id="{7BA8FE41-0B04-6748-9CA8-05F0AE81883B}"/>
               </a:ext>
             </a:extLst>
           </p:cNvPr>
@@ -23239,7 +23312,12 @@
             <p:ph type="title"/>
           </p:nvPr>
         </p:nvSpPr>
-        <p:spPr/>
+        <p:spPr>
+          <a:xfrm>
+            <a:off x="874712" y="346075"/>
+            <a:ext cx="10580687" cy="684213"/>
+          </a:xfrm>
+        </p:spPr>
         <p:txBody>
           <a:bodyPr/>
           <a:lstStyle/>
@@ -23256,7 +23334,7 @@
           <p:cNvPr id="12" name="Gruppieren 11">
             <a:extLst>
               <a:ext uri="{FF2B5EF4-FFF2-40B4-BE49-F238E27FC236}">
-                <a16:creationId xmlns:a16="http://schemas.microsoft.com/office/drawing/2014/main" xmlns="" id="{995F115A-CBCD-7A4D-8C0A-281259A5A3C1}"/>
+                <a16:creationId xmlns:a16="http://schemas.microsoft.com/office/drawing/2014/main" id="{995F115A-CBCD-7A4D-8C0A-281259A5A3C1}"/>
               </a:ext>
             </a:extLst>
           </p:cNvPr>
@@ -23276,7 +23354,7 @@
             <p:cNvPr id="4" name="Gruppieren 3">
               <a:extLst>
                 <a:ext uri="{FF2B5EF4-FFF2-40B4-BE49-F238E27FC236}">
-                  <a16:creationId xmlns:a16="http://schemas.microsoft.com/office/drawing/2014/main" xmlns="" id="{783A73D2-C025-644E-A194-3438D291D352}"/>
+                  <a16:creationId xmlns:a16="http://schemas.microsoft.com/office/drawing/2014/main" id="{783A73D2-C025-644E-A194-3438D291D352}"/>
                 </a:ext>
               </a:extLst>
             </p:cNvPr>
@@ -23296,7 +23374,7 @@
               <p:cNvPr id="5" name="Rechteck 4">
                 <a:extLst>
                   <a:ext uri="{FF2B5EF4-FFF2-40B4-BE49-F238E27FC236}">
-                    <a16:creationId xmlns:a16="http://schemas.microsoft.com/office/drawing/2014/main" xmlns="" id="{4F68B8E9-417E-0141-AE27-E298ED29929C}"/>
+                    <a16:creationId xmlns:a16="http://schemas.microsoft.com/office/drawing/2014/main" id="{4F68B8E9-417E-0141-AE27-E298ED29929C}"/>
                   </a:ext>
                 </a:extLst>
               </p:cNvPr>
@@ -23388,7 +23466,7 @@
               <p:cNvPr id="6" name="Rechteck 5">
                 <a:extLst>
                   <a:ext uri="{FF2B5EF4-FFF2-40B4-BE49-F238E27FC236}">
-                    <a16:creationId xmlns:a16="http://schemas.microsoft.com/office/drawing/2014/main" xmlns="" id="{B2717A64-B61E-B44C-B23D-CB509FB519CA}"/>
+                    <a16:creationId xmlns:a16="http://schemas.microsoft.com/office/drawing/2014/main" id="{B2717A64-B61E-B44C-B23D-CB509FB519CA}"/>
                   </a:ext>
                 </a:extLst>
               </p:cNvPr>
@@ -23447,7 +23525,7 @@
             <p:cNvPr id="7" name="Rechteck 6">
               <a:extLst>
                 <a:ext uri="{FF2B5EF4-FFF2-40B4-BE49-F238E27FC236}">
-                  <a16:creationId xmlns:a16="http://schemas.microsoft.com/office/drawing/2014/main" xmlns="" id="{6F92A16E-30FA-A34D-A87A-AD884881288C}"/>
+                  <a16:creationId xmlns:a16="http://schemas.microsoft.com/office/drawing/2014/main" id="{6F92A16E-30FA-A34D-A87A-AD884881288C}"/>
                 </a:ext>
               </a:extLst>
             </p:cNvPr>
@@ -23507,7 +23585,7 @@
           <p:cNvPr id="13" name="Gruppieren 12">
             <a:extLst>
               <a:ext uri="{FF2B5EF4-FFF2-40B4-BE49-F238E27FC236}">
-                <a16:creationId xmlns:a16="http://schemas.microsoft.com/office/drawing/2014/main" xmlns="" id="{214C6E04-BA76-3048-B247-843530C6F237}"/>
+                <a16:creationId xmlns:a16="http://schemas.microsoft.com/office/drawing/2014/main" id="{214C6E04-BA76-3048-B247-843530C6F237}"/>
               </a:ext>
             </a:extLst>
           </p:cNvPr>
@@ -23527,7 +23605,7 @@
             <p:cNvPr id="14" name="Gruppieren 13">
               <a:extLst>
                 <a:ext uri="{FF2B5EF4-FFF2-40B4-BE49-F238E27FC236}">
-                  <a16:creationId xmlns:a16="http://schemas.microsoft.com/office/drawing/2014/main" xmlns="" id="{CF154C31-9B1A-6844-82C6-BEC64AE64B76}"/>
+                  <a16:creationId xmlns:a16="http://schemas.microsoft.com/office/drawing/2014/main" id="{CF154C31-9B1A-6844-82C6-BEC64AE64B76}"/>
                 </a:ext>
               </a:extLst>
             </p:cNvPr>
@@ -23547,7 +23625,7 @@
               <p:cNvPr id="16" name="Rechteck 15">
                 <a:extLst>
                   <a:ext uri="{FF2B5EF4-FFF2-40B4-BE49-F238E27FC236}">
-                    <a16:creationId xmlns:a16="http://schemas.microsoft.com/office/drawing/2014/main" xmlns="" id="{5D41E86D-96E1-F64F-B645-811FEF9C3566}"/>
+                    <a16:creationId xmlns:a16="http://schemas.microsoft.com/office/drawing/2014/main" id="{5D41E86D-96E1-F64F-B645-811FEF9C3566}"/>
                   </a:ext>
                 </a:extLst>
               </p:cNvPr>
@@ -23678,7 +23756,7 @@
               <p:cNvPr id="17" name="Rechteck 16">
                 <a:extLst>
                   <a:ext uri="{FF2B5EF4-FFF2-40B4-BE49-F238E27FC236}">
-                    <a16:creationId xmlns:a16="http://schemas.microsoft.com/office/drawing/2014/main" xmlns="" id="{829E215D-25C5-FE42-A84B-E10BE5590901}"/>
+                    <a16:creationId xmlns:a16="http://schemas.microsoft.com/office/drawing/2014/main" id="{829E215D-25C5-FE42-A84B-E10BE5590901}"/>
                   </a:ext>
                 </a:extLst>
               </p:cNvPr>
@@ -23737,7 +23815,7 @@
             <p:cNvPr id="15" name="Rechteck 14">
               <a:extLst>
                 <a:ext uri="{FF2B5EF4-FFF2-40B4-BE49-F238E27FC236}">
-                  <a16:creationId xmlns:a16="http://schemas.microsoft.com/office/drawing/2014/main" xmlns="" id="{3D7F9058-E672-2A4D-9BB1-013BCCC5ACE0}"/>
+                  <a16:creationId xmlns:a16="http://schemas.microsoft.com/office/drawing/2014/main" id="{3D7F9058-E672-2A4D-9BB1-013BCCC5ACE0}"/>
                 </a:ext>
               </a:extLst>
             </p:cNvPr>
@@ -23797,7 +23875,7 @@
           <p:cNvPr id="18" name="Gruppieren 17">
             <a:extLst>
               <a:ext uri="{FF2B5EF4-FFF2-40B4-BE49-F238E27FC236}">
-                <a16:creationId xmlns:a16="http://schemas.microsoft.com/office/drawing/2014/main" xmlns="" id="{76C873CF-9A61-9B4A-9A7F-7A0A6A11ECCC}"/>
+                <a16:creationId xmlns:a16="http://schemas.microsoft.com/office/drawing/2014/main" id="{76C873CF-9A61-9B4A-9A7F-7A0A6A11ECCC}"/>
               </a:ext>
             </a:extLst>
           </p:cNvPr>
@@ -23806,10 +23884,10 @@
         </p:nvGrpSpPr>
         <p:grpSpPr>
           <a:xfrm>
-            <a:off x="6588174" y="1211455"/>
-            <a:ext cx="4723201" cy="1459610"/>
+            <a:off x="6588173" y="1197486"/>
+            <a:ext cx="4723201" cy="1197322"/>
             <a:chOff x="874711" y="1484312"/>
-            <a:chExt cx="4723201" cy="1459610"/>
+            <a:chExt cx="4723201" cy="1197322"/>
           </a:xfrm>
         </p:grpSpPr>
         <p:grpSp>
@@ -23817,7 +23895,7 @@
             <p:cNvPr id="19" name="Gruppieren 18">
               <a:extLst>
                 <a:ext uri="{FF2B5EF4-FFF2-40B4-BE49-F238E27FC236}">
-                  <a16:creationId xmlns:a16="http://schemas.microsoft.com/office/drawing/2014/main" xmlns="" id="{02621200-51DD-6A4C-86C6-6B2A72D512E2}"/>
+                  <a16:creationId xmlns:a16="http://schemas.microsoft.com/office/drawing/2014/main" id="{02621200-51DD-6A4C-86C6-6B2A72D512E2}"/>
                 </a:ext>
               </a:extLst>
             </p:cNvPr>
@@ -23827,9 +23905,9 @@
           <p:grpSpPr>
             <a:xfrm>
               <a:off x="874711" y="1484313"/>
-              <a:ext cx="4723201" cy="1459609"/>
+              <a:ext cx="4723201" cy="1197321"/>
               <a:chOff x="1780031" y="1330903"/>
-              <a:chExt cx="4723201" cy="1459609"/>
+              <a:chExt cx="4723201" cy="1197321"/>
             </a:xfrm>
           </p:grpSpPr>
           <p:sp>
@@ -23837,7 +23915,7 @@
               <p:cNvPr id="21" name="Rechteck 20">
                 <a:extLst>
                   <a:ext uri="{FF2B5EF4-FFF2-40B4-BE49-F238E27FC236}">
-                    <a16:creationId xmlns:a16="http://schemas.microsoft.com/office/drawing/2014/main" xmlns="" id="{ED0E09EA-1DC6-1249-841E-901E17F3D0B6}"/>
+                    <a16:creationId xmlns:a16="http://schemas.microsoft.com/office/drawing/2014/main" id="{ED0E09EA-1DC6-1249-841E-901E17F3D0B6}"/>
                   </a:ext>
                 </a:extLst>
               </p:cNvPr>
@@ -23846,8 +23924,8 @@
             </p:nvSpPr>
             <p:spPr>
               <a:xfrm>
-                <a:off x="1780031" y="1499917"/>
-                <a:ext cx="4723201" cy="1290595"/>
+                <a:off x="1780031" y="1499918"/>
+                <a:ext cx="4723201" cy="1028306"/>
               </a:xfrm>
               <a:prstGeom prst="rect">
                 <a:avLst/>
@@ -23891,28 +23969,15 @@
                       <a:schemeClr val="tx1"/>
                     </a:solidFill>
                   </a:rPr>
-                  <a:t>Grafischer Aufbau </a:t>
+                  <a:t>Grafischer Aufbau des Prototypen</a:t>
                 </a:r>
-                <a:r>
-                  <a:rPr lang="de-DE" dirty="0" smtClean="0">
-                    <a:solidFill>
-                      <a:schemeClr val="tx1"/>
-                    </a:solidFill>
-                  </a:rPr>
-                  <a:t>des Prototypen</a:t>
-                </a:r>
-                <a:endParaRPr lang="de-DE" dirty="0">
-                  <a:solidFill>
-                    <a:schemeClr val="tx1"/>
-                  </a:solidFill>
-                </a:endParaRPr>
               </a:p>
               <a:p>
                 <a:pPr marL="285750" indent="-285750">
                   <a:buFont typeface="Arial" panose="020B0604020202020204" pitchFamily="34" charset="0"/>
                   <a:buChar char="•"/>
                 </a:pPr>
-                <a:endParaRPr lang="de-DE" dirty="0" smtClean="0">
+                <a:endParaRPr lang="de-DE" dirty="0">
                   <a:solidFill>
                     <a:schemeClr val="tx1"/>
                   </a:solidFill>
@@ -23924,18 +23989,13 @@
                   <a:buChar char="•"/>
                 </a:pPr>
                 <a:r>
-                  <a:rPr lang="de-DE" dirty="0" smtClean="0">
+                  <a:rPr lang="de-DE" dirty="0">
                     <a:solidFill>
                       <a:schemeClr val="tx1"/>
                     </a:solidFill>
                   </a:rPr>
                   <a:t>Funktionen implementieren</a:t>
                 </a:r>
-                <a:endParaRPr lang="de-DE" dirty="0">
-                  <a:solidFill>
-                    <a:schemeClr val="tx1"/>
-                  </a:solidFill>
-                </a:endParaRPr>
               </a:p>
             </p:txBody>
           </p:sp>
@@ -23944,7 +24004,7 @@
               <p:cNvPr id="22" name="Rechteck 21">
                 <a:extLst>
                   <a:ext uri="{FF2B5EF4-FFF2-40B4-BE49-F238E27FC236}">
-                    <a16:creationId xmlns:a16="http://schemas.microsoft.com/office/drawing/2014/main" xmlns="" id="{753356B5-7EB8-3F4A-96E1-8FF10B332D06}"/>
+                    <a16:creationId xmlns:a16="http://schemas.microsoft.com/office/drawing/2014/main" id="{753356B5-7EB8-3F4A-96E1-8FF10B332D06}"/>
                   </a:ext>
                 </a:extLst>
               </p:cNvPr>
@@ -24003,7 +24063,7 @@
             <p:cNvPr id="20" name="Rechteck 19">
               <a:extLst>
                 <a:ext uri="{FF2B5EF4-FFF2-40B4-BE49-F238E27FC236}">
-                  <a16:creationId xmlns:a16="http://schemas.microsoft.com/office/drawing/2014/main" xmlns="" id="{63DF4C62-579D-3249-9CFF-878DBD32F80A}"/>
+                  <a16:creationId xmlns:a16="http://schemas.microsoft.com/office/drawing/2014/main" id="{63DF4C62-579D-3249-9CFF-878DBD32F80A}"/>
                 </a:ext>
               </a:extLst>
             </p:cNvPr>
@@ -24063,7 +24123,7 @@
           <p:cNvPr id="23" name="Gruppieren 22">
             <a:extLst>
               <a:ext uri="{FF2B5EF4-FFF2-40B4-BE49-F238E27FC236}">
-                <a16:creationId xmlns:a16="http://schemas.microsoft.com/office/drawing/2014/main" xmlns="" id="{8E929239-873F-A040-A4FF-CF41E574A33B}"/>
+                <a16:creationId xmlns:a16="http://schemas.microsoft.com/office/drawing/2014/main" id="{8E929239-873F-A040-A4FF-CF41E574A33B}"/>
               </a:ext>
             </a:extLst>
           </p:cNvPr>
@@ -24072,10 +24132,10 @@
         </p:nvGrpSpPr>
         <p:grpSpPr>
           <a:xfrm>
-            <a:off x="6588175" y="2832186"/>
-            <a:ext cx="4723201" cy="1735930"/>
+            <a:off x="6588173" y="2570675"/>
+            <a:ext cx="4723201" cy="1965183"/>
             <a:chOff x="874711" y="1484312"/>
-            <a:chExt cx="4723201" cy="1735930"/>
+            <a:chExt cx="4723201" cy="1965183"/>
           </a:xfrm>
         </p:grpSpPr>
         <p:grpSp>
@@ -24083,7 +24143,7 @@
             <p:cNvPr id="24" name="Gruppieren 23">
               <a:extLst>
                 <a:ext uri="{FF2B5EF4-FFF2-40B4-BE49-F238E27FC236}">
-                  <a16:creationId xmlns:a16="http://schemas.microsoft.com/office/drawing/2014/main" xmlns="" id="{F47E6093-9AA6-8F4B-B80B-776943FCB73D}"/>
+                  <a16:creationId xmlns:a16="http://schemas.microsoft.com/office/drawing/2014/main" id="{F47E6093-9AA6-8F4B-B80B-776943FCB73D}"/>
                 </a:ext>
               </a:extLst>
             </p:cNvPr>
@@ -24093,9 +24153,9 @@
           <p:grpSpPr>
             <a:xfrm>
               <a:off x="874711" y="1484313"/>
-              <a:ext cx="4723201" cy="1735929"/>
+              <a:ext cx="4723201" cy="1965182"/>
               <a:chOff x="1780031" y="1330903"/>
-              <a:chExt cx="4723201" cy="1735929"/>
+              <a:chExt cx="4723201" cy="1965182"/>
             </a:xfrm>
           </p:grpSpPr>
           <p:sp>
@@ -24103,7 +24163,7 @@
               <p:cNvPr id="26" name="Rechteck 25">
                 <a:extLst>
                   <a:ext uri="{FF2B5EF4-FFF2-40B4-BE49-F238E27FC236}">
-                    <a16:creationId xmlns:a16="http://schemas.microsoft.com/office/drawing/2014/main" xmlns="" id="{4059FEBC-2EFF-ED47-98FF-010C8401FADA}"/>
+                    <a16:creationId xmlns:a16="http://schemas.microsoft.com/office/drawing/2014/main" id="{4059FEBC-2EFF-ED47-98FF-010C8401FADA}"/>
                   </a:ext>
                 </a:extLst>
               </p:cNvPr>
@@ -24113,7 +24173,7 @@
             <p:spPr>
               <a:xfrm>
                 <a:off x="1780031" y="1499917"/>
-                <a:ext cx="4723201" cy="1566915"/>
+                <a:ext cx="4723201" cy="1796168"/>
               </a:xfrm>
               <a:prstGeom prst="rect">
                 <a:avLst/>
@@ -24152,7 +24212,7 @@
                   <a:buChar char="•"/>
                 </a:pPr>
                 <a:r>
-                  <a:rPr lang="de-DE" dirty="0" smtClean="0">
+                  <a:rPr lang="de-DE" dirty="0">
                     <a:solidFill>
                       <a:schemeClr val="tx1"/>
                     </a:solidFill>
@@ -24160,7 +24220,7 @@
                   <a:t>Konzept auf einen weiteren </a:t>
                 </a:r>
                 <a:r>
-                  <a:rPr lang="de-DE" dirty="0" err="1" smtClean="0">
+                  <a:rPr lang="de-DE" dirty="0" err="1">
                     <a:solidFill>
                       <a:schemeClr val="tx1"/>
                     </a:solidFill>
@@ -24168,12 +24228,12 @@
                   <a:t>Use</a:t>
                 </a:r>
                 <a:r>
-                  <a:rPr lang="de-DE" dirty="0" smtClean="0">
+                  <a:rPr lang="de-DE" dirty="0">
                     <a:solidFill>
                       <a:schemeClr val="tx1"/>
                     </a:solidFill>
                   </a:rPr>
-                  <a:t> Case anwenden</a:t>
+                  <a:t> Case anwenden?</a:t>
                 </a:r>
               </a:p>
               <a:p>
@@ -24181,11 +24241,14 @@
                   <a:buFont typeface="Arial" panose="020B0604020202020204" pitchFamily="34" charset="0"/>
                   <a:buChar char="•"/>
                 </a:pPr>
-                <a:endParaRPr lang="de-DE" dirty="0">
-                  <a:solidFill>
-                    <a:schemeClr val="tx1"/>
-                  </a:solidFill>
-                </a:endParaRPr>
+                <a:r>
+                  <a:rPr lang="de-DE" dirty="0">
+                    <a:solidFill>
+                      <a:schemeClr val="tx1"/>
+                    </a:solidFill>
+                  </a:rPr>
+                  <a:t>Vergleich PFE und Assistenzsystem?</a:t>
+                </a:r>
               </a:p>
               <a:p>
                 <a:pPr marL="285750" indent="-285750">
@@ -24193,18 +24256,27 @@
                   <a:buChar char="•"/>
                 </a:pPr>
                 <a:r>
-                  <a:rPr lang="de-DE" dirty="0" smtClean="0">
+                  <a:rPr lang="de-DE" dirty="0">
                     <a:solidFill>
                       <a:schemeClr val="tx1"/>
                     </a:solidFill>
                   </a:rPr>
-                  <a:t>Experteninterviews zur Einschätzung der Bedienbarkeit</a:t>
+                  <a:t>Experteninterviews zur Einschätzung der Bedienbarkeit?</a:t>
                 </a:r>
-                <a:endParaRPr lang="de-DE" dirty="0">
-                  <a:solidFill>
-                    <a:schemeClr val="tx1"/>
-                  </a:solidFill>
-                </a:endParaRPr>
+              </a:p>
+              <a:p>
+                <a:pPr marL="285750" indent="-285750">
+                  <a:buFont typeface="Arial" panose="020B0604020202020204" pitchFamily="34" charset="0"/>
+                  <a:buChar char="•"/>
+                </a:pPr>
+                <a:r>
+                  <a:rPr lang="de-DE" dirty="0">
+                    <a:solidFill>
+                      <a:schemeClr val="tx1"/>
+                    </a:solidFill>
+                  </a:rPr>
+                  <a:t>Erläutern, was Assistenz kann/nicht kann</a:t>
+                </a:r>
               </a:p>
             </p:txBody>
           </p:sp>
@@ -24213,7 +24285,7 @@
               <p:cNvPr id="27" name="Rechteck 26">
                 <a:extLst>
                   <a:ext uri="{FF2B5EF4-FFF2-40B4-BE49-F238E27FC236}">
-                    <a16:creationId xmlns:a16="http://schemas.microsoft.com/office/drawing/2014/main" xmlns="" id="{A6C74FE9-D83D-2346-A400-58BA4229E830}"/>
+                    <a16:creationId xmlns:a16="http://schemas.microsoft.com/office/drawing/2014/main" id="{A6C74FE9-D83D-2346-A400-58BA4229E830}"/>
                   </a:ext>
                 </a:extLst>
               </p:cNvPr>
@@ -24272,7 +24344,7 @@
             <p:cNvPr id="25" name="Rechteck 24">
               <a:extLst>
                 <a:ext uri="{FF2B5EF4-FFF2-40B4-BE49-F238E27FC236}">
-                  <a16:creationId xmlns:a16="http://schemas.microsoft.com/office/drawing/2014/main" xmlns="" id="{1EDE063D-852E-324C-A77E-EFB1A1CCD783}"/>
+                  <a16:creationId xmlns:a16="http://schemas.microsoft.com/office/drawing/2014/main" id="{1EDE063D-852E-324C-A77E-EFB1A1CCD783}"/>
                 </a:ext>
               </a:extLst>
             </p:cNvPr>
@@ -24332,7 +24404,7 @@
           <p:cNvPr id="28" name="Gruppieren 27">
             <a:extLst>
               <a:ext uri="{FF2B5EF4-FFF2-40B4-BE49-F238E27FC236}">
-                <a16:creationId xmlns:a16="http://schemas.microsoft.com/office/drawing/2014/main" xmlns="" id="{076AA3C9-476D-4D45-B8BE-E0951E23CBCF}"/>
+                <a16:creationId xmlns:a16="http://schemas.microsoft.com/office/drawing/2014/main" id="{076AA3C9-476D-4D45-B8BE-E0951E23CBCF}"/>
               </a:ext>
             </a:extLst>
           </p:cNvPr>
@@ -24352,7 +24424,7 @@
             <p:cNvPr id="29" name="Gruppieren 28">
               <a:extLst>
                 <a:ext uri="{FF2B5EF4-FFF2-40B4-BE49-F238E27FC236}">
-                  <a16:creationId xmlns:a16="http://schemas.microsoft.com/office/drawing/2014/main" xmlns="" id="{B404C1CC-6DF7-B648-9CCB-5E2E9AFEB672}"/>
+                  <a16:creationId xmlns:a16="http://schemas.microsoft.com/office/drawing/2014/main" id="{B404C1CC-6DF7-B648-9CCB-5E2E9AFEB672}"/>
                 </a:ext>
               </a:extLst>
             </p:cNvPr>
@@ -24372,7 +24444,7 @@
               <p:cNvPr id="31" name="Rechteck 30">
                 <a:extLst>
                   <a:ext uri="{FF2B5EF4-FFF2-40B4-BE49-F238E27FC236}">
-                    <a16:creationId xmlns:a16="http://schemas.microsoft.com/office/drawing/2014/main" xmlns="" id="{4BDB37D7-D054-A942-8D6D-F9B2EF0F9FF6}"/>
+                    <a16:creationId xmlns:a16="http://schemas.microsoft.com/office/drawing/2014/main" id="{4BDB37D7-D054-A942-8D6D-F9B2EF0F9FF6}"/>
                   </a:ext>
                 </a:extLst>
               </p:cNvPr>
@@ -24436,7 +24508,7 @@
               <p:cNvPr id="32" name="Rechteck 31">
                 <a:extLst>
                   <a:ext uri="{FF2B5EF4-FFF2-40B4-BE49-F238E27FC236}">
-                    <a16:creationId xmlns:a16="http://schemas.microsoft.com/office/drawing/2014/main" xmlns="" id="{3A6CCD76-DF2E-A745-8BA8-2A2DA3CA1050}"/>
+                    <a16:creationId xmlns:a16="http://schemas.microsoft.com/office/drawing/2014/main" id="{3A6CCD76-DF2E-A745-8BA8-2A2DA3CA1050}"/>
                   </a:ext>
                 </a:extLst>
               </p:cNvPr>
@@ -24495,7 +24567,7 @@
             <p:cNvPr id="30" name="Rechteck 29">
               <a:extLst>
                 <a:ext uri="{FF2B5EF4-FFF2-40B4-BE49-F238E27FC236}">
-                  <a16:creationId xmlns:a16="http://schemas.microsoft.com/office/drawing/2014/main" xmlns="" id="{117072ED-37EF-E943-B866-F06DD4235CB3}"/>
+                  <a16:creationId xmlns:a16="http://schemas.microsoft.com/office/drawing/2014/main" id="{117072ED-37EF-E943-B866-F06DD4235CB3}"/>
                 </a:ext>
               </a:extLst>
             </p:cNvPr>

--- a/Dokumente/Präsentationen/2019-02-18_DA_Feldkemper_Zwischenpräsentation.pptx
+++ b/Dokumente/Präsentationen/2019-02-18_DA_Feldkemper_Zwischenpräsentation.pptx
@@ -40,14 +40,14 @@
   <p:notesSz cx="6858000" cy="9144000"/>
   <p:embeddedFontLst>
     <p:embeddedFont>
-      <p:font typeface="Calibri" panose="020F0502020204030204" pitchFamily="34" charset="0"/>
+      <p:font typeface="Open Sans" panose="020B0604020202020204" charset="0"/>
       <p:regular r:id="rId28"/>
       <p:bold r:id="rId29"/>
       <p:italic r:id="rId30"/>
       <p:boldItalic r:id="rId31"/>
     </p:embeddedFont>
     <p:embeddedFont>
-      <p:font typeface="Open Sans" panose="020B0606030504020204" pitchFamily="34" charset="0"/>
+      <p:font typeface="Calibri" panose="020F0502020204030204" pitchFamily="34" charset="0"/>
       <p:regular r:id="rId32"/>
       <p:bold r:id="rId33"/>
       <p:italic r:id="rId34"/>
@@ -287,7 +287,7 @@
           <a:p>
             <a:fld id="{C6AC6211-610F-44E5-BF19-D3CDF6EDD281}" type="datetimeFigureOut">
               <a:rPr lang="de-DE" smtClean="0"/>
-              <a:t>17.02.19</a:t>
+              <a:t>18.02.2019</a:t>
             </a:fld>
             <a:endParaRPr lang="de-DE"/>
           </a:p>
@@ -453,7 +453,7 @@
           <a:p>
             <a:fld id="{347435D3-23A6-45D3-8DFA-7317DC1E7A64}" type="datetimeFigureOut">
               <a:rPr lang="de-DE" smtClean="0"/>
-              <a:t>17.02.19</a:t>
+              <a:t>18.02.2019</a:t>
             </a:fld>
             <a:endParaRPr lang="de-DE"/>
           </a:p>
@@ -1968,7 +1968,7 @@
           <p:cNvPr id="15" name="Rechteck 14">
             <a:extLst>
               <a:ext uri="{FF2B5EF4-FFF2-40B4-BE49-F238E27FC236}">
-                <a16:creationId xmlns:a16="http://schemas.microsoft.com/office/drawing/2014/main" id="{F770C3AA-244C-A141-BC22-D074823F4293}"/>
+                <a16:creationId xmlns:a16="http://schemas.microsoft.com/office/drawing/2014/main" xmlns="" id="{F770C3AA-244C-A141-BC22-D074823F4293}"/>
               </a:ext>
             </a:extLst>
           </p:cNvPr>
@@ -2208,7 +2208,7 @@
           <p:cNvPr id="5" name="Grafik 4">
             <a:extLst>
               <a:ext uri="{FF2B5EF4-FFF2-40B4-BE49-F238E27FC236}">
-                <a16:creationId xmlns:a16="http://schemas.microsoft.com/office/drawing/2014/main" id="{C0F785FA-BB6E-6347-A8C6-9846216D4CBB}"/>
+                <a16:creationId xmlns:a16="http://schemas.microsoft.com/office/drawing/2014/main" xmlns="" id="{C0F785FA-BB6E-6347-A8C6-9846216D4CBB}"/>
               </a:ext>
             </a:extLst>
           </p:cNvPr>
@@ -2397,7 +2397,7 @@
           <p:cNvPr id="12" name="Grafik 11" hidden="1">
             <a:extLst>
               <a:ext uri="{FF2B5EF4-FFF2-40B4-BE49-F238E27FC236}">
-                <a16:creationId xmlns:a16="http://schemas.microsoft.com/office/drawing/2014/main" id="{CFC0D4A5-64CF-6D49-98B1-9FF6119E60EC}"/>
+                <a16:creationId xmlns:a16="http://schemas.microsoft.com/office/drawing/2014/main" xmlns="" id="{CFC0D4A5-64CF-6D49-98B1-9FF6119E60EC}"/>
               </a:ext>
             </a:extLst>
           </p:cNvPr>
@@ -2427,7 +2427,7 @@
           <p:cNvPr id="17" name="Grafik 16">
             <a:extLst>
               <a:ext uri="{FF2B5EF4-FFF2-40B4-BE49-F238E27FC236}">
-                <a16:creationId xmlns:a16="http://schemas.microsoft.com/office/drawing/2014/main" id="{22ECE872-F4EF-2A49-BA96-6065BC99D769}"/>
+                <a16:creationId xmlns:a16="http://schemas.microsoft.com/office/drawing/2014/main" xmlns="" id="{22ECE872-F4EF-2A49-BA96-6065BC99D769}"/>
               </a:ext>
             </a:extLst>
           </p:cNvPr>
@@ -2697,7 +2697,7 @@
           <p:cNvPr id="24" name="Bildplatzhalter 23">
             <a:extLst>
               <a:ext uri="{FF2B5EF4-FFF2-40B4-BE49-F238E27FC236}">
-                <a16:creationId xmlns:a16="http://schemas.microsoft.com/office/drawing/2014/main" id="{24A56C48-CA8D-D349-89CC-35C3A65DC4D5}"/>
+                <a16:creationId xmlns:a16="http://schemas.microsoft.com/office/drawing/2014/main" xmlns="" id="{24A56C48-CA8D-D349-89CC-35C3A65DC4D5}"/>
               </a:ext>
             </a:extLst>
           </p:cNvPr>
@@ -3011,7 +3011,7 @@
           <p:cNvPr id="6" name="Textplatzhalter 5">
             <a:extLst>
               <a:ext uri="{FF2B5EF4-FFF2-40B4-BE49-F238E27FC236}">
-                <a16:creationId xmlns:a16="http://schemas.microsoft.com/office/drawing/2014/main" id="{2E77FCEF-52F5-324B-A583-005ABCE0E622}"/>
+                <a16:creationId xmlns:a16="http://schemas.microsoft.com/office/drawing/2014/main" xmlns="" id="{2E77FCEF-52F5-324B-A583-005ABCE0E622}"/>
               </a:ext>
             </a:extLst>
           </p:cNvPr>
@@ -3049,7 +3049,7 @@
           <p:cNvPr id="13" name="Grafik 12">
             <a:extLst>
               <a:ext uri="{FF2B5EF4-FFF2-40B4-BE49-F238E27FC236}">
-                <a16:creationId xmlns:a16="http://schemas.microsoft.com/office/drawing/2014/main" id="{F84F96E3-FAED-E24A-9E01-BBA4824F0E34}"/>
+                <a16:creationId xmlns:a16="http://schemas.microsoft.com/office/drawing/2014/main" xmlns="" id="{F84F96E3-FAED-E24A-9E01-BBA4824F0E34}"/>
               </a:ext>
             </a:extLst>
           </p:cNvPr>
@@ -3220,7 +3220,7 @@
           <p:cNvPr id="6" name="Rechteck 5">
             <a:extLst>
               <a:ext uri="{FF2B5EF4-FFF2-40B4-BE49-F238E27FC236}">
-                <a16:creationId xmlns:a16="http://schemas.microsoft.com/office/drawing/2014/main" id="{2447D286-D9F9-E84F-9173-2C8D2D2068E1}"/>
+                <a16:creationId xmlns:a16="http://schemas.microsoft.com/office/drawing/2014/main" xmlns="" id="{2447D286-D9F9-E84F-9173-2C8D2D2068E1}"/>
               </a:ext>
             </a:extLst>
           </p:cNvPr>
@@ -3287,7 +3287,7 @@
           <p:cNvPr id="10" name="Grafik 9">
             <a:extLst>
               <a:ext uri="{FF2B5EF4-FFF2-40B4-BE49-F238E27FC236}">
-                <a16:creationId xmlns:a16="http://schemas.microsoft.com/office/drawing/2014/main" id="{E4DBCC79-CA26-C240-B119-9127A62CDBA8}"/>
+                <a16:creationId xmlns:a16="http://schemas.microsoft.com/office/drawing/2014/main" xmlns="" id="{E4DBCC79-CA26-C240-B119-9127A62CDBA8}"/>
               </a:ext>
             </a:extLst>
           </p:cNvPr>
@@ -3389,7 +3389,7 @@
           <p:cNvPr id="5" name="Rechteck 4">
             <a:extLst>
               <a:ext uri="{FF2B5EF4-FFF2-40B4-BE49-F238E27FC236}">
-                <a16:creationId xmlns:a16="http://schemas.microsoft.com/office/drawing/2014/main" id="{FD770378-5F2D-DE46-8D66-09007E946AD3}"/>
+                <a16:creationId xmlns:a16="http://schemas.microsoft.com/office/drawing/2014/main" xmlns="" id="{FD770378-5F2D-DE46-8D66-09007E946AD3}"/>
               </a:ext>
             </a:extLst>
           </p:cNvPr>
@@ -3453,7 +3453,7 @@
           <p:cNvPr id="4" name="Grafik 3">
             <a:extLst>
               <a:ext uri="{FF2B5EF4-FFF2-40B4-BE49-F238E27FC236}">
-                <a16:creationId xmlns:a16="http://schemas.microsoft.com/office/drawing/2014/main" id="{4FE30B28-5777-FC40-9C3F-81738D289A6A}"/>
+                <a16:creationId xmlns:a16="http://schemas.microsoft.com/office/drawing/2014/main" xmlns="" id="{4FE30B28-5777-FC40-9C3F-81738D289A6A}"/>
               </a:ext>
             </a:extLst>
           </p:cNvPr>
@@ -4402,6 +4402,17 @@
               <a:tabLst/>
               <a:defRPr/>
             </a:pPr>
+            <a:r>
+              <a:rPr lang="de-DE" sz="800" dirty="0">
+                <a:solidFill>
+                  <a:schemeClr val="bg2"/>
+                </a:solidFill>
+                <a:latin typeface="Open Sans" panose="020B0606030504020204" pitchFamily="34" charset="0"/>
+                <a:ea typeface="Open Sans" panose="020B0606030504020204" pitchFamily="34" charset="0"/>
+                <a:cs typeface="Open Sans" panose="020B0606030504020204" pitchFamily="34" charset="0"/>
+              </a:rPr>
+              <a:t/>
+            </a:r>
             <a:br>
               <a:rPr lang="de-DE" sz="800" dirty="0">
                 <a:solidFill>
@@ -4565,7 +4576,7 @@
           <p:cNvPr id="13" name="Grafik 12">
             <a:extLst>
               <a:ext uri="{FF2B5EF4-FFF2-40B4-BE49-F238E27FC236}">
-                <a16:creationId xmlns:a16="http://schemas.microsoft.com/office/drawing/2014/main" id="{2DC3CACD-C7C8-274E-BCD4-043370996A48}"/>
+                <a16:creationId xmlns:a16="http://schemas.microsoft.com/office/drawing/2014/main" xmlns="" id="{2DC3CACD-C7C8-274E-BCD4-043370996A48}"/>
               </a:ext>
             </a:extLst>
           </p:cNvPr>
@@ -5225,7 +5236,7 @@
           <p:cNvPr id="4" name="Gruppieren 3">
             <a:extLst>
               <a:ext uri="{FF2B5EF4-FFF2-40B4-BE49-F238E27FC236}">
-                <a16:creationId xmlns:a16="http://schemas.microsoft.com/office/drawing/2014/main" id="{64401E1E-557D-5D4F-AE09-187A0802411B}"/>
+                <a16:creationId xmlns:a16="http://schemas.microsoft.com/office/drawing/2014/main" xmlns="" id="{64401E1E-557D-5D4F-AE09-187A0802411B}"/>
               </a:ext>
             </a:extLst>
           </p:cNvPr>
@@ -5245,7 +5256,7 @@
             <p:cNvPr id="5" name="Rechteck 4">
               <a:extLst>
                 <a:ext uri="{FF2B5EF4-FFF2-40B4-BE49-F238E27FC236}">
-                  <a16:creationId xmlns:a16="http://schemas.microsoft.com/office/drawing/2014/main" id="{35A0EAB9-4039-6448-AC03-B60DE38901D0}"/>
+                  <a16:creationId xmlns:a16="http://schemas.microsoft.com/office/drawing/2014/main" xmlns="" id="{35A0EAB9-4039-6448-AC03-B60DE38901D0}"/>
                 </a:ext>
               </a:extLst>
             </p:cNvPr>
@@ -5301,7 +5312,7 @@
             <p:cNvPr id="6" name="Rechteck 5">
               <a:extLst>
                 <a:ext uri="{FF2B5EF4-FFF2-40B4-BE49-F238E27FC236}">
-                  <a16:creationId xmlns:a16="http://schemas.microsoft.com/office/drawing/2014/main" id="{FCCEA108-686B-BB4F-95FB-4BCE5EB529F1}"/>
+                  <a16:creationId xmlns:a16="http://schemas.microsoft.com/office/drawing/2014/main" xmlns="" id="{FCCEA108-686B-BB4F-95FB-4BCE5EB529F1}"/>
                 </a:ext>
               </a:extLst>
             </p:cNvPr>
@@ -5617,7 +5628,7 @@
             <p:cNvPr id="7" name="Gruppieren 6">
               <a:extLst>
                 <a:ext uri="{FF2B5EF4-FFF2-40B4-BE49-F238E27FC236}">
-                  <a16:creationId xmlns:a16="http://schemas.microsoft.com/office/drawing/2014/main" id="{64401E1E-557D-5D4F-AE09-187A0802411B}"/>
+                  <a16:creationId xmlns:a16="http://schemas.microsoft.com/office/drawing/2014/main" xmlns="" id="{64401E1E-557D-5D4F-AE09-187A0802411B}"/>
                 </a:ext>
               </a:extLst>
             </p:cNvPr>
@@ -5637,7 +5648,7 @@
               <p:cNvPr id="8" name="Rechteck 7">
                 <a:extLst>
                   <a:ext uri="{FF2B5EF4-FFF2-40B4-BE49-F238E27FC236}">
-                    <a16:creationId xmlns:a16="http://schemas.microsoft.com/office/drawing/2014/main" id="{35A0EAB9-4039-6448-AC03-B60DE38901D0}"/>
+                    <a16:creationId xmlns:a16="http://schemas.microsoft.com/office/drawing/2014/main" xmlns="" id="{35A0EAB9-4039-6448-AC03-B60DE38901D0}"/>
                   </a:ext>
                 </a:extLst>
               </p:cNvPr>
@@ -5693,7 +5704,7 @@
               <p:cNvPr id="9" name="Rechteck 8">
                 <a:extLst>
                   <a:ext uri="{FF2B5EF4-FFF2-40B4-BE49-F238E27FC236}">
-                    <a16:creationId xmlns:a16="http://schemas.microsoft.com/office/drawing/2014/main" id="{FCCEA108-686B-BB4F-95FB-4BCE5EB529F1}"/>
+                    <a16:creationId xmlns:a16="http://schemas.microsoft.com/office/drawing/2014/main" xmlns="" id="{FCCEA108-686B-BB4F-95FB-4BCE5EB529F1}"/>
                   </a:ext>
                 </a:extLst>
               </p:cNvPr>
@@ -6148,7 +6159,7 @@
           <p:cNvPr id="49" name="Gruppieren 48">
             <a:extLst>
               <a:ext uri="{FF2B5EF4-FFF2-40B4-BE49-F238E27FC236}">
-                <a16:creationId xmlns:a16="http://schemas.microsoft.com/office/drawing/2014/main" id="{64401E1E-557D-5D4F-AE09-187A0802411B}"/>
+                <a16:creationId xmlns:a16="http://schemas.microsoft.com/office/drawing/2014/main" xmlns="" id="{64401E1E-557D-5D4F-AE09-187A0802411B}"/>
               </a:ext>
             </a:extLst>
           </p:cNvPr>
@@ -6168,7 +6179,7 @@
             <p:cNvPr id="50" name="Rechteck 49">
               <a:extLst>
                 <a:ext uri="{FF2B5EF4-FFF2-40B4-BE49-F238E27FC236}">
-                  <a16:creationId xmlns:a16="http://schemas.microsoft.com/office/drawing/2014/main" id="{35A0EAB9-4039-6448-AC03-B60DE38901D0}"/>
+                  <a16:creationId xmlns:a16="http://schemas.microsoft.com/office/drawing/2014/main" xmlns="" id="{35A0EAB9-4039-6448-AC03-B60DE38901D0}"/>
                 </a:ext>
               </a:extLst>
             </p:cNvPr>
@@ -6224,7 +6235,7 @@
             <p:cNvPr id="51" name="Rechteck 50">
               <a:extLst>
                 <a:ext uri="{FF2B5EF4-FFF2-40B4-BE49-F238E27FC236}">
-                  <a16:creationId xmlns:a16="http://schemas.microsoft.com/office/drawing/2014/main" id="{FCCEA108-686B-BB4F-95FB-4BCE5EB529F1}"/>
+                  <a16:creationId xmlns:a16="http://schemas.microsoft.com/office/drawing/2014/main" xmlns="" id="{FCCEA108-686B-BB4F-95FB-4BCE5EB529F1}"/>
                 </a:ext>
               </a:extLst>
             </p:cNvPr>
@@ -6620,7 +6631,7 @@
           <p:cNvPr id="4" name="Gruppieren 3">
             <a:extLst>
               <a:ext uri="{FF2B5EF4-FFF2-40B4-BE49-F238E27FC236}">
-                <a16:creationId xmlns:a16="http://schemas.microsoft.com/office/drawing/2014/main" id="{64401E1E-557D-5D4F-AE09-187A0802411B}"/>
+                <a16:creationId xmlns:a16="http://schemas.microsoft.com/office/drawing/2014/main" xmlns="" id="{64401E1E-557D-5D4F-AE09-187A0802411B}"/>
               </a:ext>
             </a:extLst>
           </p:cNvPr>
@@ -6640,7 +6651,7 @@
             <p:cNvPr id="5" name="Rechteck 4">
               <a:extLst>
                 <a:ext uri="{FF2B5EF4-FFF2-40B4-BE49-F238E27FC236}">
-                  <a16:creationId xmlns:a16="http://schemas.microsoft.com/office/drawing/2014/main" id="{35A0EAB9-4039-6448-AC03-B60DE38901D0}"/>
+                  <a16:creationId xmlns:a16="http://schemas.microsoft.com/office/drawing/2014/main" xmlns="" id="{35A0EAB9-4039-6448-AC03-B60DE38901D0}"/>
                 </a:ext>
               </a:extLst>
             </p:cNvPr>
@@ -6844,7 +6855,7 @@
             <p:cNvPr id="6" name="Rechteck 5">
               <a:extLst>
                 <a:ext uri="{FF2B5EF4-FFF2-40B4-BE49-F238E27FC236}">
-                  <a16:creationId xmlns:a16="http://schemas.microsoft.com/office/drawing/2014/main" id="{FCCEA108-686B-BB4F-95FB-4BCE5EB529F1}"/>
+                  <a16:creationId xmlns:a16="http://schemas.microsoft.com/office/drawing/2014/main" xmlns="" id="{FCCEA108-686B-BB4F-95FB-4BCE5EB529F1}"/>
                 </a:ext>
               </a:extLst>
             </p:cNvPr>
@@ -6903,7 +6914,7 @@
           <p:cNvPr id="7" name="Gruppieren 6">
             <a:extLst>
               <a:ext uri="{FF2B5EF4-FFF2-40B4-BE49-F238E27FC236}">
-                <a16:creationId xmlns:a16="http://schemas.microsoft.com/office/drawing/2014/main" id="{64401E1E-557D-5D4F-AE09-187A0802411B}"/>
+                <a16:creationId xmlns:a16="http://schemas.microsoft.com/office/drawing/2014/main" xmlns="" id="{64401E1E-557D-5D4F-AE09-187A0802411B}"/>
               </a:ext>
             </a:extLst>
           </p:cNvPr>
@@ -6923,7 +6934,7 @@
             <p:cNvPr id="8" name="Rechteck 7">
               <a:extLst>
                 <a:ext uri="{FF2B5EF4-FFF2-40B4-BE49-F238E27FC236}">
-                  <a16:creationId xmlns:a16="http://schemas.microsoft.com/office/drawing/2014/main" id="{35A0EAB9-4039-6448-AC03-B60DE38901D0}"/>
+                  <a16:creationId xmlns:a16="http://schemas.microsoft.com/office/drawing/2014/main" xmlns="" id="{35A0EAB9-4039-6448-AC03-B60DE38901D0}"/>
                 </a:ext>
               </a:extLst>
             </p:cNvPr>
@@ -7049,7 +7060,7 @@
             <p:cNvPr id="9" name="Rechteck 8">
               <a:extLst>
                 <a:ext uri="{FF2B5EF4-FFF2-40B4-BE49-F238E27FC236}">
-                  <a16:creationId xmlns:a16="http://schemas.microsoft.com/office/drawing/2014/main" id="{FCCEA108-686B-BB4F-95FB-4BCE5EB529F1}"/>
+                  <a16:creationId xmlns:a16="http://schemas.microsoft.com/office/drawing/2014/main" xmlns="" id="{FCCEA108-686B-BB4F-95FB-4BCE5EB529F1}"/>
                 </a:ext>
               </a:extLst>
             </p:cNvPr>
@@ -7108,7 +7119,7 @@
           <p:cNvPr id="10" name="Gruppieren 9">
             <a:extLst>
               <a:ext uri="{FF2B5EF4-FFF2-40B4-BE49-F238E27FC236}">
-                <a16:creationId xmlns:a16="http://schemas.microsoft.com/office/drawing/2014/main" id="{64401E1E-557D-5D4F-AE09-187A0802411B}"/>
+                <a16:creationId xmlns:a16="http://schemas.microsoft.com/office/drawing/2014/main" xmlns="" id="{64401E1E-557D-5D4F-AE09-187A0802411B}"/>
               </a:ext>
             </a:extLst>
           </p:cNvPr>
@@ -7128,7 +7139,7 @@
             <p:cNvPr id="11" name="Rechteck 10">
               <a:extLst>
                 <a:ext uri="{FF2B5EF4-FFF2-40B4-BE49-F238E27FC236}">
-                  <a16:creationId xmlns:a16="http://schemas.microsoft.com/office/drawing/2014/main" id="{35A0EAB9-4039-6448-AC03-B60DE38901D0}"/>
+                  <a16:creationId xmlns:a16="http://schemas.microsoft.com/office/drawing/2014/main" xmlns="" id="{35A0EAB9-4039-6448-AC03-B60DE38901D0}"/>
                 </a:ext>
               </a:extLst>
             </p:cNvPr>
@@ -7240,7 +7251,7 @@
             <p:cNvPr id="12" name="Rechteck 11">
               <a:extLst>
                 <a:ext uri="{FF2B5EF4-FFF2-40B4-BE49-F238E27FC236}">
-                  <a16:creationId xmlns:a16="http://schemas.microsoft.com/office/drawing/2014/main" id="{FCCEA108-686B-BB4F-95FB-4BCE5EB529F1}"/>
+                  <a16:creationId xmlns:a16="http://schemas.microsoft.com/office/drawing/2014/main" xmlns="" id="{FCCEA108-686B-BB4F-95FB-4BCE5EB529F1}"/>
                 </a:ext>
               </a:extLst>
             </p:cNvPr>
@@ -7351,7 +7362,7 @@
           <p:cNvPr id="4" name="Gruppieren 3">
             <a:extLst>
               <a:ext uri="{FF2B5EF4-FFF2-40B4-BE49-F238E27FC236}">
-                <a16:creationId xmlns:a16="http://schemas.microsoft.com/office/drawing/2014/main" id="{64401E1E-557D-5D4F-AE09-187A0802411B}"/>
+                <a16:creationId xmlns:a16="http://schemas.microsoft.com/office/drawing/2014/main" xmlns="" id="{64401E1E-557D-5D4F-AE09-187A0802411B}"/>
               </a:ext>
             </a:extLst>
           </p:cNvPr>
@@ -7371,7 +7382,7 @@
             <p:cNvPr id="5" name="Rechteck 4">
               <a:extLst>
                 <a:ext uri="{FF2B5EF4-FFF2-40B4-BE49-F238E27FC236}">
-                  <a16:creationId xmlns:a16="http://schemas.microsoft.com/office/drawing/2014/main" id="{35A0EAB9-4039-6448-AC03-B60DE38901D0}"/>
+                  <a16:creationId xmlns:a16="http://schemas.microsoft.com/office/drawing/2014/main" xmlns="" id="{35A0EAB9-4039-6448-AC03-B60DE38901D0}"/>
                 </a:ext>
               </a:extLst>
             </p:cNvPr>
@@ -7455,7 +7466,7 @@
             <p:cNvPr id="6" name="Rechteck 5">
               <a:extLst>
                 <a:ext uri="{FF2B5EF4-FFF2-40B4-BE49-F238E27FC236}">
-                  <a16:creationId xmlns:a16="http://schemas.microsoft.com/office/drawing/2014/main" id="{FCCEA108-686B-BB4F-95FB-4BCE5EB529F1}"/>
+                  <a16:creationId xmlns:a16="http://schemas.microsoft.com/office/drawing/2014/main" xmlns="" id="{FCCEA108-686B-BB4F-95FB-4BCE5EB529F1}"/>
                 </a:ext>
               </a:extLst>
             </p:cNvPr>
@@ -7514,7 +7525,7 @@
           <p:cNvPr id="7" name="Gruppieren 6">
             <a:extLst>
               <a:ext uri="{FF2B5EF4-FFF2-40B4-BE49-F238E27FC236}">
-                <a16:creationId xmlns:a16="http://schemas.microsoft.com/office/drawing/2014/main" id="{64401E1E-557D-5D4F-AE09-187A0802411B}"/>
+                <a16:creationId xmlns:a16="http://schemas.microsoft.com/office/drawing/2014/main" xmlns="" id="{64401E1E-557D-5D4F-AE09-187A0802411B}"/>
               </a:ext>
             </a:extLst>
           </p:cNvPr>
@@ -7534,7 +7545,7 @@
             <p:cNvPr id="8" name="Rechteck 7">
               <a:extLst>
                 <a:ext uri="{FF2B5EF4-FFF2-40B4-BE49-F238E27FC236}">
-                  <a16:creationId xmlns:a16="http://schemas.microsoft.com/office/drawing/2014/main" id="{35A0EAB9-4039-6448-AC03-B60DE38901D0}"/>
+                  <a16:creationId xmlns:a16="http://schemas.microsoft.com/office/drawing/2014/main" xmlns="" id="{35A0EAB9-4039-6448-AC03-B60DE38901D0}"/>
                 </a:ext>
               </a:extLst>
             </p:cNvPr>
@@ -7629,7 +7640,7 @@
             <p:cNvPr id="9" name="Rechteck 8">
               <a:extLst>
                 <a:ext uri="{FF2B5EF4-FFF2-40B4-BE49-F238E27FC236}">
-                  <a16:creationId xmlns:a16="http://schemas.microsoft.com/office/drawing/2014/main" id="{FCCEA108-686B-BB4F-95FB-4BCE5EB529F1}"/>
+                  <a16:creationId xmlns:a16="http://schemas.microsoft.com/office/drawing/2014/main" xmlns="" id="{FCCEA108-686B-BB4F-95FB-4BCE5EB529F1}"/>
                 </a:ext>
               </a:extLst>
             </p:cNvPr>
@@ -7688,7 +7699,7 @@
           <p:cNvPr id="10" name="Gruppieren 9">
             <a:extLst>
               <a:ext uri="{FF2B5EF4-FFF2-40B4-BE49-F238E27FC236}">
-                <a16:creationId xmlns:a16="http://schemas.microsoft.com/office/drawing/2014/main" id="{64401E1E-557D-5D4F-AE09-187A0802411B}"/>
+                <a16:creationId xmlns:a16="http://schemas.microsoft.com/office/drawing/2014/main" xmlns="" id="{64401E1E-557D-5D4F-AE09-187A0802411B}"/>
               </a:ext>
             </a:extLst>
           </p:cNvPr>
@@ -7708,7 +7719,7 @@
             <p:cNvPr id="11" name="Rechteck 10">
               <a:extLst>
                 <a:ext uri="{FF2B5EF4-FFF2-40B4-BE49-F238E27FC236}">
-                  <a16:creationId xmlns:a16="http://schemas.microsoft.com/office/drawing/2014/main" id="{35A0EAB9-4039-6448-AC03-B60DE38901D0}"/>
+                  <a16:creationId xmlns:a16="http://schemas.microsoft.com/office/drawing/2014/main" xmlns="" id="{35A0EAB9-4039-6448-AC03-B60DE38901D0}"/>
                 </a:ext>
               </a:extLst>
             </p:cNvPr>
@@ -7863,7 +7874,7 @@
             <p:cNvPr id="12" name="Rechteck 11">
               <a:extLst>
                 <a:ext uri="{FF2B5EF4-FFF2-40B4-BE49-F238E27FC236}">
-                  <a16:creationId xmlns:a16="http://schemas.microsoft.com/office/drawing/2014/main" id="{FCCEA108-686B-BB4F-95FB-4BCE5EB529F1}"/>
+                  <a16:creationId xmlns:a16="http://schemas.microsoft.com/office/drawing/2014/main" xmlns="" id="{FCCEA108-686B-BB4F-95FB-4BCE5EB529F1}"/>
                 </a:ext>
               </a:extLst>
             </p:cNvPr>
@@ -7974,7 +7985,7 @@
           <p:cNvPr id="4" name="Gruppieren 3">
             <a:extLst>
               <a:ext uri="{FF2B5EF4-FFF2-40B4-BE49-F238E27FC236}">
-                <a16:creationId xmlns:a16="http://schemas.microsoft.com/office/drawing/2014/main" id="{64401E1E-557D-5D4F-AE09-187A0802411B}"/>
+                <a16:creationId xmlns:a16="http://schemas.microsoft.com/office/drawing/2014/main" xmlns="" id="{64401E1E-557D-5D4F-AE09-187A0802411B}"/>
               </a:ext>
             </a:extLst>
           </p:cNvPr>
@@ -7994,7 +8005,7 @@
             <p:cNvPr id="5" name="Rechteck 4">
               <a:extLst>
                 <a:ext uri="{FF2B5EF4-FFF2-40B4-BE49-F238E27FC236}">
-                  <a16:creationId xmlns:a16="http://schemas.microsoft.com/office/drawing/2014/main" id="{35A0EAB9-4039-6448-AC03-B60DE38901D0}"/>
+                  <a16:creationId xmlns:a16="http://schemas.microsoft.com/office/drawing/2014/main" xmlns="" id="{35A0EAB9-4039-6448-AC03-B60DE38901D0}"/>
                 </a:ext>
               </a:extLst>
             </p:cNvPr>
@@ -8106,7 +8117,7 @@
             <p:cNvPr id="6" name="Rechteck 5">
               <a:extLst>
                 <a:ext uri="{FF2B5EF4-FFF2-40B4-BE49-F238E27FC236}">
-                  <a16:creationId xmlns:a16="http://schemas.microsoft.com/office/drawing/2014/main" id="{FCCEA108-686B-BB4F-95FB-4BCE5EB529F1}"/>
+                  <a16:creationId xmlns:a16="http://schemas.microsoft.com/office/drawing/2014/main" xmlns="" id="{FCCEA108-686B-BB4F-95FB-4BCE5EB529F1}"/>
                 </a:ext>
               </a:extLst>
             </p:cNvPr>
@@ -8165,7 +8176,7 @@
           <p:cNvPr id="7" name="Gruppieren 6">
             <a:extLst>
               <a:ext uri="{FF2B5EF4-FFF2-40B4-BE49-F238E27FC236}">
-                <a16:creationId xmlns:a16="http://schemas.microsoft.com/office/drawing/2014/main" id="{64401E1E-557D-5D4F-AE09-187A0802411B}"/>
+                <a16:creationId xmlns:a16="http://schemas.microsoft.com/office/drawing/2014/main" xmlns="" id="{64401E1E-557D-5D4F-AE09-187A0802411B}"/>
               </a:ext>
             </a:extLst>
           </p:cNvPr>
@@ -8185,7 +8196,7 @@
             <p:cNvPr id="8" name="Rechteck 7">
               <a:extLst>
                 <a:ext uri="{FF2B5EF4-FFF2-40B4-BE49-F238E27FC236}">
-                  <a16:creationId xmlns:a16="http://schemas.microsoft.com/office/drawing/2014/main" id="{35A0EAB9-4039-6448-AC03-B60DE38901D0}"/>
+                  <a16:creationId xmlns:a16="http://schemas.microsoft.com/office/drawing/2014/main" xmlns="" id="{35A0EAB9-4039-6448-AC03-B60DE38901D0}"/>
                 </a:ext>
               </a:extLst>
             </p:cNvPr>
@@ -8252,7 +8263,7 @@
             <p:cNvPr id="9" name="Rechteck 8">
               <a:extLst>
                 <a:ext uri="{FF2B5EF4-FFF2-40B4-BE49-F238E27FC236}">
-                  <a16:creationId xmlns:a16="http://schemas.microsoft.com/office/drawing/2014/main" id="{FCCEA108-686B-BB4F-95FB-4BCE5EB529F1}"/>
+                  <a16:creationId xmlns:a16="http://schemas.microsoft.com/office/drawing/2014/main" xmlns="" id="{FCCEA108-686B-BB4F-95FB-4BCE5EB529F1}"/>
                 </a:ext>
               </a:extLst>
             </p:cNvPr>
@@ -8311,7 +8322,7 @@
           <p:cNvPr id="10" name="Gruppieren 9">
             <a:extLst>
               <a:ext uri="{FF2B5EF4-FFF2-40B4-BE49-F238E27FC236}">
-                <a16:creationId xmlns:a16="http://schemas.microsoft.com/office/drawing/2014/main" id="{64401E1E-557D-5D4F-AE09-187A0802411B}"/>
+                <a16:creationId xmlns:a16="http://schemas.microsoft.com/office/drawing/2014/main" xmlns="" id="{64401E1E-557D-5D4F-AE09-187A0802411B}"/>
               </a:ext>
             </a:extLst>
           </p:cNvPr>
@@ -8331,7 +8342,7 @@
             <p:cNvPr id="11" name="Rechteck 10">
               <a:extLst>
                 <a:ext uri="{FF2B5EF4-FFF2-40B4-BE49-F238E27FC236}">
-                  <a16:creationId xmlns:a16="http://schemas.microsoft.com/office/drawing/2014/main" id="{35A0EAB9-4039-6448-AC03-B60DE38901D0}"/>
+                  <a16:creationId xmlns:a16="http://schemas.microsoft.com/office/drawing/2014/main" xmlns="" id="{35A0EAB9-4039-6448-AC03-B60DE38901D0}"/>
                 </a:ext>
               </a:extLst>
             </p:cNvPr>
@@ -8401,7 +8412,7 @@
             <p:cNvPr id="12" name="Rechteck 11">
               <a:extLst>
                 <a:ext uri="{FF2B5EF4-FFF2-40B4-BE49-F238E27FC236}">
-                  <a16:creationId xmlns:a16="http://schemas.microsoft.com/office/drawing/2014/main" id="{FCCEA108-686B-BB4F-95FB-4BCE5EB529F1}"/>
+                  <a16:creationId xmlns:a16="http://schemas.microsoft.com/office/drawing/2014/main" xmlns="" id="{FCCEA108-686B-BB4F-95FB-4BCE5EB529F1}"/>
                 </a:ext>
               </a:extLst>
             </p:cNvPr>
@@ -8534,7 +8545,7 @@
           <p:cNvPr id="9" name="Gruppieren 8">
             <a:extLst>
               <a:ext uri="{FF2B5EF4-FFF2-40B4-BE49-F238E27FC236}">
-                <a16:creationId xmlns:a16="http://schemas.microsoft.com/office/drawing/2014/main" id="{64401E1E-557D-5D4F-AE09-187A0802411B}"/>
+                <a16:creationId xmlns:a16="http://schemas.microsoft.com/office/drawing/2014/main" xmlns="" id="{64401E1E-557D-5D4F-AE09-187A0802411B}"/>
               </a:ext>
             </a:extLst>
           </p:cNvPr>
@@ -8554,7 +8565,7 @@
             <p:cNvPr id="10" name="Rechteck 9">
               <a:extLst>
                 <a:ext uri="{FF2B5EF4-FFF2-40B4-BE49-F238E27FC236}">
-                  <a16:creationId xmlns:a16="http://schemas.microsoft.com/office/drawing/2014/main" id="{35A0EAB9-4039-6448-AC03-B60DE38901D0}"/>
+                  <a16:creationId xmlns:a16="http://schemas.microsoft.com/office/drawing/2014/main" xmlns="" id="{35A0EAB9-4039-6448-AC03-B60DE38901D0}"/>
                 </a:ext>
               </a:extLst>
             </p:cNvPr>
@@ -8738,7 +8749,7 @@
             <p:cNvPr id="11" name="Rechteck 10">
               <a:extLst>
                 <a:ext uri="{FF2B5EF4-FFF2-40B4-BE49-F238E27FC236}">
-                  <a16:creationId xmlns:a16="http://schemas.microsoft.com/office/drawing/2014/main" id="{FCCEA108-686B-BB4F-95FB-4BCE5EB529F1}"/>
+                  <a16:creationId xmlns:a16="http://schemas.microsoft.com/office/drawing/2014/main" xmlns="" id="{FCCEA108-686B-BB4F-95FB-4BCE5EB529F1}"/>
                 </a:ext>
               </a:extLst>
             </p:cNvPr>
@@ -8797,7 +8808,7 @@
           <p:cNvPr id="12" name="Gruppieren 11">
             <a:extLst>
               <a:ext uri="{FF2B5EF4-FFF2-40B4-BE49-F238E27FC236}">
-                <a16:creationId xmlns:a16="http://schemas.microsoft.com/office/drawing/2014/main" id="{64401E1E-557D-5D4F-AE09-187A0802411B}"/>
+                <a16:creationId xmlns:a16="http://schemas.microsoft.com/office/drawing/2014/main" xmlns="" id="{64401E1E-557D-5D4F-AE09-187A0802411B}"/>
               </a:ext>
             </a:extLst>
           </p:cNvPr>
@@ -8817,7 +8828,7 @@
             <p:cNvPr id="13" name="Rechteck 12">
               <a:extLst>
                 <a:ext uri="{FF2B5EF4-FFF2-40B4-BE49-F238E27FC236}">
-                  <a16:creationId xmlns:a16="http://schemas.microsoft.com/office/drawing/2014/main" id="{35A0EAB9-4039-6448-AC03-B60DE38901D0}"/>
+                  <a16:creationId xmlns:a16="http://schemas.microsoft.com/office/drawing/2014/main" xmlns="" id="{35A0EAB9-4039-6448-AC03-B60DE38901D0}"/>
                 </a:ext>
               </a:extLst>
             </p:cNvPr>
@@ -9016,7 +9027,7 @@
             <p:cNvPr id="14" name="Rechteck 13">
               <a:extLst>
                 <a:ext uri="{FF2B5EF4-FFF2-40B4-BE49-F238E27FC236}">
-                  <a16:creationId xmlns:a16="http://schemas.microsoft.com/office/drawing/2014/main" id="{FCCEA108-686B-BB4F-95FB-4BCE5EB529F1}"/>
+                  <a16:creationId xmlns:a16="http://schemas.microsoft.com/office/drawing/2014/main" xmlns="" id="{FCCEA108-686B-BB4F-95FB-4BCE5EB529F1}"/>
                 </a:ext>
               </a:extLst>
             </p:cNvPr>
@@ -9136,7 +9147,7 @@
           <p:cNvPr id="7" name="Gruppieren 6">
             <a:extLst>
               <a:ext uri="{FF2B5EF4-FFF2-40B4-BE49-F238E27FC236}">
-                <a16:creationId xmlns:a16="http://schemas.microsoft.com/office/drawing/2014/main" id="{83607870-557A-164A-B22B-C1B49B36656C}"/>
+                <a16:creationId xmlns:a16="http://schemas.microsoft.com/office/drawing/2014/main" xmlns="" id="{83607870-557A-164A-B22B-C1B49B36656C}"/>
               </a:ext>
             </a:extLst>
           </p:cNvPr>
@@ -9156,7 +9167,7 @@
             <p:cNvPr id="8" name="Rechteck 7">
               <a:extLst>
                 <a:ext uri="{FF2B5EF4-FFF2-40B4-BE49-F238E27FC236}">
-                  <a16:creationId xmlns:a16="http://schemas.microsoft.com/office/drawing/2014/main" id="{F1E1E402-969D-194B-AB76-85BAC6C71034}"/>
+                  <a16:creationId xmlns:a16="http://schemas.microsoft.com/office/drawing/2014/main" xmlns="" id="{F1E1E402-969D-194B-AB76-85BAC6C71034}"/>
                 </a:ext>
               </a:extLst>
             </p:cNvPr>
@@ -9240,7 +9251,7 @@
             <p:cNvPr id="9" name="Rechteck 8">
               <a:extLst>
                 <a:ext uri="{FF2B5EF4-FFF2-40B4-BE49-F238E27FC236}">
-                  <a16:creationId xmlns:a16="http://schemas.microsoft.com/office/drawing/2014/main" id="{833772DE-177D-6242-B2B7-89D46A2C0D15}"/>
+                  <a16:creationId xmlns:a16="http://schemas.microsoft.com/office/drawing/2014/main" xmlns="" id="{833772DE-177D-6242-B2B7-89D46A2C0D15}"/>
                 </a:ext>
               </a:extLst>
             </p:cNvPr>
@@ -9331,7 +9342,7 @@
           <p:cNvPr id="11" name="Gruppieren 10">
             <a:extLst>
               <a:ext uri="{FF2B5EF4-FFF2-40B4-BE49-F238E27FC236}">
-                <a16:creationId xmlns:a16="http://schemas.microsoft.com/office/drawing/2014/main" id="{00DD676A-B61C-5D48-BC56-AC4BB52F8528}"/>
+                <a16:creationId xmlns:a16="http://schemas.microsoft.com/office/drawing/2014/main" xmlns="" id="{00DD676A-B61C-5D48-BC56-AC4BB52F8528}"/>
               </a:ext>
             </a:extLst>
           </p:cNvPr>
@@ -9351,7 +9362,7 @@
             <p:cNvPr id="12" name="Rechteck 11">
               <a:extLst>
                 <a:ext uri="{FF2B5EF4-FFF2-40B4-BE49-F238E27FC236}">
-                  <a16:creationId xmlns:a16="http://schemas.microsoft.com/office/drawing/2014/main" id="{201F63B0-4CCA-B640-BD88-BAB407BC2183}"/>
+                  <a16:creationId xmlns:a16="http://schemas.microsoft.com/office/drawing/2014/main" xmlns="" id="{201F63B0-4CCA-B640-BD88-BAB407BC2183}"/>
                 </a:ext>
               </a:extLst>
             </p:cNvPr>
@@ -9435,7 +9446,7 @@
             <p:cNvPr id="13" name="Rechteck 12">
               <a:extLst>
                 <a:ext uri="{FF2B5EF4-FFF2-40B4-BE49-F238E27FC236}">
-                  <a16:creationId xmlns:a16="http://schemas.microsoft.com/office/drawing/2014/main" id="{514C32A1-04E5-494D-AB34-069455276B16}"/>
+                  <a16:creationId xmlns:a16="http://schemas.microsoft.com/office/drawing/2014/main" xmlns="" id="{514C32A1-04E5-494D-AB34-069455276B16}"/>
                 </a:ext>
               </a:extLst>
             </p:cNvPr>
@@ -9502,7 +9513,7 @@
           <p:cNvPr id="14" name="Gruppieren 13">
             <a:extLst>
               <a:ext uri="{FF2B5EF4-FFF2-40B4-BE49-F238E27FC236}">
-                <a16:creationId xmlns:a16="http://schemas.microsoft.com/office/drawing/2014/main" id="{C0CAAA13-C09D-AC4E-991C-1FEB2957F9A9}"/>
+                <a16:creationId xmlns:a16="http://schemas.microsoft.com/office/drawing/2014/main" xmlns="" id="{C0CAAA13-C09D-AC4E-991C-1FEB2957F9A9}"/>
               </a:ext>
             </a:extLst>
           </p:cNvPr>
@@ -9522,7 +9533,7 @@
             <p:cNvPr id="15" name="Rechteck 14">
               <a:extLst>
                 <a:ext uri="{FF2B5EF4-FFF2-40B4-BE49-F238E27FC236}">
-                  <a16:creationId xmlns:a16="http://schemas.microsoft.com/office/drawing/2014/main" id="{71B66402-AE28-034E-B538-DD8098A05FCC}"/>
+                  <a16:creationId xmlns:a16="http://schemas.microsoft.com/office/drawing/2014/main" xmlns="" id="{71B66402-AE28-034E-B538-DD8098A05FCC}"/>
                 </a:ext>
               </a:extLst>
             </p:cNvPr>
@@ -9661,7 +9672,7 @@
             <p:cNvPr id="16" name="Rechteck 15">
               <a:extLst>
                 <a:ext uri="{FF2B5EF4-FFF2-40B4-BE49-F238E27FC236}">
-                  <a16:creationId xmlns:a16="http://schemas.microsoft.com/office/drawing/2014/main" id="{3BF267A1-CAB7-CF4A-B6F4-D9891842B9EE}"/>
+                  <a16:creationId xmlns:a16="http://schemas.microsoft.com/office/drawing/2014/main" xmlns="" id="{3BF267A1-CAB7-CF4A-B6F4-D9891842B9EE}"/>
                 </a:ext>
               </a:extLst>
             </p:cNvPr>
@@ -9720,7 +9731,7 @@
           <p:cNvPr id="20" name="Gewinkelte Verbindung 19">
             <a:extLst>
               <a:ext uri="{FF2B5EF4-FFF2-40B4-BE49-F238E27FC236}">
-                <a16:creationId xmlns:a16="http://schemas.microsoft.com/office/drawing/2014/main" id="{FD336F23-DB98-1342-BB4F-5D218AF61D6F}"/>
+                <a16:creationId xmlns:a16="http://schemas.microsoft.com/office/drawing/2014/main" xmlns="" id="{FD336F23-DB98-1342-BB4F-5D218AF61D6F}"/>
               </a:ext>
             </a:extLst>
           </p:cNvPr>
@@ -9771,7 +9782,7 @@
           <p:cNvPr id="22" name="Gewinkelte Verbindung 21">
             <a:extLst>
               <a:ext uri="{FF2B5EF4-FFF2-40B4-BE49-F238E27FC236}">
-                <a16:creationId xmlns:a16="http://schemas.microsoft.com/office/drawing/2014/main" id="{BBE684D5-0A18-BA4A-8AA1-7553DDC193B9}"/>
+                <a16:creationId xmlns:a16="http://schemas.microsoft.com/office/drawing/2014/main" xmlns="" id="{BBE684D5-0A18-BA4A-8AA1-7553DDC193B9}"/>
               </a:ext>
             </a:extLst>
           </p:cNvPr>
@@ -12275,7 +12286,7 @@
           <p:cNvPr id="8" name="Gruppieren 7">
             <a:extLst>
               <a:ext uri="{FF2B5EF4-FFF2-40B4-BE49-F238E27FC236}">
-                <a16:creationId xmlns:a16="http://schemas.microsoft.com/office/drawing/2014/main" id="{55DEAA25-08DE-234A-9F7E-6DA95517E4AB}"/>
+                <a16:creationId xmlns:a16="http://schemas.microsoft.com/office/drawing/2014/main" xmlns="" id="{55DEAA25-08DE-234A-9F7E-6DA95517E4AB}"/>
               </a:ext>
             </a:extLst>
           </p:cNvPr>
@@ -12295,7 +12306,7 @@
             <p:cNvPr id="9" name="Rechteck 8">
               <a:extLst>
                 <a:ext uri="{FF2B5EF4-FFF2-40B4-BE49-F238E27FC236}">
-                  <a16:creationId xmlns:a16="http://schemas.microsoft.com/office/drawing/2014/main" id="{CBE4218A-6735-2946-A3C0-E23809B7CEDF}"/>
+                  <a16:creationId xmlns:a16="http://schemas.microsoft.com/office/drawing/2014/main" xmlns="" id="{CBE4218A-6735-2946-A3C0-E23809B7CEDF}"/>
                 </a:ext>
               </a:extLst>
             </p:cNvPr>
@@ -12446,7 +12457,7 @@
             <p:cNvPr id="10" name="Rechteck 9">
               <a:extLst>
                 <a:ext uri="{FF2B5EF4-FFF2-40B4-BE49-F238E27FC236}">
-                  <a16:creationId xmlns:a16="http://schemas.microsoft.com/office/drawing/2014/main" id="{5ECE2600-E242-0A47-A437-E1A9C7F07343}"/>
+                  <a16:creationId xmlns:a16="http://schemas.microsoft.com/office/drawing/2014/main" xmlns="" id="{5ECE2600-E242-0A47-A437-E1A9C7F07343}"/>
                 </a:ext>
               </a:extLst>
             </p:cNvPr>
@@ -12513,7 +12524,7 @@
           <p:cNvPr id="11" name="Gruppieren 10">
             <a:extLst>
               <a:ext uri="{FF2B5EF4-FFF2-40B4-BE49-F238E27FC236}">
-                <a16:creationId xmlns:a16="http://schemas.microsoft.com/office/drawing/2014/main" id="{2A9CBD64-DABE-DB44-8CC9-7ED3D3F42599}"/>
+                <a16:creationId xmlns:a16="http://schemas.microsoft.com/office/drawing/2014/main" xmlns="" id="{2A9CBD64-DABE-DB44-8CC9-7ED3D3F42599}"/>
               </a:ext>
             </a:extLst>
           </p:cNvPr>
@@ -12533,7 +12544,7 @@
             <p:cNvPr id="12" name="Rechteck 11">
               <a:extLst>
                 <a:ext uri="{FF2B5EF4-FFF2-40B4-BE49-F238E27FC236}">
-                  <a16:creationId xmlns:a16="http://schemas.microsoft.com/office/drawing/2014/main" id="{880AB37D-6202-FE47-84F8-2DB9C99F0992}"/>
+                  <a16:creationId xmlns:a16="http://schemas.microsoft.com/office/drawing/2014/main" xmlns="" id="{880AB37D-6202-FE47-84F8-2DB9C99F0992}"/>
                 </a:ext>
               </a:extLst>
             </p:cNvPr>
@@ -12723,7 +12734,7 @@
             <p:cNvPr id="13" name="Rechteck 12">
               <a:extLst>
                 <a:ext uri="{FF2B5EF4-FFF2-40B4-BE49-F238E27FC236}">
-                  <a16:creationId xmlns:a16="http://schemas.microsoft.com/office/drawing/2014/main" id="{6E6D6DF1-8063-C749-A415-29613D3195D5}"/>
+                  <a16:creationId xmlns:a16="http://schemas.microsoft.com/office/drawing/2014/main" xmlns="" id="{6E6D6DF1-8063-C749-A415-29613D3195D5}"/>
                 </a:ext>
               </a:extLst>
             </p:cNvPr>
@@ -12820,7 +12831,7 @@
           <p:cNvPr id="2" name="Titel 1">
             <a:extLst>
               <a:ext uri="{FF2B5EF4-FFF2-40B4-BE49-F238E27FC236}">
-                <a16:creationId xmlns:a16="http://schemas.microsoft.com/office/drawing/2014/main" id="{0E63EF50-EEA4-0D49-A35C-C36F045D035E}"/>
+                <a16:creationId xmlns:a16="http://schemas.microsoft.com/office/drawing/2014/main" xmlns="" id="{0E63EF50-EEA4-0D49-A35C-C36F045D035E}"/>
               </a:ext>
             </a:extLst>
           </p:cNvPr>
@@ -12865,7 +12876,7 @@
           <p:cNvPr id="5" name="Gruppieren 4">
             <a:extLst>
               <a:ext uri="{FF2B5EF4-FFF2-40B4-BE49-F238E27FC236}">
-                <a16:creationId xmlns:a16="http://schemas.microsoft.com/office/drawing/2014/main" id="{82067C57-47CC-BC4A-911D-C058CB8E64C1}"/>
+                <a16:creationId xmlns:a16="http://schemas.microsoft.com/office/drawing/2014/main" xmlns="" id="{82067C57-47CC-BC4A-911D-C058CB8E64C1}"/>
               </a:ext>
             </a:extLst>
           </p:cNvPr>
@@ -12885,7 +12896,7 @@
             <p:cNvPr id="6" name="Rechteck 5">
               <a:extLst>
                 <a:ext uri="{FF2B5EF4-FFF2-40B4-BE49-F238E27FC236}">
-                  <a16:creationId xmlns:a16="http://schemas.microsoft.com/office/drawing/2014/main" id="{1F74AAB6-FEC2-E040-AE2F-389C01E41200}"/>
+                  <a16:creationId xmlns:a16="http://schemas.microsoft.com/office/drawing/2014/main" xmlns="" id="{1F74AAB6-FEC2-E040-AE2F-389C01E41200}"/>
                 </a:ext>
               </a:extLst>
             </p:cNvPr>
@@ -13013,7 +13024,7 @@
             <p:cNvPr id="7" name="Rechteck 6">
               <a:extLst>
                 <a:ext uri="{FF2B5EF4-FFF2-40B4-BE49-F238E27FC236}">
-                  <a16:creationId xmlns:a16="http://schemas.microsoft.com/office/drawing/2014/main" id="{D9A91609-F78E-9C45-BCA7-7DF954BC0A1A}"/>
+                  <a16:creationId xmlns:a16="http://schemas.microsoft.com/office/drawing/2014/main" xmlns="" id="{D9A91609-F78E-9C45-BCA7-7DF954BC0A1A}"/>
                 </a:ext>
               </a:extLst>
             </p:cNvPr>
@@ -13072,7 +13083,7 @@
           <p:cNvPr id="8" name="Gruppieren 7">
             <a:extLst>
               <a:ext uri="{FF2B5EF4-FFF2-40B4-BE49-F238E27FC236}">
-                <a16:creationId xmlns:a16="http://schemas.microsoft.com/office/drawing/2014/main" id="{64401E1E-557D-5D4F-AE09-187A0802411B}"/>
+                <a16:creationId xmlns:a16="http://schemas.microsoft.com/office/drawing/2014/main" xmlns="" id="{64401E1E-557D-5D4F-AE09-187A0802411B}"/>
               </a:ext>
             </a:extLst>
           </p:cNvPr>
@@ -13092,7 +13103,7 @@
             <p:cNvPr id="9" name="Rechteck 8">
               <a:extLst>
                 <a:ext uri="{FF2B5EF4-FFF2-40B4-BE49-F238E27FC236}">
-                  <a16:creationId xmlns:a16="http://schemas.microsoft.com/office/drawing/2014/main" id="{35A0EAB9-4039-6448-AC03-B60DE38901D0}"/>
+                  <a16:creationId xmlns:a16="http://schemas.microsoft.com/office/drawing/2014/main" xmlns="" id="{35A0EAB9-4039-6448-AC03-B60DE38901D0}"/>
                 </a:ext>
               </a:extLst>
             </p:cNvPr>
@@ -13176,7 +13187,7 @@
             <p:cNvPr id="10" name="Rechteck 9">
               <a:extLst>
                 <a:ext uri="{FF2B5EF4-FFF2-40B4-BE49-F238E27FC236}">
-                  <a16:creationId xmlns:a16="http://schemas.microsoft.com/office/drawing/2014/main" id="{FCCEA108-686B-BB4F-95FB-4BCE5EB529F1}"/>
+                  <a16:creationId xmlns:a16="http://schemas.microsoft.com/office/drawing/2014/main" xmlns="" id="{FCCEA108-686B-BB4F-95FB-4BCE5EB529F1}"/>
                 </a:ext>
               </a:extLst>
             </p:cNvPr>
@@ -13235,7 +13246,7 @@
           <p:cNvPr id="11" name="Rechteck 10">
             <a:extLst>
               <a:ext uri="{FF2B5EF4-FFF2-40B4-BE49-F238E27FC236}">
-                <a16:creationId xmlns:a16="http://schemas.microsoft.com/office/drawing/2014/main" id="{96BDAF81-30A4-1E4E-959F-95E9EB7F7C7A}"/>
+                <a16:creationId xmlns:a16="http://schemas.microsoft.com/office/drawing/2014/main" xmlns="" id="{96BDAF81-30A4-1E4E-959F-95E9EB7F7C7A}"/>
               </a:ext>
             </a:extLst>
           </p:cNvPr>
@@ -13302,7 +13313,7 @@
           <p:cNvPr id="12" name="Rechteck 11">
             <a:extLst>
               <a:ext uri="{FF2B5EF4-FFF2-40B4-BE49-F238E27FC236}">
-                <a16:creationId xmlns:a16="http://schemas.microsoft.com/office/drawing/2014/main" id="{E6C50A77-89BD-8744-8E4D-4BE35B73D833}"/>
+                <a16:creationId xmlns:a16="http://schemas.microsoft.com/office/drawing/2014/main" xmlns="" id="{E6C50A77-89BD-8744-8E4D-4BE35B73D833}"/>
               </a:ext>
             </a:extLst>
           </p:cNvPr>
@@ -13369,7 +13380,7 @@
           <p:cNvPr id="13" name="Gruppieren 12">
             <a:extLst>
               <a:ext uri="{FF2B5EF4-FFF2-40B4-BE49-F238E27FC236}">
-                <a16:creationId xmlns:a16="http://schemas.microsoft.com/office/drawing/2014/main" id="{5B6A8D9F-A9F8-264C-B489-24AFD5A8596D}"/>
+                <a16:creationId xmlns:a16="http://schemas.microsoft.com/office/drawing/2014/main" xmlns="" id="{5B6A8D9F-A9F8-264C-B489-24AFD5A8596D}"/>
               </a:ext>
             </a:extLst>
           </p:cNvPr>
@@ -13389,7 +13400,7 @@
             <p:cNvPr id="14" name="Rechteck 13">
               <a:extLst>
                 <a:ext uri="{FF2B5EF4-FFF2-40B4-BE49-F238E27FC236}">
-                  <a16:creationId xmlns:a16="http://schemas.microsoft.com/office/drawing/2014/main" id="{8766CB30-3942-9E46-8CAC-FC33876B35F3}"/>
+                  <a16:creationId xmlns:a16="http://schemas.microsoft.com/office/drawing/2014/main" xmlns="" id="{8766CB30-3942-9E46-8CAC-FC33876B35F3}"/>
                 </a:ext>
               </a:extLst>
             </p:cNvPr>
@@ -13473,7 +13484,7 @@
             <p:cNvPr id="15" name="Rechteck 14">
               <a:extLst>
                 <a:ext uri="{FF2B5EF4-FFF2-40B4-BE49-F238E27FC236}">
-                  <a16:creationId xmlns:a16="http://schemas.microsoft.com/office/drawing/2014/main" id="{79F41613-6C39-9547-8B51-B50E6A35E505}"/>
+                  <a16:creationId xmlns:a16="http://schemas.microsoft.com/office/drawing/2014/main" xmlns="" id="{79F41613-6C39-9547-8B51-B50E6A35E505}"/>
                 </a:ext>
               </a:extLst>
             </p:cNvPr>
@@ -13532,7 +13543,7 @@
           <p:cNvPr id="16" name="Gruppieren 15">
             <a:extLst>
               <a:ext uri="{FF2B5EF4-FFF2-40B4-BE49-F238E27FC236}">
-                <a16:creationId xmlns:a16="http://schemas.microsoft.com/office/drawing/2014/main" id="{3EAAE737-A1E8-BD49-A661-00C0D54A60DD}"/>
+                <a16:creationId xmlns:a16="http://schemas.microsoft.com/office/drawing/2014/main" xmlns="" id="{3EAAE737-A1E8-BD49-A661-00C0D54A60DD}"/>
               </a:ext>
             </a:extLst>
           </p:cNvPr>
@@ -13552,7 +13563,7 @@
             <p:cNvPr id="17" name="Rechteck 16">
               <a:extLst>
                 <a:ext uri="{FF2B5EF4-FFF2-40B4-BE49-F238E27FC236}">
-                  <a16:creationId xmlns:a16="http://schemas.microsoft.com/office/drawing/2014/main" id="{A12CF216-7A5B-B546-8D15-3FFD047539D4}"/>
+                  <a16:creationId xmlns:a16="http://schemas.microsoft.com/office/drawing/2014/main" xmlns="" id="{A12CF216-7A5B-B546-8D15-3FFD047539D4}"/>
                 </a:ext>
               </a:extLst>
             </p:cNvPr>
@@ -13650,7 +13661,7 @@
             <p:cNvPr id="18" name="Rechteck 17">
               <a:extLst>
                 <a:ext uri="{FF2B5EF4-FFF2-40B4-BE49-F238E27FC236}">
-                  <a16:creationId xmlns:a16="http://schemas.microsoft.com/office/drawing/2014/main" id="{91008A0C-F66B-104F-B3C9-118DB994F72D}"/>
+                  <a16:creationId xmlns:a16="http://schemas.microsoft.com/office/drawing/2014/main" xmlns="" id="{91008A0C-F66B-104F-B3C9-118DB994F72D}"/>
                 </a:ext>
               </a:extLst>
             </p:cNvPr>
@@ -14717,7 +14728,7 @@
             <p:cNvPr id="24" name="Rechteck 23">
               <a:extLst>
                 <a:ext uri="{FF2B5EF4-FFF2-40B4-BE49-F238E27FC236}">
-                  <a16:creationId xmlns:a16="http://schemas.microsoft.com/office/drawing/2014/main" id="{FCCEA108-686B-BB4F-95FB-4BCE5EB529F1}"/>
+                  <a16:creationId xmlns:a16="http://schemas.microsoft.com/office/drawing/2014/main" xmlns="" id="{FCCEA108-686B-BB4F-95FB-4BCE5EB529F1}"/>
                 </a:ext>
               </a:extLst>
             </p:cNvPr>
@@ -14776,7 +14787,7 @@
           <p:cNvPr id="7" name="Gruppieren 6" hidden="1">
             <a:extLst>
               <a:ext uri="{FF2B5EF4-FFF2-40B4-BE49-F238E27FC236}">
-                <a16:creationId xmlns:a16="http://schemas.microsoft.com/office/drawing/2014/main" id="{4524C733-E4A0-094C-8136-9DE1ABF03809}"/>
+                <a16:creationId xmlns:a16="http://schemas.microsoft.com/office/drawing/2014/main" xmlns="" id="{4524C733-E4A0-094C-8136-9DE1ABF03809}"/>
               </a:ext>
             </a:extLst>
           </p:cNvPr>
@@ -14871,7 +14882,7 @@
             <p:cNvPr id="25" name="Rechteck 24">
               <a:extLst>
                 <a:ext uri="{FF2B5EF4-FFF2-40B4-BE49-F238E27FC236}">
-                  <a16:creationId xmlns:a16="http://schemas.microsoft.com/office/drawing/2014/main" id="{FCCEA108-686B-BB4F-95FB-4BCE5EB529F1}"/>
+                  <a16:creationId xmlns:a16="http://schemas.microsoft.com/office/drawing/2014/main" xmlns="" id="{FCCEA108-686B-BB4F-95FB-4BCE5EB529F1}"/>
                 </a:ext>
               </a:extLst>
             </p:cNvPr>
@@ -14930,7 +14941,7 @@
           <p:cNvPr id="8" name="Gruppieren 7" hidden="1">
             <a:extLst>
               <a:ext uri="{FF2B5EF4-FFF2-40B4-BE49-F238E27FC236}">
-                <a16:creationId xmlns:a16="http://schemas.microsoft.com/office/drawing/2014/main" id="{6A103FCA-854C-C04E-BB87-A0BCEB37CB2A}"/>
+                <a16:creationId xmlns:a16="http://schemas.microsoft.com/office/drawing/2014/main" xmlns="" id="{6A103FCA-854C-C04E-BB87-A0BCEB37CB2A}"/>
               </a:ext>
             </a:extLst>
           </p:cNvPr>
@@ -15025,7 +15036,7 @@
             <p:cNvPr id="26" name="Rechteck 25">
               <a:extLst>
                 <a:ext uri="{FF2B5EF4-FFF2-40B4-BE49-F238E27FC236}">
-                  <a16:creationId xmlns:a16="http://schemas.microsoft.com/office/drawing/2014/main" id="{FCCEA108-686B-BB4F-95FB-4BCE5EB529F1}"/>
+                  <a16:creationId xmlns:a16="http://schemas.microsoft.com/office/drawing/2014/main" xmlns="" id="{FCCEA108-686B-BB4F-95FB-4BCE5EB529F1}"/>
                 </a:ext>
               </a:extLst>
             </p:cNvPr>
@@ -15084,7 +15095,7 @@
           <p:cNvPr id="30" name="Gruppieren 29">
             <a:extLst>
               <a:ext uri="{FF2B5EF4-FFF2-40B4-BE49-F238E27FC236}">
-                <a16:creationId xmlns:a16="http://schemas.microsoft.com/office/drawing/2014/main" id="{64401E1E-557D-5D4F-AE09-187A0802411B}"/>
+                <a16:creationId xmlns:a16="http://schemas.microsoft.com/office/drawing/2014/main" xmlns="" id="{64401E1E-557D-5D4F-AE09-187A0802411B}"/>
               </a:ext>
             </a:extLst>
           </p:cNvPr>
@@ -15094,9 +15105,9 @@
         <p:grpSpPr>
           <a:xfrm>
             <a:off x="874710" y="1274523"/>
-            <a:ext cx="3045670" cy="3966812"/>
+            <a:ext cx="3184998" cy="3966812"/>
             <a:chOff x="1780029" y="1414270"/>
-            <a:chExt cx="3045670" cy="3812070"/>
+            <a:chExt cx="3184998" cy="3812070"/>
           </a:xfrm>
         </p:grpSpPr>
         <p:sp>
@@ -15104,7 +15115,7 @@
             <p:cNvPr id="31" name="Rechteck 30">
               <a:extLst>
                 <a:ext uri="{FF2B5EF4-FFF2-40B4-BE49-F238E27FC236}">
-                  <a16:creationId xmlns:a16="http://schemas.microsoft.com/office/drawing/2014/main" id="{35A0EAB9-4039-6448-AC03-B60DE38901D0}"/>
+                  <a16:creationId xmlns:a16="http://schemas.microsoft.com/office/drawing/2014/main" xmlns="" id="{35A0EAB9-4039-6448-AC03-B60DE38901D0}"/>
                 </a:ext>
               </a:extLst>
             </p:cNvPr>
@@ -15114,7 +15125,7 @@
           <p:spPr>
             <a:xfrm>
               <a:off x="1780029" y="1583283"/>
-              <a:ext cx="3045670" cy="3643057"/>
+              <a:ext cx="3184998" cy="3643057"/>
             </a:xfrm>
             <a:prstGeom prst="rect">
               <a:avLst/>
@@ -15147,13 +15158,32 @@
                 <a:buFont typeface="Arial" panose="020B0604020202020204" pitchFamily="34" charset="0"/>
                 <a:buChar char="•"/>
               </a:pPr>
+              <a:endParaRPr lang="de-DE" sz="1600" dirty="0" smtClean="0">
+                <a:solidFill>
+                  <a:schemeClr val="tx1"/>
+                </a:solidFill>
+              </a:endParaRPr>
+            </a:p>
+            <a:p>
+              <a:pPr marL="285750" indent="-285750">
+                <a:buFont typeface="Arial" panose="020B0604020202020204" pitchFamily="34" charset="0"/>
+                <a:buChar char="•"/>
+              </a:pPr>
+              <a:r>
+                <a:rPr lang="de-DE" sz="1600" dirty="0" smtClean="0">
+                  <a:solidFill>
+                    <a:schemeClr val="tx1"/>
+                  </a:solidFill>
+                </a:rPr>
+                <a:t>Dauer </a:t>
+              </a:r>
               <a:r>
                 <a:rPr lang="de-DE" sz="1600" dirty="0">
                   <a:solidFill>
                     <a:schemeClr val="tx1"/>
                   </a:solidFill>
                 </a:rPr>
-                <a:t>Dauer der Wartung: 2 Tage</a:t>
+                <a:t>der Wartung: 2 Tage</a:t>
               </a:r>
             </a:p>
             <a:p>
@@ -15187,12 +15217,20 @@
                 <a:buChar char="•"/>
               </a:pPr>
               <a:r>
+                <a:rPr lang="de-DE" sz="1600" dirty="0" smtClean="0">
+                  <a:solidFill>
+                    <a:schemeClr val="tx1"/>
+                  </a:solidFill>
+                </a:rPr>
+                <a:t>Max. </a:t>
+              </a:r>
+              <a:r>
                 <a:rPr lang="de-DE" sz="1600" dirty="0">
                   <a:solidFill>
                     <a:schemeClr val="tx1"/>
                   </a:solidFill>
                 </a:rPr>
-                <a:t>Maximale Stillstandzeit:</a:t>
+                <a:t>Stillstandzeit:</a:t>
               </a:r>
               <a:br>
                 <a:rPr lang="de-DE" sz="1600" dirty="0">
@@ -15257,8 +15295,63 @@
                     <a:schemeClr val="tx1"/>
                   </a:solidFill>
                 </a:rPr>
-                <a:t>Was ist die beste Lösung?</a:t>
-              </a:r>
+                <a:t>Was ist die beste Lösung</a:t>
+              </a:r>
+              <a:r>
+                <a:rPr lang="de-DE" sz="1600" dirty="0" smtClean="0">
+                  <a:solidFill>
+                    <a:schemeClr val="tx1"/>
+                  </a:solidFill>
+                </a:rPr>
+                <a:t>?</a:t>
+              </a:r>
+            </a:p>
+            <a:p>
+              <a:pPr marL="697230" lvl="1" indent="-285750">
+                <a:buFont typeface="Arial" panose="020B0604020202020204" pitchFamily="34" charset="0"/>
+                <a:buChar char="•"/>
+              </a:pPr>
+              <a:r>
+                <a:rPr lang="de-DE" sz="1600" dirty="0" smtClean="0">
+                  <a:solidFill>
+                    <a:schemeClr val="tx1"/>
+                  </a:solidFill>
+                </a:rPr>
+                <a:t>Modul leihen</a:t>
+              </a:r>
+            </a:p>
+            <a:p>
+              <a:pPr marL="697230" lvl="1" indent="-285750">
+                <a:buFont typeface="Arial" panose="020B0604020202020204" pitchFamily="34" charset="0"/>
+                <a:buChar char="•"/>
+              </a:pPr>
+              <a:r>
+                <a:rPr lang="de-DE" sz="1600" dirty="0" smtClean="0">
+                  <a:solidFill>
+                    <a:schemeClr val="tx1"/>
+                  </a:solidFill>
+                </a:rPr>
+                <a:t>Modul durch 2 ersetzen</a:t>
+              </a:r>
+            </a:p>
+            <a:p>
+              <a:pPr marL="697230" lvl="1" indent="-285750">
+                <a:buFont typeface="Arial" panose="020B0604020202020204" pitchFamily="34" charset="0"/>
+                <a:buChar char="•"/>
+              </a:pPr>
+              <a:r>
+                <a:rPr lang="de-DE" sz="1600" dirty="0" smtClean="0">
+                  <a:solidFill>
+                    <a:schemeClr val="tx1"/>
+                  </a:solidFill>
+                </a:rPr>
+                <a:t>Wartung aufschieben</a:t>
+              </a:r>
+              <a:endParaRPr lang="de-DE" sz="1600" dirty="0">
+                <a:solidFill>
+                  <a:schemeClr val="tx1"/>
+                </a:solidFill>
+              </a:endParaRPr>
             </a:p>
           </p:txBody>
         </p:sp>
@@ -15267,7 +15360,7 @@
             <p:cNvPr id="32" name="Rechteck 31">
               <a:extLst>
                 <a:ext uri="{FF2B5EF4-FFF2-40B4-BE49-F238E27FC236}">
-                  <a16:creationId xmlns:a16="http://schemas.microsoft.com/office/drawing/2014/main" id="{FCCEA108-686B-BB4F-95FB-4BCE5EB529F1}"/>
+                  <a16:creationId xmlns:a16="http://schemas.microsoft.com/office/drawing/2014/main" xmlns="" id="{FCCEA108-686B-BB4F-95FB-4BCE5EB529F1}"/>
                 </a:ext>
               </a:extLst>
             </p:cNvPr>
@@ -15369,7 +15462,7 @@
           <p:cNvPr id="2" name="Titel 1">
             <a:extLst>
               <a:ext uri="{FF2B5EF4-FFF2-40B4-BE49-F238E27FC236}">
-                <a16:creationId xmlns:a16="http://schemas.microsoft.com/office/drawing/2014/main" id="{486C50CA-1F3A-EF43-9380-876C137AD8EC}"/>
+                <a16:creationId xmlns:a16="http://schemas.microsoft.com/office/drawing/2014/main" xmlns="" id="{486C50CA-1F3A-EF43-9380-876C137AD8EC}"/>
               </a:ext>
             </a:extLst>
           </p:cNvPr>
@@ -15397,7 +15490,7 @@
           <p:cNvPr id="3" name="Inhaltsplatzhalter 2">
             <a:extLst>
               <a:ext uri="{FF2B5EF4-FFF2-40B4-BE49-F238E27FC236}">
-                <a16:creationId xmlns:a16="http://schemas.microsoft.com/office/drawing/2014/main" id="{ABD8A889-EFEB-F24E-8415-CFB9A520769E}"/>
+                <a16:creationId xmlns:a16="http://schemas.microsoft.com/office/drawing/2014/main" xmlns="" id="{ABD8A889-EFEB-F24E-8415-CFB9A520769E}"/>
               </a:ext>
             </a:extLst>
           </p:cNvPr>
@@ -19289,7 +19382,7 @@
           <p:cNvPr id="12" name="Gruppieren 11">
             <a:extLst>
               <a:ext uri="{FF2B5EF4-FFF2-40B4-BE49-F238E27FC236}">
-                <a16:creationId xmlns:a16="http://schemas.microsoft.com/office/drawing/2014/main" id="{EA0A8815-E75B-6046-B394-2A918B180A1D}"/>
+                <a16:creationId xmlns:a16="http://schemas.microsoft.com/office/drawing/2014/main" xmlns="" id="{EA0A8815-E75B-6046-B394-2A918B180A1D}"/>
               </a:ext>
             </a:extLst>
           </p:cNvPr>
@@ -19309,7 +19402,7 @@
             <p:cNvPr id="13" name="Rechteck 12">
               <a:extLst>
                 <a:ext uri="{FF2B5EF4-FFF2-40B4-BE49-F238E27FC236}">
-                  <a16:creationId xmlns:a16="http://schemas.microsoft.com/office/drawing/2014/main" id="{C6DACD2C-9288-2743-8000-2D2B960374D2}"/>
+                  <a16:creationId xmlns:a16="http://schemas.microsoft.com/office/drawing/2014/main" xmlns="" id="{C6DACD2C-9288-2743-8000-2D2B960374D2}"/>
                 </a:ext>
               </a:extLst>
             </p:cNvPr>
@@ -19401,7 +19494,7 @@
             <p:cNvPr id="14" name="Rechteck 13">
               <a:extLst>
                 <a:ext uri="{FF2B5EF4-FFF2-40B4-BE49-F238E27FC236}">
-                  <a16:creationId xmlns:a16="http://schemas.microsoft.com/office/drawing/2014/main" id="{8A961849-3F67-574C-9B6D-E3BC3038B489}"/>
+                  <a16:creationId xmlns:a16="http://schemas.microsoft.com/office/drawing/2014/main" xmlns="" id="{8A961849-3F67-574C-9B6D-E3BC3038B489}"/>
                 </a:ext>
               </a:extLst>
             </p:cNvPr>
@@ -19460,7 +19553,7 @@
           <p:cNvPr id="15" name="Gruppieren 14">
             <a:extLst>
               <a:ext uri="{FF2B5EF4-FFF2-40B4-BE49-F238E27FC236}">
-                <a16:creationId xmlns:a16="http://schemas.microsoft.com/office/drawing/2014/main" id="{A88F0E40-A3C2-8A49-B01C-D43BDE29765D}"/>
+                <a16:creationId xmlns:a16="http://schemas.microsoft.com/office/drawing/2014/main" xmlns="" id="{A88F0E40-A3C2-8A49-B01C-D43BDE29765D}"/>
               </a:ext>
             </a:extLst>
           </p:cNvPr>
@@ -19480,7 +19573,7 @@
             <p:cNvPr id="16" name="Rechteck 15">
               <a:extLst>
                 <a:ext uri="{FF2B5EF4-FFF2-40B4-BE49-F238E27FC236}">
-                  <a16:creationId xmlns:a16="http://schemas.microsoft.com/office/drawing/2014/main" id="{18E7CC15-3520-4B45-A599-D8A2FCD6071C}"/>
+                  <a16:creationId xmlns:a16="http://schemas.microsoft.com/office/drawing/2014/main" xmlns="" id="{18E7CC15-3520-4B45-A599-D8A2FCD6071C}"/>
                 </a:ext>
               </a:extLst>
             </p:cNvPr>
@@ -19675,7 +19768,7 @@
             <p:cNvPr id="17" name="Rechteck 16">
               <a:extLst>
                 <a:ext uri="{FF2B5EF4-FFF2-40B4-BE49-F238E27FC236}">
-                  <a16:creationId xmlns:a16="http://schemas.microsoft.com/office/drawing/2014/main" id="{9CA4E624-C249-DD44-95E5-805EF9DA78B4}"/>
+                  <a16:creationId xmlns:a16="http://schemas.microsoft.com/office/drawing/2014/main" xmlns="" id="{9CA4E624-C249-DD44-95E5-805EF9DA78B4}"/>
                 </a:ext>
               </a:extLst>
             </p:cNvPr>
@@ -19734,7 +19827,7 @@
           <p:cNvPr id="18" name="Gruppieren 17">
             <a:extLst>
               <a:ext uri="{FF2B5EF4-FFF2-40B4-BE49-F238E27FC236}">
-                <a16:creationId xmlns:a16="http://schemas.microsoft.com/office/drawing/2014/main" id="{14C33807-8E01-ED45-97CC-799667FE8E29}"/>
+                <a16:creationId xmlns:a16="http://schemas.microsoft.com/office/drawing/2014/main" xmlns="" id="{14C33807-8E01-ED45-97CC-799667FE8E29}"/>
               </a:ext>
             </a:extLst>
           </p:cNvPr>
@@ -19754,7 +19847,7 @@
             <p:cNvPr id="19" name="Rechteck 18">
               <a:extLst>
                 <a:ext uri="{FF2B5EF4-FFF2-40B4-BE49-F238E27FC236}">
-                  <a16:creationId xmlns:a16="http://schemas.microsoft.com/office/drawing/2014/main" id="{ADE0619D-3F85-424E-9F9E-D202B0D54706}"/>
+                  <a16:creationId xmlns:a16="http://schemas.microsoft.com/office/drawing/2014/main" xmlns="" id="{ADE0619D-3F85-424E-9F9E-D202B0D54706}"/>
                 </a:ext>
               </a:extLst>
             </p:cNvPr>
@@ -19947,7 +20040,7 @@
             <p:cNvPr id="20" name="Rechteck 19">
               <a:extLst>
                 <a:ext uri="{FF2B5EF4-FFF2-40B4-BE49-F238E27FC236}">
-                  <a16:creationId xmlns:a16="http://schemas.microsoft.com/office/drawing/2014/main" id="{C56BD12A-0269-3F42-B860-ADC924159D2D}"/>
+                  <a16:creationId xmlns:a16="http://schemas.microsoft.com/office/drawing/2014/main" xmlns="" id="{C56BD12A-0269-3F42-B860-ADC924159D2D}"/>
                 </a:ext>
               </a:extLst>
             </p:cNvPr>
@@ -20058,7 +20151,7 @@
           <p:cNvPr id="4" name="Gruppieren 3">
             <a:extLst>
               <a:ext uri="{FF2B5EF4-FFF2-40B4-BE49-F238E27FC236}">
-                <a16:creationId xmlns:a16="http://schemas.microsoft.com/office/drawing/2014/main" id="{64401E1E-557D-5D4F-AE09-187A0802411B}"/>
+                <a16:creationId xmlns:a16="http://schemas.microsoft.com/office/drawing/2014/main" xmlns="" id="{64401E1E-557D-5D4F-AE09-187A0802411B}"/>
               </a:ext>
             </a:extLst>
           </p:cNvPr>
@@ -20078,7 +20171,7 @@
             <p:cNvPr id="5" name="Rechteck 4">
               <a:extLst>
                 <a:ext uri="{FF2B5EF4-FFF2-40B4-BE49-F238E27FC236}">
-                  <a16:creationId xmlns:a16="http://schemas.microsoft.com/office/drawing/2014/main" id="{35A0EAB9-4039-6448-AC03-B60DE38901D0}"/>
+                  <a16:creationId xmlns:a16="http://schemas.microsoft.com/office/drawing/2014/main" xmlns="" id="{35A0EAB9-4039-6448-AC03-B60DE38901D0}"/>
                 </a:ext>
               </a:extLst>
             </p:cNvPr>
@@ -20160,6 +20253,57 @@
                 <a:buFont typeface="Arial" panose="020B0604020202020204" pitchFamily="34" charset="0"/>
                 <a:buChar char="•"/>
               </a:pPr>
+              <a:r>
+                <a:rPr lang="de-DE" sz="1600" dirty="0" smtClean="0">
+                  <a:solidFill>
+                    <a:schemeClr val="tx1"/>
+                  </a:solidFill>
+                </a:rPr>
+                <a:t>Modes, </a:t>
+              </a:r>
+              <a:r>
+                <a:rPr lang="de-DE" sz="1600" dirty="0" err="1" smtClean="0">
+                  <a:solidFill>
+                    <a:schemeClr val="tx1"/>
+                  </a:solidFill>
+                </a:rPr>
+                <a:t>Procedures</a:t>
+              </a:r>
+              <a:r>
+                <a:rPr lang="de-DE" sz="1600" dirty="0" smtClean="0">
+                  <a:solidFill>
+                    <a:schemeClr val="tx1"/>
+                  </a:solidFill>
+                </a:rPr>
+                <a:t>, </a:t>
+              </a:r>
+              <a:r>
+                <a:rPr lang="de-DE" sz="1600" dirty="0" err="1" smtClean="0">
+                  <a:solidFill>
+                    <a:schemeClr val="tx1"/>
+                  </a:solidFill>
+                </a:rPr>
+                <a:t>Steps</a:t>
+              </a:r>
+              <a:endParaRPr lang="de-DE" sz="1600" dirty="0" smtClean="0">
+                <a:solidFill>
+                  <a:schemeClr val="tx1"/>
+                </a:solidFill>
+              </a:endParaRPr>
+            </a:p>
+            <a:p>
+              <a:pPr marL="697230" lvl="1" indent="-285750">
+                <a:buFont typeface="Arial" panose="020B0604020202020204" pitchFamily="34" charset="0"/>
+                <a:buChar char="•"/>
+              </a:pPr>
+              <a:r>
+                <a:rPr lang="de-DE" sz="1600" dirty="0" err="1" smtClean="0">
+                  <a:solidFill>
+                    <a:schemeClr val="tx1"/>
+                  </a:solidFill>
+                </a:rPr>
+                <a:t>Transitions</a:t>
+              </a:r>
               <a:endParaRPr lang="de-DE" sz="1600" dirty="0">
                 <a:solidFill>
                   <a:schemeClr val="tx1"/>
@@ -20255,19 +20399,13 @@
                 <a:buChar char="•"/>
               </a:pPr>
               <a:r>
-                <a:rPr lang="de-DE" sz="1600" dirty="0">
+                <a:rPr lang="de-DE" sz="1600" dirty="0" smtClean="0">
                   <a:solidFill>
                     <a:schemeClr val="tx1"/>
                   </a:solidFill>
                 </a:rPr>
-                <a:t>KPIs (welche?)</a:t>
-              </a:r>
-            </a:p>
-            <a:p>
-              <a:pPr marL="285750" indent="-285750">
-                <a:buFont typeface="Arial" panose="020B0604020202020204" pitchFamily="34" charset="0"/>
-                <a:buChar char="•"/>
-              </a:pPr>
+                <a:t>KPIs</a:t>
+              </a:r>
               <a:endParaRPr lang="de-DE" sz="1600" dirty="0">
                 <a:solidFill>
                   <a:schemeClr val="tx1"/>
@@ -20295,7 +20433,7 @@
             <p:cNvPr id="6" name="Rechteck 5">
               <a:extLst>
                 <a:ext uri="{FF2B5EF4-FFF2-40B4-BE49-F238E27FC236}">
-                  <a16:creationId xmlns:a16="http://schemas.microsoft.com/office/drawing/2014/main" id="{FCCEA108-686B-BB4F-95FB-4BCE5EB529F1}"/>
+                  <a16:creationId xmlns:a16="http://schemas.microsoft.com/office/drawing/2014/main" xmlns="" id="{FCCEA108-686B-BB4F-95FB-4BCE5EB529F1}"/>
                 </a:ext>
               </a:extLst>
             </p:cNvPr>
@@ -20450,7 +20588,7 @@
           <p:cNvPr id="11" name="Gruppieren 10">
             <a:extLst>
               <a:ext uri="{FF2B5EF4-FFF2-40B4-BE49-F238E27FC236}">
-                <a16:creationId xmlns:a16="http://schemas.microsoft.com/office/drawing/2014/main" id="{64401E1E-557D-5D4F-AE09-187A0802411B}"/>
+                <a16:creationId xmlns:a16="http://schemas.microsoft.com/office/drawing/2014/main" xmlns="" id="{64401E1E-557D-5D4F-AE09-187A0802411B}"/>
               </a:ext>
             </a:extLst>
           </p:cNvPr>
@@ -20470,7 +20608,7 @@
             <p:cNvPr id="12" name="Rechteck 11">
               <a:extLst>
                 <a:ext uri="{FF2B5EF4-FFF2-40B4-BE49-F238E27FC236}">
-                  <a16:creationId xmlns:a16="http://schemas.microsoft.com/office/drawing/2014/main" id="{35A0EAB9-4039-6448-AC03-B60DE38901D0}"/>
+                  <a16:creationId xmlns:a16="http://schemas.microsoft.com/office/drawing/2014/main" xmlns="" id="{35A0EAB9-4039-6448-AC03-B60DE38901D0}"/>
                 </a:ext>
               </a:extLst>
             </p:cNvPr>
@@ -20654,7 +20792,7 @@
             <p:cNvPr id="13" name="Rechteck 12">
               <a:extLst>
                 <a:ext uri="{FF2B5EF4-FFF2-40B4-BE49-F238E27FC236}">
-                  <a16:creationId xmlns:a16="http://schemas.microsoft.com/office/drawing/2014/main" id="{FCCEA108-686B-BB4F-95FB-4BCE5EB529F1}"/>
+                  <a16:creationId xmlns:a16="http://schemas.microsoft.com/office/drawing/2014/main" xmlns="" id="{FCCEA108-686B-BB4F-95FB-4BCE5EB529F1}"/>
                 </a:ext>
               </a:extLst>
             </p:cNvPr>
@@ -20713,7 +20851,7 @@
           <p:cNvPr id="14" name="Gruppieren 13">
             <a:extLst>
               <a:ext uri="{FF2B5EF4-FFF2-40B4-BE49-F238E27FC236}">
-                <a16:creationId xmlns:a16="http://schemas.microsoft.com/office/drawing/2014/main" id="{64401E1E-557D-5D4F-AE09-187A0802411B}"/>
+                <a16:creationId xmlns:a16="http://schemas.microsoft.com/office/drawing/2014/main" xmlns="" id="{64401E1E-557D-5D4F-AE09-187A0802411B}"/>
               </a:ext>
             </a:extLst>
           </p:cNvPr>
@@ -20733,7 +20871,7 @@
             <p:cNvPr id="15" name="Rechteck 14">
               <a:extLst>
                 <a:ext uri="{FF2B5EF4-FFF2-40B4-BE49-F238E27FC236}">
-                  <a16:creationId xmlns:a16="http://schemas.microsoft.com/office/drawing/2014/main" id="{35A0EAB9-4039-6448-AC03-B60DE38901D0}"/>
+                  <a16:creationId xmlns:a16="http://schemas.microsoft.com/office/drawing/2014/main" xmlns="" id="{35A0EAB9-4039-6448-AC03-B60DE38901D0}"/>
                 </a:ext>
               </a:extLst>
             </p:cNvPr>
@@ -20884,7 +21022,7 @@
             <p:cNvPr id="16" name="Rechteck 15">
               <a:extLst>
                 <a:ext uri="{FF2B5EF4-FFF2-40B4-BE49-F238E27FC236}">
-                  <a16:creationId xmlns:a16="http://schemas.microsoft.com/office/drawing/2014/main" id="{FCCEA108-686B-BB4F-95FB-4BCE5EB529F1}"/>
+                  <a16:creationId xmlns:a16="http://schemas.microsoft.com/office/drawing/2014/main" xmlns="" id="{FCCEA108-686B-BB4F-95FB-4BCE5EB529F1}"/>
                 </a:ext>
               </a:extLst>
             </p:cNvPr>
@@ -20995,7 +21133,7 @@
           <p:cNvPr id="4" name="Gruppieren 3">
             <a:extLst>
               <a:ext uri="{FF2B5EF4-FFF2-40B4-BE49-F238E27FC236}">
-                <a16:creationId xmlns:a16="http://schemas.microsoft.com/office/drawing/2014/main" id="{64401E1E-557D-5D4F-AE09-187A0802411B}"/>
+                <a16:creationId xmlns:a16="http://schemas.microsoft.com/office/drawing/2014/main" xmlns="" id="{64401E1E-557D-5D4F-AE09-187A0802411B}"/>
               </a:ext>
             </a:extLst>
           </p:cNvPr>
@@ -21015,7 +21153,7 @@
             <p:cNvPr id="5" name="Rechteck 4">
               <a:extLst>
                 <a:ext uri="{FF2B5EF4-FFF2-40B4-BE49-F238E27FC236}">
-                  <a16:creationId xmlns:a16="http://schemas.microsoft.com/office/drawing/2014/main" id="{35A0EAB9-4039-6448-AC03-B60DE38901D0}"/>
+                  <a16:creationId xmlns:a16="http://schemas.microsoft.com/office/drawing/2014/main" xmlns="" id="{35A0EAB9-4039-6448-AC03-B60DE38901D0}"/>
                 </a:ext>
               </a:extLst>
             </p:cNvPr>
@@ -21151,13 +21289,18 @@
                 <a:buChar char="•"/>
               </a:pPr>
               <a:r>
-                <a:rPr lang="de-DE" dirty="0">
+                <a:rPr lang="de-DE" dirty="0" smtClean="0">
                   <a:solidFill>
                     <a:schemeClr val="tx1"/>
                   </a:solidFill>
                 </a:rPr>
-                <a:t>Ist es ein technisches oder ein organisatorisches Problem?</a:t>
-              </a:r>
+                <a:t>Wurde das Problem durch ein Service, das Modul oder das Rezept ausgelöst?</a:t>
+              </a:r>
+              <a:endParaRPr lang="de-DE" dirty="0">
+                <a:solidFill>
+                  <a:schemeClr val="tx1"/>
+                </a:solidFill>
+              </a:endParaRPr>
             </a:p>
             <a:p>
               <a:pPr marL="285750" indent="-285750">
@@ -21177,7 +21320,7 @@
             <p:cNvPr id="6" name="Rechteck 5">
               <a:extLst>
                 <a:ext uri="{FF2B5EF4-FFF2-40B4-BE49-F238E27FC236}">
-                  <a16:creationId xmlns:a16="http://schemas.microsoft.com/office/drawing/2014/main" id="{FCCEA108-686B-BB4F-95FB-4BCE5EB529F1}"/>
+                  <a16:creationId xmlns:a16="http://schemas.microsoft.com/office/drawing/2014/main" xmlns="" id="{FCCEA108-686B-BB4F-95FB-4BCE5EB529F1}"/>
                 </a:ext>
               </a:extLst>
             </p:cNvPr>
@@ -21236,7 +21379,7 @@
           <p:cNvPr id="7" name="Gruppieren 6">
             <a:extLst>
               <a:ext uri="{FF2B5EF4-FFF2-40B4-BE49-F238E27FC236}">
-                <a16:creationId xmlns:a16="http://schemas.microsoft.com/office/drawing/2014/main" id="{64401E1E-557D-5D4F-AE09-187A0802411B}"/>
+                <a16:creationId xmlns:a16="http://schemas.microsoft.com/office/drawing/2014/main" xmlns="" id="{64401E1E-557D-5D4F-AE09-187A0802411B}"/>
               </a:ext>
             </a:extLst>
           </p:cNvPr>
@@ -21256,7 +21399,7 @@
             <p:cNvPr id="8" name="Rechteck 7">
               <a:extLst>
                 <a:ext uri="{FF2B5EF4-FFF2-40B4-BE49-F238E27FC236}">
-                  <a16:creationId xmlns:a16="http://schemas.microsoft.com/office/drawing/2014/main" id="{35A0EAB9-4039-6448-AC03-B60DE38901D0}"/>
+                  <a16:creationId xmlns:a16="http://schemas.microsoft.com/office/drawing/2014/main" xmlns="" id="{35A0EAB9-4039-6448-AC03-B60DE38901D0}"/>
                 </a:ext>
               </a:extLst>
             </p:cNvPr>
@@ -21387,7 +21530,7 @@
             <p:cNvPr id="9" name="Rechteck 8">
               <a:extLst>
                 <a:ext uri="{FF2B5EF4-FFF2-40B4-BE49-F238E27FC236}">
-                  <a16:creationId xmlns:a16="http://schemas.microsoft.com/office/drawing/2014/main" id="{FCCEA108-686B-BB4F-95FB-4BCE5EB529F1}"/>
+                  <a16:creationId xmlns:a16="http://schemas.microsoft.com/office/drawing/2014/main" xmlns="" id="{FCCEA108-686B-BB4F-95FB-4BCE5EB529F1}"/>
                 </a:ext>
               </a:extLst>
             </p:cNvPr>
@@ -21446,7 +21589,7 @@
           <p:cNvPr id="10" name="Rechteck 9">
             <a:extLst>
               <a:ext uri="{FF2B5EF4-FFF2-40B4-BE49-F238E27FC236}">
-                <a16:creationId xmlns:a16="http://schemas.microsoft.com/office/drawing/2014/main" id="{FCCEA108-686B-BB4F-95FB-4BCE5EB529F1}"/>
+                <a16:creationId xmlns:a16="http://schemas.microsoft.com/office/drawing/2014/main" xmlns="" id="{FCCEA108-686B-BB4F-95FB-4BCE5EB529F1}"/>
               </a:ext>
             </a:extLst>
           </p:cNvPr>
@@ -21542,7 +21685,7 @@
           <p:cNvPr id="13" name="Gruppieren 12">
             <a:extLst>
               <a:ext uri="{FF2B5EF4-FFF2-40B4-BE49-F238E27FC236}">
-                <a16:creationId xmlns:a16="http://schemas.microsoft.com/office/drawing/2014/main" id="{64401E1E-557D-5D4F-AE09-187A0802411B}"/>
+                <a16:creationId xmlns:a16="http://schemas.microsoft.com/office/drawing/2014/main" xmlns="" id="{64401E1E-557D-5D4F-AE09-187A0802411B}"/>
               </a:ext>
             </a:extLst>
           </p:cNvPr>
@@ -21562,7 +21705,7 @@
             <p:cNvPr id="14" name="Rechteck 13">
               <a:extLst>
                 <a:ext uri="{FF2B5EF4-FFF2-40B4-BE49-F238E27FC236}">
-                  <a16:creationId xmlns:a16="http://schemas.microsoft.com/office/drawing/2014/main" id="{35A0EAB9-4039-6448-AC03-B60DE38901D0}"/>
+                  <a16:creationId xmlns:a16="http://schemas.microsoft.com/office/drawing/2014/main" xmlns="" id="{35A0EAB9-4039-6448-AC03-B60DE38901D0}"/>
                 </a:ext>
               </a:extLst>
             </p:cNvPr>
@@ -21678,7 +21821,7 @@
             <p:cNvPr id="15" name="Rechteck 14">
               <a:extLst>
                 <a:ext uri="{FF2B5EF4-FFF2-40B4-BE49-F238E27FC236}">
-                  <a16:creationId xmlns:a16="http://schemas.microsoft.com/office/drawing/2014/main" id="{FCCEA108-686B-BB4F-95FB-4BCE5EB529F1}"/>
+                  <a16:creationId xmlns:a16="http://schemas.microsoft.com/office/drawing/2014/main" xmlns="" id="{FCCEA108-686B-BB4F-95FB-4BCE5EB529F1}"/>
                 </a:ext>
               </a:extLst>
             </p:cNvPr>
@@ -21737,7 +21880,7 @@
           <p:cNvPr id="16" name="Rechteck 15">
             <a:extLst>
               <a:ext uri="{FF2B5EF4-FFF2-40B4-BE49-F238E27FC236}">
-                <a16:creationId xmlns:a16="http://schemas.microsoft.com/office/drawing/2014/main" id="{FCCEA108-686B-BB4F-95FB-4BCE5EB529F1}"/>
+                <a16:creationId xmlns:a16="http://schemas.microsoft.com/office/drawing/2014/main" xmlns="" id="{FCCEA108-686B-BB4F-95FB-4BCE5EB529F1}"/>
               </a:ext>
             </a:extLst>
           </p:cNvPr>
@@ -21795,7 +21938,7 @@
           <p:cNvPr id="18" name="Rechteck 17">
             <a:extLst>
               <a:ext uri="{FF2B5EF4-FFF2-40B4-BE49-F238E27FC236}">
-                <a16:creationId xmlns:a16="http://schemas.microsoft.com/office/drawing/2014/main" id="{FCCEA108-686B-BB4F-95FB-4BCE5EB529F1}"/>
+                <a16:creationId xmlns:a16="http://schemas.microsoft.com/office/drawing/2014/main" xmlns="" id="{FCCEA108-686B-BB4F-95FB-4BCE5EB529F1}"/>
               </a:ext>
             </a:extLst>
           </p:cNvPr>
@@ -21991,7 +22134,7 @@
             <p:cNvPr id="6" name="Gruppieren 5">
               <a:extLst>
                 <a:ext uri="{FF2B5EF4-FFF2-40B4-BE49-F238E27FC236}">
-                  <a16:creationId xmlns:a16="http://schemas.microsoft.com/office/drawing/2014/main" id="{64401E1E-557D-5D4F-AE09-187A0802411B}"/>
+                  <a16:creationId xmlns:a16="http://schemas.microsoft.com/office/drawing/2014/main" xmlns="" id="{64401E1E-557D-5D4F-AE09-187A0802411B}"/>
                 </a:ext>
               </a:extLst>
             </p:cNvPr>
@@ -22011,7 +22154,7 @@
               <p:cNvPr id="7" name="Rechteck 6">
                 <a:extLst>
                   <a:ext uri="{FF2B5EF4-FFF2-40B4-BE49-F238E27FC236}">
-                    <a16:creationId xmlns:a16="http://schemas.microsoft.com/office/drawing/2014/main" id="{35A0EAB9-4039-6448-AC03-B60DE38901D0}"/>
+                    <a16:creationId xmlns:a16="http://schemas.microsoft.com/office/drawing/2014/main" xmlns="" id="{35A0EAB9-4039-6448-AC03-B60DE38901D0}"/>
                   </a:ext>
                 </a:extLst>
               </p:cNvPr>
@@ -22072,7 +22215,7 @@
               <p:cNvPr id="8" name="Rechteck 7">
                 <a:extLst>
                   <a:ext uri="{FF2B5EF4-FFF2-40B4-BE49-F238E27FC236}">
-                    <a16:creationId xmlns:a16="http://schemas.microsoft.com/office/drawing/2014/main" id="{FCCEA108-686B-BB4F-95FB-4BCE5EB529F1}"/>
+                    <a16:creationId xmlns:a16="http://schemas.microsoft.com/office/drawing/2014/main" xmlns="" id="{FCCEA108-686B-BB4F-95FB-4BCE5EB529F1}"/>
                   </a:ext>
                 </a:extLst>
               </p:cNvPr>
@@ -22231,7 +22374,7 @@
               <p:cNvPr id="11" name="Rechteck 10">
                 <a:extLst>
                   <a:ext uri="{FF2B5EF4-FFF2-40B4-BE49-F238E27FC236}">
-                    <a16:creationId xmlns:a16="http://schemas.microsoft.com/office/drawing/2014/main" id="{FCCEA108-686B-BB4F-95FB-4BCE5EB529F1}"/>
+                    <a16:creationId xmlns:a16="http://schemas.microsoft.com/office/drawing/2014/main" xmlns="" id="{FCCEA108-686B-BB4F-95FB-4BCE5EB529F1}"/>
                   </a:ext>
                 </a:extLst>
               </p:cNvPr>
@@ -22415,7 +22558,7 @@
               <p:cNvPr id="14" name="Rechteck 13">
                 <a:extLst>
                   <a:ext uri="{FF2B5EF4-FFF2-40B4-BE49-F238E27FC236}">
-                    <a16:creationId xmlns:a16="http://schemas.microsoft.com/office/drawing/2014/main" id="{FCCEA108-686B-BB4F-95FB-4BCE5EB529F1}"/>
+                    <a16:creationId xmlns:a16="http://schemas.microsoft.com/office/drawing/2014/main" xmlns="" id="{FCCEA108-686B-BB4F-95FB-4BCE5EB529F1}"/>
                   </a:ext>
                 </a:extLst>
               </p:cNvPr>
@@ -22505,7 +22648,7 @@
           <p:cNvPr id="16" name="Grafik 15">
             <a:extLst>
               <a:ext uri="{FF2B5EF4-FFF2-40B4-BE49-F238E27FC236}">
-                <a16:creationId xmlns:a16="http://schemas.microsoft.com/office/drawing/2014/main" id="{5F5EC1D0-6DA0-2445-BD1B-0BFF79CFDB8D}"/>
+                <a16:creationId xmlns:a16="http://schemas.microsoft.com/office/drawing/2014/main" xmlns="" id="{5F5EC1D0-6DA0-2445-BD1B-0BFF79CFDB8D}"/>
               </a:ext>
             </a:extLst>
           </p:cNvPr>
@@ -22684,7 +22827,7 @@
             <p:cNvPr id="6" name="Gruppieren 5">
               <a:extLst>
                 <a:ext uri="{FF2B5EF4-FFF2-40B4-BE49-F238E27FC236}">
-                  <a16:creationId xmlns:a16="http://schemas.microsoft.com/office/drawing/2014/main" id="{64401E1E-557D-5D4F-AE09-187A0802411B}"/>
+                  <a16:creationId xmlns:a16="http://schemas.microsoft.com/office/drawing/2014/main" xmlns="" id="{64401E1E-557D-5D4F-AE09-187A0802411B}"/>
                 </a:ext>
               </a:extLst>
             </p:cNvPr>
@@ -22704,7 +22847,7 @@
               <p:cNvPr id="7" name="Rechteck 6">
                 <a:extLst>
                   <a:ext uri="{FF2B5EF4-FFF2-40B4-BE49-F238E27FC236}">
-                    <a16:creationId xmlns:a16="http://schemas.microsoft.com/office/drawing/2014/main" id="{35A0EAB9-4039-6448-AC03-B60DE38901D0}"/>
+                    <a16:creationId xmlns:a16="http://schemas.microsoft.com/office/drawing/2014/main" xmlns="" id="{35A0EAB9-4039-6448-AC03-B60DE38901D0}"/>
                   </a:ext>
                 </a:extLst>
               </p:cNvPr>
@@ -22765,7 +22908,7 @@
               <p:cNvPr id="8" name="Rechteck 7">
                 <a:extLst>
                   <a:ext uri="{FF2B5EF4-FFF2-40B4-BE49-F238E27FC236}">
-                    <a16:creationId xmlns:a16="http://schemas.microsoft.com/office/drawing/2014/main" id="{FCCEA108-686B-BB4F-95FB-4BCE5EB529F1}"/>
+                    <a16:creationId xmlns:a16="http://schemas.microsoft.com/office/drawing/2014/main" xmlns="" id="{FCCEA108-686B-BB4F-95FB-4BCE5EB529F1}"/>
                   </a:ext>
                 </a:extLst>
               </p:cNvPr>
@@ -22921,7 +23064,7 @@
               <p:cNvPr id="11" name="Rechteck 10">
                 <a:extLst>
                   <a:ext uri="{FF2B5EF4-FFF2-40B4-BE49-F238E27FC236}">
-                    <a16:creationId xmlns:a16="http://schemas.microsoft.com/office/drawing/2014/main" id="{FCCEA108-686B-BB4F-95FB-4BCE5EB529F1}"/>
+                    <a16:creationId xmlns:a16="http://schemas.microsoft.com/office/drawing/2014/main" xmlns="" id="{FCCEA108-686B-BB4F-95FB-4BCE5EB529F1}"/>
                   </a:ext>
                 </a:extLst>
               </p:cNvPr>
@@ -23091,7 +23234,7 @@
               <p:cNvPr id="14" name="Rechteck 13">
                 <a:extLst>
                   <a:ext uri="{FF2B5EF4-FFF2-40B4-BE49-F238E27FC236}">
-                    <a16:creationId xmlns:a16="http://schemas.microsoft.com/office/drawing/2014/main" id="{FCCEA108-686B-BB4F-95FB-4BCE5EB529F1}"/>
+                    <a16:creationId xmlns:a16="http://schemas.microsoft.com/office/drawing/2014/main" xmlns="" id="{FCCEA108-686B-BB4F-95FB-4BCE5EB529F1}"/>
                   </a:ext>
                 </a:extLst>
               </p:cNvPr>
@@ -23151,7 +23294,7 @@
           <p:cNvPr id="4" name="Grafik 3">
             <a:extLst>
               <a:ext uri="{FF2B5EF4-FFF2-40B4-BE49-F238E27FC236}">
-                <a16:creationId xmlns:a16="http://schemas.microsoft.com/office/drawing/2014/main" id="{3CD3230B-6D18-7F44-B7DB-AA9C0FE0500E}"/>
+                <a16:creationId xmlns:a16="http://schemas.microsoft.com/office/drawing/2014/main" xmlns="" id="{3CD3230B-6D18-7F44-B7DB-AA9C0FE0500E}"/>
               </a:ext>
             </a:extLst>
           </p:cNvPr>
@@ -23236,7 +23379,7 @@
           <p:cNvPr id="7" name="Inhaltsplatzhalter 6">
             <a:extLst>
               <a:ext uri="{FF2B5EF4-FFF2-40B4-BE49-F238E27FC236}">
-                <a16:creationId xmlns:a16="http://schemas.microsoft.com/office/drawing/2014/main" id="{021C0CDB-2BCC-F341-9CF1-930A7CCD9061}"/>
+                <a16:creationId xmlns:a16="http://schemas.microsoft.com/office/drawing/2014/main" xmlns="" id="{021C0CDB-2BCC-F341-9CF1-930A7CCD9061}"/>
               </a:ext>
             </a:extLst>
           </p:cNvPr>
@@ -23301,7 +23444,7 @@
           <p:cNvPr id="2" name="Titel 1">
             <a:extLst>
               <a:ext uri="{FF2B5EF4-FFF2-40B4-BE49-F238E27FC236}">
-                <a16:creationId xmlns:a16="http://schemas.microsoft.com/office/drawing/2014/main" id="{7BA8FE41-0B04-6748-9CA8-05F0AE81883B}"/>
+                <a16:creationId xmlns:a16="http://schemas.microsoft.com/office/drawing/2014/main" xmlns="" id="{7BA8FE41-0B04-6748-9CA8-05F0AE81883B}"/>
               </a:ext>
             </a:extLst>
           </p:cNvPr>
@@ -23334,7 +23477,7 @@
           <p:cNvPr id="12" name="Gruppieren 11">
             <a:extLst>
               <a:ext uri="{FF2B5EF4-FFF2-40B4-BE49-F238E27FC236}">
-                <a16:creationId xmlns:a16="http://schemas.microsoft.com/office/drawing/2014/main" id="{995F115A-CBCD-7A4D-8C0A-281259A5A3C1}"/>
+                <a16:creationId xmlns:a16="http://schemas.microsoft.com/office/drawing/2014/main" xmlns="" id="{995F115A-CBCD-7A4D-8C0A-281259A5A3C1}"/>
               </a:ext>
             </a:extLst>
           </p:cNvPr>
@@ -23354,7 +23497,7 @@
             <p:cNvPr id="4" name="Gruppieren 3">
               <a:extLst>
                 <a:ext uri="{FF2B5EF4-FFF2-40B4-BE49-F238E27FC236}">
-                  <a16:creationId xmlns:a16="http://schemas.microsoft.com/office/drawing/2014/main" id="{783A73D2-C025-644E-A194-3438D291D352}"/>
+                  <a16:creationId xmlns:a16="http://schemas.microsoft.com/office/drawing/2014/main" xmlns="" id="{783A73D2-C025-644E-A194-3438D291D352}"/>
                 </a:ext>
               </a:extLst>
             </p:cNvPr>
@@ -23374,7 +23517,7 @@
               <p:cNvPr id="5" name="Rechteck 4">
                 <a:extLst>
                   <a:ext uri="{FF2B5EF4-FFF2-40B4-BE49-F238E27FC236}">
-                    <a16:creationId xmlns:a16="http://schemas.microsoft.com/office/drawing/2014/main" id="{4F68B8E9-417E-0141-AE27-E298ED29929C}"/>
+                    <a16:creationId xmlns:a16="http://schemas.microsoft.com/office/drawing/2014/main" xmlns="" id="{4F68B8E9-417E-0141-AE27-E298ED29929C}"/>
                   </a:ext>
                 </a:extLst>
               </p:cNvPr>
@@ -23466,7 +23609,7 @@
               <p:cNvPr id="6" name="Rechteck 5">
                 <a:extLst>
                   <a:ext uri="{FF2B5EF4-FFF2-40B4-BE49-F238E27FC236}">
-                    <a16:creationId xmlns:a16="http://schemas.microsoft.com/office/drawing/2014/main" id="{B2717A64-B61E-B44C-B23D-CB509FB519CA}"/>
+                    <a16:creationId xmlns:a16="http://schemas.microsoft.com/office/drawing/2014/main" xmlns="" id="{B2717A64-B61E-B44C-B23D-CB509FB519CA}"/>
                   </a:ext>
                 </a:extLst>
               </p:cNvPr>
@@ -23525,7 +23668,7 @@
             <p:cNvPr id="7" name="Rechteck 6">
               <a:extLst>
                 <a:ext uri="{FF2B5EF4-FFF2-40B4-BE49-F238E27FC236}">
-                  <a16:creationId xmlns:a16="http://schemas.microsoft.com/office/drawing/2014/main" id="{6F92A16E-30FA-A34D-A87A-AD884881288C}"/>
+                  <a16:creationId xmlns:a16="http://schemas.microsoft.com/office/drawing/2014/main" xmlns="" id="{6F92A16E-30FA-A34D-A87A-AD884881288C}"/>
                 </a:ext>
               </a:extLst>
             </p:cNvPr>
@@ -23585,7 +23728,7 @@
           <p:cNvPr id="13" name="Gruppieren 12">
             <a:extLst>
               <a:ext uri="{FF2B5EF4-FFF2-40B4-BE49-F238E27FC236}">
-                <a16:creationId xmlns:a16="http://schemas.microsoft.com/office/drawing/2014/main" id="{214C6E04-BA76-3048-B247-843530C6F237}"/>
+                <a16:creationId xmlns:a16="http://schemas.microsoft.com/office/drawing/2014/main" xmlns="" id="{214C6E04-BA76-3048-B247-843530C6F237}"/>
               </a:ext>
             </a:extLst>
           </p:cNvPr>
@@ -23605,7 +23748,7 @@
             <p:cNvPr id="14" name="Gruppieren 13">
               <a:extLst>
                 <a:ext uri="{FF2B5EF4-FFF2-40B4-BE49-F238E27FC236}">
-                  <a16:creationId xmlns:a16="http://schemas.microsoft.com/office/drawing/2014/main" id="{CF154C31-9B1A-6844-82C6-BEC64AE64B76}"/>
+                  <a16:creationId xmlns:a16="http://schemas.microsoft.com/office/drawing/2014/main" xmlns="" id="{CF154C31-9B1A-6844-82C6-BEC64AE64B76}"/>
                 </a:ext>
               </a:extLst>
             </p:cNvPr>
@@ -23625,7 +23768,7 @@
               <p:cNvPr id="16" name="Rechteck 15">
                 <a:extLst>
                   <a:ext uri="{FF2B5EF4-FFF2-40B4-BE49-F238E27FC236}">
-                    <a16:creationId xmlns:a16="http://schemas.microsoft.com/office/drawing/2014/main" id="{5D41E86D-96E1-F64F-B645-811FEF9C3566}"/>
+                    <a16:creationId xmlns:a16="http://schemas.microsoft.com/office/drawing/2014/main" xmlns="" id="{5D41E86D-96E1-F64F-B645-811FEF9C3566}"/>
                   </a:ext>
                 </a:extLst>
               </p:cNvPr>
@@ -23756,7 +23899,7 @@
               <p:cNvPr id="17" name="Rechteck 16">
                 <a:extLst>
                   <a:ext uri="{FF2B5EF4-FFF2-40B4-BE49-F238E27FC236}">
-                    <a16:creationId xmlns:a16="http://schemas.microsoft.com/office/drawing/2014/main" id="{829E215D-25C5-FE42-A84B-E10BE5590901}"/>
+                    <a16:creationId xmlns:a16="http://schemas.microsoft.com/office/drawing/2014/main" xmlns="" id="{829E215D-25C5-FE42-A84B-E10BE5590901}"/>
                   </a:ext>
                 </a:extLst>
               </p:cNvPr>
@@ -23815,7 +23958,7 @@
             <p:cNvPr id="15" name="Rechteck 14">
               <a:extLst>
                 <a:ext uri="{FF2B5EF4-FFF2-40B4-BE49-F238E27FC236}">
-                  <a16:creationId xmlns:a16="http://schemas.microsoft.com/office/drawing/2014/main" id="{3D7F9058-E672-2A4D-9BB1-013BCCC5ACE0}"/>
+                  <a16:creationId xmlns:a16="http://schemas.microsoft.com/office/drawing/2014/main" xmlns="" id="{3D7F9058-E672-2A4D-9BB1-013BCCC5ACE0}"/>
                 </a:ext>
               </a:extLst>
             </p:cNvPr>
@@ -23875,7 +24018,7 @@
           <p:cNvPr id="18" name="Gruppieren 17">
             <a:extLst>
               <a:ext uri="{FF2B5EF4-FFF2-40B4-BE49-F238E27FC236}">
-                <a16:creationId xmlns:a16="http://schemas.microsoft.com/office/drawing/2014/main" id="{76C873CF-9A61-9B4A-9A7F-7A0A6A11ECCC}"/>
+                <a16:creationId xmlns:a16="http://schemas.microsoft.com/office/drawing/2014/main" xmlns="" id="{76C873CF-9A61-9B4A-9A7F-7A0A6A11ECCC}"/>
               </a:ext>
             </a:extLst>
           </p:cNvPr>
@@ -23895,7 +24038,7 @@
             <p:cNvPr id="19" name="Gruppieren 18">
               <a:extLst>
                 <a:ext uri="{FF2B5EF4-FFF2-40B4-BE49-F238E27FC236}">
-                  <a16:creationId xmlns:a16="http://schemas.microsoft.com/office/drawing/2014/main" id="{02621200-51DD-6A4C-86C6-6B2A72D512E2}"/>
+                  <a16:creationId xmlns:a16="http://schemas.microsoft.com/office/drawing/2014/main" xmlns="" id="{02621200-51DD-6A4C-86C6-6B2A72D512E2}"/>
                 </a:ext>
               </a:extLst>
             </p:cNvPr>
@@ -23915,7 +24058,7 @@
               <p:cNvPr id="21" name="Rechteck 20">
                 <a:extLst>
                   <a:ext uri="{FF2B5EF4-FFF2-40B4-BE49-F238E27FC236}">
-                    <a16:creationId xmlns:a16="http://schemas.microsoft.com/office/drawing/2014/main" id="{ED0E09EA-1DC6-1249-841E-901E17F3D0B6}"/>
+                    <a16:creationId xmlns:a16="http://schemas.microsoft.com/office/drawing/2014/main" xmlns="" id="{ED0E09EA-1DC6-1249-841E-901E17F3D0B6}"/>
                   </a:ext>
                 </a:extLst>
               </p:cNvPr>
@@ -24004,7 +24147,7 @@
               <p:cNvPr id="22" name="Rechteck 21">
                 <a:extLst>
                   <a:ext uri="{FF2B5EF4-FFF2-40B4-BE49-F238E27FC236}">
-                    <a16:creationId xmlns:a16="http://schemas.microsoft.com/office/drawing/2014/main" id="{753356B5-7EB8-3F4A-96E1-8FF10B332D06}"/>
+                    <a16:creationId xmlns:a16="http://schemas.microsoft.com/office/drawing/2014/main" xmlns="" id="{753356B5-7EB8-3F4A-96E1-8FF10B332D06}"/>
                   </a:ext>
                 </a:extLst>
               </p:cNvPr>
@@ -24063,7 +24206,7 @@
             <p:cNvPr id="20" name="Rechteck 19">
               <a:extLst>
                 <a:ext uri="{FF2B5EF4-FFF2-40B4-BE49-F238E27FC236}">
-                  <a16:creationId xmlns:a16="http://schemas.microsoft.com/office/drawing/2014/main" id="{63DF4C62-579D-3249-9CFF-878DBD32F80A}"/>
+                  <a16:creationId xmlns:a16="http://schemas.microsoft.com/office/drawing/2014/main" xmlns="" id="{63DF4C62-579D-3249-9CFF-878DBD32F80A}"/>
                 </a:ext>
               </a:extLst>
             </p:cNvPr>
@@ -24123,7 +24266,7 @@
           <p:cNvPr id="23" name="Gruppieren 22">
             <a:extLst>
               <a:ext uri="{FF2B5EF4-FFF2-40B4-BE49-F238E27FC236}">
-                <a16:creationId xmlns:a16="http://schemas.microsoft.com/office/drawing/2014/main" id="{8E929239-873F-A040-A4FF-CF41E574A33B}"/>
+                <a16:creationId xmlns:a16="http://schemas.microsoft.com/office/drawing/2014/main" xmlns="" id="{8E929239-873F-A040-A4FF-CF41E574A33B}"/>
               </a:ext>
             </a:extLst>
           </p:cNvPr>
@@ -24143,7 +24286,7 @@
             <p:cNvPr id="24" name="Gruppieren 23">
               <a:extLst>
                 <a:ext uri="{FF2B5EF4-FFF2-40B4-BE49-F238E27FC236}">
-                  <a16:creationId xmlns:a16="http://schemas.microsoft.com/office/drawing/2014/main" id="{F47E6093-9AA6-8F4B-B80B-776943FCB73D}"/>
+                  <a16:creationId xmlns:a16="http://schemas.microsoft.com/office/drawing/2014/main" xmlns="" id="{F47E6093-9AA6-8F4B-B80B-776943FCB73D}"/>
                 </a:ext>
               </a:extLst>
             </p:cNvPr>
@@ -24163,7 +24306,7 @@
               <p:cNvPr id="26" name="Rechteck 25">
                 <a:extLst>
                   <a:ext uri="{FF2B5EF4-FFF2-40B4-BE49-F238E27FC236}">
-                    <a16:creationId xmlns:a16="http://schemas.microsoft.com/office/drawing/2014/main" id="{4059FEBC-2EFF-ED47-98FF-010C8401FADA}"/>
+                    <a16:creationId xmlns:a16="http://schemas.microsoft.com/office/drawing/2014/main" xmlns="" id="{4059FEBC-2EFF-ED47-98FF-010C8401FADA}"/>
                   </a:ext>
                 </a:extLst>
               </p:cNvPr>
@@ -24285,7 +24428,7 @@
               <p:cNvPr id="27" name="Rechteck 26">
                 <a:extLst>
                   <a:ext uri="{FF2B5EF4-FFF2-40B4-BE49-F238E27FC236}">
-                    <a16:creationId xmlns:a16="http://schemas.microsoft.com/office/drawing/2014/main" id="{A6C74FE9-D83D-2346-A400-58BA4229E830}"/>
+                    <a16:creationId xmlns:a16="http://schemas.microsoft.com/office/drawing/2014/main" xmlns="" id="{A6C74FE9-D83D-2346-A400-58BA4229E830}"/>
                   </a:ext>
                 </a:extLst>
               </p:cNvPr>
@@ -24344,7 +24487,7 @@
             <p:cNvPr id="25" name="Rechteck 24">
               <a:extLst>
                 <a:ext uri="{FF2B5EF4-FFF2-40B4-BE49-F238E27FC236}">
-                  <a16:creationId xmlns:a16="http://schemas.microsoft.com/office/drawing/2014/main" id="{1EDE063D-852E-324C-A77E-EFB1A1CCD783}"/>
+                  <a16:creationId xmlns:a16="http://schemas.microsoft.com/office/drawing/2014/main" xmlns="" id="{1EDE063D-852E-324C-A77E-EFB1A1CCD783}"/>
                 </a:ext>
               </a:extLst>
             </p:cNvPr>
@@ -24404,7 +24547,7 @@
           <p:cNvPr id="28" name="Gruppieren 27">
             <a:extLst>
               <a:ext uri="{FF2B5EF4-FFF2-40B4-BE49-F238E27FC236}">
-                <a16:creationId xmlns:a16="http://schemas.microsoft.com/office/drawing/2014/main" id="{076AA3C9-476D-4D45-B8BE-E0951E23CBCF}"/>
+                <a16:creationId xmlns:a16="http://schemas.microsoft.com/office/drawing/2014/main" xmlns="" id="{076AA3C9-476D-4D45-B8BE-E0951E23CBCF}"/>
               </a:ext>
             </a:extLst>
           </p:cNvPr>
@@ -24424,7 +24567,7 @@
             <p:cNvPr id="29" name="Gruppieren 28">
               <a:extLst>
                 <a:ext uri="{FF2B5EF4-FFF2-40B4-BE49-F238E27FC236}">
-                  <a16:creationId xmlns:a16="http://schemas.microsoft.com/office/drawing/2014/main" id="{B404C1CC-6DF7-B648-9CCB-5E2E9AFEB672}"/>
+                  <a16:creationId xmlns:a16="http://schemas.microsoft.com/office/drawing/2014/main" xmlns="" id="{B404C1CC-6DF7-B648-9CCB-5E2E9AFEB672}"/>
                 </a:ext>
               </a:extLst>
             </p:cNvPr>
@@ -24444,7 +24587,7 @@
               <p:cNvPr id="31" name="Rechteck 30">
                 <a:extLst>
                   <a:ext uri="{FF2B5EF4-FFF2-40B4-BE49-F238E27FC236}">
-                    <a16:creationId xmlns:a16="http://schemas.microsoft.com/office/drawing/2014/main" id="{4BDB37D7-D054-A942-8D6D-F9B2EF0F9FF6}"/>
+                    <a16:creationId xmlns:a16="http://schemas.microsoft.com/office/drawing/2014/main" xmlns="" id="{4BDB37D7-D054-A942-8D6D-F9B2EF0F9FF6}"/>
                   </a:ext>
                 </a:extLst>
               </p:cNvPr>
@@ -24508,7 +24651,7 @@
               <p:cNvPr id="32" name="Rechteck 31">
                 <a:extLst>
                   <a:ext uri="{FF2B5EF4-FFF2-40B4-BE49-F238E27FC236}">
-                    <a16:creationId xmlns:a16="http://schemas.microsoft.com/office/drawing/2014/main" id="{3A6CCD76-DF2E-A745-8BA8-2A2DA3CA1050}"/>
+                    <a16:creationId xmlns:a16="http://schemas.microsoft.com/office/drawing/2014/main" xmlns="" id="{3A6CCD76-DF2E-A745-8BA8-2A2DA3CA1050}"/>
                   </a:ext>
                 </a:extLst>
               </p:cNvPr>
@@ -24567,7 +24710,7 @@
             <p:cNvPr id="30" name="Rechteck 29">
               <a:extLst>
                 <a:ext uri="{FF2B5EF4-FFF2-40B4-BE49-F238E27FC236}">
-                  <a16:creationId xmlns:a16="http://schemas.microsoft.com/office/drawing/2014/main" id="{117072ED-37EF-E943-B866-F06DD4235CB3}"/>
+                  <a16:creationId xmlns:a16="http://schemas.microsoft.com/office/drawing/2014/main" xmlns="" id="{117072ED-37EF-E943-B866-F06DD4235CB3}"/>
                 </a:ext>
               </a:extLst>
             </p:cNvPr>

--- a/Dokumente/Präsentationen/2019-02-18_DA_Feldkemper_Zwischenpräsentation.pptx
+++ b/Dokumente/Präsentationen/2019-02-18_DA_Feldkemper_Zwischenpräsentation.pptx
@@ -40,14 +40,14 @@
   <p:notesSz cx="6858000" cy="9144000"/>
   <p:embeddedFontLst>
     <p:embeddedFont>
-      <p:font typeface="Open Sans" panose="020B0604020202020204" charset="0"/>
+      <p:font typeface="Calibri" panose="020F0502020204030204" pitchFamily="34" charset="0"/>
       <p:regular r:id="rId28"/>
       <p:bold r:id="rId29"/>
       <p:italic r:id="rId30"/>
       <p:boldItalic r:id="rId31"/>
     </p:embeddedFont>
     <p:embeddedFont>
-      <p:font typeface="Calibri" panose="020F0502020204030204" pitchFamily="34" charset="0"/>
+      <p:font typeface="Open Sans" panose="020B0606030504020204" pitchFamily="34" charset="0"/>
       <p:regular r:id="rId32"/>
       <p:bold r:id="rId33"/>
       <p:italic r:id="rId34"/>
@@ -287,7 +287,7 @@
           <a:p>
             <a:fld id="{C6AC6211-610F-44E5-BF19-D3CDF6EDD281}" type="datetimeFigureOut">
               <a:rPr lang="de-DE" smtClean="0"/>
-              <a:t>18.02.2019</a:t>
+              <a:t>30.04.19</a:t>
             </a:fld>
             <a:endParaRPr lang="de-DE"/>
           </a:p>
@@ -453,7 +453,7 @@
           <a:p>
             <a:fld id="{347435D3-23A6-45D3-8DFA-7317DC1E7A64}" type="datetimeFigureOut">
               <a:rPr lang="de-DE" smtClean="0"/>
-              <a:t>18.02.2019</a:t>
+              <a:t>30.04.19</a:t>
             </a:fld>
             <a:endParaRPr lang="de-DE"/>
           </a:p>
@@ -1968,7 +1968,7 @@
           <p:cNvPr id="15" name="Rechteck 14">
             <a:extLst>
               <a:ext uri="{FF2B5EF4-FFF2-40B4-BE49-F238E27FC236}">
-                <a16:creationId xmlns:a16="http://schemas.microsoft.com/office/drawing/2014/main" xmlns="" id="{F770C3AA-244C-A141-BC22-D074823F4293}"/>
+                <a16:creationId xmlns:a16="http://schemas.microsoft.com/office/drawing/2014/main" id="{F770C3AA-244C-A141-BC22-D074823F4293}"/>
               </a:ext>
             </a:extLst>
           </p:cNvPr>
@@ -2208,7 +2208,7 @@
           <p:cNvPr id="5" name="Grafik 4">
             <a:extLst>
               <a:ext uri="{FF2B5EF4-FFF2-40B4-BE49-F238E27FC236}">
-                <a16:creationId xmlns:a16="http://schemas.microsoft.com/office/drawing/2014/main" xmlns="" id="{C0F785FA-BB6E-6347-A8C6-9846216D4CBB}"/>
+                <a16:creationId xmlns:a16="http://schemas.microsoft.com/office/drawing/2014/main" id="{C0F785FA-BB6E-6347-A8C6-9846216D4CBB}"/>
               </a:ext>
             </a:extLst>
           </p:cNvPr>
@@ -2397,7 +2397,7 @@
           <p:cNvPr id="12" name="Grafik 11" hidden="1">
             <a:extLst>
               <a:ext uri="{FF2B5EF4-FFF2-40B4-BE49-F238E27FC236}">
-                <a16:creationId xmlns:a16="http://schemas.microsoft.com/office/drawing/2014/main" xmlns="" id="{CFC0D4A5-64CF-6D49-98B1-9FF6119E60EC}"/>
+                <a16:creationId xmlns:a16="http://schemas.microsoft.com/office/drawing/2014/main" id="{CFC0D4A5-64CF-6D49-98B1-9FF6119E60EC}"/>
               </a:ext>
             </a:extLst>
           </p:cNvPr>
@@ -2427,7 +2427,7 @@
           <p:cNvPr id="17" name="Grafik 16">
             <a:extLst>
               <a:ext uri="{FF2B5EF4-FFF2-40B4-BE49-F238E27FC236}">
-                <a16:creationId xmlns:a16="http://schemas.microsoft.com/office/drawing/2014/main" xmlns="" id="{22ECE872-F4EF-2A49-BA96-6065BC99D769}"/>
+                <a16:creationId xmlns:a16="http://schemas.microsoft.com/office/drawing/2014/main" id="{22ECE872-F4EF-2A49-BA96-6065BC99D769}"/>
               </a:ext>
             </a:extLst>
           </p:cNvPr>
@@ -2697,7 +2697,7 @@
           <p:cNvPr id="24" name="Bildplatzhalter 23">
             <a:extLst>
               <a:ext uri="{FF2B5EF4-FFF2-40B4-BE49-F238E27FC236}">
-                <a16:creationId xmlns:a16="http://schemas.microsoft.com/office/drawing/2014/main" xmlns="" id="{24A56C48-CA8D-D349-89CC-35C3A65DC4D5}"/>
+                <a16:creationId xmlns:a16="http://schemas.microsoft.com/office/drawing/2014/main" id="{24A56C48-CA8D-D349-89CC-35C3A65DC4D5}"/>
               </a:ext>
             </a:extLst>
           </p:cNvPr>
@@ -3011,7 +3011,7 @@
           <p:cNvPr id="6" name="Textplatzhalter 5">
             <a:extLst>
               <a:ext uri="{FF2B5EF4-FFF2-40B4-BE49-F238E27FC236}">
-                <a16:creationId xmlns:a16="http://schemas.microsoft.com/office/drawing/2014/main" xmlns="" id="{2E77FCEF-52F5-324B-A583-005ABCE0E622}"/>
+                <a16:creationId xmlns:a16="http://schemas.microsoft.com/office/drawing/2014/main" id="{2E77FCEF-52F5-324B-A583-005ABCE0E622}"/>
               </a:ext>
             </a:extLst>
           </p:cNvPr>
@@ -3049,7 +3049,7 @@
           <p:cNvPr id="13" name="Grafik 12">
             <a:extLst>
               <a:ext uri="{FF2B5EF4-FFF2-40B4-BE49-F238E27FC236}">
-                <a16:creationId xmlns:a16="http://schemas.microsoft.com/office/drawing/2014/main" xmlns="" id="{F84F96E3-FAED-E24A-9E01-BBA4824F0E34}"/>
+                <a16:creationId xmlns:a16="http://schemas.microsoft.com/office/drawing/2014/main" id="{F84F96E3-FAED-E24A-9E01-BBA4824F0E34}"/>
               </a:ext>
             </a:extLst>
           </p:cNvPr>
@@ -3220,7 +3220,7 @@
           <p:cNvPr id="6" name="Rechteck 5">
             <a:extLst>
               <a:ext uri="{FF2B5EF4-FFF2-40B4-BE49-F238E27FC236}">
-                <a16:creationId xmlns:a16="http://schemas.microsoft.com/office/drawing/2014/main" xmlns="" id="{2447D286-D9F9-E84F-9173-2C8D2D2068E1}"/>
+                <a16:creationId xmlns:a16="http://schemas.microsoft.com/office/drawing/2014/main" id="{2447D286-D9F9-E84F-9173-2C8D2D2068E1}"/>
               </a:ext>
             </a:extLst>
           </p:cNvPr>
@@ -3287,7 +3287,7 @@
           <p:cNvPr id="10" name="Grafik 9">
             <a:extLst>
               <a:ext uri="{FF2B5EF4-FFF2-40B4-BE49-F238E27FC236}">
-                <a16:creationId xmlns:a16="http://schemas.microsoft.com/office/drawing/2014/main" xmlns="" id="{E4DBCC79-CA26-C240-B119-9127A62CDBA8}"/>
+                <a16:creationId xmlns:a16="http://schemas.microsoft.com/office/drawing/2014/main" id="{E4DBCC79-CA26-C240-B119-9127A62CDBA8}"/>
               </a:ext>
             </a:extLst>
           </p:cNvPr>
@@ -3389,7 +3389,7 @@
           <p:cNvPr id="5" name="Rechteck 4">
             <a:extLst>
               <a:ext uri="{FF2B5EF4-FFF2-40B4-BE49-F238E27FC236}">
-                <a16:creationId xmlns:a16="http://schemas.microsoft.com/office/drawing/2014/main" xmlns="" id="{FD770378-5F2D-DE46-8D66-09007E946AD3}"/>
+                <a16:creationId xmlns:a16="http://schemas.microsoft.com/office/drawing/2014/main" id="{FD770378-5F2D-DE46-8D66-09007E946AD3}"/>
               </a:ext>
             </a:extLst>
           </p:cNvPr>
@@ -3453,7 +3453,7 @@
           <p:cNvPr id="4" name="Grafik 3">
             <a:extLst>
               <a:ext uri="{FF2B5EF4-FFF2-40B4-BE49-F238E27FC236}">
-                <a16:creationId xmlns:a16="http://schemas.microsoft.com/office/drawing/2014/main" xmlns="" id="{4FE30B28-5777-FC40-9C3F-81738D289A6A}"/>
+                <a16:creationId xmlns:a16="http://schemas.microsoft.com/office/drawing/2014/main" id="{4FE30B28-5777-FC40-9C3F-81738D289A6A}"/>
               </a:ext>
             </a:extLst>
           </p:cNvPr>
@@ -4402,17 +4402,6 @@
               <a:tabLst/>
               <a:defRPr/>
             </a:pPr>
-            <a:r>
-              <a:rPr lang="de-DE" sz="800" dirty="0">
-                <a:solidFill>
-                  <a:schemeClr val="bg2"/>
-                </a:solidFill>
-                <a:latin typeface="Open Sans" panose="020B0606030504020204" pitchFamily="34" charset="0"/>
-                <a:ea typeface="Open Sans" panose="020B0606030504020204" pitchFamily="34" charset="0"/>
-                <a:cs typeface="Open Sans" panose="020B0606030504020204" pitchFamily="34" charset="0"/>
-              </a:rPr>
-              <a:t/>
-            </a:r>
             <a:br>
               <a:rPr lang="de-DE" sz="800" dirty="0">
                 <a:solidFill>
@@ -4576,7 +4565,7 @@
           <p:cNvPr id="13" name="Grafik 12">
             <a:extLst>
               <a:ext uri="{FF2B5EF4-FFF2-40B4-BE49-F238E27FC236}">
-                <a16:creationId xmlns:a16="http://schemas.microsoft.com/office/drawing/2014/main" xmlns="" id="{2DC3CACD-C7C8-274E-BCD4-043370996A48}"/>
+                <a16:creationId xmlns:a16="http://schemas.microsoft.com/office/drawing/2014/main" id="{2DC3CACD-C7C8-274E-BCD4-043370996A48}"/>
               </a:ext>
             </a:extLst>
           </p:cNvPr>
@@ -5236,7 +5225,7 @@
           <p:cNvPr id="4" name="Gruppieren 3">
             <a:extLst>
               <a:ext uri="{FF2B5EF4-FFF2-40B4-BE49-F238E27FC236}">
-                <a16:creationId xmlns:a16="http://schemas.microsoft.com/office/drawing/2014/main" xmlns="" id="{64401E1E-557D-5D4F-AE09-187A0802411B}"/>
+                <a16:creationId xmlns:a16="http://schemas.microsoft.com/office/drawing/2014/main" id="{64401E1E-557D-5D4F-AE09-187A0802411B}"/>
               </a:ext>
             </a:extLst>
           </p:cNvPr>
@@ -5256,7 +5245,7 @@
             <p:cNvPr id="5" name="Rechteck 4">
               <a:extLst>
                 <a:ext uri="{FF2B5EF4-FFF2-40B4-BE49-F238E27FC236}">
-                  <a16:creationId xmlns:a16="http://schemas.microsoft.com/office/drawing/2014/main" xmlns="" id="{35A0EAB9-4039-6448-AC03-B60DE38901D0}"/>
+                  <a16:creationId xmlns:a16="http://schemas.microsoft.com/office/drawing/2014/main" id="{35A0EAB9-4039-6448-AC03-B60DE38901D0}"/>
                 </a:ext>
               </a:extLst>
             </p:cNvPr>
@@ -5312,7 +5301,7 @@
             <p:cNvPr id="6" name="Rechteck 5">
               <a:extLst>
                 <a:ext uri="{FF2B5EF4-FFF2-40B4-BE49-F238E27FC236}">
-                  <a16:creationId xmlns:a16="http://schemas.microsoft.com/office/drawing/2014/main" xmlns="" id="{FCCEA108-686B-BB4F-95FB-4BCE5EB529F1}"/>
+                  <a16:creationId xmlns:a16="http://schemas.microsoft.com/office/drawing/2014/main" id="{FCCEA108-686B-BB4F-95FB-4BCE5EB529F1}"/>
                 </a:ext>
               </a:extLst>
             </p:cNvPr>
@@ -5628,7 +5617,7 @@
             <p:cNvPr id="7" name="Gruppieren 6">
               <a:extLst>
                 <a:ext uri="{FF2B5EF4-FFF2-40B4-BE49-F238E27FC236}">
-                  <a16:creationId xmlns:a16="http://schemas.microsoft.com/office/drawing/2014/main" xmlns="" id="{64401E1E-557D-5D4F-AE09-187A0802411B}"/>
+                  <a16:creationId xmlns:a16="http://schemas.microsoft.com/office/drawing/2014/main" id="{64401E1E-557D-5D4F-AE09-187A0802411B}"/>
                 </a:ext>
               </a:extLst>
             </p:cNvPr>
@@ -5648,7 +5637,7 @@
               <p:cNvPr id="8" name="Rechteck 7">
                 <a:extLst>
                   <a:ext uri="{FF2B5EF4-FFF2-40B4-BE49-F238E27FC236}">
-                    <a16:creationId xmlns:a16="http://schemas.microsoft.com/office/drawing/2014/main" xmlns="" id="{35A0EAB9-4039-6448-AC03-B60DE38901D0}"/>
+                    <a16:creationId xmlns:a16="http://schemas.microsoft.com/office/drawing/2014/main" id="{35A0EAB9-4039-6448-AC03-B60DE38901D0}"/>
                   </a:ext>
                 </a:extLst>
               </p:cNvPr>
@@ -5704,7 +5693,7 @@
               <p:cNvPr id="9" name="Rechteck 8">
                 <a:extLst>
                   <a:ext uri="{FF2B5EF4-FFF2-40B4-BE49-F238E27FC236}">
-                    <a16:creationId xmlns:a16="http://schemas.microsoft.com/office/drawing/2014/main" xmlns="" id="{FCCEA108-686B-BB4F-95FB-4BCE5EB529F1}"/>
+                    <a16:creationId xmlns:a16="http://schemas.microsoft.com/office/drawing/2014/main" id="{FCCEA108-686B-BB4F-95FB-4BCE5EB529F1}"/>
                   </a:ext>
                 </a:extLst>
               </p:cNvPr>
@@ -6159,7 +6148,7 @@
           <p:cNvPr id="49" name="Gruppieren 48">
             <a:extLst>
               <a:ext uri="{FF2B5EF4-FFF2-40B4-BE49-F238E27FC236}">
-                <a16:creationId xmlns:a16="http://schemas.microsoft.com/office/drawing/2014/main" xmlns="" id="{64401E1E-557D-5D4F-AE09-187A0802411B}"/>
+                <a16:creationId xmlns:a16="http://schemas.microsoft.com/office/drawing/2014/main" id="{64401E1E-557D-5D4F-AE09-187A0802411B}"/>
               </a:ext>
             </a:extLst>
           </p:cNvPr>
@@ -6179,7 +6168,7 @@
             <p:cNvPr id="50" name="Rechteck 49">
               <a:extLst>
                 <a:ext uri="{FF2B5EF4-FFF2-40B4-BE49-F238E27FC236}">
-                  <a16:creationId xmlns:a16="http://schemas.microsoft.com/office/drawing/2014/main" xmlns="" id="{35A0EAB9-4039-6448-AC03-B60DE38901D0}"/>
+                  <a16:creationId xmlns:a16="http://schemas.microsoft.com/office/drawing/2014/main" id="{35A0EAB9-4039-6448-AC03-B60DE38901D0}"/>
                 </a:ext>
               </a:extLst>
             </p:cNvPr>
@@ -6235,7 +6224,7 @@
             <p:cNvPr id="51" name="Rechteck 50">
               <a:extLst>
                 <a:ext uri="{FF2B5EF4-FFF2-40B4-BE49-F238E27FC236}">
-                  <a16:creationId xmlns:a16="http://schemas.microsoft.com/office/drawing/2014/main" xmlns="" id="{FCCEA108-686B-BB4F-95FB-4BCE5EB529F1}"/>
+                  <a16:creationId xmlns:a16="http://schemas.microsoft.com/office/drawing/2014/main" id="{FCCEA108-686B-BB4F-95FB-4BCE5EB529F1}"/>
                 </a:ext>
               </a:extLst>
             </p:cNvPr>
@@ -6631,7 +6620,7 @@
           <p:cNvPr id="4" name="Gruppieren 3">
             <a:extLst>
               <a:ext uri="{FF2B5EF4-FFF2-40B4-BE49-F238E27FC236}">
-                <a16:creationId xmlns:a16="http://schemas.microsoft.com/office/drawing/2014/main" xmlns="" id="{64401E1E-557D-5D4F-AE09-187A0802411B}"/>
+                <a16:creationId xmlns:a16="http://schemas.microsoft.com/office/drawing/2014/main" id="{64401E1E-557D-5D4F-AE09-187A0802411B}"/>
               </a:ext>
             </a:extLst>
           </p:cNvPr>
@@ -6651,7 +6640,7 @@
             <p:cNvPr id="5" name="Rechteck 4">
               <a:extLst>
                 <a:ext uri="{FF2B5EF4-FFF2-40B4-BE49-F238E27FC236}">
-                  <a16:creationId xmlns:a16="http://schemas.microsoft.com/office/drawing/2014/main" xmlns="" id="{35A0EAB9-4039-6448-AC03-B60DE38901D0}"/>
+                  <a16:creationId xmlns:a16="http://schemas.microsoft.com/office/drawing/2014/main" id="{35A0EAB9-4039-6448-AC03-B60DE38901D0}"/>
                 </a:ext>
               </a:extLst>
             </p:cNvPr>
@@ -6855,7 +6844,7 @@
             <p:cNvPr id="6" name="Rechteck 5">
               <a:extLst>
                 <a:ext uri="{FF2B5EF4-FFF2-40B4-BE49-F238E27FC236}">
-                  <a16:creationId xmlns:a16="http://schemas.microsoft.com/office/drawing/2014/main" xmlns="" id="{FCCEA108-686B-BB4F-95FB-4BCE5EB529F1}"/>
+                  <a16:creationId xmlns:a16="http://schemas.microsoft.com/office/drawing/2014/main" id="{FCCEA108-686B-BB4F-95FB-4BCE5EB529F1}"/>
                 </a:ext>
               </a:extLst>
             </p:cNvPr>
@@ -6914,7 +6903,7 @@
           <p:cNvPr id="7" name="Gruppieren 6">
             <a:extLst>
               <a:ext uri="{FF2B5EF4-FFF2-40B4-BE49-F238E27FC236}">
-                <a16:creationId xmlns:a16="http://schemas.microsoft.com/office/drawing/2014/main" xmlns="" id="{64401E1E-557D-5D4F-AE09-187A0802411B}"/>
+                <a16:creationId xmlns:a16="http://schemas.microsoft.com/office/drawing/2014/main" id="{64401E1E-557D-5D4F-AE09-187A0802411B}"/>
               </a:ext>
             </a:extLst>
           </p:cNvPr>
@@ -6934,7 +6923,7 @@
             <p:cNvPr id="8" name="Rechteck 7">
               <a:extLst>
                 <a:ext uri="{FF2B5EF4-FFF2-40B4-BE49-F238E27FC236}">
-                  <a16:creationId xmlns:a16="http://schemas.microsoft.com/office/drawing/2014/main" xmlns="" id="{35A0EAB9-4039-6448-AC03-B60DE38901D0}"/>
+                  <a16:creationId xmlns:a16="http://schemas.microsoft.com/office/drawing/2014/main" id="{35A0EAB9-4039-6448-AC03-B60DE38901D0}"/>
                 </a:ext>
               </a:extLst>
             </p:cNvPr>
@@ -7060,7 +7049,7 @@
             <p:cNvPr id="9" name="Rechteck 8">
               <a:extLst>
                 <a:ext uri="{FF2B5EF4-FFF2-40B4-BE49-F238E27FC236}">
-                  <a16:creationId xmlns:a16="http://schemas.microsoft.com/office/drawing/2014/main" xmlns="" id="{FCCEA108-686B-BB4F-95FB-4BCE5EB529F1}"/>
+                  <a16:creationId xmlns:a16="http://schemas.microsoft.com/office/drawing/2014/main" id="{FCCEA108-686B-BB4F-95FB-4BCE5EB529F1}"/>
                 </a:ext>
               </a:extLst>
             </p:cNvPr>
@@ -7119,7 +7108,7 @@
           <p:cNvPr id="10" name="Gruppieren 9">
             <a:extLst>
               <a:ext uri="{FF2B5EF4-FFF2-40B4-BE49-F238E27FC236}">
-                <a16:creationId xmlns:a16="http://schemas.microsoft.com/office/drawing/2014/main" xmlns="" id="{64401E1E-557D-5D4F-AE09-187A0802411B}"/>
+                <a16:creationId xmlns:a16="http://schemas.microsoft.com/office/drawing/2014/main" id="{64401E1E-557D-5D4F-AE09-187A0802411B}"/>
               </a:ext>
             </a:extLst>
           </p:cNvPr>
@@ -7139,7 +7128,7 @@
             <p:cNvPr id="11" name="Rechteck 10">
               <a:extLst>
                 <a:ext uri="{FF2B5EF4-FFF2-40B4-BE49-F238E27FC236}">
-                  <a16:creationId xmlns:a16="http://schemas.microsoft.com/office/drawing/2014/main" xmlns="" id="{35A0EAB9-4039-6448-AC03-B60DE38901D0}"/>
+                  <a16:creationId xmlns:a16="http://schemas.microsoft.com/office/drawing/2014/main" id="{35A0EAB9-4039-6448-AC03-B60DE38901D0}"/>
                 </a:ext>
               </a:extLst>
             </p:cNvPr>
@@ -7251,7 +7240,7 @@
             <p:cNvPr id="12" name="Rechteck 11">
               <a:extLst>
                 <a:ext uri="{FF2B5EF4-FFF2-40B4-BE49-F238E27FC236}">
-                  <a16:creationId xmlns:a16="http://schemas.microsoft.com/office/drawing/2014/main" xmlns="" id="{FCCEA108-686B-BB4F-95FB-4BCE5EB529F1}"/>
+                  <a16:creationId xmlns:a16="http://schemas.microsoft.com/office/drawing/2014/main" id="{FCCEA108-686B-BB4F-95FB-4BCE5EB529F1}"/>
                 </a:ext>
               </a:extLst>
             </p:cNvPr>
@@ -7362,7 +7351,7 @@
           <p:cNvPr id="4" name="Gruppieren 3">
             <a:extLst>
               <a:ext uri="{FF2B5EF4-FFF2-40B4-BE49-F238E27FC236}">
-                <a16:creationId xmlns:a16="http://schemas.microsoft.com/office/drawing/2014/main" xmlns="" id="{64401E1E-557D-5D4F-AE09-187A0802411B}"/>
+                <a16:creationId xmlns:a16="http://schemas.microsoft.com/office/drawing/2014/main" id="{64401E1E-557D-5D4F-AE09-187A0802411B}"/>
               </a:ext>
             </a:extLst>
           </p:cNvPr>
@@ -7382,7 +7371,7 @@
             <p:cNvPr id="5" name="Rechteck 4">
               <a:extLst>
                 <a:ext uri="{FF2B5EF4-FFF2-40B4-BE49-F238E27FC236}">
-                  <a16:creationId xmlns:a16="http://schemas.microsoft.com/office/drawing/2014/main" xmlns="" id="{35A0EAB9-4039-6448-AC03-B60DE38901D0}"/>
+                  <a16:creationId xmlns:a16="http://schemas.microsoft.com/office/drawing/2014/main" id="{35A0EAB9-4039-6448-AC03-B60DE38901D0}"/>
                 </a:ext>
               </a:extLst>
             </p:cNvPr>
@@ -7466,7 +7455,7 @@
             <p:cNvPr id="6" name="Rechteck 5">
               <a:extLst>
                 <a:ext uri="{FF2B5EF4-FFF2-40B4-BE49-F238E27FC236}">
-                  <a16:creationId xmlns:a16="http://schemas.microsoft.com/office/drawing/2014/main" xmlns="" id="{FCCEA108-686B-BB4F-95FB-4BCE5EB529F1}"/>
+                  <a16:creationId xmlns:a16="http://schemas.microsoft.com/office/drawing/2014/main" id="{FCCEA108-686B-BB4F-95FB-4BCE5EB529F1}"/>
                 </a:ext>
               </a:extLst>
             </p:cNvPr>
@@ -7525,7 +7514,7 @@
           <p:cNvPr id="7" name="Gruppieren 6">
             <a:extLst>
               <a:ext uri="{FF2B5EF4-FFF2-40B4-BE49-F238E27FC236}">
-                <a16:creationId xmlns:a16="http://schemas.microsoft.com/office/drawing/2014/main" xmlns="" id="{64401E1E-557D-5D4F-AE09-187A0802411B}"/>
+                <a16:creationId xmlns:a16="http://schemas.microsoft.com/office/drawing/2014/main" id="{64401E1E-557D-5D4F-AE09-187A0802411B}"/>
               </a:ext>
             </a:extLst>
           </p:cNvPr>
@@ -7545,7 +7534,7 @@
             <p:cNvPr id="8" name="Rechteck 7">
               <a:extLst>
                 <a:ext uri="{FF2B5EF4-FFF2-40B4-BE49-F238E27FC236}">
-                  <a16:creationId xmlns:a16="http://schemas.microsoft.com/office/drawing/2014/main" xmlns="" id="{35A0EAB9-4039-6448-AC03-B60DE38901D0}"/>
+                  <a16:creationId xmlns:a16="http://schemas.microsoft.com/office/drawing/2014/main" id="{35A0EAB9-4039-6448-AC03-B60DE38901D0}"/>
                 </a:ext>
               </a:extLst>
             </p:cNvPr>
@@ -7640,7 +7629,7 @@
             <p:cNvPr id="9" name="Rechteck 8">
               <a:extLst>
                 <a:ext uri="{FF2B5EF4-FFF2-40B4-BE49-F238E27FC236}">
-                  <a16:creationId xmlns:a16="http://schemas.microsoft.com/office/drawing/2014/main" xmlns="" id="{FCCEA108-686B-BB4F-95FB-4BCE5EB529F1}"/>
+                  <a16:creationId xmlns:a16="http://schemas.microsoft.com/office/drawing/2014/main" id="{FCCEA108-686B-BB4F-95FB-4BCE5EB529F1}"/>
                 </a:ext>
               </a:extLst>
             </p:cNvPr>
@@ -7699,7 +7688,7 @@
           <p:cNvPr id="10" name="Gruppieren 9">
             <a:extLst>
               <a:ext uri="{FF2B5EF4-FFF2-40B4-BE49-F238E27FC236}">
-                <a16:creationId xmlns:a16="http://schemas.microsoft.com/office/drawing/2014/main" xmlns="" id="{64401E1E-557D-5D4F-AE09-187A0802411B}"/>
+                <a16:creationId xmlns:a16="http://schemas.microsoft.com/office/drawing/2014/main" id="{64401E1E-557D-5D4F-AE09-187A0802411B}"/>
               </a:ext>
             </a:extLst>
           </p:cNvPr>
@@ -7719,7 +7708,7 @@
             <p:cNvPr id="11" name="Rechteck 10">
               <a:extLst>
                 <a:ext uri="{FF2B5EF4-FFF2-40B4-BE49-F238E27FC236}">
-                  <a16:creationId xmlns:a16="http://schemas.microsoft.com/office/drawing/2014/main" xmlns="" id="{35A0EAB9-4039-6448-AC03-B60DE38901D0}"/>
+                  <a16:creationId xmlns:a16="http://schemas.microsoft.com/office/drawing/2014/main" id="{35A0EAB9-4039-6448-AC03-B60DE38901D0}"/>
                 </a:ext>
               </a:extLst>
             </p:cNvPr>
@@ -7874,7 +7863,7 @@
             <p:cNvPr id="12" name="Rechteck 11">
               <a:extLst>
                 <a:ext uri="{FF2B5EF4-FFF2-40B4-BE49-F238E27FC236}">
-                  <a16:creationId xmlns:a16="http://schemas.microsoft.com/office/drawing/2014/main" xmlns="" id="{FCCEA108-686B-BB4F-95FB-4BCE5EB529F1}"/>
+                  <a16:creationId xmlns:a16="http://schemas.microsoft.com/office/drawing/2014/main" id="{FCCEA108-686B-BB4F-95FB-4BCE5EB529F1}"/>
                 </a:ext>
               </a:extLst>
             </p:cNvPr>
@@ -7985,7 +7974,7 @@
           <p:cNvPr id="4" name="Gruppieren 3">
             <a:extLst>
               <a:ext uri="{FF2B5EF4-FFF2-40B4-BE49-F238E27FC236}">
-                <a16:creationId xmlns:a16="http://schemas.microsoft.com/office/drawing/2014/main" xmlns="" id="{64401E1E-557D-5D4F-AE09-187A0802411B}"/>
+                <a16:creationId xmlns:a16="http://schemas.microsoft.com/office/drawing/2014/main" id="{64401E1E-557D-5D4F-AE09-187A0802411B}"/>
               </a:ext>
             </a:extLst>
           </p:cNvPr>
@@ -8005,7 +7994,7 @@
             <p:cNvPr id="5" name="Rechteck 4">
               <a:extLst>
                 <a:ext uri="{FF2B5EF4-FFF2-40B4-BE49-F238E27FC236}">
-                  <a16:creationId xmlns:a16="http://schemas.microsoft.com/office/drawing/2014/main" xmlns="" id="{35A0EAB9-4039-6448-AC03-B60DE38901D0}"/>
+                  <a16:creationId xmlns:a16="http://schemas.microsoft.com/office/drawing/2014/main" id="{35A0EAB9-4039-6448-AC03-B60DE38901D0}"/>
                 </a:ext>
               </a:extLst>
             </p:cNvPr>
@@ -8117,7 +8106,7 @@
             <p:cNvPr id="6" name="Rechteck 5">
               <a:extLst>
                 <a:ext uri="{FF2B5EF4-FFF2-40B4-BE49-F238E27FC236}">
-                  <a16:creationId xmlns:a16="http://schemas.microsoft.com/office/drawing/2014/main" xmlns="" id="{FCCEA108-686B-BB4F-95FB-4BCE5EB529F1}"/>
+                  <a16:creationId xmlns:a16="http://schemas.microsoft.com/office/drawing/2014/main" id="{FCCEA108-686B-BB4F-95FB-4BCE5EB529F1}"/>
                 </a:ext>
               </a:extLst>
             </p:cNvPr>
@@ -8176,7 +8165,7 @@
           <p:cNvPr id="7" name="Gruppieren 6">
             <a:extLst>
               <a:ext uri="{FF2B5EF4-FFF2-40B4-BE49-F238E27FC236}">
-                <a16:creationId xmlns:a16="http://schemas.microsoft.com/office/drawing/2014/main" xmlns="" id="{64401E1E-557D-5D4F-AE09-187A0802411B}"/>
+                <a16:creationId xmlns:a16="http://schemas.microsoft.com/office/drawing/2014/main" id="{64401E1E-557D-5D4F-AE09-187A0802411B}"/>
               </a:ext>
             </a:extLst>
           </p:cNvPr>
@@ -8196,7 +8185,7 @@
             <p:cNvPr id="8" name="Rechteck 7">
               <a:extLst>
                 <a:ext uri="{FF2B5EF4-FFF2-40B4-BE49-F238E27FC236}">
-                  <a16:creationId xmlns:a16="http://schemas.microsoft.com/office/drawing/2014/main" xmlns="" id="{35A0EAB9-4039-6448-AC03-B60DE38901D0}"/>
+                  <a16:creationId xmlns:a16="http://schemas.microsoft.com/office/drawing/2014/main" id="{35A0EAB9-4039-6448-AC03-B60DE38901D0}"/>
                 </a:ext>
               </a:extLst>
             </p:cNvPr>
@@ -8263,7 +8252,7 @@
             <p:cNvPr id="9" name="Rechteck 8">
               <a:extLst>
                 <a:ext uri="{FF2B5EF4-FFF2-40B4-BE49-F238E27FC236}">
-                  <a16:creationId xmlns:a16="http://schemas.microsoft.com/office/drawing/2014/main" xmlns="" id="{FCCEA108-686B-BB4F-95FB-4BCE5EB529F1}"/>
+                  <a16:creationId xmlns:a16="http://schemas.microsoft.com/office/drawing/2014/main" id="{FCCEA108-686B-BB4F-95FB-4BCE5EB529F1}"/>
                 </a:ext>
               </a:extLst>
             </p:cNvPr>
@@ -8322,7 +8311,7 @@
           <p:cNvPr id="10" name="Gruppieren 9">
             <a:extLst>
               <a:ext uri="{FF2B5EF4-FFF2-40B4-BE49-F238E27FC236}">
-                <a16:creationId xmlns:a16="http://schemas.microsoft.com/office/drawing/2014/main" xmlns="" id="{64401E1E-557D-5D4F-AE09-187A0802411B}"/>
+                <a16:creationId xmlns:a16="http://schemas.microsoft.com/office/drawing/2014/main" id="{64401E1E-557D-5D4F-AE09-187A0802411B}"/>
               </a:ext>
             </a:extLst>
           </p:cNvPr>
@@ -8342,7 +8331,7 @@
             <p:cNvPr id="11" name="Rechteck 10">
               <a:extLst>
                 <a:ext uri="{FF2B5EF4-FFF2-40B4-BE49-F238E27FC236}">
-                  <a16:creationId xmlns:a16="http://schemas.microsoft.com/office/drawing/2014/main" xmlns="" id="{35A0EAB9-4039-6448-AC03-B60DE38901D0}"/>
+                  <a16:creationId xmlns:a16="http://schemas.microsoft.com/office/drawing/2014/main" id="{35A0EAB9-4039-6448-AC03-B60DE38901D0}"/>
                 </a:ext>
               </a:extLst>
             </p:cNvPr>
@@ -8412,7 +8401,7 @@
             <p:cNvPr id="12" name="Rechteck 11">
               <a:extLst>
                 <a:ext uri="{FF2B5EF4-FFF2-40B4-BE49-F238E27FC236}">
-                  <a16:creationId xmlns:a16="http://schemas.microsoft.com/office/drawing/2014/main" xmlns="" id="{FCCEA108-686B-BB4F-95FB-4BCE5EB529F1}"/>
+                  <a16:creationId xmlns:a16="http://schemas.microsoft.com/office/drawing/2014/main" id="{FCCEA108-686B-BB4F-95FB-4BCE5EB529F1}"/>
                 </a:ext>
               </a:extLst>
             </p:cNvPr>
@@ -8545,7 +8534,7 @@
           <p:cNvPr id="9" name="Gruppieren 8">
             <a:extLst>
               <a:ext uri="{FF2B5EF4-FFF2-40B4-BE49-F238E27FC236}">
-                <a16:creationId xmlns:a16="http://schemas.microsoft.com/office/drawing/2014/main" xmlns="" id="{64401E1E-557D-5D4F-AE09-187A0802411B}"/>
+                <a16:creationId xmlns:a16="http://schemas.microsoft.com/office/drawing/2014/main" id="{64401E1E-557D-5D4F-AE09-187A0802411B}"/>
               </a:ext>
             </a:extLst>
           </p:cNvPr>
@@ -8565,7 +8554,7 @@
             <p:cNvPr id="10" name="Rechteck 9">
               <a:extLst>
                 <a:ext uri="{FF2B5EF4-FFF2-40B4-BE49-F238E27FC236}">
-                  <a16:creationId xmlns:a16="http://schemas.microsoft.com/office/drawing/2014/main" xmlns="" id="{35A0EAB9-4039-6448-AC03-B60DE38901D0}"/>
+                  <a16:creationId xmlns:a16="http://schemas.microsoft.com/office/drawing/2014/main" id="{35A0EAB9-4039-6448-AC03-B60DE38901D0}"/>
                 </a:ext>
               </a:extLst>
             </p:cNvPr>
@@ -8749,7 +8738,7 @@
             <p:cNvPr id="11" name="Rechteck 10">
               <a:extLst>
                 <a:ext uri="{FF2B5EF4-FFF2-40B4-BE49-F238E27FC236}">
-                  <a16:creationId xmlns:a16="http://schemas.microsoft.com/office/drawing/2014/main" xmlns="" id="{FCCEA108-686B-BB4F-95FB-4BCE5EB529F1}"/>
+                  <a16:creationId xmlns:a16="http://schemas.microsoft.com/office/drawing/2014/main" id="{FCCEA108-686B-BB4F-95FB-4BCE5EB529F1}"/>
                 </a:ext>
               </a:extLst>
             </p:cNvPr>
@@ -8808,7 +8797,7 @@
           <p:cNvPr id="12" name="Gruppieren 11">
             <a:extLst>
               <a:ext uri="{FF2B5EF4-FFF2-40B4-BE49-F238E27FC236}">
-                <a16:creationId xmlns:a16="http://schemas.microsoft.com/office/drawing/2014/main" xmlns="" id="{64401E1E-557D-5D4F-AE09-187A0802411B}"/>
+                <a16:creationId xmlns:a16="http://schemas.microsoft.com/office/drawing/2014/main" id="{64401E1E-557D-5D4F-AE09-187A0802411B}"/>
               </a:ext>
             </a:extLst>
           </p:cNvPr>
@@ -8828,7 +8817,7 @@
             <p:cNvPr id="13" name="Rechteck 12">
               <a:extLst>
                 <a:ext uri="{FF2B5EF4-FFF2-40B4-BE49-F238E27FC236}">
-                  <a16:creationId xmlns:a16="http://schemas.microsoft.com/office/drawing/2014/main" xmlns="" id="{35A0EAB9-4039-6448-AC03-B60DE38901D0}"/>
+                  <a16:creationId xmlns:a16="http://schemas.microsoft.com/office/drawing/2014/main" id="{35A0EAB9-4039-6448-AC03-B60DE38901D0}"/>
                 </a:ext>
               </a:extLst>
             </p:cNvPr>
@@ -9027,7 +9016,7 @@
             <p:cNvPr id="14" name="Rechteck 13">
               <a:extLst>
                 <a:ext uri="{FF2B5EF4-FFF2-40B4-BE49-F238E27FC236}">
-                  <a16:creationId xmlns:a16="http://schemas.microsoft.com/office/drawing/2014/main" xmlns="" id="{FCCEA108-686B-BB4F-95FB-4BCE5EB529F1}"/>
+                  <a16:creationId xmlns:a16="http://schemas.microsoft.com/office/drawing/2014/main" id="{FCCEA108-686B-BB4F-95FB-4BCE5EB529F1}"/>
                 </a:ext>
               </a:extLst>
             </p:cNvPr>
@@ -9147,7 +9136,7 @@
           <p:cNvPr id="7" name="Gruppieren 6">
             <a:extLst>
               <a:ext uri="{FF2B5EF4-FFF2-40B4-BE49-F238E27FC236}">
-                <a16:creationId xmlns:a16="http://schemas.microsoft.com/office/drawing/2014/main" xmlns="" id="{83607870-557A-164A-B22B-C1B49B36656C}"/>
+                <a16:creationId xmlns:a16="http://schemas.microsoft.com/office/drawing/2014/main" id="{83607870-557A-164A-B22B-C1B49B36656C}"/>
               </a:ext>
             </a:extLst>
           </p:cNvPr>
@@ -9167,7 +9156,7 @@
             <p:cNvPr id="8" name="Rechteck 7">
               <a:extLst>
                 <a:ext uri="{FF2B5EF4-FFF2-40B4-BE49-F238E27FC236}">
-                  <a16:creationId xmlns:a16="http://schemas.microsoft.com/office/drawing/2014/main" xmlns="" id="{F1E1E402-969D-194B-AB76-85BAC6C71034}"/>
+                  <a16:creationId xmlns:a16="http://schemas.microsoft.com/office/drawing/2014/main" id="{F1E1E402-969D-194B-AB76-85BAC6C71034}"/>
                 </a:ext>
               </a:extLst>
             </p:cNvPr>
@@ -9251,7 +9240,7 @@
             <p:cNvPr id="9" name="Rechteck 8">
               <a:extLst>
                 <a:ext uri="{FF2B5EF4-FFF2-40B4-BE49-F238E27FC236}">
-                  <a16:creationId xmlns:a16="http://schemas.microsoft.com/office/drawing/2014/main" xmlns="" id="{833772DE-177D-6242-B2B7-89D46A2C0D15}"/>
+                  <a16:creationId xmlns:a16="http://schemas.microsoft.com/office/drawing/2014/main" id="{833772DE-177D-6242-B2B7-89D46A2C0D15}"/>
                 </a:ext>
               </a:extLst>
             </p:cNvPr>
@@ -9342,7 +9331,7 @@
           <p:cNvPr id="11" name="Gruppieren 10">
             <a:extLst>
               <a:ext uri="{FF2B5EF4-FFF2-40B4-BE49-F238E27FC236}">
-                <a16:creationId xmlns:a16="http://schemas.microsoft.com/office/drawing/2014/main" xmlns="" id="{00DD676A-B61C-5D48-BC56-AC4BB52F8528}"/>
+                <a16:creationId xmlns:a16="http://schemas.microsoft.com/office/drawing/2014/main" id="{00DD676A-B61C-5D48-BC56-AC4BB52F8528}"/>
               </a:ext>
             </a:extLst>
           </p:cNvPr>
@@ -9362,7 +9351,7 @@
             <p:cNvPr id="12" name="Rechteck 11">
               <a:extLst>
                 <a:ext uri="{FF2B5EF4-FFF2-40B4-BE49-F238E27FC236}">
-                  <a16:creationId xmlns:a16="http://schemas.microsoft.com/office/drawing/2014/main" xmlns="" id="{201F63B0-4CCA-B640-BD88-BAB407BC2183}"/>
+                  <a16:creationId xmlns:a16="http://schemas.microsoft.com/office/drawing/2014/main" id="{201F63B0-4CCA-B640-BD88-BAB407BC2183}"/>
                 </a:ext>
               </a:extLst>
             </p:cNvPr>
@@ -9446,7 +9435,7 @@
             <p:cNvPr id="13" name="Rechteck 12">
               <a:extLst>
                 <a:ext uri="{FF2B5EF4-FFF2-40B4-BE49-F238E27FC236}">
-                  <a16:creationId xmlns:a16="http://schemas.microsoft.com/office/drawing/2014/main" xmlns="" id="{514C32A1-04E5-494D-AB34-069455276B16}"/>
+                  <a16:creationId xmlns:a16="http://schemas.microsoft.com/office/drawing/2014/main" id="{514C32A1-04E5-494D-AB34-069455276B16}"/>
                 </a:ext>
               </a:extLst>
             </p:cNvPr>
@@ -9513,7 +9502,7 @@
           <p:cNvPr id="14" name="Gruppieren 13">
             <a:extLst>
               <a:ext uri="{FF2B5EF4-FFF2-40B4-BE49-F238E27FC236}">
-                <a16:creationId xmlns:a16="http://schemas.microsoft.com/office/drawing/2014/main" xmlns="" id="{C0CAAA13-C09D-AC4E-991C-1FEB2957F9A9}"/>
+                <a16:creationId xmlns:a16="http://schemas.microsoft.com/office/drawing/2014/main" id="{C0CAAA13-C09D-AC4E-991C-1FEB2957F9A9}"/>
               </a:ext>
             </a:extLst>
           </p:cNvPr>
@@ -9533,7 +9522,7 @@
             <p:cNvPr id="15" name="Rechteck 14">
               <a:extLst>
                 <a:ext uri="{FF2B5EF4-FFF2-40B4-BE49-F238E27FC236}">
-                  <a16:creationId xmlns:a16="http://schemas.microsoft.com/office/drawing/2014/main" xmlns="" id="{71B66402-AE28-034E-B538-DD8098A05FCC}"/>
+                  <a16:creationId xmlns:a16="http://schemas.microsoft.com/office/drawing/2014/main" id="{71B66402-AE28-034E-B538-DD8098A05FCC}"/>
                 </a:ext>
               </a:extLst>
             </p:cNvPr>
@@ -9672,7 +9661,7 @@
             <p:cNvPr id="16" name="Rechteck 15">
               <a:extLst>
                 <a:ext uri="{FF2B5EF4-FFF2-40B4-BE49-F238E27FC236}">
-                  <a16:creationId xmlns:a16="http://schemas.microsoft.com/office/drawing/2014/main" xmlns="" id="{3BF267A1-CAB7-CF4A-B6F4-D9891842B9EE}"/>
+                  <a16:creationId xmlns:a16="http://schemas.microsoft.com/office/drawing/2014/main" id="{3BF267A1-CAB7-CF4A-B6F4-D9891842B9EE}"/>
                 </a:ext>
               </a:extLst>
             </p:cNvPr>
@@ -9731,7 +9720,7 @@
           <p:cNvPr id="20" name="Gewinkelte Verbindung 19">
             <a:extLst>
               <a:ext uri="{FF2B5EF4-FFF2-40B4-BE49-F238E27FC236}">
-                <a16:creationId xmlns:a16="http://schemas.microsoft.com/office/drawing/2014/main" xmlns="" id="{FD336F23-DB98-1342-BB4F-5D218AF61D6F}"/>
+                <a16:creationId xmlns:a16="http://schemas.microsoft.com/office/drawing/2014/main" id="{FD336F23-DB98-1342-BB4F-5D218AF61D6F}"/>
               </a:ext>
             </a:extLst>
           </p:cNvPr>
@@ -9782,7 +9771,7 @@
           <p:cNvPr id="22" name="Gewinkelte Verbindung 21">
             <a:extLst>
               <a:ext uri="{FF2B5EF4-FFF2-40B4-BE49-F238E27FC236}">
-                <a16:creationId xmlns:a16="http://schemas.microsoft.com/office/drawing/2014/main" xmlns="" id="{BBE684D5-0A18-BA4A-8AA1-7553DDC193B9}"/>
+                <a16:creationId xmlns:a16="http://schemas.microsoft.com/office/drawing/2014/main" id="{BBE684D5-0A18-BA4A-8AA1-7553DDC193B9}"/>
               </a:ext>
             </a:extLst>
           </p:cNvPr>
@@ -12286,7 +12275,7 @@
           <p:cNvPr id="8" name="Gruppieren 7">
             <a:extLst>
               <a:ext uri="{FF2B5EF4-FFF2-40B4-BE49-F238E27FC236}">
-                <a16:creationId xmlns:a16="http://schemas.microsoft.com/office/drawing/2014/main" xmlns="" id="{55DEAA25-08DE-234A-9F7E-6DA95517E4AB}"/>
+                <a16:creationId xmlns:a16="http://schemas.microsoft.com/office/drawing/2014/main" id="{55DEAA25-08DE-234A-9F7E-6DA95517E4AB}"/>
               </a:ext>
             </a:extLst>
           </p:cNvPr>
@@ -12306,7 +12295,7 @@
             <p:cNvPr id="9" name="Rechteck 8">
               <a:extLst>
                 <a:ext uri="{FF2B5EF4-FFF2-40B4-BE49-F238E27FC236}">
-                  <a16:creationId xmlns:a16="http://schemas.microsoft.com/office/drawing/2014/main" xmlns="" id="{CBE4218A-6735-2946-A3C0-E23809B7CEDF}"/>
+                  <a16:creationId xmlns:a16="http://schemas.microsoft.com/office/drawing/2014/main" id="{CBE4218A-6735-2946-A3C0-E23809B7CEDF}"/>
                 </a:ext>
               </a:extLst>
             </p:cNvPr>
@@ -12457,7 +12446,7 @@
             <p:cNvPr id="10" name="Rechteck 9">
               <a:extLst>
                 <a:ext uri="{FF2B5EF4-FFF2-40B4-BE49-F238E27FC236}">
-                  <a16:creationId xmlns:a16="http://schemas.microsoft.com/office/drawing/2014/main" xmlns="" id="{5ECE2600-E242-0A47-A437-E1A9C7F07343}"/>
+                  <a16:creationId xmlns:a16="http://schemas.microsoft.com/office/drawing/2014/main" id="{5ECE2600-E242-0A47-A437-E1A9C7F07343}"/>
                 </a:ext>
               </a:extLst>
             </p:cNvPr>
@@ -12524,7 +12513,7 @@
           <p:cNvPr id="11" name="Gruppieren 10">
             <a:extLst>
               <a:ext uri="{FF2B5EF4-FFF2-40B4-BE49-F238E27FC236}">
-                <a16:creationId xmlns:a16="http://schemas.microsoft.com/office/drawing/2014/main" xmlns="" id="{2A9CBD64-DABE-DB44-8CC9-7ED3D3F42599}"/>
+                <a16:creationId xmlns:a16="http://schemas.microsoft.com/office/drawing/2014/main" id="{2A9CBD64-DABE-DB44-8CC9-7ED3D3F42599}"/>
               </a:ext>
             </a:extLst>
           </p:cNvPr>
@@ -12544,7 +12533,7 @@
             <p:cNvPr id="12" name="Rechteck 11">
               <a:extLst>
                 <a:ext uri="{FF2B5EF4-FFF2-40B4-BE49-F238E27FC236}">
-                  <a16:creationId xmlns:a16="http://schemas.microsoft.com/office/drawing/2014/main" xmlns="" id="{880AB37D-6202-FE47-84F8-2DB9C99F0992}"/>
+                  <a16:creationId xmlns:a16="http://schemas.microsoft.com/office/drawing/2014/main" id="{880AB37D-6202-FE47-84F8-2DB9C99F0992}"/>
                 </a:ext>
               </a:extLst>
             </p:cNvPr>
@@ -12734,7 +12723,7 @@
             <p:cNvPr id="13" name="Rechteck 12">
               <a:extLst>
                 <a:ext uri="{FF2B5EF4-FFF2-40B4-BE49-F238E27FC236}">
-                  <a16:creationId xmlns:a16="http://schemas.microsoft.com/office/drawing/2014/main" xmlns="" id="{6E6D6DF1-8063-C749-A415-29613D3195D5}"/>
+                  <a16:creationId xmlns:a16="http://schemas.microsoft.com/office/drawing/2014/main" id="{6E6D6DF1-8063-C749-A415-29613D3195D5}"/>
                 </a:ext>
               </a:extLst>
             </p:cNvPr>
@@ -12831,7 +12820,7 @@
           <p:cNvPr id="2" name="Titel 1">
             <a:extLst>
               <a:ext uri="{FF2B5EF4-FFF2-40B4-BE49-F238E27FC236}">
-                <a16:creationId xmlns:a16="http://schemas.microsoft.com/office/drawing/2014/main" xmlns="" id="{0E63EF50-EEA4-0D49-A35C-C36F045D035E}"/>
+                <a16:creationId xmlns:a16="http://schemas.microsoft.com/office/drawing/2014/main" id="{0E63EF50-EEA4-0D49-A35C-C36F045D035E}"/>
               </a:ext>
             </a:extLst>
           </p:cNvPr>
@@ -12876,7 +12865,7 @@
           <p:cNvPr id="5" name="Gruppieren 4">
             <a:extLst>
               <a:ext uri="{FF2B5EF4-FFF2-40B4-BE49-F238E27FC236}">
-                <a16:creationId xmlns:a16="http://schemas.microsoft.com/office/drawing/2014/main" xmlns="" id="{82067C57-47CC-BC4A-911D-C058CB8E64C1}"/>
+                <a16:creationId xmlns:a16="http://schemas.microsoft.com/office/drawing/2014/main" id="{82067C57-47CC-BC4A-911D-C058CB8E64C1}"/>
               </a:ext>
             </a:extLst>
           </p:cNvPr>
@@ -12896,7 +12885,7 @@
             <p:cNvPr id="6" name="Rechteck 5">
               <a:extLst>
                 <a:ext uri="{FF2B5EF4-FFF2-40B4-BE49-F238E27FC236}">
-                  <a16:creationId xmlns:a16="http://schemas.microsoft.com/office/drawing/2014/main" xmlns="" id="{1F74AAB6-FEC2-E040-AE2F-389C01E41200}"/>
+                  <a16:creationId xmlns:a16="http://schemas.microsoft.com/office/drawing/2014/main" id="{1F74AAB6-FEC2-E040-AE2F-389C01E41200}"/>
                 </a:ext>
               </a:extLst>
             </p:cNvPr>
@@ -13024,7 +13013,7 @@
             <p:cNvPr id="7" name="Rechteck 6">
               <a:extLst>
                 <a:ext uri="{FF2B5EF4-FFF2-40B4-BE49-F238E27FC236}">
-                  <a16:creationId xmlns:a16="http://schemas.microsoft.com/office/drawing/2014/main" xmlns="" id="{D9A91609-F78E-9C45-BCA7-7DF954BC0A1A}"/>
+                  <a16:creationId xmlns:a16="http://schemas.microsoft.com/office/drawing/2014/main" id="{D9A91609-F78E-9C45-BCA7-7DF954BC0A1A}"/>
                 </a:ext>
               </a:extLst>
             </p:cNvPr>
@@ -13083,7 +13072,7 @@
           <p:cNvPr id="8" name="Gruppieren 7">
             <a:extLst>
               <a:ext uri="{FF2B5EF4-FFF2-40B4-BE49-F238E27FC236}">
-                <a16:creationId xmlns:a16="http://schemas.microsoft.com/office/drawing/2014/main" xmlns="" id="{64401E1E-557D-5D4F-AE09-187A0802411B}"/>
+                <a16:creationId xmlns:a16="http://schemas.microsoft.com/office/drawing/2014/main" id="{64401E1E-557D-5D4F-AE09-187A0802411B}"/>
               </a:ext>
             </a:extLst>
           </p:cNvPr>
@@ -13103,7 +13092,7 @@
             <p:cNvPr id="9" name="Rechteck 8">
               <a:extLst>
                 <a:ext uri="{FF2B5EF4-FFF2-40B4-BE49-F238E27FC236}">
-                  <a16:creationId xmlns:a16="http://schemas.microsoft.com/office/drawing/2014/main" xmlns="" id="{35A0EAB9-4039-6448-AC03-B60DE38901D0}"/>
+                  <a16:creationId xmlns:a16="http://schemas.microsoft.com/office/drawing/2014/main" id="{35A0EAB9-4039-6448-AC03-B60DE38901D0}"/>
                 </a:ext>
               </a:extLst>
             </p:cNvPr>
@@ -13187,7 +13176,7 @@
             <p:cNvPr id="10" name="Rechteck 9">
               <a:extLst>
                 <a:ext uri="{FF2B5EF4-FFF2-40B4-BE49-F238E27FC236}">
-                  <a16:creationId xmlns:a16="http://schemas.microsoft.com/office/drawing/2014/main" xmlns="" id="{FCCEA108-686B-BB4F-95FB-4BCE5EB529F1}"/>
+                  <a16:creationId xmlns:a16="http://schemas.microsoft.com/office/drawing/2014/main" id="{FCCEA108-686B-BB4F-95FB-4BCE5EB529F1}"/>
                 </a:ext>
               </a:extLst>
             </p:cNvPr>
@@ -13246,7 +13235,7 @@
           <p:cNvPr id="11" name="Rechteck 10">
             <a:extLst>
               <a:ext uri="{FF2B5EF4-FFF2-40B4-BE49-F238E27FC236}">
-                <a16:creationId xmlns:a16="http://schemas.microsoft.com/office/drawing/2014/main" xmlns="" id="{96BDAF81-30A4-1E4E-959F-95E9EB7F7C7A}"/>
+                <a16:creationId xmlns:a16="http://schemas.microsoft.com/office/drawing/2014/main" id="{96BDAF81-30A4-1E4E-959F-95E9EB7F7C7A}"/>
               </a:ext>
             </a:extLst>
           </p:cNvPr>
@@ -13313,7 +13302,7 @@
           <p:cNvPr id="12" name="Rechteck 11">
             <a:extLst>
               <a:ext uri="{FF2B5EF4-FFF2-40B4-BE49-F238E27FC236}">
-                <a16:creationId xmlns:a16="http://schemas.microsoft.com/office/drawing/2014/main" xmlns="" id="{E6C50A77-89BD-8744-8E4D-4BE35B73D833}"/>
+                <a16:creationId xmlns:a16="http://schemas.microsoft.com/office/drawing/2014/main" id="{E6C50A77-89BD-8744-8E4D-4BE35B73D833}"/>
               </a:ext>
             </a:extLst>
           </p:cNvPr>
@@ -13380,7 +13369,7 @@
           <p:cNvPr id="13" name="Gruppieren 12">
             <a:extLst>
               <a:ext uri="{FF2B5EF4-FFF2-40B4-BE49-F238E27FC236}">
-                <a16:creationId xmlns:a16="http://schemas.microsoft.com/office/drawing/2014/main" xmlns="" id="{5B6A8D9F-A9F8-264C-B489-24AFD5A8596D}"/>
+                <a16:creationId xmlns:a16="http://schemas.microsoft.com/office/drawing/2014/main" id="{5B6A8D9F-A9F8-264C-B489-24AFD5A8596D}"/>
               </a:ext>
             </a:extLst>
           </p:cNvPr>
@@ -13400,7 +13389,7 @@
             <p:cNvPr id="14" name="Rechteck 13">
               <a:extLst>
                 <a:ext uri="{FF2B5EF4-FFF2-40B4-BE49-F238E27FC236}">
-                  <a16:creationId xmlns:a16="http://schemas.microsoft.com/office/drawing/2014/main" xmlns="" id="{8766CB30-3942-9E46-8CAC-FC33876B35F3}"/>
+                  <a16:creationId xmlns:a16="http://schemas.microsoft.com/office/drawing/2014/main" id="{8766CB30-3942-9E46-8CAC-FC33876B35F3}"/>
                 </a:ext>
               </a:extLst>
             </p:cNvPr>
@@ -13484,7 +13473,7 @@
             <p:cNvPr id="15" name="Rechteck 14">
               <a:extLst>
                 <a:ext uri="{FF2B5EF4-FFF2-40B4-BE49-F238E27FC236}">
-                  <a16:creationId xmlns:a16="http://schemas.microsoft.com/office/drawing/2014/main" xmlns="" id="{79F41613-6C39-9547-8B51-B50E6A35E505}"/>
+                  <a16:creationId xmlns:a16="http://schemas.microsoft.com/office/drawing/2014/main" id="{79F41613-6C39-9547-8B51-B50E6A35E505}"/>
                 </a:ext>
               </a:extLst>
             </p:cNvPr>
@@ -13543,7 +13532,7 @@
           <p:cNvPr id="16" name="Gruppieren 15">
             <a:extLst>
               <a:ext uri="{FF2B5EF4-FFF2-40B4-BE49-F238E27FC236}">
-                <a16:creationId xmlns:a16="http://schemas.microsoft.com/office/drawing/2014/main" xmlns="" id="{3EAAE737-A1E8-BD49-A661-00C0D54A60DD}"/>
+                <a16:creationId xmlns:a16="http://schemas.microsoft.com/office/drawing/2014/main" id="{3EAAE737-A1E8-BD49-A661-00C0D54A60DD}"/>
               </a:ext>
             </a:extLst>
           </p:cNvPr>
@@ -13563,7 +13552,7 @@
             <p:cNvPr id="17" name="Rechteck 16">
               <a:extLst>
                 <a:ext uri="{FF2B5EF4-FFF2-40B4-BE49-F238E27FC236}">
-                  <a16:creationId xmlns:a16="http://schemas.microsoft.com/office/drawing/2014/main" xmlns="" id="{A12CF216-7A5B-B546-8D15-3FFD047539D4}"/>
+                  <a16:creationId xmlns:a16="http://schemas.microsoft.com/office/drawing/2014/main" id="{A12CF216-7A5B-B546-8D15-3FFD047539D4}"/>
                 </a:ext>
               </a:extLst>
             </p:cNvPr>
@@ -13661,7 +13650,7 @@
             <p:cNvPr id="18" name="Rechteck 17">
               <a:extLst>
                 <a:ext uri="{FF2B5EF4-FFF2-40B4-BE49-F238E27FC236}">
-                  <a16:creationId xmlns:a16="http://schemas.microsoft.com/office/drawing/2014/main" xmlns="" id="{91008A0C-F66B-104F-B3C9-118DB994F72D}"/>
+                  <a16:creationId xmlns:a16="http://schemas.microsoft.com/office/drawing/2014/main" id="{91008A0C-F66B-104F-B3C9-118DB994F72D}"/>
                 </a:ext>
               </a:extLst>
             </p:cNvPr>
@@ -14728,7 +14717,7 @@
             <p:cNvPr id="24" name="Rechteck 23">
               <a:extLst>
                 <a:ext uri="{FF2B5EF4-FFF2-40B4-BE49-F238E27FC236}">
-                  <a16:creationId xmlns:a16="http://schemas.microsoft.com/office/drawing/2014/main" xmlns="" id="{FCCEA108-686B-BB4F-95FB-4BCE5EB529F1}"/>
+                  <a16:creationId xmlns:a16="http://schemas.microsoft.com/office/drawing/2014/main" id="{FCCEA108-686B-BB4F-95FB-4BCE5EB529F1}"/>
                 </a:ext>
               </a:extLst>
             </p:cNvPr>
@@ -14787,7 +14776,7 @@
           <p:cNvPr id="7" name="Gruppieren 6" hidden="1">
             <a:extLst>
               <a:ext uri="{FF2B5EF4-FFF2-40B4-BE49-F238E27FC236}">
-                <a16:creationId xmlns:a16="http://schemas.microsoft.com/office/drawing/2014/main" xmlns="" id="{4524C733-E4A0-094C-8136-9DE1ABF03809}"/>
+                <a16:creationId xmlns:a16="http://schemas.microsoft.com/office/drawing/2014/main" id="{4524C733-E4A0-094C-8136-9DE1ABF03809}"/>
               </a:ext>
             </a:extLst>
           </p:cNvPr>
@@ -14882,7 +14871,7 @@
             <p:cNvPr id="25" name="Rechteck 24">
               <a:extLst>
                 <a:ext uri="{FF2B5EF4-FFF2-40B4-BE49-F238E27FC236}">
-                  <a16:creationId xmlns:a16="http://schemas.microsoft.com/office/drawing/2014/main" xmlns="" id="{FCCEA108-686B-BB4F-95FB-4BCE5EB529F1}"/>
+                  <a16:creationId xmlns:a16="http://schemas.microsoft.com/office/drawing/2014/main" id="{FCCEA108-686B-BB4F-95FB-4BCE5EB529F1}"/>
                 </a:ext>
               </a:extLst>
             </p:cNvPr>
@@ -14941,7 +14930,7 @@
           <p:cNvPr id="8" name="Gruppieren 7" hidden="1">
             <a:extLst>
               <a:ext uri="{FF2B5EF4-FFF2-40B4-BE49-F238E27FC236}">
-                <a16:creationId xmlns:a16="http://schemas.microsoft.com/office/drawing/2014/main" xmlns="" id="{6A103FCA-854C-C04E-BB87-A0BCEB37CB2A}"/>
+                <a16:creationId xmlns:a16="http://schemas.microsoft.com/office/drawing/2014/main" id="{6A103FCA-854C-C04E-BB87-A0BCEB37CB2A}"/>
               </a:ext>
             </a:extLst>
           </p:cNvPr>
@@ -15036,7 +15025,7 @@
             <p:cNvPr id="26" name="Rechteck 25">
               <a:extLst>
                 <a:ext uri="{FF2B5EF4-FFF2-40B4-BE49-F238E27FC236}">
-                  <a16:creationId xmlns:a16="http://schemas.microsoft.com/office/drawing/2014/main" xmlns="" id="{FCCEA108-686B-BB4F-95FB-4BCE5EB529F1}"/>
+                  <a16:creationId xmlns:a16="http://schemas.microsoft.com/office/drawing/2014/main" id="{FCCEA108-686B-BB4F-95FB-4BCE5EB529F1}"/>
                 </a:ext>
               </a:extLst>
             </p:cNvPr>
@@ -15095,7 +15084,7 @@
           <p:cNvPr id="30" name="Gruppieren 29">
             <a:extLst>
               <a:ext uri="{FF2B5EF4-FFF2-40B4-BE49-F238E27FC236}">
-                <a16:creationId xmlns:a16="http://schemas.microsoft.com/office/drawing/2014/main" xmlns="" id="{64401E1E-557D-5D4F-AE09-187A0802411B}"/>
+                <a16:creationId xmlns:a16="http://schemas.microsoft.com/office/drawing/2014/main" id="{64401E1E-557D-5D4F-AE09-187A0802411B}"/>
               </a:ext>
             </a:extLst>
           </p:cNvPr>
@@ -15115,7 +15104,7 @@
             <p:cNvPr id="31" name="Rechteck 30">
               <a:extLst>
                 <a:ext uri="{FF2B5EF4-FFF2-40B4-BE49-F238E27FC236}">
-                  <a16:creationId xmlns:a16="http://schemas.microsoft.com/office/drawing/2014/main" xmlns="" id="{35A0EAB9-4039-6448-AC03-B60DE38901D0}"/>
+                  <a16:creationId xmlns:a16="http://schemas.microsoft.com/office/drawing/2014/main" id="{35A0EAB9-4039-6448-AC03-B60DE38901D0}"/>
                 </a:ext>
               </a:extLst>
             </p:cNvPr>
@@ -15158,7 +15147,7 @@
                 <a:buFont typeface="Arial" panose="020B0604020202020204" pitchFamily="34" charset="0"/>
                 <a:buChar char="•"/>
               </a:pPr>
-              <a:endParaRPr lang="de-DE" sz="1600" dirty="0" smtClean="0">
+              <a:endParaRPr lang="de-DE" sz="1600" dirty="0">
                 <a:solidFill>
                   <a:schemeClr val="tx1"/>
                 </a:solidFill>
@@ -15170,20 +15159,12 @@
                 <a:buChar char="•"/>
               </a:pPr>
               <a:r>
-                <a:rPr lang="de-DE" sz="1600" dirty="0" smtClean="0">
+                <a:rPr lang="de-DE" sz="1600" dirty="0">
                   <a:solidFill>
                     <a:schemeClr val="tx1"/>
                   </a:solidFill>
                 </a:rPr>
-                <a:t>Dauer </a:t>
-              </a:r>
-              <a:r>
-                <a:rPr lang="de-DE" sz="1600" dirty="0">
-                  <a:solidFill>
-                    <a:schemeClr val="tx1"/>
-                  </a:solidFill>
-                </a:rPr>
-                <a:t>der Wartung: 2 Tage</a:t>
+                <a:t>Dauer der Wartung: 2 Tage</a:t>
               </a:r>
             </a:p>
             <a:p>
@@ -15217,20 +15198,12 @@
                 <a:buChar char="•"/>
               </a:pPr>
               <a:r>
-                <a:rPr lang="de-DE" sz="1600" dirty="0" smtClean="0">
+                <a:rPr lang="de-DE" sz="1600" dirty="0">
                   <a:solidFill>
                     <a:schemeClr val="tx1"/>
                   </a:solidFill>
                 </a:rPr>
-                <a:t>Max. </a:t>
-              </a:r>
-              <a:r>
-                <a:rPr lang="de-DE" sz="1600" dirty="0">
-                  <a:solidFill>
-                    <a:schemeClr val="tx1"/>
-                  </a:solidFill>
-                </a:rPr>
-                <a:t>Stillstandzeit:</a:t>
+                <a:t>Max. Stillstandzeit:</a:t>
               </a:r>
               <a:br>
                 <a:rPr lang="de-DE" sz="1600" dirty="0">
@@ -15295,15 +15268,7 @@
                     <a:schemeClr val="tx1"/>
                   </a:solidFill>
                 </a:rPr>
-                <a:t>Was ist die beste Lösung</a:t>
-              </a:r>
-              <a:r>
-                <a:rPr lang="de-DE" sz="1600" dirty="0" smtClean="0">
-                  <a:solidFill>
-                    <a:schemeClr val="tx1"/>
-                  </a:solidFill>
-                </a:rPr>
-                <a:t>?</a:t>
+                <a:t>Was ist die beste Lösung?</a:t>
               </a:r>
             </a:p>
             <a:p>
@@ -15312,7 +15277,7 @@
                 <a:buChar char="•"/>
               </a:pPr>
               <a:r>
-                <a:rPr lang="de-DE" sz="1600" dirty="0" smtClean="0">
+                <a:rPr lang="de-DE" sz="1600" dirty="0">
                   <a:solidFill>
                     <a:schemeClr val="tx1"/>
                   </a:solidFill>
@@ -15326,7 +15291,7 @@
                 <a:buChar char="•"/>
               </a:pPr>
               <a:r>
-                <a:rPr lang="de-DE" sz="1600" dirty="0" smtClean="0">
+                <a:rPr lang="de-DE" sz="1600" dirty="0">
                   <a:solidFill>
                     <a:schemeClr val="tx1"/>
                   </a:solidFill>
@@ -15340,18 +15305,13 @@
                 <a:buChar char="•"/>
               </a:pPr>
               <a:r>
-                <a:rPr lang="de-DE" sz="1600" dirty="0" smtClean="0">
+                <a:rPr lang="de-DE" sz="1600" dirty="0">
                   <a:solidFill>
                     <a:schemeClr val="tx1"/>
                   </a:solidFill>
                 </a:rPr>
                 <a:t>Wartung aufschieben</a:t>
               </a:r>
-              <a:endParaRPr lang="de-DE" sz="1600" dirty="0">
-                <a:solidFill>
-                  <a:schemeClr val="tx1"/>
-                </a:solidFill>
-              </a:endParaRPr>
             </a:p>
           </p:txBody>
         </p:sp>
@@ -15360,7 +15320,7 @@
             <p:cNvPr id="32" name="Rechteck 31">
               <a:extLst>
                 <a:ext uri="{FF2B5EF4-FFF2-40B4-BE49-F238E27FC236}">
-                  <a16:creationId xmlns:a16="http://schemas.microsoft.com/office/drawing/2014/main" xmlns="" id="{FCCEA108-686B-BB4F-95FB-4BCE5EB529F1}"/>
+                  <a16:creationId xmlns:a16="http://schemas.microsoft.com/office/drawing/2014/main" id="{FCCEA108-686B-BB4F-95FB-4BCE5EB529F1}"/>
                 </a:ext>
               </a:extLst>
             </p:cNvPr>
@@ -15462,7 +15422,7 @@
           <p:cNvPr id="2" name="Titel 1">
             <a:extLst>
               <a:ext uri="{FF2B5EF4-FFF2-40B4-BE49-F238E27FC236}">
-                <a16:creationId xmlns:a16="http://schemas.microsoft.com/office/drawing/2014/main" xmlns="" id="{486C50CA-1F3A-EF43-9380-876C137AD8EC}"/>
+                <a16:creationId xmlns:a16="http://schemas.microsoft.com/office/drawing/2014/main" id="{486C50CA-1F3A-EF43-9380-876C137AD8EC}"/>
               </a:ext>
             </a:extLst>
           </p:cNvPr>
@@ -15490,7 +15450,7 @@
           <p:cNvPr id="3" name="Inhaltsplatzhalter 2">
             <a:extLst>
               <a:ext uri="{FF2B5EF4-FFF2-40B4-BE49-F238E27FC236}">
-                <a16:creationId xmlns:a16="http://schemas.microsoft.com/office/drawing/2014/main" xmlns="" id="{ABD8A889-EFEB-F24E-8415-CFB9A520769E}"/>
+                <a16:creationId xmlns:a16="http://schemas.microsoft.com/office/drawing/2014/main" id="{ABD8A889-EFEB-F24E-8415-CFB9A520769E}"/>
               </a:ext>
             </a:extLst>
           </p:cNvPr>
@@ -19382,7 +19342,7 @@
           <p:cNvPr id="12" name="Gruppieren 11">
             <a:extLst>
               <a:ext uri="{FF2B5EF4-FFF2-40B4-BE49-F238E27FC236}">
-                <a16:creationId xmlns:a16="http://schemas.microsoft.com/office/drawing/2014/main" xmlns="" id="{EA0A8815-E75B-6046-B394-2A918B180A1D}"/>
+                <a16:creationId xmlns:a16="http://schemas.microsoft.com/office/drawing/2014/main" id="{EA0A8815-E75B-6046-B394-2A918B180A1D}"/>
               </a:ext>
             </a:extLst>
           </p:cNvPr>
@@ -19402,7 +19362,7 @@
             <p:cNvPr id="13" name="Rechteck 12">
               <a:extLst>
                 <a:ext uri="{FF2B5EF4-FFF2-40B4-BE49-F238E27FC236}">
-                  <a16:creationId xmlns:a16="http://schemas.microsoft.com/office/drawing/2014/main" xmlns="" id="{C6DACD2C-9288-2743-8000-2D2B960374D2}"/>
+                  <a16:creationId xmlns:a16="http://schemas.microsoft.com/office/drawing/2014/main" id="{C6DACD2C-9288-2743-8000-2D2B960374D2}"/>
                 </a:ext>
               </a:extLst>
             </p:cNvPr>
@@ -19494,7 +19454,7 @@
             <p:cNvPr id="14" name="Rechteck 13">
               <a:extLst>
                 <a:ext uri="{FF2B5EF4-FFF2-40B4-BE49-F238E27FC236}">
-                  <a16:creationId xmlns:a16="http://schemas.microsoft.com/office/drawing/2014/main" xmlns="" id="{8A961849-3F67-574C-9B6D-E3BC3038B489}"/>
+                  <a16:creationId xmlns:a16="http://schemas.microsoft.com/office/drawing/2014/main" id="{8A961849-3F67-574C-9B6D-E3BC3038B489}"/>
                 </a:ext>
               </a:extLst>
             </p:cNvPr>
@@ -19553,7 +19513,7 @@
           <p:cNvPr id="15" name="Gruppieren 14">
             <a:extLst>
               <a:ext uri="{FF2B5EF4-FFF2-40B4-BE49-F238E27FC236}">
-                <a16:creationId xmlns:a16="http://schemas.microsoft.com/office/drawing/2014/main" xmlns="" id="{A88F0E40-A3C2-8A49-B01C-D43BDE29765D}"/>
+                <a16:creationId xmlns:a16="http://schemas.microsoft.com/office/drawing/2014/main" id="{A88F0E40-A3C2-8A49-B01C-D43BDE29765D}"/>
               </a:ext>
             </a:extLst>
           </p:cNvPr>
@@ -19573,7 +19533,7 @@
             <p:cNvPr id="16" name="Rechteck 15">
               <a:extLst>
                 <a:ext uri="{FF2B5EF4-FFF2-40B4-BE49-F238E27FC236}">
-                  <a16:creationId xmlns:a16="http://schemas.microsoft.com/office/drawing/2014/main" xmlns="" id="{18E7CC15-3520-4B45-A599-D8A2FCD6071C}"/>
+                  <a16:creationId xmlns:a16="http://schemas.microsoft.com/office/drawing/2014/main" id="{18E7CC15-3520-4B45-A599-D8A2FCD6071C}"/>
                 </a:ext>
               </a:extLst>
             </p:cNvPr>
@@ -19768,7 +19728,7 @@
             <p:cNvPr id="17" name="Rechteck 16">
               <a:extLst>
                 <a:ext uri="{FF2B5EF4-FFF2-40B4-BE49-F238E27FC236}">
-                  <a16:creationId xmlns:a16="http://schemas.microsoft.com/office/drawing/2014/main" xmlns="" id="{9CA4E624-C249-DD44-95E5-805EF9DA78B4}"/>
+                  <a16:creationId xmlns:a16="http://schemas.microsoft.com/office/drawing/2014/main" id="{9CA4E624-C249-DD44-95E5-805EF9DA78B4}"/>
                 </a:ext>
               </a:extLst>
             </p:cNvPr>
@@ -19827,7 +19787,7 @@
           <p:cNvPr id="18" name="Gruppieren 17">
             <a:extLst>
               <a:ext uri="{FF2B5EF4-FFF2-40B4-BE49-F238E27FC236}">
-                <a16:creationId xmlns:a16="http://schemas.microsoft.com/office/drawing/2014/main" xmlns="" id="{14C33807-8E01-ED45-97CC-799667FE8E29}"/>
+                <a16:creationId xmlns:a16="http://schemas.microsoft.com/office/drawing/2014/main" id="{14C33807-8E01-ED45-97CC-799667FE8E29}"/>
               </a:ext>
             </a:extLst>
           </p:cNvPr>
@@ -19847,7 +19807,7 @@
             <p:cNvPr id="19" name="Rechteck 18">
               <a:extLst>
                 <a:ext uri="{FF2B5EF4-FFF2-40B4-BE49-F238E27FC236}">
-                  <a16:creationId xmlns:a16="http://schemas.microsoft.com/office/drawing/2014/main" xmlns="" id="{ADE0619D-3F85-424E-9F9E-D202B0D54706}"/>
+                  <a16:creationId xmlns:a16="http://schemas.microsoft.com/office/drawing/2014/main" id="{ADE0619D-3F85-424E-9F9E-D202B0D54706}"/>
                 </a:ext>
               </a:extLst>
             </p:cNvPr>
@@ -20040,7 +20000,7 @@
             <p:cNvPr id="20" name="Rechteck 19">
               <a:extLst>
                 <a:ext uri="{FF2B5EF4-FFF2-40B4-BE49-F238E27FC236}">
-                  <a16:creationId xmlns:a16="http://schemas.microsoft.com/office/drawing/2014/main" xmlns="" id="{C56BD12A-0269-3F42-B860-ADC924159D2D}"/>
+                  <a16:creationId xmlns:a16="http://schemas.microsoft.com/office/drawing/2014/main" id="{C56BD12A-0269-3F42-B860-ADC924159D2D}"/>
                 </a:ext>
               </a:extLst>
             </p:cNvPr>
@@ -20151,7 +20111,7 @@
           <p:cNvPr id="4" name="Gruppieren 3">
             <a:extLst>
               <a:ext uri="{FF2B5EF4-FFF2-40B4-BE49-F238E27FC236}">
-                <a16:creationId xmlns:a16="http://schemas.microsoft.com/office/drawing/2014/main" xmlns="" id="{64401E1E-557D-5D4F-AE09-187A0802411B}"/>
+                <a16:creationId xmlns:a16="http://schemas.microsoft.com/office/drawing/2014/main" id="{64401E1E-557D-5D4F-AE09-187A0802411B}"/>
               </a:ext>
             </a:extLst>
           </p:cNvPr>
@@ -20171,7 +20131,7 @@
             <p:cNvPr id="5" name="Rechteck 4">
               <a:extLst>
                 <a:ext uri="{FF2B5EF4-FFF2-40B4-BE49-F238E27FC236}">
-                  <a16:creationId xmlns:a16="http://schemas.microsoft.com/office/drawing/2014/main" xmlns="" id="{35A0EAB9-4039-6448-AC03-B60DE38901D0}"/>
+                  <a16:creationId xmlns:a16="http://schemas.microsoft.com/office/drawing/2014/main" id="{35A0EAB9-4039-6448-AC03-B60DE38901D0}"/>
                 </a:ext>
               </a:extLst>
             </p:cNvPr>
@@ -20254,7 +20214,7 @@
                 <a:buChar char="•"/>
               </a:pPr>
               <a:r>
-                <a:rPr lang="de-DE" sz="1600" dirty="0" smtClean="0">
+                <a:rPr lang="de-DE" sz="1600" dirty="0">
                   <a:solidFill>
                     <a:schemeClr val="tx1"/>
                   </a:solidFill>
@@ -20262,7 +20222,7 @@
                 <a:t>Modes, </a:t>
               </a:r>
               <a:r>
-                <a:rPr lang="de-DE" sz="1600" dirty="0" err="1" smtClean="0">
+                <a:rPr lang="de-DE" sz="1600" dirty="0" err="1">
                   <a:solidFill>
                     <a:schemeClr val="tx1"/>
                   </a:solidFill>
@@ -20270,7 +20230,7 @@
                 <a:t>Procedures</a:t>
               </a:r>
               <a:r>
-                <a:rPr lang="de-DE" sz="1600" dirty="0" smtClean="0">
+                <a:rPr lang="de-DE" sz="1600" dirty="0">
                   <a:solidFill>
                     <a:schemeClr val="tx1"/>
                   </a:solidFill>
@@ -20278,14 +20238,14 @@
                 <a:t>, </a:t>
               </a:r>
               <a:r>
-                <a:rPr lang="de-DE" sz="1600" dirty="0" err="1" smtClean="0">
+                <a:rPr lang="de-DE" sz="1600" dirty="0" err="1">
                   <a:solidFill>
                     <a:schemeClr val="tx1"/>
                   </a:solidFill>
                 </a:rPr>
                 <a:t>Steps</a:t>
               </a:r>
-              <a:endParaRPr lang="de-DE" sz="1600" dirty="0" smtClean="0">
+              <a:endParaRPr lang="de-DE" sz="1600" dirty="0">
                 <a:solidFill>
                   <a:schemeClr val="tx1"/>
                 </a:solidFill>
@@ -20297,7 +20257,7 @@
                 <a:buChar char="•"/>
               </a:pPr>
               <a:r>
-                <a:rPr lang="de-DE" sz="1600" dirty="0" err="1" smtClean="0">
+                <a:rPr lang="de-DE" sz="1600" dirty="0" err="1">
                   <a:solidFill>
                     <a:schemeClr val="tx1"/>
                   </a:solidFill>
@@ -20399,18 +20359,13 @@
                 <a:buChar char="•"/>
               </a:pPr>
               <a:r>
-                <a:rPr lang="de-DE" sz="1600" dirty="0" smtClean="0">
+                <a:rPr lang="de-DE" sz="1600" dirty="0">
                   <a:solidFill>
                     <a:schemeClr val="tx1"/>
                   </a:solidFill>
                 </a:rPr>
                 <a:t>KPIs</a:t>
               </a:r>
-              <a:endParaRPr lang="de-DE" sz="1600" dirty="0">
-                <a:solidFill>
-                  <a:schemeClr val="tx1"/>
-                </a:solidFill>
-              </a:endParaRPr>
             </a:p>
             <a:p>
               <a:pPr marL="285750" indent="-285750">
@@ -20433,7 +20388,7 @@
             <p:cNvPr id="6" name="Rechteck 5">
               <a:extLst>
                 <a:ext uri="{FF2B5EF4-FFF2-40B4-BE49-F238E27FC236}">
-                  <a16:creationId xmlns:a16="http://schemas.microsoft.com/office/drawing/2014/main" xmlns="" id="{FCCEA108-686B-BB4F-95FB-4BCE5EB529F1}"/>
+                  <a16:creationId xmlns:a16="http://schemas.microsoft.com/office/drawing/2014/main" id="{FCCEA108-686B-BB4F-95FB-4BCE5EB529F1}"/>
                 </a:ext>
               </a:extLst>
             </p:cNvPr>
@@ -20588,7 +20543,7 @@
           <p:cNvPr id="11" name="Gruppieren 10">
             <a:extLst>
               <a:ext uri="{FF2B5EF4-FFF2-40B4-BE49-F238E27FC236}">
-                <a16:creationId xmlns:a16="http://schemas.microsoft.com/office/drawing/2014/main" xmlns="" id="{64401E1E-557D-5D4F-AE09-187A0802411B}"/>
+                <a16:creationId xmlns:a16="http://schemas.microsoft.com/office/drawing/2014/main" id="{64401E1E-557D-5D4F-AE09-187A0802411B}"/>
               </a:ext>
             </a:extLst>
           </p:cNvPr>
@@ -20608,7 +20563,7 @@
             <p:cNvPr id="12" name="Rechteck 11">
               <a:extLst>
                 <a:ext uri="{FF2B5EF4-FFF2-40B4-BE49-F238E27FC236}">
-                  <a16:creationId xmlns:a16="http://schemas.microsoft.com/office/drawing/2014/main" xmlns="" id="{35A0EAB9-4039-6448-AC03-B60DE38901D0}"/>
+                  <a16:creationId xmlns:a16="http://schemas.microsoft.com/office/drawing/2014/main" id="{35A0EAB9-4039-6448-AC03-B60DE38901D0}"/>
                 </a:ext>
               </a:extLst>
             </p:cNvPr>
@@ -20792,7 +20747,7 @@
             <p:cNvPr id="13" name="Rechteck 12">
               <a:extLst>
                 <a:ext uri="{FF2B5EF4-FFF2-40B4-BE49-F238E27FC236}">
-                  <a16:creationId xmlns:a16="http://schemas.microsoft.com/office/drawing/2014/main" xmlns="" id="{FCCEA108-686B-BB4F-95FB-4BCE5EB529F1}"/>
+                  <a16:creationId xmlns:a16="http://schemas.microsoft.com/office/drawing/2014/main" id="{FCCEA108-686B-BB4F-95FB-4BCE5EB529F1}"/>
                 </a:ext>
               </a:extLst>
             </p:cNvPr>
@@ -20851,7 +20806,7 @@
           <p:cNvPr id="14" name="Gruppieren 13">
             <a:extLst>
               <a:ext uri="{FF2B5EF4-FFF2-40B4-BE49-F238E27FC236}">
-                <a16:creationId xmlns:a16="http://schemas.microsoft.com/office/drawing/2014/main" xmlns="" id="{64401E1E-557D-5D4F-AE09-187A0802411B}"/>
+                <a16:creationId xmlns:a16="http://schemas.microsoft.com/office/drawing/2014/main" id="{64401E1E-557D-5D4F-AE09-187A0802411B}"/>
               </a:ext>
             </a:extLst>
           </p:cNvPr>
@@ -20871,7 +20826,7 @@
             <p:cNvPr id="15" name="Rechteck 14">
               <a:extLst>
                 <a:ext uri="{FF2B5EF4-FFF2-40B4-BE49-F238E27FC236}">
-                  <a16:creationId xmlns:a16="http://schemas.microsoft.com/office/drawing/2014/main" xmlns="" id="{35A0EAB9-4039-6448-AC03-B60DE38901D0}"/>
+                  <a16:creationId xmlns:a16="http://schemas.microsoft.com/office/drawing/2014/main" id="{35A0EAB9-4039-6448-AC03-B60DE38901D0}"/>
                 </a:ext>
               </a:extLst>
             </p:cNvPr>
@@ -21022,7 +20977,7 @@
             <p:cNvPr id="16" name="Rechteck 15">
               <a:extLst>
                 <a:ext uri="{FF2B5EF4-FFF2-40B4-BE49-F238E27FC236}">
-                  <a16:creationId xmlns:a16="http://schemas.microsoft.com/office/drawing/2014/main" xmlns="" id="{FCCEA108-686B-BB4F-95FB-4BCE5EB529F1}"/>
+                  <a16:creationId xmlns:a16="http://schemas.microsoft.com/office/drawing/2014/main" id="{FCCEA108-686B-BB4F-95FB-4BCE5EB529F1}"/>
                 </a:ext>
               </a:extLst>
             </p:cNvPr>
@@ -21122,7 +21077,11 @@
           <a:lstStyle/>
           <a:p>
             <a:r>
-              <a:rPr lang="de-DE" dirty="0"/>
+              <a:rPr lang="de-DE" dirty="0">
+                <a:solidFill>
+                  <a:srgbClr val="000000"/>
+                </a:solidFill>
+              </a:rPr>
               <a:t>Nutzer unterstützen</a:t>
             </a:r>
           </a:p>
@@ -21133,7 +21092,7 @@
           <p:cNvPr id="4" name="Gruppieren 3">
             <a:extLst>
               <a:ext uri="{FF2B5EF4-FFF2-40B4-BE49-F238E27FC236}">
-                <a16:creationId xmlns:a16="http://schemas.microsoft.com/office/drawing/2014/main" xmlns="" id="{64401E1E-557D-5D4F-AE09-187A0802411B}"/>
+                <a16:creationId xmlns:a16="http://schemas.microsoft.com/office/drawing/2014/main" id="{64401E1E-557D-5D4F-AE09-187A0802411B}"/>
               </a:ext>
             </a:extLst>
           </p:cNvPr>
@@ -21153,7 +21112,7 @@
             <p:cNvPr id="5" name="Rechteck 4">
               <a:extLst>
                 <a:ext uri="{FF2B5EF4-FFF2-40B4-BE49-F238E27FC236}">
-                  <a16:creationId xmlns:a16="http://schemas.microsoft.com/office/drawing/2014/main" xmlns="" id="{35A0EAB9-4039-6448-AC03-B60DE38901D0}"/>
+                  <a16:creationId xmlns:a16="http://schemas.microsoft.com/office/drawing/2014/main" id="{35A0EAB9-4039-6448-AC03-B60DE38901D0}"/>
                 </a:ext>
               </a:extLst>
             </p:cNvPr>
@@ -21171,6 +21130,11 @@
             <a:solidFill>
               <a:schemeClr val="bg1"/>
             </a:solidFill>
+            <a:ln>
+              <a:solidFill>
+                <a:srgbClr val="000000"/>
+              </a:solidFill>
+            </a:ln>
           </p:spPr>
           <p:style>
             <a:lnRef idx="2">
@@ -21199,7 +21163,7 @@
               <a:r>
                 <a:rPr lang="de-DE" dirty="0">
                   <a:solidFill>
-                    <a:schemeClr val="tx1"/>
+                    <a:srgbClr val="000000"/>
                   </a:solidFill>
                 </a:rPr>
                 <a:t>Zeitdruck</a:t>
@@ -21213,7 +21177,7 @@
               <a:r>
                 <a:rPr lang="de-DE" dirty="0">
                   <a:solidFill>
-                    <a:schemeClr val="tx1"/>
+                    <a:srgbClr val="000000"/>
                   </a:solidFill>
                 </a:rPr>
                 <a:t>Bis wann muss das Problem gelöst sein?</a:t>
@@ -21226,7 +21190,7 @@
               </a:pPr>
               <a:endParaRPr lang="de-DE" dirty="0">
                 <a:solidFill>
-                  <a:schemeClr val="tx1"/>
+                  <a:srgbClr val="000000"/>
                 </a:solidFill>
               </a:endParaRPr>
             </a:p>
@@ -21238,7 +21202,7 @@
               <a:r>
                 <a:rPr lang="de-DE" dirty="0">
                   <a:solidFill>
-                    <a:schemeClr val="tx1"/>
+                    <a:srgbClr val="000000"/>
                   </a:solidFill>
                 </a:rPr>
                 <a:t>Komplexität</a:t>
@@ -21252,7 +21216,7 @@
               <a:r>
                 <a:rPr lang="de-DE" dirty="0">
                   <a:solidFill>
-                    <a:schemeClr val="tx1"/>
+                    <a:srgbClr val="000000"/>
                   </a:solidFill>
                 </a:rPr>
                 <a:t>Ist das Problem einfach oder schwer zu lösen?</a:t>
@@ -21265,7 +21229,7 @@
               </a:pPr>
               <a:endParaRPr lang="de-DE" dirty="0">
                 <a:solidFill>
-                  <a:schemeClr val="tx1"/>
+                  <a:srgbClr val="000000"/>
                 </a:solidFill>
               </a:endParaRPr>
             </a:p>
@@ -21277,7 +21241,7 @@
               <a:r>
                 <a:rPr lang="de-DE" dirty="0">
                   <a:solidFill>
-                    <a:schemeClr val="tx1"/>
+                    <a:srgbClr val="000000"/>
                   </a:solidFill>
                 </a:rPr>
                 <a:t>Bereich</a:t>
@@ -21289,18 +21253,13 @@
                 <a:buChar char="•"/>
               </a:pPr>
               <a:r>
-                <a:rPr lang="de-DE" dirty="0" smtClean="0">
-                  <a:solidFill>
-                    <a:schemeClr val="tx1"/>
+                <a:rPr lang="de-DE" dirty="0">
+                  <a:solidFill>
+                    <a:srgbClr val="000000"/>
                   </a:solidFill>
                 </a:rPr>
                 <a:t>Wurde das Problem durch ein Service, das Modul oder das Rezept ausgelöst?</a:t>
               </a:r>
-              <a:endParaRPr lang="de-DE" dirty="0">
-                <a:solidFill>
-                  <a:schemeClr val="tx1"/>
-                </a:solidFill>
-              </a:endParaRPr>
             </a:p>
             <a:p>
               <a:pPr marL="285750" indent="-285750">
@@ -21309,7 +21268,7 @@
               </a:pPr>
               <a:endParaRPr lang="de-DE" dirty="0">
                 <a:solidFill>
-                  <a:schemeClr val="tx1"/>
+                  <a:srgbClr val="000000"/>
                 </a:solidFill>
               </a:endParaRPr>
             </a:p>
@@ -21320,7 +21279,7 @@
             <p:cNvPr id="6" name="Rechteck 5">
               <a:extLst>
                 <a:ext uri="{FF2B5EF4-FFF2-40B4-BE49-F238E27FC236}">
-                  <a16:creationId xmlns:a16="http://schemas.microsoft.com/office/drawing/2014/main" xmlns="" id="{FCCEA108-686B-BB4F-95FB-4BCE5EB529F1}"/>
+                  <a16:creationId xmlns:a16="http://schemas.microsoft.com/office/drawing/2014/main" id="{FCCEA108-686B-BB4F-95FB-4BCE5EB529F1}"/>
                 </a:ext>
               </a:extLst>
             </p:cNvPr>
@@ -21365,7 +21324,7 @@
               <a:r>
                 <a:rPr lang="de-DE" b="1" dirty="0">
                   <a:solidFill>
-                    <a:schemeClr val="accent4"/>
+                    <a:srgbClr val="000000"/>
                   </a:solidFill>
                 </a:rPr>
                 <a:t>Probleme unterscheiden</a:t>
@@ -21379,7 +21338,7 @@
           <p:cNvPr id="7" name="Gruppieren 6">
             <a:extLst>
               <a:ext uri="{FF2B5EF4-FFF2-40B4-BE49-F238E27FC236}">
-                <a16:creationId xmlns:a16="http://schemas.microsoft.com/office/drawing/2014/main" xmlns="" id="{64401E1E-557D-5D4F-AE09-187A0802411B}"/>
+                <a16:creationId xmlns:a16="http://schemas.microsoft.com/office/drawing/2014/main" id="{64401E1E-557D-5D4F-AE09-187A0802411B}"/>
               </a:ext>
             </a:extLst>
           </p:cNvPr>
@@ -21399,7 +21358,7 @@
             <p:cNvPr id="8" name="Rechteck 7">
               <a:extLst>
                 <a:ext uri="{FF2B5EF4-FFF2-40B4-BE49-F238E27FC236}">
-                  <a16:creationId xmlns:a16="http://schemas.microsoft.com/office/drawing/2014/main" xmlns="" id="{35A0EAB9-4039-6448-AC03-B60DE38901D0}"/>
+                  <a16:creationId xmlns:a16="http://schemas.microsoft.com/office/drawing/2014/main" id="{35A0EAB9-4039-6448-AC03-B60DE38901D0}"/>
                 </a:ext>
               </a:extLst>
             </p:cNvPr>
@@ -21417,6 +21376,11 @@
             <a:solidFill>
               <a:schemeClr val="bg1"/>
             </a:solidFill>
+            <a:ln>
+              <a:solidFill>
+                <a:srgbClr val="000000"/>
+              </a:solidFill>
+            </a:ln>
           </p:spPr>
           <p:style>
             <a:lnRef idx="2">
@@ -21445,7 +21409,7 @@
               <a:r>
                 <a:rPr lang="de-DE" dirty="0">
                   <a:solidFill>
-                    <a:schemeClr val="tx1"/>
+                    <a:srgbClr val="000000"/>
                   </a:solidFill>
                 </a:rPr>
                 <a:t>Menschen nicht unterfordern</a:t>
@@ -21458,7 +21422,7 @@
               </a:pPr>
               <a:endParaRPr lang="de-DE" dirty="0">
                 <a:solidFill>
-                  <a:schemeClr val="tx1"/>
+                  <a:srgbClr val="000000"/>
                 </a:solidFill>
               </a:endParaRPr>
             </a:p>
@@ -21469,7 +21433,7 @@
               </a:pPr>
               <a:endParaRPr lang="de-DE" dirty="0">
                 <a:solidFill>
-                  <a:schemeClr val="tx1"/>
+                  <a:srgbClr val="000000"/>
                 </a:solidFill>
               </a:endParaRPr>
             </a:p>
@@ -21481,7 +21445,7 @@
               <a:r>
                 <a:rPr lang="de-DE" dirty="0">
                   <a:solidFill>
-                    <a:schemeClr val="tx1"/>
+                    <a:srgbClr val="000000"/>
                   </a:solidFill>
                 </a:rPr>
                 <a:t>Menschen nicht überfordern</a:t>
@@ -21494,7 +21458,7 @@
               </a:pPr>
               <a:endParaRPr lang="de-DE" dirty="0">
                 <a:solidFill>
-                  <a:schemeClr val="tx1"/>
+                  <a:srgbClr val="000000"/>
                 </a:solidFill>
               </a:endParaRPr>
             </a:p>
@@ -21505,7 +21469,7 @@
               </a:pPr>
               <a:endParaRPr lang="de-DE" dirty="0">
                 <a:solidFill>
-                  <a:schemeClr val="tx1"/>
+                  <a:srgbClr val="000000"/>
                 </a:solidFill>
               </a:endParaRPr>
             </a:p>
@@ -21517,7 +21481,7 @@
               <a:r>
                 <a:rPr lang="de-DE" dirty="0">
                   <a:solidFill>
-                    <a:schemeClr val="tx1"/>
+                    <a:srgbClr val="000000"/>
                   </a:solidFill>
                 </a:rPr>
                 <a:t>Lösungen vergleichen können</a:t>
@@ -21530,7 +21494,7 @@
             <p:cNvPr id="9" name="Rechteck 8">
               <a:extLst>
                 <a:ext uri="{FF2B5EF4-FFF2-40B4-BE49-F238E27FC236}">
-                  <a16:creationId xmlns:a16="http://schemas.microsoft.com/office/drawing/2014/main" xmlns="" id="{FCCEA108-686B-BB4F-95FB-4BCE5EB529F1}"/>
+                  <a16:creationId xmlns:a16="http://schemas.microsoft.com/office/drawing/2014/main" id="{FCCEA108-686B-BB4F-95FB-4BCE5EB529F1}"/>
                 </a:ext>
               </a:extLst>
             </p:cNvPr>
@@ -21575,7 +21539,7 @@
               <a:r>
                 <a:rPr lang="de-DE" b="1" dirty="0">
                   <a:solidFill>
-                    <a:schemeClr val="accent4"/>
+                    <a:srgbClr val="000000"/>
                   </a:solidFill>
                 </a:rPr>
                 <a:t>User Experience</a:t>
@@ -21589,7 +21553,7 @@
           <p:cNvPr id="10" name="Rechteck 9">
             <a:extLst>
               <a:ext uri="{FF2B5EF4-FFF2-40B4-BE49-F238E27FC236}">
-                <a16:creationId xmlns:a16="http://schemas.microsoft.com/office/drawing/2014/main" xmlns="" id="{FCCEA108-686B-BB4F-95FB-4BCE5EB529F1}"/>
+                <a16:creationId xmlns:a16="http://schemas.microsoft.com/office/drawing/2014/main" id="{FCCEA108-686B-BB4F-95FB-4BCE5EB529F1}"/>
               </a:ext>
             </a:extLst>
           </p:cNvPr>
@@ -21634,7 +21598,7 @@
             <a:r>
               <a:rPr lang="de-DE" b="1" dirty="0">
                 <a:solidFill>
-                  <a:schemeClr val="accent4"/>
+                  <a:srgbClr val="000000"/>
                 </a:solidFill>
               </a:rPr>
               <a:t>Informationen anpassen</a:t>
@@ -21660,7 +21624,7 @@
           </a:prstGeom>
           <a:ln w="38100">
             <a:solidFill>
-              <a:schemeClr val="tx1"/>
+              <a:srgbClr val="000000"/>
             </a:solidFill>
             <a:tailEnd type="triangle"/>
           </a:ln>
@@ -21685,7 +21649,7 @@
           <p:cNvPr id="13" name="Gruppieren 12">
             <a:extLst>
               <a:ext uri="{FF2B5EF4-FFF2-40B4-BE49-F238E27FC236}">
-                <a16:creationId xmlns:a16="http://schemas.microsoft.com/office/drawing/2014/main" xmlns="" id="{64401E1E-557D-5D4F-AE09-187A0802411B}"/>
+                <a16:creationId xmlns:a16="http://schemas.microsoft.com/office/drawing/2014/main" id="{64401E1E-557D-5D4F-AE09-187A0802411B}"/>
               </a:ext>
             </a:extLst>
           </p:cNvPr>
@@ -21705,7 +21669,7 @@
             <p:cNvPr id="14" name="Rechteck 13">
               <a:extLst>
                 <a:ext uri="{FF2B5EF4-FFF2-40B4-BE49-F238E27FC236}">
-                  <a16:creationId xmlns:a16="http://schemas.microsoft.com/office/drawing/2014/main" xmlns="" id="{35A0EAB9-4039-6448-AC03-B60DE38901D0}"/>
+                  <a16:creationId xmlns:a16="http://schemas.microsoft.com/office/drawing/2014/main" id="{35A0EAB9-4039-6448-AC03-B60DE38901D0}"/>
                 </a:ext>
               </a:extLst>
             </p:cNvPr>
@@ -21723,6 +21687,11 @@
             <a:solidFill>
               <a:schemeClr val="bg1"/>
             </a:solidFill>
+            <a:ln>
+              <a:solidFill>
+                <a:srgbClr val="000000"/>
+              </a:solidFill>
+            </a:ln>
           </p:spPr>
           <p:style>
             <a:lnRef idx="2">
@@ -21751,7 +21720,7 @@
               <a:r>
                 <a:rPr lang="de-DE" dirty="0">
                   <a:solidFill>
-                    <a:schemeClr val="tx1"/>
+                    <a:srgbClr val="000000"/>
                   </a:solidFill>
                 </a:rPr>
                 <a:t>Automatisierungsgrad anpassen</a:t>
@@ -21764,7 +21733,7 @@
               </a:pPr>
               <a:endParaRPr lang="de-DE" dirty="0">
                 <a:solidFill>
-                  <a:schemeClr val="tx1"/>
+                  <a:srgbClr val="000000"/>
                 </a:solidFill>
               </a:endParaRPr>
             </a:p>
@@ -21775,7 +21744,7 @@
               </a:pPr>
               <a:endParaRPr lang="de-DE" dirty="0">
                 <a:solidFill>
-                  <a:schemeClr val="tx1"/>
+                  <a:srgbClr val="000000"/>
                 </a:solidFill>
               </a:endParaRPr>
             </a:p>
@@ -21787,7 +21756,7 @@
               <a:r>
                 <a:rPr lang="de-DE" dirty="0">
                   <a:solidFill>
-                    <a:schemeClr val="tx1"/>
+                    <a:srgbClr val="000000"/>
                   </a:solidFill>
                 </a:rPr>
                 <a:t>Informationen und Zusammenhänge sinnvoll darstellen</a:t>
@@ -21796,7 +21765,7 @@
             <a:p>
               <a:endParaRPr lang="de-DE" dirty="0">
                 <a:solidFill>
-                  <a:schemeClr val="tx1"/>
+                  <a:srgbClr val="000000"/>
                 </a:solidFill>
               </a:endParaRPr>
             </a:p>
@@ -21808,7 +21777,7 @@
               <a:r>
                 <a:rPr lang="de-DE" dirty="0">
                   <a:solidFill>
-                    <a:schemeClr val="tx1"/>
+                    <a:srgbClr val="000000"/>
                   </a:solidFill>
                 </a:rPr>
                 <a:t>Die richtigen Informationen darstellen</a:t>
@@ -21821,7 +21790,7 @@
             <p:cNvPr id="15" name="Rechteck 14">
               <a:extLst>
                 <a:ext uri="{FF2B5EF4-FFF2-40B4-BE49-F238E27FC236}">
-                  <a16:creationId xmlns:a16="http://schemas.microsoft.com/office/drawing/2014/main" xmlns="" id="{FCCEA108-686B-BB4F-95FB-4BCE5EB529F1}"/>
+                  <a16:creationId xmlns:a16="http://schemas.microsoft.com/office/drawing/2014/main" id="{FCCEA108-686B-BB4F-95FB-4BCE5EB529F1}"/>
                 </a:ext>
               </a:extLst>
             </p:cNvPr>
@@ -21866,7 +21835,7 @@
               <a:r>
                 <a:rPr lang="de-DE" b="1" dirty="0">
                   <a:solidFill>
-                    <a:schemeClr val="accent4"/>
+                    <a:srgbClr val="000000"/>
                   </a:solidFill>
                 </a:rPr>
                 <a:t>Problemlösungen</a:t>
@@ -21880,7 +21849,7 @@
           <p:cNvPr id="16" name="Rechteck 15">
             <a:extLst>
               <a:ext uri="{FF2B5EF4-FFF2-40B4-BE49-F238E27FC236}">
-                <a16:creationId xmlns:a16="http://schemas.microsoft.com/office/drawing/2014/main" xmlns="" id="{FCCEA108-686B-BB4F-95FB-4BCE5EB529F1}"/>
+                <a16:creationId xmlns:a16="http://schemas.microsoft.com/office/drawing/2014/main" id="{FCCEA108-686B-BB4F-95FB-4BCE5EB529F1}"/>
               </a:ext>
             </a:extLst>
           </p:cNvPr>
@@ -21925,7 +21894,7 @@
             <a:r>
               <a:rPr lang="de-DE" b="1" dirty="0">
                 <a:solidFill>
-                  <a:schemeClr val="accent4"/>
+                  <a:srgbClr val="000000"/>
                 </a:solidFill>
               </a:rPr>
               <a:t>Lösungen darstellen</a:t>
@@ -21938,7 +21907,7 @@
           <p:cNvPr id="18" name="Rechteck 17">
             <a:extLst>
               <a:ext uri="{FF2B5EF4-FFF2-40B4-BE49-F238E27FC236}">
-                <a16:creationId xmlns:a16="http://schemas.microsoft.com/office/drawing/2014/main" xmlns="" id="{FCCEA108-686B-BB4F-95FB-4BCE5EB529F1}"/>
+                <a16:creationId xmlns:a16="http://schemas.microsoft.com/office/drawing/2014/main" id="{FCCEA108-686B-BB4F-95FB-4BCE5EB529F1}"/>
               </a:ext>
             </a:extLst>
           </p:cNvPr>
@@ -21983,7 +21952,7 @@
             <a:r>
               <a:rPr lang="de-DE" b="1" dirty="0">
                 <a:solidFill>
-                  <a:schemeClr val="accent4"/>
+                  <a:srgbClr val="000000"/>
                 </a:solidFill>
               </a:rPr>
               <a:t>Entscheidungen unterstützen</a:t>
@@ -22007,7 +21976,7 @@
           </a:prstGeom>
           <a:ln w="38100">
             <a:solidFill>
-              <a:schemeClr val="tx1"/>
+              <a:srgbClr val="000000"/>
             </a:solidFill>
             <a:tailEnd type="triangle"/>
           </a:ln>
@@ -22043,7 +22012,7 @@
           </a:prstGeom>
           <a:ln w="38100">
             <a:solidFill>
-              <a:schemeClr val="tx1"/>
+              <a:srgbClr val="000000"/>
             </a:solidFill>
             <a:tailEnd type="triangle"/>
           </a:ln>
@@ -22134,7 +22103,7 @@
             <p:cNvPr id="6" name="Gruppieren 5">
               <a:extLst>
                 <a:ext uri="{FF2B5EF4-FFF2-40B4-BE49-F238E27FC236}">
-                  <a16:creationId xmlns:a16="http://schemas.microsoft.com/office/drawing/2014/main" xmlns="" id="{64401E1E-557D-5D4F-AE09-187A0802411B}"/>
+                  <a16:creationId xmlns:a16="http://schemas.microsoft.com/office/drawing/2014/main" id="{64401E1E-557D-5D4F-AE09-187A0802411B}"/>
                 </a:ext>
               </a:extLst>
             </p:cNvPr>
@@ -22154,7 +22123,7 @@
               <p:cNvPr id="7" name="Rechteck 6">
                 <a:extLst>
                   <a:ext uri="{FF2B5EF4-FFF2-40B4-BE49-F238E27FC236}">
-                    <a16:creationId xmlns:a16="http://schemas.microsoft.com/office/drawing/2014/main" xmlns="" id="{35A0EAB9-4039-6448-AC03-B60DE38901D0}"/>
+                    <a16:creationId xmlns:a16="http://schemas.microsoft.com/office/drawing/2014/main" id="{35A0EAB9-4039-6448-AC03-B60DE38901D0}"/>
                   </a:ext>
                 </a:extLst>
               </p:cNvPr>
@@ -22215,7 +22184,7 @@
               <p:cNvPr id="8" name="Rechteck 7">
                 <a:extLst>
                   <a:ext uri="{FF2B5EF4-FFF2-40B4-BE49-F238E27FC236}">
-                    <a16:creationId xmlns:a16="http://schemas.microsoft.com/office/drawing/2014/main" xmlns="" id="{FCCEA108-686B-BB4F-95FB-4BCE5EB529F1}"/>
+                    <a16:creationId xmlns:a16="http://schemas.microsoft.com/office/drawing/2014/main" id="{FCCEA108-686B-BB4F-95FB-4BCE5EB529F1}"/>
                   </a:ext>
                 </a:extLst>
               </p:cNvPr>
@@ -22374,7 +22343,7 @@
               <p:cNvPr id="11" name="Rechteck 10">
                 <a:extLst>
                   <a:ext uri="{FF2B5EF4-FFF2-40B4-BE49-F238E27FC236}">
-                    <a16:creationId xmlns:a16="http://schemas.microsoft.com/office/drawing/2014/main" xmlns="" id="{FCCEA108-686B-BB4F-95FB-4BCE5EB529F1}"/>
+                    <a16:creationId xmlns:a16="http://schemas.microsoft.com/office/drawing/2014/main" id="{FCCEA108-686B-BB4F-95FB-4BCE5EB529F1}"/>
                   </a:ext>
                 </a:extLst>
               </p:cNvPr>
@@ -22558,7 +22527,7 @@
               <p:cNvPr id="14" name="Rechteck 13">
                 <a:extLst>
                   <a:ext uri="{FF2B5EF4-FFF2-40B4-BE49-F238E27FC236}">
-                    <a16:creationId xmlns:a16="http://schemas.microsoft.com/office/drawing/2014/main" xmlns="" id="{FCCEA108-686B-BB4F-95FB-4BCE5EB529F1}"/>
+                    <a16:creationId xmlns:a16="http://schemas.microsoft.com/office/drawing/2014/main" id="{FCCEA108-686B-BB4F-95FB-4BCE5EB529F1}"/>
                   </a:ext>
                 </a:extLst>
               </p:cNvPr>
@@ -22648,7 +22617,7 @@
           <p:cNvPr id="16" name="Grafik 15">
             <a:extLst>
               <a:ext uri="{FF2B5EF4-FFF2-40B4-BE49-F238E27FC236}">
-                <a16:creationId xmlns:a16="http://schemas.microsoft.com/office/drawing/2014/main" xmlns="" id="{5F5EC1D0-6DA0-2445-BD1B-0BFF79CFDB8D}"/>
+                <a16:creationId xmlns:a16="http://schemas.microsoft.com/office/drawing/2014/main" id="{5F5EC1D0-6DA0-2445-BD1B-0BFF79CFDB8D}"/>
               </a:ext>
             </a:extLst>
           </p:cNvPr>
@@ -22827,7 +22796,7 @@
             <p:cNvPr id="6" name="Gruppieren 5">
               <a:extLst>
                 <a:ext uri="{FF2B5EF4-FFF2-40B4-BE49-F238E27FC236}">
-                  <a16:creationId xmlns:a16="http://schemas.microsoft.com/office/drawing/2014/main" xmlns="" id="{64401E1E-557D-5D4F-AE09-187A0802411B}"/>
+                  <a16:creationId xmlns:a16="http://schemas.microsoft.com/office/drawing/2014/main" id="{64401E1E-557D-5D4F-AE09-187A0802411B}"/>
                 </a:ext>
               </a:extLst>
             </p:cNvPr>
@@ -22847,7 +22816,7 @@
               <p:cNvPr id="7" name="Rechteck 6">
                 <a:extLst>
                   <a:ext uri="{FF2B5EF4-FFF2-40B4-BE49-F238E27FC236}">
-                    <a16:creationId xmlns:a16="http://schemas.microsoft.com/office/drawing/2014/main" xmlns="" id="{35A0EAB9-4039-6448-AC03-B60DE38901D0}"/>
+                    <a16:creationId xmlns:a16="http://schemas.microsoft.com/office/drawing/2014/main" id="{35A0EAB9-4039-6448-AC03-B60DE38901D0}"/>
                   </a:ext>
                 </a:extLst>
               </p:cNvPr>
@@ -22908,7 +22877,7 @@
               <p:cNvPr id="8" name="Rechteck 7">
                 <a:extLst>
                   <a:ext uri="{FF2B5EF4-FFF2-40B4-BE49-F238E27FC236}">
-                    <a16:creationId xmlns:a16="http://schemas.microsoft.com/office/drawing/2014/main" xmlns="" id="{FCCEA108-686B-BB4F-95FB-4BCE5EB529F1}"/>
+                    <a16:creationId xmlns:a16="http://schemas.microsoft.com/office/drawing/2014/main" id="{FCCEA108-686B-BB4F-95FB-4BCE5EB529F1}"/>
                   </a:ext>
                 </a:extLst>
               </p:cNvPr>
@@ -23064,7 +23033,7 @@
               <p:cNvPr id="11" name="Rechteck 10">
                 <a:extLst>
                   <a:ext uri="{FF2B5EF4-FFF2-40B4-BE49-F238E27FC236}">
-                    <a16:creationId xmlns:a16="http://schemas.microsoft.com/office/drawing/2014/main" xmlns="" id="{FCCEA108-686B-BB4F-95FB-4BCE5EB529F1}"/>
+                    <a16:creationId xmlns:a16="http://schemas.microsoft.com/office/drawing/2014/main" id="{FCCEA108-686B-BB4F-95FB-4BCE5EB529F1}"/>
                   </a:ext>
                 </a:extLst>
               </p:cNvPr>
@@ -23234,7 +23203,7 @@
               <p:cNvPr id="14" name="Rechteck 13">
                 <a:extLst>
                   <a:ext uri="{FF2B5EF4-FFF2-40B4-BE49-F238E27FC236}">
-                    <a16:creationId xmlns:a16="http://schemas.microsoft.com/office/drawing/2014/main" xmlns="" id="{FCCEA108-686B-BB4F-95FB-4BCE5EB529F1}"/>
+                    <a16:creationId xmlns:a16="http://schemas.microsoft.com/office/drawing/2014/main" id="{FCCEA108-686B-BB4F-95FB-4BCE5EB529F1}"/>
                   </a:ext>
                 </a:extLst>
               </p:cNvPr>
@@ -23294,7 +23263,7 @@
           <p:cNvPr id="4" name="Grafik 3">
             <a:extLst>
               <a:ext uri="{FF2B5EF4-FFF2-40B4-BE49-F238E27FC236}">
-                <a16:creationId xmlns:a16="http://schemas.microsoft.com/office/drawing/2014/main" xmlns="" id="{3CD3230B-6D18-7F44-B7DB-AA9C0FE0500E}"/>
+                <a16:creationId xmlns:a16="http://schemas.microsoft.com/office/drawing/2014/main" id="{3CD3230B-6D18-7F44-B7DB-AA9C0FE0500E}"/>
               </a:ext>
             </a:extLst>
           </p:cNvPr>
@@ -23379,7 +23348,7 @@
           <p:cNvPr id="7" name="Inhaltsplatzhalter 6">
             <a:extLst>
               <a:ext uri="{FF2B5EF4-FFF2-40B4-BE49-F238E27FC236}">
-                <a16:creationId xmlns:a16="http://schemas.microsoft.com/office/drawing/2014/main" xmlns="" id="{021C0CDB-2BCC-F341-9CF1-930A7CCD9061}"/>
+                <a16:creationId xmlns:a16="http://schemas.microsoft.com/office/drawing/2014/main" id="{021C0CDB-2BCC-F341-9CF1-930A7CCD9061}"/>
               </a:ext>
             </a:extLst>
           </p:cNvPr>
@@ -23444,7 +23413,7 @@
           <p:cNvPr id="2" name="Titel 1">
             <a:extLst>
               <a:ext uri="{FF2B5EF4-FFF2-40B4-BE49-F238E27FC236}">
-                <a16:creationId xmlns:a16="http://schemas.microsoft.com/office/drawing/2014/main" xmlns="" id="{7BA8FE41-0B04-6748-9CA8-05F0AE81883B}"/>
+                <a16:creationId xmlns:a16="http://schemas.microsoft.com/office/drawing/2014/main" id="{7BA8FE41-0B04-6748-9CA8-05F0AE81883B}"/>
               </a:ext>
             </a:extLst>
           </p:cNvPr>
@@ -23477,7 +23446,7 @@
           <p:cNvPr id="12" name="Gruppieren 11">
             <a:extLst>
               <a:ext uri="{FF2B5EF4-FFF2-40B4-BE49-F238E27FC236}">
-                <a16:creationId xmlns:a16="http://schemas.microsoft.com/office/drawing/2014/main" xmlns="" id="{995F115A-CBCD-7A4D-8C0A-281259A5A3C1}"/>
+                <a16:creationId xmlns:a16="http://schemas.microsoft.com/office/drawing/2014/main" id="{995F115A-CBCD-7A4D-8C0A-281259A5A3C1}"/>
               </a:ext>
             </a:extLst>
           </p:cNvPr>
@@ -23497,7 +23466,7 @@
             <p:cNvPr id="4" name="Gruppieren 3">
               <a:extLst>
                 <a:ext uri="{FF2B5EF4-FFF2-40B4-BE49-F238E27FC236}">
-                  <a16:creationId xmlns:a16="http://schemas.microsoft.com/office/drawing/2014/main" xmlns="" id="{783A73D2-C025-644E-A194-3438D291D352}"/>
+                  <a16:creationId xmlns:a16="http://schemas.microsoft.com/office/drawing/2014/main" id="{783A73D2-C025-644E-A194-3438D291D352}"/>
                 </a:ext>
               </a:extLst>
             </p:cNvPr>
@@ -23517,7 +23486,7 @@
               <p:cNvPr id="5" name="Rechteck 4">
                 <a:extLst>
                   <a:ext uri="{FF2B5EF4-FFF2-40B4-BE49-F238E27FC236}">
-                    <a16:creationId xmlns:a16="http://schemas.microsoft.com/office/drawing/2014/main" xmlns="" id="{4F68B8E9-417E-0141-AE27-E298ED29929C}"/>
+                    <a16:creationId xmlns:a16="http://schemas.microsoft.com/office/drawing/2014/main" id="{4F68B8E9-417E-0141-AE27-E298ED29929C}"/>
                   </a:ext>
                 </a:extLst>
               </p:cNvPr>
@@ -23609,7 +23578,7 @@
               <p:cNvPr id="6" name="Rechteck 5">
                 <a:extLst>
                   <a:ext uri="{FF2B5EF4-FFF2-40B4-BE49-F238E27FC236}">
-                    <a16:creationId xmlns:a16="http://schemas.microsoft.com/office/drawing/2014/main" xmlns="" id="{B2717A64-B61E-B44C-B23D-CB509FB519CA}"/>
+                    <a16:creationId xmlns:a16="http://schemas.microsoft.com/office/drawing/2014/main" id="{B2717A64-B61E-B44C-B23D-CB509FB519CA}"/>
                   </a:ext>
                 </a:extLst>
               </p:cNvPr>
@@ -23668,7 +23637,7 @@
             <p:cNvPr id="7" name="Rechteck 6">
               <a:extLst>
                 <a:ext uri="{FF2B5EF4-FFF2-40B4-BE49-F238E27FC236}">
-                  <a16:creationId xmlns:a16="http://schemas.microsoft.com/office/drawing/2014/main" xmlns="" id="{6F92A16E-30FA-A34D-A87A-AD884881288C}"/>
+                  <a16:creationId xmlns:a16="http://schemas.microsoft.com/office/drawing/2014/main" id="{6F92A16E-30FA-A34D-A87A-AD884881288C}"/>
                 </a:ext>
               </a:extLst>
             </p:cNvPr>
@@ -23728,7 +23697,7 @@
           <p:cNvPr id="13" name="Gruppieren 12">
             <a:extLst>
               <a:ext uri="{FF2B5EF4-FFF2-40B4-BE49-F238E27FC236}">
-                <a16:creationId xmlns:a16="http://schemas.microsoft.com/office/drawing/2014/main" xmlns="" id="{214C6E04-BA76-3048-B247-843530C6F237}"/>
+                <a16:creationId xmlns:a16="http://schemas.microsoft.com/office/drawing/2014/main" id="{214C6E04-BA76-3048-B247-843530C6F237}"/>
               </a:ext>
             </a:extLst>
           </p:cNvPr>
@@ -23748,7 +23717,7 @@
             <p:cNvPr id="14" name="Gruppieren 13">
               <a:extLst>
                 <a:ext uri="{FF2B5EF4-FFF2-40B4-BE49-F238E27FC236}">
-                  <a16:creationId xmlns:a16="http://schemas.microsoft.com/office/drawing/2014/main" xmlns="" id="{CF154C31-9B1A-6844-82C6-BEC64AE64B76}"/>
+                  <a16:creationId xmlns:a16="http://schemas.microsoft.com/office/drawing/2014/main" id="{CF154C31-9B1A-6844-82C6-BEC64AE64B76}"/>
                 </a:ext>
               </a:extLst>
             </p:cNvPr>
@@ -23768,7 +23737,7 @@
               <p:cNvPr id="16" name="Rechteck 15">
                 <a:extLst>
                   <a:ext uri="{FF2B5EF4-FFF2-40B4-BE49-F238E27FC236}">
-                    <a16:creationId xmlns:a16="http://schemas.microsoft.com/office/drawing/2014/main" xmlns="" id="{5D41E86D-96E1-F64F-B645-811FEF9C3566}"/>
+                    <a16:creationId xmlns:a16="http://schemas.microsoft.com/office/drawing/2014/main" id="{5D41E86D-96E1-F64F-B645-811FEF9C3566}"/>
                   </a:ext>
                 </a:extLst>
               </p:cNvPr>
@@ -23899,7 +23868,7 @@
               <p:cNvPr id="17" name="Rechteck 16">
                 <a:extLst>
                   <a:ext uri="{FF2B5EF4-FFF2-40B4-BE49-F238E27FC236}">
-                    <a16:creationId xmlns:a16="http://schemas.microsoft.com/office/drawing/2014/main" xmlns="" id="{829E215D-25C5-FE42-A84B-E10BE5590901}"/>
+                    <a16:creationId xmlns:a16="http://schemas.microsoft.com/office/drawing/2014/main" id="{829E215D-25C5-FE42-A84B-E10BE5590901}"/>
                   </a:ext>
                 </a:extLst>
               </p:cNvPr>
@@ -23958,7 +23927,7 @@
             <p:cNvPr id="15" name="Rechteck 14">
               <a:extLst>
                 <a:ext uri="{FF2B5EF4-FFF2-40B4-BE49-F238E27FC236}">
-                  <a16:creationId xmlns:a16="http://schemas.microsoft.com/office/drawing/2014/main" xmlns="" id="{3D7F9058-E672-2A4D-9BB1-013BCCC5ACE0}"/>
+                  <a16:creationId xmlns:a16="http://schemas.microsoft.com/office/drawing/2014/main" id="{3D7F9058-E672-2A4D-9BB1-013BCCC5ACE0}"/>
                 </a:ext>
               </a:extLst>
             </p:cNvPr>
@@ -24018,7 +23987,7 @@
           <p:cNvPr id="18" name="Gruppieren 17">
             <a:extLst>
               <a:ext uri="{FF2B5EF4-FFF2-40B4-BE49-F238E27FC236}">
-                <a16:creationId xmlns:a16="http://schemas.microsoft.com/office/drawing/2014/main" xmlns="" id="{76C873CF-9A61-9B4A-9A7F-7A0A6A11ECCC}"/>
+                <a16:creationId xmlns:a16="http://schemas.microsoft.com/office/drawing/2014/main" id="{76C873CF-9A61-9B4A-9A7F-7A0A6A11ECCC}"/>
               </a:ext>
             </a:extLst>
           </p:cNvPr>
@@ -24038,7 +24007,7 @@
             <p:cNvPr id="19" name="Gruppieren 18">
               <a:extLst>
                 <a:ext uri="{FF2B5EF4-FFF2-40B4-BE49-F238E27FC236}">
-                  <a16:creationId xmlns:a16="http://schemas.microsoft.com/office/drawing/2014/main" xmlns="" id="{02621200-51DD-6A4C-86C6-6B2A72D512E2}"/>
+                  <a16:creationId xmlns:a16="http://schemas.microsoft.com/office/drawing/2014/main" id="{02621200-51DD-6A4C-86C6-6B2A72D512E2}"/>
                 </a:ext>
               </a:extLst>
             </p:cNvPr>
@@ -24058,7 +24027,7 @@
               <p:cNvPr id="21" name="Rechteck 20">
                 <a:extLst>
                   <a:ext uri="{FF2B5EF4-FFF2-40B4-BE49-F238E27FC236}">
-                    <a16:creationId xmlns:a16="http://schemas.microsoft.com/office/drawing/2014/main" xmlns="" id="{ED0E09EA-1DC6-1249-841E-901E17F3D0B6}"/>
+                    <a16:creationId xmlns:a16="http://schemas.microsoft.com/office/drawing/2014/main" id="{ED0E09EA-1DC6-1249-841E-901E17F3D0B6}"/>
                   </a:ext>
                 </a:extLst>
               </p:cNvPr>
@@ -24147,7 +24116,7 @@
               <p:cNvPr id="22" name="Rechteck 21">
                 <a:extLst>
                   <a:ext uri="{FF2B5EF4-FFF2-40B4-BE49-F238E27FC236}">
-                    <a16:creationId xmlns:a16="http://schemas.microsoft.com/office/drawing/2014/main" xmlns="" id="{753356B5-7EB8-3F4A-96E1-8FF10B332D06}"/>
+                    <a16:creationId xmlns:a16="http://schemas.microsoft.com/office/drawing/2014/main" id="{753356B5-7EB8-3F4A-96E1-8FF10B332D06}"/>
                   </a:ext>
                 </a:extLst>
               </p:cNvPr>
@@ -24206,7 +24175,7 @@
             <p:cNvPr id="20" name="Rechteck 19">
               <a:extLst>
                 <a:ext uri="{FF2B5EF4-FFF2-40B4-BE49-F238E27FC236}">
-                  <a16:creationId xmlns:a16="http://schemas.microsoft.com/office/drawing/2014/main" xmlns="" id="{63DF4C62-579D-3249-9CFF-878DBD32F80A}"/>
+                  <a16:creationId xmlns:a16="http://schemas.microsoft.com/office/drawing/2014/main" id="{63DF4C62-579D-3249-9CFF-878DBD32F80A}"/>
                 </a:ext>
               </a:extLst>
             </p:cNvPr>
@@ -24266,7 +24235,7 @@
           <p:cNvPr id="23" name="Gruppieren 22">
             <a:extLst>
               <a:ext uri="{FF2B5EF4-FFF2-40B4-BE49-F238E27FC236}">
-                <a16:creationId xmlns:a16="http://schemas.microsoft.com/office/drawing/2014/main" xmlns="" id="{8E929239-873F-A040-A4FF-CF41E574A33B}"/>
+                <a16:creationId xmlns:a16="http://schemas.microsoft.com/office/drawing/2014/main" id="{8E929239-873F-A040-A4FF-CF41E574A33B}"/>
               </a:ext>
             </a:extLst>
           </p:cNvPr>
@@ -24286,7 +24255,7 @@
             <p:cNvPr id="24" name="Gruppieren 23">
               <a:extLst>
                 <a:ext uri="{FF2B5EF4-FFF2-40B4-BE49-F238E27FC236}">
-                  <a16:creationId xmlns:a16="http://schemas.microsoft.com/office/drawing/2014/main" xmlns="" id="{F47E6093-9AA6-8F4B-B80B-776943FCB73D}"/>
+                  <a16:creationId xmlns:a16="http://schemas.microsoft.com/office/drawing/2014/main" id="{F47E6093-9AA6-8F4B-B80B-776943FCB73D}"/>
                 </a:ext>
               </a:extLst>
             </p:cNvPr>
@@ -24306,7 +24275,7 @@
               <p:cNvPr id="26" name="Rechteck 25">
                 <a:extLst>
                   <a:ext uri="{FF2B5EF4-FFF2-40B4-BE49-F238E27FC236}">
-                    <a16:creationId xmlns:a16="http://schemas.microsoft.com/office/drawing/2014/main" xmlns="" id="{4059FEBC-2EFF-ED47-98FF-010C8401FADA}"/>
+                    <a16:creationId xmlns:a16="http://schemas.microsoft.com/office/drawing/2014/main" id="{4059FEBC-2EFF-ED47-98FF-010C8401FADA}"/>
                   </a:ext>
                 </a:extLst>
               </p:cNvPr>
@@ -24428,7 +24397,7 @@
               <p:cNvPr id="27" name="Rechteck 26">
                 <a:extLst>
                   <a:ext uri="{FF2B5EF4-FFF2-40B4-BE49-F238E27FC236}">
-                    <a16:creationId xmlns:a16="http://schemas.microsoft.com/office/drawing/2014/main" xmlns="" id="{A6C74FE9-D83D-2346-A400-58BA4229E830}"/>
+                    <a16:creationId xmlns:a16="http://schemas.microsoft.com/office/drawing/2014/main" id="{A6C74FE9-D83D-2346-A400-58BA4229E830}"/>
                   </a:ext>
                 </a:extLst>
               </p:cNvPr>
@@ -24487,7 +24456,7 @@
             <p:cNvPr id="25" name="Rechteck 24">
               <a:extLst>
                 <a:ext uri="{FF2B5EF4-FFF2-40B4-BE49-F238E27FC236}">
-                  <a16:creationId xmlns:a16="http://schemas.microsoft.com/office/drawing/2014/main" xmlns="" id="{1EDE063D-852E-324C-A77E-EFB1A1CCD783}"/>
+                  <a16:creationId xmlns:a16="http://schemas.microsoft.com/office/drawing/2014/main" id="{1EDE063D-852E-324C-A77E-EFB1A1CCD783}"/>
                 </a:ext>
               </a:extLst>
             </p:cNvPr>
@@ -24547,7 +24516,7 @@
           <p:cNvPr id="28" name="Gruppieren 27">
             <a:extLst>
               <a:ext uri="{FF2B5EF4-FFF2-40B4-BE49-F238E27FC236}">
-                <a16:creationId xmlns:a16="http://schemas.microsoft.com/office/drawing/2014/main" xmlns="" id="{076AA3C9-476D-4D45-B8BE-E0951E23CBCF}"/>
+                <a16:creationId xmlns:a16="http://schemas.microsoft.com/office/drawing/2014/main" id="{076AA3C9-476D-4D45-B8BE-E0951E23CBCF}"/>
               </a:ext>
             </a:extLst>
           </p:cNvPr>
@@ -24567,7 +24536,7 @@
             <p:cNvPr id="29" name="Gruppieren 28">
               <a:extLst>
                 <a:ext uri="{FF2B5EF4-FFF2-40B4-BE49-F238E27FC236}">
-                  <a16:creationId xmlns:a16="http://schemas.microsoft.com/office/drawing/2014/main" xmlns="" id="{B404C1CC-6DF7-B648-9CCB-5E2E9AFEB672}"/>
+                  <a16:creationId xmlns:a16="http://schemas.microsoft.com/office/drawing/2014/main" id="{B404C1CC-6DF7-B648-9CCB-5E2E9AFEB672}"/>
                 </a:ext>
               </a:extLst>
             </p:cNvPr>
@@ -24587,7 +24556,7 @@
               <p:cNvPr id="31" name="Rechteck 30">
                 <a:extLst>
                   <a:ext uri="{FF2B5EF4-FFF2-40B4-BE49-F238E27FC236}">
-                    <a16:creationId xmlns:a16="http://schemas.microsoft.com/office/drawing/2014/main" xmlns="" id="{4BDB37D7-D054-A942-8D6D-F9B2EF0F9FF6}"/>
+                    <a16:creationId xmlns:a16="http://schemas.microsoft.com/office/drawing/2014/main" id="{4BDB37D7-D054-A942-8D6D-F9B2EF0F9FF6}"/>
                   </a:ext>
                 </a:extLst>
               </p:cNvPr>
@@ -24651,7 +24620,7 @@
               <p:cNvPr id="32" name="Rechteck 31">
                 <a:extLst>
                   <a:ext uri="{FF2B5EF4-FFF2-40B4-BE49-F238E27FC236}">
-                    <a16:creationId xmlns:a16="http://schemas.microsoft.com/office/drawing/2014/main" xmlns="" id="{3A6CCD76-DF2E-A745-8BA8-2A2DA3CA1050}"/>
+                    <a16:creationId xmlns:a16="http://schemas.microsoft.com/office/drawing/2014/main" id="{3A6CCD76-DF2E-A745-8BA8-2A2DA3CA1050}"/>
                   </a:ext>
                 </a:extLst>
               </p:cNvPr>
@@ -24710,7 +24679,7 @@
             <p:cNvPr id="30" name="Rechteck 29">
               <a:extLst>
                 <a:ext uri="{FF2B5EF4-FFF2-40B4-BE49-F238E27FC236}">
-                  <a16:creationId xmlns:a16="http://schemas.microsoft.com/office/drawing/2014/main" xmlns="" id="{117072ED-37EF-E943-B866-F06DD4235CB3}"/>
+                  <a16:creationId xmlns:a16="http://schemas.microsoft.com/office/drawing/2014/main" id="{117072ED-37EF-E943-B866-F06DD4235CB3}"/>
                 </a:ext>
               </a:extLst>
             </p:cNvPr>
